--- a/Presentation ASPNET MVC Core - Part I.pptx
+++ b/Presentation ASPNET MVC Core - Part I.pptx
@@ -5,10 +5,10 @@
     <p:sldMasterId id="2147483648" r:id="rId1"/>
   </p:sldMasterIdLst>
   <p:notesMasterIdLst>
-    <p:notesMasterId r:id="rId70"/>
+    <p:notesMasterId r:id="rId68"/>
   </p:notesMasterIdLst>
   <p:handoutMasterIdLst>
-    <p:handoutMasterId r:id="rId71"/>
+    <p:handoutMasterId r:id="rId69"/>
   </p:handoutMasterIdLst>
   <p:sldIdLst>
     <p:sldId id="493" r:id="rId2"/>
@@ -26,37 +26,37 @@
     <p:sldId id="719" r:id="rId14"/>
     <p:sldId id="718" r:id="rId15"/>
     <p:sldId id="721" r:id="rId16"/>
-    <p:sldId id="727" r:id="rId17"/>
-    <p:sldId id="747" r:id="rId18"/>
-    <p:sldId id="748" r:id="rId19"/>
-    <p:sldId id="750" r:id="rId20"/>
-    <p:sldId id="680" r:id="rId21"/>
-    <p:sldId id="749" r:id="rId22"/>
-    <p:sldId id="722" r:id="rId23"/>
-    <p:sldId id="723" r:id="rId24"/>
-    <p:sldId id="724" r:id="rId25"/>
-    <p:sldId id="725" r:id="rId26"/>
-    <p:sldId id="726" r:id="rId27"/>
-    <p:sldId id="751" r:id="rId28"/>
-    <p:sldId id="752" r:id="rId29"/>
-    <p:sldId id="753" r:id="rId30"/>
-    <p:sldId id="754" r:id="rId31"/>
-    <p:sldId id="755" r:id="rId32"/>
-    <p:sldId id="756" r:id="rId33"/>
-    <p:sldId id="711" r:id="rId34"/>
-    <p:sldId id="712" r:id="rId35"/>
-    <p:sldId id="713" r:id="rId36"/>
-    <p:sldId id="735" r:id="rId37"/>
-    <p:sldId id="736" r:id="rId38"/>
-    <p:sldId id="737" r:id="rId39"/>
-    <p:sldId id="738" r:id="rId40"/>
-    <p:sldId id="739" r:id="rId41"/>
-    <p:sldId id="740" r:id="rId42"/>
-    <p:sldId id="741" r:id="rId43"/>
-    <p:sldId id="742" r:id="rId44"/>
-    <p:sldId id="714" r:id="rId45"/>
-    <p:sldId id="743" r:id="rId46"/>
-    <p:sldId id="744" r:id="rId47"/>
+    <p:sldId id="711" r:id="rId17"/>
+    <p:sldId id="712" r:id="rId18"/>
+    <p:sldId id="713" r:id="rId19"/>
+    <p:sldId id="735" r:id="rId20"/>
+    <p:sldId id="736" r:id="rId21"/>
+    <p:sldId id="737" r:id="rId22"/>
+    <p:sldId id="738" r:id="rId23"/>
+    <p:sldId id="739" r:id="rId24"/>
+    <p:sldId id="740" r:id="rId25"/>
+    <p:sldId id="741" r:id="rId26"/>
+    <p:sldId id="742" r:id="rId27"/>
+    <p:sldId id="714" r:id="rId28"/>
+    <p:sldId id="743" r:id="rId29"/>
+    <p:sldId id="744" r:id="rId30"/>
+    <p:sldId id="727" r:id="rId31"/>
+    <p:sldId id="747" r:id="rId32"/>
+    <p:sldId id="748" r:id="rId33"/>
+    <p:sldId id="774" r:id="rId34"/>
+    <p:sldId id="775" r:id="rId35"/>
+    <p:sldId id="680" r:id="rId36"/>
+    <p:sldId id="722" r:id="rId37"/>
+    <p:sldId id="723" r:id="rId38"/>
+    <p:sldId id="724" r:id="rId39"/>
+    <p:sldId id="725" r:id="rId40"/>
+    <p:sldId id="726" r:id="rId41"/>
+    <p:sldId id="751" r:id="rId42"/>
+    <p:sldId id="752" r:id="rId43"/>
+    <p:sldId id="753" r:id="rId44"/>
+    <p:sldId id="754" r:id="rId45"/>
+    <p:sldId id="755" r:id="rId46"/>
+    <p:sldId id="756" r:id="rId47"/>
     <p:sldId id="757" r:id="rId48"/>
     <p:sldId id="732" r:id="rId49"/>
     <p:sldId id="758" r:id="rId50"/>
@@ -75,10 +75,8 @@
     <p:sldId id="768" r:id="rId63"/>
     <p:sldId id="769" r:id="rId64"/>
     <p:sldId id="730" r:id="rId65"/>
-    <p:sldId id="774" r:id="rId66"/>
-    <p:sldId id="775" r:id="rId67"/>
-    <p:sldId id="773" r:id="rId68"/>
-    <p:sldId id="729" r:id="rId69"/>
+    <p:sldId id="773" r:id="rId66"/>
+    <p:sldId id="729" r:id="rId67"/>
   </p:sldIdLst>
   <p:sldSz cx="12192000" cy="6858000"/>
   <p:notesSz cx="9928225" cy="6797675"/>
@@ -207,31 +205,6 @@
             <p14:sldId id="721"/>
           </p14:sldIdLst>
         </p14:section>
-        <p14:section name="First Application" id="{F6D47AA7-3C7E-4490-85DD-79306E9199AB}">
-          <p14:sldIdLst>
-            <p14:sldId id="727"/>
-            <p14:sldId id="747"/>
-            <p14:sldId id="748"/>
-            <p14:sldId id="750"/>
-            <p14:sldId id="680"/>
-            <p14:sldId id="749"/>
-          </p14:sldIdLst>
-        </p14:section>
-        <p14:section name="Key Benefits of ASP.NET Core MVC" id="{9A186F36-F36C-4A63-9F21-C48C30C9FBC0}">
-          <p14:sldIdLst>
-            <p14:sldId id="722"/>
-            <p14:sldId id="723"/>
-            <p14:sldId id="724"/>
-            <p14:sldId id="725"/>
-            <p14:sldId id="726"/>
-            <p14:sldId id="751"/>
-            <p14:sldId id="752"/>
-            <p14:sldId id="753"/>
-            <p14:sldId id="754"/>
-            <p14:sldId id="755"/>
-            <p14:sldId id="756"/>
-          </p14:sldIdLst>
-        </p14:section>
         <p14:section name="The pattern" id="{95C455DC-2000-49BF-A1DC-5D916E6F4076}">
           <p14:sldIdLst>
             <p14:sldId id="711"/>
@@ -248,6 +221,31 @@
             <p14:sldId id="714"/>
             <p14:sldId id="743"/>
             <p14:sldId id="744"/>
+          </p14:sldIdLst>
+        </p14:section>
+        <p14:section name="First Application" id="{F6D47AA7-3C7E-4490-85DD-79306E9199AB}">
+          <p14:sldIdLst>
+            <p14:sldId id="727"/>
+            <p14:sldId id="747"/>
+            <p14:sldId id="748"/>
+            <p14:sldId id="774"/>
+            <p14:sldId id="775"/>
+            <p14:sldId id="680"/>
+          </p14:sldIdLst>
+        </p14:section>
+        <p14:section name="Key Benefits of ASP.NET Core MVC" id="{9A186F36-F36C-4A63-9F21-C48C30C9FBC0}">
+          <p14:sldIdLst>
+            <p14:sldId id="722"/>
+            <p14:sldId id="723"/>
+            <p14:sldId id="724"/>
+            <p14:sldId id="725"/>
+            <p14:sldId id="726"/>
+            <p14:sldId id="751"/>
+            <p14:sldId id="752"/>
+            <p14:sldId id="753"/>
+            <p14:sldId id="754"/>
+            <p14:sldId id="755"/>
+            <p14:sldId id="756"/>
           </p14:sldIdLst>
         </p14:section>
         <p14:section name="ASP.NET Core MVC Projetcs" id="{090A1CF0-1C3E-48DA-84F6-CBC61F93FDC4}">
@@ -274,8 +272,6 @@
         <p14:section name="Demo - Complete project" id="{AF42073B-720D-4667-A14C-9E43237F621A}">
           <p14:sldIdLst>
             <p14:sldId id="730"/>
-            <p14:sldId id="774"/>
-            <p14:sldId id="775"/>
             <p14:sldId id="773"/>
             <p14:sldId id="729"/>
           </p14:sldIdLst>
@@ -301,10 +297,6 @@
     </p:ext>
   </p:extLst>
 </p:presentation>
-</file>
-
-<file path=ppt/revisionInfo.xml><?xml version="1.0" encoding="utf-8"?>
-<p1510:revInfo xmlns:a="http://schemas.openxmlformats.org/drawingml/2006/main" xmlns:r="http://schemas.openxmlformats.org/officeDocument/2006/relationships" xmlns:p1510="http://schemas.microsoft.com/office/powerpoint/2015/10/main"/>
 </file>
 
 <file path=ppt/handoutMasters/handoutMaster1.xml><?xml version="1.0" encoding="utf-8"?>
@@ -389,7 +381,7 @@
           <a:p>
             <a:fld id="{CD54E0B9-A397-428E-BA01-CD7A34B572EB}" type="datetimeFigureOut">
               <a:rPr lang="en-US" smtClean="0"/>
-              <a:t>13-Jun-17</a:t>
+              <a:t>18-May-18</a:t>
             </a:fld>
             <a:endParaRPr lang="en-US"/>
           </a:p>
@@ -554,7 +546,7 @@
           <a:p>
             <a:fld id="{AA161301-18C9-4CA0-A0BF-791B6E0DDD4D}" type="datetimeFigureOut">
               <a:rPr lang="en-GB" smtClean="0"/>
-              <a:t>13/06/2017</a:t>
+              <a:t>18/05/2018</a:t>
             </a:fld>
             <a:endParaRPr lang="en-GB"/>
           </a:p>
@@ -849,7 +841,12 @@
             <p:ph type="sldImg"/>
           </p:nvPr>
         </p:nvSpPr>
-        <p:spPr/>
+        <p:spPr>
+          <a:xfrm>
+            <a:off x="26988" y="744538"/>
+            <a:ext cx="6615112" cy="3722687"/>
+          </a:xfrm>
+        </p:spPr>
       </p:sp>
       <p:sp>
         <p:nvSpPr>
@@ -866,121 +863,7 @@
           <a:bodyPr/>
           <a:lstStyle/>
           <a:p>
-            <a:r>
-              <a:rPr lang="en-US" sz="1200" b="0" i="0" u="none" strike="noStrike" kern="1200" baseline="0" dirty="0">
-                <a:solidFill>
-                  <a:schemeClr val="tx1"/>
-                </a:solidFill>
-                <a:latin typeface="+mn-lt"/>
-                <a:ea typeface="+mn-ea"/>
-                <a:cs typeface="+mn-cs"/>
-              </a:rPr>
-              <a:t>C# is primarily a </a:t>
-            </a:r>
-            <a:r>
-              <a:rPr lang="en-US" sz="1200" b="0" i="1" u="none" strike="noStrike" kern="1200" baseline="0" dirty="0">
-                <a:solidFill>
-                  <a:schemeClr val="tx1"/>
-                </a:solidFill>
-                <a:latin typeface="+mn-lt"/>
-                <a:ea typeface="+mn-ea"/>
-                <a:cs typeface="+mn-cs"/>
-              </a:rPr>
-              <a:t>type-safe </a:t>
-            </a:r>
-            <a:r>
-              <a:rPr lang="en-US" sz="1200" b="0" i="0" u="none" strike="noStrike" kern="1200" baseline="0" dirty="0">
-                <a:solidFill>
-                  <a:schemeClr val="tx1"/>
-                </a:solidFill>
-                <a:latin typeface="+mn-lt"/>
-                <a:ea typeface="+mn-ea"/>
-                <a:cs typeface="+mn-cs"/>
-              </a:rPr>
-              <a:t>language: for instance, C# prevents you from interacting with a </a:t>
-            </a:r>
-            <a:r>
-              <a:rPr lang="en-US" sz="1200" b="0" i="1" u="none" strike="noStrike" kern="1200" baseline="0" dirty="0">
-                <a:solidFill>
-                  <a:schemeClr val="tx1"/>
-                </a:solidFill>
-                <a:latin typeface="+mn-lt"/>
-                <a:ea typeface="+mn-ea"/>
-                <a:cs typeface="+mn-cs"/>
-              </a:rPr>
-              <a:t>string </a:t>
-            </a:r>
-            <a:r>
-              <a:rPr lang="en-US" sz="1200" b="0" i="0" u="none" strike="noStrike" kern="1200" baseline="0" dirty="0">
-                <a:solidFill>
-                  <a:schemeClr val="tx1"/>
-                </a:solidFill>
-                <a:latin typeface="+mn-lt"/>
-                <a:ea typeface="+mn-ea"/>
-                <a:cs typeface="+mn-cs"/>
-              </a:rPr>
-              <a:t>type as though</a:t>
-            </a:r>
-          </a:p>
-          <a:p>
-            <a:r>
-              <a:rPr lang="en-US" sz="1200" b="0" i="0" u="none" strike="noStrike" kern="1200" baseline="0" dirty="0">
-                <a:solidFill>
-                  <a:schemeClr val="tx1"/>
-                </a:solidFill>
-                <a:latin typeface="+mn-lt"/>
-                <a:ea typeface="+mn-ea"/>
-                <a:cs typeface="+mn-cs"/>
-              </a:rPr>
-              <a:t>it were an </a:t>
-            </a:r>
-            <a:r>
-              <a:rPr lang="en-US" sz="1200" b="0" i="1" u="none" strike="noStrike" kern="1200" baseline="0" dirty="0">
-                <a:solidFill>
-                  <a:schemeClr val="tx1"/>
-                </a:solidFill>
-                <a:latin typeface="+mn-lt"/>
-                <a:ea typeface="+mn-ea"/>
-                <a:cs typeface="+mn-cs"/>
-              </a:rPr>
-              <a:t>integer </a:t>
-            </a:r>
-            <a:r>
-              <a:rPr lang="en-US" sz="1200" b="0" i="0" u="none" strike="noStrike" kern="1200" baseline="0" dirty="0">
-                <a:solidFill>
-                  <a:schemeClr val="tx1"/>
-                </a:solidFill>
-                <a:latin typeface="+mn-lt"/>
-                <a:ea typeface="+mn-ea"/>
-                <a:cs typeface="+mn-cs"/>
-              </a:rPr>
-              <a:t>type.</a:t>
-            </a:r>
-          </a:p>
-          <a:p>
-            <a:endParaRPr lang="en-US" sz="1200" b="0" i="0" u="none" strike="noStrike" kern="1200" baseline="0" dirty="0">
-              <a:solidFill>
-                <a:schemeClr val="tx1"/>
-              </a:solidFill>
-              <a:latin typeface="+mn-lt"/>
-              <a:ea typeface="+mn-ea"/>
-              <a:cs typeface="+mn-cs"/>
-            </a:endParaRPr>
-          </a:p>
-          <a:p>
-            <a:r>
-              <a:rPr lang="en-US" dirty="0"/>
-              <a:t>(and</a:t>
-            </a:r>
-            <a:r>
-              <a:rPr lang="en-US" b="1" dirty="0"/>
-              <a:t> strongly typed</a:t>
-            </a:r>
-            <a:r>
-              <a:rPr lang="en-US" i="1" dirty="0"/>
-              <a:t>) </a:t>
-            </a:r>
-            <a:endParaRPr lang="en-US" dirty="0"/>
+            <a:endParaRPr lang="en-GB" dirty="0"/>
           </a:p>
         </p:txBody>
       </p:sp>
@@ -1001,7 +884,7 @@
           <a:p>
             <a:fld id="{0BF20BA8-12AF-476D-99B2-894C09A4EE62}" type="slidenum">
               <a:rPr lang="en-GB" smtClean="0"/>
-              <a:t>20</a:t>
+              <a:t>27</a:t>
             </a:fld>
             <a:endParaRPr lang="en-GB"/>
           </a:p>
@@ -1010,7 +893,7 @@
     </p:spTree>
     <p:extLst>
       <p:ext uri="{BB962C8B-B14F-4D97-AF65-F5344CB8AC3E}">
-        <p14:creationId xmlns:p14="http://schemas.microsoft.com/office/powerpoint/2010/main" val="167561999"/>
+        <p14:creationId xmlns:p14="http://schemas.microsoft.com/office/powerpoint/2010/main" val="3224078169"/>
       </p:ext>
     </p:extLst>
   </p:cSld>
@@ -1047,12 +930,7 @@
             <p:ph type="sldImg"/>
           </p:nvPr>
         </p:nvSpPr>
-        <p:spPr>
-          <a:xfrm>
-            <a:off x="26988" y="744538"/>
-            <a:ext cx="6615112" cy="3722687"/>
-          </a:xfrm>
-        </p:spPr>
+        <p:spPr/>
       </p:sp>
       <p:sp>
         <p:nvSpPr>
@@ -1069,7 +947,121 @@
           <a:bodyPr/>
           <a:lstStyle/>
           <a:p>
-            <a:endParaRPr lang="en-GB" dirty="0"/>
+            <a:r>
+              <a:rPr lang="en-US" sz="1200" b="0" i="0" u="none" strike="noStrike" kern="1200" baseline="0" dirty="0">
+                <a:solidFill>
+                  <a:schemeClr val="tx1"/>
+                </a:solidFill>
+                <a:latin typeface="+mn-lt"/>
+                <a:ea typeface="+mn-ea"/>
+                <a:cs typeface="+mn-cs"/>
+              </a:rPr>
+              <a:t>C# is primarily a </a:t>
+            </a:r>
+            <a:r>
+              <a:rPr lang="en-US" sz="1200" b="0" i="1" u="none" strike="noStrike" kern="1200" baseline="0" dirty="0">
+                <a:solidFill>
+                  <a:schemeClr val="tx1"/>
+                </a:solidFill>
+                <a:latin typeface="+mn-lt"/>
+                <a:ea typeface="+mn-ea"/>
+                <a:cs typeface="+mn-cs"/>
+              </a:rPr>
+              <a:t>type-safe </a:t>
+            </a:r>
+            <a:r>
+              <a:rPr lang="en-US" sz="1200" b="0" i="0" u="none" strike="noStrike" kern="1200" baseline="0" dirty="0">
+                <a:solidFill>
+                  <a:schemeClr val="tx1"/>
+                </a:solidFill>
+                <a:latin typeface="+mn-lt"/>
+                <a:ea typeface="+mn-ea"/>
+                <a:cs typeface="+mn-cs"/>
+              </a:rPr>
+              <a:t>language: for instance, C# prevents you from interacting with a </a:t>
+            </a:r>
+            <a:r>
+              <a:rPr lang="en-US" sz="1200" b="0" i="1" u="none" strike="noStrike" kern="1200" baseline="0" dirty="0">
+                <a:solidFill>
+                  <a:schemeClr val="tx1"/>
+                </a:solidFill>
+                <a:latin typeface="+mn-lt"/>
+                <a:ea typeface="+mn-ea"/>
+                <a:cs typeface="+mn-cs"/>
+              </a:rPr>
+              <a:t>string </a:t>
+            </a:r>
+            <a:r>
+              <a:rPr lang="en-US" sz="1200" b="0" i="0" u="none" strike="noStrike" kern="1200" baseline="0" dirty="0">
+                <a:solidFill>
+                  <a:schemeClr val="tx1"/>
+                </a:solidFill>
+                <a:latin typeface="+mn-lt"/>
+                <a:ea typeface="+mn-ea"/>
+                <a:cs typeface="+mn-cs"/>
+              </a:rPr>
+              <a:t>type as though</a:t>
+            </a:r>
+          </a:p>
+          <a:p>
+            <a:r>
+              <a:rPr lang="en-US" sz="1200" b="0" i="0" u="none" strike="noStrike" kern="1200" baseline="0" dirty="0">
+                <a:solidFill>
+                  <a:schemeClr val="tx1"/>
+                </a:solidFill>
+                <a:latin typeface="+mn-lt"/>
+                <a:ea typeface="+mn-ea"/>
+                <a:cs typeface="+mn-cs"/>
+              </a:rPr>
+              <a:t>it were an </a:t>
+            </a:r>
+            <a:r>
+              <a:rPr lang="en-US" sz="1200" b="0" i="1" u="none" strike="noStrike" kern="1200" baseline="0" dirty="0">
+                <a:solidFill>
+                  <a:schemeClr val="tx1"/>
+                </a:solidFill>
+                <a:latin typeface="+mn-lt"/>
+                <a:ea typeface="+mn-ea"/>
+                <a:cs typeface="+mn-cs"/>
+              </a:rPr>
+              <a:t>integer </a:t>
+            </a:r>
+            <a:r>
+              <a:rPr lang="en-US" sz="1200" b="0" i="0" u="none" strike="noStrike" kern="1200" baseline="0" dirty="0">
+                <a:solidFill>
+                  <a:schemeClr val="tx1"/>
+                </a:solidFill>
+                <a:latin typeface="+mn-lt"/>
+                <a:ea typeface="+mn-ea"/>
+                <a:cs typeface="+mn-cs"/>
+              </a:rPr>
+              <a:t>type.</a:t>
+            </a:r>
+          </a:p>
+          <a:p>
+            <a:endParaRPr lang="en-US" sz="1200" b="0" i="0" u="none" strike="noStrike" kern="1200" baseline="0" dirty="0">
+              <a:solidFill>
+                <a:schemeClr val="tx1"/>
+              </a:solidFill>
+              <a:latin typeface="+mn-lt"/>
+              <a:ea typeface="+mn-ea"/>
+              <a:cs typeface="+mn-cs"/>
+            </a:endParaRPr>
+          </a:p>
+          <a:p>
+            <a:r>
+              <a:rPr lang="en-US" dirty="0"/>
+              <a:t>(and</a:t>
+            </a:r>
+            <a:r>
+              <a:rPr lang="en-US" b="1" dirty="0"/>
+              <a:t> strongly typed</a:t>
+            </a:r>
+            <a:r>
+              <a:rPr lang="en-US" i="1" dirty="0"/>
+              <a:t>) </a:t>
+            </a:r>
+            <a:endParaRPr lang="en-US" dirty="0"/>
           </a:p>
         </p:txBody>
       </p:sp>
@@ -1090,7 +1082,7 @@
           <a:p>
             <a:fld id="{0BF20BA8-12AF-476D-99B2-894C09A4EE62}" type="slidenum">
               <a:rPr lang="en-GB" smtClean="0"/>
-              <a:t>44</a:t>
+              <a:t>35</a:t>
             </a:fld>
             <a:endParaRPr lang="en-GB"/>
           </a:p>
@@ -1099,7 +1091,7 @@
     </p:spTree>
     <p:extLst>
       <p:ext uri="{BB962C8B-B14F-4D97-AF65-F5344CB8AC3E}">
-        <p14:creationId xmlns:p14="http://schemas.microsoft.com/office/powerpoint/2010/main" val="3224078169"/>
+        <p14:creationId xmlns:p14="http://schemas.microsoft.com/office/powerpoint/2010/main" val="167561999"/>
       </p:ext>
     </p:extLst>
   </p:cSld>
@@ -12098,7 +12090,7 @@
             </a:r>
             <a:r>
               <a:rPr lang="en-US" b="1" dirty="0"/>
-              <a:t> MVC Core – Part I</a:t>
+              <a:t> MVC Core 2 – Part I</a:t>
             </a:r>
             <a:endParaRPr lang="hr-HR" b="1" dirty="0">
               <a:effectLst>
@@ -12776,7 +12768,15 @@
             </a:pPr>
             <a:r>
               <a:rPr lang="en-US" dirty="0"/>
-              <a:t>Based on the Model-View-Controller (MVC) pattern to keep a clear separation between business logic and presentation logic, allowing complete control over the HTML markup. </a:t>
+              <a:t>Based on the </a:t>
+            </a:r>
+            <a:r>
+              <a:rPr lang="en-US" b="1" dirty="0"/>
+              <a:t>Model-View-Controller</a:t>
+            </a:r>
+            <a:r>
+              <a:rPr lang="en-US" dirty="0"/>
+              <a:t> (MVC) pattern to keep a clear separation between business logic and presentation logic, allowing complete control over the HTML markup. </a:t>
             </a:r>
           </a:p>
           <a:p>
@@ -12787,7 +12787,7 @@
             <a:endParaRPr lang="en-US" dirty="0"/>
           </a:p>
           <a:p>
-            <a:pPr marL="342900" indent="-342900">
+            <a:pPr marL="342900" indent="-342900" algn="just">
               <a:buFont typeface="Wingdings" panose="05000000000000000000" pitchFamily="2" charset="2"/>
               <a:buChar char="§"/>
             </a:pPr>
@@ -13347,2808 +13347,6 @@
       </p:grpSpPr>
       <p:sp>
         <p:nvSpPr>
-          <p:cNvPr id="5" name="Title 4"/>
-          <p:cNvSpPr>
-            <a:spLocks noGrp="1"/>
-          </p:cNvSpPr>
-          <p:nvPr>
-            <p:ph type="title"/>
-          </p:nvPr>
-        </p:nvSpPr>
-        <p:spPr/>
-        <p:txBody>
-          <a:bodyPr/>
-          <a:lstStyle/>
-          <a:p>
-            <a:r>
-              <a:rPr lang="en-US" dirty="0"/>
-              <a:t>Hello World (.NET Core)</a:t>
-            </a:r>
-          </a:p>
-        </p:txBody>
-      </p:sp>
-    </p:spTree>
-    <p:extLst>
-      <p:ext uri="{BB962C8B-B14F-4D97-AF65-F5344CB8AC3E}">
-        <p14:creationId xmlns:p14="http://schemas.microsoft.com/office/powerpoint/2010/main" val="1186053194"/>
-      </p:ext>
-    </p:extLst>
-  </p:cSld>
-  <p:clrMapOvr>
-    <a:masterClrMapping/>
-  </p:clrMapOvr>
-  <mc:AlternateContent xmlns:mc="http://schemas.openxmlformats.org/markup-compatibility/2006" xmlns:p14="http://schemas.microsoft.com/office/powerpoint/2010/main">
-    <mc:Choice Requires="p14">
-      <p:transition spd="med" p14:dur="700" advClick="0" advTm="1500">
-        <p:fade/>
-      </p:transition>
-    </mc:Choice>
-    <mc:Fallback xmlns="">
-      <p:transition spd="med" advClick="0" advTm="1500">
-        <p:fade/>
-      </p:transition>
-    </mc:Fallback>
-  </mc:AlternateContent>
-</p:sld>
-</file>
-
-<file path=ppt/slides/slide17.xml><?xml version="1.0" encoding="utf-8"?>
-<p:sld xmlns:a="http://schemas.openxmlformats.org/drawingml/2006/main" xmlns:r="http://schemas.openxmlformats.org/officeDocument/2006/relationships" xmlns:p="http://schemas.openxmlformats.org/presentationml/2006/main">
-  <p:cSld>
-    <p:spTree>
-      <p:nvGrpSpPr>
-        <p:cNvPr id="1" name=""/>
-        <p:cNvGrpSpPr/>
-        <p:nvPr/>
-      </p:nvGrpSpPr>
-      <p:grpSpPr>
-        <a:xfrm>
-          <a:off x="0" y="0"/>
-          <a:ext cx="0" cy="0"/>
-          <a:chOff x="0" y="0"/>
-          <a:chExt cx="0" cy="0"/>
-        </a:xfrm>
-      </p:grpSpPr>
-      <p:sp>
-        <p:nvSpPr>
-          <p:cNvPr id="3" name="Title 2"/>
-          <p:cNvSpPr>
-            <a:spLocks noGrp="1"/>
-          </p:cNvSpPr>
-          <p:nvPr>
-            <p:ph type="title"/>
-          </p:nvPr>
-        </p:nvSpPr>
-        <p:spPr/>
-        <p:txBody>
-          <a:bodyPr/>
-          <a:lstStyle/>
-          <a:p>
-            <a:r>
-              <a:rPr lang="en-US" dirty="0"/>
-              <a:t>First application</a:t>
-            </a:r>
-          </a:p>
-        </p:txBody>
-      </p:sp>
-      <p:sp>
-        <p:nvSpPr>
-          <p:cNvPr id="6" name="Text Placeholder 5"/>
-          <p:cNvSpPr>
-            <a:spLocks noGrp="1"/>
-          </p:cNvSpPr>
-          <p:nvPr>
-            <p:ph type="body" sz="quarter" idx="10"/>
-          </p:nvPr>
-        </p:nvSpPr>
-        <p:spPr/>
-        <p:txBody>
-          <a:bodyPr/>
-          <a:lstStyle/>
-          <a:p>
-            <a:r>
-              <a:rPr lang="en-US" dirty="0"/>
-              <a:t>Installing Visual Studio 2017</a:t>
-            </a:r>
-          </a:p>
-        </p:txBody>
-      </p:sp>
-      <p:sp>
-        <p:nvSpPr>
-          <p:cNvPr id="8" name="Content Placeholder 7"/>
-          <p:cNvSpPr>
-            <a:spLocks noGrp="1"/>
-          </p:cNvSpPr>
-          <p:nvPr>
-            <p:ph idx="1"/>
-          </p:nvPr>
-        </p:nvSpPr>
-        <p:spPr/>
-        <p:txBody>
-          <a:bodyPr/>
-          <a:lstStyle/>
-          <a:p>
-            <a:pPr marL="342900" indent="-342900" algn="just">
-              <a:buFont typeface="Wingdings" panose="05000000000000000000" pitchFamily="2" charset="2"/>
-              <a:buChar char="§"/>
-            </a:pPr>
-            <a:r>
-              <a:rPr lang="en-US" dirty="0"/>
-              <a:t>Visual Studio 2017 is available in </a:t>
-            </a:r>
-            <a:r>
-              <a:rPr lang="en-US" b="1" dirty="0"/>
-              <a:t>Community</a:t>
-            </a:r>
-            <a:r>
-              <a:rPr lang="en-US" dirty="0"/>
-              <a:t>, </a:t>
-            </a:r>
-            <a:r>
-              <a:rPr lang="en-US" b="1" dirty="0"/>
-              <a:t>Professional</a:t>
-            </a:r>
-            <a:r>
-              <a:rPr lang="en-US" dirty="0"/>
-              <a:t> and </a:t>
-            </a:r>
-            <a:r>
-              <a:rPr lang="en-US" b="1" dirty="0"/>
-              <a:t>Enterprise</a:t>
-            </a:r>
-            <a:r>
-              <a:rPr lang="en-US" dirty="0"/>
-              <a:t> editions.</a:t>
-            </a:r>
-          </a:p>
-          <a:p>
-            <a:pPr marL="342900" indent="-342900" algn="just">
-              <a:buFont typeface="Wingdings" panose="05000000000000000000" pitchFamily="2" charset="2"/>
-              <a:buChar char="§"/>
-            </a:pPr>
-            <a:endParaRPr lang="en-US" dirty="0"/>
-          </a:p>
-          <a:p>
-            <a:pPr marL="342900" indent="-342900" algn="just">
-              <a:buFont typeface="Wingdings" panose="05000000000000000000" pitchFamily="2" charset="2"/>
-              <a:buChar char="§"/>
-            </a:pPr>
-            <a:r>
-              <a:rPr lang="en-US" b="1" dirty="0"/>
-              <a:t>Community</a:t>
-            </a:r>
-            <a:r>
-              <a:rPr lang="en-US" dirty="0"/>
-              <a:t> is available for free and has all of the features required for day-to-day development. Download and run the installer from </a:t>
-            </a:r>
-            <a:r>
-              <a:rPr lang="en-US" dirty="0">
-                <a:hlinkClick r:id="rId2"/>
-              </a:rPr>
-              <a:t>www.visualstudio.com</a:t>
-            </a:r>
-            <a:endParaRPr lang="en-US" dirty="0"/>
-          </a:p>
-          <a:p>
-            <a:pPr marL="342900" indent="-342900" algn="just">
-              <a:buFont typeface="Wingdings" panose="05000000000000000000" pitchFamily="2" charset="2"/>
-              <a:buChar char="§"/>
-            </a:pPr>
-            <a:endParaRPr lang="en-US" dirty="0"/>
-          </a:p>
-          <a:p>
-            <a:pPr marL="342900" indent="-342900" algn="just">
-              <a:buFont typeface="Wingdings" panose="05000000000000000000" pitchFamily="2" charset="2"/>
-              <a:buChar char="§"/>
-            </a:pPr>
-            <a:r>
-              <a:rPr lang="en-US" b="1" dirty="0"/>
-              <a:t>Professional </a:t>
-            </a:r>
-            <a:r>
-              <a:rPr lang="en-US" dirty="0"/>
-              <a:t>is available through </a:t>
-            </a:r>
-            <a:r>
-              <a:rPr lang="en-US" dirty="0">
-                <a:hlinkClick r:id="rId3"/>
-              </a:rPr>
-              <a:t>microsoft.ase.ro </a:t>
-            </a:r>
-            <a:endParaRPr lang="en-US" dirty="0"/>
-          </a:p>
-          <a:p>
-            <a:pPr marL="342900" indent="-342900" algn="just">
-              <a:buFont typeface="Wingdings" panose="05000000000000000000" pitchFamily="2" charset="2"/>
-              <a:buChar char="§"/>
-            </a:pPr>
-            <a:endParaRPr lang="en-US" dirty="0"/>
-          </a:p>
-          <a:p>
-            <a:pPr marL="342900" indent="-342900" algn="just">
-              <a:buFont typeface="Wingdings" panose="05000000000000000000" pitchFamily="2" charset="2"/>
-              <a:buChar char="§"/>
-            </a:pPr>
-            <a:r>
-              <a:rPr lang="en-US" dirty="0"/>
-              <a:t>During setup make sure that you select the .NET Core Cross-Platform Development workload.</a:t>
-            </a:r>
-          </a:p>
-        </p:txBody>
-      </p:sp>
-    </p:spTree>
-    <p:extLst>
-      <p:ext uri="{BB962C8B-B14F-4D97-AF65-F5344CB8AC3E}">
-        <p14:creationId xmlns:p14="http://schemas.microsoft.com/office/powerpoint/2010/main" val="1338512398"/>
-      </p:ext>
-    </p:extLst>
-  </p:cSld>
-  <p:clrMapOvr>
-    <a:masterClrMapping/>
-  </p:clrMapOvr>
-  <mc:AlternateContent xmlns:mc="http://schemas.openxmlformats.org/markup-compatibility/2006" xmlns:p14="http://schemas.microsoft.com/office/powerpoint/2010/main">
-    <mc:Choice Requires="p14">
-      <p:transition spd="med" p14:dur="700">
-        <p:fade/>
-      </p:transition>
-    </mc:Choice>
-    <mc:Fallback xmlns="">
-      <p:transition spd="med">
-        <p:fade/>
-      </p:transition>
-    </mc:Fallback>
-  </mc:AlternateContent>
-</p:sld>
-</file>
-
-<file path=ppt/slides/slide18.xml><?xml version="1.0" encoding="utf-8"?>
-<p:sld xmlns:a="http://schemas.openxmlformats.org/drawingml/2006/main" xmlns:r="http://schemas.openxmlformats.org/officeDocument/2006/relationships" xmlns:p="http://schemas.openxmlformats.org/presentationml/2006/main">
-  <p:cSld>
-    <p:spTree>
-      <p:nvGrpSpPr>
-        <p:cNvPr id="1" name=""/>
-        <p:cNvGrpSpPr/>
-        <p:nvPr/>
-      </p:nvGrpSpPr>
-      <p:grpSpPr>
-        <a:xfrm>
-          <a:off x="0" y="0"/>
-          <a:ext cx="0" cy="0"/>
-          <a:chOff x="0" y="0"/>
-          <a:chExt cx="0" cy="0"/>
-        </a:xfrm>
-      </p:grpSpPr>
-      <p:sp>
-        <p:nvSpPr>
-          <p:cNvPr id="3" name="Title 2"/>
-          <p:cNvSpPr>
-            <a:spLocks noGrp="1"/>
-          </p:cNvSpPr>
-          <p:nvPr>
-            <p:ph type="title"/>
-          </p:nvPr>
-        </p:nvSpPr>
-        <p:spPr/>
-        <p:txBody>
-          <a:bodyPr/>
-          <a:lstStyle/>
-          <a:p>
-            <a:r>
-              <a:rPr lang="en-US" dirty="0"/>
-              <a:t>First application</a:t>
-            </a:r>
-          </a:p>
-        </p:txBody>
-      </p:sp>
-      <p:pic>
-        <p:nvPicPr>
-          <p:cNvPr id="5" name="Content Placeholder 4"/>
-          <p:cNvPicPr>
-            <a:picLocks noGrp="1" noChangeAspect="1"/>
-          </p:cNvPicPr>
-          <p:nvPr>
-            <p:ph idx="1"/>
-          </p:nvPr>
-        </p:nvPicPr>
-        <p:blipFill>
-          <a:blip r:embed="rId2"/>
-          <a:stretch>
-            <a:fillRect/>
-          </a:stretch>
-        </p:blipFill>
-        <p:spPr>
-          <a:xfrm>
-            <a:off x="2975334" y="1341438"/>
-            <a:ext cx="6412782" cy="4813300"/>
-          </a:xfrm>
-          <a:prstGeom prst="rect">
-            <a:avLst/>
-          </a:prstGeom>
-        </p:spPr>
-      </p:pic>
-      <p:sp>
-        <p:nvSpPr>
-          <p:cNvPr id="6" name="Text Placeholder 5"/>
-          <p:cNvSpPr>
-            <a:spLocks noGrp="1"/>
-          </p:cNvSpPr>
-          <p:nvPr>
-            <p:ph type="body" sz="quarter" idx="10"/>
-          </p:nvPr>
-        </p:nvSpPr>
-        <p:spPr/>
-        <p:txBody>
-          <a:bodyPr/>
-          <a:lstStyle/>
-          <a:p>
-            <a:r>
-              <a:rPr lang="en-US" dirty="0"/>
-              <a:t>Installing Visual Studio 2017</a:t>
-            </a:r>
-          </a:p>
-        </p:txBody>
-      </p:sp>
-    </p:spTree>
-    <p:extLst>
-      <p:ext uri="{BB962C8B-B14F-4D97-AF65-F5344CB8AC3E}">
-        <p14:creationId xmlns:p14="http://schemas.microsoft.com/office/powerpoint/2010/main" val="174849330"/>
-      </p:ext>
-    </p:extLst>
-  </p:cSld>
-  <p:clrMapOvr>
-    <a:masterClrMapping/>
-  </p:clrMapOvr>
-  <mc:AlternateContent xmlns:mc="http://schemas.openxmlformats.org/markup-compatibility/2006" xmlns:p14="http://schemas.microsoft.com/office/powerpoint/2010/main">
-    <mc:Choice Requires="p14">
-      <p:transition spd="med" p14:dur="700">
-        <p:fade/>
-      </p:transition>
-    </mc:Choice>
-    <mc:Fallback xmlns="">
-      <p:transition spd="med">
-        <p:fade/>
-      </p:transition>
-    </mc:Fallback>
-  </mc:AlternateContent>
-</p:sld>
-</file>
-
-<file path=ppt/slides/slide19.xml><?xml version="1.0" encoding="utf-8"?>
-<p:sld xmlns:a="http://schemas.openxmlformats.org/drawingml/2006/main" xmlns:r="http://schemas.openxmlformats.org/officeDocument/2006/relationships" xmlns:p="http://schemas.openxmlformats.org/presentationml/2006/main">
-  <p:cSld>
-    <p:spTree>
-      <p:nvGrpSpPr>
-        <p:cNvPr id="1" name=""/>
-        <p:cNvGrpSpPr/>
-        <p:nvPr/>
-      </p:nvGrpSpPr>
-      <p:grpSpPr>
-        <a:xfrm>
-          <a:off x="0" y="0"/>
-          <a:ext cx="0" cy="0"/>
-          <a:chOff x="0" y="0"/>
-          <a:chExt cx="0" cy="0"/>
-        </a:xfrm>
-      </p:grpSpPr>
-      <p:sp>
-        <p:nvSpPr>
-          <p:cNvPr id="2" name="Title 1"/>
-          <p:cNvSpPr>
-            <a:spLocks noGrp="1"/>
-          </p:cNvSpPr>
-          <p:nvPr>
-            <p:ph type="title"/>
-          </p:nvPr>
-        </p:nvSpPr>
-        <p:spPr/>
-        <p:txBody>
-          <a:bodyPr/>
-          <a:lstStyle/>
-          <a:p>
-            <a:r>
-              <a:rPr lang="en-US" dirty="0"/>
-              <a:t>First application</a:t>
-            </a:r>
-          </a:p>
-        </p:txBody>
-      </p:sp>
-      <p:pic>
-        <p:nvPicPr>
-          <p:cNvPr id="6" name="Content Placeholder 5" descr="A picture containing screenshot&#10;&#10;Description generated with very high confidence"/>
-          <p:cNvPicPr>
-            <a:picLocks noGrp="1" noChangeAspect="1"/>
-          </p:cNvPicPr>
-          <p:nvPr>
-            <p:ph idx="1"/>
-          </p:nvPr>
-        </p:nvPicPr>
-        <p:blipFill>
-          <a:blip r:embed="rId2">
-            <a:extLst>
-              <a:ext uri="{28A0092B-C50C-407E-A947-70E740481C1C}">
-                <a14:useLocalDpi xmlns:a14="http://schemas.microsoft.com/office/drawing/2010/main" val="0"/>
-              </a:ext>
-            </a:extLst>
-          </a:blip>
-          <a:stretch>
-            <a:fillRect/>
-          </a:stretch>
-        </p:blipFill>
-        <p:spPr>
-          <a:xfrm>
-            <a:off x="2713643" y="1341438"/>
-            <a:ext cx="6936164" cy="4813300"/>
-          </a:xfrm>
-        </p:spPr>
-      </p:pic>
-      <p:sp>
-        <p:nvSpPr>
-          <p:cNvPr id="4" name="Text Placeholder 3"/>
-          <p:cNvSpPr>
-            <a:spLocks noGrp="1"/>
-          </p:cNvSpPr>
-          <p:nvPr>
-            <p:ph type="body" sz="quarter" idx="10"/>
-          </p:nvPr>
-        </p:nvSpPr>
-        <p:spPr/>
-        <p:txBody>
-          <a:bodyPr/>
-          <a:lstStyle/>
-          <a:p>
-            <a:r>
-              <a:rPr lang="en-US" dirty="0"/>
-              <a:t>New Project</a:t>
-            </a:r>
-          </a:p>
-        </p:txBody>
-      </p:sp>
-    </p:spTree>
-    <p:extLst>
-      <p:ext uri="{BB962C8B-B14F-4D97-AF65-F5344CB8AC3E}">
-        <p14:creationId xmlns:p14="http://schemas.microsoft.com/office/powerpoint/2010/main" val="1427029031"/>
-      </p:ext>
-    </p:extLst>
-  </p:cSld>
-  <p:clrMapOvr>
-    <a:masterClrMapping/>
-  </p:clrMapOvr>
-  <mc:AlternateContent xmlns:mc="http://schemas.openxmlformats.org/markup-compatibility/2006" xmlns:p14="http://schemas.microsoft.com/office/powerpoint/2010/main">
-    <mc:Choice Requires="p14">
-      <p:transition spd="med" p14:dur="700">
-        <p:fade/>
-      </p:transition>
-    </mc:Choice>
-    <mc:Fallback xmlns="">
-      <p:transition spd="med">
-        <p:fade/>
-      </p:transition>
-    </mc:Fallback>
-  </mc:AlternateContent>
-</p:sld>
-</file>
-
-<file path=ppt/slides/slide2.xml><?xml version="1.0" encoding="utf-8"?>
-<p:sld xmlns:a="http://schemas.openxmlformats.org/drawingml/2006/main" xmlns:r="http://schemas.openxmlformats.org/officeDocument/2006/relationships" xmlns:p="http://schemas.openxmlformats.org/presentationml/2006/main">
-  <p:cSld>
-    <p:spTree>
-      <p:nvGrpSpPr>
-        <p:cNvPr id="1" name=""/>
-        <p:cNvGrpSpPr/>
-        <p:nvPr/>
-      </p:nvGrpSpPr>
-      <p:grpSpPr>
-        <a:xfrm>
-          <a:off x="0" y="0"/>
-          <a:ext cx="0" cy="0"/>
-          <a:chOff x="0" y="0"/>
-          <a:chExt cx="0" cy="0"/>
-        </a:xfrm>
-      </p:grpSpPr>
-      <p:sp>
-        <p:nvSpPr>
-          <p:cNvPr id="4" name="Title 3"/>
-          <p:cNvSpPr>
-            <a:spLocks noGrp="1"/>
-          </p:cNvSpPr>
-          <p:nvPr>
-            <p:ph type="title"/>
-          </p:nvPr>
-        </p:nvSpPr>
-        <p:spPr/>
-        <p:txBody>
-          <a:bodyPr/>
-          <a:lstStyle/>
-          <a:p>
-            <a:r>
-              <a:rPr lang="en-US" dirty="0"/>
-              <a:t>ASP.NET MVC Core, C# Language</a:t>
-            </a:r>
-          </a:p>
-        </p:txBody>
-      </p:sp>
-      <p:sp>
-        <p:nvSpPr>
-          <p:cNvPr id="5" name="Content Placeholder 4"/>
-          <p:cNvSpPr>
-            <a:spLocks noGrp="1"/>
-          </p:cNvSpPr>
-          <p:nvPr>
-            <p:ph idx="1"/>
-          </p:nvPr>
-        </p:nvSpPr>
-        <p:spPr/>
-        <p:txBody>
-          <a:bodyPr/>
-          <a:lstStyle/>
-          <a:p>
-            <a:endParaRPr lang="en-US" b="1" dirty="0"/>
-          </a:p>
-          <a:p>
-            <a:endParaRPr lang="en-US" b="1" dirty="0"/>
-          </a:p>
-          <a:p>
-            <a:endParaRPr lang="en-US" b="1" dirty="0"/>
-          </a:p>
-          <a:p>
-            <a:endParaRPr lang="en-US" b="1" dirty="0"/>
-          </a:p>
-          <a:p>
-            <a:endParaRPr lang="en-US" b="1" dirty="0"/>
-          </a:p>
-          <a:p>
-            <a:endParaRPr lang="en-US" b="1" dirty="0"/>
-          </a:p>
-          <a:p>
-            <a:endParaRPr lang="en-US" b="1" dirty="0"/>
-          </a:p>
-          <a:p>
-            <a:endParaRPr lang="en-US" b="1" dirty="0"/>
-          </a:p>
-          <a:p>
-            <a:endParaRPr lang="en-US" b="1" dirty="0"/>
-          </a:p>
-          <a:p>
-            <a:pPr marL="342900" indent="-342900">
-              <a:buFont typeface="Arial" panose="020B0604020202020204" pitchFamily="34" charset="0"/>
-              <a:buChar char="•"/>
-            </a:pPr>
-            <a:r>
-              <a:rPr lang="en-US" b="1" dirty="0"/>
-              <a:t>url:</a:t>
-            </a:r>
-            <a:r>
-              <a:rPr lang="en-US" dirty="0"/>
-              <a:t> </a:t>
-            </a:r>
-            <a:r>
-              <a:rPr lang="en-US" dirty="0">
-                <a:hlinkClick r:id="rId2"/>
-              </a:rPr>
-              <a:t>https://docs.microsoft.com/en-us/aspnet/core</a:t>
-            </a:r>
-            <a:endParaRPr lang="en-US" dirty="0"/>
-          </a:p>
-          <a:p>
-            <a:pPr marL="342900" indent="-342900">
-              <a:buFont typeface="Arial" panose="020B0604020202020204" pitchFamily="34" charset="0"/>
-              <a:buChar char="•"/>
-            </a:pPr>
-            <a:endParaRPr lang="en-US" dirty="0"/>
-          </a:p>
-        </p:txBody>
-      </p:sp>
-      <p:sp>
-        <p:nvSpPr>
-          <p:cNvPr id="8" name="TextBox 7"/>
-          <p:cNvSpPr txBox="1"/>
-          <p:nvPr/>
-        </p:nvSpPr>
-        <p:spPr>
-          <a:xfrm>
-            <a:off x="8328248" y="2587261"/>
-            <a:ext cx="1242648" cy="1323439"/>
-          </a:xfrm>
-          <a:prstGeom prst="rect">
-            <a:avLst/>
-          </a:prstGeom>
-          <a:noFill/>
-        </p:spPr>
-        <p:txBody>
-          <a:bodyPr wrap="none" rtlCol="0">
-            <a:spAutoFit/>
-          </a:bodyPr>
-          <a:lstStyle/>
-          <a:p>
-            <a:r>
-              <a:rPr lang="en-US" sz="8000" dirty="0"/>
-              <a:t>C#</a:t>
-            </a:r>
-          </a:p>
-        </p:txBody>
-      </p:sp>
-      <p:pic>
-        <p:nvPicPr>
-          <p:cNvPr id="9" name="Graphic 8"/>
-          <p:cNvPicPr>
-            <a:picLocks noChangeAspect="1"/>
-          </p:cNvPicPr>
-          <p:nvPr/>
-        </p:nvPicPr>
-        <p:blipFill>
-          <a:blip r:embed="rId3">
-            <a:extLst>
-              <a:ext uri="{96DAC541-7B7A-43D3-8B79-37D633B846F1}">
-                <asvg:svgBlip xmlns:asvg="http://schemas.microsoft.com/office/drawing/2016/SVG/main" r:embed="rId4"/>
-              </a:ext>
-            </a:extLst>
-          </a:blip>
-          <a:stretch>
-            <a:fillRect/>
-          </a:stretch>
-        </p:blipFill>
-        <p:spPr>
-          <a:xfrm>
-            <a:off x="2783632" y="2132856"/>
-            <a:ext cx="2232248" cy="2232248"/>
-          </a:xfrm>
-          <a:prstGeom prst="rect">
-            <a:avLst/>
-          </a:prstGeom>
-        </p:spPr>
-      </p:pic>
-    </p:spTree>
-    <p:extLst>
-      <p:ext uri="{BB962C8B-B14F-4D97-AF65-F5344CB8AC3E}">
-        <p14:creationId xmlns:p14="http://schemas.microsoft.com/office/powerpoint/2010/main" val="863801140"/>
-      </p:ext>
-    </p:extLst>
-  </p:cSld>
-  <p:clrMapOvr>
-    <a:masterClrMapping/>
-  </p:clrMapOvr>
-  <mc:AlternateContent xmlns:mc="http://schemas.openxmlformats.org/markup-compatibility/2006" xmlns:p14="http://schemas.microsoft.com/office/powerpoint/2010/main">
-    <mc:Choice Requires="p14">
-      <p:transition spd="med" p14:dur="700">
-        <p:fade/>
-      </p:transition>
-    </mc:Choice>
-    <mc:Fallback xmlns="">
-      <p:transition spd="med">
-        <p:fade/>
-      </p:transition>
-    </mc:Fallback>
-  </mc:AlternateContent>
-</p:sld>
-</file>
-
-<file path=ppt/slides/slide20.xml><?xml version="1.0" encoding="utf-8"?>
-<p:sld xmlns:a="http://schemas.openxmlformats.org/drawingml/2006/main" xmlns:r="http://schemas.openxmlformats.org/officeDocument/2006/relationships" xmlns:p="http://schemas.openxmlformats.org/presentationml/2006/main">
-  <p:cSld>
-    <p:spTree>
-      <p:nvGrpSpPr>
-        <p:cNvPr id="1" name=""/>
-        <p:cNvGrpSpPr/>
-        <p:nvPr/>
-      </p:nvGrpSpPr>
-      <p:grpSpPr>
-        <a:xfrm>
-          <a:off x="0" y="0"/>
-          <a:ext cx="0" cy="0"/>
-          <a:chOff x="0" y="0"/>
-          <a:chExt cx="0" cy="0"/>
-        </a:xfrm>
-      </p:grpSpPr>
-      <p:sp>
-        <p:nvSpPr>
-          <p:cNvPr id="2" name="Title 1"/>
-          <p:cNvSpPr>
-            <a:spLocks noGrp="1"/>
-          </p:cNvSpPr>
-          <p:nvPr>
-            <p:ph type="title"/>
-          </p:nvPr>
-        </p:nvSpPr>
-        <p:spPr/>
-        <p:txBody>
-          <a:bodyPr/>
-          <a:lstStyle/>
-          <a:p>
-            <a:r>
-              <a:rPr lang="en-US" dirty="0"/>
-              <a:t>First application</a:t>
-            </a:r>
-          </a:p>
-        </p:txBody>
-      </p:sp>
-      <p:sp>
-        <p:nvSpPr>
-          <p:cNvPr id="3" name="Content Placeholder 2"/>
-          <p:cNvSpPr>
-            <a:spLocks noGrp="1"/>
-          </p:cNvSpPr>
-          <p:nvPr>
-            <p:ph idx="1"/>
-          </p:nvPr>
-        </p:nvSpPr>
-        <p:spPr/>
-        <p:txBody>
-          <a:bodyPr/>
-          <a:lstStyle/>
-          <a:p>
-            <a:pPr marL="342900" indent="-342900" algn="just">
-              <a:buFont typeface="Wingdings" panose="05000000000000000000" pitchFamily="2" charset="2"/>
-              <a:buChar char="§"/>
-            </a:pPr>
-            <a:endParaRPr lang="en-US" dirty="0"/>
-          </a:p>
-          <a:p>
-            <a:pPr marL="342900" indent="-342900" algn="just">
-              <a:buFont typeface="Wingdings" panose="05000000000000000000" pitchFamily="2" charset="2"/>
-              <a:buChar char="§"/>
-            </a:pPr>
-            <a:r>
-              <a:rPr lang="en-US" dirty="0"/>
-              <a:t>C# (pronounced "C sharp") is a general-purpose, </a:t>
-            </a:r>
-            <a:r>
-              <a:rPr lang="en-US" b="1" dirty="0"/>
-              <a:t>type-safe </a:t>
-            </a:r>
-            <a:r>
-              <a:rPr lang="en-US" dirty="0"/>
-              <a:t>language, </a:t>
-            </a:r>
-            <a:r>
-              <a:rPr lang="en-US" b="1" dirty="0"/>
-              <a:t>object-oriented</a:t>
-            </a:r>
-            <a:r>
-              <a:rPr lang="en-US" dirty="0"/>
-              <a:t> programming language, designed for building a variety of applications</a:t>
-            </a:r>
-          </a:p>
-          <a:p>
-            <a:pPr marL="342900" indent="-342900" algn="just">
-              <a:buFont typeface="Wingdings" panose="05000000000000000000" pitchFamily="2" charset="2"/>
-              <a:buChar char="§"/>
-            </a:pPr>
-            <a:endParaRPr lang="en-US" dirty="0"/>
-          </a:p>
-          <a:p>
-            <a:pPr marL="342900" indent="-342900" algn="just">
-              <a:buFont typeface="Wingdings" panose="05000000000000000000" pitchFamily="2" charset="2"/>
-              <a:buChar char="§"/>
-            </a:pPr>
-            <a:r>
-              <a:rPr lang="en-US" dirty="0"/>
-              <a:t>Focused on developer </a:t>
-            </a:r>
-            <a:r>
-              <a:rPr lang="en-US" b="1" dirty="0"/>
-              <a:t>productivity</a:t>
-            </a:r>
-            <a:r>
-              <a:rPr lang="en-US" dirty="0"/>
-              <a:t>. </a:t>
-            </a:r>
-          </a:p>
-          <a:p>
-            <a:pPr marL="342900" indent="-342900" algn="just">
-              <a:buFont typeface="Wingdings" panose="05000000000000000000" pitchFamily="2" charset="2"/>
-              <a:buChar char="§"/>
-            </a:pPr>
-            <a:endParaRPr lang="en-US" dirty="0"/>
-          </a:p>
-          <a:p>
-            <a:pPr marL="342900" indent="-342900" algn="just">
-              <a:buFont typeface="Wingdings" panose="05000000000000000000" pitchFamily="2" charset="2"/>
-              <a:buChar char="§"/>
-            </a:pPr>
-            <a:r>
-              <a:rPr lang="en-US" dirty="0"/>
-              <a:t>C# syntax is based on the C &amp; C++ syntax.</a:t>
-            </a:r>
-          </a:p>
-          <a:p>
-            <a:pPr algn="just"/>
-            <a:endParaRPr lang="en-US" dirty="0"/>
-          </a:p>
-          <a:p>
-            <a:pPr marL="342900" indent="-342900" algn="just">
-              <a:buFont typeface="Wingdings" panose="05000000000000000000" pitchFamily="2" charset="2"/>
-              <a:buChar char="§"/>
-            </a:pPr>
-            <a:r>
-              <a:rPr lang="en-US" dirty="0"/>
-              <a:t>Platform-neutral, but it was written to work well with the Microsoft .NET Framework.</a:t>
-            </a:r>
-          </a:p>
-          <a:p>
-            <a:pPr marL="342900" indent="-342900" algn="just">
-              <a:buFont typeface="Wingdings" panose="05000000000000000000" pitchFamily="2" charset="2"/>
-              <a:buChar char="§"/>
-            </a:pPr>
-            <a:endParaRPr lang="en-US" dirty="0"/>
-          </a:p>
-          <a:p>
-            <a:pPr marL="342900" indent="-342900" algn="just">
-              <a:buFont typeface="Wingdings" panose="05000000000000000000" pitchFamily="2" charset="2"/>
-              <a:buChar char="§"/>
-            </a:pPr>
-            <a:endParaRPr lang="en-US" dirty="0"/>
-          </a:p>
-          <a:p>
-            <a:endParaRPr lang="en-US" dirty="0"/>
-          </a:p>
-        </p:txBody>
-      </p:sp>
-      <p:sp>
-        <p:nvSpPr>
-          <p:cNvPr id="4" name="Text Placeholder 3"/>
-          <p:cNvSpPr>
-            <a:spLocks noGrp="1"/>
-          </p:cNvSpPr>
-          <p:nvPr>
-            <p:ph type="body" sz="quarter" idx="10"/>
-          </p:nvPr>
-        </p:nvSpPr>
-        <p:spPr/>
-        <p:txBody>
-          <a:bodyPr/>
-          <a:lstStyle/>
-          <a:p>
-            <a:r>
-              <a:rPr lang="en-US" dirty="0"/>
-              <a:t>Why use C#?</a:t>
-            </a:r>
-          </a:p>
-        </p:txBody>
-      </p:sp>
-    </p:spTree>
-    <p:extLst>
-      <p:ext uri="{BB962C8B-B14F-4D97-AF65-F5344CB8AC3E}">
-        <p14:creationId xmlns:p14="http://schemas.microsoft.com/office/powerpoint/2010/main" val="1066454379"/>
-      </p:ext>
-    </p:extLst>
-  </p:cSld>
-  <p:clrMapOvr>
-    <a:masterClrMapping/>
-  </p:clrMapOvr>
-  <mc:AlternateContent xmlns:mc="http://schemas.openxmlformats.org/markup-compatibility/2006" xmlns:p14="http://schemas.microsoft.com/office/powerpoint/2010/main">
-    <mc:Choice Requires="p14">
-      <p:transition spd="med" p14:dur="700">
-        <p:fade/>
-      </p:transition>
-    </mc:Choice>
-    <mc:Fallback xmlns="">
-      <p:transition spd="med">
-        <p:fade/>
-      </p:transition>
-    </mc:Fallback>
-  </mc:AlternateContent>
-</p:sld>
-</file>
-
-<file path=ppt/slides/slide21.xml><?xml version="1.0" encoding="utf-8"?>
-<p:sld xmlns:a="http://schemas.openxmlformats.org/drawingml/2006/main" xmlns:r="http://schemas.openxmlformats.org/officeDocument/2006/relationships" xmlns:p="http://schemas.openxmlformats.org/presentationml/2006/main">
-  <p:cSld>
-    <p:spTree>
-      <p:nvGrpSpPr>
-        <p:cNvPr id="1" name=""/>
-        <p:cNvGrpSpPr/>
-        <p:nvPr/>
-      </p:nvGrpSpPr>
-      <p:grpSpPr>
-        <a:xfrm>
-          <a:off x="0" y="0"/>
-          <a:ext cx="0" cy="0"/>
-          <a:chOff x="0" y="0"/>
-          <a:chExt cx="0" cy="0"/>
-        </a:xfrm>
-      </p:grpSpPr>
-      <p:sp>
-        <p:nvSpPr>
-          <p:cNvPr id="3" name="Title 2"/>
-          <p:cNvSpPr>
-            <a:spLocks noGrp="1"/>
-          </p:cNvSpPr>
-          <p:nvPr>
-            <p:ph type="title"/>
-          </p:nvPr>
-        </p:nvSpPr>
-        <p:spPr/>
-        <p:txBody>
-          <a:bodyPr/>
-          <a:lstStyle/>
-          <a:p>
-            <a:r>
-              <a:rPr lang="en-US" dirty="0"/>
-              <a:t>First application</a:t>
-            </a:r>
-          </a:p>
-        </p:txBody>
-      </p:sp>
-      <p:sp>
-        <p:nvSpPr>
-          <p:cNvPr id="6" name="Text Placeholder 5"/>
-          <p:cNvSpPr>
-            <a:spLocks noGrp="1"/>
-          </p:cNvSpPr>
-          <p:nvPr>
-            <p:ph type="body" sz="quarter" idx="10"/>
-          </p:nvPr>
-        </p:nvSpPr>
-        <p:spPr/>
-        <p:txBody>
-          <a:bodyPr/>
-          <a:lstStyle/>
-          <a:p>
-            <a:r>
-              <a:rPr lang="en-US" dirty="0"/>
-              <a:t>Demo</a:t>
-            </a:r>
-          </a:p>
-        </p:txBody>
-      </p:sp>
-      <p:sp>
-        <p:nvSpPr>
-          <p:cNvPr id="7" name="Rectangle 6"/>
-          <p:cNvSpPr/>
-          <p:nvPr/>
-        </p:nvSpPr>
-        <p:spPr>
-          <a:xfrm>
-            <a:off x="623391" y="1412776"/>
-            <a:ext cx="10968143" cy="1200329"/>
-          </a:xfrm>
-          <a:prstGeom prst="rect">
-            <a:avLst/>
-          </a:prstGeom>
-        </p:spPr>
-        <p:txBody>
-          <a:bodyPr wrap="square">
-            <a:spAutoFit/>
-          </a:bodyPr>
-          <a:lstStyle/>
-          <a:p>
-            <a:r>
-              <a:rPr lang="en-US" sz="2400" dirty="0">
-                <a:hlinkClick r:id="rId2"/>
-              </a:rPr>
-              <a:t>https://github.com/liviucotfas/ase-web-and-cloud-applications-security/blob/master/FirstCoreApplication.md</a:t>
-            </a:r>
-            <a:endParaRPr lang="en-US" sz="2400" dirty="0"/>
-          </a:p>
-          <a:p>
-            <a:endParaRPr lang="en-US" sz="2400" dirty="0"/>
-          </a:p>
-        </p:txBody>
-      </p:sp>
-      <p:pic>
-        <p:nvPicPr>
-          <p:cNvPr id="9" name="Content Placeholder 8"/>
-          <p:cNvPicPr>
-            <a:picLocks noGrp="1" noChangeAspect="1"/>
-          </p:cNvPicPr>
-          <p:nvPr>
-            <p:ph idx="1"/>
-          </p:nvPr>
-        </p:nvPicPr>
-        <p:blipFill>
-          <a:blip r:embed="rId3" cstate="print">
-            <a:extLst>
-              <a:ext uri="{28A0092B-C50C-407E-A947-70E740481C1C}">
-                <a14:useLocalDpi xmlns:a14="http://schemas.microsoft.com/office/drawing/2010/main" val="0"/>
-              </a:ext>
-            </a:extLst>
-          </a:blip>
-          <a:stretch>
-            <a:fillRect/>
-          </a:stretch>
-        </p:blipFill>
-        <p:spPr>
-          <a:xfrm rot="2700000">
-            <a:off x="4302247" y="2736585"/>
-            <a:ext cx="3610427" cy="3610427"/>
-          </a:xfrm>
-          <a:prstGeom prst="rect">
-            <a:avLst/>
-          </a:prstGeom>
-        </p:spPr>
-      </p:pic>
-    </p:spTree>
-    <p:extLst>
-      <p:ext uri="{BB962C8B-B14F-4D97-AF65-F5344CB8AC3E}">
-        <p14:creationId xmlns:p14="http://schemas.microsoft.com/office/powerpoint/2010/main" val="3976343480"/>
-      </p:ext>
-    </p:extLst>
-  </p:cSld>
-  <p:clrMapOvr>
-    <a:masterClrMapping/>
-  </p:clrMapOvr>
-  <mc:AlternateContent xmlns:mc="http://schemas.openxmlformats.org/markup-compatibility/2006" xmlns:p14="http://schemas.microsoft.com/office/powerpoint/2010/main">
-    <mc:Choice Requires="p14">
-      <p:transition spd="med" p14:dur="700">
-        <p:fade/>
-      </p:transition>
-    </mc:Choice>
-    <mc:Fallback xmlns="">
-      <p:transition spd="med">
-        <p:fade/>
-      </p:transition>
-    </mc:Fallback>
-  </mc:AlternateContent>
-</p:sld>
-</file>
-
-<file path=ppt/slides/slide22.xml><?xml version="1.0" encoding="utf-8"?>
-<p:sld xmlns:a="http://schemas.openxmlformats.org/drawingml/2006/main" xmlns:r="http://schemas.openxmlformats.org/officeDocument/2006/relationships" xmlns:p="http://schemas.openxmlformats.org/presentationml/2006/main">
-  <p:cSld>
-    <p:spTree>
-      <p:nvGrpSpPr>
-        <p:cNvPr id="1" name=""/>
-        <p:cNvGrpSpPr/>
-        <p:nvPr/>
-      </p:nvGrpSpPr>
-      <p:grpSpPr>
-        <a:xfrm>
-          <a:off x="0" y="0"/>
-          <a:ext cx="0" cy="0"/>
-          <a:chOff x="0" y="0"/>
-          <a:chExt cx="0" cy="0"/>
-        </a:xfrm>
-      </p:grpSpPr>
-      <p:sp>
-        <p:nvSpPr>
-          <p:cNvPr id="5" name="Title 4"/>
-          <p:cNvSpPr>
-            <a:spLocks noGrp="1"/>
-          </p:cNvSpPr>
-          <p:nvPr>
-            <p:ph type="title"/>
-          </p:nvPr>
-        </p:nvSpPr>
-        <p:spPr/>
-        <p:txBody>
-          <a:bodyPr/>
-          <a:lstStyle/>
-          <a:p>
-            <a:r>
-              <a:rPr lang="en-US" dirty="0"/>
-              <a:t>Key Benefits of ASP.NET Core</a:t>
-            </a:r>
-          </a:p>
-        </p:txBody>
-      </p:sp>
-    </p:spTree>
-    <p:extLst>
-      <p:ext uri="{BB962C8B-B14F-4D97-AF65-F5344CB8AC3E}">
-        <p14:creationId xmlns:p14="http://schemas.microsoft.com/office/powerpoint/2010/main" val="1630956523"/>
-      </p:ext>
-    </p:extLst>
-  </p:cSld>
-  <p:clrMapOvr>
-    <a:masterClrMapping/>
-  </p:clrMapOvr>
-  <mc:AlternateContent xmlns:mc="http://schemas.openxmlformats.org/markup-compatibility/2006" xmlns:p14="http://schemas.microsoft.com/office/powerpoint/2010/main">
-    <mc:Choice Requires="p14">
-      <p:transition spd="med" p14:dur="700" advClick="0" advTm="1500">
-        <p:fade/>
-      </p:transition>
-    </mc:Choice>
-    <mc:Fallback xmlns="">
-      <p:transition spd="med" advClick="0" advTm="1500">
-        <p:fade/>
-      </p:transition>
-    </mc:Fallback>
-  </mc:AlternateContent>
-</p:sld>
-</file>
-
-<file path=ppt/slides/slide23.xml><?xml version="1.0" encoding="utf-8"?>
-<p:sld xmlns:a="http://schemas.openxmlformats.org/drawingml/2006/main" xmlns:r="http://schemas.openxmlformats.org/officeDocument/2006/relationships" xmlns:p="http://schemas.openxmlformats.org/presentationml/2006/main">
-  <p:cSld>
-    <p:spTree>
-      <p:nvGrpSpPr>
-        <p:cNvPr id="1" name=""/>
-        <p:cNvGrpSpPr/>
-        <p:nvPr/>
-      </p:nvGrpSpPr>
-      <p:grpSpPr>
-        <a:xfrm>
-          <a:off x="0" y="0"/>
-          <a:ext cx="0" cy="0"/>
-          <a:chOff x="0" y="0"/>
-          <a:chExt cx="0" cy="0"/>
-        </a:xfrm>
-      </p:grpSpPr>
-      <p:sp>
-        <p:nvSpPr>
-          <p:cNvPr id="3" name="Title 2"/>
-          <p:cNvSpPr>
-            <a:spLocks noGrp="1"/>
-          </p:cNvSpPr>
-          <p:nvPr>
-            <p:ph type="title"/>
-          </p:nvPr>
-        </p:nvSpPr>
-        <p:spPr/>
-        <p:txBody>
-          <a:bodyPr/>
-          <a:lstStyle/>
-          <a:p>
-            <a:r>
-              <a:rPr lang="en-US" dirty="0"/>
-              <a:t>Key Benefits of ASP.NET Core</a:t>
-            </a:r>
-          </a:p>
-        </p:txBody>
-      </p:sp>
-      <p:sp>
-        <p:nvSpPr>
-          <p:cNvPr id="4" name="Content Placeholder 3"/>
-          <p:cNvSpPr>
-            <a:spLocks noGrp="1"/>
-          </p:cNvSpPr>
-          <p:nvPr>
-            <p:ph idx="1"/>
-          </p:nvPr>
-        </p:nvSpPr>
-        <p:spPr/>
-        <p:txBody>
-          <a:bodyPr/>
-          <a:lstStyle/>
-          <a:p>
-            <a:pPr marL="342900" indent="-342900" algn="just">
-              <a:buFont typeface="Wingdings" panose="05000000000000000000" pitchFamily="2" charset="2"/>
-              <a:buChar char="§"/>
-            </a:pPr>
-            <a:endParaRPr lang="en-US" dirty="0"/>
-          </a:p>
-          <a:p>
-            <a:pPr marL="342900" indent="-342900" algn="just">
-              <a:buFont typeface="Wingdings" panose="05000000000000000000" pitchFamily="2" charset="2"/>
-              <a:buChar char="§"/>
-            </a:pPr>
-            <a:r>
-              <a:rPr lang="en-US" dirty="0"/>
-              <a:t>implements the MVC pattern and, in doing so, provides a greatly improved</a:t>
-            </a:r>
-          </a:p>
-          <a:p>
-            <a:r>
-              <a:rPr lang="en-US" dirty="0"/>
-              <a:t>separation of concerns when compared to Web Forms.</a:t>
-            </a:r>
-          </a:p>
-          <a:p>
-            <a:endParaRPr lang="en-US" dirty="0"/>
-          </a:p>
-        </p:txBody>
-      </p:sp>
-      <p:sp>
-        <p:nvSpPr>
-          <p:cNvPr id="5" name="Text Placeholder 4"/>
-          <p:cNvSpPr>
-            <a:spLocks noGrp="1"/>
-          </p:cNvSpPr>
-          <p:nvPr>
-            <p:ph type="body" sz="quarter" idx="10"/>
-          </p:nvPr>
-        </p:nvSpPr>
-        <p:spPr/>
-        <p:txBody>
-          <a:bodyPr/>
-          <a:lstStyle/>
-          <a:p>
-            <a:r>
-              <a:rPr lang="en-US" dirty="0"/>
-              <a:t>MVC Architecture</a:t>
-            </a:r>
-          </a:p>
-        </p:txBody>
-      </p:sp>
-    </p:spTree>
-    <p:extLst>
-      <p:ext uri="{BB962C8B-B14F-4D97-AF65-F5344CB8AC3E}">
-        <p14:creationId xmlns:p14="http://schemas.microsoft.com/office/powerpoint/2010/main" val="3083672756"/>
-      </p:ext>
-    </p:extLst>
-  </p:cSld>
-  <p:clrMapOvr>
-    <a:masterClrMapping/>
-  </p:clrMapOvr>
-  <mc:AlternateContent xmlns:mc="http://schemas.openxmlformats.org/markup-compatibility/2006" xmlns:p14="http://schemas.microsoft.com/office/powerpoint/2010/main">
-    <mc:Choice Requires="p14">
-      <p:transition spd="med" p14:dur="700">
-        <p:fade/>
-      </p:transition>
-    </mc:Choice>
-    <mc:Fallback xmlns="">
-      <p:transition spd="med">
-        <p:fade/>
-      </p:transition>
-    </mc:Fallback>
-  </mc:AlternateContent>
-</p:sld>
-</file>
-
-<file path=ppt/slides/slide24.xml><?xml version="1.0" encoding="utf-8"?>
-<p:sld xmlns:a="http://schemas.openxmlformats.org/drawingml/2006/main" xmlns:r="http://schemas.openxmlformats.org/officeDocument/2006/relationships" xmlns:p="http://schemas.openxmlformats.org/presentationml/2006/main">
-  <p:cSld>
-    <p:spTree>
-      <p:nvGrpSpPr>
-        <p:cNvPr id="1" name=""/>
-        <p:cNvGrpSpPr/>
-        <p:nvPr/>
-      </p:nvGrpSpPr>
-      <p:grpSpPr>
-        <a:xfrm>
-          <a:off x="0" y="0"/>
-          <a:ext cx="0" cy="0"/>
-          <a:chOff x="0" y="0"/>
-          <a:chExt cx="0" cy="0"/>
-        </a:xfrm>
-      </p:grpSpPr>
-      <p:sp>
-        <p:nvSpPr>
-          <p:cNvPr id="2" name="Title 1"/>
-          <p:cNvSpPr>
-            <a:spLocks noGrp="1"/>
-          </p:cNvSpPr>
-          <p:nvPr>
-            <p:ph type="title"/>
-          </p:nvPr>
-        </p:nvSpPr>
-        <p:spPr/>
-        <p:txBody>
-          <a:bodyPr/>
-          <a:lstStyle/>
-          <a:p>
-            <a:r>
-              <a:rPr lang="en-US" dirty="0"/>
-              <a:t>Key Benefits of ASP.NET Core</a:t>
-            </a:r>
-          </a:p>
-        </p:txBody>
-      </p:sp>
-      <p:sp>
-        <p:nvSpPr>
-          <p:cNvPr id="3" name="Content Placeholder 2"/>
-          <p:cNvSpPr>
-            <a:spLocks noGrp="1"/>
-          </p:cNvSpPr>
-          <p:nvPr>
-            <p:ph idx="1"/>
-          </p:nvPr>
-        </p:nvSpPr>
-        <p:spPr/>
-        <p:txBody>
-          <a:bodyPr/>
-          <a:lstStyle/>
-          <a:p>
-            <a:pPr marL="342900" indent="-342900">
-              <a:buFont typeface="Wingdings" panose="05000000000000000000" pitchFamily="2" charset="2"/>
-              <a:buChar char="§"/>
-            </a:pPr>
-            <a:r>
-              <a:rPr lang="en-US" dirty="0"/>
-              <a:t>ASP.NET Core is built as a series of independent components that have well-defined characteristics, satisfy a .NET </a:t>
-            </a:r>
-            <a:r>
-              <a:rPr lang="en-US" b="1" dirty="0"/>
-              <a:t>interface</a:t>
-            </a:r>
-            <a:r>
-              <a:rPr lang="en-US" dirty="0"/>
-              <a:t> or that are built on an </a:t>
-            </a:r>
-            <a:r>
-              <a:rPr lang="en-US" b="1" dirty="0"/>
-              <a:t>abstract base class</a:t>
-            </a:r>
-            <a:r>
-              <a:rPr lang="en-US" dirty="0"/>
-              <a:t>. Thus, it is possible to replace key components with ones of your own implementation. </a:t>
-            </a:r>
-          </a:p>
-          <a:p>
-            <a:pPr marL="342900" indent="-342900">
-              <a:buFont typeface="Wingdings" panose="05000000000000000000" pitchFamily="2" charset="2"/>
-              <a:buChar char="§"/>
-            </a:pPr>
-            <a:endParaRPr lang="en-US" dirty="0"/>
-          </a:p>
-          <a:p>
-            <a:pPr marL="342900" indent="-342900">
-              <a:buFont typeface="Wingdings" panose="05000000000000000000" pitchFamily="2" charset="2"/>
-              <a:buChar char="§"/>
-            </a:pPr>
-            <a:r>
-              <a:rPr lang="en-US" dirty="0"/>
-              <a:t>In general, the ASP.NET Core MVC gives you these three options for each component:</a:t>
-            </a:r>
-          </a:p>
-          <a:p>
-            <a:pPr marL="597150" lvl="1" indent="-342900">
-              <a:buFont typeface="Wingdings" panose="05000000000000000000" pitchFamily="2" charset="2"/>
-              <a:buChar char="§"/>
-            </a:pPr>
-            <a:r>
-              <a:rPr lang="en-US" dirty="0"/>
-              <a:t>Use the default implementation of the component as it stands (which should be enough for most applications).</a:t>
-            </a:r>
-          </a:p>
-          <a:p>
-            <a:pPr marL="597150" lvl="1" indent="-342900">
-              <a:buFont typeface="Wingdings" panose="05000000000000000000" pitchFamily="2" charset="2"/>
-              <a:buChar char="§"/>
-            </a:pPr>
-            <a:r>
-              <a:rPr lang="en-US" dirty="0"/>
-              <a:t>Derive a subclass of the default implementation to tweak its behavior.</a:t>
-            </a:r>
-          </a:p>
-          <a:p>
-            <a:pPr marL="597150" lvl="1" indent="-342900">
-              <a:buFont typeface="Wingdings" panose="05000000000000000000" pitchFamily="2" charset="2"/>
-              <a:buChar char="§"/>
-            </a:pPr>
-            <a:r>
-              <a:rPr lang="en-US" dirty="0"/>
-              <a:t>Replace the component entirely with a new implementation of the interface or abstract base class.</a:t>
-            </a:r>
-          </a:p>
-        </p:txBody>
-      </p:sp>
-      <p:sp>
-        <p:nvSpPr>
-          <p:cNvPr id="4" name="Text Placeholder 3"/>
-          <p:cNvSpPr>
-            <a:spLocks noGrp="1"/>
-          </p:cNvSpPr>
-          <p:nvPr>
-            <p:ph type="body" sz="quarter" idx="10"/>
-          </p:nvPr>
-        </p:nvSpPr>
-        <p:spPr/>
-        <p:txBody>
-          <a:bodyPr/>
-          <a:lstStyle/>
-          <a:p>
-            <a:r>
-              <a:rPr lang="en-US" dirty="0"/>
-              <a:t>Extensibility</a:t>
-            </a:r>
-          </a:p>
-        </p:txBody>
-      </p:sp>
-    </p:spTree>
-    <p:extLst>
-      <p:ext uri="{BB962C8B-B14F-4D97-AF65-F5344CB8AC3E}">
-        <p14:creationId xmlns:p14="http://schemas.microsoft.com/office/powerpoint/2010/main" val="2609334429"/>
-      </p:ext>
-    </p:extLst>
-  </p:cSld>
-  <p:clrMapOvr>
-    <a:masterClrMapping/>
-  </p:clrMapOvr>
-  <mc:AlternateContent xmlns:mc="http://schemas.openxmlformats.org/markup-compatibility/2006" xmlns:p14="http://schemas.microsoft.com/office/powerpoint/2010/main">
-    <mc:Choice Requires="p14">
-      <p:transition spd="med" p14:dur="700">
-        <p:fade/>
-      </p:transition>
-    </mc:Choice>
-    <mc:Fallback xmlns="">
-      <p:transition spd="med">
-        <p:fade/>
-      </p:transition>
-    </mc:Fallback>
-  </mc:AlternateContent>
-</p:sld>
-</file>
-
-<file path=ppt/slides/slide25.xml><?xml version="1.0" encoding="utf-8"?>
-<p:sld xmlns:a="http://schemas.openxmlformats.org/drawingml/2006/main" xmlns:r="http://schemas.openxmlformats.org/officeDocument/2006/relationships" xmlns:p="http://schemas.openxmlformats.org/presentationml/2006/main">
-  <p:cSld>
-    <p:spTree>
-      <p:nvGrpSpPr>
-        <p:cNvPr id="1" name=""/>
-        <p:cNvGrpSpPr/>
-        <p:nvPr/>
-      </p:nvGrpSpPr>
-      <p:grpSpPr>
-        <a:xfrm>
-          <a:off x="0" y="0"/>
-          <a:ext cx="0" cy="0"/>
-          <a:chOff x="0" y="0"/>
-          <a:chExt cx="0" cy="0"/>
-        </a:xfrm>
-      </p:grpSpPr>
-      <p:sp>
-        <p:nvSpPr>
-          <p:cNvPr id="2" name="Title 1"/>
-          <p:cNvSpPr>
-            <a:spLocks noGrp="1"/>
-          </p:cNvSpPr>
-          <p:nvPr>
-            <p:ph type="title"/>
-          </p:nvPr>
-        </p:nvSpPr>
-        <p:spPr/>
-        <p:txBody>
-          <a:bodyPr/>
-          <a:lstStyle/>
-          <a:p>
-            <a:r>
-              <a:rPr lang="en-US" dirty="0"/>
-              <a:t>Key Benefits of ASP.NET Core</a:t>
-            </a:r>
-          </a:p>
-        </p:txBody>
-      </p:sp>
-      <p:sp>
-        <p:nvSpPr>
-          <p:cNvPr id="3" name="Content Placeholder 2"/>
-          <p:cNvSpPr>
-            <a:spLocks noGrp="1"/>
-          </p:cNvSpPr>
-          <p:nvPr>
-            <p:ph idx="1"/>
-          </p:nvPr>
-        </p:nvSpPr>
-        <p:spPr/>
-        <p:txBody>
-          <a:bodyPr/>
-          <a:lstStyle/>
-          <a:p>
-            <a:pPr marL="342900" indent="-342900">
-              <a:buFont typeface="Wingdings" panose="05000000000000000000" pitchFamily="2" charset="2"/>
-              <a:buChar char="§"/>
-            </a:pPr>
-            <a:r>
-              <a:rPr lang="en-US" dirty="0"/>
-              <a:t>ASP.NET Core MVC produces clean, standards-compliant markup. Its built-in </a:t>
-            </a:r>
-            <a:r>
-              <a:rPr lang="en-US" b="1" dirty="0"/>
-              <a:t>tag helpers</a:t>
-            </a:r>
-            <a:r>
-              <a:rPr lang="en-US" dirty="0"/>
-              <a:t> produce standards-compliant output</a:t>
-            </a:r>
-          </a:p>
-          <a:p>
-            <a:pPr marL="342900" indent="-342900">
-              <a:buFont typeface="Wingdings" panose="05000000000000000000" pitchFamily="2" charset="2"/>
-              <a:buChar char="§"/>
-            </a:pPr>
-            <a:r>
-              <a:rPr lang="en-US" dirty="0"/>
-              <a:t>ASP.NET Core MVC encourages you to craft simple, elegant markup styled with CSS. </a:t>
-            </a:r>
-          </a:p>
-          <a:p>
-            <a:pPr marL="342900" indent="-342900">
-              <a:buFont typeface="Wingdings" panose="05000000000000000000" pitchFamily="2" charset="2"/>
-              <a:buChar char="§"/>
-            </a:pPr>
-            <a:r>
-              <a:rPr lang="en-US" dirty="0"/>
-              <a:t>ASP.NET Core MVC makes it easy to use best-of-breed client-side libraries such as jQuery, Angular, or the Bootstrap CSS library. ASP.NET.  Core MVC meshes so well with these libraries that Microsoft includes support for them as built-in parts of the standard Visual Studio project template for web applications. </a:t>
-            </a:r>
-          </a:p>
-          <a:p>
-            <a:pPr marL="342900" indent="-342900">
-              <a:buFont typeface="Wingdings" panose="05000000000000000000" pitchFamily="2" charset="2"/>
-              <a:buChar char="§"/>
-            </a:pPr>
-            <a:r>
-              <a:rPr lang="en-US" dirty="0"/>
-              <a:t>ASP.NET Core MVC works in tune with HTTP. You have control over the requests passing between the browser and server, so you can fine-tune your user experience as much as you like. Ajax is made easy, and creating web services to receive browser HTTP requests is a simple process.</a:t>
-            </a:r>
-          </a:p>
-        </p:txBody>
-      </p:sp>
-      <p:sp>
-        <p:nvSpPr>
-          <p:cNvPr id="4" name="Text Placeholder 3"/>
-          <p:cNvSpPr>
-            <a:spLocks noGrp="1"/>
-          </p:cNvSpPr>
-          <p:nvPr>
-            <p:ph type="body" sz="quarter" idx="10"/>
-          </p:nvPr>
-        </p:nvSpPr>
-        <p:spPr/>
-        <p:txBody>
-          <a:bodyPr/>
-          <a:lstStyle/>
-          <a:p>
-            <a:r>
-              <a:rPr lang="en-US" dirty="0"/>
-              <a:t>Tight Control over HTML and HTTP</a:t>
-            </a:r>
-          </a:p>
-        </p:txBody>
-      </p:sp>
-    </p:spTree>
-    <p:extLst>
-      <p:ext uri="{BB962C8B-B14F-4D97-AF65-F5344CB8AC3E}">
-        <p14:creationId xmlns:p14="http://schemas.microsoft.com/office/powerpoint/2010/main" val="3948782380"/>
-      </p:ext>
-    </p:extLst>
-  </p:cSld>
-  <p:clrMapOvr>
-    <a:masterClrMapping/>
-  </p:clrMapOvr>
-  <mc:AlternateContent xmlns:mc="http://schemas.openxmlformats.org/markup-compatibility/2006" xmlns:p14="http://schemas.microsoft.com/office/powerpoint/2010/main">
-    <mc:Choice Requires="p14">
-      <p:transition spd="med" p14:dur="700">
-        <p:fade/>
-      </p:transition>
-    </mc:Choice>
-    <mc:Fallback xmlns="">
-      <p:transition spd="med">
-        <p:fade/>
-      </p:transition>
-    </mc:Fallback>
-  </mc:AlternateContent>
-</p:sld>
-</file>
-
-<file path=ppt/slides/slide26.xml><?xml version="1.0" encoding="utf-8"?>
-<p:sld xmlns:a="http://schemas.openxmlformats.org/drawingml/2006/main" xmlns:r="http://schemas.openxmlformats.org/officeDocument/2006/relationships" xmlns:p="http://schemas.openxmlformats.org/presentationml/2006/main">
-  <p:cSld>
-    <p:spTree>
-      <p:nvGrpSpPr>
-        <p:cNvPr id="1" name=""/>
-        <p:cNvGrpSpPr/>
-        <p:nvPr/>
-      </p:nvGrpSpPr>
-      <p:grpSpPr>
-        <a:xfrm>
-          <a:off x="0" y="0"/>
-          <a:ext cx="0" cy="0"/>
-          <a:chOff x="0" y="0"/>
-          <a:chExt cx="0" cy="0"/>
-        </a:xfrm>
-      </p:grpSpPr>
-      <p:sp>
-        <p:nvSpPr>
-          <p:cNvPr id="2" name="Title 1"/>
-          <p:cNvSpPr>
-            <a:spLocks noGrp="1"/>
-          </p:cNvSpPr>
-          <p:nvPr>
-            <p:ph type="title"/>
-          </p:nvPr>
-        </p:nvSpPr>
-        <p:spPr/>
-        <p:txBody>
-          <a:bodyPr/>
-          <a:lstStyle/>
-          <a:p>
-            <a:r>
-              <a:rPr lang="en-US" dirty="0"/>
-              <a:t>Key Benefits of ASP.NET Core</a:t>
-            </a:r>
-          </a:p>
-        </p:txBody>
-      </p:sp>
-      <p:sp>
-        <p:nvSpPr>
-          <p:cNvPr id="3" name="Content Placeholder 2"/>
-          <p:cNvSpPr>
-            <a:spLocks noGrp="1"/>
-          </p:cNvSpPr>
-          <p:nvPr>
-            <p:ph idx="1"/>
-          </p:nvPr>
-        </p:nvSpPr>
-        <p:spPr/>
-        <p:txBody>
-          <a:bodyPr/>
-          <a:lstStyle/>
-          <a:p>
-            <a:pPr marL="342900" indent="-342900" algn="just">
-              <a:buFont typeface="Wingdings" panose="05000000000000000000" pitchFamily="2" charset="2"/>
-              <a:buChar char="§"/>
-            </a:pPr>
-            <a:r>
-              <a:rPr lang="en-US" dirty="0"/>
-              <a:t>The ASP.NET Core MVC architecture gives you a great start in making your application maintainable and testable because you naturally separate different application concerns into independent pieces. In addition, each piece of the ASP.NET Core platform and the ASP.NET Core MVC framework can be isolated and replaced for unit testing, which can be performed using any popular open source testing framework, such as </a:t>
-            </a:r>
-            <a:r>
-              <a:rPr lang="en-US" dirty="0" err="1"/>
-              <a:t>xUnit</a:t>
-            </a:r>
-            <a:r>
-              <a:rPr lang="en-US" dirty="0"/>
-              <a:t>.</a:t>
-            </a:r>
-          </a:p>
-          <a:p>
-            <a:pPr marL="342900" indent="-342900" algn="just">
-              <a:buFont typeface="Wingdings" panose="05000000000000000000" pitchFamily="2" charset="2"/>
-              <a:buChar char="§"/>
-            </a:pPr>
-            <a:endParaRPr lang="en-US" dirty="0"/>
-          </a:p>
-          <a:p>
-            <a:pPr marL="342900" indent="-342900">
-              <a:buFont typeface="Wingdings" panose="05000000000000000000" pitchFamily="2" charset="2"/>
-              <a:buChar char="§"/>
-            </a:pPr>
-            <a:r>
-              <a:rPr lang="en-US" dirty="0"/>
-              <a:t>ASP.NET Core MVC applications also work well with UI automation testing tools, too. You can write test scripts that simulate user interactions without needing to guess which HTML element structures, CSS classes, or IDs the framework will generate, and you do not have to worry about the structure changing unexpectedly.</a:t>
-            </a:r>
-          </a:p>
-        </p:txBody>
-      </p:sp>
-      <p:sp>
-        <p:nvSpPr>
-          <p:cNvPr id="4" name="Text Placeholder 3"/>
-          <p:cNvSpPr>
-            <a:spLocks noGrp="1"/>
-          </p:cNvSpPr>
-          <p:nvPr>
-            <p:ph type="body" sz="quarter" idx="10"/>
-          </p:nvPr>
-        </p:nvSpPr>
-        <p:spPr/>
-        <p:txBody>
-          <a:bodyPr/>
-          <a:lstStyle/>
-          <a:p>
-            <a:r>
-              <a:rPr lang="en-US" dirty="0"/>
-              <a:t>Testability</a:t>
-            </a:r>
-          </a:p>
-        </p:txBody>
-      </p:sp>
-    </p:spTree>
-    <p:extLst>
-      <p:ext uri="{BB962C8B-B14F-4D97-AF65-F5344CB8AC3E}">
-        <p14:creationId xmlns:p14="http://schemas.microsoft.com/office/powerpoint/2010/main" val="2799406001"/>
-      </p:ext>
-    </p:extLst>
-  </p:cSld>
-  <p:clrMapOvr>
-    <a:masterClrMapping/>
-  </p:clrMapOvr>
-  <mc:AlternateContent xmlns:mc="http://schemas.openxmlformats.org/markup-compatibility/2006" xmlns:p14="http://schemas.microsoft.com/office/powerpoint/2010/main">
-    <mc:Choice Requires="p14">
-      <p:transition spd="med" p14:dur="700">
-        <p:fade/>
-      </p:transition>
-    </mc:Choice>
-    <mc:Fallback xmlns="">
-      <p:transition spd="med">
-        <p:fade/>
-      </p:transition>
-    </mc:Fallback>
-  </mc:AlternateContent>
-</p:sld>
-</file>
-
-<file path=ppt/slides/slide27.xml><?xml version="1.0" encoding="utf-8"?>
-<p:sld xmlns:a="http://schemas.openxmlformats.org/drawingml/2006/main" xmlns:r="http://schemas.openxmlformats.org/officeDocument/2006/relationships" xmlns:p="http://schemas.openxmlformats.org/presentationml/2006/main">
-  <p:cSld>
-    <p:spTree>
-      <p:nvGrpSpPr>
-        <p:cNvPr id="1" name=""/>
-        <p:cNvGrpSpPr/>
-        <p:nvPr/>
-      </p:nvGrpSpPr>
-      <p:grpSpPr>
-        <a:xfrm>
-          <a:off x="0" y="0"/>
-          <a:ext cx="0" cy="0"/>
-          <a:chOff x="0" y="0"/>
-          <a:chExt cx="0" cy="0"/>
-        </a:xfrm>
-      </p:grpSpPr>
-      <p:sp>
-        <p:nvSpPr>
-          <p:cNvPr id="2" name="Title 1"/>
-          <p:cNvSpPr>
-            <a:spLocks noGrp="1"/>
-          </p:cNvSpPr>
-          <p:nvPr>
-            <p:ph type="title"/>
-          </p:nvPr>
-        </p:nvSpPr>
-        <p:spPr/>
-        <p:txBody>
-          <a:bodyPr/>
-          <a:lstStyle/>
-          <a:p>
-            <a:r>
-              <a:rPr lang="en-US" dirty="0"/>
-              <a:t>Key Benefits of ASP.NET Core</a:t>
-            </a:r>
-          </a:p>
-        </p:txBody>
-      </p:sp>
-      <p:sp>
-        <p:nvSpPr>
-          <p:cNvPr id="3" name="Content Placeholder 2"/>
-          <p:cNvSpPr>
-            <a:spLocks noGrp="1"/>
-          </p:cNvSpPr>
-          <p:nvPr>
-            <p:ph idx="1"/>
-          </p:nvPr>
-        </p:nvSpPr>
-        <p:spPr/>
-        <p:txBody>
-          <a:bodyPr/>
-          <a:lstStyle/>
-          <a:p>
-            <a:pPr marL="342900" indent="-342900">
-              <a:buFont typeface="Wingdings" panose="05000000000000000000" pitchFamily="2" charset="2"/>
-              <a:buChar char="§"/>
-            </a:pPr>
-            <a:r>
-              <a:rPr lang="en-US" dirty="0"/>
-              <a:t>The style of uniform resource locators (URLs) has evolved as web application technology has improved.</a:t>
-            </a:r>
-          </a:p>
-          <a:p>
-            <a:endParaRPr lang="en-US" dirty="0"/>
-          </a:p>
-          <a:p>
-            <a:pPr marL="342900" indent="-342900">
-              <a:buFont typeface="Wingdings" panose="05000000000000000000" pitchFamily="2" charset="2"/>
-              <a:buChar char="§"/>
-            </a:pPr>
-            <a:r>
-              <a:rPr lang="en-US" dirty="0"/>
-              <a:t>URLs like this one:</a:t>
-            </a:r>
-          </a:p>
-          <a:p>
-            <a:r>
-              <a:rPr lang="en-US" dirty="0"/>
-              <a:t>	</a:t>
-            </a:r>
-          </a:p>
-          <a:p>
-            <a:r>
-              <a:rPr lang="en-US" dirty="0"/>
-              <a:t>	/App_v2/User/</a:t>
-            </a:r>
-            <a:r>
-              <a:rPr lang="en-US" dirty="0" err="1"/>
-              <a:t>Page.aspx?action</a:t>
-            </a:r>
-            <a:r>
-              <a:rPr lang="en-US" dirty="0"/>
-              <a:t>=show%20prop&amp;prop_id=82742</a:t>
-            </a:r>
-          </a:p>
-          <a:p>
-            <a:r>
-              <a:rPr lang="en-US" dirty="0"/>
-              <a:t>	</a:t>
-            </a:r>
-          </a:p>
-          <a:p>
-            <a:r>
-              <a:rPr lang="en-US" dirty="0"/>
-              <a:t>	are increasingly rare, replaced with a simpler, cleaner format like this:</a:t>
-            </a:r>
-          </a:p>
-          <a:p>
-            <a:r>
-              <a:rPr lang="en-US" dirty="0"/>
-              <a:t>	</a:t>
-            </a:r>
-          </a:p>
-          <a:p>
-            <a:r>
-              <a:rPr lang="en-US" dirty="0"/>
-              <a:t>	/to-rent/</a:t>
-            </a:r>
-            <a:r>
-              <a:rPr lang="en-US" dirty="0" err="1"/>
-              <a:t>chicago</a:t>
-            </a:r>
-            <a:r>
-              <a:rPr lang="en-US" dirty="0"/>
-              <a:t>/2303-silver-street</a:t>
-            </a:r>
-          </a:p>
-        </p:txBody>
-      </p:sp>
-      <p:sp>
-        <p:nvSpPr>
-          <p:cNvPr id="4" name="Text Placeholder 3"/>
-          <p:cNvSpPr>
-            <a:spLocks noGrp="1"/>
-          </p:cNvSpPr>
-          <p:nvPr>
-            <p:ph type="body" sz="quarter" idx="10"/>
-          </p:nvPr>
-        </p:nvSpPr>
-        <p:spPr/>
-        <p:txBody>
-          <a:bodyPr/>
-          <a:lstStyle/>
-          <a:p>
-            <a:r>
-              <a:rPr lang="en-US" b="0" dirty="0"/>
-              <a:t>Powerful Routing System</a:t>
-            </a:r>
-            <a:endParaRPr lang="en-US" dirty="0"/>
-          </a:p>
-        </p:txBody>
-      </p:sp>
-    </p:spTree>
-    <p:extLst>
-      <p:ext uri="{BB962C8B-B14F-4D97-AF65-F5344CB8AC3E}">
-        <p14:creationId xmlns:p14="http://schemas.microsoft.com/office/powerpoint/2010/main" val="1168394487"/>
-      </p:ext>
-    </p:extLst>
-  </p:cSld>
-  <p:clrMapOvr>
-    <a:masterClrMapping/>
-  </p:clrMapOvr>
-  <mc:AlternateContent xmlns:mc="http://schemas.openxmlformats.org/markup-compatibility/2006" xmlns:p14="http://schemas.microsoft.com/office/powerpoint/2010/main">
-    <mc:Choice Requires="p14">
-      <p:transition spd="med" p14:dur="700">
-        <p:fade/>
-      </p:transition>
-    </mc:Choice>
-    <mc:Fallback xmlns="">
-      <p:transition spd="med">
-        <p:fade/>
-      </p:transition>
-    </mc:Fallback>
-  </mc:AlternateContent>
-</p:sld>
-</file>
-
-<file path=ppt/slides/slide28.xml><?xml version="1.0" encoding="utf-8"?>
-<p:sld xmlns:a="http://schemas.openxmlformats.org/drawingml/2006/main" xmlns:r="http://schemas.openxmlformats.org/officeDocument/2006/relationships" xmlns:p="http://schemas.openxmlformats.org/presentationml/2006/main">
-  <p:cSld>
-    <p:spTree>
-      <p:nvGrpSpPr>
-        <p:cNvPr id="1" name=""/>
-        <p:cNvGrpSpPr/>
-        <p:nvPr/>
-      </p:nvGrpSpPr>
-      <p:grpSpPr>
-        <a:xfrm>
-          <a:off x="0" y="0"/>
-          <a:ext cx="0" cy="0"/>
-          <a:chOff x="0" y="0"/>
-          <a:chExt cx="0" cy="0"/>
-        </a:xfrm>
-      </p:grpSpPr>
-      <p:sp>
-        <p:nvSpPr>
-          <p:cNvPr id="2" name="Title 1"/>
-          <p:cNvSpPr>
-            <a:spLocks noGrp="1"/>
-          </p:cNvSpPr>
-          <p:nvPr>
-            <p:ph type="title"/>
-          </p:nvPr>
-        </p:nvSpPr>
-        <p:spPr/>
-        <p:txBody>
-          <a:bodyPr/>
-          <a:lstStyle/>
-          <a:p>
-            <a:r>
-              <a:rPr lang="en-US" dirty="0"/>
-              <a:t>Key Benefits of ASP.NET Core</a:t>
-            </a:r>
-          </a:p>
-        </p:txBody>
-      </p:sp>
-      <p:sp>
-        <p:nvSpPr>
-          <p:cNvPr id="3" name="Content Placeholder 2"/>
-          <p:cNvSpPr>
-            <a:spLocks noGrp="1"/>
-          </p:cNvSpPr>
-          <p:nvPr>
-            <p:ph idx="1"/>
-          </p:nvPr>
-        </p:nvSpPr>
-        <p:spPr/>
-        <p:txBody>
-          <a:bodyPr/>
-          <a:lstStyle/>
-          <a:p>
-            <a:pPr marL="342900" indent="-342900" algn="just">
-              <a:buFont typeface="Wingdings" panose="05000000000000000000" pitchFamily="2" charset="2"/>
-              <a:buChar char="§"/>
-            </a:pPr>
-            <a:r>
-              <a:rPr lang="en-US" dirty="0"/>
-              <a:t>First, search engines give weight to keywords found in a URL. A search for “rent in Chicago” is much more likely to turn up the simpler URL.</a:t>
-            </a:r>
-          </a:p>
-          <a:p>
-            <a:pPr marL="342900" indent="-342900" algn="just">
-              <a:buFont typeface="Wingdings" panose="05000000000000000000" pitchFamily="2" charset="2"/>
-              <a:buChar char="§"/>
-            </a:pPr>
-            <a:endParaRPr lang="en-US" dirty="0"/>
-          </a:p>
-          <a:p>
-            <a:pPr marL="342900" indent="-342900" algn="just">
-              <a:buFont typeface="Wingdings" panose="05000000000000000000" pitchFamily="2" charset="2"/>
-              <a:buChar char="§"/>
-            </a:pPr>
-            <a:r>
-              <a:rPr lang="en-US" dirty="0"/>
-              <a:t>Second, many web users are now savvy enough to understand a URL and appreciate the option of navigating by typing it into their browser’s address bar. </a:t>
-            </a:r>
-          </a:p>
-          <a:p>
-            <a:pPr marL="342900" indent="-342900" algn="just">
-              <a:buFont typeface="Wingdings" panose="05000000000000000000" pitchFamily="2" charset="2"/>
-              <a:buChar char="§"/>
-            </a:pPr>
-            <a:endParaRPr lang="en-US" dirty="0"/>
-          </a:p>
-          <a:p>
-            <a:pPr marL="342900" indent="-342900" algn="just">
-              <a:buFont typeface="Wingdings" panose="05000000000000000000" pitchFamily="2" charset="2"/>
-              <a:buChar char="§"/>
-            </a:pPr>
-            <a:r>
-              <a:rPr lang="en-US" dirty="0"/>
-              <a:t>Third, when someone understands the structure of a URL, they are more likely to link to it, share it with a friend, or even read it aloud over the phone. </a:t>
-            </a:r>
-          </a:p>
-          <a:p>
-            <a:pPr marL="342900" indent="-342900" algn="just">
-              <a:buFont typeface="Wingdings" panose="05000000000000000000" pitchFamily="2" charset="2"/>
-              <a:buChar char="§"/>
-            </a:pPr>
-            <a:endParaRPr lang="en-US" dirty="0"/>
-          </a:p>
-          <a:p>
-            <a:pPr marL="342900" indent="-342900" algn="just">
-              <a:buFont typeface="Wingdings" panose="05000000000000000000" pitchFamily="2" charset="2"/>
-              <a:buChar char="§"/>
-            </a:pPr>
-            <a:r>
-              <a:rPr lang="en-US" dirty="0"/>
-              <a:t>Fourth, it doesn’t expose the technical details, folder, and file name structure of your application to the public Internet, so you are free to change the underlying implementation without breaking all your incoming links.</a:t>
-            </a:r>
-          </a:p>
-        </p:txBody>
-      </p:sp>
-      <p:sp>
-        <p:nvSpPr>
-          <p:cNvPr id="4" name="Text Placeholder 3"/>
-          <p:cNvSpPr>
-            <a:spLocks noGrp="1"/>
-          </p:cNvSpPr>
-          <p:nvPr>
-            <p:ph type="body" sz="quarter" idx="10"/>
-          </p:nvPr>
-        </p:nvSpPr>
-        <p:spPr/>
-        <p:txBody>
-          <a:bodyPr/>
-          <a:lstStyle/>
-          <a:p>
-            <a:r>
-              <a:rPr lang="en-US" b="0" dirty="0"/>
-              <a:t>Reasons for caring about the structure of URLs</a:t>
-            </a:r>
-            <a:endParaRPr lang="en-US" dirty="0"/>
-          </a:p>
-        </p:txBody>
-      </p:sp>
-    </p:spTree>
-    <p:extLst>
-      <p:ext uri="{BB962C8B-B14F-4D97-AF65-F5344CB8AC3E}">
-        <p14:creationId xmlns:p14="http://schemas.microsoft.com/office/powerpoint/2010/main" val="3207727278"/>
-      </p:ext>
-    </p:extLst>
-  </p:cSld>
-  <p:clrMapOvr>
-    <a:masterClrMapping/>
-  </p:clrMapOvr>
-  <mc:AlternateContent xmlns:mc="http://schemas.openxmlformats.org/markup-compatibility/2006" xmlns:p14="http://schemas.microsoft.com/office/powerpoint/2010/main">
-    <mc:Choice Requires="p14">
-      <p:transition spd="med" p14:dur="700">
-        <p:fade/>
-      </p:transition>
-    </mc:Choice>
-    <mc:Fallback xmlns="">
-      <p:transition spd="med">
-        <p:fade/>
-      </p:transition>
-    </mc:Fallback>
-  </mc:AlternateContent>
-</p:sld>
-</file>
-
-<file path=ppt/slides/slide29.xml><?xml version="1.0" encoding="utf-8"?>
-<p:sld xmlns:a="http://schemas.openxmlformats.org/drawingml/2006/main" xmlns:r="http://schemas.openxmlformats.org/officeDocument/2006/relationships" xmlns:p="http://schemas.openxmlformats.org/presentationml/2006/main">
-  <p:cSld>
-    <p:spTree>
-      <p:nvGrpSpPr>
-        <p:cNvPr id="1" name=""/>
-        <p:cNvGrpSpPr/>
-        <p:nvPr/>
-      </p:nvGrpSpPr>
-      <p:grpSpPr>
-        <a:xfrm>
-          <a:off x="0" y="0"/>
-          <a:ext cx="0" cy="0"/>
-          <a:chOff x="0" y="0"/>
-          <a:chExt cx="0" cy="0"/>
-        </a:xfrm>
-      </p:grpSpPr>
-      <p:sp>
-        <p:nvSpPr>
-          <p:cNvPr id="2" name="Title 1"/>
-          <p:cNvSpPr>
-            <a:spLocks noGrp="1"/>
-          </p:cNvSpPr>
-          <p:nvPr>
-            <p:ph type="title"/>
-          </p:nvPr>
-        </p:nvSpPr>
-        <p:spPr/>
-        <p:txBody>
-          <a:bodyPr/>
-          <a:lstStyle/>
-          <a:p>
-            <a:r>
-              <a:rPr lang="en-US" dirty="0"/>
-              <a:t>Key Benefits of ASP.NET Core</a:t>
-            </a:r>
-          </a:p>
-        </p:txBody>
-      </p:sp>
-      <p:sp>
-        <p:nvSpPr>
-          <p:cNvPr id="3" name="Content Placeholder 2"/>
-          <p:cNvSpPr>
-            <a:spLocks noGrp="1"/>
-          </p:cNvSpPr>
-          <p:nvPr>
-            <p:ph idx="1"/>
-          </p:nvPr>
-        </p:nvSpPr>
-        <p:spPr/>
-        <p:txBody>
-          <a:bodyPr/>
-          <a:lstStyle/>
-          <a:p>
-            <a:pPr marL="342900" indent="-342900" algn="just">
-              <a:buFont typeface="Wingdings" panose="05000000000000000000" pitchFamily="2" charset="2"/>
-              <a:buChar char="§"/>
-            </a:pPr>
-            <a:r>
-              <a:rPr lang="en-US" dirty="0"/>
-              <a:t>Clean URLs were hard to implement in earlier frameworks, but ASP.NET Core MVC uses a feature known as </a:t>
-            </a:r>
-            <a:r>
-              <a:rPr lang="en-US" i="1" dirty="0"/>
-              <a:t>URL routing </a:t>
-            </a:r>
-            <a:r>
-              <a:rPr lang="en-US" dirty="0"/>
-              <a:t>to provide clean URLs by default. </a:t>
-            </a:r>
-          </a:p>
-          <a:p>
-            <a:pPr marL="342900" indent="-342900" algn="just">
-              <a:buFont typeface="Wingdings" panose="05000000000000000000" pitchFamily="2" charset="2"/>
-              <a:buChar char="§"/>
-            </a:pPr>
-            <a:endParaRPr lang="en-US" dirty="0"/>
-          </a:p>
-          <a:p>
-            <a:pPr marL="342900" indent="-342900" algn="just">
-              <a:buFont typeface="Wingdings" panose="05000000000000000000" pitchFamily="2" charset="2"/>
-              <a:buChar char="§"/>
-            </a:pPr>
-            <a:r>
-              <a:rPr lang="en-US" dirty="0"/>
-              <a:t>This gives you control over your URL schema and its relationship to your application, offering you the freedom to create a pattern of URLs that is meaningful and useful to your users, without the need to conform to a predefined pattern. </a:t>
-            </a:r>
-          </a:p>
-        </p:txBody>
-      </p:sp>
-      <p:sp>
-        <p:nvSpPr>
-          <p:cNvPr id="4" name="Text Placeholder 3"/>
-          <p:cNvSpPr>
-            <a:spLocks noGrp="1"/>
-          </p:cNvSpPr>
-          <p:nvPr>
-            <p:ph type="body" sz="quarter" idx="10"/>
-          </p:nvPr>
-        </p:nvSpPr>
-        <p:spPr/>
-        <p:txBody>
-          <a:bodyPr/>
-          <a:lstStyle/>
-          <a:p>
-            <a:r>
-              <a:rPr lang="en-US" b="0" dirty="0"/>
-              <a:t>Powerful Routing System</a:t>
-            </a:r>
-            <a:endParaRPr lang="en-US" dirty="0"/>
-          </a:p>
-        </p:txBody>
-      </p:sp>
-    </p:spTree>
-    <p:extLst>
-      <p:ext uri="{BB962C8B-B14F-4D97-AF65-F5344CB8AC3E}">
-        <p14:creationId xmlns:p14="http://schemas.microsoft.com/office/powerpoint/2010/main" val="2241502038"/>
-      </p:ext>
-    </p:extLst>
-  </p:cSld>
-  <p:clrMapOvr>
-    <a:masterClrMapping/>
-  </p:clrMapOvr>
-  <mc:AlternateContent xmlns:mc="http://schemas.openxmlformats.org/markup-compatibility/2006" xmlns:p14="http://schemas.microsoft.com/office/powerpoint/2010/main">
-    <mc:Choice Requires="p14">
-      <p:transition spd="med" p14:dur="700">
-        <p:fade/>
-      </p:transition>
-    </mc:Choice>
-    <mc:Fallback xmlns="">
-      <p:transition spd="med">
-        <p:fade/>
-      </p:transition>
-    </mc:Fallback>
-  </mc:AlternateContent>
-</p:sld>
-</file>
-
-<file path=ppt/slides/slide3.xml><?xml version="1.0" encoding="utf-8"?>
-<p:sld xmlns:a="http://schemas.openxmlformats.org/drawingml/2006/main" xmlns:r="http://schemas.openxmlformats.org/officeDocument/2006/relationships" xmlns:p="http://schemas.openxmlformats.org/presentationml/2006/main">
-  <p:cSld>
-    <p:spTree>
-      <p:nvGrpSpPr>
-        <p:cNvPr id="1" name=""/>
-        <p:cNvGrpSpPr/>
-        <p:nvPr/>
-      </p:nvGrpSpPr>
-      <p:grpSpPr>
-        <a:xfrm>
-          <a:off x="0" y="0"/>
-          <a:ext cx="0" cy="0"/>
-          <a:chOff x="0" y="0"/>
-          <a:chExt cx="0" cy="0"/>
-        </a:xfrm>
-      </p:grpSpPr>
-      <p:sp>
-        <p:nvSpPr>
-          <p:cNvPr id="4" name="Title 3"/>
-          <p:cNvSpPr>
-            <a:spLocks noGrp="1"/>
-          </p:cNvSpPr>
-          <p:nvPr>
-            <p:ph type="title"/>
-          </p:nvPr>
-        </p:nvSpPr>
-        <p:spPr/>
-        <p:txBody>
-          <a:bodyPr/>
-          <a:lstStyle/>
-          <a:p>
-            <a:r>
-              <a:rPr lang="en-US" dirty="0"/>
-              <a:t>About me</a:t>
-            </a:r>
-          </a:p>
-        </p:txBody>
-      </p:sp>
-      <p:grpSp>
-        <p:nvGrpSpPr>
-          <p:cNvPr id="7" name="Group 6"/>
-          <p:cNvGrpSpPr/>
-          <p:nvPr/>
-        </p:nvGrpSpPr>
-        <p:grpSpPr>
-          <a:xfrm>
-            <a:off x="2567608" y="3068960"/>
-            <a:ext cx="7460941" cy="1082421"/>
-            <a:chOff x="2683733" y="3068960"/>
-            <a:chExt cx="7460941" cy="1082421"/>
-          </a:xfrm>
-        </p:grpSpPr>
-        <p:pic>
-          <p:nvPicPr>
-            <p:cNvPr id="3074" name="Picture 2" descr="https://encrypted-tbn3.gstatic.com/images?q=tbn:ANd9GcStFK36H8y2rc3VEsxbLDQ4ANfdsyTNE1Y0qyTR34be9MrGzZnKPg"/>
-            <p:cNvPicPr>
-              <a:picLocks noChangeAspect="1" noChangeArrowheads="1"/>
-            </p:cNvPicPr>
-            <p:nvPr/>
-          </p:nvPicPr>
-          <p:blipFill>
-            <a:blip r:embed="rId2">
-              <a:extLst>
-                <a:ext uri="{28A0092B-C50C-407E-A947-70E740481C1C}">
-                  <a14:useLocalDpi xmlns:a14="http://schemas.microsoft.com/office/drawing/2010/main" val="0"/>
-                </a:ext>
-              </a:extLst>
-            </a:blip>
-            <a:srcRect/>
-            <a:stretch>
-              <a:fillRect/>
-            </a:stretch>
-          </p:blipFill>
-          <p:spPr bwMode="auto">
-            <a:xfrm>
-              <a:off x="2683733" y="3068960"/>
-              <a:ext cx="1082421" cy="1082421"/>
-            </a:xfrm>
-            <a:prstGeom prst="rect">
-              <a:avLst/>
-            </a:prstGeom>
-            <a:noFill/>
-            <a:extLst>
-              <a:ext uri="{909E8E84-426E-40DD-AFC4-6F175D3DCCD1}">
-                <a14:hiddenFill xmlns:a14="http://schemas.microsoft.com/office/drawing/2010/main">
-                  <a:solidFill>
-                    <a:srgbClr val="FFFFFF"/>
-                  </a:solidFill>
-                </a14:hiddenFill>
-              </a:ext>
-            </a:extLst>
-          </p:spPr>
-        </p:pic>
-        <p:sp>
-          <p:nvSpPr>
-            <p:cNvPr id="6" name="TextBox 5"/>
-            <p:cNvSpPr txBox="1"/>
-            <p:nvPr/>
-          </p:nvSpPr>
-          <p:spPr>
-            <a:xfrm>
-              <a:off x="4751851" y="3363949"/>
-              <a:ext cx="5392823" cy="492443"/>
-            </a:xfrm>
-            <a:prstGeom prst="rect">
-              <a:avLst/>
-            </a:prstGeom>
-            <a:noFill/>
-          </p:spPr>
-          <p:txBody>
-            <a:bodyPr wrap="none" rtlCol="0">
-              <a:spAutoFit/>
-            </a:bodyPr>
-            <a:lstStyle/>
-            <a:p>
-              <a:r>
-                <a:rPr lang="en-US" sz="2600" b="1" dirty="0">
-                  <a:solidFill>
-                    <a:schemeClr val="bg1">
-                      <a:lumMod val="50000"/>
-                    </a:schemeClr>
-                  </a:solidFill>
-                  <a:hlinkClick r:id="rId3"/>
-                </a:rPr>
-                <a:t>https://ro.linkedin.com/in/cotfasliviu</a:t>
-              </a:r>
-              <a:endParaRPr lang="en-US" sz="2600" b="1" dirty="0">
-                <a:solidFill>
-                  <a:schemeClr val="bg1">
-                    <a:lumMod val="50000"/>
-                  </a:schemeClr>
-                </a:solidFill>
-              </a:endParaRPr>
-            </a:p>
-          </p:txBody>
-        </p:sp>
-      </p:grpSp>
-    </p:spTree>
-    <p:extLst>
-      <p:ext uri="{BB962C8B-B14F-4D97-AF65-F5344CB8AC3E}">
-        <p14:creationId xmlns:p14="http://schemas.microsoft.com/office/powerpoint/2010/main" val="1547109838"/>
-      </p:ext>
-    </p:extLst>
-  </p:cSld>
-  <p:clrMapOvr>
-    <a:masterClrMapping/>
-  </p:clrMapOvr>
-  <mc:AlternateContent xmlns:mc="http://schemas.openxmlformats.org/markup-compatibility/2006" xmlns:p14="http://schemas.microsoft.com/office/powerpoint/2010/main">
-    <mc:Choice Requires="p14">
-      <p:transition spd="med" p14:dur="700">
-        <p:fade/>
-      </p:transition>
-    </mc:Choice>
-    <mc:Fallback xmlns="">
-      <p:transition spd="med">
-        <p:fade/>
-      </p:transition>
-    </mc:Fallback>
-  </mc:AlternateContent>
-</p:sld>
-</file>
-
-<file path=ppt/slides/slide30.xml><?xml version="1.0" encoding="utf-8"?>
-<p:sld xmlns:a="http://schemas.openxmlformats.org/drawingml/2006/main" xmlns:r="http://schemas.openxmlformats.org/officeDocument/2006/relationships" xmlns:p="http://schemas.openxmlformats.org/presentationml/2006/main">
-  <p:cSld>
-    <p:spTree>
-      <p:nvGrpSpPr>
-        <p:cNvPr id="1" name=""/>
-        <p:cNvGrpSpPr/>
-        <p:nvPr/>
-      </p:nvGrpSpPr>
-      <p:grpSpPr>
-        <a:xfrm>
-          <a:off x="0" y="0"/>
-          <a:ext cx="0" cy="0"/>
-          <a:chOff x="0" y="0"/>
-          <a:chExt cx="0" cy="0"/>
-        </a:xfrm>
-      </p:grpSpPr>
-      <p:sp>
-        <p:nvSpPr>
-          <p:cNvPr id="2" name="Title 1"/>
-          <p:cNvSpPr>
-            <a:spLocks noGrp="1"/>
-          </p:cNvSpPr>
-          <p:nvPr>
-            <p:ph type="title"/>
-          </p:nvPr>
-        </p:nvSpPr>
-        <p:spPr/>
-        <p:txBody>
-          <a:bodyPr/>
-          <a:lstStyle/>
-          <a:p>
-            <a:r>
-              <a:rPr lang="en-US" dirty="0"/>
-              <a:t>Key Benefits of ASP.NET Core</a:t>
-            </a:r>
-          </a:p>
-        </p:txBody>
-      </p:sp>
-      <p:sp>
-        <p:nvSpPr>
-          <p:cNvPr id="3" name="Content Placeholder 2"/>
-          <p:cNvSpPr>
-            <a:spLocks noGrp="1"/>
-          </p:cNvSpPr>
-          <p:nvPr>
-            <p:ph idx="1"/>
-          </p:nvPr>
-        </p:nvSpPr>
-        <p:spPr/>
-        <p:txBody>
-          <a:bodyPr/>
-          <a:lstStyle/>
-          <a:p>
-            <a:pPr marL="342900" indent="-342900" algn="just">
-              <a:buFont typeface="Wingdings" panose="05000000000000000000" pitchFamily="2" charset="2"/>
-              <a:buChar char="§"/>
-            </a:pPr>
-            <a:r>
-              <a:rPr lang="en-US" dirty="0"/>
-              <a:t>Microsoft’s .NET platform has evolved with each major release, supporting—and even defining—the state-of-</a:t>
-            </a:r>
-            <a:r>
-              <a:rPr lang="en-US" dirty="0" err="1"/>
-              <a:t>theart</a:t>
-            </a:r>
-            <a:r>
-              <a:rPr lang="en-US" dirty="0"/>
-              <a:t> aspects of modern programming. </a:t>
-            </a:r>
-          </a:p>
-          <a:p>
-            <a:endParaRPr lang="en-US" dirty="0"/>
-          </a:p>
-          <a:p>
-            <a:pPr marL="342900" indent="-342900" algn="just">
-              <a:buFont typeface="Wingdings" panose="05000000000000000000" pitchFamily="2" charset="2"/>
-              <a:buChar char="§"/>
-            </a:pPr>
-            <a:r>
-              <a:rPr lang="en-US" dirty="0"/>
-              <a:t>ASP.NET Core MVC is built for .NET Core, so its API can take full advantage of language and runtime innovations familiar to C# programmers, including the </a:t>
-            </a:r>
-            <a:r>
-              <a:rPr lang="en-US" b="1" dirty="0"/>
-              <a:t>await</a:t>
-            </a:r>
-            <a:r>
-              <a:rPr lang="en-US" dirty="0"/>
-              <a:t> keyword, extension methods, lambda expressions, anonymous and dynamic types, and Language Integrated Query (LINQ).</a:t>
-            </a:r>
-          </a:p>
-          <a:p>
-            <a:pPr marL="342900" indent="-342900" algn="just">
-              <a:buFont typeface="Wingdings" panose="05000000000000000000" pitchFamily="2" charset="2"/>
-              <a:buChar char="§"/>
-            </a:pPr>
-            <a:endParaRPr lang="en-US" dirty="0"/>
-          </a:p>
-          <a:p>
-            <a:pPr marL="342900" indent="-342900" algn="just">
-              <a:buFont typeface="Wingdings" panose="05000000000000000000" pitchFamily="2" charset="2"/>
-              <a:buChar char="§"/>
-            </a:pPr>
-            <a:r>
-              <a:rPr lang="en-US" dirty="0"/>
-              <a:t>Many of the ASP.NET Core MVC API methods and coding patterns follow a cleaner, more expressive composition than was possible with earlier platforms.</a:t>
-            </a:r>
-          </a:p>
-        </p:txBody>
-      </p:sp>
-      <p:sp>
-        <p:nvSpPr>
-          <p:cNvPr id="4" name="Text Placeholder 3"/>
-          <p:cNvSpPr>
-            <a:spLocks noGrp="1"/>
-          </p:cNvSpPr>
-          <p:nvPr>
-            <p:ph type="body" sz="quarter" idx="10"/>
-          </p:nvPr>
-        </p:nvSpPr>
-        <p:spPr/>
-        <p:txBody>
-          <a:bodyPr/>
-          <a:lstStyle/>
-          <a:p>
-            <a:r>
-              <a:rPr lang="en-US" dirty="0"/>
-              <a:t>Modern API</a:t>
-            </a:r>
-          </a:p>
-        </p:txBody>
-      </p:sp>
-    </p:spTree>
-    <p:extLst>
-      <p:ext uri="{BB962C8B-B14F-4D97-AF65-F5344CB8AC3E}">
-        <p14:creationId xmlns:p14="http://schemas.microsoft.com/office/powerpoint/2010/main" val="3294541577"/>
-      </p:ext>
-    </p:extLst>
-  </p:cSld>
-  <p:clrMapOvr>
-    <a:masterClrMapping/>
-  </p:clrMapOvr>
-  <mc:AlternateContent xmlns:mc="http://schemas.openxmlformats.org/markup-compatibility/2006" xmlns:p14="http://schemas.microsoft.com/office/powerpoint/2010/main">
-    <mc:Choice Requires="p14">
-      <p:transition spd="med" p14:dur="700">
-        <p:fade/>
-      </p:transition>
-    </mc:Choice>
-    <mc:Fallback xmlns="">
-      <p:transition spd="med">
-        <p:fade/>
-      </p:transition>
-    </mc:Fallback>
-  </mc:AlternateContent>
-</p:sld>
-</file>
-
-<file path=ppt/slides/slide31.xml><?xml version="1.0" encoding="utf-8"?>
-<p:sld xmlns:a="http://schemas.openxmlformats.org/drawingml/2006/main" xmlns:r="http://schemas.openxmlformats.org/officeDocument/2006/relationships" xmlns:p="http://schemas.openxmlformats.org/presentationml/2006/main">
-  <p:cSld>
-    <p:spTree>
-      <p:nvGrpSpPr>
-        <p:cNvPr id="1" name=""/>
-        <p:cNvGrpSpPr/>
-        <p:nvPr/>
-      </p:nvGrpSpPr>
-      <p:grpSpPr>
-        <a:xfrm>
-          <a:off x="0" y="0"/>
-          <a:ext cx="0" cy="0"/>
-          <a:chOff x="0" y="0"/>
-          <a:chExt cx="0" cy="0"/>
-        </a:xfrm>
-      </p:grpSpPr>
-      <p:sp>
-        <p:nvSpPr>
-          <p:cNvPr id="2" name="Title 1"/>
-          <p:cNvSpPr>
-            <a:spLocks noGrp="1"/>
-          </p:cNvSpPr>
-          <p:nvPr>
-            <p:ph type="title"/>
-          </p:nvPr>
-        </p:nvSpPr>
-        <p:spPr/>
-        <p:txBody>
-          <a:bodyPr/>
-          <a:lstStyle/>
-          <a:p>
-            <a:r>
-              <a:rPr lang="en-US" dirty="0"/>
-              <a:t>Key Benefits of ASP.NET Core</a:t>
-            </a:r>
-          </a:p>
-        </p:txBody>
-      </p:sp>
-      <p:sp>
-        <p:nvSpPr>
-          <p:cNvPr id="3" name="Content Placeholder 2"/>
-          <p:cNvSpPr>
-            <a:spLocks noGrp="1"/>
-          </p:cNvSpPr>
-          <p:nvPr>
-            <p:ph idx="1"/>
-          </p:nvPr>
-        </p:nvSpPr>
-        <p:spPr/>
-        <p:txBody>
-          <a:bodyPr/>
-          <a:lstStyle/>
-          <a:p>
-            <a:pPr marL="342900" indent="-342900" algn="just">
-              <a:buFont typeface="Wingdings" panose="05000000000000000000" pitchFamily="2" charset="2"/>
-              <a:buChar char="§"/>
-            </a:pPr>
-            <a:r>
-              <a:rPr lang="en-US" dirty="0"/>
-              <a:t>Previous versions of ASP.NET were specific to Windows, requiring a Windows desktop to write web applications and a Windows server to deploy and run them. Microsoft made ASP.NET Core cross-platform, both for development and for deployment. .NET Core is available for different platforms—including Linux and OS X/</a:t>
-            </a:r>
-            <a:r>
-              <a:rPr lang="en-US" dirty="0" err="1"/>
-              <a:t>macOS</a:t>
-            </a:r>
-            <a:r>
-              <a:rPr lang="en-US" dirty="0"/>
-              <a:t>—and is likely to be ported to others.</a:t>
-            </a:r>
-          </a:p>
-          <a:p>
-            <a:pPr marL="342900" indent="-342900">
-              <a:buFont typeface="Wingdings" panose="05000000000000000000" pitchFamily="2" charset="2"/>
-              <a:buChar char="§"/>
-            </a:pPr>
-            <a:endParaRPr lang="en-US" dirty="0"/>
-          </a:p>
-          <a:p>
-            <a:pPr marL="342900" indent="-342900" algn="just">
-              <a:buFont typeface="Wingdings" panose="05000000000000000000" pitchFamily="2" charset="2"/>
-              <a:buChar char="§"/>
-            </a:pPr>
-            <a:r>
-              <a:rPr lang="en-US" dirty="0"/>
-              <a:t>Most ASP.NET Core MVC development is likely to be done using Visual Studio for the immediate future, but Microsoft has also created a cross-platform development tool called Visual Studio Code, which means that ASP.NET Core MVC development is no longer restricted to Windows.</a:t>
-            </a:r>
-          </a:p>
-        </p:txBody>
-      </p:sp>
-      <p:sp>
-        <p:nvSpPr>
-          <p:cNvPr id="4" name="Text Placeholder 3"/>
-          <p:cNvSpPr>
-            <a:spLocks noGrp="1"/>
-          </p:cNvSpPr>
-          <p:nvPr>
-            <p:ph type="body" sz="quarter" idx="10"/>
-          </p:nvPr>
-        </p:nvSpPr>
-        <p:spPr/>
-        <p:txBody>
-          <a:bodyPr/>
-          <a:lstStyle/>
-          <a:p>
-            <a:r>
-              <a:rPr lang="en-US" dirty="0"/>
-              <a:t>Cross-Platform</a:t>
-            </a:r>
-          </a:p>
-        </p:txBody>
-      </p:sp>
-    </p:spTree>
-    <p:extLst>
-      <p:ext uri="{BB962C8B-B14F-4D97-AF65-F5344CB8AC3E}">
-        <p14:creationId xmlns:p14="http://schemas.microsoft.com/office/powerpoint/2010/main" val="3393981062"/>
-      </p:ext>
-    </p:extLst>
-  </p:cSld>
-  <p:clrMapOvr>
-    <a:masterClrMapping/>
-  </p:clrMapOvr>
-  <mc:AlternateContent xmlns:mc="http://schemas.openxmlformats.org/markup-compatibility/2006" xmlns:p14="http://schemas.microsoft.com/office/powerpoint/2010/main">
-    <mc:Choice Requires="p14">
-      <p:transition spd="med" p14:dur="700">
-        <p:fade/>
-      </p:transition>
-    </mc:Choice>
-    <mc:Fallback xmlns="">
-      <p:transition spd="med">
-        <p:fade/>
-      </p:transition>
-    </mc:Fallback>
-  </mc:AlternateContent>
-</p:sld>
-</file>
-
-<file path=ppt/slides/slide32.xml><?xml version="1.0" encoding="utf-8"?>
-<p:sld xmlns:a="http://schemas.openxmlformats.org/drawingml/2006/main" xmlns:r="http://schemas.openxmlformats.org/officeDocument/2006/relationships" xmlns:p="http://schemas.openxmlformats.org/presentationml/2006/main">
-  <p:cSld>
-    <p:spTree>
-      <p:nvGrpSpPr>
-        <p:cNvPr id="1" name=""/>
-        <p:cNvGrpSpPr/>
-        <p:nvPr/>
-      </p:nvGrpSpPr>
-      <p:grpSpPr>
-        <a:xfrm>
-          <a:off x="0" y="0"/>
-          <a:ext cx="0" cy="0"/>
-          <a:chOff x="0" y="0"/>
-          <a:chExt cx="0" cy="0"/>
-        </a:xfrm>
-      </p:grpSpPr>
-      <p:sp>
-        <p:nvSpPr>
-          <p:cNvPr id="2" name="Title 1"/>
-          <p:cNvSpPr>
-            <a:spLocks noGrp="1"/>
-          </p:cNvSpPr>
-          <p:nvPr>
-            <p:ph type="title"/>
-          </p:nvPr>
-        </p:nvSpPr>
-        <p:spPr/>
-        <p:txBody>
-          <a:bodyPr/>
-          <a:lstStyle/>
-          <a:p>
-            <a:r>
-              <a:rPr lang="en-US" dirty="0"/>
-              <a:t>Key Benefits of ASP.NET Core</a:t>
-            </a:r>
-          </a:p>
-        </p:txBody>
-      </p:sp>
-      <p:sp>
-        <p:nvSpPr>
-          <p:cNvPr id="3" name="Content Placeholder 2"/>
-          <p:cNvSpPr>
-            <a:spLocks noGrp="1"/>
-          </p:cNvSpPr>
-          <p:nvPr>
-            <p:ph idx="1"/>
-          </p:nvPr>
-        </p:nvSpPr>
-        <p:spPr/>
-        <p:txBody>
-          <a:bodyPr/>
-          <a:lstStyle/>
-          <a:p>
-            <a:pPr marL="342900" indent="-342900" algn="just">
-              <a:buFont typeface="Wingdings" panose="05000000000000000000" pitchFamily="2" charset="2"/>
-              <a:buChar char="§"/>
-            </a:pPr>
-            <a:r>
-              <a:rPr lang="en-US" dirty="0"/>
-              <a:t>Unlike previous Microsoft web development platforms, you are free to download the source code for ASP. NET Core and ASP.NET Core MVC and even modify and compile your own version of it. </a:t>
-            </a:r>
-          </a:p>
-          <a:p>
-            <a:pPr marL="342900" indent="-342900" algn="just">
-              <a:buFont typeface="Wingdings" panose="05000000000000000000" pitchFamily="2" charset="2"/>
-              <a:buChar char="§"/>
-            </a:pPr>
-            <a:endParaRPr lang="en-US" dirty="0"/>
-          </a:p>
-          <a:p>
-            <a:pPr marL="342900" indent="-342900" algn="just">
-              <a:buFont typeface="Wingdings" panose="05000000000000000000" pitchFamily="2" charset="2"/>
-              <a:buChar char="§"/>
-            </a:pPr>
-            <a:r>
-              <a:rPr lang="en-US" dirty="0"/>
-              <a:t>This is invaluable when your debugging trail leads into a system component and you want to step into its code (and even read the original programmers’ comments). It is also useful if you are building an advanced component and want to see what development possibilities exist or how the built-in components actually work.</a:t>
-            </a:r>
-          </a:p>
-          <a:p>
-            <a:pPr marL="342900" indent="-342900" algn="just">
-              <a:buFont typeface="Wingdings" panose="05000000000000000000" pitchFamily="2" charset="2"/>
-              <a:buChar char="§"/>
-            </a:pPr>
-            <a:endParaRPr lang="en-US" dirty="0"/>
-          </a:p>
-          <a:p>
-            <a:pPr marL="342900" indent="-342900" algn="just">
-              <a:buFont typeface="Wingdings" panose="05000000000000000000" pitchFamily="2" charset="2"/>
-              <a:buChar char="§"/>
-            </a:pPr>
-            <a:r>
-              <a:rPr lang="en-US" dirty="0"/>
-              <a:t>You can download the ASP.NET Core and ASP.NET Core MVC source code from </a:t>
-            </a:r>
-            <a:r>
-              <a:rPr lang="en-US" dirty="0">
-                <a:hlinkClick r:id="rId2"/>
-              </a:rPr>
-              <a:t>https://github.com/aspnet</a:t>
-            </a:r>
-            <a:r>
-              <a:rPr lang="en-US" dirty="0"/>
-              <a:t> .</a:t>
-            </a:r>
-          </a:p>
-        </p:txBody>
-      </p:sp>
-      <p:sp>
-        <p:nvSpPr>
-          <p:cNvPr id="4" name="Text Placeholder 3"/>
-          <p:cNvSpPr>
-            <a:spLocks noGrp="1"/>
-          </p:cNvSpPr>
-          <p:nvPr>
-            <p:ph type="body" sz="quarter" idx="10"/>
-          </p:nvPr>
-        </p:nvSpPr>
-        <p:spPr/>
-        <p:txBody>
-          <a:bodyPr/>
-          <a:lstStyle/>
-          <a:p>
-            <a:r>
-              <a:rPr lang="en-US" dirty="0"/>
-              <a:t>Open Source</a:t>
-            </a:r>
-          </a:p>
-        </p:txBody>
-      </p:sp>
-    </p:spTree>
-    <p:extLst>
-      <p:ext uri="{BB962C8B-B14F-4D97-AF65-F5344CB8AC3E}">
-        <p14:creationId xmlns:p14="http://schemas.microsoft.com/office/powerpoint/2010/main" val="893622681"/>
-      </p:ext>
-    </p:extLst>
-  </p:cSld>
-  <p:clrMapOvr>
-    <a:masterClrMapping/>
-  </p:clrMapOvr>
-  <mc:AlternateContent xmlns:mc="http://schemas.openxmlformats.org/markup-compatibility/2006" xmlns:p14="http://schemas.microsoft.com/office/powerpoint/2010/main">
-    <mc:Choice Requires="p14">
-      <p:transition spd="med" p14:dur="700">
-        <p:fade/>
-      </p:transition>
-    </mc:Choice>
-    <mc:Fallback xmlns="">
-      <p:transition spd="med">
-        <p:fade/>
-      </p:transition>
-    </mc:Fallback>
-  </mc:AlternateContent>
-</p:sld>
-</file>
-
-<file path=ppt/slides/slide33.xml><?xml version="1.0" encoding="utf-8"?>
-<p:sld xmlns:a="http://schemas.openxmlformats.org/drawingml/2006/main" xmlns:r="http://schemas.openxmlformats.org/officeDocument/2006/relationships" xmlns:p="http://schemas.openxmlformats.org/presentationml/2006/main">
-  <p:cSld>
-    <p:spTree>
-      <p:nvGrpSpPr>
-        <p:cNvPr id="1" name=""/>
-        <p:cNvGrpSpPr/>
-        <p:nvPr/>
-      </p:nvGrpSpPr>
-      <p:grpSpPr>
-        <a:xfrm>
-          <a:off x="0" y="0"/>
-          <a:ext cx="0" cy="0"/>
-          <a:chOff x="0" y="0"/>
-          <a:chExt cx="0" cy="0"/>
-        </a:xfrm>
-      </p:grpSpPr>
-      <p:sp>
-        <p:nvSpPr>
           <p:cNvPr id="2" name="Title 1"/>
           <p:cNvSpPr>
             <a:spLocks noGrp="1"/>
@@ -16195,7 +13393,7 @@
 </p:sld>
 </file>
 
-<file path=ppt/slides/slide34.xml><?xml version="1.0" encoding="utf-8"?>
+<file path=ppt/slides/slide17.xml><?xml version="1.0" encoding="utf-8"?>
 <p:sld xmlns:a="http://schemas.openxmlformats.org/drawingml/2006/main" xmlns:r="http://schemas.openxmlformats.org/officeDocument/2006/relationships" xmlns:p="http://schemas.openxmlformats.org/presentationml/2006/main">
   <p:cSld>
     <p:spTree>
@@ -16478,7 +13676,7 @@
 </p:sld>
 </file>
 
-<file path=ppt/slides/slide35.xml><?xml version="1.0" encoding="utf-8"?>
+<file path=ppt/slides/slide18.xml><?xml version="1.0" encoding="utf-8"?>
 <p:sld xmlns:a="http://schemas.openxmlformats.org/drawingml/2006/main" xmlns:r="http://schemas.openxmlformats.org/officeDocument/2006/relationships" xmlns:p="http://schemas.openxmlformats.org/presentationml/2006/main">
   <p:cSld>
     <p:spTree>
@@ -16624,7 +13822,7 @@
 </p:sld>
 </file>
 
-<file path=ppt/slides/slide36.xml><?xml version="1.0" encoding="utf-8"?>
+<file path=ppt/slides/slide19.xml><?xml version="1.0" encoding="utf-8"?>
 <p:sld xmlns:a="http://schemas.openxmlformats.org/drawingml/2006/main" xmlns:r="http://schemas.openxmlformats.org/officeDocument/2006/relationships" xmlns:p="http://schemas.openxmlformats.org/presentationml/2006/main">
   <p:cSld>
     <p:spTree>
@@ -16810,7 +14008,197 @@
 </p:sld>
 </file>
 
-<file path=ppt/slides/slide37.xml><?xml version="1.0" encoding="utf-8"?>
+<file path=ppt/slides/slide2.xml><?xml version="1.0" encoding="utf-8"?>
+<p:sld xmlns:a="http://schemas.openxmlformats.org/drawingml/2006/main" xmlns:r="http://schemas.openxmlformats.org/officeDocument/2006/relationships" xmlns:p="http://schemas.openxmlformats.org/presentationml/2006/main">
+  <p:cSld>
+    <p:spTree>
+      <p:nvGrpSpPr>
+        <p:cNvPr id="1" name=""/>
+        <p:cNvGrpSpPr/>
+        <p:nvPr/>
+      </p:nvGrpSpPr>
+      <p:grpSpPr>
+        <a:xfrm>
+          <a:off x="0" y="0"/>
+          <a:ext cx="0" cy="0"/>
+          <a:chOff x="0" y="0"/>
+          <a:chExt cx="0" cy="0"/>
+        </a:xfrm>
+      </p:grpSpPr>
+      <p:sp>
+        <p:nvSpPr>
+          <p:cNvPr id="4" name="Title 3"/>
+          <p:cNvSpPr>
+            <a:spLocks noGrp="1"/>
+          </p:cNvSpPr>
+          <p:nvPr>
+            <p:ph type="title"/>
+          </p:nvPr>
+        </p:nvSpPr>
+        <p:spPr/>
+        <p:txBody>
+          <a:bodyPr/>
+          <a:lstStyle/>
+          <a:p>
+            <a:r>
+              <a:rPr lang="en-US" dirty="0"/>
+              <a:t>ASP.NET MVC Core, C# Language</a:t>
+            </a:r>
+          </a:p>
+        </p:txBody>
+      </p:sp>
+      <p:sp>
+        <p:nvSpPr>
+          <p:cNvPr id="5" name="Content Placeholder 4"/>
+          <p:cNvSpPr>
+            <a:spLocks noGrp="1"/>
+          </p:cNvSpPr>
+          <p:nvPr>
+            <p:ph idx="1"/>
+          </p:nvPr>
+        </p:nvSpPr>
+        <p:spPr/>
+        <p:txBody>
+          <a:bodyPr/>
+          <a:lstStyle/>
+          <a:p>
+            <a:endParaRPr lang="en-US" b="1" dirty="0"/>
+          </a:p>
+          <a:p>
+            <a:endParaRPr lang="en-US" b="1" dirty="0"/>
+          </a:p>
+          <a:p>
+            <a:endParaRPr lang="en-US" b="1" dirty="0"/>
+          </a:p>
+          <a:p>
+            <a:endParaRPr lang="en-US" b="1" dirty="0"/>
+          </a:p>
+          <a:p>
+            <a:endParaRPr lang="en-US" b="1" dirty="0"/>
+          </a:p>
+          <a:p>
+            <a:endParaRPr lang="en-US" b="1" dirty="0"/>
+          </a:p>
+          <a:p>
+            <a:endParaRPr lang="en-US" b="1" dirty="0"/>
+          </a:p>
+          <a:p>
+            <a:endParaRPr lang="en-US" b="1" dirty="0"/>
+          </a:p>
+          <a:p>
+            <a:endParaRPr lang="en-US" b="1" dirty="0"/>
+          </a:p>
+          <a:p>
+            <a:pPr marL="342900" indent="-342900">
+              <a:buFont typeface="Arial" panose="020B0604020202020204" pitchFamily="34" charset="0"/>
+              <a:buChar char="•"/>
+            </a:pPr>
+            <a:r>
+              <a:rPr lang="en-US" b="1" dirty="0"/>
+              <a:t>url:</a:t>
+            </a:r>
+            <a:r>
+              <a:rPr lang="en-US" dirty="0"/>
+              <a:t> </a:t>
+            </a:r>
+            <a:r>
+              <a:rPr lang="en-US" dirty="0">
+                <a:hlinkClick r:id="rId2"/>
+              </a:rPr>
+              <a:t>https://docs.microsoft.com/en-us/aspnet/</a:t>
+            </a:r>
+            <a:r>
+              <a:rPr lang="en-US" dirty="0"/>
+              <a:t> </a:t>
+            </a:r>
+          </a:p>
+        </p:txBody>
+      </p:sp>
+      <p:sp>
+        <p:nvSpPr>
+          <p:cNvPr id="8" name="TextBox 7"/>
+          <p:cNvSpPr txBox="1"/>
+          <p:nvPr/>
+        </p:nvSpPr>
+        <p:spPr>
+          <a:xfrm>
+            <a:off x="8328248" y="2587261"/>
+            <a:ext cx="1242648" cy="1323439"/>
+          </a:xfrm>
+          <a:prstGeom prst="rect">
+            <a:avLst/>
+          </a:prstGeom>
+          <a:noFill/>
+        </p:spPr>
+        <p:txBody>
+          <a:bodyPr wrap="none" rtlCol="0">
+            <a:spAutoFit/>
+          </a:bodyPr>
+          <a:lstStyle/>
+          <a:p>
+            <a:r>
+              <a:rPr lang="en-US" sz="8000" dirty="0"/>
+              <a:t>C#</a:t>
+            </a:r>
+          </a:p>
+        </p:txBody>
+      </p:sp>
+      <p:pic>
+        <p:nvPicPr>
+          <p:cNvPr id="9" name="Graphic 8"/>
+          <p:cNvPicPr>
+            <a:picLocks noChangeAspect="1"/>
+          </p:cNvPicPr>
+          <p:nvPr/>
+        </p:nvPicPr>
+        <p:blipFill>
+          <a:blip r:embed="rId3">
+            <a:extLst>
+              <a:ext uri="{96DAC541-7B7A-43D3-8B79-37D633B846F1}">
+                <asvg:svgBlip xmlns:asvg="http://schemas.microsoft.com/office/drawing/2016/SVG/main" r:embed="rId4"/>
+              </a:ext>
+            </a:extLst>
+          </a:blip>
+          <a:stretch>
+            <a:fillRect/>
+          </a:stretch>
+        </p:blipFill>
+        <p:spPr>
+          <a:xfrm>
+            <a:off x="2783632" y="2132856"/>
+            <a:ext cx="2232248" cy="2232248"/>
+          </a:xfrm>
+          <a:prstGeom prst="rect">
+            <a:avLst/>
+          </a:prstGeom>
+        </p:spPr>
+      </p:pic>
+    </p:spTree>
+    <p:extLst>
+      <p:ext uri="{BB962C8B-B14F-4D97-AF65-F5344CB8AC3E}">
+        <p14:creationId xmlns:p14="http://schemas.microsoft.com/office/powerpoint/2010/main" val="863801140"/>
+      </p:ext>
+    </p:extLst>
+  </p:cSld>
+  <p:clrMapOvr>
+    <a:masterClrMapping/>
+  </p:clrMapOvr>
+  <mc:AlternateContent xmlns:mc="http://schemas.openxmlformats.org/markup-compatibility/2006" xmlns:p14="http://schemas.microsoft.com/office/powerpoint/2010/main">
+    <mc:Choice Requires="p14">
+      <p:transition spd="med" p14:dur="700">
+        <p:fade/>
+      </p:transition>
+    </mc:Choice>
+    <mc:Fallback xmlns="">
+      <p:transition spd="med">
+        <p:fade/>
+      </p:transition>
+    </mc:Fallback>
+  </mc:AlternateContent>
+</p:sld>
+</file>
+
+<file path=ppt/slides/slide20.xml><?xml version="1.0" encoding="utf-8"?>
 <p:sld xmlns:a="http://schemas.openxmlformats.org/drawingml/2006/main" xmlns:r="http://schemas.openxmlformats.org/officeDocument/2006/relationships" xmlns:p="http://schemas.openxmlformats.org/presentationml/2006/main">
   <p:cSld>
     <p:spTree>
@@ -16878,6 +14266,10 @@
               <a:t>view models </a:t>
             </a:r>
             <a:r>
+              <a:rPr lang="en-US" b="1"/>
+              <a:t>(presentation models) </a:t>
+            </a:r>
+            <a:r>
               <a:rPr lang="en-US" dirty="0"/>
               <a:t>- represent just data passed from the controller to the view, </a:t>
             </a:r>
@@ -16958,7 +14350,7 @@
 </p:sld>
 </file>
 
-<file path=ppt/slides/slide38.xml><?xml version="1.0" encoding="utf-8"?>
+<file path=ppt/slides/slide21.xml><?xml version="1.0" encoding="utf-8"?>
 <p:sld xmlns:a="http://schemas.openxmlformats.org/drawingml/2006/main" xmlns:r="http://schemas.openxmlformats.org/officeDocument/2006/relationships" xmlns:p="http://schemas.openxmlformats.org/presentationml/2006/main">
   <p:cSld>
     <p:spTree>
@@ -17065,7 +14457,7 @@
 </p:sld>
 </file>
 
-<file path=ppt/slides/slide39.xml><?xml version="1.0" encoding="utf-8"?>
+<file path=ppt/slides/slide22.xml><?xml version="1.0" encoding="utf-8"?>
 <p:sld xmlns:a="http://schemas.openxmlformats.org/drawingml/2006/main" xmlns:r="http://schemas.openxmlformats.org/officeDocument/2006/relationships" xmlns:p="http://schemas.openxmlformats.org/presentationml/2006/main">
   <p:cSld>
     <p:spTree>
@@ -17236,207 +14628,7 @@
 </p:sld>
 </file>
 
-<file path=ppt/slides/slide4.xml><?xml version="1.0" encoding="utf-8"?>
-<p:sld xmlns:a="http://schemas.openxmlformats.org/drawingml/2006/main" xmlns:r="http://schemas.openxmlformats.org/officeDocument/2006/relationships" xmlns:p="http://schemas.openxmlformats.org/presentationml/2006/main">
-  <p:cSld>
-    <p:spTree>
-      <p:nvGrpSpPr>
-        <p:cNvPr id="1" name=""/>
-        <p:cNvGrpSpPr/>
-        <p:nvPr/>
-      </p:nvGrpSpPr>
-      <p:grpSpPr>
-        <a:xfrm>
-          <a:off x="0" y="0"/>
-          <a:ext cx="0" cy="0"/>
-          <a:chOff x="0" y="0"/>
-          <a:chExt cx="0" cy="0"/>
-        </a:xfrm>
-      </p:grpSpPr>
-      <p:sp>
-        <p:nvSpPr>
-          <p:cNvPr id="2" name="Title 1"/>
-          <p:cNvSpPr>
-            <a:spLocks noGrp="1"/>
-          </p:cNvSpPr>
-          <p:nvPr>
-            <p:ph type="title"/>
-          </p:nvPr>
-        </p:nvSpPr>
-        <p:spPr/>
-        <p:txBody>
-          <a:bodyPr/>
-          <a:lstStyle/>
-          <a:p>
-            <a:r>
-              <a:rPr lang="en-US" dirty="0"/>
-              <a:t>Administrative issues</a:t>
-            </a:r>
-          </a:p>
-        </p:txBody>
-      </p:sp>
-      <p:sp>
-        <p:nvSpPr>
-          <p:cNvPr id="3" name="Content Placeholder 2"/>
-          <p:cNvSpPr>
-            <a:spLocks noGrp="1"/>
-          </p:cNvSpPr>
-          <p:nvPr>
-            <p:ph idx="1"/>
-          </p:nvPr>
-        </p:nvSpPr>
-        <p:spPr>
-          <a:xfrm>
-            <a:off x="767408" y="1340768"/>
-            <a:ext cx="6192688" cy="4813995"/>
-          </a:xfrm>
-        </p:spPr>
-        <p:txBody>
-          <a:bodyPr/>
-          <a:lstStyle/>
-          <a:p>
-            <a:pPr marL="342900" indent="-342900">
-              <a:buFont typeface="Wingdings" panose="05000000000000000000" pitchFamily="2" charset="2"/>
-              <a:buChar char="§"/>
-            </a:pPr>
-            <a:r>
-              <a:rPr lang="en-US" b="1" dirty="0"/>
-              <a:t>Pro ASP.NET Core MVC</a:t>
-            </a:r>
-          </a:p>
-          <a:p>
-            <a:pPr marL="597150" lvl="1" indent="-342900">
-              <a:buFont typeface="Wingdings" panose="05000000000000000000" pitchFamily="2" charset="2"/>
-              <a:buChar char="§"/>
-            </a:pPr>
-            <a:r>
-              <a:rPr lang="en-US" dirty="0"/>
-              <a:t>ADAM FREEMAN</a:t>
-            </a:r>
-          </a:p>
-          <a:p>
-            <a:pPr marL="597150" lvl="1" indent="-342900">
-              <a:buFont typeface="Wingdings" panose="05000000000000000000" pitchFamily="2" charset="2"/>
-              <a:buChar char="§"/>
-            </a:pPr>
-            <a:r>
-              <a:rPr lang="en-US" dirty="0"/>
-              <a:t>Now in its 6th edition, the best selling book on MVC is now updated for ASP.NET Core MVC.</a:t>
-            </a:r>
-          </a:p>
-          <a:p>
-            <a:pPr marL="597150" lvl="1" indent="-342900">
-              <a:buFont typeface="Wingdings" panose="05000000000000000000" pitchFamily="2" charset="2"/>
-              <a:buChar char="§"/>
-            </a:pPr>
-            <a:r>
-              <a:rPr lang="en-US" dirty="0">
-                <a:hlinkClick r:id="rId2"/>
-              </a:rPr>
-              <a:t>http://www.apress.com/us/book/9781484203989</a:t>
-            </a:r>
-            <a:endParaRPr lang="en-US" dirty="0"/>
-          </a:p>
-          <a:p>
-            <a:pPr marL="597150" lvl="1" indent="-342900">
-              <a:buFont typeface="Wingdings" panose="05000000000000000000" pitchFamily="2" charset="2"/>
-              <a:buChar char="§"/>
-            </a:pPr>
-            <a:r>
-              <a:rPr lang="en-US" dirty="0">
-                <a:hlinkClick r:id="rId3"/>
-              </a:rPr>
-              <a:t>https://github.com/apress/pro-asp.net-core-mvc</a:t>
-            </a:r>
-            <a:endParaRPr lang="en-US" dirty="0"/>
-          </a:p>
-          <a:p>
-            <a:pPr marL="342900" indent="-342900">
-              <a:buFont typeface="Wingdings" panose="05000000000000000000" pitchFamily="2" charset="2"/>
-              <a:buChar char="§"/>
-            </a:pPr>
-            <a:endParaRPr lang="en-US" dirty="0"/>
-          </a:p>
-        </p:txBody>
-      </p:sp>
-      <p:sp>
-        <p:nvSpPr>
-          <p:cNvPr id="4" name="Text Placeholder 3"/>
-          <p:cNvSpPr>
-            <a:spLocks noGrp="1"/>
-          </p:cNvSpPr>
-          <p:nvPr>
-            <p:ph type="body" sz="quarter" idx="10"/>
-          </p:nvPr>
-        </p:nvSpPr>
-        <p:spPr/>
-        <p:txBody>
-          <a:bodyPr/>
-          <a:lstStyle/>
-          <a:p>
-            <a:r>
-              <a:rPr lang="en-US" dirty="0"/>
-              <a:t>Recommended Reading / Watching</a:t>
-            </a:r>
-          </a:p>
-        </p:txBody>
-      </p:sp>
-      <p:pic>
-        <p:nvPicPr>
-          <p:cNvPr id="6" name="Picture 5" descr="A picture containing text&#10;&#10;Description generated with high confidence"/>
-          <p:cNvPicPr>
-            <a:picLocks noChangeAspect="1"/>
-          </p:cNvPicPr>
-          <p:nvPr/>
-        </p:nvPicPr>
-        <p:blipFill>
-          <a:blip r:embed="rId4" cstate="print">
-            <a:extLst>
-              <a:ext uri="{28A0092B-C50C-407E-A947-70E740481C1C}">
-                <a14:useLocalDpi xmlns:a14="http://schemas.microsoft.com/office/drawing/2010/main" val="0"/>
-              </a:ext>
-            </a:extLst>
-          </a:blip>
-          <a:stretch>
-            <a:fillRect/>
-          </a:stretch>
-        </p:blipFill>
-        <p:spPr>
-          <a:xfrm>
-            <a:off x="8328248" y="1340768"/>
-            <a:ext cx="2976364" cy="4251949"/>
-          </a:xfrm>
-          <a:prstGeom prst="rect">
-            <a:avLst/>
-          </a:prstGeom>
-        </p:spPr>
-      </p:pic>
-    </p:spTree>
-    <p:extLst>
-      <p:ext uri="{BB962C8B-B14F-4D97-AF65-F5344CB8AC3E}">
-        <p14:creationId xmlns:p14="http://schemas.microsoft.com/office/powerpoint/2010/main" val="3064523811"/>
-      </p:ext>
-    </p:extLst>
-  </p:cSld>
-  <p:clrMapOvr>
-    <a:masterClrMapping/>
-  </p:clrMapOvr>
-  <mc:AlternateContent xmlns:mc="http://schemas.openxmlformats.org/markup-compatibility/2006" xmlns:p14="http://schemas.microsoft.com/office/powerpoint/2010/main">
-    <mc:Choice Requires="p14">
-      <p:transition spd="med" p14:dur="700">
-        <p:fade/>
-      </p:transition>
-    </mc:Choice>
-    <mc:Fallback xmlns="">
-      <p:transition spd="med">
-        <p:fade/>
-      </p:transition>
-    </mc:Fallback>
-  </mc:AlternateContent>
-</p:sld>
-</file>
-
-<file path=ppt/slides/slide40.xml><?xml version="1.0" encoding="utf-8"?>
+<file path=ppt/slides/slide23.xml><?xml version="1.0" encoding="utf-8"?>
 <p:sld xmlns:a="http://schemas.openxmlformats.org/drawingml/2006/main" xmlns:r="http://schemas.openxmlformats.org/officeDocument/2006/relationships" xmlns:p="http://schemas.openxmlformats.org/presentationml/2006/main">
   <p:cSld>
     <p:spTree>
@@ -17559,7 +14751,7 @@
 </p:sld>
 </file>
 
-<file path=ppt/slides/slide41.xml><?xml version="1.0" encoding="utf-8"?>
+<file path=ppt/slides/slide24.xml><?xml version="1.0" encoding="utf-8"?>
 <p:sld xmlns:a="http://schemas.openxmlformats.org/drawingml/2006/main" xmlns:r="http://schemas.openxmlformats.org/officeDocument/2006/relationships" xmlns:p="http://schemas.openxmlformats.org/presentationml/2006/main">
   <p:cSld>
     <p:spTree>
@@ -17737,7 +14929,7 @@
 </p:sld>
 </file>
 
-<file path=ppt/slides/slide42.xml><?xml version="1.0" encoding="utf-8"?>
+<file path=ppt/slides/slide25.xml><?xml version="1.0" encoding="utf-8"?>
 <p:sld xmlns:a="http://schemas.openxmlformats.org/drawingml/2006/main" xmlns:r="http://schemas.openxmlformats.org/officeDocument/2006/relationships" xmlns:p="http://schemas.openxmlformats.org/presentationml/2006/main">
   <p:cSld>
     <p:spTree>
@@ -17899,7 +15091,7 @@
 </p:sld>
 </file>
 
-<file path=ppt/slides/slide43.xml><?xml version="1.0" encoding="utf-8"?>
+<file path=ppt/slides/slide26.xml><?xml version="1.0" encoding="utf-8"?>
 <p:sld xmlns:a="http://schemas.openxmlformats.org/drawingml/2006/main" xmlns:r="http://schemas.openxmlformats.org/officeDocument/2006/relationships" xmlns:p="http://schemas.openxmlformats.org/presentationml/2006/main">
   <p:cSld>
     <p:spTree>
@@ -17997,7 +15189,7 @@
 </p:sld>
 </file>
 
-<file path=ppt/slides/slide44.xml><?xml version="1.0" encoding="utf-8"?>
+<file path=ppt/slides/slide27.xml><?xml version="1.0" encoding="utf-8"?>
 <p:sld xmlns:a="http://schemas.openxmlformats.org/drawingml/2006/main" xmlns:r="http://schemas.openxmlformats.org/officeDocument/2006/relationships" xmlns:p="http://schemas.openxmlformats.org/presentationml/2006/main">
   <p:cSld>
     <p:spTree>
@@ -18157,7 +15349,7 @@
 </p:sld>
 </file>
 
-<file path=ppt/slides/slide45.xml><?xml version="1.0" encoding="utf-8"?>
+<file path=ppt/slides/slide28.xml><?xml version="1.0" encoding="utf-8"?>
 <p:sld xmlns:a="http://schemas.openxmlformats.org/drawingml/2006/main" xmlns:r="http://schemas.openxmlformats.org/officeDocument/2006/relationships" xmlns:p="http://schemas.openxmlformats.org/presentationml/2006/main">
   <p:cSld>
     <p:spTree>
@@ -18247,7 +15439,7 @@
 </p:sld>
 </file>
 
-<file path=ppt/slides/slide46.xml><?xml version="1.0" encoding="utf-8"?>
+<file path=ppt/slides/slide29.xml><?xml version="1.0" encoding="utf-8"?>
 <p:sld xmlns:a="http://schemas.openxmlformats.org/drawingml/2006/main" xmlns:r="http://schemas.openxmlformats.org/officeDocument/2006/relationships" xmlns:p="http://schemas.openxmlformats.org/presentationml/2006/main">
   <p:cSld>
     <p:spTree>
@@ -18349,6 +15541,2811 @@
     <p:extLst>
       <p:ext uri="{BB962C8B-B14F-4D97-AF65-F5344CB8AC3E}">
         <p14:creationId xmlns:p14="http://schemas.microsoft.com/office/powerpoint/2010/main" val="2794052552"/>
+      </p:ext>
+    </p:extLst>
+  </p:cSld>
+  <p:clrMapOvr>
+    <a:masterClrMapping/>
+  </p:clrMapOvr>
+  <mc:AlternateContent xmlns:mc="http://schemas.openxmlformats.org/markup-compatibility/2006" xmlns:p14="http://schemas.microsoft.com/office/powerpoint/2010/main">
+    <mc:Choice Requires="p14">
+      <p:transition spd="med" p14:dur="700">
+        <p:fade/>
+      </p:transition>
+    </mc:Choice>
+    <mc:Fallback xmlns="">
+      <p:transition spd="med">
+        <p:fade/>
+      </p:transition>
+    </mc:Fallback>
+  </mc:AlternateContent>
+</p:sld>
+</file>
+
+<file path=ppt/slides/slide3.xml><?xml version="1.0" encoding="utf-8"?>
+<p:sld xmlns:a="http://schemas.openxmlformats.org/drawingml/2006/main" xmlns:r="http://schemas.openxmlformats.org/officeDocument/2006/relationships" xmlns:p="http://schemas.openxmlformats.org/presentationml/2006/main">
+  <p:cSld>
+    <p:spTree>
+      <p:nvGrpSpPr>
+        <p:cNvPr id="1" name=""/>
+        <p:cNvGrpSpPr/>
+        <p:nvPr/>
+      </p:nvGrpSpPr>
+      <p:grpSpPr>
+        <a:xfrm>
+          <a:off x="0" y="0"/>
+          <a:ext cx="0" cy="0"/>
+          <a:chOff x="0" y="0"/>
+          <a:chExt cx="0" cy="0"/>
+        </a:xfrm>
+      </p:grpSpPr>
+      <p:sp>
+        <p:nvSpPr>
+          <p:cNvPr id="4" name="Title 3"/>
+          <p:cNvSpPr>
+            <a:spLocks noGrp="1"/>
+          </p:cNvSpPr>
+          <p:nvPr>
+            <p:ph type="title"/>
+          </p:nvPr>
+        </p:nvSpPr>
+        <p:spPr/>
+        <p:txBody>
+          <a:bodyPr/>
+          <a:lstStyle/>
+          <a:p>
+            <a:r>
+              <a:rPr lang="en-US" dirty="0"/>
+              <a:t>About me</a:t>
+            </a:r>
+          </a:p>
+        </p:txBody>
+      </p:sp>
+      <p:grpSp>
+        <p:nvGrpSpPr>
+          <p:cNvPr id="7" name="Group 6"/>
+          <p:cNvGrpSpPr/>
+          <p:nvPr/>
+        </p:nvGrpSpPr>
+        <p:grpSpPr>
+          <a:xfrm>
+            <a:off x="2567608" y="3068960"/>
+            <a:ext cx="7460941" cy="1082421"/>
+            <a:chOff x="2683733" y="3068960"/>
+            <a:chExt cx="7460941" cy="1082421"/>
+          </a:xfrm>
+        </p:grpSpPr>
+        <p:pic>
+          <p:nvPicPr>
+            <p:cNvPr id="3074" name="Picture 2" descr="https://encrypted-tbn3.gstatic.com/images?q=tbn:ANd9GcStFK36H8y2rc3VEsxbLDQ4ANfdsyTNE1Y0qyTR34be9MrGzZnKPg"/>
+            <p:cNvPicPr>
+              <a:picLocks noChangeAspect="1" noChangeArrowheads="1"/>
+            </p:cNvPicPr>
+            <p:nvPr/>
+          </p:nvPicPr>
+          <p:blipFill>
+            <a:blip r:embed="rId2">
+              <a:extLst>
+                <a:ext uri="{28A0092B-C50C-407E-A947-70E740481C1C}">
+                  <a14:useLocalDpi xmlns:a14="http://schemas.microsoft.com/office/drawing/2010/main" val="0"/>
+                </a:ext>
+              </a:extLst>
+            </a:blip>
+            <a:srcRect/>
+            <a:stretch>
+              <a:fillRect/>
+            </a:stretch>
+          </p:blipFill>
+          <p:spPr bwMode="auto">
+            <a:xfrm>
+              <a:off x="2683733" y="3068960"/>
+              <a:ext cx="1082421" cy="1082421"/>
+            </a:xfrm>
+            <a:prstGeom prst="rect">
+              <a:avLst/>
+            </a:prstGeom>
+            <a:noFill/>
+            <a:extLst>
+              <a:ext uri="{909E8E84-426E-40DD-AFC4-6F175D3DCCD1}">
+                <a14:hiddenFill xmlns:a14="http://schemas.microsoft.com/office/drawing/2010/main">
+                  <a:solidFill>
+                    <a:srgbClr val="FFFFFF"/>
+                  </a:solidFill>
+                </a14:hiddenFill>
+              </a:ext>
+            </a:extLst>
+          </p:spPr>
+        </p:pic>
+        <p:sp>
+          <p:nvSpPr>
+            <p:cNvPr id="6" name="TextBox 5"/>
+            <p:cNvSpPr txBox="1"/>
+            <p:nvPr/>
+          </p:nvSpPr>
+          <p:spPr>
+            <a:xfrm>
+              <a:off x="4751851" y="3363949"/>
+              <a:ext cx="5392823" cy="492443"/>
+            </a:xfrm>
+            <a:prstGeom prst="rect">
+              <a:avLst/>
+            </a:prstGeom>
+            <a:noFill/>
+          </p:spPr>
+          <p:txBody>
+            <a:bodyPr wrap="none" rtlCol="0">
+              <a:spAutoFit/>
+            </a:bodyPr>
+            <a:lstStyle/>
+            <a:p>
+              <a:r>
+                <a:rPr lang="en-US" sz="2600" b="1" dirty="0">
+                  <a:solidFill>
+                    <a:schemeClr val="bg1">
+                      <a:lumMod val="50000"/>
+                    </a:schemeClr>
+                  </a:solidFill>
+                  <a:hlinkClick r:id="rId3"/>
+                </a:rPr>
+                <a:t>https://ro.linkedin.com/in/cotfasliviu</a:t>
+              </a:r>
+              <a:endParaRPr lang="en-US" sz="2600" b="1" dirty="0">
+                <a:solidFill>
+                  <a:schemeClr val="bg1">
+                    <a:lumMod val="50000"/>
+                  </a:schemeClr>
+                </a:solidFill>
+              </a:endParaRPr>
+            </a:p>
+          </p:txBody>
+        </p:sp>
+      </p:grpSp>
+    </p:spTree>
+    <p:extLst>
+      <p:ext uri="{BB962C8B-B14F-4D97-AF65-F5344CB8AC3E}">
+        <p14:creationId xmlns:p14="http://schemas.microsoft.com/office/powerpoint/2010/main" val="1547109838"/>
+      </p:ext>
+    </p:extLst>
+  </p:cSld>
+  <p:clrMapOvr>
+    <a:masterClrMapping/>
+  </p:clrMapOvr>
+  <mc:AlternateContent xmlns:mc="http://schemas.openxmlformats.org/markup-compatibility/2006" xmlns:p14="http://schemas.microsoft.com/office/powerpoint/2010/main">
+    <mc:Choice Requires="p14">
+      <p:transition spd="med" p14:dur="700">
+        <p:fade/>
+      </p:transition>
+    </mc:Choice>
+    <mc:Fallback xmlns="">
+      <p:transition spd="med">
+        <p:fade/>
+      </p:transition>
+    </mc:Fallback>
+  </mc:AlternateContent>
+</p:sld>
+</file>
+
+<file path=ppt/slides/slide30.xml><?xml version="1.0" encoding="utf-8"?>
+<p:sld xmlns:a="http://schemas.openxmlformats.org/drawingml/2006/main" xmlns:r="http://schemas.openxmlformats.org/officeDocument/2006/relationships" xmlns:p="http://schemas.openxmlformats.org/presentationml/2006/main">
+  <p:cSld>
+    <p:spTree>
+      <p:nvGrpSpPr>
+        <p:cNvPr id="1" name=""/>
+        <p:cNvGrpSpPr/>
+        <p:nvPr/>
+      </p:nvGrpSpPr>
+      <p:grpSpPr>
+        <a:xfrm>
+          <a:off x="0" y="0"/>
+          <a:ext cx="0" cy="0"/>
+          <a:chOff x="0" y="0"/>
+          <a:chExt cx="0" cy="0"/>
+        </a:xfrm>
+      </p:grpSpPr>
+      <p:sp>
+        <p:nvSpPr>
+          <p:cNvPr id="5" name="Title 4"/>
+          <p:cNvSpPr>
+            <a:spLocks noGrp="1"/>
+          </p:cNvSpPr>
+          <p:nvPr>
+            <p:ph type="title"/>
+          </p:nvPr>
+        </p:nvSpPr>
+        <p:spPr/>
+        <p:txBody>
+          <a:bodyPr/>
+          <a:lstStyle/>
+          <a:p>
+            <a:r>
+              <a:rPr lang="en-US" dirty="0"/>
+              <a:t>HelloWorld (ASP .NET Core 2)</a:t>
+            </a:r>
+          </a:p>
+        </p:txBody>
+      </p:sp>
+    </p:spTree>
+    <p:extLst>
+      <p:ext uri="{BB962C8B-B14F-4D97-AF65-F5344CB8AC3E}">
+        <p14:creationId xmlns:p14="http://schemas.microsoft.com/office/powerpoint/2010/main" val="1186053194"/>
+      </p:ext>
+    </p:extLst>
+  </p:cSld>
+  <p:clrMapOvr>
+    <a:masterClrMapping/>
+  </p:clrMapOvr>
+  <mc:AlternateContent xmlns:mc="http://schemas.openxmlformats.org/markup-compatibility/2006" xmlns:p14="http://schemas.microsoft.com/office/powerpoint/2010/main">
+    <mc:Choice Requires="p14">
+      <p:transition spd="med" p14:dur="700" advClick="0" advTm="1500">
+        <p:fade/>
+      </p:transition>
+    </mc:Choice>
+    <mc:Fallback xmlns="">
+      <p:transition spd="med" advClick="0" advTm="1500">
+        <p:fade/>
+      </p:transition>
+    </mc:Fallback>
+  </mc:AlternateContent>
+</p:sld>
+</file>
+
+<file path=ppt/slides/slide31.xml><?xml version="1.0" encoding="utf-8"?>
+<p:sld xmlns:a="http://schemas.openxmlformats.org/drawingml/2006/main" xmlns:r="http://schemas.openxmlformats.org/officeDocument/2006/relationships" xmlns:p="http://schemas.openxmlformats.org/presentationml/2006/main">
+  <p:cSld>
+    <p:spTree>
+      <p:nvGrpSpPr>
+        <p:cNvPr id="1" name=""/>
+        <p:cNvGrpSpPr/>
+        <p:nvPr/>
+      </p:nvGrpSpPr>
+      <p:grpSpPr>
+        <a:xfrm>
+          <a:off x="0" y="0"/>
+          <a:ext cx="0" cy="0"/>
+          <a:chOff x="0" y="0"/>
+          <a:chExt cx="0" cy="0"/>
+        </a:xfrm>
+      </p:grpSpPr>
+      <p:sp>
+        <p:nvSpPr>
+          <p:cNvPr id="3" name="Title 2"/>
+          <p:cNvSpPr>
+            <a:spLocks noGrp="1"/>
+          </p:cNvSpPr>
+          <p:nvPr>
+            <p:ph type="title"/>
+          </p:nvPr>
+        </p:nvSpPr>
+        <p:spPr/>
+        <p:txBody>
+          <a:bodyPr/>
+          <a:lstStyle/>
+          <a:p>
+            <a:r>
+              <a:rPr lang="en-US" dirty="0"/>
+              <a:t>First application</a:t>
+            </a:r>
+          </a:p>
+        </p:txBody>
+      </p:sp>
+      <p:sp>
+        <p:nvSpPr>
+          <p:cNvPr id="6" name="Text Placeholder 5"/>
+          <p:cNvSpPr>
+            <a:spLocks noGrp="1"/>
+          </p:cNvSpPr>
+          <p:nvPr>
+            <p:ph type="body" sz="quarter" idx="10"/>
+          </p:nvPr>
+        </p:nvSpPr>
+        <p:spPr/>
+        <p:txBody>
+          <a:bodyPr/>
+          <a:lstStyle/>
+          <a:p>
+            <a:r>
+              <a:rPr lang="en-US" dirty="0"/>
+              <a:t>Installing Visual Studio 2017</a:t>
+            </a:r>
+          </a:p>
+        </p:txBody>
+      </p:sp>
+      <p:sp>
+        <p:nvSpPr>
+          <p:cNvPr id="8" name="Content Placeholder 7"/>
+          <p:cNvSpPr>
+            <a:spLocks noGrp="1"/>
+          </p:cNvSpPr>
+          <p:nvPr>
+            <p:ph idx="1"/>
+          </p:nvPr>
+        </p:nvSpPr>
+        <p:spPr/>
+        <p:txBody>
+          <a:bodyPr/>
+          <a:lstStyle/>
+          <a:p>
+            <a:pPr marL="342900" indent="-342900" algn="just">
+              <a:buFont typeface="Wingdings" panose="05000000000000000000" pitchFamily="2" charset="2"/>
+              <a:buChar char="§"/>
+            </a:pPr>
+            <a:r>
+              <a:rPr lang="en-US" dirty="0"/>
+              <a:t>Visual Studio 2017 is available in </a:t>
+            </a:r>
+            <a:r>
+              <a:rPr lang="en-US" b="1" dirty="0"/>
+              <a:t>Community</a:t>
+            </a:r>
+            <a:r>
+              <a:rPr lang="en-US" dirty="0"/>
+              <a:t>, </a:t>
+            </a:r>
+            <a:r>
+              <a:rPr lang="en-US" b="1" dirty="0"/>
+              <a:t>Professional</a:t>
+            </a:r>
+            <a:r>
+              <a:rPr lang="en-US" dirty="0"/>
+              <a:t> and </a:t>
+            </a:r>
+            <a:r>
+              <a:rPr lang="en-US" b="1" dirty="0"/>
+              <a:t>Enterprise</a:t>
+            </a:r>
+            <a:r>
+              <a:rPr lang="en-US" dirty="0"/>
+              <a:t> editions.</a:t>
+            </a:r>
+          </a:p>
+          <a:p>
+            <a:pPr marL="342900" indent="-342900" algn="just">
+              <a:buFont typeface="Wingdings" panose="05000000000000000000" pitchFamily="2" charset="2"/>
+              <a:buChar char="§"/>
+            </a:pPr>
+            <a:endParaRPr lang="en-US" dirty="0"/>
+          </a:p>
+          <a:p>
+            <a:pPr marL="342900" indent="-342900" algn="just">
+              <a:buFont typeface="Wingdings" panose="05000000000000000000" pitchFamily="2" charset="2"/>
+              <a:buChar char="§"/>
+            </a:pPr>
+            <a:r>
+              <a:rPr lang="en-US" b="1" dirty="0"/>
+              <a:t>Community</a:t>
+            </a:r>
+            <a:r>
+              <a:rPr lang="en-US" dirty="0"/>
+              <a:t> is available for free and has all of the features required for day-to-day development. Download and run the installer from </a:t>
+            </a:r>
+            <a:r>
+              <a:rPr lang="en-US" dirty="0">
+                <a:hlinkClick r:id="rId2"/>
+              </a:rPr>
+              <a:t>www.visualstudio.com</a:t>
+            </a:r>
+            <a:endParaRPr lang="en-US" dirty="0"/>
+          </a:p>
+          <a:p>
+            <a:pPr marL="342900" indent="-342900" algn="just">
+              <a:buFont typeface="Wingdings" panose="05000000000000000000" pitchFamily="2" charset="2"/>
+              <a:buChar char="§"/>
+            </a:pPr>
+            <a:endParaRPr lang="en-US" dirty="0"/>
+          </a:p>
+          <a:p>
+            <a:pPr marL="342900" indent="-342900" algn="just">
+              <a:buFont typeface="Wingdings" panose="05000000000000000000" pitchFamily="2" charset="2"/>
+              <a:buChar char="§"/>
+            </a:pPr>
+            <a:r>
+              <a:rPr lang="en-US" b="1" dirty="0"/>
+              <a:t>Professional </a:t>
+            </a:r>
+            <a:r>
+              <a:rPr lang="en-US" dirty="0"/>
+              <a:t>is available through </a:t>
+            </a:r>
+            <a:r>
+              <a:rPr lang="en-US" dirty="0">
+                <a:hlinkClick r:id="rId3"/>
+              </a:rPr>
+              <a:t>microsoft.ase.ro </a:t>
+            </a:r>
+            <a:endParaRPr lang="en-US" dirty="0"/>
+          </a:p>
+          <a:p>
+            <a:pPr marL="342900" indent="-342900" algn="just">
+              <a:buFont typeface="Wingdings" panose="05000000000000000000" pitchFamily="2" charset="2"/>
+              <a:buChar char="§"/>
+            </a:pPr>
+            <a:endParaRPr lang="en-US" dirty="0"/>
+          </a:p>
+          <a:p>
+            <a:pPr marL="342900" indent="-342900" algn="just">
+              <a:buFont typeface="Wingdings" panose="05000000000000000000" pitchFamily="2" charset="2"/>
+              <a:buChar char="§"/>
+            </a:pPr>
+            <a:r>
+              <a:rPr lang="en-US" dirty="0"/>
+              <a:t>During setup make sure that you select the .NET Core Cross-Platform Development workload.</a:t>
+            </a:r>
+          </a:p>
+        </p:txBody>
+      </p:sp>
+    </p:spTree>
+    <p:extLst>
+      <p:ext uri="{BB962C8B-B14F-4D97-AF65-F5344CB8AC3E}">
+        <p14:creationId xmlns:p14="http://schemas.microsoft.com/office/powerpoint/2010/main" val="1338512398"/>
+      </p:ext>
+    </p:extLst>
+  </p:cSld>
+  <p:clrMapOvr>
+    <a:masterClrMapping/>
+  </p:clrMapOvr>
+  <mc:AlternateContent xmlns:mc="http://schemas.openxmlformats.org/markup-compatibility/2006" xmlns:p14="http://schemas.microsoft.com/office/powerpoint/2010/main">
+    <mc:Choice Requires="p14">
+      <p:transition spd="med" p14:dur="700">
+        <p:fade/>
+      </p:transition>
+    </mc:Choice>
+    <mc:Fallback xmlns="">
+      <p:transition spd="med">
+        <p:fade/>
+      </p:transition>
+    </mc:Fallback>
+  </mc:AlternateContent>
+</p:sld>
+</file>
+
+<file path=ppt/slides/slide32.xml><?xml version="1.0" encoding="utf-8"?>
+<p:sld xmlns:a="http://schemas.openxmlformats.org/drawingml/2006/main" xmlns:r="http://schemas.openxmlformats.org/officeDocument/2006/relationships" xmlns:p="http://schemas.openxmlformats.org/presentationml/2006/main">
+  <p:cSld>
+    <p:spTree>
+      <p:nvGrpSpPr>
+        <p:cNvPr id="1" name=""/>
+        <p:cNvGrpSpPr/>
+        <p:nvPr/>
+      </p:nvGrpSpPr>
+      <p:grpSpPr>
+        <a:xfrm>
+          <a:off x="0" y="0"/>
+          <a:ext cx="0" cy="0"/>
+          <a:chOff x="0" y="0"/>
+          <a:chExt cx="0" cy="0"/>
+        </a:xfrm>
+      </p:grpSpPr>
+      <p:sp>
+        <p:nvSpPr>
+          <p:cNvPr id="3" name="Title 2"/>
+          <p:cNvSpPr>
+            <a:spLocks noGrp="1"/>
+          </p:cNvSpPr>
+          <p:nvPr>
+            <p:ph type="title"/>
+          </p:nvPr>
+        </p:nvSpPr>
+        <p:spPr/>
+        <p:txBody>
+          <a:bodyPr/>
+          <a:lstStyle/>
+          <a:p>
+            <a:r>
+              <a:rPr lang="en-US" dirty="0"/>
+              <a:t>First application</a:t>
+            </a:r>
+          </a:p>
+        </p:txBody>
+      </p:sp>
+      <p:pic>
+        <p:nvPicPr>
+          <p:cNvPr id="5" name="Content Placeholder 4"/>
+          <p:cNvPicPr>
+            <a:picLocks noGrp="1" noChangeAspect="1"/>
+          </p:cNvPicPr>
+          <p:nvPr>
+            <p:ph idx="1"/>
+          </p:nvPr>
+        </p:nvPicPr>
+        <p:blipFill>
+          <a:blip r:embed="rId2"/>
+          <a:stretch>
+            <a:fillRect/>
+          </a:stretch>
+        </p:blipFill>
+        <p:spPr>
+          <a:xfrm>
+            <a:off x="2975334" y="1341438"/>
+            <a:ext cx="6412782" cy="4813300"/>
+          </a:xfrm>
+          <a:prstGeom prst="rect">
+            <a:avLst/>
+          </a:prstGeom>
+        </p:spPr>
+      </p:pic>
+      <p:sp>
+        <p:nvSpPr>
+          <p:cNvPr id="6" name="Text Placeholder 5"/>
+          <p:cNvSpPr>
+            <a:spLocks noGrp="1"/>
+          </p:cNvSpPr>
+          <p:nvPr>
+            <p:ph type="body" sz="quarter" idx="10"/>
+          </p:nvPr>
+        </p:nvSpPr>
+        <p:spPr/>
+        <p:txBody>
+          <a:bodyPr/>
+          <a:lstStyle/>
+          <a:p>
+            <a:r>
+              <a:rPr lang="en-US" dirty="0"/>
+              <a:t>Installing Visual Studio 2017</a:t>
+            </a:r>
+          </a:p>
+        </p:txBody>
+      </p:sp>
+    </p:spTree>
+    <p:extLst>
+      <p:ext uri="{BB962C8B-B14F-4D97-AF65-F5344CB8AC3E}">
+        <p14:creationId xmlns:p14="http://schemas.microsoft.com/office/powerpoint/2010/main" val="174849330"/>
+      </p:ext>
+    </p:extLst>
+  </p:cSld>
+  <p:clrMapOvr>
+    <a:masterClrMapping/>
+  </p:clrMapOvr>
+  <mc:AlternateContent xmlns:mc="http://schemas.openxmlformats.org/markup-compatibility/2006" xmlns:p14="http://schemas.microsoft.com/office/powerpoint/2010/main">
+    <mc:Choice Requires="p14">
+      <p:transition spd="med" p14:dur="700">
+        <p:fade/>
+      </p:transition>
+    </mc:Choice>
+    <mc:Fallback xmlns="">
+      <p:transition spd="med">
+        <p:fade/>
+      </p:transition>
+    </mc:Fallback>
+  </mc:AlternateContent>
+</p:sld>
+</file>
+
+<file path=ppt/slides/slide33.xml><?xml version="1.0" encoding="utf-8"?>
+<p:sld xmlns:a="http://schemas.openxmlformats.org/drawingml/2006/main" xmlns:r="http://schemas.openxmlformats.org/officeDocument/2006/relationships" xmlns:p="http://schemas.openxmlformats.org/presentationml/2006/main">
+  <p:cSld>
+    <p:spTree>
+      <p:nvGrpSpPr>
+        <p:cNvPr id="1" name=""/>
+        <p:cNvGrpSpPr/>
+        <p:nvPr/>
+      </p:nvGrpSpPr>
+      <p:grpSpPr>
+        <a:xfrm>
+          <a:off x="0" y="0"/>
+          <a:ext cx="0" cy="0"/>
+          <a:chOff x="0" y="0"/>
+          <a:chExt cx="0" cy="0"/>
+        </a:xfrm>
+      </p:grpSpPr>
+      <p:sp>
+        <p:nvSpPr>
+          <p:cNvPr id="7" name="Title 6"/>
+          <p:cNvSpPr>
+            <a:spLocks noGrp="1"/>
+          </p:cNvSpPr>
+          <p:nvPr>
+            <p:ph type="title"/>
+          </p:nvPr>
+        </p:nvSpPr>
+        <p:spPr/>
+        <p:txBody>
+          <a:bodyPr/>
+          <a:lstStyle/>
+          <a:p>
+            <a:r>
+              <a:rPr lang="en-US" dirty="0"/>
+              <a:t>First application</a:t>
+            </a:r>
+          </a:p>
+        </p:txBody>
+      </p:sp>
+      <p:pic>
+        <p:nvPicPr>
+          <p:cNvPr id="5" name="Content Placeholder 4">
+            <a:extLst>
+              <a:ext uri="{FF2B5EF4-FFF2-40B4-BE49-F238E27FC236}">
+                <a16:creationId xmlns:a16="http://schemas.microsoft.com/office/drawing/2014/main" id="{A5722852-C2D1-4CE2-B5EF-339259275B01}"/>
+              </a:ext>
+            </a:extLst>
+          </p:cNvPr>
+          <p:cNvPicPr>
+            <a:picLocks noGrp="1" noChangeAspect="1"/>
+          </p:cNvPicPr>
+          <p:nvPr>
+            <p:ph idx="1"/>
+          </p:nvPr>
+        </p:nvPicPr>
+        <p:blipFill>
+          <a:blip r:embed="rId2"/>
+          <a:stretch>
+            <a:fillRect/>
+          </a:stretch>
+        </p:blipFill>
+        <p:spPr>
+          <a:xfrm>
+            <a:off x="1851596" y="1341438"/>
+            <a:ext cx="8660258" cy="4813300"/>
+          </a:xfrm>
+          <a:prstGeom prst="rect">
+            <a:avLst/>
+          </a:prstGeom>
+        </p:spPr>
+      </p:pic>
+      <p:sp>
+        <p:nvSpPr>
+          <p:cNvPr id="8" name="Text Placeholder 7">
+            <a:extLst>
+              <a:ext uri="{FF2B5EF4-FFF2-40B4-BE49-F238E27FC236}">
+                <a16:creationId xmlns:a16="http://schemas.microsoft.com/office/drawing/2014/main" id="{8F91BDAB-721A-4443-9A64-4BF1FFBFF5D2}"/>
+              </a:ext>
+            </a:extLst>
+          </p:cNvPr>
+          <p:cNvSpPr>
+            <a:spLocks noGrp="1"/>
+          </p:cNvSpPr>
+          <p:nvPr>
+            <p:ph type="body" sz="quarter" idx="10"/>
+          </p:nvPr>
+        </p:nvSpPr>
+        <p:spPr/>
+        <p:txBody>
+          <a:bodyPr/>
+          <a:lstStyle/>
+          <a:p>
+            <a:r>
+              <a:rPr lang="en-US" dirty="0"/>
+              <a:t>New Project</a:t>
+            </a:r>
+          </a:p>
+        </p:txBody>
+      </p:sp>
+    </p:spTree>
+    <p:extLst>
+      <p:ext uri="{BB962C8B-B14F-4D97-AF65-F5344CB8AC3E}">
+        <p14:creationId xmlns:p14="http://schemas.microsoft.com/office/powerpoint/2010/main" val="3930858162"/>
+      </p:ext>
+    </p:extLst>
+  </p:cSld>
+  <p:clrMapOvr>
+    <a:masterClrMapping/>
+  </p:clrMapOvr>
+  <mc:AlternateContent xmlns:mc="http://schemas.openxmlformats.org/markup-compatibility/2006" xmlns:p14="http://schemas.microsoft.com/office/powerpoint/2010/main">
+    <mc:Choice Requires="p14">
+      <p:transition spd="med" p14:dur="700">
+        <p:fade/>
+      </p:transition>
+    </mc:Choice>
+    <mc:Fallback xmlns="">
+      <p:transition spd="med">
+        <p:fade/>
+      </p:transition>
+    </mc:Fallback>
+  </mc:AlternateContent>
+</p:sld>
+</file>
+
+<file path=ppt/slides/slide34.xml><?xml version="1.0" encoding="utf-8"?>
+<p:sld xmlns:a="http://schemas.openxmlformats.org/drawingml/2006/main" xmlns:r="http://schemas.openxmlformats.org/officeDocument/2006/relationships" xmlns:p="http://schemas.openxmlformats.org/presentationml/2006/main">
+  <p:cSld>
+    <p:spTree>
+      <p:nvGrpSpPr>
+        <p:cNvPr id="1" name=""/>
+        <p:cNvGrpSpPr/>
+        <p:nvPr/>
+      </p:nvGrpSpPr>
+      <p:grpSpPr>
+        <a:xfrm>
+          <a:off x="0" y="0"/>
+          <a:ext cx="0" cy="0"/>
+          <a:chOff x="0" y="0"/>
+          <a:chExt cx="0" cy="0"/>
+        </a:xfrm>
+      </p:grpSpPr>
+      <p:sp>
+        <p:nvSpPr>
+          <p:cNvPr id="6" name="Title 5"/>
+          <p:cNvSpPr>
+            <a:spLocks noGrp="1"/>
+          </p:cNvSpPr>
+          <p:nvPr>
+            <p:ph type="title"/>
+          </p:nvPr>
+        </p:nvSpPr>
+        <p:spPr/>
+        <p:txBody>
+          <a:bodyPr/>
+          <a:lstStyle/>
+          <a:p>
+            <a:r>
+              <a:rPr lang="en-US" dirty="0"/>
+              <a:t>First application</a:t>
+            </a:r>
+          </a:p>
+        </p:txBody>
+      </p:sp>
+      <p:pic>
+        <p:nvPicPr>
+          <p:cNvPr id="4" name="Content Placeholder 3">
+            <a:extLst>
+              <a:ext uri="{FF2B5EF4-FFF2-40B4-BE49-F238E27FC236}">
+                <a16:creationId xmlns:a16="http://schemas.microsoft.com/office/drawing/2014/main" id="{04FFA0AA-1975-4859-9275-0CAE3AB393B0}"/>
+              </a:ext>
+            </a:extLst>
+          </p:cNvPr>
+          <p:cNvPicPr>
+            <a:picLocks noGrp="1" noChangeAspect="1"/>
+          </p:cNvPicPr>
+          <p:nvPr>
+            <p:ph idx="1"/>
+          </p:nvPr>
+        </p:nvPicPr>
+        <p:blipFill>
+          <a:blip r:embed="rId2"/>
+          <a:stretch>
+            <a:fillRect/>
+          </a:stretch>
+        </p:blipFill>
+        <p:spPr>
+          <a:xfrm>
+            <a:off x="2761062" y="1341438"/>
+            <a:ext cx="6841326" cy="4813300"/>
+          </a:xfrm>
+          <a:prstGeom prst="rect">
+            <a:avLst/>
+          </a:prstGeom>
+        </p:spPr>
+      </p:pic>
+      <p:sp>
+        <p:nvSpPr>
+          <p:cNvPr id="7" name="Text Placeholder 6">
+            <a:extLst>
+              <a:ext uri="{FF2B5EF4-FFF2-40B4-BE49-F238E27FC236}">
+                <a16:creationId xmlns:a16="http://schemas.microsoft.com/office/drawing/2014/main" id="{C1844C5D-75FD-46A8-8ECC-44E6666C22B1}"/>
+              </a:ext>
+            </a:extLst>
+          </p:cNvPr>
+          <p:cNvSpPr>
+            <a:spLocks noGrp="1"/>
+          </p:cNvSpPr>
+          <p:nvPr>
+            <p:ph type="body" sz="quarter" idx="10"/>
+          </p:nvPr>
+        </p:nvSpPr>
+        <p:spPr/>
+        <p:txBody>
+          <a:bodyPr/>
+          <a:lstStyle/>
+          <a:p>
+            <a:r>
+              <a:rPr lang="en-US" dirty="0"/>
+              <a:t>Selecting the project template</a:t>
+            </a:r>
+          </a:p>
+        </p:txBody>
+      </p:sp>
+    </p:spTree>
+    <p:extLst>
+      <p:ext uri="{BB962C8B-B14F-4D97-AF65-F5344CB8AC3E}">
+        <p14:creationId xmlns:p14="http://schemas.microsoft.com/office/powerpoint/2010/main" val="890533521"/>
+      </p:ext>
+    </p:extLst>
+  </p:cSld>
+  <p:clrMapOvr>
+    <a:masterClrMapping/>
+  </p:clrMapOvr>
+  <mc:AlternateContent xmlns:mc="http://schemas.openxmlformats.org/markup-compatibility/2006" xmlns:p14="http://schemas.microsoft.com/office/powerpoint/2010/main">
+    <mc:Choice Requires="p14">
+      <p:transition spd="med" p14:dur="700">
+        <p:fade/>
+      </p:transition>
+    </mc:Choice>
+    <mc:Fallback xmlns="">
+      <p:transition spd="med">
+        <p:fade/>
+      </p:transition>
+    </mc:Fallback>
+  </mc:AlternateContent>
+</p:sld>
+</file>
+
+<file path=ppt/slides/slide35.xml><?xml version="1.0" encoding="utf-8"?>
+<p:sld xmlns:a="http://schemas.openxmlformats.org/drawingml/2006/main" xmlns:r="http://schemas.openxmlformats.org/officeDocument/2006/relationships" xmlns:p="http://schemas.openxmlformats.org/presentationml/2006/main">
+  <p:cSld>
+    <p:spTree>
+      <p:nvGrpSpPr>
+        <p:cNvPr id="1" name=""/>
+        <p:cNvGrpSpPr/>
+        <p:nvPr/>
+      </p:nvGrpSpPr>
+      <p:grpSpPr>
+        <a:xfrm>
+          <a:off x="0" y="0"/>
+          <a:ext cx="0" cy="0"/>
+          <a:chOff x="0" y="0"/>
+          <a:chExt cx="0" cy="0"/>
+        </a:xfrm>
+      </p:grpSpPr>
+      <p:sp>
+        <p:nvSpPr>
+          <p:cNvPr id="2" name="Title 1"/>
+          <p:cNvSpPr>
+            <a:spLocks noGrp="1"/>
+          </p:cNvSpPr>
+          <p:nvPr>
+            <p:ph type="title"/>
+          </p:nvPr>
+        </p:nvSpPr>
+        <p:spPr/>
+        <p:txBody>
+          <a:bodyPr/>
+          <a:lstStyle/>
+          <a:p>
+            <a:r>
+              <a:rPr lang="en-US" dirty="0"/>
+              <a:t>First application</a:t>
+            </a:r>
+          </a:p>
+        </p:txBody>
+      </p:sp>
+      <p:sp>
+        <p:nvSpPr>
+          <p:cNvPr id="3" name="Content Placeholder 2"/>
+          <p:cNvSpPr>
+            <a:spLocks noGrp="1"/>
+          </p:cNvSpPr>
+          <p:nvPr>
+            <p:ph idx="1"/>
+          </p:nvPr>
+        </p:nvSpPr>
+        <p:spPr/>
+        <p:txBody>
+          <a:bodyPr/>
+          <a:lstStyle/>
+          <a:p>
+            <a:pPr marL="342900" indent="-342900" algn="just">
+              <a:buFont typeface="Wingdings" panose="05000000000000000000" pitchFamily="2" charset="2"/>
+              <a:buChar char="§"/>
+            </a:pPr>
+            <a:endParaRPr lang="en-US" dirty="0"/>
+          </a:p>
+          <a:p>
+            <a:pPr marL="342900" indent="-342900" algn="just">
+              <a:buFont typeface="Wingdings" panose="05000000000000000000" pitchFamily="2" charset="2"/>
+              <a:buChar char="§"/>
+            </a:pPr>
+            <a:r>
+              <a:rPr lang="en-US" dirty="0"/>
+              <a:t>C# (pronounced "C sharp") is a general-purpose, </a:t>
+            </a:r>
+            <a:r>
+              <a:rPr lang="en-US" b="1" dirty="0"/>
+              <a:t>strongly typed</a:t>
+            </a:r>
+            <a:r>
+              <a:rPr lang="en-US" dirty="0"/>
+              <a:t>, </a:t>
+            </a:r>
+            <a:r>
+              <a:rPr lang="en-US" b="1" dirty="0"/>
+              <a:t>type-safe </a:t>
+            </a:r>
+            <a:r>
+              <a:rPr lang="en-US" dirty="0"/>
+              <a:t>language, </a:t>
+            </a:r>
+            <a:r>
+              <a:rPr lang="en-US" b="1" dirty="0"/>
+              <a:t>object-oriented</a:t>
+            </a:r>
+            <a:r>
+              <a:rPr lang="en-US" dirty="0"/>
+              <a:t> programming language, designed for building a variety of applications</a:t>
+            </a:r>
+          </a:p>
+          <a:p>
+            <a:pPr marL="342900" indent="-342900" algn="just">
+              <a:buFont typeface="Wingdings" panose="05000000000000000000" pitchFamily="2" charset="2"/>
+              <a:buChar char="§"/>
+            </a:pPr>
+            <a:endParaRPr lang="en-US" dirty="0"/>
+          </a:p>
+          <a:p>
+            <a:pPr marL="342900" indent="-342900" algn="just">
+              <a:buFont typeface="Wingdings" panose="05000000000000000000" pitchFamily="2" charset="2"/>
+              <a:buChar char="§"/>
+            </a:pPr>
+            <a:r>
+              <a:rPr lang="en-US" dirty="0"/>
+              <a:t>Focused on developer </a:t>
+            </a:r>
+            <a:r>
+              <a:rPr lang="en-US" b="1" dirty="0"/>
+              <a:t>productivity</a:t>
+            </a:r>
+            <a:r>
+              <a:rPr lang="en-US" dirty="0"/>
+              <a:t>. </a:t>
+            </a:r>
+          </a:p>
+          <a:p>
+            <a:pPr marL="342900" indent="-342900" algn="just">
+              <a:buFont typeface="Wingdings" panose="05000000000000000000" pitchFamily="2" charset="2"/>
+              <a:buChar char="§"/>
+            </a:pPr>
+            <a:endParaRPr lang="en-US" dirty="0"/>
+          </a:p>
+          <a:p>
+            <a:pPr marL="342900" indent="-342900" algn="just">
+              <a:buFont typeface="Wingdings" panose="05000000000000000000" pitchFamily="2" charset="2"/>
+              <a:buChar char="§"/>
+            </a:pPr>
+            <a:r>
+              <a:rPr lang="en-US" dirty="0"/>
+              <a:t>C# syntax is based on the C &amp; C++ syntax.</a:t>
+            </a:r>
+          </a:p>
+          <a:p>
+            <a:pPr algn="just"/>
+            <a:endParaRPr lang="en-US" dirty="0"/>
+          </a:p>
+          <a:p>
+            <a:pPr marL="342900" indent="-342900" algn="just">
+              <a:buFont typeface="Wingdings" panose="05000000000000000000" pitchFamily="2" charset="2"/>
+              <a:buChar char="§"/>
+            </a:pPr>
+            <a:r>
+              <a:rPr lang="en-US" dirty="0"/>
+              <a:t>Platform-neutral, but it was written to work well with the Microsoft .NET Framework.</a:t>
+            </a:r>
+          </a:p>
+          <a:p>
+            <a:pPr marL="342900" indent="-342900" algn="just">
+              <a:buFont typeface="Wingdings" panose="05000000000000000000" pitchFamily="2" charset="2"/>
+              <a:buChar char="§"/>
+            </a:pPr>
+            <a:endParaRPr lang="en-US" dirty="0"/>
+          </a:p>
+          <a:p>
+            <a:pPr marL="342900" indent="-342900" algn="just">
+              <a:buFont typeface="Wingdings" panose="05000000000000000000" pitchFamily="2" charset="2"/>
+              <a:buChar char="§"/>
+            </a:pPr>
+            <a:endParaRPr lang="en-US" dirty="0"/>
+          </a:p>
+          <a:p>
+            <a:endParaRPr lang="en-US" dirty="0"/>
+          </a:p>
+        </p:txBody>
+      </p:sp>
+      <p:sp>
+        <p:nvSpPr>
+          <p:cNvPr id="4" name="Text Placeholder 3"/>
+          <p:cNvSpPr>
+            <a:spLocks noGrp="1"/>
+          </p:cNvSpPr>
+          <p:nvPr>
+            <p:ph type="body" sz="quarter" idx="10"/>
+          </p:nvPr>
+        </p:nvSpPr>
+        <p:spPr/>
+        <p:txBody>
+          <a:bodyPr/>
+          <a:lstStyle/>
+          <a:p>
+            <a:r>
+              <a:rPr lang="en-US" dirty="0"/>
+              <a:t>Why use C#?</a:t>
+            </a:r>
+          </a:p>
+        </p:txBody>
+      </p:sp>
+    </p:spTree>
+    <p:extLst>
+      <p:ext uri="{BB962C8B-B14F-4D97-AF65-F5344CB8AC3E}">
+        <p14:creationId xmlns:p14="http://schemas.microsoft.com/office/powerpoint/2010/main" val="1066454379"/>
+      </p:ext>
+    </p:extLst>
+  </p:cSld>
+  <p:clrMapOvr>
+    <a:masterClrMapping/>
+  </p:clrMapOvr>
+  <mc:AlternateContent xmlns:mc="http://schemas.openxmlformats.org/markup-compatibility/2006" xmlns:p14="http://schemas.microsoft.com/office/powerpoint/2010/main">
+    <mc:Choice Requires="p14">
+      <p:transition spd="med" p14:dur="700">
+        <p:fade/>
+      </p:transition>
+    </mc:Choice>
+    <mc:Fallback xmlns="">
+      <p:transition spd="med">
+        <p:fade/>
+      </p:transition>
+    </mc:Fallback>
+  </mc:AlternateContent>
+</p:sld>
+</file>
+
+<file path=ppt/slides/slide36.xml><?xml version="1.0" encoding="utf-8"?>
+<p:sld xmlns:a="http://schemas.openxmlformats.org/drawingml/2006/main" xmlns:r="http://schemas.openxmlformats.org/officeDocument/2006/relationships" xmlns:p="http://schemas.openxmlformats.org/presentationml/2006/main">
+  <p:cSld>
+    <p:spTree>
+      <p:nvGrpSpPr>
+        <p:cNvPr id="1" name=""/>
+        <p:cNvGrpSpPr/>
+        <p:nvPr/>
+      </p:nvGrpSpPr>
+      <p:grpSpPr>
+        <a:xfrm>
+          <a:off x="0" y="0"/>
+          <a:ext cx="0" cy="0"/>
+          <a:chOff x="0" y="0"/>
+          <a:chExt cx="0" cy="0"/>
+        </a:xfrm>
+      </p:grpSpPr>
+      <p:sp>
+        <p:nvSpPr>
+          <p:cNvPr id="5" name="Title 4"/>
+          <p:cNvSpPr>
+            <a:spLocks noGrp="1"/>
+          </p:cNvSpPr>
+          <p:nvPr>
+            <p:ph type="title"/>
+          </p:nvPr>
+        </p:nvSpPr>
+        <p:spPr/>
+        <p:txBody>
+          <a:bodyPr/>
+          <a:lstStyle/>
+          <a:p>
+            <a:r>
+              <a:rPr lang="en-US" dirty="0"/>
+              <a:t>Key Benefits of ASP.NET Core</a:t>
+            </a:r>
+          </a:p>
+        </p:txBody>
+      </p:sp>
+    </p:spTree>
+    <p:extLst>
+      <p:ext uri="{BB962C8B-B14F-4D97-AF65-F5344CB8AC3E}">
+        <p14:creationId xmlns:p14="http://schemas.microsoft.com/office/powerpoint/2010/main" val="1630956523"/>
+      </p:ext>
+    </p:extLst>
+  </p:cSld>
+  <p:clrMapOvr>
+    <a:masterClrMapping/>
+  </p:clrMapOvr>
+  <mc:AlternateContent xmlns:mc="http://schemas.openxmlformats.org/markup-compatibility/2006" xmlns:p14="http://schemas.microsoft.com/office/powerpoint/2010/main">
+    <mc:Choice Requires="p14">
+      <p:transition spd="med" p14:dur="700" advClick="0" advTm="1500">
+        <p:fade/>
+      </p:transition>
+    </mc:Choice>
+    <mc:Fallback xmlns="">
+      <p:transition spd="med" advClick="0" advTm="1500">
+        <p:fade/>
+      </p:transition>
+    </mc:Fallback>
+  </mc:AlternateContent>
+</p:sld>
+</file>
+
+<file path=ppt/slides/slide37.xml><?xml version="1.0" encoding="utf-8"?>
+<p:sld xmlns:a="http://schemas.openxmlformats.org/drawingml/2006/main" xmlns:r="http://schemas.openxmlformats.org/officeDocument/2006/relationships" xmlns:p="http://schemas.openxmlformats.org/presentationml/2006/main">
+  <p:cSld>
+    <p:spTree>
+      <p:nvGrpSpPr>
+        <p:cNvPr id="1" name=""/>
+        <p:cNvGrpSpPr/>
+        <p:nvPr/>
+      </p:nvGrpSpPr>
+      <p:grpSpPr>
+        <a:xfrm>
+          <a:off x="0" y="0"/>
+          <a:ext cx="0" cy="0"/>
+          <a:chOff x="0" y="0"/>
+          <a:chExt cx="0" cy="0"/>
+        </a:xfrm>
+      </p:grpSpPr>
+      <p:sp>
+        <p:nvSpPr>
+          <p:cNvPr id="3" name="Title 2"/>
+          <p:cNvSpPr>
+            <a:spLocks noGrp="1"/>
+          </p:cNvSpPr>
+          <p:nvPr>
+            <p:ph type="title"/>
+          </p:nvPr>
+        </p:nvSpPr>
+        <p:spPr/>
+        <p:txBody>
+          <a:bodyPr/>
+          <a:lstStyle/>
+          <a:p>
+            <a:r>
+              <a:rPr lang="en-US" dirty="0"/>
+              <a:t>Key Benefits of ASP.NET Core</a:t>
+            </a:r>
+          </a:p>
+        </p:txBody>
+      </p:sp>
+      <p:sp>
+        <p:nvSpPr>
+          <p:cNvPr id="4" name="Content Placeholder 3"/>
+          <p:cNvSpPr>
+            <a:spLocks noGrp="1"/>
+          </p:cNvSpPr>
+          <p:nvPr>
+            <p:ph idx="1"/>
+          </p:nvPr>
+        </p:nvSpPr>
+        <p:spPr/>
+        <p:txBody>
+          <a:bodyPr/>
+          <a:lstStyle/>
+          <a:p>
+            <a:pPr marL="342900" indent="-342900" algn="just">
+              <a:buFont typeface="Wingdings" panose="05000000000000000000" pitchFamily="2" charset="2"/>
+              <a:buChar char="§"/>
+            </a:pPr>
+            <a:endParaRPr lang="en-US" dirty="0"/>
+          </a:p>
+          <a:p>
+            <a:pPr marL="342900" indent="-342900" algn="just">
+              <a:buFont typeface="Wingdings" panose="05000000000000000000" pitchFamily="2" charset="2"/>
+              <a:buChar char="§"/>
+            </a:pPr>
+            <a:r>
+              <a:rPr lang="en-US" dirty="0"/>
+              <a:t>implements the MVC pattern and, in doing so, provides a greatly improved separation of concerns when compared to Web Forms.</a:t>
+            </a:r>
+          </a:p>
+          <a:p>
+            <a:endParaRPr lang="en-US" dirty="0"/>
+          </a:p>
+        </p:txBody>
+      </p:sp>
+      <p:sp>
+        <p:nvSpPr>
+          <p:cNvPr id="5" name="Text Placeholder 4"/>
+          <p:cNvSpPr>
+            <a:spLocks noGrp="1"/>
+          </p:cNvSpPr>
+          <p:nvPr>
+            <p:ph type="body" sz="quarter" idx="10"/>
+          </p:nvPr>
+        </p:nvSpPr>
+        <p:spPr/>
+        <p:txBody>
+          <a:bodyPr/>
+          <a:lstStyle/>
+          <a:p>
+            <a:r>
+              <a:rPr lang="en-US" dirty="0"/>
+              <a:t>MVC Architecture</a:t>
+            </a:r>
+          </a:p>
+        </p:txBody>
+      </p:sp>
+    </p:spTree>
+    <p:extLst>
+      <p:ext uri="{BB962C8B-B14F-4D97-AF65-F5344CB8AC3E}">
+        <p14:creationId xmlns:p14="http://schemas.microsoft.com/office/powerpoint/2010/main" val="3083672756"/>
+      </p:ext>
+    </p:extLst>
+  </p:cSld>
+  <p:clrMapOvr>
+    <a:masterClrMapping/>
+  </p:clrMapOvr>
+  <mc:AlternateContent xmlns:mc="http://schemas.openxmlformats.org/markup-compatibility/2006" xmlns:p14="http://schemas.microsoft.com/office/powerpoint/2010/main">
+    <mc:Choice Requires="p14">
+      <p:transition spd="med" p14:dur="700">
+        <p:fade/>
+      </p:transition>
+    </mc:Choice>
+    <mc:Fallback xmlns="">
+      <p:transition spd="med">
+        <p:fade/>
+      </p:transition>
+    </mc:Fallback>
+  </mc:AlternateContent>
+</p:sld>
+</file>
+
+<file path=ppt/slides/slide38.xml><?xml version="1.0" encoding="utf-8"?>
+<p:sld xmlns:a="http://schemas.openxmlformats.org/drawingml/2006/main" xmlns:r="http://schemas.openxmlformats.org/officeDocument/2006/relationships" xmlns:p="http://schemas.openxmlformats.org/presentationml/2006/main">
+  <p:cSld>
+    <p:spTree>
+      <p:nvGrpSpPr>
+        <p:cNvPr id="1" name=""/>
+        <p:cNvGrpSpPr/>
+        <p:nvPr/>
+      </p:nvGrpSpPr>
+      <p:grpSpPr>
+        <a:xfrm>
+          <a:off x="0" y="0"/>
+          <a:ext cx="0" cy="0"/>
+          <a:chOff x="0" y="0"/>
+          <a:chExt cx="0" cy="0"/>
+        </a:xfrm>
+      </p:grpSpPr>
+      <p:sp>
+        <p:nvSpPr>
+          <p:cNvPr id="2" name="Title 1"/>
+          <p:cNvSpPr>
+            <a:spLocks noGrp="1"/>
+          </p:cNvSpPr>
+          <p:nvPr>
+            <p:ph type="title"/>
+          </p:nvPr>
+        </p:nvSpPr>
+        <p:spPr/>
+        <p:txBody>
+          <a:bodyPr/>
+          <a:lstStyle/>
+          <a:p>
+            <a:r>
+              <a:rPr lang="en-US" dirty="0"/>
+              <a:t>Key Benefits of ASP.NET Core</a:t>
+            </a:r>
+          </a:p>
+        </p:txBody>
+      </p:sp>
+      <p:sp>
+        <p:nvSpPr>
+          <p:cNvPr id="3" name="Content Placeholder 2"/>
+          <p:cNvSpPr>
+            <a:spLocks noGrp="1"/>
+          </p:cNvSpPr>
+          <p:nvPr>
+            <p:ph idx="1"/>
+          </p:nvPr>
+        </p:nvSpPr>
+        <p:spPr/>
+        <p:txBody>
+          <a:bodyPr/>
+          <a:lstStyle/>
+          <a:p>
+            <a:pPr marL="342900" indent="-342900">
+              <a:buFont typeface="Wingdings" panose="05000000000000000000" pitchFamily="2" charset="2"/>
+              <a:buChar char="§"/>
+            </a:pPr>
+            <a:r>
+              <a:rPr lang="en-US" dirty="0"/>
+              <a:t>ASP.NET Core is built as a series of independent components that have well-defined characteristics, satisfy a .NET </a:t>
+            </a:r>
+            <a:r>
+              <a:rPr lang="en-US" b="1" dirty="0"/>
+              <a:t>interface</a:t>
+            </a:r>
+            <a:r>
+              <a:rPr lang="en-US" dirty="0"/>
+              <a:t> or that are built on an </a:t>
+            </a:r>
+            <a:r>
+              <a:rPr lang="en-US" b="1" dirty="0"/>
+              <a:t>abstract base class</a:t>
+            </a:r>
+            <a:r>
+              <a:rPr lang="en-US" dirty="0"/>
+              <a:t>. Thus, it is possible to replace key components with ones of your own implementation. </a:t>
+            </a:r>
+          </a:p>
+          <a:p>
+            <a:pPr marL="342900" indent="-342900">
+              <a:buFont typeface="Wingdings" panose="05000000000000000000" pitchFamily="2" charset="2"/>
+              <a:buChar char="§"/>
+            </a:pPr>
+            <a:endParaRPr lang="en-US" dirty="0"/>
+          </a:p>
+          <a:p>
+            <a:pPr marL="342900" indent="-342900">
+              <a:buFont typeface="Wingdings" panose="05000000000000000000" pitchFamily="2" charset="2"/>
+              <a:buChar char="§"/>
+            </a:pPr>
+            <a:r>
+              <a:rPr lang="en-US" dirty="0"/>
+              <a:t>In general, the ASP.NET Core MVC gives you these three options for each component:</a:t>
+            </a:r>
+          </a:p>
+          <a:p>
+            <a:pPr marL="597150" lvl="1" indent="-342900">
+              <a:buFont typeface="Wingdings" panose="05000000000000000000" pitchFamily="2" charset="2"/>
+              <a:buChar char="§"/>
+            </a:pPr>
+            <a:r>
+              <a:rPr lang="en-US" dirty="0"/>
+              <a:t>Use the default implementation of the component as it stands (which should be enough for most applications).</a:t>
+            </a:r>
+          </a:p>
+          <a:p>
+            <a:pPr marL="597150" lvl="1" indent="-342900">
+              <a:buFont typeface="Wingdings" panose="05000000000000000000" pitchFamily="2" charset="2"/>
+              <a:buChar char="§"/>
+            </a:pPr>
+            <a:r>
+              <a:rPr lang="en-US" dirty="0"/>
+              <a:t>Derive a subclass of the default implementation to tweak its behavior.</a:t>
+            </a:r>
+          </a:p>
+          <a:p>
+            <a:pPr marL="597150" lvl="1" indent="-342900">
+              <a:buFont typeface="Wingdings" panose="05000000000000000000" pitchFamily="2" charset="2"/>
+              <a:buChar char="§"/>
+            </a:pPr>
+            <a:r>
+              <a:rPr lang="en-US" dirty="0"/>
+              <a:t>Replace the component entirely with a new implementation of the interface or abstract base class.</a:t>
+            </a:r>
+          </a:p>
+        </p:txBody>
+      </p:sp>
+      <p:sp>
+        <p:nvSpPr>
+          <p:cNvPr id="4" name="Text Placeholder 3"/>
+          <p:cNvSpPr>
+            <a:spLocks noGrp="1"/>
+          </p:cNvSpPr>
+          <p:nvPr>
+            <p:ph type="body" sz="quarter" idx="10"/>
+          </p:nvPr>
+        </p:nvSpPr>
+        <p:spPr/>
+        <p:txBody>
+          <a:bodyPr/>
+          <a:lstStyle/>
+          <a:p>
+            <a:r>
+              <a:rPr lang="en-US" dirty="0"/>
+              <a:t>Extensibility</a:t>
+            </a:r>
+          </a:p>
+        </p:txBody>
+      </p:sp>
+    </p:spTree>
+    <p:extLst>
+      <p:ext uri="{BB962C8B-B14F-4D97-AF65-F5344CB8AC3E}">
+        <p14:creationId xmlns:p14="http://schemas.microsoft.com/office/powerpoint/2010/main" val="2609334429"/>
+      </p:ext>
+    </p:extLst>
+  </p:cSld>
+  <p:clrMapOvr>
+    <a:masterClrMapping/>
+  </p:clrMapOvr>
+  <mc:AlternateContent xmlns:mc="http://schemas.openxmlformats.org/markup-compatibility/2006" xmlns:p14="http://schemas.microsoft.com/office/powerpoint/2010/main">
+    <mc:Choice Requires="p14">
+      <p:transition spd="med" p14:dur="700">
+        <p:fade/>
+      </p:transition>
+    </mc:Choice>
+    <mc:Fallback xmlns="">
+      <p:transition spd="med">
+        <p:fade/>
+      </p:transition>
+    </mc:Fallback>
+  </mc:AlternateContent>
+</p:sld>
+</file>
+
+<file path=ppt/slides/slide39.xml><?xml version="1.0" encoding="utf-8"?>
+<p:sld xmlns:a="http://schemas.openxmlformats.org/drawingml/2006/main" xmlns:r="http://schemas.openxmlformats.org/officeDocument/2006/relationships" xmlns:p="http://schemas.openxmlformats.org/presentationml/2006/main">
+  <p:cSld>
+    <p:spTree>
+      <p:nvGrpSpPr>
+        <p:cNvPr id="1" name=""/>
+        <p:cNvGrpSpPr/>
+        <p:nvPr/>
+      </p:nvGrpSpPr>
+      <p:grpSpPr>
+        <a:xfrm>
+          <a:off x="0" y="0"/>
+          <a:ext cx="0" cy="0"/>
+          <a:chOff x="0" y="0"/>
+          <a:chExt cx="0" cy="0"/>
+        </a:xfrm>
+      </p:grpSpPr>
+      <p:sp>
+        <p:nvSpPr>
+          <p:cNvPr id="2" name="Title 1"/>
+          <p:cNvSpPr>
+            <a:spLocks noGrp="1"/>
+          </p:cNvSpPr>
+          <p:nvPr>
+            <p:ph type="title"/>
+          </p:nvPr>
+        </p:nvSpPr>
+        <p:spPr/>
+        <p:txBody>
+          <a:bodyPr/>
+          <a:lstStyle/>
+          <a:p>
+            <a:r>
+              <a:rPr lang="en-US" dirty="0"/>
+              <a:t>Key Benefits of ASP.NET Core</a:t>
+            </a:r>
+          </a:p>
+        </p:txBody>
+      </p:sp>
+      <p:sp>
+        <p:nvSpPr>
+          <p:cNvPr id="3" name="Content Placeholder 2"/>
+          <p:cNvSpPr>
+            <a:spLocks noGrp="1"/>
+          </p:cNvSpPr>
+          <p:nvPr>
+            <p:ph idx="1"/>
+          </p:nvPr>
+        </p:nvSpPr>
+        <p:spPr/>
+        <p:txBody>
+          <a:bodyPr/>
+          <a:lstStyle/>
+          <a:p>
+            <a:pPr marL="342900" indent="-342900">
+              <a:buFont typeface="Wingdings" panose="05000000000000000000" pitchFamily="2" charset="2"/>
+              <a:buChar char="§"/>
+            </a:pPr>
+            <a:r>
+              <a:rPr lang="en-US" dirty="0"/>
+              <a:t>ASP.NET Core MVC produces clean, standards-compliant markup. Its built-in </a:t>
+            </a:r>
+            <a:r>
+              <a:rPr lang="en-US" b="1" dirty="0"/>
+              <a:t>tag helpers</a:t>
+            </a:r>
+            <a:r>
+              <a:rPr lang="en-US" dirty="0"/>
+              <a:t> produce standards-compliant output</a:t>
+            </a:r>
+          </a:p>
+          <a:p>
+            <a:pPr marL="342900" indent="-342900">
+              <a:buFont typeface="Wingdings" panose="05000000000000000000" pitchFamily="2" charset="2"/>
+              <a:buChar char="§"/>
+            </a:pPr>
+            <a:r>
+              <a:rPr lang="en-US" dirty="0"/>
+              <a:t>ASP.NET Core MVC encourages you to craft simple, elegant markup styled with CSS. </a:t>
+            </a:r>
+          </a:p>
+          <a:p>
+            <a:pPr marL="342900" indent="-342900">
+              <a:buFont typeface="Wingdings" panose="05000000000000000000" pitchFamily="2" charset="2"/>
+              <a:buChar char="§"/>
+            </a:pPr>
+            <a:r>
+              <a:rPr lang="en-US" dirty="0"/>
+              <a:t>ASP.NET Core MVC makes it easy to use best-of-breed client-side libraries such as jQuery, Angular, or the Bootstrap CSS library. ASP.NET.  Core MVC meshes so well with these libraries that Microsoft includes support for them as built-in parts of the standard Visual Studio project template for web applications. </a:t>
+            </a:r>
+          </a:p>
+          <a:p>
+            <a:pPr marL="342900" indent="-342900">
+              <a:buFont typeface="Wingdings" panose="05000000000000000000" pitchFamily="2" charset="2"/>
+              <a:buChar char="§"/>
+            </a:pPr>
+            <a:r>
+              <a:rPr lang="en-US" dirty="0"/>
+              <a:t>ASP.NET Core MVC works in tune with HTTP. You have control over the requests passing between the browser and server, so you can fine-tune your user experience as much as you like. Ajax is made easy, and creating web services to receive browser HTTP requests is a simple process.</a:t>
+            </a:r>
+          </a:p>
+        </p:txBody>
+      </p:sp>
+      <p:sp>
+        <p:nvSpPr>
+          <p:cNvPr id="4" name="Text Placeholder 3"/>
+          <p:cNvSpPr>
+            <a:spLocks noGrp="1"/>
+          </p:cNvSpPr>
+          <p:nvPr>
+            <p:ph type="body" sz="quarter" idx="10"/>
+          </p:nvPr>
+        </p:nvSpPr>
+        <p:spPr/>
+        <p:txBody>
+          <a:bodyPr/>
+          <a:lstStyle/>
+          <a:p>
+            <a:r>
+              <a:rPr lang="en-US" dirty="0"/>
+              <a:t>Tight Control over HTML and HTTP</a:t>
+            </a:r>
+          </a:p>
+        </p:txBody>
+      </p:sp>
+    </p:spTree>
+    <p:extLst>
+      <p:ext uri="{BB962C8B-B14F-4D97-AF65-F5344CB8AC3E}">
+        <p14:creationId xmlns:p14="http://schemas.microsoft.com/office/powerpoint/2010/main" val="3948782380"/>
+      </p:ext>
+    </p:extLst>
+  </p:cSld>
+  <p:clrMapOvr>
+    <a:masterClrMapping/>
+  </p:clrMapOvr>
+  <mc:AlternateContent xmlns:mc="http://schemas.openxmlformats.org/markup-compatibility/2006" xmlns:p14="http://schemas.microsoft.com/office/powerpoint/2010/main">
+    <mc:Choice Requires="p14">
+      <p:transition spd="med" p14:dur="700">
+        <p:fade/>
+      </p:transition>
+    </mc:Choice>
+    <mc:Fallback xmlns="">
+      <p:transition spd="med">
+        <p:fade/>
+      </p:transition>
+    </mc:Fallback>
+  </mc:AlternateContent>
+</p:sld>
+</file>
+
+<file path=ppt/slides/slide4.xml><?xml version="1.0" encoding="utf-8"?>
+<p:sld xmlns:a="http://schemas.openxmlformats.org/drawingml/2006/main" xmlns:r="http://schemas.openxmlformats.org/officeDocument/2006/relationships" xmlns:p="http://schemas.openxmlformats.org/presentationml/2006/main">
+  <p:cSld>
+    <p:spTree>
+      <p:nvGrpSpPr>
+        <p:cNvPr id="1" name=""/>
+        <p:cNvGrpSpPr/>
+        <p:nvPr/>
+      </p:nvGrpSpPr>
+      <p:grpSpPr>
+        <a:xfrm>
+          <a:off x="0" y="0"/>
+          <a:ext cx="0" cy="0"/>
+          <a:chOff x="0" y="0"/>
+          <a:chExt cx="0" cy="0"/>
+        </a:xfrm>
+      </p:grpSpPr>
+      <p:sp>
+        <p:nvSpPr>
+          <p:cNvPr id="2" name="Title 1"/>
+          <p:cNvSpPr>
+            <a:spLocks noGrp="1"/>
+          </p:cNvSpPr>
+          <p:nvPr>
+            <p:ph type="title"/>
+          </p:nvPr>
+        </p:nvSpPr>
+        <p:spPr/>
+        <p:txBody>
+          <a:bodyPr/>
+          <a:lstStyle/>
+          <a:p>
+            <a:r>
+              <a:rPr lang="en-US" dirty="0"/>
+              <a:t>Administrative issues</a:t>
+            </a:r>
+          </a:p>
+        </p:txBody>
+      </p:sp>
+      <p:sp>
+        <p:nvSpPr>
+          <p:cNvPr id="3" name="Content Placeholder 2"/>
+          <p:cNvSpPr>
+            <a:spLocks noGrp="1"/>
+          </p:cNvSpPr>
+          <p:nvPr>
+            <p:ph idx="1"/>
+          </p:nvPr>
+        </p:nvSpPr>
+        <p:spPr>
+          <a:xfrm>
+            <a:off x="767408" y="1340768"/>
+            <a:ext cx="6192688" cy="4813995"/>
+          </a:xfrm>
+        </p:spPr>
+        <p:txBody>
+          <a:bodyPr/>
+          <a:lstStyle/>
+          <a:p>
+            <a:pPr marL="342900" indent="-342900">
+              <a:buFont typeface="Wingdings" panose="05000000000000000000" pitchFamily="2" charset="2"/>
+              <a:buChar char="§"/>
+            </a:pPr>
+            <a:r>
+              <a:rPr lang="en-US" b="1" dirty="0"/>
+              <a:t>Pro ASP.NET Core MVC 2</a:t>
+            </a:r>
+          </a:p>
+          <a:p>
+            <a:pPr marL="597150" lvl="1" indent="-342900">
+              <a:buFont typeface="Wingdings" panose="05000000000000000000" pitchFamily="2" charset="2"/>
+              <a:buChar char="§"/>
+            </a:pPr>
+            <a:r>
+              <a:rPr lang="en-US" dirty="0"/>
+              <a:t>ADAM FREEMAN</a:t>
+            </a:r>
+          </a:p>
+          <a:p>
+            <a:pPr marL="597150" lvl="1" indent="-342900">
+              <a:buFont typeface="Wingdings" panose="05000000000000000000" pitchFamily="2" charset="2"/>
+              <a:buChar char="§"/>
+            </a:pPr>
+            <a:r>
+              <a:rPr lang="en-US" dirty="0"/>
+              <a:t>Now in its 7th edition, the best selling book on MVC is now updated for ASP.NET Core MVC.</a:t>
+            </a:r>
+          </a:p>
+          <a:p>
+            <a:pPr marL="597150" lvl="1" indent="-342900">
+              <a:buFont typeface="Wingdings" panose="05000000000000000000" pitchFamily="2" charset="2"/>
+              <a:buChar char="§"/>
+            </a:pPr>
+            <a:r>
+              <a:rPr lang="en-US" dirty="0">
+                <a:hlinkClick r:id="rId2"/>
+              </a:rPr>
+              <a:t>https://www.apress.com/gp/book/9781484231494</a:t>
+            </a:r>
+            <a:endParaRPr lang="en-US" dirty="0"/>
+          </a:p>
+          <a:p>
+            <a:pPr marL="597150" lvl="1" indent="-342900">
+              <a:buFont typeface="Wingdings" panose="05000000000000000000" pitchFamily="2" charset="2"/>
+              <a:buChar char="§"/>
+            </a:pPr>
+            <a:r>
+              <a:rPr lang="en-US" dirty="0">
+                <a:hlinkClick r:id="rId3"/>
+              </a:rPr>
+              <a:t>https://github.com/apress/pro-asp.net-core-mvc-2</a:t>
+            </a:r>
+            <a:endParaRPr lang="en-US" dirty="0"/>
+          </a:p>
+          <a:p>
+            <a:pPr lvl="1"/>
+            <a:endParaRPr lang="en-US" dirty="0"/>
+          </a:p>
+        </p:txBody>
+      </p:sp>
+      <p:sp>
+        <p:nvSpPr>
+          <p:cNvPr id="4" name="Text Placeholder 3"/>
+          <p:cNvSpPr>
+            <a:spLocks noGrp="1"/>
+          </p:cNvSpPr>
+          <p:nvPr>
+            <p:ph type="body" sz="quarter" idx="10"/>
+          </p:nvPr>
+        </p:nvSpPr>
+        <p:spPr/>
+        <p:txBody>
+          <a:bodyPr/>
+          <a:lstStyle/>
+          <a:p>
+            <a:r>
+              <a:rPr lang="en-US" dirty="0"/>
+              <a:t>Recommended Reading / Watching</a:t>
+            </a:r>
+          </a:p>
+        </p:txBody>
+      </p:sp>
+      <p:pic>
+        <p:nvPicPr>
+          <p:cNvPr id="1028" name="Picture 4" descr="https://images-na.ssl-images-amazon.com/images/I/51U5-MDFiqL._SX348_BO1,204,203,200_.jpg">
+            <a:extLst>
+              <a:ext uri="{FF2B5EF4-FFF2-40B4-BE49-F238E27FC236}">
+                <a16:creationId xmlns:a16="http://schemas.microsoft.com/office/drawing/2014/main" id="{B365DAE5-A9DC-49FD-BF99-291F47833E9B}"/>
+              </a:ext>
+            </a:extLst>
+          </p:cNvPr>
+          <p:cNvPicPr>
+            <a:picLocks noChangeAspect="1" noChangeArrowheads="1"/>
+          </p:cNvPicPr>
+          <p:nvPr/>
+        </p:nvPicPr>
+        <p:blipFill>
+          <a:blip r:embed="rId4">
+            <a:extLst>
+              <a:ext uri="{28A0092B-C50C-407E-A947-70E740481C1C}">
+                <a14:useLocalDpi xmlns:a14="http://schemas.microsoft.com/office/drawing/2010/main" val="0"/>
+              </a:ext>
+            </a:extLst>
+          </a:blip>
+          <a:srcRect/>
+          <a:stretch>
+            <a:fillRect/>
+          </a:stretch>
+        </p:blipFill>
+        <p:spPr bwMode="auto">
+          <a:xfrm>
+            <a:off x="8062106" y="1401382"/>
+            <a:ext cx="3333750" cy="4752975"/>
+          </a:xfrm>
+          <a:prstGeom prst="rect">
+            <a:avLst/>
+          </a:prstGeom>
+          <a:noFill/>
+          <a:extLst>
+            <a:ext uri="{909E8E84-426E-40DD-AFC4-6F175D3DCCD1}">
+              <a14:hiddenFill xmlns:a14="http://schemas.microsoft.com/office/drawing/2010/main">
+                <a:solidFill>
+                  <a:srgbClr val="FFFFFF"/>
+                </a:solidFill>
+              </a14:hiddenFill>
+            </a:ext>
+          </a:extLst>
+        </p:spPr>
+      </p:pic>
+    </p:spTree>
+    <p:extLst>
+      <p:ext uri="{BB962C8B-B14F-4D97-AF65-F5344CB8AC3E}">
+        <p14:creationId xmlns:p14="http://schemas.microsoft.com/office/powerpoint/2010/main" val="3064523811"/>
+      </p:ext>
+    </p:extLst>
+  </p:cSld>
+  <p:clrMapOvr>
+    <a:masterClrMapping/>
+  </p:clrMapOvr>
+  <mc:AlternateContent xmlns:mc="http://schemas.openxmlformats.org/markup-compatibility/2006" xmlns:p14="http://schemas.microsoft.com/office/powerpoint/2010/main">
+    <mc:Choice Requires="p14">
+      <p:transition spd="med" p14:dur="700">
+        <p:fade/>
+      </p:transition>
+    </mc:Choice>
+    <mc:Fallback xmlns="">
+      <p:transition spd="med">
+        <p:fade/>
+      </p:transition>
+    </mc:Fallback>
+  </mc:AlternateContent>
+</p:sld>
+</file>
+
+<file path=ppt/slides/slide40.xml><?xml version="1.0" encoding="utf-8"?>
+<p:sld xmlns:a="http://schemas.openxmlformats.org/drawingml/2006/main" xmlns:r="http://schemas.openxmlformats.org/officeDocument/2006/relationships" xmlns:p="http://schemas.openxmlformats.org/presentationml/2006/main">
+  <p:cSld>
+    <p:spTree>
+      <p:nvGrpSpPr>
+        <p:cNvPr id="1" name=""/>
+        <p:cNvGrpSpPr/>
+        <p:nvPr/>
+      </p:nvGrpSpPr>
+      <p:grpSpPr>
+        <a:xfrm>
+          <a:off x="0" y="0"/>
+          <a:ext cx="0" cy="0"/>
+          <a:chOff x="0" y="0"/>
+          <a:chExt cx="0" cy="0"/>
+        </a:xfrm>
+      </p:grpSpPr>
+      <p:sp>
+        <p:nvSpPr>
+          <p:cNvPr id="2" name="Title 1"/>
+          <p:cNvSpPr>
+            <a:spLocks noGrp="1"/>
+          </p:cNvSpPr>
+          <p:nvPr>
+            <p:ph type="title"/>
+          </p:nvPr>
+        </p:nvSpPr>
+        <p:spPr/>
+        <p:txBody>
+          <a:bodyPr/>
+          <a:lstStyle/>
+          <a:p>
+            <a:r>
+              <a:rPr lang="en-US" dirty="0"/>
+              <a:t>Key Benefits of ASP.NET Core</a:t>
+            </a:r>
+          </a:p>
+        </p:txBody>
+      </p:sp>
+      <p:sp>
+        <p:nvSpPr>
+          <p:cNvPr id="3" name="Content Placeholder 2"/>
+          <p:cNvSpPr>
+            <a:spLocks noGrp="1"/>
+          </p:cNvSpPr>
+          <p:nvPr>
+            <p:ph idx="1"/>
+          </p:nvPr>
+        </p:nvSpPr>
+        <p:spPr/>
+        <p:txBody>
+          <a:bodyPr/>
+          <a:lstStyle/>
+          <a:p>
+            <a:pPr marL="342900" indent="-342900" algn="just">
+              <a:buFont typeface="Wingdings" panose="05000000000000000000" pitchFamily="2" charset="2"/>
+              <a:buChar char="§"/>
+            </a:pPr>
+            <a:r>
+              <a:rPr lang="en-US" dirty="0"/>
+              <a:t>The ASP.NET Core MVC architecture gives you a great start in making your application maintainable and testable because you naturally separate different application concerns into independent pieces. In addition, each piece of the ASP.NET Core platform and the ASP.NET Core MVC framework can be isolated and replaced for unit testing, which can be performed using any popular open source testing framework, such as </a:t>
+            </a:r>
+            <a:r>
+              <a:rPr lang="en-US" dirty="0" err="1"/>
+              <a:t>xUnit</a:t>
+            </a:r>
+            <a:r>
+              <a:rPr lang="en-US" dirty="0"/>
+              <a:t>.</a:t>
+            </a:r>
+          </a:p>
+          <a:p>
+            <a:pPr marL="342900" indent="-342900" algn="just">
+              <a:buFont typeface="Wingdings" panose="05000000000000000000" pitchFamily="2" charset="2"/>
+              <a:buChar char="§"/>
+            </a:pPr>
+            <a:endParaRPr lang="en-US" dirty="0"/>
+          </a:p>
+          <a:p>
+            <a:pPr marL="342900" indent="-342900">
+              <a:buFont typeface="Wingdings" panose="05000000000000000000" pitchFamily="2" charset="2"/>
+              <a:buChar char="§"/>
+            </a:pPr>
+            <a:r>
+              <a:rPr lang="en-US" dirty="0"/>
+              <a:t>ASP.NET Core MVC applications also work well with UI automation testing tools, too. You can write test scripts that simulate user interactions without needing to guess which HTML element structures, CSS classes, or IDs the framework will generate, and you do not have to worry about the structure changing unexpectedly.</a:t>
+            </a:r>
+          </a:p>
+        </p:txBody>
+      </p:sp>
+      <p:sp>
+        <p:nvSpPr>
+          <p:cNvPr id="4" name="Text Placeholder 3"/>
+          <p:cNvSpPr>
+            <a:spLocks noGrp="1"/>
+          </p:cNvSpPr>
+          <p:nvPr>
+            <p:ph type="body" sz="quarter" idx="10"/>
+          </p:nvPr>
+        </p:nvSpPr>
+        <p:spPr/>
+        <p:txBody>
+          <a:bodyPr/>
+          <a:lstStyle/>
+          <a:p>
+            <a:r>
+              <a:rPr lang="en-US" dirty="0"/>
+              <a:t>Testability</a:t>
+            </a:r>
+          </a:p>
+        </p:txBody>
+      </p:sp>
+    </p:spTree>
+    <p:extLst>
+      <p:ext uri="{BB962C8B-B14F-4D97-AF65-F5344CB8AC3E}">
+        <p14:creationId xmlns:p14="http://schemas.microsoft.com/office/powerpoint/2010/main" val="2799406001"/>
+      </p:ext>
+    </p:extLst>
+  </p:cSld>
+  <p:clrMapOvr>
+    <a:masterClrMapping/>
+  </p:clrMapOvr>
+  <mc:AlternateContent xmlns:mc="http://schemas.openxmlformats.org/markup-compatibility/2006" xmlns:p14="http://schemas.microsoft.com/office/powerpoint/2010/main">
+    <mc:Choice Requires="p14">
+      <p:transition spd="med" p14:dur="700">
+        <p:fade/>
+      </p:transition>
+    </mc:Choice>
+    <mc:Fallback xmlns="">
+      <p:transition spd="med">
+        <p:fade/>
+      </p:transition>
+    </mc:Fallback>
+  </mc:AlternateContent>
+</p:sld>
+</file>
+
+<file path=ppt/slides/slide41.xml><?xml version="1.0" encoding="utf-8"?>
+<p:sld xmlns:a="http://schemas.openxmlformats.org/drawingml/2006/main" xmlns:r="http://schemas.openxmlformats.org/officeDocument/2006/relationships" xmlns:p="http://schemas.openxmlformats.org/presentationml/2006/main">
+  <p:cSld>
+    <p:spTree>
+      <p:nvGrpSpPr>
+        <p:cNvPr id="1" name=""/>
+        <p:cNvGrpSpPr/>
+        <p:nvPr/>
+      </p:nvGrpSpPr>
+      <p:grpSpPr>
+        <a:xfrm>
+          <a:off x="0" y="0"/>
+          <a:ext cx="0" cy="0"/>
+          <a:chOff x="0" y="0"/>
+          <a:chExt cx="0" cy="0"/>
+        </a:xfrm>
+      </p:grpSpPr>
+      <p:sp>
+        <p:nvSpPr>
+          <p:cNvPr id="2" name="Title 1"/>
+          <p:cNvSpPr>
+            <a:spLocks noGrp="1"/>
+          </p:cNvSpPr>
+          <p:nvPr>
+            <p:ph type="title"/>
+          </p:nvPr>
+        </p:nvSpPr>
+        <p:spPr/>
+        <p:txBody>
+          <a:bodyPr/>
+          <a:lstStyle/>
+          <a:p>
+            <a:r>
+              <a:rPr lang="en-US" dirty="0"/>
+              <a:t>Key Benefits of ASP.NET Core</a:t>
+            </a:r>
+          </a:p>
+        </p:txBody>
+      </p:sp>
+      <p:sp>
+        <p:nvSpPr>
+          <p:cNvPr id="3" name="Content Placeholder 2"/>
+          <p:cNvSpPr>
+            <a:spLocks noGrp="1"/>
+          </p:cNvSpPr>
+          <p:nvPr>
+            <p:ph idx="1"/>
+          </p:nvPr>
+        </p:nvSpPr>
+        <p:spPr/>
+        <p:txBody>
+          <a:bodyPr/>
+          <a:lstStyle/>
+          <a:p>
+            <a:pPr marL="342900" indent="-342900">
+              <a:buFont typeface="Wingdings" panose="05000000000000000000" pitchFamily="2" charset="2"/>
+              <a:buChar char="§"/>
+            </a:pPr>
+            <a:r>
+              <a:rPr lang="en-US" dirty="0"/>
+              <a:t>The style of uniform resource locators (URLs) has evolved as web application technology has improved.</a:t>
+            </a:r>
+          </a:p>
+          <a:p>
+            <a:endParaRPr lang="en-US" dirty="0"/>
+          </a:p>
+          <a:p>
+            <a:pPr marL="342900" indent="-342900">
+              <a:buFont typeface="Wingdings" panose="05000000000000000000" pitchFamily="2" charset="2"/>
+              <a:buChar char="§"/>
+            </a:pPr>
+            <a:r>
+              <a:rPr lang="en-US" dirty="0"/>
+              <a:t>URLs like this one:</a:t>
+            </a:r>
+          </a:p>
+          <a:p>
+            <a:r>
+              <a:rPr lang="en-US" dirty="0"/>
+              <a:t>	</a:t>
+            </a:r>
+          </a:p>
+          <a:p>
+            <a:r>
+              <a:rPr lang="en-US" dirty="0"/>
+              <a:t>	/App_v2/User/</a:t>
+            </a:r>
+            <a:r>
+              <a:rPr lang="en-US" dirty="0" err="1"/>
+              <a:t>Page.aspx?action</a:t>
+            </a:r>
+            <a:r>
+              <a:rPr lang="en-US" dirty="0"/>
+              <a:t>=show%20prop&amp;prop_id=82742</a:t>
+            </a:r>
+          </a:p>
+          <a:p>
+            <a:r>
+              <a:rPr lang="en-US" dirty="0"/>
+              <a:t>	</a:t>
+            </a:r>
+          </a:p>
+          <a:p>
+            <a:r>
+              <a:rPr lang="en-US" dirty="0"/>
+              <a:t>	are increasingly rare, replaced with a simpler, cleaner format like this:</a:t>
+            </a:r>
+          </a:p>
+          <a:p>
+            <a:r>
+              <a:rPr lang="en-US" dirty="0"/>
+              <a:t>	</a:t>
+            </a:r>
+          </a:p>
+          <a:p>
+            <a:r>
+              <a:rPr lang="en-US" dirty="0"/>
+              <a:t>	/to-rent/</a:t>
+            </a:r>
+            <a:r>
+              <a:rPr lang="en-US" dirty="0" err="1"/>
+              <a:t>chicago</a:t>
+            </a:r>
+            <a:r>
+              <a:rPr lang="en-US" dirty="0"/>
+              <a:t>/2303-silver-street</a:t>
+            </a:r>
+          </a:p>
+        </p:txBody>
+      </p:sp>
+      <p:sp>
+        <p:nvSpPr>
+          <p:cNvPr id="4" name="Text Placeholder 3"/>
+          <p:cNvSpPr>
+            <a:spLocks noGrp="1"/>
+          </p:cNvSpPr>
+          <p:nvPr>
+            <p:ph type="body" sz="quarter" idx="10"/>
+          </p:nvPr>
+        </p:nvSpPr>
+        <p:spPr/>
+        <p:txBody>
+          <a:bodyPr/>
+          <a:lstStyle/>
+          <a:p>
+            <a:r>
+              <a:rPr lang="en-US" b="0" dirty="0"/>
+              <a:t>Powerful Routing System</a:t>
+            </a:r>
+            <a:endParaRPr lang="en-US" dirty="0"/>
+          </a:p>
+        </p:txBody>
+      </p:sp>
+    </p:spTree>
+    <p:extLst>
+      <p:ext uri="{BB962C8B-B14F-4D97-AF65-F5344CB8AC3E}">
+        <p14:creationId xmlns:p14="http://schemas.microsoft.com/office/powerpoint/2010/main" val="1168394487"/>
+      </p:ext>
+    </p:extLst>
+  </p:cSld>
+  <p:clrMapOvr>
+    <a:masterClrMapping/>
+  </p:clrMapOvr>
+  <mc:AlternateContent xmlns:mc="http://schemas.openxmlformats.org/markup-compatibility/2006" xmlns:p14="http://schemas.microsoft.com/office/powerpoint/2010/main">
+    <mc:Choice Requires="p14">
+      <p:transition spd="med" p14:dur="700">
+        <p:fade/>
+      </p:transition>
+    </mc:Choice>
+    <mc:Fallback xmlns="">
+      <p:transition spd="med">
+        <p:fade/>
+      </p:transition>
+    </mc:Fallback>
+  </mc:AlternateContent>
+</p:sld>
+</file>
+
+<file path=ppt/slides/slide42.xml><?xml version="1.0" encoding="utf-8"?>
+<p:sld xmlns:a="http://schemas.openxmlformats.org/drawingml/2006/main" xmlns:r="http://schemas.openxmlformats.org/officeDocument/2006/relationships" xmlns:p="http://schemas.openxmlformats.org/presentationml/2006/main">
+  <p:cSld>
+    <p:spTree>
+      <p:nvGrpSpPr>
+        <p:cNvPr id="1" name=""/>
+        <p:cNvGrpSpPr/>
+        <p:nvPr/>
+      </p:nvGrpSpPr>
+      <p:grpSpPr>
+        <a:xfrm>
+          <a:off x="0" y="0"/>
+          <a:ext cx="0" cy="0"/>
+          <a:chOff x="0" y="0"/>
+          <a:chExt cx="0" cy="0"/>
+        </a:xfrm>
+      </p:grpSpPr>
+      <p:sp>
+        <p:nvSpPr>
+          <p:cNvPr id="2" name="Title 1"/>
+          <p:cNvSpPr>
+            <a:spLocks noGrp="1"/>
+          </p:cNvSpPr>
+          <p:nvPr>
+            <p:ph type="title"/>
+          </p:nvPr>
+        </p:nvSpPr>
+        <p:spPr/>
+        <p:txBody>
+          <a:bodyPr/>
+          <a:lstStyle/>
+          <a:p>
+            <a:r>
+              <a:rPr lang="en-US" dirty="0"/>
+              <a:t>Key Benefits of ASP.NET Core</a:t>
+            </a:r>
+          </a:p>
+        </p:txBody>
+      </p:sp>
+      <p:sp>
+        <p:nvSpPr>
+          <p:cNvPr id="3" name="Content Placeholder 2"/>
+          <p:cNvSpPr>
+            <a:spLocks noGrp="1"/>
+          </p:cNvSpPr>
+          <p:nvPr>
+            <p:ph idx="1"/>
+          </p:nvPr>
+        </p:nvSpPr>
+        <p:spPr/>
+        <p:txBody>
+          <a:bodyPr/>
+          <a:lstStyle/>
+          <a:p>
+            <a:pPr marL="342900" indent="-342900" algn="just">
+              <a:buFont typeface="Wingdings" panose="05000000000000000000" pitchFamily="2" charset="2"/>
+              <a:buChar char="§"/>
+            </a:pPr>
+            <a:r>
+              <a:rPr lang="en-US" dirty="0"/>
+              <a:t>First, search engines give weight to keywords found in a URL. A search for “rent in Chicago” is much more likely to turn up the simpler URL.</a:t>
+            </a:r>
+          </a:p>
+          <a:p>
+            <a:pPr marL="342900" indent="-342900" algn="just">
+              <a:buFont typeface="Wingdings" panose="05000000000000000000" pitchFamily="2" charset="2"/>
+              <a:buChar char="§"/>
+            </a:pPr>
+            <a:endParaRPr lang="en-US" dirty="0"/>
+          </a:p>
+          <a:p>
+            <a:pPr marL="342900" indent="-342900" algn="just">
+              <a:buFont typeface="Wingdings" panose="05000000000000000000" pitchFamily="2" charset="2"/>
+              <a:buChar char="§"/>
+            </a:pPr>
+            <a:r>
+              <a:rPr lang="en-US" dirty="0"/>
+              <a:t>Second, many web users are now savvy enough to understand a URL and appreciate the option of navigating by typing it into their browser’s address bar. </a:t>
+            </a:r>
+          </a:p>
+          <a:p>
+            <a:pPr marL="342900" indent="-342900" algn="just">
+              <a:buFont typeface="Wingdings" panose="05000000000000000000" pitchFamily="2" charset="2"/>
+              <a:buChar char="§"/>
+            </a:pPr>
+            <a:endParaRPr lang="en-US" dirty="0"/>
+          </a:p>
+          <a:p>
+            <a:pPr marL="342900" indent="-342900" algn="just">
+              <a:buFont typeface="Wingdings" panose="05000000000000000000" pitchFamily="2" charset="2"/>
+              <a:buChar char="§"/>
+            </a:pPr>
+            <a:r>
+              <a:rPr lang="en-US" dirty="0"/>
+              <a:t>Third, when someone understands the structure of a URL, they are more likely to link to it, share it with a friend, or even read it aloud over the phone. </a:t>
+            </a:r>
+          </a:p>
+          <a:p>
+            <a:pPr marL="342900" indent="-342900" algn="just">
+              <a:buFont typeface="Wingdings" panose="05000000000000000000" pitchFamily="2" charset="2"/>
+              <a:buChar char="§"/>
+            </a:pPr>
+            <a:endParaRPr lang="en-US" dirty="0"/>
+          </a:p>
+          <a:p>
+            <a:pPr marL="342900" indent="-342900" algn="just">
+              <a:buFont typeface="Wingdings" panose="05000000000000000000" pitchFamily="2" charset="2"/>
+              <a:buChar char="§"/>
+            </a:pPr>
+            <a:r>
+              <a:rPr lang="en-US" dirty="0"/>
+              <a:t>Fourth, it doesn’t expose the technical details, folder, and file name structure of your application to the public Internet, so you are free to change the underlying implementation without breaking all your incoming links.</a:t>
+            </a:r>
+          </a:p>
+        </p:txBody>
+      </p:sp>
+      <p:sp>
+        <p:nvSpPr>
+          <p:cNvPr id="4" name="Text Placeholder 3"/>
+          <p:cNvSpPr>
+            <a:spLocks noGrp="1"/>
+          </p:cNvSpPr>
+          <p:nvPr>
+            <p:ph type="body" sz="quarter" idx="10"/>
+          </p:nvPr>
+        </p:nvSpPr>
+        <p:spPr/>
+        <p:txBody>
+          <a:bodyPr/>
+          <a:lstStyle/>
+          <a:p>
+            <a:r>
+              <a:rPr lang="en-US" b="0" dirty="0"/>
+              <a:t>Reasons for caring about the structure of URLs</a:t>
+            </a:r>
+            <a:endParaRPr lang="en-US" dirty="0"/>
+          </a:p>
+        </p:txBody>
+      </p:sp>
+    </p:spTree>
+    <p:extLst>
+      <p:ext uri="{BB962C8B-B14F-4D97-AF65-F5344CB8AC3E}">
+        <p14:creationId xmlns:p14="http://schemas.microsoft.com/office/powerpoint/2010/main" val="3207727278"/>
+      </p:ext>
+    </p:extLst>
+  </p:cSld>
+  <p:clrMapOvr>
+    <a:masterClrMapping/>
+  </p:clrMapOvr>
+  <mc:AlternateContent xmlns:mc="http://schemas.openxmlformats.org/markup-compatibility/2006" xmlns:p14="http://schemas.microsoft.com/office/powerpoint/2010/main">
+    <mc:Choice Requires="p14">
+      <p:transition spd="med" p14:dur="700">
+        <p:fade/>
+      </p:transition>
+    </mc:Choice>
+    <mc:Fallback xmlns="">
+      <p:transition spd="med">
+        <p:fade/>
+      </p:transition>
+    </mc:Fallback>
+  </mc:AlternateContent>
+</p:sld>
+</file>
+
+<file path=ppt/slides/slide43.xml><?xml version="1.0" encoding="utf-8"?>
+<p:sld xmlns:a="http://schemas.openxmlformats.org/drawingml/2006/main" xmlns:r="http://schemas.openxmlformats.org/officeDocument/2006/relationships" xmlns:p="http://schemas.openxmlformats.org/presentationml/2006/main">
+  <p:cSld>
+    <p:spTree>
+      <p:nvGrpSpPr>
+        <p:cNvPr id="1" name=""/>
+        <p:cNvGrpSpPr/>
+        <p:nvPr/>
+      </p:nvGrpSpPr>
+      <p:grpSpPr>
+        <a:xfrm>
+          <a:off x="0" y="0"/>
+          <a:ext cx="0" cy="0"/>
+          <a:chOff x="0" y="0"/>
+          <a:chExt cx="0" cy="0"/>
+        </a:xfrm>
+      </p:grpSpPr>
+      <p:sp>
+        <p:nvSpPr>
+          <p:cNvPr id="2" name="Title 1"/>
+          <p:cNvSpPr>
+            <a:spLocks noGrp="1"/>
+          </p:cNvSpPr>
+          <p:nvPr>
+            <p:ph type="title"/>
+          </p:nvPr>
+        </p:nvSpPr>
+        <p:spPr/>
+        <p:txBody>
+          <a:bodyPr/>
+          <a:lstStyle/>
+          <a:p>
+            <a:r>
+              <a:rPr lang="en-US" dirty="0"/>
+              <a:t>Key Benefits of ASP.NET Core</a:t>
+            </a:r>
+          </a:p>
+        </p:txBody>
+      </p:sp>
+      <p:sp>
+        <p:nvSpPr>
+          <p:cNvPr id="3" name="Content Placeholder 2"/>
+          <p:cNvSpPr>
+            <a:spLocks noGrp="1"/>
+          </p:cNvSpPr>
+          <p:nvPr>
+            <p:ph idx="1"/>
+          </p:nvPr>
+        </p:nvSpPr>
+        <p:spPr/>
+        <p:txBody>
+          <a:bodyPr/>
+          <a:lstStyle/>
+          <a:p>
+            <a:pPr marL="342900" indent="-342900" algn="just">
+              <a:buFont typeface="Wingdings" panose="05000000000000000000" pitchFamily="2" charset="2"/>
+              <a:buChar char="§"/>
+            </a:pPr>
+            <a:r>
+              <a:rPr lang="en-US" dirty="0"/>
+              <a:t>Clean URLs were hard to implement in earlier frameworks, but ASP.NET Core MVC uses a feature known as </a:t>
+            </a:r>
+            <a:r>
+              <a:rPr lang="en-US" i="1" dirty="0"/>
+              <a:t>URL routing </a:t>
+            </a:r>
+            <a:r>
+              <a:rPr lang="en-US" dirty="0"/>
+              <a:t>to provide clean URLs by default. </a:t>
+            </a:r>
+          </a:p>
+          <a:p>
+            <a:pPr marL="342900" indent="-342900" algn="just">
+              <a:buFont typeface="Wingdings" panose="05000000000000000000" pitchFamily="2" charset="2"/>
+              <a:buChar char="§"/>
+            </a:pPr>
+            <a:endParaRPr lang="en-US" dirty="0"/>
+          </a:p>
+          <a:p>
+            <a:pPr marL="342900" indent="-342900" algn="just">
+              <a:buFont typeface="Wingdings" panose="05000000000000000000" pitchFamily="2" charset="2"/>
+              <a:buChar char="§"/>
+            </a:pPr>
+            <a:r>
+              <a:rPr lang="en-US" dirty="0"/>
+              <a:t>This gives you control over your URL schema and its relationship to your application, offering you the freedom to create a pattern of URLs that is meaningful and useful to your users, without the need to conform to a predefined pattern. </a:t>
+            </a:r>
+          </a:p>
+        </p:txBody>
+      </p:sp>
+      <p:sp>
+        <p:nvSpPr>
+          <p:cNvPr id="4" name="Text Placeholder 3"/>
+          <p:cNvSpPr>
+            <a:spLocks noGrp="1"/>
+          </p:cNvSpPr>
+          <p:nvPr>
+            <p:ph type="body" sz="quarter" idx="10"/>
+          </p:nvPr>
+        </p:nvSpPr>
+        <p:spPr/>
+        <p:txBody>
+          <a:bodyPr/>
+          <a:lstStyle/>
+          <a:p>
+            <a:r>
+              <a:rPr lang="en-US" b="0" dirty="0"/>
+              <a:t>Powerful Routing System</a:t>
+            </a:r>
+            <a:endParaRPr lang="en-US" dirty="0"/>
+          </a:p>
+        </p:txBody>
+      </p:sp>
+    </p:spTree>
+    <p:extLst>
+      <p:ext uri="{BB962C8B-B14F-4D97-AF65-F5344CB8AC3E}">
+        <p14:creationId xmlns:p14="http://schemas.microsoft.com/office/powerpoint/2010/main" val="2241502038"/>
+      </p:ext>
+    </p:extLst>
+  </p:cSld>
+  <p:clrMapOvr>
+    <a:masterClrMapping/>
+  </p:clrMapOvr>
+  <mc:AlternateContent xmlns:mc="http://schemas.openxmlformats.org/markup-compatibility/2006" xmlns:p14="http://schemas.microsoft.com/office/powerpoint/2010/main">
+    <mc:Choice Requires="p14">
+      <p:transition spd="med" p14:dur="700">
+        <p:fade/>
+      </p:transition>
+    </mc:Choice>
+    <mc:Fallback xmlns="">
+      <p:transition spd="med">
+        <p:fade/>
+      </p:transition>
+    </mc:Fallback>
+  </mc:AlternateContent>
+</p:sld>
+</file>
+
+<file path=ppt/slides/slide44.xml><?xml version="1.0" encoding="utf-8"?>
+<p:sld xmlns:a="http://schemas.openxmlformats.org/drawingml/2006/main" xmlns:r="http://schemas.openxmlformats.org/officeDocument/2006/relationships" xmlns:p="http://schemas.openxmlformats.org/presentationml/2006/main">
+  <p:cSld>
+    <p:spTree>
+      <p:nvGrpSpPr>
+        <p:cNvPr id="1" name=""/>
+        <p:cNvGrpSpPr/>
+        <p:nvPr/>
+      </p:nvGrpSpPr>
+      <p:grpSpPr>
+        <a:xfrm>
+          <a:off x="0" y="0"/>
+          <a:ext cx="0" cy="0"/>
+          <a:chOff x="0" y="0"/>
+          <a:chExt cx="0" cy="0"/>
+        </a:xfrm>
+      </p:grpSpPr>
+      <p:sp>
+        <p:nvSpPr>
+          <p:cNvPr id="2" name="Title 1"/>
+          <p:cNvSpPr>
+            <a:spLocks noGrp="1"/>
+          </p:cNvSpPr>
+          <p:nvPr>
+            <p:ph type="title"/>
+          </p:nvPr>
+        </p:nvSpPr>
+        <p:spPr/>
+        <p:txBody>
+          <a:bodyPr/>
+          <a:lstStyle/>
+          <a:p>
+            <a:r>
+              <a:rPr lang="en-US" dirty="0"/>
+              <a:t>Key Benefits of ASP.NET Core</a:t>
+            </a:r>
+          </a:p>
+        </p:txBody>
+      </p:sp>
+      <p:sp>
+        <p:nvSpPr>
+          <p:cNvPr id="3" name="Content Placeholder 2"/>
+          <p:cNvSpPr>
+            <a:spLocks noGrp="1"/>
+          </p:cNvSpPr>
+          <p:nvPr>
+            <p:ph idx="1"/>
+          </p:nvPr>
+        </p:nvSpPr>
+        <p:spPr/>
+        <p:txBody>
+          <a:bodyPr/>
+          <a:lstStyle/>
+          <a:p>
+            <a:pPr marL="342900" indent="-342900" algn="just">
+              <a:buFont typeface="Wingdings" panose="05000000000000000000" pitchFamily="2" charset="2"/>
+              <a:buChar char="§"/>
+            </a:pPr>
+            <a:r>
+              <a:rPr lang="en-US" dirty="0"/>
+              <a:t>Microsoft’s .NET platform has evolved with each major release, supporting—and even defining—the state-of-</a:t>
+            </a:r>
+            <a:r>
+              <a:rPr lang="en-US" dirty="0" err="1"/>
+              <a:t>theart</a:t>
+            </a:r>
+            <a:r>
+              <a:rPr lang="en-US" dirty="0"/>
+              <a:t> aspects of modern programming. </a:t>
+            </a:r>
+          </a:p>
+          <a:p>
+            <a:endParaRPr lang="en-US" dirty="0"/>
+          </a:p>
+          <a:p>
+            <a:pPr marL="342900" indent="-342900" algn="just">
+              <a:buFont typeface="Wingdings" panose="05000000000000000000" pitchFamily="2" charset="2"/>
+              <a:buChar char="§"/>
+            </a:pPr>
+            <a:r>
+              <a:rPr lang="en-US" dirty="0"/>
+              <a:t>ASP.NET Core MVC is built for .NET Core, so its API can take full advantage of language and runtime innovations familiar to C# programmers, including the </a:t>
+            </a:r>
+            <a:r>
+              <a:rPr lang="en-US" b="1" dirty="0"/>
+              <a:t>await</a:t>
+            </a:r>
+            <a:r>
+              <a:rPr lang="en-US" dirty="0"/>
+              <a:t> keyword, extension methods, lambda expressions, anonymous and dynamic types, and Language Integrated Query (LINQ).</a:t>
+            </a:r>
+          </a:p>
+          <a:p>
+            <a:pPr marL="342900" indent="-342900" algn="just">
+              <a:buFont typeface="Wingdings" panose="05000000000000000000" pitchFamily="2" charset="2"/>
+              <a:buChar char="§"/>
+            </a:pPr>
+            <a:endParaRPr lang="en-US" dirty="0"/>
+          </a:p>
+          <a:p>
+            <a:pPr marL="342900" indent="-342900" algn="just">
+              <a:buFont typeface="Wingdings" panose="05000000000000000000" pitchFamily="2" charset="2"/>
+              <a:buChar char="§"/>
+            </a:pPr>
+            <a:r>
+              <a:rPr lang="en-US" dirty="0"/>
+              <a:t>Many of the ASP.NET Core MVC API methods and coding patterns follow a cleaner, more expressive composition than was possible with earlier platforms.</a:t>
+            </a:r>
+          </a:p>
+        </p:txBody>
+      </p:sp>
+      <p:sp>
+        <p:nvSpPr>
+          <p:cNvPr id="4" name="Text Placeholder 3"/>
+          <p:cNvSpPr>
+            <a:spLocks noGrp="1"/>
+          </p:cNvSpPr>
+          <p:nvPr>
+            <p:ph type="body" sz="quarter" idx="10"/>
+          </p:nvPr>
+        </p:nvSpPr>
+        <p:spPr/>
+        <p:txBody>
+          <a:bodyPr/>
+          <a:lstStyle/>
+          <a:p>
+            <a:r>
+              <a:rPr lang="en-US" dirty="0"/>
+              <a:t>Modern API</a:t>
+            </a:r>
+          </a:p>
+        </p:txBody>
+      </p:sp>
+    </p:spTree>
+    <p:extLst>
+      <p:ext uri="{BB962C8B-B14F-4D97-AF65-F5344CB8AC3E}">
+        <p14:creationId xmlns:p14="http://schemas.microsoft.com/office/powerpoint/2010/main" val="3294541577"/>
+      </p:ext>
+    </p:extLst>
+  </p:cSld>
+  <p:clrMapOvr>
+    <a:masterClrMapping/>
+  </p:clrMapOvr>
+  <mc:AlternateContent xmlns:mc="http://schemas.openxmlformats.org/markup-compatibility/2006" xmlns:p14="http://schemas.microsoft.com/office/powerpoint/2010/main">
+    <mc:Choice Requires="p14">
+      <p:transition spd="med" p14:dur="700">
+        <p:fade/>
+      </p:transition>
+    </mc:Choice>
+    <mc:Fallback xmlns="">
+      <p:transition spd="med">
+        <p:fade/>
+      </p:transition>
+    </mc:Fallback>
+  </mc:AlternateContent>
+</p:sld>
+</file>
+
+<file path=ppt/slides/slide45.xml><?xml version="1.0" encoding="utf-8"?>
+<p:sld xmlns:a="http://schemas.openxmlformats.org/drawingml/2006/main" xmlns:r="http://schemas.openxmlformats.org/officeDocument/2006/relationships" xmlns:p="http://schemas.openxmlformats.org/presentationml/2006/main">
+  <p:cSld>
+    <p:spTree>
+      <p:nvGrpSpPr>
+        <p:cNvPr id="1" name=""/>
+        <p:cNvGrpSpPr/>
+        <p:nvPr/>
+      </p:nvGrpSpPr>
+      <p:grpSpPr>
+        <a:xfrm>
+          <a:off x="0" y="0"/>
+          <a:ext cx="0" cy="0"/>
+          <a:chOff x="0" y="0"/>
+          <a:chExt cx="0" cy="0"/>
+        </a:xfrm>
+      </p:grpSpPr>
+      <p:sp>
+        <p:nvSpPr>
+          <p:cNvPr id="2" name="Title 1"/>
+          <p:cNvSpPr>
+            <a:spLocks noGrp="1"/>
+          </p:cNvSpPr>
+          <p:nvPr>
+            <p:ph type="title"/>
+          </p:nvPr>
+        </p:nvSpPr>
+        <p:spPr/>
+        <p:txBody>
+          <a:bodyPr/>
+          <a:lstStyle/>
+          <a:p>
+            <a:r>
+              <a:rPr lang="en-US" dirty="0"/>
+              <a:t>Key Benefits of ASP.NET Core</a:t>
+            </a:r>
+          </a:p>
+        </p:txBody>
+      </p:sp>
+      <p:sp>
+        <p:nvSpPr>
+          <p:cNvPr id="3" name="Content Placeholder 2"/>
+          <p:cNvSpPr>
+            <a:spLocks noGrp="1"/>
+          </p:cNvSpPr>
+          <p:nvPr>
+            <p:ph idx="1"/>
+          </p:nvPr>
+        </p:nvSpPr>
+        <p:spPr/>
+        <p:txBody>
+          <a:bodyPr/>
+          <a:lstStyle/>
+          <a:p>
+            <a:pPr marL="342900" indent="-342900" algn="just">
+              <a:buFont typeface="Wingdings" panose="05000000000000000000" pitchFamily="2" charset="2"/>
+              <a:buChar char="§"/>
+            </a:pPr>
+            <a:r>
+              <a:rPr lang="en-US" dirty="0"/>
+              <a:t>Previous versions of ASP.NET were specific to Windows, requiring a Windows desktop to write web applications and a Windows server to deploy and run them. Microsoft made ASP.NET Core cross-platform, both for development and for deployment. .NET Core is available for different platforms—including Linux and OS X/</a:t>
+            </a:r>
+            <a:r>
+              <a:rPr lang="en-US" dirty="0" err="1"/>
+              <a:t>macOS</a:t>
+            </a:r>
+            <a:r>
+              <a:rPr lang="en-US" dirty="0"/>
+              <a:t>—and is likely to be ported to others.</a:t>
+            </a:r>
+          </a:p>
+          <a:p>
+            <a:pPr marL="342900" indent="-342900">
+              <a:buFont typeface="Wingdings" panose="05000000000000000000" pitchFamily="2" charset="2"/>
+              <a:buChar char="§"/>
+            </a:pPr>
+            <a:endParaRPr lang="en-US" dirty="0"/>
+          </a:p>
+          <a:p>
+            <a:pPr marL="342900" indent="-342900" algn="just">
+              <a:buFont typeface="Wingdings" panose="05000000000000000000" pitchFamily="2" charset="2"/>
+              <a:buChar char="§"/>
+            </a:pPr>
+            <a:r>
+              <a:rPr lang="en-US" dirty="0"/>
+              <a:t>Most ASP.NET Core MVC development is likely to be done using Visual Studio for the immediate future, but Microsoft has also created a cross-platform development tool called Visual Studio Code, which means that ASP.NET Core MVC development is no longer restricted to Windows.</a:t>
+            </a:r>
+          </a:p>
+        </p:txBody>
+      </p:sp>
+      <p:sp>
+        <p:nvSpPr>
+          <p:cNvPr id="4" name="Text Placeholder 3"/>
+          <p:cNvSpPr>
+            <a:spLocks noGrp="1"/>
+          </p:cNvSpPr>
+          <p:nvPr>
+            <p:ph type="body" sz="quarter" idx="10"/>
+          </p:nvPr>
+        </p:nvSpPr>
+        <p:spPr/>
+        <p:txBody>
+          <a:bodyPr/>
+          <a:lstStyle/>
+          <a:p>
+            <a:r>
+              <a:rPr lang="en-US" dirty="0"/>
+              <a:t>Cross-Platform</a:t>
+            </a:r>
+          </a:p>
+        </p:txBody>
+      </p:sp>
+    </p:spTree>
+    <p:extLst>
+      <p:ext uri="{BB962C8B-B14F-4D97-AF65-F5344CB8AC3E}">
+        <p14:creationId xmlns:p14="http://schemas.microsoft.com/office/powerpoint/2010/main" val="3393981062"/>
+      </p:ext>
+    </p:extLst>
+  </p:cSld>
+  <p:clrMapOvr>
+    <a:masterClrMapping/>
+  </p:clrMapOvr>
+  <mc:AlternateContent xmlns:mc="http://schemas.openxmlformats.org/markup-compatibility/2006" xmlns:p14="http://schemas.microsoft.com/office/powerpoint/2010/main">
+    <mc:Choice Requires="p14">
+      <p:transition spd="med" p14:dur="700">
+        <p:fade/>
+      </p:transition>
+    </mc:Choice>
+    <mc:Fallback xmlns="">
+      <p:transition spd="med">
+        <p:fade/>
+      </p:transition>
+    </mc:Fallback>
+  </mc:AlternateContent>
+</p:sld>
+</file>
+
+<file path=ppt/slides/slide46.xml><?xml version="1.0" encoding="utf-8"?>
+<p:sld xmlns:a="http://schemas.openxmlformats.org/drawingml/2006/main" xmlns:r="http://schemas.openxmlformats.org/officeDocument/2006/relationships" xmlns:p="http://schemas.openxmlformats.org/presentationml/2006/main">
+  <p:cSld>
+    <p:spTree>
+      <p:nvGrpSpPr>
+        <p:cNvPr id="1" name=""/>
+        <p:cNvGrpSpPr/>
+        <p:nvPr/>
+      </p:nvGrpSpPr>
+      <p:grpSpPr>
+        <a:xfrm>
+          <a:off x="0" y="0"/>
+          <a:ext cx="0" cy="0"/>
+          <a:chOff x="0" y="0"/>
+          <a:chExt cx="0" cy="0"/>
+        </a:xfrm>
+      </p:grpSpPr>
+      <p:sp>
+        <p:nvSpPr>
+          <p:cNvPr id="2" name="Title 1"/>
+          <p:cNvSpPr>
+            <a:spLocks noGrp="1"/>
+          </p:cNvSpPr>
+          <p:nvPr>
+            <p:ph type="title"/>
+          </p:nvPr>
+        </p:nvSpPr>
+        <p:spPr/>
+        <p:txBody>
+          <a:bodyPr/>
+          <a:lstStyle/>
+          <a:p>
+            <a:r>
+              <a:rPr lang="en-US" dirty="0"/>
+              <a:t>Key Benefits of ASP.NET Core</a:t>
+            </a:r>
+          </a:p>
+        </p:txBody>
+      </p:sp>
+      <p:sp>
+        <p:nvSpPr>
+          <p:cNvPr id="3" name="Content Placeholder 2"/>
+          <p:cNvSpPr>
+            <a:spLocks noGrp="1"/>
+          </p:cNvSpPr>
+          <p:nvPr>
+            <p:ph idx="1"/>
+          </p:nvPr>
+        </p:nvSpPr>
+        <p:spPr/>
+        <p:txBody>
+          <a:bodyPr/>
+          <a:lstStyle/>
+          <a:p>
+            <a:pPr marL="342900" indent="-342900" algn="just">
+              <a:buFont typeface="Wingdings" panose="05000000000000000000" pitchFamily="2" charset="2"/>
+              <a:buChar char="§"/>
+            </a:pPr>
+            <a:r>
+              <a:rPr lang="en-US" dirty="0"/>
+              <a:t>Unlike previous Microsoft web development platforms, you are free to download the source code for ASP. NET Core and ASP.NET Core MVC and even modify and compile your own version of it. </a:t>
+            </a:r>
+          </a:p>
+          <a:p>
+            <a:pPr marL="342900" indent="-342900" algn="just">
+              <a:buFont typeface="Wingdings" panose="05000000000000000000" pitchFamily="2" charset="2"/>
+              <a:buChar char="§"/>
+            </a:pPr>
+            <a:endParaRPr lang="en-US" dirty="0"/>
+          </a:p>
+          <a:p>
+            <a:pPr marL="342900" indent="-342900" algn="just">
+              <a:buFont typeface="Wingdings" panose="05000000000000000000" pitchFamily="2" charset="2"/>
+              <a:buChar char="§"/>
+            </a:pPr>
+            <a:r>
+              <a:rPr lang="en-US" dirty="0"/>
+              <a:t>This is invaluable when your debugging trail leads into a system component and you want to step into its code (and even read the original programmers’ comments). It is also useful if you are building an advanced component and want to see what development possibilities exist or how the built-in components actually work.</a:t>
+            </a:r>
+          </a:p>
+          <a:p>
+            <a:pPr marL="342900" indent="-342900" algn="just">
+              <a:buFont typeface="Wingdings" panose="05000000000000000000" pitchFamily="2" charset="2"/>
+              <a:buChar char="§"/>
+            </a:pPr>
+            <a:endParaRPr lang="en-US" dirty="0"/>
+          </a:p>
+          <a:p>
+            <a:pPr marL="342900" indent="-342900" algn="just">
+              <a:buFont typeface="Wingdings" panose="05000000000000000000" pitchFamily="2" charset="2"/>
+              <a:buChar char="§"/>
+            </a:pPr>
+            <a:r>
+              <a:rPr lang="en-US" dirty="0"/>
+              <a:t>You can download the ASP.NET Core and ASP.NET Core MVC source code from </a:t>
+            </a:r>
+            <a:r>
+              <a:rPr lang="en-US" dirty="0">
+                <a:hlinkClick r:id="rId2"/>
+              </a:rPr>
+              <a:t>https://github.com/aspnet</a:t>
+            </a:r>
+            <a:r>
+              <a:rPr lang="en-US" dirty="0"/>
+              <a:t> .</a:t>
+            </a:r>
+          </a:p>
+        </p:txBody>
+      </p:sp>
+      <p:sp>
+        <p:nvSpPr>
+          <p:cNvPr id="4" name="Text Placeholder 3"/>
+          <p:cNvSpPr>
+            <a:spLocks noGrp="1"/>
+          </p:cNvSpPr>
+          <p:nvPr>
+            <p:ph type="body" sz="quarter" idx="10"/>
+          </p:nvPr>
+        </p:nvSpPr>
+        <p:spPr/>
+        <p:txBody>
+          <a:bodyPr/>
+          <a:lstStyle/>
+          <a:p>
+            <a:r>
+              <a:rPr lang="en-US" dirty="0"/>
+              <a:t>Open Source</a:t>
+            </a:r>
+          </a:p>
+        </p:txBody>
+      </p:sp>
+    </p:spTree>
+    <p:extLst>
+      <p:ext uri="{BB962C8B-B14F-4D97-AF65-F5344CB8AC3E}">
+        <p14:creationId xmlns:p14="http://schemas.microsoft.com/office/powerpoint/2010/main" val="893622681"/>
       </p:ext>
     </p:extLst>
   </p:cSld>
@@ -19225,7 +19222,7 @@
         </p:nvGraphicFramePr>
         <p:xfrm>
           <a:off x="551384" y="1804865"/>
-          <a:ext cx="11161240" cy="4000399"/>
+          <a:ext cx="11161240" cy="3924643"/>
         </p:xfrm>
         <a:graphic>
           <a:graphicData uri="http://schemas.openxmlformats.org/drawingml/2006/table">
@@ -19687,7 +19684,7 @@
         </p:nvGraphicFramePr>
         <p:xfrm>
           <a:off x="551384" y="1804865"/>
-          <a:ext cx="11161240" cy="4000399"/>
+          <a:ext cx="11161240" cy="3926296"/>
         </p:xfrm>
         <a:graphic>
           <a:graphicData uri="http://schemas.openxmlformats.org/drawingml/2006/table">
@@ -20082,7 +20079,7 @@
         </p:nvGraphicFramePr>
         <p:xfrm>
           <a:off x="551384" y="1804865"/>
-          <a:ext cx="11161240" cy="2317903"/>
+          <a:ext cx="11161240" cy="2268501"/>
         </p:xfrm>
         <a:graphic>
           <a:graphicData uri="http://schemas.openxmlformats.org/drawingml/2006/table">
@@ -20457,7 +20454,7 @@
         </p:nvGraphicFramePr>
         <p:xfrm>
           <a:off x="551384" y="1804865"/>
-          <a:ext cx="11161240" cy="4841647"/>
+          <a:ext cx="11161240" cy="4718142"/>
         </p:xfrm>
         <a:graphic>
           <a:graphicData uri="http://schemas.openxmlformats.org/drawingml/2006/table">
@@ -21098,7 +21095,7 @@
         </p:nvGraphicFramePr>
         <p:xfrm>
           <a:off x="551384" y="1804865"/>
-          <a:ext cx="11161240" cy="2317903"/>
+          <a:ext cx="11161240" cy="2291549"/>
         </p:xfrm>
         <a:graphic>
           <a:graphicData uri="http://schemas.openxmlformats.org/drawingml/2006/table">
@@ -21543,7 +21540,7 @@
           <a:bodyPr/>
           <a:lstStyle/>
           <a:p>
-            <a:pPr marL="597150" lvl="1" indent="-342900">
+            <a:pPr marL="597150" lvl="1" indent="-342900" algn="just">
               <a:buFont typeface="Wingdings" panose="05000000000000000000" pitchFamily="2" charset="2"/>
               <a:buChar char="§"/>
             </a:pPr>
@@ -21557,7 +21554,24 @@
             </a:r>
             <a:r>
               <a:rPr lang="en-US" dirty="0"/>
-              <a:t>, which was one of the main selling points that made Ruby on Rails so popular. Convention over configuration means that you don’t need to explicitly configure associations between controllers and their views, for example. You just follow a certain naming convention for your files, and everything just works. There is less flexibility in changing your project structure when dealing with this kind of convention.</a:t>
+              <a:t>, which was one of the main selling points that made Ruby on Rails so popular. Convention over configuration means that you don’t need to explicitly configure associations between controllers and their views, for example. </a:t>
+            </a:r>
+          </a:p>
+          <a:p>
+            <a:pPr marL="597150" lvl="1" indent="-342900" algn="just">
+              <a:buFont typeface="Wingdings" panose="05000000000000000000" pitchFamily="2" charset="2"/>
+              <a:buChar char="§"/>
+            </a:pPr>
+            <a:endParaRPr lang="en-US" dirty="0"/>
+          </a:p>
+          <a:p>
+            <a:pPr marL="597150" lvl="1" indent="-342900" algn="just">
+              <a:buFont typeface="Wingdings" panose="05000000000000000000" pitchFamily="2" charset="2"/>
+              <a:buChar char="§"/>
+            </a:pPr>
+            <a:r>
+              <a:rPr lang="en-US" dirty="0"/>
+              <a:t>You just follow a certain naming convention for your files, and everything just works. There is less flexibility in changing your project structure when dealing with this kind of convention.</a:t>
             </a:r>
             <a:endParaRPr lang="en-US" sz="2400" dirty="0"/>
           </a:p>
@@ -21895,7 +21909,7 @@
             </a:pPr>
             <a:r>
               <a:rPr lang="en-US" dirty="0"/>
-              <a:t>Free trial</a:t>
+              <a:t>Free trial (10 days)</a:t>
             </a:r>
           </a:p>
           <a:p>
@@ -21914,6 +21928,43 @@
               <a:t>Microsoft DreamSpark</a:t>
             </a:r>
             <a:endParaRPr lang="en-US" dirty="0"/>
+          </a:p>
+          <a:p>
+            <a:pPr marL="597150" lvl="1" indent="-342900" algn="just">
+              <a:buFont typeface="Wingdings" panose="05000000000000000000" pitchFamily="2" charset="2"/>
+              <a:buChar char="§"/>
+            </a:pPr>
+            <a:endParaRPr lang="en-US" dirty="0"/>
+          </a:p>
+          <a:p>
+            <a:pPr marL="342900" indent="-342900" algn="just">
+              <a:buFont typeface="Wingdings" panose="05000000000000000000" pitchFamily="2" charset="2"/>
+              <a:buChar char="§"/>
+            </a:pPr>
+            <a:r>
+              <a:rPr lang="en-US" dirty="0"/>
+              <a:t>Courses on </a:t>
+            </a:r>
+            <a:r>
+              <a:rPr lang="en-US" b="1" dirty="0"/>
+              <a:t>ASP.NET</a:t>
+            </a:r>
+          </a:p>
+          <a:p>
+            <a:pPr marL="597150" lvl="1" indent="-342900" algn="just">
+              <a:buFont typeface="Wingdings" panose="05000000000000000000" pitchFamily="2" charset="2"/>
+              <a:buChar char="§"/>
+            </a:pPr>
+            <a:r>
+              <a:rPr lang="en-US" dirty="0">
+                <a:hlinkClick r:id="rId5"/>
+              </a:rPr>
+              <a:t>https://www.asp.net/freecourses</a:t>
+            </a:r>
+            <a:r>
+              <a:rPr lang="en-US" dirty="0"/>
+              <a:t> </a:t>
+            </a:r>
           </a:p>
         </p:txBody>
       </p:sp>
@@ -22776,186 +22827,6 @@
       </p:grpSpPr>
       <p:sp>
         <p:nvSpPr>
-          <p:cNvPr id="7" name="Title 6"/>
-          <p:cNvSpPr>
-            <a:spLocks noGrp="1"/>
-          </p:cNvSpPr>
-          <p:nvPr>
-            <p:ph type="title"/>
-          </p:nvPr>
-        </p:nvSpPr>
-        <p:spPr/>
-        <p:txBody>
-          <a:bodyPr/>
-          <a:lstStyle/>
-          <a:p>
-            <a:r>
-              <a:rPr lang="en-US" dirty="0"/>
-              <a:t>Selecting the project type</a:t>
-            </a:r>
-          </a:p>
-        </p:txBody>
-      </p:sp>
-      <p:pic>
-        <p:nvPicPr>
-          <p:cNvPr id="6" name="Content Placeholder 5"/>
-          <p:cNvPicPr>
-            <a:picLocks noGrp="1" noChangeAspect="1"/>
-          </p:cNvPicPr>
-          <p:nvPr>
-            <p:ph idx="1"/>
-          </p:nvPr>
-        </p:nvPicPr>
-        <p:blipFill>
-          <a:blip r:embed="rId2"/>
-          <a:stretch>
-            <a:fillRect/>
-          </a:stretch>
-        </p:blipFill>
-        <p:spPr>
-          <a:xfrm>
-            <a:off x="1655700" y="1595108"/>
-            <a:ext cx="9052051" cy="4305960"/>
-          </a:xfrm>
-          <a:prstGeom prst="rect">
-            <a:avLst/>
-          </a:prstGeom>
-        </p:spPr>
-      </p:pic>
-    </p:spTree>
-    <p:extLst>
-      <p:ext uri="{BB962C8B-B14F-4D97-AF65-F5344CB8AC3E}">
-        <p14:creationId xmlns:p14="http://schemas.microsoft.com/office/powerpoint/2010/main" val="3930858162"/>
-      </p:ext>
-    </p:extLst>
-  </p:cSld>
-  <p:clrMapOvr>
-    <a:masterClrMapping/>
-  </p:clrMapOvr>
-  <mc:AlternateContent xmlns:mc="http://schemas.openxmlformats.org/markup-compatibility/2006" xmlns:p14="http://schemas.microsoft.com/office/powerpoint/2010/main">
-    <mc:Choice Requires="p14">
-      <p:transition spd="med" p14:dur="700">
-        <p:fade/>
-      </p:transition>
-    </mc:Choice>
-    <mc:Fallback xmlns="">
-      <p:transition spd="med">
-        <p:fade/>
-      </p:transition>
-    </mc:Fallback>
-  </mc:AlternateContent>
-</p:sld>
-</file>
-
-<file path=ppt/slides/slide66.xml><?xml version="1.0" encoding="utf-8"?>
-<p:sld xmlns:a="http://schemas.openxmlformats.org/drawingml/2006/main" xmlns:r="http://schemas.openxmlformats.org/officeDocument/2006/relationships" xmlns:p="http://schemas.openxmlformats.org/presentationml/2006/main">
-  <p:cSld>
-    <p:spTree>
-      <p:nvGrpSpPr>
-        <p:cNvPr id="1" name=""/>
-        <p:cNvGrpSpPr/>
-        <p:nvPr/>
-      </p:nvGrpSpPr>
-      <p:grpSpPr>
-        <a:xfrm>
-          <a:off x="0" y="0"/>
-          <a:ext cx="0" cy="0"/>
-          <a:chOff x="0" y="0"/>
-          <a:chExt cx="0" cy="0"/>
-        </a:xfrm>
-      </p:grpSpPr>
-      <p:sp>
-        <p:nvSpPr>
-          <p:cNvPr id="6" name="Title 5"/>
-          <p:cNvSpPr>
-            <a:spLocks noGrp="1"/>
-          </p:cNvSpPr>
-          <p:nvPr>
-            <p:ph type="title"/>
-          </p:nvPr>
-        </p:nvSpPr>
-        <p:spPr/>
-        <p:txBody>
-          <a:bodyPr/>
-          <a:lstStyle/>
-          <a:p>
-            <a:r>
-              <a:rPr lang="en-US" dirty="0"/>
-              <a:t>Selecting the project template</a:t>
-            </a:r>
-          </a:p>
-        </p:txBody>
-      </p:sp>
-      <p:pic>
-        <p:nvPicPr>
-          <p:cNvPr id="5" name="Content Placeholder 4"/>
-          <p:cNvPicPr>
-            <a:picLocks noGrp="1" noChangeAspect="1"/>
-          </p:cNvPicPr>
-          <p:nvPr>
-            <p:ph idx="1"/>
-          </p:nvPr>
-        </p:nvPicPr>
-        <p:blipFill>
-          <a:blip r:embed="rId2"/>
-          <a:stretch>
-            <a:fillRect/>
-          </a:stretch>
-        </p:blipFill>
-        <p:spPr>
-          <a:xfrm>
-            <a:off x="2355000" y="1745768"/>
-            <a:ext cx="7653451" cy="4004640"/>
-          </a:xfrm>
-          <a:prstGeom prst="rect">
-            <a:avLst/>
-          </a:prstGeom>
-        </p:spPr>
-      </p:pic>
-    </p:spTree>
-    <p:extLst>
-      <p:ext uri="{BB962C8B-B14F-4D97-AF65-F5344CB8AC3E}">
-        <p14:creationId xmlns:p14="http://schemas.microsoft.com/office/powerpoint/2010/main" val="890533521"/>
-      </p:ext>
-    </p:extLst>
-  </p:cSld>
-  <p:clrMapOvr>
-    <a:masterClrMapping/>
-  </p:clrMapOvr>
-  <mc:AlternateContent xmlns:mc="http://schemas.openxmlformats.org/markup-compatibility/2006" xmlns:p14="http://schemas.microsoft.com/office/powerpoint/2010/main">
-    <mc:Choice Requires="p14">
-      <p:transition spd="med" p14:dur="700">
-        <p:fade/>
-      </p:transition>
-    </mc:Choice>
-    <mc:Fallback xmlns="">
-      <p:transition spd="med">
-        <p:fade/>
-      </p:transition>
-    </mc:Fallback>
-  </mc:AlternateContent>
-</p:sld>
-</file>
-
-<file path=ppt/slides/slide67.xml><?xml version="1.0" encoding="utf-8"?>
-<p:sld xmlns:a="http://schemas.openxmlformats.org/drawingml/2006/main" xmlns:r="http://schemas.openxmlformats.org/officeDocument/2006/relationships" xmlns:p="http://schemas.openxmlformats.org/presentationml/2006/main">
-  <p:cSld>
-    <p:spTree>
-      <p:nvGrpSpPr>
-        <p:cNvPr id="1" name=""/>
-        <p:cNvGrpSpPr/>
-        <p:nvPr/>
-      </p:nvGrpSpPr>
-      <p:grpSpPr>
-        <a:xfrm>
-          <a:off x="0" y="0"/>
-          <a:ext cx="0" cy="0"/>
-          <a:chOff x="0" y="0"/>
-          <a:chExt cx="0" cy="0"/>
-        </a:xfrm>
-      </p:grpSpPr>
-      <p:sp>
-        <p:nvSpPr>
           <p:cNvPr id="3" name="Title 2"/>
           <p:cNvSpPr>
             <a:spLocks noGrp="1"/>
@@ -22997,6 +22868,10 @@
           </a:bodyPr>
           <a:lstStyle/>
           <a:p>
+            <a:pPr marL="342900" indent="-342900">
+              <a:buFont typeface="Wingdings" panose="05000000000000000000" pitchFamily="2" charset="2"/>
+              <a:buChar char="§"/>
+            </a:pPr>
             <a:r>
               <a:rPr lang="en-US" sz="2400" dirty="0">
                 <a:hlinkClick r:id="rId2"/>
@@ -23068,7 +22943,7 @@
 </p:sld>
 </file>
 
-<file path=ppt/slides/slide68.xml><?xml version="1.0" encoding="utf-8"?>
+<file path=ppt/slides/slide66.xml><?xml version="1.0" encoding="utf-8"?>
 <p:sld xmlns:a="http://schemas.openxmlformats.org/drawingml/2006/main" xmlns:r="http://schemas.openxmlformats.org/officeDocument/2006/relationships" xmlns:p="http://schemas.openxmlformats.org/presentationml/2006/main">
   <p:cSld>
     <p:spTree>
@@ -23204,8 +23079,15 @@
               <a:rPr lang="en-US" dirty="0">
                 <a:hlinkClick r:id="rId2"/>
               </a:rPr>
-              <a:t>https://docs.microsoft.com/en-us/aspnet/core/</a:t>
-            </a:r>
+              <a:t>https://docs.microsoft.com/en-us/aspnet/</a:t>
+            </a:r>
+            <a:endParaRPr lang="en-US" dirty="0"/>
+          </a:p>
+          <a:p>
+            <a:pPr marL="597150" lvl="1" indent="-342900">
+              <a:buFont typeface="Wingdings" panose="05000000000000000000" pitchFamily="2" charset="2"/>
+              <a:buChar char="§"/>
+            </a:pPr>
             <a:endParaRPr lang="en-US" dirty="0"/>
           </a:p>
           <a:p>
@@ -23213,13 +23095,6 @@
               <a:buFont typeface="Wingdings" panose="05000000000000000000" pitchFamily="2" charset="2"/>
               <a:buChar char="§"/>
             </a:pPr>
-            <a:endParaRPr lang="en-US" dirty="0"/>
-          </a:p>
-          <a:p>
-            <a:pPr marL="342900" indent="-342900">
-              <a:buFont typeface="Wingdings" panose="05000000000000000000" pitchFamily="2" charset="2"/>
-              <a:buChar char="§"/>
-            </a:pPr>
             <a:r>
               <a:rPr lang="en-US" dirty="0"/>
               <a:t>API reference:</a:t>
@@ -23234,7 +23109,7 @@
               <a:rPr lang="en-US" u="sng" dirty="0">
                 <a:hlinkClick r:id="rId3"/>
               </a:rPr>
-              <a:t>https://docs.microsoft.com/en-us/aspnet/core/api/</a:t>
+              <a:t>https://docs.microsoft.com/en-us/dotnet/api/?view=aspnetcore-2.0/</a:t>
             </a:r>
             <a:endParaRPr lang="en-US" u="sng" dirty="0"/>
           </a:p>
@@ -23590,7 +23465,7 @@
             </p:grpSpPr>
             <p:pic>
               <p:nvPicPr>
-                <p:cNvPr id="6" name="Picture 6">
+                <p:cNvPr id="2" name="Picture 2">
                   <a:hlinkClick r:id="rId8" action="ppaction://hlinksldjump"/>
                 </p:cNvPr>
                 <p:cNvPicPr>
@@ -23621,7 +23496,7 @@
             </p:pic>
             <p:pic>
               <p:nvPicPr>
-                <p:cNvPr id="7" name="Picture 7">
+                <p:cNvPr id="4" name="Picture 4">
                   <a:hlinkClick r:id="rId9" action="ppaction://hlinksldjump"/>
                 </p:cNvPr>
                 <p:cNvPicPr>
@@ -23652,7 +23527,7 @@
             </p:pic>
             <p:pic>
               <p:nvPicPr>
-                <p:cNvPr id="8" name="Picture 8">
+                <p:cNvPr id="6" name="Picture 6">
                   <a:hlinkClick r:id="rId10" action="ppaction://hlinksldjump"/>
                 </p:cNvPr>
                 <p:cNvPicPr>
@@ -23683,7 +23558,7 @@
             </p:pic>
             <p:pic>
               <p:nvPicPr>
-                <p:cNvPr id="9" name="Picture 9">
+                <p:cNvPr id="7" name="Picture 7">
                   <a:hlinkClick r:id="rId11" action="ppaction://hlinksldjump"/>
                 </p:cNvPr>
                 <p:cNvPicPr>
@@ -23714,7 +23589,7 @@
             </p:pic>
             <p:pic>
               <p:nvPicPr>
-                <p:cNvPr id="10" name="Picture 10">
+                <p:cNvPr id="8" name="Picture 8">
                   <a:hlinkClick r:id="rId12" action="ppaction://hlinksldjump"/>
                 </p:cNvPr>
                 <p:cNvPicPr>
@@ -23745,7 +23620,7 @@
             </p:pic>
             <p:pic>
               <p:nvPicPr>
-                <p:cNvPr id="11" name="Picture 11">
+                <p:cNvPr id="9" name="Picture 9">
                   <a:hlinkClick r:id="rId13" action="ppaction://hlinksldjump"/>
                 </p:cNvPr>
                 <p:cNvPicPr>

--- a/Presentation ASPNET MVC Core - Part I.pptx
+++ b/Presentation ASPNET MVC Core - Part I.pptx
@@ -26,26 +26,26 @@
     <p:sldId id="719" r:id="rId14"/>
     <p:sldId id="718" r:id="rId15"/>
     <p:sldId id="721" r:id="rId16"/>
-    <p:sldId id="711" r:id="rId17"/>
-    <p:sldId id="712" r:id="rId18"/>
-    <p:sldId id="713" r:id="rId19"/>
-    <p:sldId id="735" r:id="rId20"/>
-    <p:sldId id="736" r:id="rId21"/>
-    <p:sldId id="737" r:id="rId22"/>
-    <p:sldId id="738" r:id="rId23"/>
-    <p:sldId id="739" r:id="rId24"/>
-    <p:sldId id="740" r:id="rId25"/>
-    <p:sldId id="741" r:id="rId26"/>
-    <p:sldId id="742" r:id="rId27"/>
-    <p:sldId id="714" r:id="rId28"/>
-    <p:sldId id="743" r:id="rId29"/>
-    <p:sldId id="744" r:id="rId30"/>
-    <p:sldId id="727" r:id="rId31"/>
-    <p:sldId id="747" r:id="rId32"/>
-    <p:sldId id="748" r:id="rId33"/>
-    <p:sldId id="774" r:id="rId34"/>
-    <p:sldId id="775" r:id="rId35"/>
-    <p:sldId id="680" r:id="rId36"/>
+    <p:sldId id="727" r:id="rId17"/>
+    <p:sldId id="747" r:id="rId18"/>
+    <p:sldId id="748" r:id="rId19"/>
+    <p:sldId id="774" r:id="rId20"/>
+    <p:sldId id="775" r:id="rId21"/>
+    <p:sldId id="680" r:id="rId22"/>
+    <p:sldId id="711" r:id="rId23"/>
+    <p:sldId id="712" r:id="rId24"/>
+    <p:sldId id="713" r:id="rId25"/>
+    <p:sldId id="735" r:id="rId26"/>
+    <p:sldId id="736" r:id="rId27"/>
+    <p:sldId id="737" r:id="rId28"/>
+    <p:sldId id="738" r:id="rId29"/>
+    <p:sldId id="739" r:id="rId30"/>
+    <p:sldId id="740" r:id="rId31"/>
+    <p:sldId id="741" r:id="rId32"/>
+    <p:sldId id="742" r:id="rId33"/>
+    <p:sldId id="714" r:id="rId34"/>
+    <p:sldId id="743" r:id="rId35"/>
+    <p:sldId id="744" r:id="rId36"/>
     <p:sldId id="722" r:id="rId37"/>
     <p:sldId id="723" r:id="rId38"/>
     <p:sldId id="724" r:id="rId39"/>
@@ -205,6 +205,16 @@
             <p14:sldId id="721"/>
           </p14:sldIdLst>
         </p14:section>
+        <p14:section name="First Application" id="{F6D47AA7-3C7E-4490-85DD-79306E9199AB}">
+          <p14:sldIdLst>
+            <p14:sldId id="727"/>
+            <p14:sldId id="747"/>
+            <p14:sldId id="748"/>
+            <p14:sldId id="774"/>
+            <p14:sldId id="775"/>
+            <p14:sldId id="680"/>
+          </p14:sldIdLst>
+        </p14:section>
         <p14:section name="The pattern" id="{95C455DC-2000-49BF-A1DC-5D916E6F4076}">
           <p14:sldIdLst>
             <p14:sldId id="711"/>
@@ -221,16 +231,6 @@
             <p14:sldId id="714"/>
             <p14:sldId id="743"/>
             <p14:sldId id="744"/>
-          </p14:sldIdLst>
-        </p14:section>
-        <p14:section name="First Application" id="{F6D47AA7-3C7E-4490-85DD-79306E9199AB}">
-          <p14:sldIdLst>
-            <p14:sldId id="727"/>
-            <p14:sldId id="747"/>
-            <p14:sldId id="748"/>
-            <p14:sldId id="774"/>
-            <p14:sldId id="775"/>
-            <p14:sldId id="680"/>
           </p14:sldIdLst>
         </p14:section>
         <p14:section name="Key Benefits of ASP.NET Core MVC" id="{9A186F36-F36C-4A63-9F21-C48C30C9FBC0}">
@@ -841,12 +841,7 @@
             <p:ph type="sldImg"/>
           </p:nvPr>
         </p:nvSpPr>
-        <p:spPr>
-          <a:xfrm>
-            <a:off x="26988" y="744538"/>
-            <a:ext cx="6615112" cy="3722687"/>
-          </a:xfrm>
-        </p:spPr>
+        <p:spPr/>
       </p:sp>
       <p:sp>
         <p:nvSpPr>
@@ -863,7 +858,7 @@
           <a:bodyPr/>
           <a:lstStyle/>
           <a:p>
-            <a:endParaRPr lang="en-GB" dirty="0"/>
+            <a:endParaRPr lang="en-US" dirty="0"/>
           </a:p>
         </p:txBody>
       </p:sp>
@@ -884,7 +879,7 @@
           <a:p>
             <a:fld id="{0BF20BA8-12AF-476D-99B2-894C09A4EE62}" type="slidenum">
               <a:rPr lang="en-GB" smtClean="0"/>
-              <a:t>27</a:t>
+              <a:t>21</a:t>
             </a:fld>
             <a:endParaRPr lang="en-GB"/>
           </a:p>
@@ -893,7 +888,7 @@
     </p:spTree>
     <p:extLst>
       <p:ext uri="{BB962C8B-B14F-4D97-AF65-F5344CB8AC3E}">
-        <p14:creationId xmlns:p14="http://schemas.microsoft.com/office/powerpoint/2010/main" val="3224078169"/>
+        <p14:creationId xmlns:p14="http://schemas.microsoft.com/office/powerpoint/2010/main" val="167561999"/>
       </p:ext>
     </p:extLst>
   </p:cSld>
@@ -930,7 +925,12 @@
             <p:ph type="sldImg"/>
           </p:nvPr>
         </p:nvSpPr>
-        <p:spPr/>
+        <p:spPr>
+          <a:xfrm>
+            <a:off x="26988" y="744538"/>
+            <a:ext cx="6615112" cy="3722687"/>
+          </a:xfrm>
+        </p:spPr>
       </p:sp>
       <p:sp>
         <p:nvSpPr>
@@ -947,121 +947,7 @@
           <a:bodyPr/>
           <a:lstStyle/>
           <a:p>
-            <a:r>
-              <a:rPr lang="en-US" sz="1200" b="0" i="0" u="none" strike="noStrike" kern="1200" baseline="0" dirty="0">
-                <a:solidFill>
-                  <a:schemeClr val="tx1"/>
-                </a:solidFill>
-                <a:latin typeface="+mn-lt"/>
-                <a:ea typeface="+mn-ea"/>
-                <a:cs typeface="+mn-cs"/>
-              </a:rPr>
-              <a:t>C# is primarily a </a:t>
-            </a:r>
-            <a:r>
-              <a:rPr lang="en-US" sz="1200" b="0" i="1" u="none" strike="noStrike" kern="1200" baseline="0" dirty="0">
-                <a:solidFill>
-                  <a:schemeClr val="tx1"/>
-                </a:solidFill>
-                <a:latin typeface="+mn-lt"/>
-                <a:ea typeface="+mn-ea"/>
-                <a:cs typeface="+mn-cs"/>
-              </a:rPr>
-              <a:t>type-safe </a:t>
-            </a:r>
-            <a:r>
-              <a:rPr lang="en-US" sz="1200" b="0" i="0" u="none" strike="noStrike" kern="1200" baseline="0" dirty="0">
-                <a:solidFill>
-                  <a:schemeClr val="tx1"/>
-                </a:solidFill>
-                <a:latin typeface="+mn-lt"/>
-                <a:ea typeface="+mn-ea"/>
-                <a:cs typeface="+mn-cs"/>
-              </a:rPr>
-              <a:t>language: for instance, C# prevents you from interacting with a </a:t>
-            </a:r>
-            <a:r>
-              <a:rPr lang="en-US" sz="1200" b="0" i="1" u="none" strike="noStrike" kern="1200" baseline="0" dirty="0">
-                <a:solidFill>
-                  <a:schemeClr val="tx1"/>
-                </a:solidFill>
-                <a:latin typeface="+mn-lt"/>
-                <a:ea typeface="+mn-ea"/>
-                <a:cs typeface="+mn-cs"/>
-              </a:rPr>
-              <a:t>string </a:t>
-            </a:r>
-            <a:r>
-              <a:rPr lang="en-US" sz="1200" b="0" i="0" u="none" strike="noStrike" kern="1200" baseline="0" dirty="0">
-                <a:solidFill>
-                  <a:schemeClr val="tx1"/>
-                </a:solidFill>
-                <a:latin typeface="+mn-lt"/>
-                <a:ea typeface="+mn-ea"/>
-                <a:cs typeface="+mn-cs"/>
-              </a:rPr>
-              <a:t>type as though</a:t>
-            </a:r>
-          </a:p>
-          <a:p>
-            <a:r>
-              <a:rPr lang="en-US" sz="1200" b="0" i="0" u="none" strike="noStrike" kern="1200" baseline="0" dirty="0">
-                <a:solidFill>
-                  <a:schemeClr val="tx1"/>
-                </a:solidFill>
-                <a:latin typeface="+mn-lt"/>
-                <a:ea typeface="+mn-ea"/>
-                <a:cs typeface="+mn-cs"/>
-              </a:rPr>
-              <a:t>it were an </a:t>
-            </a:r>
-            <a:r>
-              <a:rPr lang="en-US" sz="1200" b="0" i="1" u="none" strike="noStrike" kern="1200" baseline="0" dirty="0">
-                <a:solidFill>
-                  <a:schemeClr val="tx1"/>
-                </a:solidFill>
-                <a:latin typeface="+mn-lt"/>
-                <a:ea typeface="+mn-ea"/>
-                <a:cs typeface="+mn-cs"/>
-              </a:rPr>
-              <a:t>integer </a:t>
-            </a:r>
-            <a:r>
-              <a:rPr lang="en-US" sz="1200" b="0" i="0" u="none" strike="noStrike" kern="1200" baseline="0" dirty="0">
-                <a:solidFill>
-                  <a:schemeClr val="tx1"/>
-                </a:solidFill>
-                <a:latin typeface="+mn-lt"/>
-                <a:ea typeface="+mn-ea"/>
-                <a:cs typeface="+mn-cs"/>
-              </a:rPr>
-              <a:t>type.</a:t>
-            </a:r>
-          </a:p>
-          <a:p>
-            <a:endParaRPr lang="en-US" sz="1200" b="0" i="0" u="none" strike="noStrike" kern="1200" baseline="0" dirty="0">
-              <a:solidFill>
-                <a:schemeClr val="tx1"/>
-              </a:solidFill>
-              <a:latin typeface="+mn-lt"/>
-              <a:ea typeface="+mn-ea"/>
-              <a:cs typeface="+mn-cs"/>
-            </a:endParaRPr>
-          </a:p>
-          <a:p>
-            <a:r>
-              <a:rPr lang="en-US" dirty="0"/>
-              <a:t>(and</a:t>
-            </a:r>
-            <a:r>
-              <a:rPr lang="en-US" b="1" dirty="0"/>
-              <a:t> strongly typed</a:t>
-            </a:r>
-            <a:r>
-              <a:rPr lang="en-US" i="1" dirty="0"/>
-              <a:t>) </a:t>
-            </a:r>
-            <a:endParaRPr lang="en-US" dirty="0"/>
+            <a:endParaRPr lang="en-GB" dirty="0"/>
           </a:p>
         </p:txBody>
       </p:sp>
@@ -1082,7 +968,7 @@
           <a:p>
             <a:fld id="{0BF20BA8-12AF-476D-99B2-894C09A4EE62}" type="slidenum">
               <a:rPr lang="en-GB" smtClean="0"/>
-              <a:t>35</a:t>
+              <a:t>33</a:t>
             </a:fld>
             <a:endParaRPr lang="en-GB"/>
           </a:p>
@@ -1091,7 +977,7 @@
     </p:spTree>
     <p:extLst>
       <p:ext uri="{BB962C8B-B14F-4D97-AF65-F5344CB8AC3E}">
-        <p14:creationId xmlns:p14="http://schemas.microsoft.com/office/powerpoint/2010/main" val="167561999"/>
+        <p14:creationId xmlns:p14="http://schemas.microsoft.com/office/powerpoint/2010/main" val="3224078169"/>
       </p:ext>
     </p:extLst>
   </p:cSld>
@@ -13347,6 +13233,1045 @@
       </p:grpSpPr>
       <p:sp>
         <p:nvSpPr>
+          <p:cNvPr id="5" name="Title 4"/>
+          <p:cNvSpPr>
+            <a:spLocks noGrp="1"/>
+          </p:cNvSpPr>
+          <p:nvPr>
+            <p:ph type="title"/>
+          </p:nvPr>
+        </p:nvSpPr>
+        <p:spPr/>
+        <p:txBody>
+          <a:bodyPr/>
+          <a:lstStyle/>
+          <a:p>
+            <a:r>
+              <a:rPr lang="en-US" dirty="0"/>
+              <a:t>HelloWorld (ASP .NET Core 2)</a:t>
+            </a:r>
+          </a:p>
+        </p:txBody>
+      </p:sp>
+    </p:spTree>
+    <p:extLst>
+      <p:ext uri="{BB962C8B-B14F-4D97-AF65-F5344CB8AC3E}">
+        <p14:creationId xmlns:p14="http://schemas.microsoft.com/office/powerpoint/2010/main" val="1186053194"/>
+      </p:ext>
+    </p:extLst>
+  </p:cSld>
+  <p:clrMapOvr>
+    <a:masterClrMapping/>
+  </p:clrMapOvr>
+  <mc:AlternateContent xmlns:mc="http://schemas.openxmlformats.org/markup-compatibility/2006" xmlns:p14="http://schemas.microsoft.com/office/powerpoint/2010/main">
+    <mc:Choice Requires="p14">
+      <p:transition spd="med" p14:dur="700" advClick="0" advTm="1500">
+        <p:fade/>
+      </p:transition>
+    </mc:Choice>
+    <mc:Fallback xmlns="">
+      <p:transition spd="med" advClick="0" advTm="1500">
+        <p:fade/>
+      </p:transition>
+    </mc:Fallback>
+  </mc:AlternateContent>
+</p:sld>
+</file>
+
+<file path=ppt/slides/slide17.xml><?xml version="1.0" encoding="utf-8"?>
+<p:sld xmlns:a="http://schemas.openxmlformats.org/drawingml/2006/main" xmlns:r="http://schemas.openxmlformats.org/officeDocument/2006/relationships" xmlns:p="http://schemas.openxmlformats.org/presentationml/2006/main">
+  <p:cSld>
+    <p:spTree>
+      <p:nvGrpSpPr>
+        <p:cNvPr id="1" name=""/>
+        <p:cNvGrpSpPr/>
+        <p:nvPr/>
+      </p:nvGrpSpPr>
+      <p:grpSpPr>
+        <a:xfrm>
+          <a:off x="0" y="0"/>
+          <a:ext cx="0" cy="0"/>
+          <a:chOff x="0" y="0"/>
+          <a:chExt cx="0" cy="0"/>
+        </a:xfrm>
+      </p:grpSpPr>
+      <p:sp>
+        <p:nvSpPr>
+          <p:cNvPr id="3" name="Title 2"/>
+          <p:cNvSpPr>
+            <a:spLocks noGrp="1"/>
+          </p:cNvSpPr>
+          <p:nvPr>
+            <p:ph type="title"/>
+          </p:nvPr>
+        </p:nvSpPr>
+        <p:spPr/>
+        <p:txBody>
+          <a:bodyPr/>
+          <a:lstStyle/>
+          <a:p>
+            <a:r>
+              <a:rPr lang="en-US" dirty="0"/>
+              <a:t>First application</a:t>
+            </a:r>
+          </a:p>
+        </p:txBody>
+      </p:sp>
+      <p:sp>
+        <p:nvSpPr>
+          <p:cNvPr id="6" name="Text Placeholder 5"/>
+          <p:cNvSpPr>
+            <a:spLocks noGrp="1"/>
+          </p:cNvSpPr>
+          <p:nvPr>
+            <p:ph type="body" sz="quarter" idx="10"/>
+          </p:nvPr>
+        </p:nvSpPr>
+        <p:spPr/>
+        <p:txBody>
+          <a:bodyPr/>
+          <a:lstStyle/>
+          <a:p>
+            <a:r>
+              <a:rPr lang="en-US" dirty="0"/>
+              <a:t>Installing Visual Studio 2017</a:t>
+            </a:r>
+          </a:p>
+        </p:txBody>
+      </p:sp>
+      <p:sp>
+        <p:nvSpPr>
+          <p:cNvPr id="8" name="Content Placeholder 7"/>
+          <p:cNvSpPr>
+            <a:spLocks noGrp="1"/>
+          </p:cNvSpPr>
+          <p:nvPr>
+            <p:ph idx="1"/>
+          </p:nvPr>
+        </p:nvSpPr>
+        <p:spPr/>
+        <p:txBody>
+          <a:bodyPr/>
+          <a:lstStyle/>
+          <a:p>
+            <a:pPr marL="342900" indent="-342900" algn="just">
+              <a:buFont typeface="Wingdings" panose="05000000000000000000" pitchFamily="2" charset="2"/>
+              <a:buChar char="§"/>
+            </a:pPr>
+            <a:r>
+              <a:rPr lang="en-US" dirty="0"/>
+              <a:t>Visual Studio 2017 is available in </a:t>
+            </a:r>
+            <a:r>
+              <a:rPr lang="en-US" b="1" dirty="0"/>
+              <a:t>Community</a:t>
+            </a:r>
+            <a:r>
+              <a:rPr lang="en-US" dirty="0"/>
+              <a:t>, </a:t>
+            </a:r>
+            <a:r>
+              <a:rPr lang="en-US" b="1" dirty="0"/>
+              <a:t>Professional</a:t>
+            </a:r>
+            <a:r>
+              <a:rPr lang="en-US" dirty="0"/>
+              <a:t> and </a:t>
+            </a:r>
+            <a:r>
+              <a:rPr lang="en-US" b="1" dirty="0"/>
+              <a:t>Enterprise</a:t>
+            </a:r>
+            <a:r>
+              <a:rPr lang="en-US" dirty="0"/>
+              <a:t> editions.</a:t>
+            </a:r>
+          </a:p>
+          <a:p>
+            <a:pPr marL="342900" indent="-342900" algn="just">
+              <a:buFont typeface="Wingdings" panose="05000000000000000000" pitchFamily="2" charset="2"/>
+              <a:buChar char="§"/>
+            </a:pPr>
+            <a:endParaRPr lang="en-US" dirty="0"/>
+          </a:p>
+          <a:p>
+            <a:pPr marL="342900" indent="-342900" algn="just">
+              <a:buFont typeface="Wingdings" panose="05000000000000000000" pitchFamily="2" charset="2"/>
+              <a:buChar char="§"/>
+            </a:pPr>
+            <a:r>
+              <a:rPr lang="en-US" b="1" dirty="0"/>
+              <a:t>Community</a:t>
+            </a:r>
+            <a:r>
+              <a:rPr lang="en-US" dirty="0"/>
+              <a:t> is available for free and has all of the features required for day-to-day development. Download and run the installer from </a:t>
+            </a:r>
+            <a:r>
+              <a:rPr lang="en-US" dirty="0">
+                <a:hlinkClick r:id="rId2"/>
+              </a:rPr>
+              <a:t>www.visualstudio.com</a:t>
+            </a:r>
+            <a:endParaRPr lang="en-US" dirty="0"/>
+          </a:p>
+          <a:p>
+            <a:pPr marL="342900" indent="-342900" algn="just">
+              <a:buFont typeface="Wingdings" panose="05000000000000000000" pitchFamily="2" charset="2"/>
+              <a:buChar char="§"/>
+            </a:pPr>
+            <a:endParaRPr lang="en-US" dirty="0"/>
+          </a:p>
+          <a:p>
+            <a:pPr marL="342900" indent="-342900" algn="just">
+              <a:buFont typeface="Wingdings" panose="05000000000000000000" pitchFamily="2" charset="2"/>
+              <a:buChar char="§"/>
+            </a:pPr>
+            <a:r>
+              <a:rPr lang="en-US" b="1" dirty="0"/>
+              <a:t>Professional </a:t>
+            </a:r>
+            <a:r>
+              <a:rPr lang="en-US" dirty="0"/>
+              <a:t>is available through </a:t>
+            </a:r>
+            <a:r>
+              <a:rPr lang="en-US" dirty="0">
+                <a:hlinkClick r:id="rId3"/>
+              </a:rPr>
+              <a:t>microsoft.ase.ro </a:t>
+            </a:r>
+            <a:endParaRPr lang="en-US" dirty="0"/>
+          </a:p>
+          <a:p>
+            <a:pPr marL="342900" indent="-342900" algn="just">
+              <a:buFont typeface="Wingdings" panose="05000000000000000000" pitchFamily="2" charset="2"/>
+              <a:buChar char="§"/>
+            </a:pPr>
+            <a:endParaRPr lang="en-US" dirty="0"/>
+          </a:p>
+          <a:p>
+            <a:pPr marL="342900" indent="-342900" algn="just">
+              <a:buFont typeface="Wingdings" panose="05000000000000000000" pitchFamily="2" charset="2"/>
+              <a:buChar char="§"/>
+            </a:pPr>
+            <a:r>
+              <a:rPr lang="en-US" dirty="0"/>
+              <a:t>During setup make sure that you select the .NET Core Cross-Platform Development workload.</a:t>
+            </a:r>
+          </a:p>
+        </p:txBody>
+      </p:sp>
+    </p:spTree>
+    <p:extLst>
+      <p:ext uri="{BB962C8B-B14F-4D97-AF65-F5344CB8AC3E}">
+        <p14:creationId xmlns:p14="http://schemas.microsoft.com/office/powerpoint/2010/main" val="1338512398"/>
+      </p:ext>
+    </p:extLst>
+  </p:cSld>
+  <p:clrMapOvr>
+    <a:masterClrMapping/>
+  </p:clrMapOvr>
+  <mc:AlternateContent xmlns:mc="http://schemas.openxmlformats.org/markup-compatibility/2006" xmlns:p14="http://schemas.microsoft.com/office/powerpoint/2010/main">
+    <mc:Choice Requires="p14">
+      <p:transition spd="med" p14:dur="700">
+        <p:fade/>
+      </p:transition>
+    </mc:Choice>
+    <mc:Fallback xmlns="">
+      <p:transition spd="med">
+        <p:fade/>
+      </p:transition>
+    </mc:Fallback>
+  </mc:AlternateContent>
+</p:sld>
+</file>
+
+<file path=ppt/slides/slide18.xml><?xml version="1.0" encoding="utf-8"?>
+<p:sld xmlns:a="http://schemas.openxmlformats.org/drawingml/2006/main" xmlns:r="http://schemas.openxmlformats.org/officeDocument/2006/relationships" xmlns:p="http://schemas.openxmlformats.org/presentationml/2006/main">
+  <p:cSld>
+    <p:spTree>
+      <p:nvGrpSpPr>
+        <p:cNvPr id="1" name=""/>
+        <p:cNvGrpSpPr/>
+        <p:nvPr/>
+      </p:nvGrpSpPr>
+      <p:grpSpPr>
+        <a:xfrm>
+          <a:off x="0" y="0"/>
+          <a:ext cx="0" cy="0"/>
+          <a:chOff x="0" y="0"/>
+          <a:chExt cx="0" cy="0"/>
+        </a:xfrm>
+      </p:grpSpPr>
+      <p:sp>
+        <p:nvSpPr>
+          <p:cNvPr id="3" name="Title 2"/>
+          <p:cNvSpPr>
+            <a:spLocks noGrp="1"/>
+          </p:cNvSpPr>
+          <p:nvPr>
+            <p:ph type="title"/>
+          </p:nvPr>
+        </p:nvSpPr>
+        <p:spPr/>
+        <p:txBody>
+          <a:bodyPr/>
+          <a:lstStyle/>
+          <a:p>
+            <a:r>
+              <a:rPr lang="en-US" dirty="0"/>
+              <a:t>First application</a:t>
+            </a:r>
+          </a:p>
+        </p:txBody>
+      </p:sp>
+      <p:pic>
+        <p:nvPicPr>
+          <p:cNvPr id="5" name="Content Placeholder 4"/>
+          <p:cNvPicPr>
+            <a:picLocks noGrp="1" noChangeAspect="1"/>
+          </p:cNvPicPr>
+          <p:nvPr>
+            <p:ph idx="1"/>
+          </p:nvPr>
+        </p:nvPicPr>
+        <p:blipFill>
+          <a:blip r:embed="rId2"/>
+          <a:stretch>
+            <a:fillRect/>
+          </a:stretch>
+        </p:blipFill>
+        <p:spPr>
+          <a:xfrm>
+            <a:off x="2975334" y="1341438"/>
+            <a:ext cx="6412782" cy="4813300"/>
+          </a:xfrm>
+          <a:prstGeom prst="rect">
+            <a:avLst/>
+          </a:prstGeom>
+        </p:spPr>
+      </p:pic>
+      <p:sp>
+        <p:nvSpPr>
+          <p:cNvPr id="6" name="Text Placeholder 5"/>
+          <p:cNvSpPr>
+            <a:spLocks noGrp="1"/>
+          </p:cNvSpPr>
+          <p:nvPr>
+            <p:ph type="body" sz="quarter" idx="10"/>
+          </p:nvPr>
+        </p:nvSpPr>
+        <p:spPr/>
+        <p:txBody>
+          <a:bodyPr/>
+          <a:lstStyle/>
+          <a:p>
+            <a:r>
+              <a:rPr lang="en-US" dirty="0"/>
+              <a:t>Installing Visual Studio 2017</a:t>
+            </a:r>
+          </a:p>
+        </p:txBody>
+      </p:sp>
+    </p:spTree>
+    <p:extLst>
+      <p:ext uri="{BB962C8B-B14F-4D97-AF65-F5344CB8AC3E}">
+        <p14:creationId xmlns:p14="http://schemas.microsoft.com/office/powerpoint/2010/main" val="174849330"/>
+      </p:ext>
+    </p:extLst>
+  </p:cSld>
+  <p:clrMapOvr>
+    <a:masterClrMapping/>
+  </p:clrMapOvr>
+  <mc:AlternateContent xmlns:mc="http://schemas.openxmlformats.org/markup-compatibility/2006" xmlns:p14="http://schemas.microsoft.com/office/powerpoint/2010/main">
+    <mc:Choice Requires="p14">
+      <p:transition spd="med" p14:dur="700">
+        <p:fade/>
+      </p:transition>
+    </mc:Choice>
+    <mc:Fallback xmlns="">
+      <p:transition spd="med">
+        <p:fade/>
+      </p:transition>
+    </mc:Fallback>
+  </mc:AlternateContent>
+</p:sld>
+</file>
+
+<file path=ppt/slides/slide19.xml><?xml version="1.0" encoding="utf-8"?>
+<p:sld xmlns:a="http://schemas.openxmlformats.org/drawingml/2006/main" xmlns:r="http://schemas.openxmlformats.org/officeDocument/2006/relationships" xmlns:p="http://schemas.openxmlformats.org/presentationml/2006/main">
+  <p:cSld>
+    <p:spTree>
+      <p:nvGrpSpPr>
+        <p:cNvPr id="1" name=""/>
+        <p:cNvGrpSpPr/>
+        <p:nvPr/>
+      </p:nvGrpSpPr>
+      <p:grpSpPr>
+        <a:xfrm>
+          <a:off x="0" y="0"/>
+          <a:ext cx="0" cy="0"/>
+          <a:chOff x="0" y="0"/>
+          <a:chExt cx="0" cy="0"/>
+        </a:xfrm>
+      </p:grpSpPr>
+      <p:sp>
+        <p:nvSpPr>
+          <p:cNvPr id="7" name="Title 6"/>
+          <p:cNvSpPr>
+            <a:spLocks noGrp="1"/>
+          </p:cNvSpPr>
+          <p:nvPr>
+            <p:ph type="title"/>
+          </p:nvPr>
+        </p:nvSpPr>
+        <p:spPr/>
+        <p:txBody>
+          <a:bodyPr/>
+          <a:lstStyle/>
+          <a:p>
+            <a:r>
+              <a:rPr lang="en-US" dirty="0"/>
+              <a:t>First application</a:t>
+            </a:r>
+          </a:p>
+        </p:txBody>
+      </p:sp>
+      <p:pic>
+        <p:nvPicPr>
+          <p:cNvPr id="5" name="Content Placeholder 4">
+            <a:extLst>
+              <a:ext uri="{FF2B5EF4-FFF2-40B4-BE49-F238E27FC236}">
+                <a16:creationId xmlns:a16="http://schemas.microsoft.com/office/drawing/2014/main" id="{A5722852-C2D1-4CE2-B5EF-339259275B01}"/>
+              </a:ext>
+            </a:extLst>
+          </p:cNvPr>
+          <p:cNvPicPr>
+            <a:picLocks noGrp="1" noChangeAspect="1"/>
+          </p:cNvPicPr>
+          <p:nvPr>
+            <p:ph idx="1"/>
+          </p:nvPr>
+        </p:nvPicPr>
+        <p:blipFill>
+          <a:blip r:embed="rId2"/>
+          <a:stretch>
+            <a:fillRect/>
+          </a:stretch>
+        </p:blipFill>
+        <p:spPr>
+          <a:xfrm>
+            <a:off x="1851596" y="1341438"/>
+            <a:ext cx="8660258" cy="4813300"/>
+          </a:xfrm>
+          <a:prstGeom prst="rect">
+            <a:avLst/>
+          </a:prstGeom>
+        </p:spPr>
+      </p:pic>
+      <p:sp>
+        <p:nvSpPr>
+          <p:cNvPr id="8" name="Text Placeholder 7">
+            <a:extLst>
+              <a:ext uri="{FF2B5EF4-FFF2-40B4-BE49-F238E27FC236}">
+                <a16:creationId xmlns:a16="http://schemas.microsoft.com/office/drawing/2014/main" id="{8F91BDAB-721A-4443-9A64-4BF1FFBFF5D2}"/>
+              </a:ext>
+            </a:extLst>
+          </p:cNvPr>
+          <p:cNvSpPr>
+            <a:spLocks noGrp="1"/>
+          </p:cNvSpPr>
+          <p:nvPr>
+            <p:ph type="body" sz="quarter" idx="10"/>
+          </p:nvPr>
+        </p:nvSpPr>
+        <p:spPr/>
+        <p:txBody>
+          <a:bodyPr/>
+          <a:lstStyle/>
+          <a:p>
+            <a:r>
+              <a:rPr lang="en-US" dirty="0"/>
+              <a:t>New Project</a:t>
+            </a:r>
+          </a:p>
+        </p:txBody>
+      </p:sp>
+    </p:spTree>
+    <p:extLst>
+      <p:ext uri="{BB962C8B-B14F-4D97-AF65-F5344CB8AC3E}">
+        <p14:creationId xmlns:p14="http://schemas.microsoft.com/office/powerpoint/2010/main" val="3930858162"/>
+      </p:ext>
+    </p:extLst>
+  </p:cSld>
+  <p:clrMapOvr>
+    <a:masterClrMapping/>
+  </p:clrMapOvr>
+  <mc:AlternateContent xmlns:mc="http://schemas.openxmlformats.org/markup-compatibility/2006" xmlns:p14="http://schemas.microsoft.com/office/powerpoint/2010/main">
+    <mc:Choice Requires="p14">
+      <p:transition spd="med" p14:dur="700">
+        <p:fade/>
+      </p:transition>
+    </mc:Choice>
+    <mc:Fallback xmlns="">
+      <p:transition spd="med">
+        <p:fade/>
+      </p:transition>
+    </mc:Fallback>
+  </mc:AlternateContent>
+</p:sld>
+</file>
+
+<file path=ppt/slides/slide2.xml><?xml version="1.0" encoding="utf-8"?>
+<p:sld xmlns:a="http://schemas.openxmlformats.org/drawingml/2006/main" xmlns:r="http://schemas.openxmlformats.org/officeDocument/2006/relationships" xmlns:p="http://schemas.openxmlformats.org/presentationml/2006/main">
+  <p:cSld>
+    <p:spTree>
+      <p:nvGrpSpPr>
+        <p:cNvPr id="1" name=""/>
+        <p:cNvGrpSpPr/>
+        <p:nvPr/>
+      </p:nvGrpSpPr>
+      <p:grpSpPr>
+        <a:xfrm>
+          <a:off x="0" y="0"/>
+          <a:ext cx="0" cy="0"/>
+          <a:chOff x="0" y="0"/>
+          <a:chExt cx="0" cy="0"/>
+        </a:xfrm>
+      </p:grpSpPr>
+      <p:sp>
+        <p:nvSpPr>
+          <p:cNvPr id="4" name="Title 3"/>
+          <p:cNvSpPr>
+            <a:spLocks noGrp="1"/>
+          </p:cNvSpPr>
+          <p:nvPr>
+            <p:ph type="title"/>
+          </p:nvPr>
+        </p:nvSpPr>
+        <p:spPr/>
+        <p:txBody>
+          <a:bodyPr/>
+          <a:lstStyle/>
+          <a:p>
+            <a:r>
+              <a:rPr lang="en-US" dirty="0"/>
+              <a:t>ASP.NET MVC Core, C# Language</a:t>
+            </a:r>
+          </a:p>
+        </p:txBody>
+      </p:sp>
+      <p:sp>
+        <p:nvSpPr>
+          <p:cNvPr id="5" name="Content Placeholder 4"/>
+          <p:cNvSpPr>
+            <a:spLocks noGrp="1"/>
+          </p:cNvSpPr>
+          <p:nvPr>
+            <p:ph idx="1"/>
+          </p:nvPr>
+        </p:nvSpPr>
+        <p:spPr/>
+        <p:txBody>
+          <a:bodyPr/>
+          <a:lstStyle/>
+          <a:p>
+            <a:endParaRPr lang="en-US" b="1" dirty="0"/>
+          </a:p>
+          <a:p>
+            <a:endParaRPr lang="en-US" b="1" dirty="0"/>
+          </a:p>
+          <a:p>
+            <a:endParaRPr lang="en-US" b="1" dirty="0"/>
+          </a:p>
+          <a:p>
+            <a:endParaRPr lang="en-US" b="1" dirty="0"/>
+          </a:p>
+          <a:p>
+            <a:endParaRPr lang="en-US" b="1" dirty="0"/>
+          </a:p>
+          <a:p>
+            <a:endParaRPr lang="en-US" b="1" dirty="0"/>
+          </a:p>
+          <a:p>
+            <a:endParaRPr lang="en-US" b="1" dirty="0"/>
+          </a:p>
+          <a:p>
+            <a:endParaRPr lang="en-US" b="1" dirty="0"/>
+          </a:p>
+          <a:p>
+            <a:endParaRPr lang="en-US" b="1" dirty="0"/>
+          </a:p>
+          <a:p>
+            <a:pPr marL="342900" indent="-342900">
+              <a:buFont typeface="Arial" panose="020B0604020202020204" pitchFamily="34" charset="0"/>
+              <a:buChar char="•"/>
+            </a:pPr>
+            <a:r>
+              <a:rPr lang="en-US" b="1" dirty="0"/>
+              <a:t>url:</a:t>
+            </a:r>
+            <a:r>
+              <a:rPr lang="en-US" dirty="0"/>
+              <a:t> </a:t>
+            </a:r>
+            <a:r>
+              <a:rPr lang="en-US" dirty="0">
+                <a:hlinkClick r:id="rId2"/>
+              </a:rPr>
+              <a:t>https://docs.microsoft.com/en-us/aspnet/</a:t>
+            </a:r>
+            <a:r>
+              <a:rPr lang="en-US" dirty="0"/>
+              <a:t> </a:t>
+            </a:r>
+          </a:p>
+        </p:txBody>
+      </p:sp>
+      <p:sp>
+        <p:nvSpPr>
+          <p:cNvPr id="8" name="TextBox 7"/>
+          <p:cNvSpPr txBox="1"/>
+          <p:nvPr/>
+        </p:nvSpPr>
+        <p:spPr>
+          <a:xfrm>
+            <a:off x="8328248" y="2587261"/>
+            <a:ext cx="1242648" cy="1323439"/>
+          </a:xfrm>
+          <a:prstGeom prst="rect">
+            <a:avLst/>
+          </a:prstGeom>
+          <a:noFill/>
+        </p:spPr>
+        <p:txBody>
+          <a:bodyPr wrap="none" rtlCol="0">
+            <a:spAutoFit/>
+          </a:bodyPr>
+          <a:lstStyle/>
+          <a:p>
+            <a:r>
+              <a:rPr lang="en-US" sz="8000" dirty="0"/>
+              <a:t>C#</a:t>
+            </a:r>
+          </a:p>
+        </p:txBody>
+      </p:sp>
+      <p:pic>
+        <p:nvPicPr>
+          <p:cNvPr id="9" name="Graphic 8"/>
+          <p:cNvPicPr>
+            <a:picLocks noChangeAspect="1"/>
+          </p:cNvPicPr>
+          <p:nvPr/>
+        </p:nvPicPr>
+        <p:blipFill>
+          <a:blip r:embed="rId3">
+            <a:extLst>
+              <a:ext uri="{96DAC541-7B7A-43D3-8B79-37D633B846F1}">
+                <asvg:svgBlip xmlns:asvg="http://schemas.microsoft.com/office/drawing/2016/SVG/main" r:embed="rId4"/>
+              </a:ext>
+            </a:extLst>
+          </a:blip>
+          <a:stretch>
+            <a:fillRect/>
+          </a:stretch>
+        </p:blipFill>
+        <p:spPr>
+          <a:xfrm>
+            <a:off x="2783632" y="2132856"/>
+            <a:ext cx="2232248" cy="2232248"/>
+          </a:xfrm>
+          <a:prstGeom prst="rect">
+            <a:avLst/>
+          </a:prstGeom>
+        </p:spPr>
+      </p:pic>
+    </p:spTree>
+    <p:extLst>
+      <p:ext uri="{BB962C8B-B14F-4D97-AF65-F5344CB8AC3E}">
+        <p14:creationId xmlns:p14="http://schemas.microsoft.com/office/powerpoint/2010/main" val="863801140"/>
+      </p:ext>
+    </p:extLst>
+  </p:cSld>
+  <p:clrMapOvr>
+    <a:masterClrMapping/>
+  </p:clrMapOvr>
+  <mc:AlternateContent xmlns:mc="http://schemas.openxmlformats.org/markup-compatibility/2006" xmlns:p14="http://schemas.microsoft.com/office/powerpoint/2010/main">
+    <mc:Choice Requires="p14">
+      <p:transition spd="med" p14:dur="700">
+        <p:fade/>
+      </p:transition>
+    </mc:Choice>
+    <mc:Fallback xmlns="">
+      <p:transition spd="med">
+        <p:fade/>
+      </p:transition>
+    </mc:Fallback>
+  </mc:AlternateContent>
+</p:sld>
+</file>
+
+<file path=ppt/slides/slide20.xml><?xml version="1.0" encoding="utf-8"?>
+<p:sld xmlns:a="http://schemas.openxmlformats.org/drawingml/2006/main" xmlns:r="http://schemas.openxmlformats.org/officeDocument/2006/relationships" xmlns:p="http://schemas.openxmlformats.org/presentationml/2006/main">
+  <p:cSld>
+    <p:spTree>
+      <p:nvGrpSpPr>
+        <p:cNvPr id="1" name=""/>
+        <p:cNvGrpSpPr/>
+        <p:nvPr/>
+      </p:nvGrpSpPr>
+      <p:grpSpPr>
+        <a:xfrm>
+          <a:off x="0" y="0"/>
+          <a:ext cx="0" cy="0"/>
+          <a:chOff x="0" y="0"/>
+          <a:chExt cx="0" cy="0"/>
+        </a:xfrm>
+      </p:grpSpPr>
+      <p:sp>
+        <p:nvSpPr>
+          <p:cNvPr id="6" name="Title 5"/>
+          <p:cNvSpPr>
+            <a:spLocks noGrp="1"/>
+          </p:cNvSpPr>
+          <p:nvPr>
+            <p:ph type="title"/>
+          </p:nvPr>
+        </p:nvSpPr>
+        <p:spPr/>
+        <p:txBody>
+          <a:bodyPr/>
+          <a:lstStyle/>
+          <a:p>
+            <a:r>
+              <a:rPr lang="en-US" dirty="0"/>
+              <a:t>First application</a:t>
+            </a:r>
+          </a:p>
+        </p:txBody>
+      </p:sp>
+      <p:pic>
+        <p:nvPicPr>
+          <p:cNvPr id="4" name="Content Placeholder 3">
+            <a:extLst>
+              <a:ext uri="{FF2B5EF4-FFF2-40B4-BE49-F238E27FC236}">
+                <a16:creationId xmlns:a16="http://schemas.microsoft.com/office/drawing/2014/main" id="{04FFA0AA-1975-4859-9275-0CAE3AB393B0}"/>
+              </a:ext>
+            </a:extLst>
+          </p:cNvPr>
+          <p:cNvPicPr>
+            <a:picLocks noGrp="1" noChangeAspect="1"/>
+          </p:cNvPicPr>
+          <p:nvPr>
+            <p:ph idx="1"/>
+          </p:nvPr>
+        </p:nvPicPr>
+        <p:blipFill>
+          <a:blip r:embed="rId2"/>
+          <a:stretch>
+            <a:fillRect/>
+          </a:stretch>
+        </p:blipFill>
+        <p:spPr>
+          <a:xfrm>
+            <a:off x="2761062" y="1341438"/>
+            <a:ext cx="6841326" cy="4813300"/>
+          </a:xfrm>
+          <a:prstGeom prst="rect">
+            <a:avLst/>
+          </a:prstGeom>
+        </p:spPr>
+      </p:pic>
+      <p:sp>
+        <p:nvSpPr>
+          <p:cNvPr id="7" name="Text Placeholder 6">
+            <a:extLst>
+              <a:ext uri="{FF2B5EF4-FFF2-40B4-BE49-F238E27FC236}">
+                <a16:creationId xmlns:a16="http://schemas.microsoft.com/office/drawing/2014/main" id="{C1844C5D-75FD-46A8-8ECC-44E6666C22B1}"/>
+              </a:ext>
+            </a:extLst>
+          </p:cNvPr>
+          <p:cNvSpPr>
+            <a:spLocks noGrp="1"/>
+          </p:cNvSpPr>
+          <p:nvPr>
+            <p:ph type="body" sz="quarter" idx="10"/>
+          </p:nvPr>
+        </p:nvSpPr>
+        <p:spPr/>
+        <p:txBody>
+          <a:bodyPr/>
+          <a:lstStyle/>
+          <a:p>
+            <a:r>
+              <a:rPr lang="en-US" dirty="0"/>
+              <a:t>Selecting the project template</a:t>
+            </a:r>
+          </a:p>
+        </p:txBody>
+      </p:sp>
+    </p:spTree>
+    <p:extLst>
+      <p:ext uri="{BB962C8B-B14F-4D97-AF65-F5344CB8AC3E}">
+        <p14:creationId xmlns:p14="http://schemas.microsoft.com/office/powerpoint/2010/main" val="890533521"/>
+      </p:ext>
+    </p:extLst>
+  </p:cSld>
+  <p:clrMapOvr>
+    <a:masterClrMapping/>
+  </p:clrMapOvr>
+  <mc:AlternateContent xmlns:mc="http://schemas.openxmlformats.org/markup-compatibility/2006" xmlns:p14="http://schemas.microsoft.com/office/powerpoint/2010/main">
+    <mc:Choice Requires="p14">
+      <p:transition spd="med" p14:dur="700">
+        <p:fade/>
+      </p:transition>
+    </mc:Choice>
+    <mc:Fallback xmlns="">
+      <p:transition spd="med">
+        <p:fade/>
+      </p:transition>
+    </mc:Fallback>
+  </mc:AlternateContent>
+</p:sld>
+</file>
+
+<file path=ppt/slides/slide21.xml><?xml version="1.0" encoding="utf-8"?>
+<p:sld xmlns:a="http://schemas.openxmlformats.org/drawingml/2006/main" xmlns:r="http://schemas.openxmlformats.org/officeDocument/2006/relationships" xmlns:p="http://schemas.openxmlformats.org/presentationml/2006/main">
+  <p:cSld>
+    <p:spTree>
+      <p:nvGrpSpPr>
+        <p:cNvPr id="1" name=""/>
+        <p:cNvGrpSpPr/>
+        <p:nvPr/>
+      </p:nvGrpSpPr>
+      <p:grpSpPr>
+        <a:xfrm>
+          <a:off x="0" y="0"/>
+          <a:ext cx="0" cy="0"/>
+          <a:chOff x="0" y="0"/>
+          <a:chExt cx="0" cy="0"/>
+        </a:xfrm>
+      </p:grpSpPr>
+      <p:sp>
+        <p:nvSpPr>
+          <p:cNvPr id="2" name="Title 1"/>
+          <p:cNvSpPr>
+            <a:spLocks noGrp="1"/>
+          </p:cNvSpPr>
+          <p:nvPr>
+            <p:ph type="title"/>
+          </p:nvPr>
+        </p:nvSpPr>
+        <p:spPr/>
+        <p:txBody>
+          <a:bodyPr/>
+          <a:lstStyle/>
+          <a:p>
+            <a:r>
+              <a:rPr lang="en-US" dirty="0"/>
+              <a:t>First application</a:t>
+            </a:r>
+          </a:p>
+        </p:txBody>
+      </p:sp>
+      <p:sp>
+        <p:nvSpPr>
+          <p:cNvPr id="3" name="Content Placeholder 2"/>
+          <p:cNvSpPr>
+            <a:spLocks noGrp="1"/>
+          </p:cNvSpPr>
+          <p:nvPr>
+            <p:ph idx="1"/>
+          </p:nvPr>
+        </p:nvSpPr>
+        <p:spPr/>
+        <p:txBody>
+          <a:bodyPr/>
+          <a:lstStyle/>
+          <a:p>
+            <a:pPr marL="342900" indent="-342900" algn="just">
+              <a:buFont typeface="Wingdings" panose="05000000000000000000" pitchFamily="2" charset="2"/>
+              <a:buChar char="§"/>
+            </a:pPr>
+            <a:endParaRPr lang="en-US" dirty="0"/>
+          </a:p>
+          <a:p>
+            <a:pPr marL="342900" indent="-342900" algn="just">
+              <a:buFont typeface="Wingdings" panose="05000000000000000000" pitchFamily="2" charset="2"/>
+              <a:buChar char="§"/>
+            </a:pPr>
+            <a:r>
+              <a:rPr lang="en-US" dirty="0"/>
+              <a:t>C# (pronounced "C sharp") is a general-purpose, </a:t>
+            </a:r>
+            <a:r>
+              <a:rPr lang="en-US" b="1" dirty="0"/>
+              <a:t>strongly typed</a:t>
+            </a:r>
+            <a:r>
+              <a:rPr lang="en-US" dirty="0"/>
+              <a:t>, </a:t>
+            </a:r>
+            <a:r>
+              <a:rPr lang="en-US" b="1" dirty="0"/>
+              <a:t>type-safe </a:t>
+            </a:r>
+            <a:r>
+              <a:rPr lang="en-US" dirty="0"/>
+              <a:t>language, </a:t>
+            </a:r>
+            <a:r>
+              <a:rPr lang="en-US" b="1" dirty="0"/>
+              <a:t>object-oriented</a:t>
+            </a:r>
+            <a:r>
+              <a:rPr lang="en-US" dirty="0"/>
+              <a:t> programming language, designed for building a variety of applications</a:t>
+            </a:r>
+          </a:p>
+          <a:p>
+            <a:pPr marL="342900" indent="-342900" algn="just">
+              <a:buFont typeface="Wingdings" panose="05000000000000000000" pitchFamily="2" charset="2"/>
+              <a:buChar char="§"/>
+            </a:pPr>
+            <a:endParaRPr lang="en-US" dirty="0"/>
+          </a:p>
+          <a:p>
+            <a:pPr marL="342900" indent="-342900" algn="just">
+              <a:buFont typeface="Wingdings" panose="05000000000000000000" pitchFamily="2" charset="2"/>
+              <a:buChar char="§"/>
+            </a:pPr>
+            <a:r>
+              <a:rPr lang="en-US" dirty="0"/>
+              <a:t>Focused on developer </a:t>
+            </a:r>
+            <a:r>
+              <a:rPr lang="en-US" b="1" dirty="0"/>
+              <a:t>productivity</a:t>
+            </a:r>
+            <a:r>
+              <a:rPr lang="en-US" dirty="0"/>
+              <a:t>. </a:t>
+            </a:r>
+          </a:p>
+          <a:p>
+            <a:pPr marL="342900" indent="-342900" algn="just">
+              <a:buFont typeface="Wingdings" panose="05000000000000000000" pitchFamily="2" charset="2"/>
+              <a:buChar char="§"/>
+            </a:pPr>
+            <a:endParaRPr lang="en-US" dirty="0"/>
+          </a:p>
+          <a:p>
+            <a:pPr marL="342900" indent="-342900" algn="just">
+              <a:buFont typeface="Wingdings" panose="05000000000000000000" pitchFamily="2" charset="2"/>
+              <a:buChar char="§"/>
+            </a:pPr>
+            <a:r>
+              <a:rPr lang="en-US" dirty="0"/>
+              <a:t>C# syntax is based on the C &amp; C++ syntax.</a:t>
+            </a:r>
+          </a:p>
+          <a:p>
+            <a:pPr algn="just"/>
+            <a:endParaRPr lang="en-US" dirty="0"/>
+          </a:p>
+          <a:p>
+            <a:pPr marL="342900" indent="-342900" algn="just">
+              <a:buFont typeface="Wingdings" panose="05000000000000000000" pitchFamily="2" charset="2"/>
+              <a:buChar char="§"/>
+            </a:pPr>
+            <a:r>
+              <a:rPr lang="en-US" dirty="0"/>
+              <a:t>Platform-neutral, but it was written to work well with the Microsoft .NET Framework.</a:t>
+            </a:r>
+          </a:p>
+          <a:p>
+            <a:pPr marL="342900" indent="-342900" algn="just">
+              <a:buFont typeface="Wingdings" panose="05000000000000000000" pitchFamily="2" charset="2"/>
+              <a:buChar char="§"/>
+            </a:pPr>
+            <a:endParaRPr lang="en-US" dirty="0"/>
+          </a:p>
+          <a:p>
+            <a:pPr marL="342900" indent="-342900" algn="just">
+              <a:buFont typeface="Wingdings" panose="05000000000000000000" pitchFamily="2" charset="2"/>
+              <a:buChar char="§"/>
+            </a:pPr>
+            <a:endParaRPr lang="en-US" dirty="0"/>
+          </a:p>
+          <a:p>
+            <a:endParaRPr lang="en-US" dirty="0"/>
+          </a:p>
+        </p:txBody>
+      </p:sp>
+      <p:sp>
+        <p:nvSpPr>
+          <p:cNvPr id="4" name="Text Placeholder 3"/>
+          <p:cNvSpPr>
+            <a:spLocks noGrp="1"/>
+          </p:cNvSpPr>
+          <p:nvPr>
+            <p:ph type="body" sz="quarter" idx="10"/>
+          </p:nvPr>
+        </p:nvSpPr>
+        <p:spPr/>
+        <p:txBody>
+          <a:bodyPr/>
+          <a:lstStyle/>
+          <a:p>
+            <a:r>
+              <a:rPr lang="en-US" dirty="0"/>
+              <a:t>Why use C#?</a:t>
+            </a:r>
+          </a:p>
+        </p:txBody>
+      </p:sp>
+    </p:spTree>
+    <p:extLst>
+      <p:ext uri="{BB962C8B-B14F-4D97-AF65-F5344CB8AC3E}">
+        <p14:creationId xmlns:p14="http://schemas.microsoft.com/office/powerpoint/2010/main" val="1066454379"/>
+      </p:ext>
+    </p:extLst>
+  </p:cSld>
+  <p:clrMapOvr>
+    <a:masterClrMapping/>
+  </p:clrMapOvr>
+  <mc:AlternateContent xmlns:mc="http://schemas.openxmlformats.org/markup-compatibility/2006" xmlns:p14="http://schemas.microsoft.com/office/powerpoint/2010/main">
+    <mc:Choice Requires="p14">
+      <p:transition spd="med" p14:dur="700">
+        <p:fade/>
+      </p:transition>
+    </mc:Choice>
+    <mc:Fallback xmlns="">
+      <p:transition spd="med">
+        <p:fade/>
+      </p:transition>
+    </mc:Fallback>
+  </mc:AlternateContent>
+</p:sld>
+</file>
+
+<file path=ppt/slides/slide22.xml><?xml version="1.0" encoding="utf-8"?>
+<p:sld xmlns:a="http://schemas.openxmlformats.org/drawingml/2006/main" xmlns:r="http://schemas.openxmlformats.org/officeDocument/2006/relationships" xmlns:p="http://schemas.openxmlformats.org/presentationml/2006/main">
+  <p:cSld>
+    <p:spTree>
+      <p:nvGrpSpPr>
+        <p:cNvPr id="1" name=""/>
+        <p:cNvGrpSpPr/>
+        <p:nvPr/>
+      </p:nvGrpSpPr>
+      <p:grpSpPr>
+        <a:xfrm>
+          <a:off x="0" y="0"/>
+          <a:ext cx="0" cy="0"/>
+          <a:chOff x="0" y="0"/>
+          <a:chExt cx="0" cy="0"/>
+        </a:xfrm>
+      </p:grpSpPr>
+      <p:sp>
+        <p:nvSpPr>
           <p:cNvPr id="2" name="Title 1"/>
           <p:cNvSpPr>
             <a:spLocks noGrp="1"/>
@@ -13393,7 +14318,7 @@
 </p:sld>
 </file>
 
-<file path=ppt/slides/slide17.xml><?xml version="1.0" encoding="utf-8"?>
+<file path=ppt/slides/slide23.xml><?xml version="1.0" encoding="utf-8"?>
 <p:sld xmlns:a="http://schemas.openxmlformats.org/drawingml/2006/main" xmlns:r="http://schemas.openxmlformats.org/officeDocument/2006/relationships" xmlns:p="http://schemas.openxmlformats.org/presentationml/2006/main">
   <p:cSld>
     <p:spTree>
@@ -13676,1081 +14601,6 @@
 </p:sld>
 </file>
 
-<file path=ppt/slides/slide18.xml><?xml version="1.0" encoding="utf-8"?>
-<p:sld xmlns:a="http://schemas.openxmlformats.org/drawingml/2006/main" xmlns:r="http://schemas.openxmlformats.org/officeDocument/2006/relationships" xmlns:p="http://schemas.openxmlformats.org/presentationml/2006/main">
-  <p:cSld>
-    <p:spTree>
-      <p:nvGrpSpPr>
-        <p:cNvPr id="1" name=""/>
-        <p:cNvGrpSpPr/>
-        <p:nvPr/>
-      </p:nvGrpSpPr>
-      <p:grpSpPr>
-        <a:xfrm>
-          <a:off x="0" y="0"/>
-          <a:ext cx="0" cy="0"/>
-          <a:chOff x="0" y="0"/>
-          <a:chExt cx="0" cy="0"/>
-        </a:xfrm>
-      </p:grpSpPr>
-      <p:sp>
-        <p:nvSpPr>
-          <p:cNvPr id="2" name="Content Placeholder 1"/>
-          <p:cNvSpPr>
-            <a:spLocks noGrp="1"/>
-          </p:cNvSpPr>
-          <p:nvPr>
-            <p:ph idx="1"/>
-          </p:nvPr>
-        </p:nvSpPr>
-        <p:spPr/>
-        <p:txBody>
-          <a:bodyPr/>
-          <a:lstStyle/>
-          <a:p>
-            <a:pPr marL="355600" indent="-355600" algn="just">
-              <a:buFont typeface="Wingdings" pitchFamily="2" charset="2"/>
-              <a:buChar char="§"/>
-            </a:pPr>
-            <a:r>
-              <a:rPr lang="en-US" dirty="0"/>
-              <a:t>The </a:t>
-            </a:r>
-            <a:r>
-              <a:rPr lang="en-US" b="1" dirty="0"/>
-              <a:t>model</a:t>
-            </a:r>
-            <a:r>
-              <a:rPr lang="en-US" dirty="0"/>
-              <a:t> which contain or represent the data that users work with.</a:t>
-            </a:r>
-          </a:p>
-          <a:p>
-            <a:pPr marL="355600" indent="-355600" algn="just">
-              <a:buFont typeface="Wingdings" pitchFamily="2" charset="2"/>
-              <a:buChar char="§"/>
-            </a:pPr>
-            <a:endParaRPr lang="en-US" dirty="0"/>
-          </a:p>
-          <a:p>
-            <a:pPr marL="355600" indent="-355600" algn="just">
-              <a:buFont typeface="Wingdings" pitchFamily="2" charset="2"/>
-              <a:buChar char="§"/>
-            </a:pPr>
-            <a:r>
-              <a:rPr lang="en-US" b="1" dirty="0"/>
-              <a:t>Views </a:t>
-            </a:r>
-            <a:r>
-              <a:rPr lang="en-US" dirty="0"/>
-              <a:t>define how the application UI will be displayed.</a:t>
-            </a:r>
-            <a:endParaRPr lang="ro-RO" dirty="0"/>
-          </a:p>
-          <a:p>
-            <a:pPr marL="355600" indent="-355600" algn="just">
-              <a:buFont typeface="Wingdings" pitchFamily="2" charset="2"/>
-              <a:buChar char="§"/>
-            </a:pPr>
-            <a:endParaRPr lang="en-US" dirty="0"/>
-          </a:p>
-          <a:p>
-            <a:pPr marL="355600" indent="-355600" algn="just">
-              <a:buFont typeface="Wingdings" pitchFamily="2" charset="2"/>
-              <a:buChar char="§"/>
-            </a:pPr>
-            <a:r>
-              <a:rPr lang="en-US" b="1" dirty="0"/>
-              <a:t>Controllers</a:t>
-            </a:r>
-            <a:r>
-              <a:rPr lang="en-US" dirty="0"/>
-              <a:t> process incoming requests, perform operations on the model and select views to render to the user.</a:t>
-            </a:r>
-            <a:endParaRPr lang="ro-RO" dirty="0"/>
-          </a:p>
-          <a:p>
-            <a:pPr algn="just"/>
-            <a:endParaRPr lang="en-US" dirty="0"/>
-          </a:p>
-        </p:txBody>
-      </p:sp>
-      <p:sp>
-        <p:nvSpPr>
-          <p:cNvPr id="3" name="Title 2"/>
-          <p:cNvSpPr>
-            <a:spLocks noGrp="1"/>
-          </p:cNvSpPr>
-          <p:nvPr>
-            <p:ph type="title"/>
-          </p:nvPr>
-        </p:nvSpPr>
-        <p:spPr/>
-        <p:txBody>
-          <a:bodyPr/>
-          <a:lstStyle/>
-          <a:p>
-            <a:r>
-              <a:rPr lang="en-US" dirty="0"/>
-              <a:t>MVC Pattern - Components</a:t>
-            </a:r>
-          </a:p>
-        </p:txBody>
-      </p:sp>
-    </p:spTree>
-    <p:extLst>
-      <p:ext uri="{BB962C8B-B14F-4D97-AF65-F5344CB8AC3E}">
-        <p14:creationId xmlns:p14="http://schemas.microsoft.com/office/powerpoint/2010/main" val="558262452"/>
-      </p:ext>
-    </p:extLst>
-  </p:cSld>
-  <p:clrMapOvr>
-    <a:masterClrMapping/>
-  </p:clrMapOvr>
-  <mc:AlternateContent xmlns:mc="http://schemas.openxmlformats.org/markup-compatibility/2006" xmlns:p14="http://schemas.microsoft.com/office/powerpoint/2010/main">
-    <mc:Choice Requires="p14">
-      <p:transition spd="med" p14:dur="700">
-        <p:fade/>
-      </p:transition>
-    </mc:Choice>
-    <mc:Fallback xmlns="">
-      <p:transition spd="med">
-        <p:fade/>
-      </p:transition>
-    </mc:Fallback>
-  </mc:AlternateContent>
-</p:sld>
-</file>
-
-<file path=ppt/slides/slide19.xml><?xml version="1.0" encoding="utf-8"?>
-<p:sld xmlns:a="http://schemas.openxmlformats.org/drawingml/2006/main" xmlns:r="http://schemas.openxmlformats.org/officeDocument/2006/relationships" xmlns:p="http://schemas.openxmlformats.org/presentationml/2006/main">
-  <p:cSld>
-    <p:spTree>
-      <p:nvGrpSpPr>
-        <p:cNvPr id="1" name=""/>
-        <p:cNvGrpSpPr/>
-        <p:nvPr/>
-      </p:nvGrpSpPr>
-      <p:grpSpPr>
-        <a:xfrm>
-          <a:off x="0" y="0"/>
-          <a:ext cx="0" cy="0"/>
-          <a:chOff x="0" y="0"/>
-          <a:chExt cx="0" cy="0"/>
-        </a:xfrm>
-      </p:grpSpPr>
-      <p:sp>
-        <p:nvSpPr>
-          <p:cNvPr id="2" name="Content Placeholder 1"/>
-          <p:cNvSpPr>
-            <a:spLocks noGrp="1"/>
-          </p:cNvSpPr>
-          <p:nvPr>
-            <p:ph idx="1"/>
-          </p:nvPr>
-        </p:nvSpPr>
-        <p:spPr/>
-        <p:txBody>
-          <a:bodyPr/>
-          <a:lstStyle/>
-          <a:p>
-            <a:pPr marL="342900" indent="-342900">
-              <a:buFont typeface="Wingdings" panose="05000000000000000000" pitchFamily="2" charset="2"/>
-              <a:buChar char="§"/>
-            </a:pPr>
-            <a:r>
-              <a:rPr lang="en-US" dirty="0"/>
-              <a:t>Each piece of the MVC architecture is well-defined and self-contained, which is referred to as the </a:t>
-            </a:r>
-            <a:r>
-              <a:rPr lang="en-US" i="1" dirty="0"/>
-              <a:t>separation of concerns </a:t>
-            </a:r>
-            <a:r>
-              <a:rPr lang="en-US" dirty="0"/>
-              <a:t>. </a:t>
-            </a:r>
-          </a:p>
-          <a:p>
-            <a:endParaRPr lang="en-US" dirty="0"/>
-          </a:p>
-          <a:p>
-            <a:pPr marL="342900" indent="-342900">
-              <a:buFont typeface="Wingdings" panose="05000000000000000000" pitchFamily="2" charset="2"/>
-              <a:buChar char="§"/>
-            </a:pPr>
-            <a:r>
-              <a:rPr lang="en-US" dirty="0"/>
-              <a:t>The logic that manipulates the data in the model is contained </a:t>
-            </a:r>
-            <a:r>
-              <a:rPr lang="en-US" i="1" dirty="0"/>
-              <a:t>only </a:t>
-            </a:r>
-            <a:r>
-              <a:rPr lang="en-US" dirty="0"/>
-              <a:t>in the model; </a:t>
-            </a:r>
-          </a:p>
-          <a:p>
-            <a:pPr marL="342900" indent="-342900">
-              <a:buFont typeface="Wingdings" panose="05000000000000000000" pitchFamily="2" charset="2"/>
-              <a:buChar char="§"/>
-            </a:pPr>
-            <a:endParaRPr lang="en-US" dirty="0"/>
-          </a:p>
-          <a:p>
-            <a:pPr marL="342900" indent="-342900">
-              <a:buFont typeface="Wingdings" panose="05000000000000000000" pitchFamily="2" charset="2"/>
-              <a:buChar char="§"/>
-            </a:pPr>
-            <a:r>
-              <a:rPr lang="en-US" dirty="0"/>
-              <a:t>The logic that displays data is </a:t>
-            </a:r>
-            <a:r>
-              <a:rPr lang="en-US" i="1" dirty="0"/>
-              <a:t>only </a:t>
-            </a:r>
-            <a:r>
-              <a:rPr lang="en-US" dirty="0"/>
-              <a:t>in the view</a:t>
-            </a:r>
-          </a:p>
-          <a:p>
-            <a:pPr marL="342900" indent="-342900">
-              <a:buFont typeface="Wingdings" panose="05000000000000000000" pitchFamily="2" charset="2"/>
-              <a:buChar char="§"/>
-            </a:pPr>
-            <a:endParaRPr lang="en-US" dirty="0"/>
-          </a:p>
-          <a:p>
-            <a:pPr marL="342900" indent="-342900">
-              <a:buFont typeface="Wingdings" panose="05000000000000000000" pitchFamily="2" charset="2"/>
-              <a:buChar char="§"/>
-            </a:pPr>
-            <a:r>
-              <a:rPr lang="en-US" dirty="0"/>
-              <a:t>The code that handles user requests and input is contained </a:t>
-            </a:r>
-            <a:r>
-              <a:rPr lang="en-US" i="1" dirty="0"/>
-              <a:t>only </a:t>
-            </a:r>
-            <a:r>
-              <a:rPr lang="en-US" dirty="0"/>
-              <a:t>in the controller.</a:t>
-            </a:r>
-          </a:p>
-          <a:p>
-            <a:pPr marL="342900" indent="-342900">
-              <a:buFont typeface="Wingdings" panose="05000000000000000000" pitchFamily="2" charset="2"/>
-              <a:buChar char="§"/>
-            </a:pPr>
-            <a:endParaRPr lang="en-US" dirty="0"/>
-          </a:p>
-          <a:p>
-            <a:pPr marL="342900" indent="-342900">
-              <a:buFont typeface="Wingdings" panose="05000000000000000000" pitchFamily="2" charset="2"/>
-              <a:buChar char="§"/>
-            </a:pPr>
-            <a:r>
-              <a:rPr lang="en-US" dirty="0"/>
-              <a:t>With a clear division between each of the pieces, your application will be easier to maintain and extend over its lifetime, no matter how large it becomes.</a:t>
-            </a:r>
-          </a:p>
-        </p:txBody>
-      </p:sp>
-      <p:sp>
-        <p:nvSpPr>
-          <p:cNvPr id="3" name="Title 2"/>
-          <p:cNvSpPr>
-            <a:spLocks noGrp="1"/>
-          </p:cNvSpPr>
-          <p:nvPr>
-            <p:ph type="title"/>
-          </p:nvPr>
-        </p:nvSpPr>
-        <p:spPr/>
-        <p:txBody>
-          <a:bodyPr/>
-          <a:lstStyle/>
-          <a:p>
-            <a:r>
-              <a:rPr lang="en-US" dirty="0"/>
-              <a:t>MVC Pattern</a:t>
-            </a:r>
-          </a:p>
-        </p:txBody>
-      </p:sp>
-    </p:spTree>
-    <p:extLst>
-      <p:ext uri="{BB962C8B-B14F-4D97-AF65-F5344CB8AC3E}">
-        <p14:creationId xmlns:p14="http://schemas.microsoft.com/office/powerpoint/2010/main" val="984665219"/>
-      </p:ext>
-    </p:extLst>
-  </p:cSld>
-  <p:clrMapOvr>
-    <a:masterClrMapping/>
-  </p:clrMapOvr>
-  <mc:AlternateContent xmlns:mc="http://schemas.openxmlformats.org/markup-compatibility/2006" xmlns:p14="http://schemas.microsoft.com/office/powerpoint/2010/main">
-    <mc:Choice Requires="p14">
-      <p:transition spd="med" p14:dur="700">
-        <p:fade/>
-      </p:transition>
-    </mc:Choice>
-    <mc:Fallback xmlns="">
-      <p:transition spd="med">
-        <p:fade/>
-      </p:transition>
-    </mc:Fallback>
-  </mc:AlternateContent>
-</p:sld>
-</file>
-
-<file path=ppt/slides/slide2.xml><?xml version="1.0" encoding="utf-8"?>
-<p:sld xmlns:a="http://schemas.openxmlformats.org/drawingml/2006/main" xmlns:r="http://schemas.openxmlformats.org/officeDocument/2006/relationships" xmlns:p="http://schemas.openxmlformats.org/presentationml/2006/main">
-  <p:cSld>
-    <p:spTree>
-      <p:nvGrpSpPr>
-        <p:cNvPr id="1" name=""/>
-        <p:cNvGrpSpPr/>
-        <p:nvPr/>
-      </p:nvGrpSpPr>
-      <p:grpSpPr>
-        <a:xfrm>
-          <a:off x="0" y="0"/>
-          <a:ext cx="0" cy="0"/>
-          <a:chOff x="0" y="0"/>
-          <a:chExt cx="0" cy="0"/>
-        </a:xfrm>
-      </p:grpSpPr>
-      <p:sp>
-        <p:nvSpPr>
-          <p:cNvPr id="4" name="Title 3"/>
-          <p:cNvSpPr>
-            <a:spLocks noGrp="1"/>
-          </p:cNvSpPr>
-          <p:nvPr>
-            <p:ph type="title"/>
-          </p:nvPr>
-        </p:nvSpPr>
-        <p:spPr/>
-        <p:txBody>
-          <a:bodyPr/>
-          <a:lstStyle/>
-          <a:p>
-            <a:r>
-              <a:rPr lang="en-US" dirty="0"/>
-              <a:t>ASP.NET MVC Core, C# Language</a:t>
-            </a:r>
-          </a:p>
-        </p:txBody>
-      </p:sp>
-      <p:sp>
-        <p:nvSpPr>
-          <p:cNvPr id="5" name="Content Placeholder 4"/>
-          <p:cNvSpPr>
-            <a:spLocks noGrp="1"/>
-          </p:cNvSpPr>
-          <p:nvPr>
-            <p:ph idx="1"/>
-          </p:nvPr>
-        </p:nvSpPr>
-        <p:spPr/>
-        <p:txBody>
-          <a:bodyPr/>
-          <a:lstStyle/>
-          <a:p>
-            <a:endParaRPr lang="en-US" b="1" dirty="0"/>
-          </a:p>
-          <a:p>
-            <a:endParaRPr lang="en-US" b="1" dirty="0"/>
-          </a:p>
-          <a:p>
-            <a:endParaRPr lang="en-US" b="1" dirty="0"/>
-          </a:p>
-          <a:p>
-            <a:endParaRPr lang="en-US" b="1" dirty="0"/>
-          </a:p>
-          <a:p>
-            <a:endParaRPr lang="en-US" b="1" dirty="0"/>
-          </a:p>
-          <a:p>
-            <a:endParaRPr lang="en-US" b="1" dirty="0"/>
-          </a:p>
-          <a:p>
-            <a:endParaRPr lang="en-US" b="1" dirty="0"/>
-          </a:p>
-          <a:p>
-            <a:endParaRPr lang="en-US" b="1" dirty="0"/>
-          </a:p>
-          <a:p>
-            <a:endParaRPr lang="en-US" b="1" dirty="0"/>
-          </a:p>
-          <a:p>
-            <a:pPr marL="342900" indent="-342900">
-              <a:buFont typeface="Arial" panose="020B0604020202020204" pitchFamily="34" charset="0"/>
-              <a:buChar char="•"/>
-            </a:pPr>
-            <a:r>
-              <a:rPr lang="en-US" b="1" dirty="0"/>
-              <a:t>url:</a:t>
-            </a:r>
-            <a:r>
-              <a:rPr lang="en-US" dirty="0"/>
-              <a:t> </a:t>
-            </a:r>
-            <a:r>
-              <a:rPr lang="en-US" dirty="0">
-                <a:hlinkClick r:id="rId2"/>
-              </a:rPr>
-              <a:t>https://docs.microsoft.com/en-us/aspnet/</a:t>
-            </a:r>
-            <a:r>
-              <a:rPr lang="en-US" dirty="0"/>
-              <a:t> </a:t>
-            </a:r>
-          </a:p>
-        </p:txBody>
-      </p:sp>
-      <p:sp>
-        <p:nvSpPr>
-          <p:cNvPr id="8" name="TextBox 7"/>
-          <p:cNvSpPr txBox="1"/>
-          <p:nvPr/>
-        </p:nvSpPr>
-        <p:spPr>
-          <a:xfrm>
-            <a:off x="8328248" y="2587261"/>
-            <a:ext cx="1242648" cy="1323439"/>
-          </a:xfrm>
-          <a:prstGeom prst="rect">
-            <a:avLst/>
-          </a:prstGeom>
-          <a:noFill/>
-        </p:spPr>
-        <p:txBody>
-          <a:bodyPr wrap="none" rtlCol="0">
-            <a:spAutoFit/>
-          </a:bodyPr>
-          <a:lstStyle/>
-          <a:p>
-            <a:r>
-              <a:rPr lang="en-US" sz="8000" dirty="0"/>
-              <a:t>C#</a:t>
-            </a:r>
-          </a:p>
-        </p:txBody>
-      </p:sp>
-      <p:pic>
-        <p:nvPicPr>
-          <p:cNvPr id="9" name="Graphic 8"/>
-          <p:cNvPicPr>
-            <a:picLocks noChangeAspect="1"/>
-          </p:cNvPicPr>
-          <p:nvPr/>
-        </p:nvPicPr>
-        <p:blipFill>
-          <a:blip r:embed="rId3">
-            <a:extLst>
-              <a:ext uri="{96DAC541-7B7A-43D3-8B79-37D633B846F1}">
-                <asvg:svgBlip xmlns:asvg="http://schemas.microsoft.com/office/drawing/2016/SVG/main" r:embed="rId4"/>
-              </a:ext>
-            </a:extLst>
-          </a:blip>
-          <a:stretch>
-            <a:fillRect/>
-          </a:stretch>
-        </p:blipFill>
-        <p:spPr>
-          <a:xfrm>
-            <a:off x="2783632" y="2132856"/>
-            <a:ext cx="2232248" cy="2232248"/>
-          </a:xfrm>
-          <a:prstGeom prst="rect">
-            <a:avLst/>
-          </a:prstGeom>
-        </p:spPr>
-      </p:pic>
-    </p:spTree>
-    <p:extLst>
-      <p:ext uri="{BB962C8B-B14F-4D97-AF65-F5344CB8AC3E}">
-        <p14:creationId xmlns:p14="http://schemas.microsoft.com/office/powerpoint/2010/main" val="863801140"/>
-      </p:ext>
-    </p:extLst>
-  </p:cSld>
-  <p:clrMapOvr>
-    <a:masterClrMapping/>
-  </p:clrMapOvr>
-  <mc:AlternateContent xmlns:mc="http://schemas.openxmlformats.org/markup-compatibility/2006" xmlns:p14="http://schemas.microsoft.com/office/powerpoint/2010/main">
-    <mc:Choice Requires="p14">
-      <p:transition spd="med" p14:dur="700">
-        <p:fade/>
-      </p:transition>
-    </mc:Choice>
-    <mc:Fallback xmlns="">
-      <p:transition spd="med">
-        <p:fade/>
-      </p:transition>
-    </mc:Fallback>
-  </mc:AlternateContent>
-</p:sld>
-</file>
-
-<file path=ppt/slides/slide20.xml><?xml version="1.0" encoding="utf-8"?>
-<p:sld xmlns:a="http://schemas.openxmlformats.org/drawingml/2006/main" xmlns:r="http://schemas.openxmlformats.org/officeDocument/2006/relationships" xmlns:p="http://schemas.openxmlformats.org/presentationml/2006/main">
-  <p:cSld>
-    <p:spTree>
-      <p:nvGrpSpPr>
-        <p:cNvPr id="1" name=""/>
-        <p:cNvGrpSpPr/>
-        <p:nvPr/>
-      </p:nvGrpSpPr>
-      <p:grpSpPr>
-        <a:xfrm>
-          <a:off x="0" y="0"/>
-          <a:ext cx="0" cy="0"/>
-          <a:chOff x="0" y="0"/>
-          <a:chExt cx="0" cy="0"/>
-        </a:xfrm>
-      </p:grpSpPr>
-      <p:sp>
-        <p:nvSpPr>
-          <p:cNvPr id="2" name="Content Placeholder 1"/>
-          <p:cNvSpPr>
-            <a:spLocks noGrp="1"/>
-          </p:cNvSpPr>
-          <p:nvPr>
-            <p:ph idx="1"/>
-          </p:nvPr>
-        </p:nvSpPr>
-        <p:spPr/>
-        <p:txBody>
-          <a:bodyPr/>
-          <a:lstStyle/>
-          <a:p>
-            <a:pPr marL="342900" indent="-342900">
-              <a:buFont typeface="Wingdings" panose="05000000000000000000" pitchFamily="2" charset="2"/>
-              <a:buChar char="§"/>
-            </a:pPr>
-            <a:r>
-              <a:rPr lang="en-US" dirty="0"/>
-              <a:t>Models—the M in MVC - contain the data that users work with. </a:t>
-            </a:r>
-          </a:p>
-          <a:p>
-            <a:pPr marL="342900" indent="-342900">
-              <a:buFont typeface="Wingdings" panose="05000000000000000000" pitchFamily="2" charset="2"/>
-              <a:buChar char="§"/>
-            </a:pPr>
-            <a:endParaRPr lang="en-US" dirty="0"/>
-          </a:p>
-          <a:p>
-            <a:pPr marL="342900" indent="-342900">
-              <a:buFont typeface="Wingdings" panose="05000000000000000000" pitchFamily="2" charset="2"/>
-              <a:buChar char="§"/>
-            </a:pPr>
-            <a:r>
-              <a:rPr lang="en-US" dirty="0"/>
-              <a:t>There are two broad types of model: </a:t>
-            </a:r>
-          </a:p>
-          <a:p>
-            <a:pPr marL="597150" lvl="1" indent="-342900">
-              <a:buFont typeface="Wingdings" panose="05000000000000000000" pitchFamily="2" charset="2"/>
-              <a:buChar char="§"/>
-            </a:pPr>
-            <a:r>
-              <a:rPr lang="en-US" b="1" dirty="0"/>
-              <a:t>view models </a:t>
-            </a:r>
-            <a:r>
-              <a:rPr lang="en-US" b="1"/>
-              <a:t>(presentation models) </a:t>
-            </a:r>
-            <a:r>
-              <a:rPr lang="en-US" dirty="0"/>
-              <a:t>- represent just data passed from the controller to the view, </a:t>
-            </a:r>
-          </a:p>
-          <a:p>
-            <a:pPr marL="597150" lvl="1" indent="-342900">
-              <a:buFont typeface="Wingdings" panose="05000000000000000000" pitchFamily="2" charset="2"/>
-              <a:buChar char="§"/>
-            </a:pPr>
-            <a:r>
-              <a:rPr lang="en-US" b="1" dirty="0"/>
-              <a:t>domain models</a:t>
-            </a:r>
-            <a:r>
-              <a:rPr lang="en-US" dirty="0"/>
-              <a:t> - which contain the data in a business domain, along with the operations, transformations, and rules for creating, storing, and manipulating that data, collectively referred to as the model logic .</a:t>
-            </a:r>
-          </a:p>
-          <a:p>
-            <a:pPr marL="597150" lvl="1" indent="-342900">
-              <a:buFont typeface="Wingdings" panose="05000000000000000000" pitchFamily="2" charset="2"/>
-              <a:buChar char="§"/>
-            </a:pPr>
-            <a:endParaRPr lang="en-US" dirty="0"/>
-          </a:p>
-          <a:p>
-            <a:r>
-              <a:rPr lang="en-US" dirty="0"/>
-              <a:t>Models are the definition of the universe your application works in. </a:t>
-            </a:r>
-          </a:p>
-        </p:txBody>
-      </p:sp>
-      <p:sp>
-        <p:nvSpPr>
-          <p:cNvPr id="3" name="Title 2"/>
-          <p:cNvSpPr>
-            <a:spLocks noGrp="1"/>
-          </p:cNvSpPr>
-          <p:nvPr>
-            <p:ph type="title"/>
-          </p:nvPr>
-        </p:nvSpPr>
-        <p:spPr/>
-        <p:txBody>
-          <a:bodyPr/>
-          <a:lstStyle/>
-          <a:p>
-            <a:r>
-              <a:rPr lang="en-US" dirty="0"/>
-              <a:t>Models</a:t>
-            </a:r>
-          </a:p>
-        </p:txBody>
-      </p:sp>
-    </p:spTree>
-    <p:extLst>
-      <p:ext uri="{BB962C8B-B14F-4D97-AF65-F5344CB8AC3E}">
-        <p14:creationId xmlns:p14="http://schemas.microsoft.com/office/powerpoint/2010/main" val="4073580658"/>
-      </p:ext>
-    </p:extLst>
-  </p:cSld>
-  <p:clrMapOvr>
-    <a:masterClrMapping/>
-  </p:clrMapOvr>
-  <mc:AlternateContent xmlns:mc="http://schemas.openxmlformats.org/markup-compatibility/2006" xmlns:p14="http://schemas.microsoft.com/office/powerpoint/2010/main">
-    <mc:Choice Requires="p14">
-      <p:transition spd="med" p14:dur="700">
-        <p:fade/>
-      </p:transition>
-    </mc:Choice>
-    <mc:Fallback xmlns="">
-      <p:transition spd="med">
-        <p:fade/>
-      </p:transition>
-    </mc:Fallback>
-  </mc:AlternateContent>
-</p:sld>
-</file>
-
-<file path=ppt/slides/slide21.xml><?xml version="1.0" encoding="utf-8"?>
-<p:sld xmlns:a="http://schemas.openxmlformats.org/drawingml/2006/main" xmlns:r="http://schemas.openxmlformats.org/officeDocument/2006/relationships" xmlns:p="http://schemas.openxmlformats.org/presentationml/2006/main">
-  <p:cSld>
-    <p:spTree>
-      <p:nvGrpSpPr>
-        <p:cNvPr id="1" name=""/>
-        <p:cNvGrpSpPr/>
-        <p:nvPr/>
-      </p:nvGrpSpPr>
-      <p:grpSpPr>
-        <a:xfrm>
-          <a:off x="0" y="0"/>
-          <a:ext cx="0" cy="0"/>
-          <a:chOff x="0" y="0"/>
-          <a:chExt cx="0" cy="0"/>
-        </a:xfrm>
-      </p:grpSpPr>
-      <p:sp>
-        <p:nvSpPr>
-          <p:cNvPr id="2" name="Content Placeholder 1"/>
-          <p:cNvSpPr>
-            <a:spLocks noGrp="1"/>
-          </p:cNvSpPr>
-          <p:nvPr>
-            <p:ph idx="1"/>
-          </p:nvPr>
-        </p:nvSpPr>
-        <p:spPr/>
-        <p:txBody>
-          <a:bodyPr/>
-          <a:lstStyle/>
-          <a:p>
-            <a:pPr marL="342900" indent="-342900" algn="just">
-              <a:buFont typeface="Wingdings" panose="05000000000000000000" pitchFamily="2" charset="2"/>
-              <a:buChar char="§"/>
-            </a:pPr>
-            <a:r>
-              <a:rPr lang="en-US" dirty="0"/>
-              <a:t>In a banking application, for example, the model represents everything in the bank that the application supports, such as accounts, the general ledger, and credit limits for customers, as well as the operations that can be used to manipulate the data in the model, such as depositing funds and making withdrawals from the accounts. </a:t>
-            </a:r>
-          </a:p>
-          <a:p>
-            <a:pPr marL="342900" indent="-342900">
-              <a:buFont typeface="Wingdings" panose="05000000000000000000" pitchFamily="2" charset="2"/>
-              <a:buChar char="§"/>
-            </a:pPr>
-            <a:endParaRPr lang="en-US" dirty="0"/>
-          </a:p>
-          <a:p>
-            <a:pPr marL="342900" indent="-342900" algn="just">
-              <a:buFont typeface="Wingdings" panose="05000000000000000000" pitchFamily="2" charset="2"/>
-              <a:buChar char="§"/>
-            </a:pPr>
-            <a:r>
-              <a:rPr lang="en-US" dirty="0"/>
-              <a:t>The model is also responsible for preserving the overall state and consistency of the data—for example, making sure that all transactions are added to the ledger and that a client doesn’t withdraw more money than he is entitled to or more money than the bank has.</a:t>
-            </a:r>
-          </a:p>
-        </p:txBody>
-      </p:sp>
-      <p:sp>
-        <p:nvSpPr>
-          <p:cNvPr id="3" name="Title 2"/>
-          <p:cNvSpPr>
-            <a:spLocks noGrp="1"/>
-          </p:cNvSpPr>
-          <p:nvPr>
-            <p:ph type="title"/>
-          </p:nvPr>
-        </p:nvSpPr>
-        <p:spPr/>
-        <p:txBody>
-          <a:bodyPr/>
-          <a:lstStyle/>
-          <a:p>
-            <a:r>
-              <a:rPr lang="en-US" dirty="0"/>
-              <a:t>Models</a:t>
-            </a:r>
-          </a:p>
-        </p:txBody>
-      </p:sp>
-    </p:spTree>
-    <p:extLst>
-      <p:ext uri="{BB962C8B-B14F-4D97-AF65-F5344CB8AC3E}">
-        <p14:creationId xmlns:p14="http://schemas.microsoft.com/office/powerpoint/2010/main" val="3651584493"/>
-      </p:ext>
-    </p:extLst>
-  </p:cSld>
-  <p:clrMapOvr>
-    <a:masterClrMapping/>
-  </p:clrMapOvr>
-  <mc:AlternateContent xmlns:mc="http://schemas.openxmlformats.org/markup-compatibility/2006" xmlns:p14="http://schemas.microsoft.com/office/powerpoint/2010/main">
-    <mc:Choice Requires="p14">
-      <p:transition spd="med" p14:dur="700">
-        <p:fade/>
-      </p:transition>
-    </mc:Choice>
-    <mc:Fallback xmlns="">
-      <p:transition spd="med">
-        <p:fade/>
-      </p:transition>
-    </mc:Fallback>
-  </mc:AlternateContent>
-</p:sld>
-</file>
-
-<file path=ppt/slides/slide22.xml><?xml version="1.0" encoding="utf-8"?>
-<p:sld xmlns:a="http://schemas.openxmlformats.org/drawingml/2006/main" xmlns:r="http://schemas.openxmlformats.org/officeDocument/2006/relationships" xmlns:p="http://schemas.openxmlformats.org/presentationml/2006/main">
-  <p:cSld>
-    <p:spTree>
-      <p:nvGrpSpPr>
-        <p:cNvPr id="1" name=""/>
-        <p:cNvGrpSpPr/>
-        <p:nvPr/>
-      </p:nvGrpSpPr>
-      <p:grpSpPr>
-        <a:xfrm>
-          <a:off x="0" y="0"/>
-          <a:ext cx="0" cy="0"/>
-          <a:chOff x="0" y="0"/>
-          <a:chExt cx="0" cy="0"/>
-        </a:xfrm>
-      </p:grpSpPr>
-      <p:sp>
-        <p:nvSpPr>
-          <p:cNvPr id="2" name="Content Placeholder 1"/>
-          <p:cNvSpPr>
-            <a:spLocks noGrp="1"/>
-          </p:cNvSpPr>
-          <p:nvPr>
-            <p:ph idx="1"/>
-          </p:nvPr>
-        </p:nvSpPr>
-        <p:spPr/>
-        <p:txBody>
-          <a:bodyPr/>
-          <a:lstStyle/>
-          <a:p>
-            <a:r>
-              <a:rPr lang="en-US" dirty="0"/>
-              <a:t>The model in an application built using the MVC pattern </a:t>
-            </a:r>
-            <a:r>
-              <a:rPr lang="en-US" b="1" i="1" dirty="0"/>
-              <a:t>should</a:t>
-            </a:r>
-          </a:p>
-          <a:p>
-            <a:pPr marL="597150" lvl="1" indent="-342900">
-              <a:buFont typeface="Wingdings" panose="05000000000000000000" pitchFamily="2" charset="2"/>
-              <a:buChar char="§"/>
-            </a:pPr>
-            <a:r>
-              <a:rPr lang="en-US" dirty="0"/>
-              <a:t>Contain the domain data</a:t>
-            </a:r>
-          </a:p>
-          <a:p>
-            <a:pPr marL="597150" lvl="1" indent="-342900">
-              <a:buFont typeface="Wingdings" panose="05000000000000000000" pitchFamily="2" charset="2"/>
-              <a:buChar char="§"/>
-            </a:pPr>
-            <a:r>
-              <a:rPr lang="en-US" dirty="0"/>
-              <a:t>Contain the logic for creating, managing, and modifying the domain data</a:t>
-            </a:r>
-          </a:p>
-          <a:p>
-            <a:pPr marL="597150" lvl="1" indent="-342900">
-              <a:buFont typeface="Wingdings" panose="05000000000000000000" pitchFamily="2" charset="2"/>
-              <a:buChar char="§"/>
-            </a:pPr>
-            <a:r>
-              <a:rPr lang="en-US" dirty="0"/>
-              <a:t>Provide a clean API that exposes the model data and operations on it</a:t>
-            </a:r>
-          </a:p>
-          <a:p>
-            <a:pPr marL="597150" lvl="1" indent="-342900">
-              <a:buFont typeface="Wingdings" panose="05000000000000000000" pitchFamily="2" charset="2"/>
-              <a:buChar char="§"/>
-            </a:pPr>
-            <a:endParaRPr lang="en-US" dirty="0"/>
-          </a:p>
-          <a:p>
-            <a:r>
-              <a:rPr lang="en-US" dirty="0"/>
-              <a:t>The model </a:t>
-            </a:r>
-            <a:r>
-              <a:rPr lang="en-US" b="1" i="1" dirty="0"/>
-              <a:t>should not</a:t>
-            </a:r>
-            <a:r>
-              <a:rPr lang="en-US" i="1" dirty="0"/>
-              <a:t>:</a:t>
-            </a:r>
-          </a:p>
-          <a:p>
-            <a:pPr marL="597150" lvl="1" indent="-342900">
-              <a:buFont typeface="Wingdings" panose="05000000000000000000" pitchFamily="2" charset="2"/>
-              <a:buChar char="§"/>
-            </a:pPr>
-            <a:r>
-              <a:rPr lang="en-US" dirty="0"/>
-              <a:t>Expose details of how the model data is obtained or managed (in other words, details of the data storage mechanism should not be exposed to controllers and views)</a:t>
-            </a:r>
-          </a:p>
-          <a:p>
-            <a:pPr marL="597150" lvl="1" indent="-342900">
-              <a:buFont typeface="Wingdings" panose="05000000000000000000" pitchFamily="2" charset="2"/>
-              <a:buChar char="§"/>
-            </a:pPr>
-            <a:r>
-              <a:rPr lang="en-US" dirty="0"/>
-              <a:t>Contain logic that transforms the model based on user interaction (because that is the controller’s job)</a:t>
-            </a:r>
-          </a:p>
-          <a:p>
-            <a:pPr marL="597150" lvl="1" indent="-342900">
-              <a:buFont typeface="Wingdings" panose="05000000000000000000" pitchFamily="2" charset="2"/>
-              <a:buChar char="§"/>
-            </a:pPr>
-            <a:r>
-              <a:rPr lang="en-US" dirty="0"/>
-              <a:t>Contain logic for displaying data to the user (that is the view’s job)</a:t>
-            </a:r>
-          </a:p>
-        </p:txBody>
-      </p:sp>
-      <p:sp>
-        <p:nvSpPr>
-          <p:cNvPr id="3" name="Title 2"/>
-          <p:cNvSpPr>
-            <a:spLocks noGrp="1"/>
-          </p:cNvSpPr>
-          <p:nvPr>
-            <p:ph type="title"/>
-          </p:nvPr>
-        </p:nvSpPr>
-        <p:spPr/>
-        <p:txBody>
-          <a:bodyPr/>
-          <a:lstStyle/>
-          <a:p>
-            <a:r>
-              <a:rPr lang="en-US" dirty="0"/>
-              <a:t>Models</a:t>
-            </a:r>
-          </a:p>
-        </p:txBody>
-      </p:sp>
-    </p:spTree>
-    <p:extLst>
-      <p:ext uri="{BB962C8B-B14F-4D97-AF65-F5344CB8AC3E}">
-        <p14:creationId xmlns:p14="http://schemas.microsoft.com/office/powerpoint/2010/main" val="357257008"/>
-      </p:ext>
-    </p:extLst>
-  </p:cSld>
-  <p:clrMapOvr>
-    <a:masterClrMapping/>
-  </p:clrMapOvr>
-  <mc:AlternateContent xmlns:mc="http://schemas.openxmlformats.org/markup-compatibility/2006" xmlns:p14="http://schemas.microsoft.com/office/powerpoint/2010/main">
-    <mc:Choice Requires="p14">
-      <p:transition spd="med" p14:dur="700">
-        <p:fade/>
-      </p:transition>
-    </mc:Choice>
-    <mc:Fallback xmlns="">
-      <p:transition spd="med">
-        <p:fade/>
-      </p:transition>
-    </mc:Fallback>
-  </mc:AlternateContent>
-</p:sld>
-</file>
-
-<file path=ppt/slides/slide23.xml><?xml version="1.0" encoding="utf-8"?>
-<p:sld xmlns:a="http://schemas.openxmlformats.org/drawingml/2006/main" xmlns:r="http://schemas.openxmlformats.org/officeDocument/2006/relationships" xmlns:p="http://schemas.openxmlformats.org/presentationml/2006/main">
-  <p:cSld>
-    <p:spTree>
-      <p:nvGrpSpPr>
-        <p:cNvPr id="1" name=""/>
-        <p:cNvGrpSpPr/>
-        <p:nvPr/>
-      </p:nvGrpSpPr>
-      <p:grpSpPr>
-        <a:xfrm>
-          <a:off x="0" y="0"/>
-          <a:ext cx="0" cy="0"/>
-          <a:chOff x="0" y="0"/>
-          <a:chExt cx="0" cy="0"/>
-        </a:xfrm>
-      </p:grpSpPr>
-      <p:sp>
-        <p:nvSpPr>
-          <p:cNvPr id="2" name="Content Placeholder 1"/>
-          <p:cNvSpPr>
-            <a:spLocks noGrp="1"/>
-          </p:cNvSpPr>
-          <p:nvPr>
-            <p:ph idx="1"/>
-          </p:nvPr>
-        </p:nvSpPr>
-        <p:spPr/>
-        <p:txBody>
-          <a:bodyPr/>
-          <a:lstStyle/>
-          <a:p>
-            <a:pPr marL="342900" indent="-342900">
-              <a:buFont typeface="Wingdings" panose="05000000000000000000" pitchFamily="2" charset="2"/>
-              <a:buChar char="§"/>
-            </a:pPr>
-            <a:r>
-              <a:rPr lang="en-US" dirty="0"/>
-              <a:t>The benefits of ensuring that the model is isolated from the controller and views are that you can test your logic more easily and that enhancing and maintaining the overall application is simpler and easier.</a:t>
-            </a:r>
-          </a:p>
-          <a:p>
-            <a:pPr marL="342900" indent="-342900">
-              <a:buFont typeface="Wingdings" panose="05000000000000000000" pitchFamily="2" charset="2"/>
-              <a:buChar char="§"/>
-            </a:pPr>
-            <a:endParaRPr lang="en-US" dirty="0"/>
-          </a:p>
-          <a:p>
-            <a:pPr marL="342900" indent="-342900" algn="just">
-              <a:buFont typeface="Wingdings" panose="05000000000000000000" pitchFamily="2" charset="2"/>
-              <a:buChar char="§"/>
-            </a:pPr>
-            <a:r>
-              <a:rPr lang="en-US" b="1" dirty="0"/>
-              <a:t>Tip </a:t>
-            </a:r>
-            <a:r>
-              <a:rPr lang="en-US" dirty="0"/>
-              <a:t>Many developers new to the MVC pattern get confused with the idea of including logic in the data model, believing that the goal of the MVC pattern is to separate data from logic. This is a misapprehension: the goal of the MVC pattern is to divide an application into three functional areas, each of which may contain both logic </a:t>
-            </a:r>
-            <a:r>
-              <a:rPr lang="en-US" i="1" dirty="0"/>
-              <a:t>and </a:t>
-            </a:r>
-            <a:r>
-              <a:rPr lang="en-US" dirty="0"/>
-              <a:t>data. </a:t>
-            </a:r>
-            <a:r>
-              <a:rPr lang="en-US" b="1" dirty="0"/>
-              <a:t>The goal isn’t to eliminate logic from the model. Rather, it is to ensure that the model only contains logic for creating and managing the model data.</a:t>
-            </a:r>
-          </a:p>
-        </p:txBody>
-      </p:sp>
-      <p:sp>
-        <p:nvSpPr>
-          <p:cNvPr id="3" name="Title 2"/>
-          <p:cNvSpPr>
-            <a:spLocks noGrp="1"/>
-          </p:cNvSpPr>
-          <p:nvPr>
-            <p:ph type="title"/>
-          </p:nvPr>
-        </p:nvSpPr>
-        <p:spPr/>
-        <p:txBody>
-          <a:bodyPr/>
-          <a:lstStyle/>
-          <a:p>
-            <a:r>
-              <a:rPr lang="en-US" dirty="0"/>
-              <a:t>Models</a:t>
-            </a:r>
-          </a:p>
-        </p:txBody>
-      </p:sp>
-    </p:spTree>
-    <p:extLst>
-      <p:ext uri="{BB962C8B-B14F-4D97-AF65-F5344CB8AC3E}">
-        <p14:creationId xmlns:p14="http://schemas.microsoft.com/office/powerpoint/2010/main" val="887121261"/>
-      </p:ext>
-    </p:extLst>
-  </p:cSld>
-  <p:clrMapOvr>
-    <a:masterClrMapping/>
-  </p:clrMapOvr>
-  <mc:AlternateContent xmlns:mc="http://schemas.openxmlformats.org/markup-compatibility/2006" xmlns:p14="http://schemas.microsoft.com/office/powerpoint/2010/main">
-    <mc:Choice Requires="p14">
-      <p:transition spd="med" p14:dur="700">
-        <p:fade/>
-      </p:transition>
-    </mc:Choice>
-    <mc:Fallback xmlns="">
-      <p:transition spd="med">
-        <p:fade/>
-      </p:transition>
-    </mc:Fallback>
-  </mc:AlternateContent>
-</p:sld>
-</file>
-
 <file path=ppt/slides/slide24.xml><?xml version="1.0" encoding="utf-8"?>
 <p:sld xmlns:a="http://schemas.openxmlformats.org/drawingml/2006/main" xmlns:r="http://schemas.openxmlformats.org/officeDocument/2006/relationships" xmlns:p="http://schemas.openxmlformats.org/presentationml/2006/main">
   <p:cSld>
@@ -14783,102 +14633,70 @@
           <a:bodyPr/>
           <a:lstStyle/>
           <a:p>
-            <a:pPr marL="342900" indent="-342900" algn="just">
-              <a:buFont typeface="Wingdings" panose="05000000000000000000" pitchFamily="2" charset="2"/>
+            <a:pPr marL="355600" indent="-355600" algn="just">
+              <a:buFont typeface="Wingdings" pitchFamily="2" charset="2"/>
               <a:buChar char="§"/>
             </a:pPr>
             <a:r>
               <a:rPr lang="en-US" dirty="0"/>
-              <a:t>Controllers are the connective tissue in the MVC pattern, acting as conduits between the data model and views. </a:t>
+              <a:t>The </a:t>
             </a:r>
             <a:r>
               <a:rPr lang="en-US" b="1" dirty="0"/>
-              <a:t>Controllers</a:t>
-            </a:r>
-            <a:r>
-              <a:rPr lang="en-US" dirty="0"/>
-              <a:t> define </a:t>
-            </a:r>
-            <a:r>
-              <a:rPr lang="en-US" b="1" dirty="0"/>
-              <a:t>actions</a:t>
-            </a:r>
-            <a:r>
-              <a:rPr lang="en-US" dirty="0"/>
-              <a:t> that provide the business logic that operates on the data model and that provide the data that views display to the user.</a:t>
-            </a:r>
-          </a:p>
-          <a:p>
-            <a:pPr marL="342900" indent="-342900" algn="just">
-              <a:buFont typeface="Wingdings" panose="05000000000000000000" pitchFamily="2" charset="2"/>
+              <a:t>model</a:t>
+            </a:r>
+            <a:r>
+              <a:rPr lang="en-US" dirty="0"/>
+              <a:t> which contain or represent the data that users work with.</a:t>
+            </a:r>
+          </a:p>
+          <a:p>
+            <a:pPr marL="355600" indent="-355600" algn="just">
+              <a:buFont typeface="Wingdings" pitchFamily="2" charset="2"/>
               <a:buChar char="§"/>
             </a:pPr>
             <a:endParaRPr lang="en-US" dirty="0"/>
           </a:p>
           <a:p>
-            <a:pPr marL="342900" indent="-342900">
-              <a:buFont typeface="Wingdings" panose="05000000000000000000" pitchFamily="2" charset="2"/>
+            <a:pPr marL="355600" indent="-355600" algn="just">
+              <a:buFont typeface="Wingdings" pitchFamily="2" charset="2"/>
               <a:buChar char="§"/>
             </a:pPr>
             <a:r>
-              <a:rPr lang="en-US" dirty="0"/>
-              <a:t>A controller built using the MVC pattern </a:t>
-            </a:r>
-            <a:r>
-              <a:rPr lang="en-US" i="1" dirty="0"/>
-              <a:t>should</a:t>
-            </a:r>
-          </a:p>
-          <a:p>
-            <a:pPr marL="597150" lvl="1" indent="-342900">
-              <a:buFont typeface="Wingdings" panose="05000000000000000000" pitchFamily="2" charset="2"/>
-              <a:buChar char="§"/>
-            </a:pPr>
-            <a:r>
-              <a:rPr lang="en-US" dirty="0"/>
-              <a:t> Contain the actions required to update the model based on user interaction</a:t>
-            </a:r>
-          </a:p>
-          <a:p>
-            <a:pPr marL="597150" lvl="1" indent="-342900">
-              <a:buFont typeface="Wingdings" panose="05000000000000000000" pitchFamily="2" charset="2"/>
+              <a:rPr lang="en-US" b="1" dirty="0"/>
+              <a:t>Views </a:t>
+            </a:r>
+            <a:r>
+              <a:rPr lang="en-US" dirty="0"/>
+              <a:t>define how the application UI will be displayed.</a:t>
+            </a:r>
+            <a:endParaRPr lang="ro-RO" dirty="0"/>
+          </a:p>
+          <a:p>
+            <a:pPr marL="355600" indent="-355600" algn="just">
+              <a:buFont typeface="Wingdings" pitchFamily="2" charset="2"/>
               <a:buChar char="§"/>
             </a:pPr>
             <a:endParaRPr lang="en-US" dirty="0"/>
           </a:p>
           <a:p>
-            <a:pPr marL="342900" indent="-342900">
-              <a:buFont typeface="Wingdings" panose="05000000000000000000" pitchFamily="2" charset="2"/>
+            <a:pPr marL="355600" indent="-355600" algn="just">
+              <a:buFont typeface="Wingdings" pitchFamily="2" charset="2"/>
               <a:buChar char="§"/>
             </a:pPr>
             <a:r>
-              <a:rPr lang="en-US" dirty="0"/>
-              <a:t>The controller </a:t>
-            </a:r>
-            <a:r>
-              <a:rPr lang="en-US" i="1" dirty="0"/>
-              <a:t>should not</a:t>
-            </a:r>
-          </a:p>
-          <a:p>
-            <a:pPr marL="597150" lvl="1" indent="-342900">
-              <a:buFont typeface="Wingdings" panose="05000000000000000000" pitchFamily="2" charset="2"/>
-              <a:buChar char="§"/>
-            </a:pPr>
-            <a:r>
-              <a:rPr lang="en-US" dirty="0"/>
-              <a:t>Contain logic that manages the appearance of data (that is the job of the view)</a:t>
-            </a:r>
-          </a:p>
-          <a:p>
-            <a:pPr marL="597150" lvl="1" indent="-342900">
-              <a:buFont typeface="Wingdings" panose="05000000000000000000" pitchFamily="2" charset="2"/>
-              <a:buChar char="§"/>
-            </a:pPr>
-            <a:r>
-              <a:rPr lang="en-US" dirty="0"/>
-              <a:t>Contain logic that manages the persistence of data (that is the job of the model)</a:t>
-            </a:r>
+              <a:rPr lang="en-US" b="1" dirty="0"/>
+              <a:t>Controllers</a:t>
+            </a:r>
+            <a:r>
+              <a:rPr lang="en-US" dirty="0"/>
+              <a:t> process incoming requests, perform operations on the model and select views to render to the user.</a:t>
+            </a:r>
+            <a:endParaRPr lang="ro-RO" dirty="0"/>
+          </a:p>
+          <a:p>
+            <a:pPr algn="just"/>
+            <a:endParaRPr lang="en-US" dirty="0"/>
           </a:p>
         </p:txBody>
       </p:sp>
@@ -14899,7 +14717,7 @@
           <a:p>
             <a:r>
               <a:rPr lang="en-US" dirty="0"/>
-              <a:t>Controllers</a:t>
+              <a:t>MVC Pattern - Components</a:t>
             </a:r>
           </a:p>
         </p:txBody>
@@ -14907,7 +14725,7 @@
     </p:spTree>
     <p:extLst>
       <p:ext uri="{BB962C8B-B14F-4D97-AF65-F5344CB8AC3E}">
-        <p14:creationId xmlns:p14="http://schemas.microsoft.com/office/powerpoint/2010/main" val="4096881920"/>
+        <p14:creationId xmlns:p14="http://schemas.microsoft.com/office/powerpoint/2010/main" val="558262452"/>
       </p:ext>
     </p:extLst>
   </p:cSld>
@@ -14967,7 +14785,36 @@
             </a:pPr>
             <a:r>
               <a:rPr lang="en-US" dirty="0"/>
-              <a:t>Views contain the logic required to display data to the user or to capture data from the user so that it can be processed by a controller action.</a:t>
+              <a:t>Each piece of the MVC architecture is well-defined and self-contained, which is referred to as the </a:t>
+            </a:r>
+            <a:r>
+              <a:rPr lang="en-US" i="1" dirty="0"/>
+              <a:t>separation of concerns </a:t>
+            </a:r>
+            <a:r>
+              <a:rPr lang="en-US" dirty="0"/>
+              <a:t>. </a:t>
+            </a:r>
+          </a:p>
+          <a:p>
+            <a:endParaRPr lang="en-US" dirty="0"/>
+          </a:p>
+          <a:p>
+            <a:pPr marL="342900" indent="-342900">
+              <a:buFont typeface="Wingdings" panose="05000000000000000000" pitchFamily="2" charset="2"/>
+              <a:buChar char="§"/>
+            </a:pPr>
+            <a:r>
+              <a:rPr lang="en-US" dirty="0"/>
+              <a:t>The logic that manipulates the data in the model is contained </a:t>
+            </a:r>
+            <a:r>
+              <a:rPr lang="en-US" i="1" dirty="0"/>
+              <a:t>only </a:t>
+            </a:r>
+            <a:r>
+              <a:rPr lang="en-US" dirty="0"/>
+              <a:t>in the model; </a:t>
             </a:r>
           </a:p>
           <a:p>
@@ -14984,25 +14831,19 @@
             </a:pPr>
             <a:r>
               <a:rPr lang="en-US" dirty="0"/>
-              <a:t>Views </a:t>
+              <a:t>The logic that displays data is </a:t>
             </a:r>
             <a:r>
               <a:rPr lang="en-US" i="1" dirty="0"/>
-              <a:t>should:</a:t>
-            </a:r>
-          </a:p>
-          <a:p>
-            <a:pPr marL="597150" lvl="1" indent="-342900">
-              <a:buFont typeface="Wingdings" panose="05000000000000000000" pitchFamily="2" charset="2"/>
-              <a:buChar char="§"/>
-            </a:pPr>
-            <a:r>
-              <a:rPr lang="en-US" dirty="0"/>
-              <a:t> Contain the logic and markup required to present data to the user</a:t>
-            </a:r>
-          </a:p>
-          <a:p>
-            <a:pPr marL="597150" lvl="1" indent="-342900">
+              <a:t>only </a:t>
+            </a:r>
+            <a:r>
+              <a:rPr lang="en-US" dirty="0"/>
+              <a:t>in the view</a:t>
+            </a:r>
+          </a:p>
+          <a:p>
+            <a:pPr marL="342900" indent="-342900">
               <a:buFont typeface="Wingdings" panose="05000000000000000000" pitchFamily="2" charset="2"/>
               <a:buChar char="§"/>
             </a:pPr>
@@ -15015,31 +14856,32 @@
             </a:pPr>
             <a:r>
               <a:rPr lang="en-US" dirty="0"/>
-              <a:t>Views </a:t>
+              <a:t>The code that handles user requests and input is contained </a:t>
             </a:r>
             <a:r>
               <a:rPr lang="en-US" i="1" dirty="0"/>
-              <a:t>should not</a:t>
-            </a:r>
-          </a:p>
-          <a:p>
-            <a:pPr marL="597150" lvl="1" indent="-342900">
+              <a:t>only </a:t>
+            </a:r>
+            <a:r>
+              <a:rPr lang="en-US" dirty="0"/>
+              <a:t>in the controller.</a:t>
+            </a:r>
+          </a:p>
+          <a:p>
+            <a:pPr marL="342900" indent="-342900">
               <a:buFont typeface="Wingdings" panose="05000000000000000000" pitchFamily="2" charset="2"/>
               <a:buChar char="§"/>
             </a:pPr>
-            <a:r>
-              <a:rPr lang="en-US" dirty="0"/>
-              <a:t>Contain complex logic (this is better placed in a controller)</a:t>
-            </a:r>
-          </a:p>
-          <a:p>
-            <a:pPr marL="597150" lvl="1" indent="-342900">
+            <a:endParaRPr lang="en-US" dirty="0"/>
+          </a:p>
+          <a:p>
+            <a:pPr marL="342900" indent="-342900">
               <a:buFont typeface="Wingdings" panose="05000000000000000000" pitchFamily="2" charset="2"/>
               <a:buChar char="§"/>
             </a:pPr>
             <a:r>
               <a:rPr lang="en-US" dirty="0"/>
-              <a:t>Contain logic that creates, stores, or manipulates the domain model</a:t>
+              <a:t>With a clear division between each of the pieces, your application will be easier to maintain and extend over its lifetime, no matter how large it becomes.</a:t>
             </a:r>
           </a:p>
         </p:txBody>
@@ -15061,7 +14903,7 @@
           <a:p>
             <a:r>
               <a:rPr lang="en-US" dirty="0"/>
-              <a:t>Views</a:t>
+              <a:t>MVC Pattern</a:t>
             </a:r>
           </a:p>
         </p:txBody>
@@ -15069,7 +14911,7 @@
     </p:spTree>
     <p:extLst>
       <p:ext uri="{BB962C8B-B14F-4D97-AF65-F5344CB8AC3E}">
-        <p14:creationId xmlns:p14="http://schemas.microsoft.com/office/powerpoint/2010/main" val="2194480018"/>
+        <p14:creationId xmlns:p14="http://schemas.microsoft.com/office/powerpoint/2010/main" val="984665219"/>
       </p:ext>
     </p:extLst>
   </p:cSld>
@@ -15123,21 +14965,75 @@
           <a:bodyPr/>
           <a:lstStyle/>
           <a:p>
-            <a:pPr marL="342900" indent="-342900" algn="just">
+            <a:pPr marL="342900" indent="-342900">
               <a:buFont typeface="Wingdings" panose="05000000000000000000" pitchFamily="2" charset="2"/>
               <a:buChar char="§"/>
             </a:pPr>
             <a:r>
               <a:rPr lang="en-US" dirty="0"/>
-              <a:t>Views </a:t>
-            </a:r>
-            <a:r>
-              <a:rPr lang="en-US" i="1" dirty="0"/>
-              <a:t>can </a:t>
-            </a:r>
-            <a:r>
-              <a:rPr lang="en-US" dirty="0"/>
-              <a:t>contain logic, but it should be simple and used sparingly. Putting anything but the simplest method calls or expressions in a view makes the overall application harder to test and maintain</a:t>
+              <a:t>Models—the M in MVC - contain the data that users work with. </a:t>
+            </a:r>
+          </a:p>
+          <a:p>
+            <a:pPr marL="342900" indent="-342900">
+              <a:buFont typeface="Wingdings" panose="05000000000000000000" pitchFamily="2" charset="2"/>
+              <a:buChar char="§"/>
+            </a:pPr>
+            <a:endParaRPr lang="en-US" dirty="0"/>
+          </a:p>
+          <a:p>
+            <a:pPr marL="342900" indent="-342900">
+              <a:buFont typeface="Wingdings" panose="05000000000000000000" pitchFamily="2" charset="2"/>
+              <a:buChar char="§"/>
+            </a:pPr>
+            <a:r>
+              <a:rPr lang="en-US" dirty="0"/>
+              <a:t>There are two broad types of model: </a:t>
+            </a:r>
+          </a:p>
+          <a:p>
+            <a:pPr marL="597150" lvl="1" indent="-342900">
+              <a:buFont typeface="Wingdings" panose="05000000000000000000" pitchFamily="2" charset="2"/>
+              <a:buChar char="§"/>
+            </a:pPr>
+            <a:r>
+              <a:rPr lang="en-US" b="1" dirty="0"/>
+              <a:t>view models </a:t>
+            </a:r>
+            <a:r>
+              <a:rPr lang="en-US" b="1"/>
+              <a:t>(presentation models) </a:t>
+            </a:r>
+            <a:r>
+              <a:rPr lang="en-US" dirty="0"/>
+              <a:t>- represent just data passed from the controller to the view, </a:t>
+            </a:r>
+          </a:p>
+          <a:p>
+            <a:pPr marL="597150" lvl="1" indent="-342900">
+              <a:buFont typeface="Wingdings" panose="05000000000000000000" pitchFamily="2" charset="2"/>
+              <a:buChar char="§"/>
+            </a:pPr>
+            <a:r>
+              <a:rPr lang="en-US" b="1" dirty="0"/>
+              <a:t>domain models</a:t>
+            </a:r>
+            <a:r>
+              <a:rPr lang="en-US" dirty="0"/>
+              <a:t> - which contain the data in a business domain, along with the operations, transformations, and rules for creating, storing, and manipulating that data, collectively referred to as the model logic .</a:t>
+            </a:r>
+          </a:p>
+          <a:p>
+            <a:pPr marL="597150" lvl="1" indent="-342900">
+              <a:buFont typeface="Wingdings" panose="05000000000000000000" pitchFamily="2" charset="2"/>
+              <a:buChar char="§"/>
+            </a:pPr>
+            <a:endParaRPr lang="en-US" dirty="0"/>
+          </a:p>
+          <a:p>
+            <a:r>
+              <a:rPr lang="en-US" dirty="0"/>
+              <a:t>Models are the definition of the universe your application works in. </a:t>
             </a:r>
           </a:p>
         </p:txBody>
@@ -15159,7 +15055,7 @@
           <a:p>
             <a:r>
               <a:rPr lang="en-US" dirty="0"/>
-              <a:t>Views</a:t>
+              <a:t>Models</a:t>
             </a:r>
           </a:p>
         </p:txBody>
@@ -15167,7 +15063,7 @@
     </p:spTree>
     <p:extLst>
       <p:ext uri="{BB962C8B-B14F-4D97-AF65-F5344CB8AC3E}">
-        <p14:creationId xmlns:p14="http://schemas.microsoft.com/office/powerpoint/2010/main" val="3017161515"/>
+        <p14:creationId xmlns:p14="http://schemas.microsoft.com/office/powerpoint/2010/main" val="4073580658"/>
       </p:ext>
     </p:extLst>
   </p:cSld>
@@ -15208,7 +15104,7 @@
       </p:grpSpPr>
       <p:sp>
         <p:nvSpPr>
-          <p:cNvPr id="4" name="Content Placeholder 2"/>
+          <p:cNvPr id="2" name="Content Placeholder 1"/>
           <p:cNvSpPr>
             <a:spLocks noGrp="1"/>
           </p:cNvSpPr>
@@ -15227,30 +15123,7 @@
             </a:pPr>
             <a:r>
               <a:rPr lang="en-US" dirty="0"/>
-              <a:t>ASP.NET MVC is a framework for building web applications that applies the general Model View Controller pattern to the ASP.NET framework.</a:t>
-            </a:r>
-            <a:endParaRPr lang="en-GB" dirty="0"/>
-          </a:p>
-          <a:p>
-            <a:pPr lvl="1"/>
-            <a:endParaRPr lang="en-GB" dirty="0"/>
-          </a:p>
-          <a:p>
-            <a:pPr marL="342900" indent="-342900" algn="just">
-              <a:buFont typeface="Wingdings" panose="05000000000000000000" pitchFamily="2" charset="2"/>
-              <a:buChar char="§"/>
-            </a:pPr>
-            <a:r>
-              <a:rPr lang="en-US" dirty="0"/>
-              <a:t>In ASP.NET Core MVC, controllers are C# classes, usually derived from the </a:t>
-            </a:r>
-            <a:r>
-              <a:rPr lang="en-US" dirty="0" err="1"/>
-              <a:t>Microsoft.AspNetCore.Mvc.Controller</a:t>
-            </a:r>
-            <a:r>
-              <a:rPr lang="en-US" dirty="0"/>
-              <a:t> class. </a:t>
+              <a:t>In a banking application, for example, the model represents everything in the bank that the application supports, such as accounts, the general ledger, and credit limits for customers, as well as the operations that can be used to manipulate the data in the model, such as depositing funds and making withdrawals from the accounts. </a:t>
             </a:r>
           </a:p>
           <a:p>
@@ -15261,46 +15134,20 @@
             <a:endParaRPr lang="en-US" dirty="0"/>
           </a:p>
           <a:p>
-            <a:pPr marL="342900" indent="-342900">
-              <a:buFont typeface="Wingdings" panose="05000000000000000000" pitchFamily="2" charset="2"/>
-              <a:buChar char="§"/>
-            </a:pPr>
-            <a:r>
-              <a:rPr lang="en-US" dirty="0"/>
-              <a:t>Each public method in a class derived from Controller is an </a:t>
-            </a:r>
-            <a:r>
-              <a:rPr lang="en-US" i="1" dirty="0"/>
-              <a:t>action method</a:t>
-            </a:r>
-            <a:r>
-              <a:rPr lang="en-US" dirty="0"/>
-              <a:t>, which is associated with a URL. </a:t>
-            </a:r>
-          </a:p>
-          <a:p>
-            <a:pPr marL="342900" indent="-342900">
-              <a:buFont typeface="Wingdings" panose="05000000000000000000" pitchFamily="2" charset="2"/>
-              <a:buChar char="§"/>
-            </a:pPr>
-            <a:endParaRPr lang="en-US" dirty="0"/>
-          </a:p>
-          <a:p>
             <a:pPr marL="342900" indent="-342900" algn="just">
               <a:buFont typeface="Wingdings" panose="05000000000000000000" pitchFamily="2" charset="2"/>
               <a:buChar char="§"/>
             </a:pPr>
             <a:r>
               <a:rPr lang="en-US" dirty="0"/>
-              <a:t>When a request is sent to the URL associated with an action method, the statements in that action method are executed in order to perform some operation on the domain model and then to select a view to display to the client.</a:t>
-            </a:r>
-            <a:endParaRPr lang="en-GB" dirty="0"/>
+              <a:t>The model is also responsible for preserving the overall state and consistency of the data—for example, making sure that all transactions are added to the ledger and that a client doesn’t withdraw more money than he is entitled to or more money than the bank has.</a:t>
+            </a:r>
           </a:p>
         </p:txBody>
       </p:sp>
       <p:sp>
         <p:nvSpPr>
-          <p:cNvPr id="2" name="Title 1"/>
+          <p:cNvPr id="3" name="Title 2"/>
           <p:cNvSpPr>
             <a:spLocks noGrp="1"/>
           </p:cNvSpPr>
@@ -15308,18 +15155,14 @@
             <p:ph type="title"/>
           </p:nvPr>
         </p:nvSpPr>
-        <p:spPr>
-          <a:prstGeom prst="rect">
-            <a:avLst/>
-          </a:prstGeom>
-        </p:spPr>
+        <p:spPr/>
         <p:txBody>
           <a:bodyPr/>
           <a:lstStyle/>
           <a:p>
             <a:r>
-              <a:rPr lang="en-GB" dirty="0"/>
-              <a:t>ASP.NET Core MVC</a:t>
+              <a:rPr lang="en-US" dirty="0"/>
+              <a:t>Models</a:t>
             </a:r>
           </a:p>
         </p:txBody>
@@ -15327,7 +15170,7 @@
     </p:spTree>
     <p:extLst>
       <p:ext uri="{BB962C8B-B14F-4D97-AF65-F5344CB8AC3E}">
-        <p14:creationId xmlns:p14="http://schemas.microsoft.com/office/powerpoint/2010/main" val="3923025056"/>
+        <p14:creationId xmlns:p14="http://schemas.microsoft.com/office/powerpoint/2010/main" val="3651584493"/>
       </p:ext>
     </p:extLst>
   </p:cSld>
@@ -15366,32 +15209,113 @@
           <a:chExt cx="0" cy="0"/>
         </a:xfrm>
       </p:grpSpPr>
-      <p:pic>
-        <p:nvPicPr>
-          <p:cNvPr id="4" name="Content Placeholder 3"/>
-          <p:cNvPicPr>
-            <a:picLocks noGrp="1" noChangeAspect="1"/>
-          </p:cNvPicPr>
+      <p:sp>
+        <p:nvSpPr>
+          <p:cNvPr id="2" name="Content Placeholder 1"/>
+          <p:cNvSpPr>
+            <a:spLocks noGrp="1"/>
+          </p:cNvSpPr>
           <p:nvPr>
             <p:ph idx="1"/>
           </p:nvPr>
-        </p:nvPicPr>
-        <p:blipFill>
-          <a:blip r:embed="rId2"/>
-          <a:stretch>
-            <a:fillRect/>
-          </a:stretch>
-        </p:blipFill>
-        <p:spPr>
-          <a:xfrm>
-            <a:off x="1985925" y="3028808"/>
-            <a:ext cx="8391601" cy="1438560"/>
-          </a:xfrm>
-          <a:prstGeom prst="rect">
-            <a:avLst/>
-          </a:prstGeom>
-        </p:spPr>
-      </p:pic>
+        </p:nvSpPr>
+        <p:spPr/>
+        <p:txBody>
+          <a:bodyPr/>
+          <a:lstStyle/>
+          <a:p>
+            <a:r>
+              <a:rPr lang="en-US" dirty="0"/>
+              <a:t>The model in an application built using the MVC pattern </a:t>
+            </a:r>
+            <a:r>
+              <a:rPr lang="en-US" b="1" i="1" dirty="0"/>
+              <a:t>should</a:t>
+            </a:r>
+          </a:p>
+          <a:p>
+            <a:pPr marL="597150" lvl="1" indent="-342900">
+              <a:buFont typeface="Wingdings" panose="05000000000000000000" pitchFamily="2" charset="2"/>
+              <a:buChar char="§"/>
+            </a:pPr>
+            <a:r>
+              <a:rPr lang="en-US" dirty="0"/>
+              <a:t>Contain the domain data</a:t>
+            </a:r>
+          </a:p>
+          <a:p>
+            <a:pPr marL="597150" lvl="1" indent="-342900">
+              <a:buFont typeface="Wingdings" panose="05000000000000000000" pitchFamily="2" charset="2"/>
+              <a:buChar char="§"/>
+            </a:pPr>
+            <a:r>
+              <a:rPr lang="en-US" dirty="0"/>
+              <a:t>Contain the logic for creating, managing, and modifying the domain data</a:t>
+            </a:r>
+          </a:p>
+          <a:p>
+            <a:pPr marL="597150" lvl="1" indent="-342900">
+              <a:buFont typeface="Wingdings" panose="05000000000000000000" pitchFamily="2" charset="2"/>
+              <a:buChar char="§"/>
+            </a:pPr>
+            <a:r>
+              <a:rPr lang="en-US" dirty="0"/>
+              <a:t>Provide a clean API that exposes the model data and operations on it</a:t>
+            </a:r>
+          </a:p>
+          <a:p>
+            <a:pPr marL="597150" lvl="1" indent="-342900">
+              <a:buFont typeface="Wingdings" panose="05000000000000000000" pitchFamily="2" charset="2"/>
+              <a:buChar char="§"/>
+            </a:pPr>
+            <a:endParaRPr lang="en-US" dirty="0"/>
+          </a:p>
+          <a:p>
+            <a:r>
+              <a:rPr lang="en-US" dirty="0"/>
+              <a:t>The model </a:t>
+            </a:r>
+            <a:r>
+              <a:rPr lang="en-US" b="1" i="1" dirty="0"/>
+              <a:t>should not</a:t>
+            </a:r>
+            <a:r>
+              <a:rPr lang="en-US" i="1" dirty="0"/>
+              <a:t>:</a:t>
+            </a:r>
+          </a:p>
+          <a:p>
+            <a:pPr marL="597150" lvl="1" indent="-342900">
+              <a:buFont typeface="Wingdings" panose="05000000000000000000" pitchFamily="2" charset="2"/>
+              <a:buChar char="§"/>
+            </a:pPr>
+            <a:r>
+              <a:rPr lang="en-US" dirty="0"/>
+              <a:t>Expose details of how the model data is obtained or managed (in other words, details of the data storage mechanism should not be exposed to controllers and views)</a:t>
+            </a:r>
+          </a:p>
+          <a:p>
+            <a:pPr marL="597150" lvl="1" indent="-342900">
+              <a:buFont typeface="Wingdings" panose="05000000000000000000" pitchFamily="2" charset="2"/>
+              <a:buChar char="§"/>
+            </a:pPr>
+            <a:r>
+              <a:rPr lang="en-US" dirty="0"/>
+              <a:t>Contain logic that transforms the model based on user interaction (because that is the controller’s job)</a:t>
+            </a:r>
+          </a:p>
+          <a:p>
+            <a:pPr marL="597150" lvl="1" indent="-342900">
+              <a:buFont typeface="Wingdings" panose="05000000000000000000" pitchFamily="2" charset="2"/>
+              <a:buChar char="§"/>
+            </a:pPr>
+            <a:r>
+              <a:rPr lang="en-US" dirty="0"/>
+              <a:t>Contain logic for displaying data to the user (that is the view’s job)</a:t>
+            </a:r>
+          </a:p>
+        </p:txBody>
+      </p:sp>
       <p:sp>
         <p:nvSpPr>
           <p:cNvPr id="3" name="Title 2"/>
@@ -15409,7 +15333,7 @@
           <a:p>
             <a:r>
               <a:rPr lang="en-US" dirty="0"/>
-              <a:t>ASP.NET Core MVC</a:t>
+              <a:t>Models</a:t>
             </a:r>
           </a:p>
         </p:txBody>
@@ -15417,7 +15341,7 @@
     </p:spTree>
     <p:extLst>
       <p:ext uri="{BB962C8B-B14F-4D97-AF65-F5344CB8AC3E}">
-        <p14:creationId xmlns:p14="http://schemas.microsoft.com/office/powerpoint/2010/main" val="1248056566"/>
+        <p14:creationId xmlns:p14="http://schemas.microsoft.com/office/powerpoint/2010/main" val="357257008"/>
       </p:ext>
     </p:extLst>
   </p:cSld>
@@ -15458,6 +15382,65 @@
       </p:grpSpPr>
       <p:sp>
         <p:nvSpPr>
+          <p:cNvPr id="2" name="Content Placeholder 1"/>
+          <p:cNvSpPr>
+            <a:spLocks noGrp="1"/>
+          </p:cNvSpPr>
+          <p:nvPr>
+            <p:ph idx="1"/>
+          </p:nvPr>
+        </p:nvSpPr>
+        <p:spPr/>
+        <p:txBody>
+          <a:bodyPr/>
+          <a:lstStyle/>
+          <a:p>
+            <a:pPr marL="342900" indent="-342900">
+              <a:buFont typeface="Wingdings" panose="05000000000000000000" pitchFamily="2" charset="2"/>
+              <a:buChar char="§"/>
+            </a:pPr>
+            <a:r>
+              <a:rPr lang="en-US" dirty="0"/>
+              <a:t>The benefits of ensuring that the model is isolated from the controller and views are that you can test your logic more easily and that enhancing and maintaining the overall application is simpler and easier.</a:t>
+            </a:r>
+          </a:p>
+          <a:p>
+            <a:pPr marL="342900" indent="-342900">
+              <a:buFont typeface="Wingdings" panose="05000000000000000000" pitchFamily="2" charset="2"/>
+              <a:buChar char="§"/>
+            </a:pPr>
+            <a:endParaRPr lang="en-US" dirty="0"/>
+          </a:p>
+          <a:p>
+            <a:pPr marL="342900" indent="-342900" algn="just">
+              <a:buFont typeface="Wingdings" panose="05000000000000000000" pitchFamily="2" charset="2"/>
+              <a:buChar char="§"/>
+            </a:pPr>
+            <a:r>
+              <a:rPr lang="en-US" b="1" dirty="0"/>
+              <a:t>Tip </a:t>
+            </a:r>
+            <a:r>
+              <a:rPr lang="en-US" dirty="0"/>
+              <a:t>Many developers new to the MVC pattern get confused with the idea of including logic in the data model, believing that the goal of the MVC pattern is to separate data from logic. This is a misapprehension: the goal of the MVC pattern is to divide an application into three functional areas, each of which may contain both logic </a:t>
+            </a:r>
+            <a:r>
+              <a:rPr lang="en-US" i="1" dirty="0"/>
+              <a:t>and </a:t>
+            </a:r>
+            <a:r>
+              <a:rPr lang="en-US" dirty="0"/>
+              <a:t>data. </a:t>
+            </a:r>
+            <a:r>
+              <a:rPr lang="en-US" b="1" dirty="0"/>
+              <a:t>The goal isn’t to eliminate logic from the model. Rather, it is to ensure that the model only contains logic for creating and managing the model data.</a:t>
+            </a:r>
+          </a:p>
+        </p:txBody>
+      </p:sp>
+      <p:sp>
+        <p:nvSpPr>
           <p:cNvPr id="3" name="Title 2"/>
           <p:cNvSpPr>
             <a:spLocks noGrp="1"/>
@@ -15473,66 +15456,7 @@
           <a:p>
             <a:r>
               <a:rPr lang="en-US" dirty="0"/>
-              <a:t>ASP.NET Core MVC</a:t>
-            </a:r>
-          </a:p>
-        </p:txBody>
-      </p:sp>
-      <p:sp>
-        <p:nvSpPr>
-          <p:cNvPr id="5" name="Content Placeholder 4"/>
-          <p:cNvSpPr>
-            <a:spLocks noGrp="1"/>
-          </p:cNvSpPr>
-          <p:nvPr>
-            <p:ph idx="1"/>
-          </p:nvPr>
-        </p:nvSpPr>
-        <p:spPr/>
-        <p:txBody>
-          <a:bodyPr/>
-          <a:lstStyle/>
-          <a:p>
-            <a:pPr marL="342900" indent="-342900" algn="just">
-              <a:buFont typeface="Wingdings" panose="05000000000000000000" pitchFamily="2" charset="2"/>
-              <a:buChar char="§"/>
-            </a:pPr>
-            <a:r>
-              <a:rPr lang="en-US" dirty="0"/>
-              <a:t>ASP.NET Core MVC uses a </a:t>
-            </a:r>
-            <a:r>
-              <a:rPr lang="en-US" i="1" dirty="0"/>
-              <a:t>view engine </a:t>
-            </a:r>
-            <a:r>
-              <a:rPr lang="en-US" dirty="0"/>
-              <a:t>, known as Razor, which is the component responsible for processing a view in order to generate a response for the browser. Razor views are HTML templates that contain C# logic that is used to process model data to generate dynamic content that responds to changes in the model. </a:t>
-            </a:r>
-          </a:p>
-          <a:p>
-            <a:pPr marL="342900" indent="-342900" algn="just">
-              <a:buFont typeface="Wingdings" panose="05000000000000000000" pitchFamily="2" charset="2"/>
-              <a:buChar char="§"/>
-            </a:pPr>
-            <a:endParaRPr lang="en-US" dirty="0"/>
-          </a:p>
-          <a:p>
-            <a:pPr marL="342900" indent="-342900">
-              <a:buFont typeface="Wingdings" panose="05000000000000000000" pitchFamily="2" charset="2"/>
-              <a:buChar char="§"/>
-            </a:pPr>
-            <a:r>
-              <a:rPr lang="en-US" dirty="0"/>
-              <a:t>ASP.NET Core MVC doesn’t apply any constraints on the implementation of your domain model. You can create a model using regular C# objects and implement persistence using any of the databases, </a:t>
-            </a:r>
-            <a:r>
-              <a:rPr lang="en-US" dirty="0" err="1"/>
-              <a:t>objectrelational</a:t>
-            </a:r>
-            <a:r>
-              <a:rPr lang="en-US" dirty="0"/>
-              <a:t> mapping frameworks, or other data tools supported by .NET.</a:t>
+              <a:t>Models</a:t>
             </a:r>
           </a:p>
         </p:txBody>
@@ -15540,7 +15464,7 @@
     </p:spTree>
     <p:extLst>
       <p:ext uri="{BB962C8B-B14F-4D97-AF65-F5344CB8AC3E}">
-        <p14:creationId xmlns:p14="http://schemas.microsoft.com/office/powerpoint/2010/main" val="2794052552"/>
+        <p14:creationId xmlns:p14="http://schemas.microsoft.com/office/powerpoint/2010/main" val="887121261"/>
       </p:ext>
     </p:extLst>
   </p:cSld>
@@ -15744,7 +15668,121 @@
       </p:grpSpPr>
       <p:sp>
         <p:nvSpPr>
-          <p:cNvPr id="5" name="Title 4"/>
+          <p:cNvPr id="2" name="Content Placeholder 1"/>
+          <p:cNvSpPr>
+            <a:spLocks noGrp="1"/>
+          </p:cNvSpPr>
+          <p:nvPr>
+            <p:ph idx="1"/>
+          </p:nvPr>
+        </p:nvSpPr>
+        <p:spPr/>
+        <p:txBody>
+          <a:bodyPr/>
+          <a:lstStyle/>
+          <a:p>
+            <a:pPr marL="342900" indent="-342900" algn="just">
+              <a:buFont typeface="Wingdings" panose="05000000000000000000" pitchFamily="2" charset="2"/>
+              <a:buChar char="§"/>
+            </a:pPr>
+            <a:r>
+              <a:rPr lang="en-US" dirty="0"/>
+              <a:t>Controllers are the connective tissue in the MVC pattern, acting as conduits between the data model and views. </a:t>
+            </a:r>
+            <a:r>
+              <a:rPr lang="en-US" b="1" dirty="0"/>
+              <a:t>Controllers</a:t>
+            </a:r>
+            <a:r>
+              <a:rPr lang="en-US" dirty="0"/>
+              <a:t> define </a:t>
+            </a:r>
+            <a:r>
+              <a:rPr lang="en-US" b="1" dirty="0"/>
+              <a:t>actions</a:t>
+            </a:r>
+            <a:r>
+              <a:rPr lang="en-US" dirty="0"/>
+              <a:t> that provide the business logic that operates on the data model and that provide the data that views display to the user.</a:t>
+            </a:r>
+          </a:p>
+          <a:p>
+            <a:pPr marL="342900" indent="-342900" algn="just">
+              <a:buFont typeface="Wingdings" panose="05000000000000000000" pitchFamily="2" charset="2"/>
+              <a:buChar char="§"/>
+            </a:pPr>
+            <a:endParaRPr lang="en-US" dirty="0"/>
+          </a:p>
+          <a:p>
+            <a:pPr marL="342900" indent="-342900">
+              <a:buFont typeface="Wingdings" panose="05000000000000000000" pitchFamily="2" charset="2"/>
+              <a:buChar char="§"/>
+            </a:pPr>
+            <a:r>
+              <a:rPr lang="en-US" dirty="0"/>
+              <a:t>A controller built using the MVC pattern </a:t>
+            </a:r>
+            <a:r>
+              <a:rPr lang="en-US" i="1" dirty="0"/>
+              <a:t>should</a:t>
+            </a:r>
+          </a:p>
+          <a:p>
+            <a:pPr marL="597150" lvl="1" indent="-342900">
+              <a:buFont typeface="Wingdings" panose="05000000000000000000" pitchFamily="2" charset="2"/>
+              <a:buChar char="§"/>
+            </a:pPr>
+            <a:r>
+              <a:rPr lang="en-US" dirty="0"/>
+              <a:t> Contain the actions required to update the model based on user interaction</a:t>
+            </a:r>
+          </a:p>
+          <a:p>
+            <a:pPr marL="597150" lvl="1" indent="-342900">
+              <a:buFont typeface="Wingdings" panose="05000000000000000000" pitchFamily="2" charset="2"/>
+              <a:buChar char="§"/>
+            </a:pPr>
+            <a:endParaRPr lang="en-US" dirty="0"/>
+          </a:p>
+          <a:p>
+            <a:pPr marL="342900" indent="-342900">
+              <a:buFont typeface="Wingdings" panose="05000000000000000000" pitchFamily="2" charset="2"/>
+              <a:buChar char="§"/>
+            </a:pPr>
+            <a:r>
+              <a:rPr lang="en-US" dirty="0"/>
+              <a:t>The controller </a:t>
+            </a:r>
+            <a:r>
+              <a:rPr lang="en-US" i="1" dirty="0"/>
+              <a:t>should not</a:t>
+            </a:r>
+          </a:p>
+          <a:p>
+            <a:pPr marL="597150" lvl="1" indent="-342900">
+              <a:buFont typeface="Wingdings" panose="05000000000000000000" pitchFamily="2" charset="2"/>
+              <a:buChar char="§"/>
+            </a:pPr>
+            <a:r>
+              <a:rPr lang="en-US" dirty="0"/>
+              <a:t>Contain logic that manages the appearance of data (that is the job of the view)</a:t>
+            </a:r>
+          </a:p>
+          <a:p>
+            <a:pPr marL="597150" lvl="1" indent="-342900">
+              <a:buFont typeface="Wingdings" panose="05000000000000000000" pitchFamily="2" charset="2"/>
+              <a:buChar char="§"/>
+            </a:pPr>
+            <a:r>
+              <a:rPr lang="en-US" dirty="0"/>
+              <a:t>Contain logic that manages the persistence of data (that is the job of the model)</a:t>
+            </a:r>
+          </a:p>
+        </p:txBody>
+      </p:sp>
+      <p:sp>
+        <p:nvSpPr>
+          <p:cNvPr id="3" name="Title 2"/>
           <p:cNvSpPr>
             <a:spLocks noGrp="1"/>
           </p:cNvSpPr>
@@ -15759,7 +15797,7 @@
           <a:p>
             <a:r>
               <a:rPr lang="en-US" dirty="0"/>
-              <a:t>HelloWorld (ASP .NET Core 2)</a:t>
+              <a:t>Controllers</a:t>
             </a:r>
           </a:p>
         </p:txBody>
@@ -15767,7 +15805,7 @@
     </p:spTree>
     <p:extLst>
       <p:ext uri="{BB962C8B-B14F-4D97-AF65-F5344CB8AC3E}">
-        <p14:creationId xmlns:p14="http://schemas.microsoft.com/office/powerpoint/2010/main" val="1186053194"/>
+        <p14:creationId xmlns:p14="http://schemas.microsoft.com/office/powerpoint/2010/main" val="4096881920"/>
       </p:ext>
     </p:extLst>
   </p:cSld>
@@ -15776,12 +15814,12 @@
   </p:clrMapOvr>
   <mc:AlternateContent xmlns:mc="http://schemas.openxmlformats.org/markup-compatibility/2006" xmlns:p14="http://schemas.microsoft.com/office/powerpoint/2010/main">
     <mc:Choice Requires="p14">
-      <p:transition spd="med" p14:dur="700" advClick="0" advTm="1500">
+      <p:transition spd="med" p14:dur="700">
         <p:fade/>
       </p:transition>
     </mc:Choice>
     <mc:Fallback xmlns="">
-      <p:transition spd="med" advClick="0" advTm="1500">
+      <p:transition spd="med">
         <p:fade/>
       </p:transition>
     </mc:Fallback>
@@ -15808,6 +15846,104 @@
       </p:grpSpPr>
       <p:sp>
         <p:nvSpPr>
+          <p:cNvPr id="2" name="Content Placeholder 1"/>
+          <p:cNvSpPr>
+            <a:spLocks noGrp="1"/>
+          </p:cNvSpPr>
+          <p:nvPr>
+            <p:ph idx="1"/>
+          </p:nvPr>
+        </p:nvSpPr>
+        <p:spPr/>
+        <p:txBody>
+          <a:bodyPr/>
+          <a:lstStyle/>
+          <a:p>
+            <a:pPr marL="342900" indent="-342900">
+              <a:buFont typeface="Wingdings" panose="05000000000000000000" pitchFamily="2" charset="2"/>
+              <a:buChar char="§"/>
+            </a:pPr>
+            <a:r>
+              <a:rPr lang="en-US" dirty="0"/>
+              <a:t>Views contain the logic required to display data to the user or to capture data from the user so that it can be processed by a controller action.</a:t>
+            </a:r>
+          </a:p>
+          <a:p>
+            <a:pPr marL="342900" indent="-342900">
+              <a:buFont typeface="Wingdings" panose="05000000000000000000" pitchFamily="2" charset="2"/>
+              <a:buChar char="§"/>
+            </a:pPr>
+            <a:endParaRPr lang="en-US" dirty="0"/>
+          </a:p>
+          <a:p>
+            <a:pPr marL="342900" indent="-342900">
+              <a:buFont typeface="Wingdings" panose="05000000000000000000" pitchFamily="2" charset="2"/>
+              <a:buChar char="§"/>
+            </a:pPr>
+            <a:r>
+              <a:rPr lang="en-US" dirty="0"/>
+              <a:t>Views </a:t>
+            </a:r>
+            <a:r>
+              <a:rPr lang="en-US" i="1" dirty="0"/>
+              <a:t>should:</a:t>
+            </a:r>
+          </a:p>
+          <a:p>
+            <a:pPr marL="597150" lvl="1" indent="-342900">
+              <a:buFont typeface="Wingdings" panose="05000000000000000000" pitchFamily="2" charset="2"/>
+              <a:buChar char="§"/>
+            </a:pPr>
+            <a:r>
+              <a:rPr lang="en-US" dirty="0"/>
+              <a:t> Contain the logic and markup required to present data to the user</a:t>
+            </a:r>
+          </a:p>
+          <a:p>
+            <a:pPr marL="597150" lvl="1" indent="-342900">
+              <a:buFont typeface="Wingdings" panose="05000000000000000000" pitchFamily="2" charset="2"/>
+              <a:buChar char="§"/>
+            </a:pPr>
+            <a:endParaRPr lang="en-US" dirty="0"/>
+          </a:p>
+          <a:p>
+            <a:pPr marL="342900" indent="-342900">
+              <a:buFont typeface="Wingdings" panose="05000000000000000000" pitchFamily="2" charset="2"/>
+              <a:buChar char="§"/>
+            </a:pPr>
+            <a:r>
+              <a:rPr lang="en-US" dirty="0"/>
+              <a:t>Views </a:t>
+            </a:r>
+            <a:r>
+              <a:rPr lang="en-US" i="1" dirty="0"/>
+              <a:t>should not</a:t>
+            </a:r>
+          </a:p>
+          <a:p>
+            <a:pPr marL="597150" lvl="1" indent="-342900">
+              <a:buFont typeface="Wingdings" panose="05000000000000000000" pitchFamily="2" charset="2"/>
+              <a:buChar char="§"/>
+            </a:pPr>
+            <a:r>
+              <a:rPr lang="en-US" dirty="0"/>
+              <a:t>Contain complex logic (this is better placed in a controller)</a:t>
+            </a:r>
+          </a:p>
+          <a:p>
+            <a:pPr marL="597150" lvl="1" indent="-342900">
+              <a:buFont typeface="Wingdings" panose="05000000000000000000" pitchFamily="2" charset="2"/>
+              <a:buChar char="§"/>
+            </a:pPr>
+            <a:r>
+              <a:rPr lang="en-US" dirty="0"/>
+              <a:t>Contain logic that creates, stores, or manipulates the domain model</a:t>
+            </a:r>
+          </a:p>
+        </p:txBody>
+      </p:sp>
+      <p:sp>
+        <p:nvSpPr>
           <p:cNvPr id="3" name="Title 2"/>
           <p:cNvSpPr>
             <a:spLocks noGrp="1"/>
@@ -15823,152 +15959,7 @@
           <a:p>
             <a:r>
               <a:rPr lang="en-US" dirty="0"/>
-              <a:t>First application</a:t>
-            </a:r>
-          </a:p>
-        </p:txBody>
-      </p:sp>
-      <p:sp>
-        <p:nvSpPr>
-          <p:cNvPr id="6" name="Text Placeholder 5"/>
-          <p:cNvSpPr>
-            <a:spLocks noGrp="1"/>
-          </p:cNvSpPr>
-          <p:nvPr>
-            <p:ph type="body" sz="quarter" idx="10"/>
-          </p:nvPr>
-        </p:nvSpPr>
-        <p:spPr/>
-        <p:txBody>
-          <a:bodyPr/>
-          <a:lstStyle/>
-          <a:p>
-            <a:r>
-              <a:rPr lang="en-US" dirty="0"/>
-              <a:t>Installing Visual Studio 2017</a:t>
-            </a:r>
-          </a:p>
-        </p:txBody>
-      </p:sp>
-      <p:sp>
-        <p:nvSpPr>
-          <p:cNvPr id="8" name="Content Placeholder 7"/>
-          <p:cNvSpPr>
-            <a:spLocks noGrp="1"/>
-          </p:cNvSpPr>
-          <p:nvPr>
-            <p:ph idx="1"/>
-          </p:nvPr>
-        </p:nvSpPr>
-        <p:spPr/>
-        <p:txBody>
-          <a:bodyPr/>
-          <a:lstStyle/>
-          <a:p>
-            <a:pPr marL="342900" indent="-342900" algn="just">
-              <a:buFont typeface="Wingdings" panose="05000000000000000000" pitchFamily="2" charset="2"/>
-              <a:buChar char="§"/>
-            </a:pPr>
-            <a:r>
-              <a:rPr lang="en-US" dirty="0"/>
-              <a:t>Visual Studio 2017 is available in </a:t>
-            </a:r>
-            <a:r>
-              <a:rPr lang="en-US" b="1" dirty="0"/>
-              <a:t>Community</a:t>
-            </a:r>
-            <a:r>
-              <a:rPr lang="en-US" dirty="0"/>
-              <a:t>, </a:t>
-            </a:r>
-            <a:r>
-              <a:rPr lang="en-US" b="1" dirty="0"/>
-              <a:t>Professional</a:t>
-            </a:r>
-            <a:r>
-              <a:rPr lang="en-US" dirty="0"/>
-              <a:t> and </a:t>
-            </a:r>
-            <a:r>
-              <a:rPr lang="en-US" b="1" dirty="0"/>
-              <a:t>Enterprise</a:t>
-            </a:r>
-            <a:r>
-              <a:rPr lang="en-US" dirty="0"/>
-              <a:t> editions.</a:t>
-            </a:r>
-          </a:p>
-          <a:p>
-            <a:pPr marL="342900" indent="-342900" algn="just">
-              <a:buFont typeface="Wingdings" panose="05000000000000000000" pitchFamily="2" charset="2"/>
-              <a:buChar char="§"/>
-            </a:pPr>
-            <a:endParaRPr lang="en-US" dirty="0"/>
-          </a:p>
-          <a:p>
-            <a:pPr marL="342900" indent="-342900" algn="just">
-              <a:buFont typeface="Wingdings" panose="05000000000000000000" pitchFamily="2" charset="2"/>
-              <a:buChar char="§"/>
-            </a:pPr>
-            <a:r>
-              <a:rPr lang="en-US" b="1" dirty="0"/>
-              <a:t>Community</a:t>
-            </a:r>
-            <a:r>
-              <a:rPr lang="en-US" dirty="0"/>
-              <a:t> is available for free and has all of the features required for day-to-day development. Download and run the installer from </a:t>
-            </a:r>
-            <a:r>
-              <a:rPr lang="en-US" dirty="0">
-                <a:hlinkClick r:id="rId2"/>
-              </a:rPr>
-              <a:t>www.visualstudio.com</a:t>
-            </a:r>
-            <a:endParaRPr lang="en-US" dirty="0"/>
-          </a:p>
-          <a:p>
-            <a:pPr marL="342900" indent="-342900" algn="just">
-              <a:buFont typeface="Wingdings" panose="05000000000000000000" pitchFamily="2" charset="2"/>
-              <a:buChar char="§"/>
-            </a:pPr>
-            <a:endParaRPr lang="en-US" dirty="0"/>
-          </a:p>
-          <a:p>
-            <a:pPr marL="342900" indent="-342900" algn="just">
-              <a:buFont typeface="Wingdings" panose="05000000000000000000" pitchFamily="2" charset="2"/>
-              <a:buChar char="§"/>
-            </a:pPr>
-            <a:r>
-              <a:rPr lang="en-US" b="1" dirty="0"/>
-              <a:t>Professional </a:t>
-            </a:r>
-            <a:r>
-              <a:rPr lang="en-US" dirty="0"/>
-              <a:t>is available through </a:t>
-            </a:r>
-            <a:r>
-              <a:rPr lang="en-US" dirty="0">
-                <a:hlinkClick r:id="rId3"/>
-              </a:rPr>
-              <a:t>microsoft.ase.ro </a:t>
-            </a:r>
-            <a:endParaRPr lang="en-US" dirty="0"/>
-          </a:p>
-          <a:p>
-            <a:pPr marL="342900" indent="-342900" algn="just">
-              <a:buFont typeface="Wingdings" panose="05000000000000000000" pitchFamily="2" charset="2"/>
-              <a:buChar char="§"/>
-            </a:pPr>
-            <a:endParaRPr lang="en-US" dirty="0"/>
-          </a:p>
-          <a:p>
-            <a:pPr marL="342900" indent="-342900" algn="just">
-              <a:buFont typeface="Wingdings" panose="05000000000000000000" pitchFamily="2" charset="2"/>
-              <a:buChar char="§"/>
-            </a:pPr>
-            <a:r>
-              <a:rPr lang="en-US" dirty="0"/>
-              <a:t>During setup make sure that you select the .NET Core Cross-Platform Development workload.</a:t>
+              <a:t>Views</a:t>
             </a:r>
           </a:p>
         </p:txBody>
@@ -15976,7 +15967,7 @@
     </p:spTree>
     <p:extLst>
       <p:ext uri="{BB962C8B-B14F-4D97-AF65-F5344CB8AC3E}">
-        <p14:creationId xmlns:p14="http://schemas.microsoft.com/office/powerpoint/2010/main" val="1338512398"/>
+        <p14:creationId xmlns:p14="http://schemas.microsoft.com/office/powerpoint/2010/main" val="2194480018"/>
       </p:ext>
     </p:extLst>
   </p:cSld>
@@ -16017,6 +16008,40 @@
       </p:grpSpPr>
       <p:sp>
         <p:nvSpPr>
+          <p:cNvPr id="2" name="Content Placeholder 1"/>
+          <p:cNvSpPr>
+            <a:spLocks noGrp="1"/>
+          </p:cNvSpPr>
+          <p:nvPr>
+            <p:ph idx="1"/>
+          </p:nvPr>
+        </p:nvSpPr>
+        <p:spPr/>
+        <p:txBody>
+          <a:bodyPr/>
+          <a:lstStyle/>
+          <a:p>
+            <a:pPr marL="342900" indent="-342900" algn="just">
+              <a:buFont typeface="Wingdings" panose="05000000000000000000" pitchFamily="2" charset="2"/>
+              <a:buChar char="§"/>
+            </a:pPr>
+            <a:r>
+              <a:rPr lang="en-US" dirty="0"/>
+              <a:t>Views </a:t>
+            </a:r>
+            <a:r>
+              <a:rPr lang="en-US" i="1" dirty="0"/>
+              <a:t>can </a:t>
+            </a:r>
+            <a:r>
+              <a:rPr lang="en-US" dirty="0"/>
+              <a:t>contain logic, but it should be simple and used sparingly. Putting anything but the simplest method calls or expressions in a view makes the overall application harder to test and maintain</a:t>
+            </a:r>
+          </a:p>
+        </p:txBody>
+      </p:sp>
+      <p:sp>
+        <p:nvSpPr>
           <p:cNvPr id="3" name="Title 2"/>
           <p:cNvSpPr>
             <a:spLocks noGrp="1"/>
@@ -16032,55 +16057,7 @@
           <a:p>
             <a:r>
               <a:rPr lang="en-US" dirty="0"/>
-              <a:t>First application</a:t>
-            </a:r>
-          </a:p>
-        </p:txBody>
-      </p:sp>
-      <p:pic>
-        <p:nvPicPr>
-          <p:cNvPr id="5" name="Content Placeholder 4"/>
-          <p:cNvPicPr>
-            <a:picLocks noGrp="1" noChangeAspect="1"/>
-          </p:cNvPicPr>
-          <p:nvPr>
-            <p:ph idx="1"/>
-          </p:nvPr>
-        </p:nvPicPr>
-        <p:blipFill>
-          <a:blip r:embed="rId2"/>
-          <a:stretch>
-            <a:fillRect/>
-          </a:stretch>
-        </p:blipFill>
-        <p:spPr>
-          <a:xfrm>
-            <a:off x="2975334" y="1341438"/>
-            <a:ext cx="6412782" cy="4813300"/>
-          </a:xfrm>
-          <a:prstGeom prst="rect">
-            <a:avLst/>
-          </a:prstGeom>
-        </p:spPr>
-      </p:pic>
-      <p:sp>
-        <p:nvSpPr>
-          <p:cNvPr id="6" name="Text Placeholder 5"/>
-          <p:cNvSpPr>
-            <a:spLocks noGrp="1"/>
-          </p:cNvSpPr>
-          <p:nvPr>
-            <p:ph type="body" sz="quarter" idx="10"/>
-          </p:nvPr>
-        </p:nvSpPr>
-        <p:spPr/>
-        <p:txBody>
-          <a:bodyPr/>
-          <a:lstStyle/>
-          <a:p>
-            <a:r>
-              <a:rPr lang="en-US" dirty="0"/>
-              <a:t>Installing Visual Studio 2017</a:t>
+              <a:t>Views</a:t>
             </a:r>
           </a:p>
         </p:txBody>
@@ -16088,7 +16065,7 @@
     </p:spTree>
     <p:extLst>
       <p:ext uri="{BB962C8B-B14F-4D97-AF65-F5344CB8AC3E}">
-        <p14:creationId xmlns:p14="http://schemas.microsoft.com/office/powerpoint/2010/main" val="174849330"/>
+        <p14:creationId xmlns:p14="http://schemas.microsoft.com/office/powerpoint/2010/main" val="3017161515"/>
       </p:ext>
     </p:extLst>
   </p:cSld>
@@ -16129,7 +16106,99 @@
       </p:grpSpPr>
       <p:sp>
         <p:nvSpPr>
-          <p:cNvPr id="7" name="Title 6"/>
+          <p:cNvPr id="4" name="Content Placeholder 2"/>
+          <p:cNvSpPr>
+            <a:spLocks noGrp="1"/>
+          </p:cNvSpPr>
+          <p:nvPr>
+            <p:ph idx="1"/>
+          </p:nvPr>
+        </p:nvSpPr>
+        <p:spPr/>
+        <p:txBody>
+          <a:bodyPr/>
+          <a:lstStyle/>
+          <a:p>
+            <a:pPr marL="342900" indent="-342900" algn="just">
+              <a:buFont typeface="Wingdings" panose="05000000000000000000" pitchFamily="2" charset="2"/>
+              <a:buChar char="§"/>
+            </a:pPr>
+            <a:r>
+              <a:rPr lang="en-US" dirty="0"/>
+              <a:t>ASP.NET MVC is a framework for building web applications that applies the general Model View Controller pattern to the ASP.NET framework.</a:t>
+            </a:r>
+            <a:endParaRPr lang="en-GB" dirty="0"/>
+          </a:p>
+          <a:p>
+            <a:pPr lvl="1"/>
+            <a:endParaRPr lang="en-GB" dirty="0"/>
+          </a:p>
+          <a:p>
+            <a:pPr marL="342900" indent="-342900" algn="just">
+              <a:buFont typeface="Wingdings" panose="05000000000000000000" pitchFamily="2" charset="2"/>
+              <a:buChar char="§"/>
+            </a:pPr>
+            <a:r>
+              <a:rPr lang="en-US" dirty="0"/>
+              <a:t>In ASP.NET Core MVC, controllers are C# classes, usually derived from the </a:t>
+            </a:r>
+            <a:r>
+              <a:rPr lang="en-US" dirty="0" err="1"/>
+              <a:t>Microsoft.AspNetCore.Mvc.Controller</a:t>
+            </a:r>
+            <a:r>
+              <a:rPr lang="en-US" dirty="0"/>
+              <a:t> class. </a:t>
+            </a:r>
+          </a:p>
+          <a:p>
+            <a:pPr marL="342900" indent="-342900">
+              <a:buFont typeface="Wingdings" panose="05000000000000000000" pitchFamily="2" charset="2"/>
+              <a:buChar char="§"/>
+            </a:pPr>
+            <a:endParaRPr lang="en-US" dirty="0"/>
+          </a:p>
+          <a:p>
+            <a:pPr marL="342900" indent="-342900">
+              <a:buFont typeface="Wingdings" panose="05000000000000000000" pitchFamily="2" charset="2"/>
+              <a:buChar char="§"/>
+            </a:pPr>
+            <a:r>
+              <a:rPr lang="en-US" dirty="0"/>
+              <a:t>Each public method in a class derived from Controller is an </a:t>
+            </a:r>
+            <a:r>
+              <a:rPr lang="en-US" i="1" dirty="0"/>
+              <a:t>action method</a:t>
+            </a:r>
+            <a:r>
+              <a:rPr lang="en-US" dirty="0"/>
+              <a:t>, which is associated with a URL. </a:t>
+            </a:r>
+          </a:p>
+          <a:p>
+            <a:pPr marL="342900" indent="-342900">
+              <a:buFont typeface="Wingdings" panose="05000000000000000000" pitchFamily="2" charset="2"/>
+              <a:buChar char="§"/>
+            </a:pPr>
+            <a:endParaRPr lang="en-US" dirty="0"/>
+          </a:p>
+          <a:p>
+            <a:pPr marL="342900" indent="-342900" algn="just">
+              <a:buFont typeface="Wingdings" panose="05000000000000000000" pitchFamily="2" charset="2"/>
+              <a:buChar char="§"/>
+            </a:pPr>
+            <a:r>
+              <a:rPr lang="en-US" dirty="0"/>
+              <a:t>When a request is sent to the URL associated with an action method, the statements in that action method are executed in order to perform some operation on the domain model and then to select a view to display to the client.</a:t>
+            </a:r>
+            <a:endParaRPr lang="en-GB" dirty="0"/>
+          </a:p>
+        </p:txBody>
+      </p:sp>
+      <p:sp>
+        <p:nvSpPr>
+          <p:cNvPr id="2" name="Title 1"/>
           <p:cNvSpPr>
             <a:spLocks noGrp="1"/>
           </p:cNvSpPr>
@@ -16137,74 +16206,18 @@
             <p:ph type="title"/>
           </p:nvPr>
         </p:nvSpPr>
-        <p:spPr/>
-        <p:txBody>
-          <a:bodyPr/>
-          <a:lstStyle/>
-          <a:p>
-            <a:r>
-              <a:rPr lang="en-US" dirty="0"/>
-              <a:t>First application</a:t>
-            </a:r>
-          </a:p>
-        </p:txBody>
-      </p:sp>
-      <p:pic>
-        <p:nvPicPr>
-          <p:cNvPr id="5" name="Content Placeholder 4">
-            <a:extLst>
-              <a:ext uri="{FF2B5EF4-FFF2-40B4-BE49-F238E27FC236}">
-                <a16:creationId xmlns:a16="http://schemas.microsoft.com/office/drawing/2014/main" id="{A5722852-C2D1-4CE2-B5EF-339259275B01}"/>
-              </a:ext>
-            </a:extLst>
-          </p:cNvPr>
-          <p:cNvPicPr>
-            <a:picLocks noGrp="1" noChangeAspect="1"/>
-          </p:cNvPicPr>
-          <p:nvPr>
-            <p:ph idx="1"/>
-          </p:nvPr>
-        </p:nvPicPr>
-        <p:blipFill>
-          <a:blip r:embed="rId2"/>
-          <a:stretch>
-            <a:fillRect/>
-          </a:stretch>
-        </p:blipFill>
         <p:spPr>
-          <a:xfrm>
-            <a:off x="1851596" y="1341438"/>
-            <a:ext cx="8660258" cy="4813300"/>
-          </a:xfrm>
           <a:prstGeom prst="rect">
             <a:avLst/>
           </a:prstGeom>
         </p:spPr>
-      </p:pic>
-      <p:sp>
-        <p:nvSpPr>
-          <p:cNvPr id="8" name="Text Placeholder 7">
-            <a:extLst>
-              <a:ext uri="{FF2B5EF4-FFF2-40B4-BE49-F238E27FC236}">
-                <a16:creationId xmlns:a16="http://schemas.microsoft.com/office/drawing/2014/main" id="{8F91BDAB-721A-4443-9A64-4BF1FFBFF5D2}"/>
-              </a:ext>
-            </a:extLst>
-          </p:cNvPr>
-          <p:cNvSpPr>
-            <a:spLocks noGrp="1"/>
-          </p:cNvSpPr>
-          <p:nvPr>
-            <p:ph type="body" sz="quarter" idx="10"/>
-          </p:nvPr>
-        </p:nvSpPr>
-        <p:spPr/>
         <p:txBody>
           <a:bodyPr/>
           <a:lstStyle/>
           <a:p>
             <a:r>
-              <a:rPr lang="en-US" dirty="0"/>
-              <a:t>New Project</a:t>
+              <a:rPr lang="en-GB" dirty="0"/>
+              <a:t>ASP.NET Core MVC</a:t>
             </a:r>
           </a:p>
         </p:txBody>
@@ -16212,7 +16225,7 @@
     </p:spTree>
     <p:extLst>
       <p:ext uri="{BB962C8B-B14F-4D97-AF65-F5344CB8AC3E}">
-        <p14:creationId xmlns:p14="http://schemas.microsoft.com/office/powerpoint/2010/main" val="3930858162"/>
+        <p14:creationId xmlns:p14="http://schemas.microsoft.com/office/powerpoint/2010/main" val="3923025056"/>
       </p:ext>
     </p:extLst>
   </p:cSld>
@@ -16251,37 +16264,9 @@
           <a:chExt cx="0" cy="0"/>
         </a:xfrm>
       </p:grpSpPr>
-      <p:sp>
-        <p:nvSpPr>
-          <p:cNvPr id="6" name="Title 5"/>
-          <p:cNvSpPr>
-            <a:spLocks noGrp="1"/>
-          </p:cNvSpPr>
-          <p:nvPr>
-            <p:ph type="title"/>
-          </p:nvPr>
-        </p:nvSpPr>
-        <p:spPr/>
-        <p:txBody>
-          <a:bodyPr/>
-          <a:lstStyle/>
-          <a:p>
-            <a:r>
-              <a:rPr lang="en-US" dirty="0"/>
-              <a:t>First application</a:t>
-            </a:r>
-          </a:p>
-        </p:txBody>
-      </p:sp>
       <p:pic>
         <p:nvPicPr>
-          <p:cNvPr id="4" name="Content Placeholder 3">
-            <a:extLst>
-              <a:ext uri="{FF2B5EF4-FFF2-40B4-BE49-F238E27FC236}">
-                <a16:creationId xmlns:a16="http://schemas.microsoft.com/office/drawing/2014/main" id="{04FFA0AA-1975-4859-9275-0CAE3AB393B0}"/>
-              </a:ext>
-            </a:extLst>
-          </p:cNvPr>
+          <p:cNvPr id="4" name="Content Placeholder 3"/>
           <p:cNvPicPr>
             <a:picLocks noGrp="1" noChangeAspect="1"/>
           </p:cNvPicPr>
@@ -16297,8 +16282,8 @@
         </p:blipFill>
         <p:spPr>
           <a:xfrm>
-            <a:off x="2761062" y="1341438"/>
-            <a:ext cx="6841326" cy="4813300"/>
+            <a:off x="1985925" y="3028808"/>
+            <a:ext cx="8391601" cy="1438560"/>
           </a:xfrm>
           <a:prstGeom prst="rect">
             <a:avLst/>
@@ -16307,18 +16292,12 @@
       </p:pic>
       <p:sp>
         <p:nvSpPr>
-          <p:cNvPr id="7" name="Text Placeholder 6">
-            <a:extLst>
-              <a:ext uri="{FF2B5EF4-FFF2-40B4-BE49-F238E27FC236}">
-                <a16:creationId xmlns:a16="http://schemas.microsoft.com/office/drawing/2014/main" id="{C1844C5D-75FD-46A8-8ECC-44E6666C22B1}"/>
-              </a:ext>
-            </a:extLst>
-          </p:cNvPr>
+          <p:cNvPr id="3" name="Title 2"/>
           <p:cNvSpPr>
             <a:spLocks noGrp="1"/>
           </p:cNvSpPr>
           <p:nvPr>
-            <p:ph type="body" sz="quarter" idx="10"/>
+            <p:ph type="title"/>
           </p:nvPr>
         </p:nvSpPr>
         <p:spPr/>
@@ -16328,7 +16307,7 @@
           <a:p>
             <a:r>
               <a:rPr lang="en-US" dirty="0"/>
-              <a:t>Selecting the project template</a:t>
+              <a:t>ASP.NET Core MVC</a:t>
             </a:r>
           </a:p>
         </p:txBody>
@@ -16336,7 +16315,7 @@
     </p:spTree>
     <p:extLst>
       <p:ext uri="{BB962C8B-B14F-4D97-AF65-F5344CB8AC3E}">
-        <p14:creationId xmlns:p14="http://schemas.microsoft.com/office/powerpoint/2010/main" val="890533521"/>
+        <p14:creationId xmlns:p14="http://schemas.microsoft.com/office/powerpoint/2010/main" val="1248056566"/>
       </p:ext>
     </p:extLst>
   </p:cSld>
@@ -16377,7 +16356,7 @@
       </p:grpSpPr>
       <p:sp>
         <p:nvSpPr>
-          <p:cNvPr id="2" name="Title 1"/>
+          <p:cNvPr id="3" name="Title 2"/>
           <p:cNvSpPr>
             <a:spLocks noGrp="1"/>
           </p:cNvSpPr>
@@ -16392,14 +16371,14 @@
           <a:p>
             <a:r>
               <a:rPr lang="en-US" dirty="0"/>
-              <a:t>First application</a:t>
+              <a:t>ASP.NET Core MVC</a:t>
             </a:r>
           </a:p>
         </p:txBody>
       </p:sp>
       <p:sp>
         <p:nvSpPr>
-          <p:cNvPr id="3" name="Content Placeholder 2"/>
+          <p:cNvPr id="5" name="Content Placeholder 4"/>
           <p:cNvSpPr>
             <a:spLocks noGrp="1"/>
           </p:cNvSpPr>
@@ -16416,40 +16395,17 @@
               <a:buFont typeface="Wingdings" panose="05000000000000000000" pitchFamily="2" charset="2"/>
               <a:buChar char="§"/>
             </a:pPr>
-            <a:endParaRPr lang="en-US" dirty="0"/>
-          </a:p>
-          <a:p>
-            <a:pPr marL="342900" indent="-342900" algn="just">
-              <a:buFont typeface="Wingdings" panose="05000000000000000000" pitchFamily="2" charset="2"/>
-              <a:buChar char="§"/>
-            </a:pPr>
-            <a:r>
-              <a:rPr lang="en-US" dirty="0"/>
-              <a:t>C# (pronounced "C sharp") is a general-purpose, </a:t>
-            </a:r>
-            <a:r>
-              <a:rPr lang="en-US" b="1" dirty="0"/>
-              <a:t>strongly typed</a:t>
-            </a:r>
-            <a:r>
-              <a:rPr lang="en-US" dirty="0"/>
-              <a:t>, </a:t>
-            </a:r>
-            <a:r>
-              <a:rPr lang="en-US" b="1" dirty="0"/>
-              <a:t>type-safe </a:t>
-            </a:r>
-            <a:r>
-              <a:rPr lang="en-US" dirty="0"/>
-              <a:t>language, </a:t>
-            </a:r>
-            <a:r>
-              <a:rPr lang="en-US" b="1" dirty="0"/>
-              <a:t>object-oriented</a:t>
-            </a:r>
-            <a:r>
-              <a:rPr lang="en-US" dirty="0"/>
-              <a:t> programming language, designed for building a variety of applications</a:t>
+            <a:r>
+              <a:rPr lang="en-US" dirty="0"/>
+              <a:t>ASP.NET Core MVC uses a </a:t>
+            </a:r>
+            <a:r>
+              <a:rPr lang="en-US" i="1" dirty="0"/>
+              <a:t>view engine </a:t>
+            </a:r>
+            <a:r>
+              <a:rPr lang="en-US" dirty="0"/>
+              <a:t>, known as Razor, which is the component responsible for processing a view in order to generate a response for the browser. Razor views are HTML templates that contain C# logic that is used to process model data to generate dynamic content that responds to changes in the model. </a:t>
             </a:r>
           </a:p>
           <a:p>
@@ -16460,91 +16416,13 @@
             <a:endParaRPr lang="en-US" dirty="0"/>
           </a:p>
           <a:p>
-            <a:pPr marL="342900" indent="-342900" algn="just">
+            <a:pPr marL="342900" indent="-342900">
               <a:buFont typeface="Wingdings" panose="05000000000000000000" pitchFamily="2" charset="2"/>
               <a:buChar char="§"/>
             </a:pPr>
             <a:r>
               <a:rPr lang="en-US" dirty="0"/>
-              <a:t>Focused on developer </a:t>
-            </a:r>
-            <a:r>
-              <a:rPr lang="en-US" b="1" dirty="0"/>
-              <a:t>productivity</a:t>
-            </a:r>
-            <a:r>
-              <a:rPr lang="en-US" dirty="0"/>
-              <a:t>. </a:t>
-            </a:r>
-          </a:p>
-          <a:p>
-            <a:pPr marL="342900" indent="-342900" algn="just">
-              <a:buFont typeface="Wingdings" panose="05000000000000000000" pitchFamily="2" charset="2"/>
-              <a:buChar char="§"/>
-            </a:pPr>
-            <a:endParaRPr lang="en-US" dirty="0"/>
-          </a:p>
-          <a:p>
-            <a:pPr marL="342900" indent="-342900" algn="just">
-              <a:buFont typeface="Wingdings" panose="05000000000000000000" pitchFamily="2" charset="2"/>
-              <a:buChar char="§"/>
-            </a:pPr>
-            <a:r>
-              <a:rPr lang="en-US" dirty="0"/>
-              <a:t>C# syntax is based on the C &amp; C++ syntax.</a:t>
-            </a:r>
-          </a:p>
-          <a:p>
-            <a:pPr algn="just"/>
-            <a:endParaRPr lang="en-US" dirty="0"/>
-          </a:p>
-          <a:p>
-            <a:pPr marL="342900" indent="-342900" algn="just">
-              <a:buFont typeface="Wingdings" panose="05000000000000000000" pitchFamily="2" charset="2"/>
-              <a:buChar char="§"/>
-            </a:pPr>
-            <a:r>
-              <a:rPr lang="en-US" dirty="0"/>
-              <a:t>Platform-neutral, but it was written to work well with the Microsoft .NET Framework.</a:t>
-            </a:r>
-          </a:p>
-          <a:p>
-            <a:pPr marL="342900" indent="-342900" algn="just">
-              <a:buFont typeface="Wingdings" panose="05000000000000000000" pitchFamily="2" charset="2"/>
-              <a:buChar char="§"/>
-            </a:pPr>
-            <a:endParaRPr lang="en-US" dirty="0"/>
-          </a:p>
-          <a:p>
-            <a:pPr marL="342900" indent="-342900" algn="just">
-              <a:buFont typeface="Wingdings" panose="05000000000000000000" pitchFamily="2" charset="2"/>
-              <a:buChar char="§"/>
-            </a:pPr>
-            <a:endParaRPr lang="en-US" dirty="0"/>
-          </a:p>
-          <a:p>
-            <a:endParaRPr lang="en-US" dirty="0"/>
-          </a:p>
-        </p:txBody>
-      </p:sp>
-      <p:sp>
-        <p:nvSpPr>
-          <p:cNvPr id="4" name="Text Placeholder 3"/>
-          <p:cNvSpPr>
-            <a:spLocks noGrp="1"/>
-          </p:cNvSpPr>
-          <p:nvPr>
-            <p:ph type="body" sz="quarter" idx="10"/>
-          </p:nvPr>
-        </p:nvSpPr>
-        <p:spPr/>
-        <p:txBody>
-          <a:bodyPr/>
-          <a:lstStyle/>
-          <a:p>
-            <a:r>
-              <a:rPr lang="en-US" dirty="0"/>
-              <a:t>Why use C#?</a:t>
+              <a:t>ASP.NET Core MVC doesn’t apply any constraints on the implementation of your domain model. You can create a model using regular C# objects and implement persistence using any of the databases, object relational mapping frameworks, or other data tools supported by .NET.</a:t>
             </a:r>
           </a:p>
         </p:txBody>
@@ -16552,7 +16430,7 @@
     </p:spTree>
     <p:extLst>
       <p:ext uri="{BB962C8B-B14F-4D97-AF65-F5344CB8AC3E}">
-        <p14:creationId xmlns:p14="http://schemas.microsoft.com/office/powerpoint/2010/main" val="1066454379"/>
+        <p14:creationId xmlns:p14="http://schemas.microsoft.com/office/powerpoint/2010/main" val="2794052552"/>
       </p:ext>
     </p:extLst>
   </p:cSld>

--- a/Presentation ASPNET MVC Core - Part I.pptx
+++ b/Presentation ASPNET MVC Core - Part I.pptx
@@ -381,7 +381,7 @@
           <a:p>
             <a:fld id="{CD54E0B9-A397-428E-BA01-CD7A34B572EB}" type="datetimeFigureOut">
               <a:rPr lang="en-US" smtClean="0"/>
-              <a:t>18-May-18</a:t>
+              <a:t>5/16/2019</a:t>
             </a:fld>
             <a:endParaRPr lang="en-US"/>
           </a:p>
@@ -546,7 +546,7 @@
           <a:p>
             <a:fld id="{AA161301-18C9-4CA0-A0BF-791B6E0DDD4D}" type="datetimeFigureOut">
               <a:rPr lang="en-GB" smtClean="0"/>
-              <a:t>18/05/2018</a:t>
+              <a:t>16/05/2019</a:t>
             </a:fld>
             <a:endParaRPr lang="en-GB"/>
           </a:p>
@@ -1920,6 +1920,798 @@
 </file>
 
 <file path=ppt/slideLayouts/slideLayout10.xml><?xml version="1.0" encoding="utf-8"?>
+<p:sldLayout xmlns:a="http://schemas.openxmlformats.org/drawingml/2006/main" xmlns:r="http://schemas.openxmlformats.org/officeDocument/2006/relationships" xmlns:p="http://schemas.openxmlformats.org/presentationml/2006/main" preserve="1" userDrawn="1">
+  <p:cSld name="7_Title and Content">
+    <p:spTree>
+      <p:nvGrpSpPr>
+        <p:cNvPr id="1" name=""/>
+        <p:cNvGrpSpPr/>
+        <p:nvPr/>
+      </p:nvGrpSpPr>
+      <p:grpSpPr>
+        <a:xfrm>
+          <a:off x="0" y="0"/>
+          <a:ext cx="0" cy="0"/>
+          <a:chOff x="0" y="0"/>
+          <a:chExt cx="0" cy="0"/>
+        </a:xfrm>
+      </p:grpSpPr>
+      <p:sp>
+        <p:nvSpPr>
+          <p:cNvPr id="6" name="Rectangle 5"/>
+          <p:cNvSpPr/>
+          <p:nvPr userDrawn="1"/>
+        </p:nvSpPr>
+        <p:spPr>
+          <a:xfrm>
+            <a:off x="0" y="260648"/>
+            <a:ext cx="239349" cy="792088"/>
+          </a:xfrm>
+          <a:prstGeom prst="rect">
+            <a:avLst/>
+          </a:prstGeom>
+          <a:solidFill>
+            <a:srgbClr val="FA6800"/>
+          </a:solidFill>
+          <a:ln>
+            <a:noFill/>
+          </a:ln>
+        </p:spPr>
+        <p:style>
+          <a:lnRef idx="2">
+            <a:schemeClr val="accent1">
+              <a:shade val="50000"/>
+            </a:schemeClr>
+          </a:lnRef>
+          <a:fillRef idx="1">
+            <a:schemeClr val="accent1"/>
+          </a:fillRef>
+          <a:effectRef idx="0">
+            <a:schemeClr val="accent1"/>
+          </a:effectRef>
+          <a:fontRef idx="minor">
+            <a:schemeClr val="lt1"/>
+          </a:fontRef>
+        </p:style>
+        <p:txBody>
+          <a:bodyPr rtlCol="0" anchor="ctr"/>
+          <a:lstStyle/>
+          <a:p>
+            <a:pPr algn="ctr"/>
+            <a:endParaRPr lang="en-GB" sz="1800">
+              <a:latin typeface="Segoe WP" pitchFamily="34" charset="0"/>
+            </a:endParaRPr>
+          </a:p>
+        </p:txBody>
+      </p:sp>
+      <p:sp>
+        <p:nvSpPr>
+          <p:cNvPr id="7" name="Title 1"/>
+          <p:cNvSpPr>
+            <a:spLocks noGrp="1"/>
+          </p:cNvSpPr>
+          <p:nvPr>
+            <p:ph type="title"/>
+          </p:nvPr>
+        </p:nvSpPr>
+        <p:spPr>
+          <a:xfrm>
+            <a:off x="431370" y="260648"/>
+            <a:ext cx="11160165" cy="288032"/>
+          </a:xfrm>
+          <a:prstGeom prst="rect">
+            <a:avLst/>
+          </a:prstGeom>
+        </p:spPr>
+        <p:txBody>
+          <a:bodyPr anchor="ctr"/>
+          <a:lstStyle>
+            <a:lvl1pPr>
+              <a:defRPr sz="2000" b="1">
+                <a:solidFill>
+                  <a:schemeClr val="tx1">
+                    <a:lumMod val="50000"/>
+                    <a:lumOff val="50000"/>
+                  </a:schemeClr>
+                </a:solidFill>
+                <a:latin typeface="Segoe UI Light" pitchFamily="34" charset="0"/>
+              </a:defRPr>
+            </a:lvl1pPr>
+          </a:lstStyle>
+          <a:p>
+            <a:r>
+              <a:rPr lang="en-US" dirty="0"/>
+              <a:t>Click to edit Master title style</a:t>
+            </a:r>
+            <a:endParaRPr lang="en-GB" dirty="0"/>
+          </a:p>
+        </p:txBody>
+      </p:sp>
+      <p:sp>
+        <p:nvSpPr>
+          <p:cNvPr id="8" name="Content Placeholder 2"/>
+          <p:cNvSpPr>
+            <a:spLocks noGrp="1"/>
+          </p:cNvSpPr>
+          <p:nvPr>
+            <p:ph idx="1"/>
+          </p:nvPr>
+        </p:nvSpPr>
+        <p:spPr>
+          <a:xfrm>
+            <a:off x="5087888" y="1340768"/>
+            <a:ext cx="6508304" cy="4813995"/>
+          </a:xfrm>
+          <a:prstGeom prst="rect">
+            <a:avLst/>
+          </a:prstGeom>
+        </p:spPr>
+        <p:txBody>
+          <a:bodyPr anchor="ctr"/>
+          <a:lstStyle>
+            <a:lvl1pPr marL="0" indent="0" algn="just">
+              <a:buClr>
+                <a:schemeClr val="tx1"/>
+              </a:buClr>
+              <a:buFontTx/>
+              <a:buNone/>
+              <a:defRPr sz="2400">
+                <a:solidFill>
+                  <a:schemeClr val="tx1"/>
+                </a:solidFill>
+                <a:latin typeface="Segoe UI Light" pitchFamily="34" charset="0"/>
+              </a:defRPr>
+            </a:lvl1pPr>
+            <a:lvl2pPr marL="254250" indent="0" algn="just">
+              <a:buClr>
+                <a:schemeClr val="tx1"/>
+              </a:buClr>
+              <a:buFontTx/>
+              <a:buNone/>
+              <a:defRPr sz="2400">
+                <a:solidFill>
+                  <a:schemeClr val="tx1">
+                    <a:lumMod val="65000"/>
+                    <a:lumOff val="35000"/>
+                  </a:schemeClr>
+                </a:solidFill>
+                <a:latin typeface="Segoe UI Light" pitchFamily="34" charset="0"/>
+              </a:defRPr>
+            </a:lvl2pPr>
+            <a:lvl3pPr marL="491400" indent="0" algn="just">
+              <a:buClr>
+                <a:schemeClr val="tx1"/>
+              </a:buClr>
+              <a:buFontTx/>
+              <a:buNone/>
+              <a:defRPr sz="2400">
+                <a:solidFill>
+                  <a:schemeClr val="bg1">
+                    <a:lumMod val="50000"/>
+                  </a:schemeClr>
+                </a:solidFill>
+                <a:latin typeface="Segoe UI Light" pitchFamily="34" charset="0"/>
+              </a:defRPr>
+            </a:lvl3pPr>
+          </a:lstStyle>
+          <a:p>
+            <a:pPr lvl="0"/>
+            <a:r>
+              <a:rPr lang="en-US" dirty="0"/>
+              <a:t>Click to edit Master text styles</a:t>
+            </a:r>
+          </a:p>
+          <a:p>
+            <a:pPr lvl="1"/>
+            <a:r>
+              <a:rPr lang="en-US" dirty="0"/>
+              <a:t>Second level</a:t>
+            </a:r>
+          </a:p>
+          <a:p>
+            <a:pPr lvl="2"/>
+            <a:r>
+              <a:rPr lang="en-US" dirty="0"/>
+              <a:t>Third level</a:t>
+            </a:r>
+          </a:p>
+        </p:txBody>
+      </p:sp>
+      <p:sp>
+        <p:nvSpPr>
+          <p:cNvPr id="3" name="TextBox 2"/>
+          <p:cNvSpPr txBox="1"/>
+          <p:nvPr userDrawn="1"/>
+        </p:nvSpPr>
+        <p:spPr>
+          <a:xfrm>
+            <a:off x="11591536" y="6381328"/>
+            <a:ext cx="457176" cy="369332"/>
+          </a:xfrm>
+          <a:prstGeom prst="rect">
+            <a:avLst/>
+          </a:prstGeom>
+          <a:noFill/>
+        </p:spPr>
+        <p:txBody>
+          <a:bodyPr wrap="none" rtlCol="0">
+            <a:spAutoFit/>
+          </a:bodyPr>
+          <a:lstStyle/>
+          <a:p>
+            <a:fld id="{D2FC744C-0FD2-4FEB-9E68-B623E52109BF}" type="slidenum">
+              <a:rPr lang="en-US" smtClean="0"/>
+              <a:t>‹#›</a:t>
+            </a:fld>
+            <a:endParaRPr lang="en-US" dirty="0"/>
+          </a:p>
+        </p:txBody>
+      </p:sp>
+      <p:sp>
+        <p:nvSpPr>
+          <p:cNvPr id="4" name="Text Placeholder 3"/>
+          <p:cNvSpPr>
+            <a:spLocks noGrp="1"/>
+          </p:cNvSpPr>
+          <p:nvPr>
+            <p:ph type="body" sz="quarter" idx="10"/>
+          </p:nvPr>
+        </p:nvSpPr>
+        <p:spPr>
+          <a:xfrm>
+            <a:off x="431370" y="597637"/>
+            <a:ext cx="11160166" cy="432048"/>
+          </a:xfrm>
+          <a:prstGeom prst="rect">
+            <a:avLst/>
+          </a:prstGeom>
+        </p:spPr>
+        <p:txBody>
+          <a:bodyPr/>
+          <a:lstStyle>
+            <a:lvl1pPr marL="0" indent="0">
+              <a:buNone/>
+              <a:defRPr sz="3200" b="1">
+                <a:solidFill>
+                  <a:schemeClr val="tx1"/>
+                </a:solidFill>
+                <a:latin typeface="Segoe UI Light" panose="020B0502040204020203" pitchFamily="34" charset="0"/>
+                <a:ea typeface="Segoe UI Historic" panose="020B0502040204020203" pitchFamily="34" charset="0"/>
+                <a:cs typeface="Segoe UI Light" panose="020B0502040204020203" pitchFamily="34" charset="0"/>
+              </a:defRPr>
+            </a:lvl1pPr>
+          </a:lstStyle>
+          <a:p>
+            <a:pPr lvl="0"/>
+            <a:endParaRPr lang="en-US" dirty="0"/>
+          </a:p>
+        </p:txBody>
+      </p:sp>
+      <p:pic>
+        <p:nvPicPr>
+          <p:cNvPr id="10" name="Picture 9">
+            <a:extLst>
+              <a:ext uri="{FF2B5EF4-FFF2-40B4-BE49-F238E27FC236}">
+                <a16:creationId xmlns:a16="http://schemas.microsoft.com/office/drawing/2014/main" id="{5B9F982F-B5FA-448A-910D-D31E3985379E}"/>
+              </a:ext>
+            </a:extLst>
+          </p:cNvPr>
+          <p:cNvPicPr>
+            <a:picLocks noChangeAspect="1"/>
+          </p:cNvPicPr>
+          <p:nvPr userDrawn="1"/>
+        </p:nvPicPr>
+        <p:blipFill>
+          <a:blip r:embed="rId2" cstate="print">
+            <a:extLst>
+              <a:ext uri="{28A0092B-C50C-407E-A947-70E740481C1C}">
+                <a14:useLocalDpi xmlns:a14="http://schemas.microsoft.com/office/drawing/2010/main" val="0"/>
+              </a:ext>
+            </a:extLst>
+          </a:blip>
+          <a:stretch>
+            <a:fillRect/>
+          </a:stretch>
+        </p:blipFill>
+        <p:spPr>
+          <a:xfrm rot="2700000">
+            <a:off x="909962" y="2226699"/>
+            <a:ext cx="3238010" cy="3238010"/>
+          </a:xfrm>
+          <a:prstGeom prst="rect">
+            <a:avLst/>
+          </a:prstGeom>
+        </p:spPr>
+      </p:pic>
+    </p:spTree>
+    <p:extLst>
+      <p:ext uri="{BB962C8B-B14F-4D97-AF65-F5344CB8AC3E}">
+        <p14:creationId xmlns:p14="http://schemas.microsoft.com/office/powerpoint/2010/main" val="3951208712"/>
+      </p:ext>
+    </p:extLst>
+  </p:cSld>
+  <p:clrMapOvr>
+    <a:masterClrMapping/>
+  </p:clrMapOvr>
+  <mc:AlternateContent xmlns:mc="http://schemas.openxmlformats.org/markup-compatibility/2006" xmlns:p14="http://schemas.microsoft.com/office/powerpoint/2010/main">
+    <mc:Choice Requires="p14">
+      <p:transition spd="med" p14:dur="700">
+        <p:fade/>
+      </p:transition>
+    </mc:Choice>
+    <mc:Fallback xmlns="">
+      <p:transition spd="med">
+        <p:fade/>
+      </p:transition>
+    </mc:Fallback>
+  </mc:AlternateContent>
+  <p:timing>
+    <p:tnLst>
+      <p:par>
+        <p:cTn id="1" dur="indefinite" restart="never" nodeType="tmRoot">
+          <p:childTnLst>
+            <p:seq concurrent="1" nextAc="seek">
+              <p:cTn id="2" dur="indefinite" nodeType="mainSeq">
+                <p:childTnLst>
+                  <p:par>
+                    <p:cTn id="3" fill="hold">
+                      <p:stCondLst>
+                        <p:cond delay="indefinite"/>
+                        <p:cond evt="onBegin" delay="0">
+                          <p:tn val="2"/>
+                        </p:cond>
+                      </p:stCondLst>
+                      <p:childTnLst>
+                        <p:par>
+                          <p:cTn id="4" fill="hold">
+                            <p:stCondLst>
+                              <p:cond delay="0"/>
+                            </p:stCondLst>
+                            <p:childTnLst>
+                              <p:par>
+                                <p:cTn id="5" presetID="10" presetClass="entr" presetSubtype="0" fill="hold" grpId="0" nodeType="withEffect">
+                                  <p:stCondLst>
+                                    <p:cond delay="600"/>
+                                  </p:stCondLst>
+                                  <p:childTnLst>
+                                    <p:set>
+                                      <p:cBhvr>
+                                        <p:cTn id="6" dur="1" fill="hold">
+                                          <p:stCondLst>
+                                            <p:cond delay="0"/>
+                                          </p:stCondLst>
+                                        </p:cTn>
+                                        <p:tgtEl>
+                                          <p:spTgt spid="8">
+                                            <p:txEl>
+                                              <p:pRg st="0" end="0"/>
+                                            </p:txEl>
+                                          </p:spTgt>
+                                        </p:tgtEl>
+                                        <p:attrNameLst>
+                                          <p:attrName>style.visibility</p:attrName>
+                                        </p:attrNameLst>
+                                      </p:cBhvr>
+                                      <p:to>
+                                        <p:strVal val="visible"/>
+                                      </p:to>
+                                    </p:set>
+                                    <p:animEffect transition="in" filter="fade">
+                                      <p:cBhvr>
+                                        <p:cTn id="7" dur="1700"/>
+                                        <p:tgtEl>
+                                          <p:spTgt spid="8">
+                                            <p:txEl>
+                                              <p:pRg st="0" end="0"/>
+                                            </p:txEl>
+                                          </p:spTgt>
+                                        </p:tgtEl>
+                                      </p:cBhvr>
+                                    </p:animEffect>
+                                  </p:childTnLst>
+                                </p:cTn>
+                              </p:par>
+                              <p:par>
+                                <p:cTn id="8" presetID="10" presetClass="entr" presetSubtype="0" fill="hold" grpId="0" nodeType="withEffect">
+                                  <p:stCondLst>
+                                    <p:cond delay="900"/>
+                                  </p:stCondLst>
+                                  <p:childTnLst>
+                                    <p:set>
+                                      <p:cBhvr>
+                                        <p:cTn id="9" dur="1" fill="hold">
+                                          <p:stCondLst>
+                                            <p:cond delay="0"/>
+                                          </p:stCondLst>
+                                        </p:cTn>
+                                        <p:tgtEl>
+                                          <p:spTgt spid="8">
+                                            <p:txEl>
+                                              <p:pRg st="1" end="1"/>
+                                            </p:txEl>
+                                          </p:spTgt>
+                                        </p:tgtEl>
+                                        <p:attrNameLst>
+                                          <p:attrName>style.visibility</p:attrName>
+                                        </p:attrNameLst>
+                                      </p:cBhvr>
+                                      <p:to>
+                                        <p:strVal val="visible"/>
+                                      </p:to>
+                                    </p:set>
+                                    <p:animEffect transition="in" filter="fade">
+                                      <p:cBhvr>
+                                        <p:cTn id="10" dur="1700"/>
+                                        <p:tgtEl>
+                                          <p:spTgt spid="8">
+                                            <p:txEl>
+                                              <p:pRg st="1" end="1"/>
+                                            </p:txEl>
+                                          </p:spTgt>
+                                        </p:tgtEl>
+                                      </p:cBhvr>
+                                    </p:animEffect>
+                                  </p:childTnLst>
+                                </p:cTn>
+                              </p:par>
+                              <p:par>
+                                <p:cTn id="11" presetID="10" presetClass="entr" presetSubtype="0" fill="hold" grpId="0" nodeType="withEffect">
+                                  <p:stCondLst>
+                                    <p:cond delay="1100"/>
+                                  </p:stCondLst>
+                                  <p:childTnLst>
+                                    <p:set>
+                                      <p:cBhvr>
+                                        <p:cTn id="12" dur="1" fill="hold">
+                                          <p:stCondLst>
+                                            <p:cond delay="0"/>
+                                          </p:stCondLst>
+                                        </p:cTn>
+                                        <p:tgtEl>
+                                          <p:spTgt spid="8">
+                                            <p:txEl>
+                                              <p:pRg st="2" end="2"/>
+                                            </p:txEl>
+                                          </p:spTgt>
+                                        </p:tgtEl>
+                                        <p:attrNameLst>
+                                          <p:attrName>style.visibility</p:attrName>
+                                        </p:attrNameLst>
+                                      </p:cBhvr>
+                                      <p:to>
+                                        <p:strVal val="visible"/>
+                                      </p:to>
+                                    </p:set>
+                                    <p:animEffect transition="in" filter="fade">
+                                      <p:cBhvr>
+                                        <p:cTn id="13" dur="1600"/>
+                                        <p:tgtEl>
+                                          <p:spTgt spid="8">
+                                            <p:txEl>
+                                              <p:pRg st="2" end="2"/>
+                                            </p:txEl>
+                                          </p:spTgt>
+                                        </p:tgtEl>
+                                      </p:cBhvr>
+                                    </p:animEffect>
+                                  </p:childTnLst>
+                                </p:cTn>
+                              </p:par>
+                              <p:par>
+                                <p:cTn id="14" presetID="42" presetClass="path" presetSubtype="0" accel="50000" decel="50000" fill="hold" grpId="1" nodeType="withEffect">
+                                  <p:stCondLst>
+                                    <p:cond delay="500"/>
+                                  </p:stCondLst>
+                                  <p:childTnLst>
+                                    <p:animMotion origin="layout" path="M -1.875E-6 1.11111E-6 L -0.02357 1.11111E-6 " pathEditMode="relative" rAng="0" ptsTypes="AA">
+                                      <p:cBhvr>
+                                        <p:cTn id="15" dur="1200" fill="hold"/>
+                                        <p:tgtEl>
+                                          <p:spTgt spid="8">
+                                            <p:txEl>
+                                              <p:pRg st="0" end="0"/>
+                                            </p:txEl>
+                                          </p:spTgt>
+                                        </p:tgtEl>
+                                        <p:attrNameLst>
+                                          <p:attrName>ppt_x</p:attrName>
+                                          <p:attrName>ppt_y</p:attrName>
+                                        </p:attrNameLst>
+                                      </p:cBhvr>
+                                      <p:rCtr x="-1185" y="0"/>
+                                    </p:animMotion>
+                                  </p:childTnLst>
+                                </p:cTn>
+                              </p:par>
+                              <p:par>
+                                <p:cTn id="16" presetID="42" presetClass="path" presetSubtype="0" accel="50000" decel="50000" fill="hold" grpId="1" nodeType="withEffect">
+                                  <p:stCondLst>
+                                    <p:cond delay="700"/>
+                                  </p:stCondLst>
+                                  <p:childTnLst>
+                                    <p:animMotion origin="layout" path="M 0.02357 -3.7037E-6 L -3.54167E-6 -3.7037E-6 " pathEditMode="relative" rAng="0" ptsTypes="AA">
+                                      <p:cBhvr>
+                                        <p:cTn id="17" dur="1100" fill="hold"/>
+                                        <p:tgtEl>
+                                          <p:spTgt spid="8">
+                                            <p:txEl>
+                                              <p:pRg st="1" end="1"/>
+                                            </p:txEl>
+                                          </p:spTgt>
+                                        </p:tgtEl>
+                                        <p:attrNameLst>
+                                          <p:attrName>ppt_x</p:attrName>
+                                          <p:attrName>ppt_y</p:attrName>
+                                        </p:attrNameLst>
+                                      </p:cBhvr>
+                                      <p:rCtr x="-1185" y="0"/>
+                                    </p:animMotion>
+                                  </p:childTnLst>
+                                </p:cTn>
+                              </p:par>
+                              <p:par>
+                                <p:cTn id="18" presetID="42" presetClass="path" presetSubtype="0" accel="50000" decel="50000" fill="hold" grpId="1" nodeType="withEffect">
+                                  <p:stCondLst>
+                                    <p:cond delay="1000"/>
+                                  </p:stCondLst>
+                                  <p:childTnLst>
+                                    <p:animMotion origin="layout" path="M 0.0448 0.00857 L 0.02904 0.00857 " pathEditMode="relative" rAng="0" ptsTypes="AA">
+                                      <p:cBhvr>
+                                        <p:cTn id="19" dur="900" fill="hold"/>
+                                        <p:tgtEl>
+                                          <p:spTgt spid="8">
+                                            <p:txEl>
+                                              <p:pRg st="2" end="2"/>
+                                            </p:txEl>
+                                          </p:spTgt>
+                                        </p:tgtEl>
+                                        <p:attrNameLst>
+                                          <p:attrName>ppt_x</p:attrName>
+                                          <p:attrName>ppt_y</p:attrName>
+                                        </p:attrNameLst>
+                                      </p:cBhvr>
+                                      <p:rCtr x="-794" y="0"/>
+                                    </p:animMotion>
+                                  </p:childTnLst>
+                                </p:cTn>
+                              </p:par>
+                            </p:childTnLst>
+                          </p:cTn>
+                        </p:par>
+                      </p:childTnLst>
+                    </p:cTn>
+                  </p:par>
+                </p:childTnLst>
+              </p:cTn>
+              <p:prevCondLst>
+                <p:cond evt="onPrev" delay="0">
+                  <p:tgtEl>
+                    <p:sldTgt/>
+                  </p:tgtEl>
+                </p:cond>
+              </p:prevCondLst>
+              <p:nextCondLst>
+                <p:cond evt="onNext" delay="0">
+                  <p:tgtEl>
+                    <p:sldTgt/>
+                  </p:tgtEl>
+                </p:cond>
+              </p:nextCondLst>
+            </p:seq>
+          </p:childTnLst>
+        </p:cTn>
+      </p:par>
+    </p:tnLst>
+    <p:bldLst>
+      <p:bldP spid="8" grpId="0" build="p">
+        <p:tmplLst>
+          <p:tmpl lvl="1">
+            <p:tnLst>
+              <p:par>
+                <p:cTn presetID="10" presetClass="entr" presetSubtype="0" fill="hold" nodeType="withEffect">
+                  <p:stCondLst>
+                    <p:cond delay="600"/>
+                  </p:stCondLst>
+                  <p:childTnLst>
+                    <p:set>
+                      <p:cBhvr>
+                        <p:cTn dur="1" fill="hold">
+                          <p:stCondLst>
+                            <p:cond delay="0"/>
+                          </p:stCondLst>
+                        </p:cTn>
+                        <p:tgtEl>
+                          <p:spTgt spid="8"/>
+                        </p:tgtEl>
+                        <p:attrNameLst>
+                          <p:attrName>style.visibility</p:attrName>
+                        </p:attrNameLst>
+                      </p:cBhvr>
+                      <p:to>
+                        <p:strVal val="visible"/>
+                      </p:to>
+                    </p:set>
+                    <p:animEffect transition="in" filter="fade">
+                      <p:cBhvr>
+                        <p:cTn dur="1700"/>
+                        <p:tgtEl>
+                          <p:spTgt spid="8"/>
+                        </p:tgtEl>
+                      </p:cBhvr>
+                    </p:animEffect>
+                  </p:childTnLst>
+                </p:cTn>
+              </p:par>
+            </p:tnLst>
+          </p:tmpl>
+          <p:tmpl lvl="2">
+            <p:tnLst>
+              <p:par>
+                <p:cTn presetID="10" presetClass="entr" presetSubtype="0" fill="hold" nodeType="withEffect">
+                  <p:stCondLst>
+                    <p:cond delay="900"/>
+                  </p:stCondLst>
+                  <p:childTnLst>
+                    <p:set>
+                      <p:cBhvr>
+                        <p:cTn dur="1" fill="hold">
+                          <p:stCondLst>
+                            <p:cond delay="0"/>
+                          </p:stCondLst>
+                        </p:cTn>
+                        <p:tgtEl>
+                          <p:spTgt spid="8"/>
+                        </p:tgtEl>
+                        <p:attrNameLst>
+                          <p:attrName>style.visibility</p:attrName>
+                        </p:attrNameLst>
+                      </p:cBhvr>
+                      <p:to>
+                        <p:strVal val="visible"/>
+                      </p:to>
+                    </p:set>
+                    <p:animEffect transition="in" filter="fade">
+                      <p:cBhvr>
+                        <p:cTn dur="1700"/>
+                        <p:tgtEl>
+                          <p:spTgt spid="8"/>
+                        </p:tgtEl>
+                      </p:cBhvr>
+                    </p:animEffect>
+                  </p:childTnLst>
+                </p:cTn>
+              </p:par>
+            </p:tnLst>
+          </p:tmpl>
+          <p:tmpl lvl="3">
+            <p:tnLst>
+              <p:par>
+                <p:cTn presetID="10" presetClass="entr" presetSubtype="0" fill="hold" nodeType="withEffect">
+                  <p:stCondLst>
+                    <p:cond delay="1100"/>
+                  </p:stCondLst>
+                  <p:childTnLst>
+                    <p:set>
+                      <p:cBhvr>
+                        <p:cTn dur="1" fill="hold">
+                          <p:stCondLst>
+                            <p:cond delay="0"/>
+                          </p:stCondLst>
+                        </p:cTn>
+                        <p:tgtEl>
+                          <p:spTgt spid="8"/>
+                        </p:tgtEl>
+                        <p:attrNameLst>
+                          <p:attrName>style.visibility</p:attrName>
+                        </p:attrNameLst>
+                      </p:cBhvr>
+                      <p:to>
+                        <p:strVal val="visible"/>
+                      </p:to>
+                    </p:set>
+                    <p:animEffect transition="in" filter="fade">
+                      <p:cBhvr>
+                        <p:cTn dur="1600"/>
+                        <p:tgtEl>
+                          <p:spTgt spid="8"/>
+                        </p:tgtEl>
+                      </p:cBhvr>
+                    </p:animEffect>
+                  </p:childTnLst>
+                </p:cTn>
+              </p:par>
+            </p:tnLst>
+          </p:tmpl>
+        </p:tmplLst>
+      </p:bldP>
+      <p:bldP spid="8" grpId="1" build="p">
+        <p:tmplLst>
+          <p:tmpl lvl="1">
+            <p:tnLst>
+              <p:par>
+                <p:cTn presetID="42" presetClass="path" presetSubtype="0" accel="50000" decel="50000" fill="hold" nodeType="withEffect">
+                  <p:stCondLst>
+                    <p:cond delay="500"/>
+                  </p:stCondLst>
+                  <p:childTnLst>
+                    <p:animMotion origin="layout" path="M -1.875E-6 1.11111E-6 L -0.02357 1.11111E-6 " pathEditMode="relative" rAng="0" ptsTypes="AA">
+                      <p:cBhvr>
+                        <p:cTn dur="1200" fill="hold"/>
+                        <p:tgtEl>
+                          <p:spTgt spid="8"/>
+                        </p:tgtEl>
+                        <p:attrNameLst>
+                          <p:attrName>ppt_x</p:attrName>
+                          <p:attrName>ppt_y</p:attrName>
+                        </p:attrNameLst>
+                      </p:cBhvr>
+                      <p:rCtr x="-1185" y="0"/>
+                    </p:animMotion>
+                  </p:childTnLst>
+                </p:cTn>
+              </p:par>
+            </p:tnLst>
+          </p:tmpl>
+          <p:tmpl lvl="2">
+            <p:tnLst>
+              <p:par>
+                <p:cTn presetID="42" presetClass="path" presetSubtype="0" accel="50000" decel="50000" fill="hold" nodeType="withEffect">
+                  <p:stCondLst>
+                    <p:cond delay="700"/>
+                  </p:stCondLst>
+                  <p:childTnLst>
+                    <p:animMotion origin="layout" path="M 0.02357 -3.7037E-6 L -3.54167E-6 -3.7037E-6 " pathEditMode="relative" rAng="0" ptsTypes="AA">
+                      <p:cBhvr>
+                        <p:cTn dur="1100" fill="hold"/>
+                        <p:tgtEl>
+                          <p:spTgt spid="8"/>
+                        </p:tgtEl>
+                        <p:attrNameLst>
+                          <p:attrName>ppt_x</p:attrName>
+                          <p:attrName>ppt_y</p:attrName>
+                        </p:attrNameLst>
+                      </p:cBhvr>
+                      <p:rCtr x="-1185" y="0"/>
+                    </p:animMotion>
+                  </p:childTnLst>
+                </p:cTn>
+              </p:par>
+            </p:tnLst>
+          </p:tmpl>
+          <p:tmpl lvl="3">
+            <p:tnLst>
+              <p:par>
+                <p:cTn presetID="42" presetClass="path" presetSubtype="0" accel="50000" decel="50000" fill="hold" nodeType="withEffect">
+                  <p:stCondLst>
+                    <p:cond delay="1000"/>
+                  </p:stCondLst>
+                  <p:childTnLst>
+                    <p:animMotion origin="layout" path="M 0.0448 0.00857 L 0.02904 0.00857 " pathEditMode="relative" rAng="0" ptsTypes="AA">
+                      <p:cBhvr>
+                        <p:cTn dur="900" fill="hold"/>
+                        <p:tgtEl>
+                          <p:spTgt spid="8"/>
+                        </p:tgtEl>
+                        <p:attrNameLst>
+                          <p:attrName>ppt_x</p:attrName>
+                          <p:attrName>ppt_y</p:attrName>
+                        </p:attrNameLst>
+                      </p:cBhvr>
+                      <p:rCtr x="-794" y="0"/>
+                    </p:animMotion>
+                  </p:childTnLst>
+                </p:cTn>
+              </p:par>
+            </p:tnLst>
+          </p:tmpl>
+        </p:tmplLst>
+      </p:bldP>
+    </p:bldLst>
+  </p:timing>
+</p:sldLayout>
+</file>
+
+<file path=ppt/slideLayouts/slideLayout11.xml><?xml version="1.0" encoding="utf-8"?>
 <p:sldLayout xmlns:a="http://schemas.openxmlformats.org/drawingml/2006/main" xmlns:r="http://schemas.openxmlformats.org/officeDocument/2006/relationships" xmlns:p="http://schemas.openxmlformats.org/presentationml/2006/main" preserve="1" userDrawn="1">
   <p:cSld name="2_Title and Content">
     <p:spTree>
@@ -2632,7 +3424,7 @@
 </p:sldLayout>
 </file>
 
-<file path=ppt/slideLayouts/slideLayout11.xml><?xml version="1.0" encoding="utf-8"?>
+<file path=ppt/slideLayouts/slideLayout12.xml><?xml version="1.0" encoding="utf-8"?>
 <p:sldLayout xmlns:a="http://schemas.openxmlformats.org/drawingml/2006/main" xmlns:r="http://schemas.openxmlformats.org/officeDocument/2006/relationships" xmlns:p="http://schemas.openxmlformats.org/presentationml/2006/main" preserve="1" userDrawn="1">
   <p:cSld name="4_Title and Content">
     <p:spTree>
@@ -3388,7 +4180,7 @@
 </p:sldLayout>
 </file>
 
-<file path=ppt/slideLayouts/slideLayout12.xml><?xml version="1.0" encoding="utf-8"?>
+<file path=ppt/slideLayouts/slideLayout13.xml><?xml version="1.0" encoding="utf-8"?>
 <p:sldLayout xmlns:a="http://schemas.openxmlformats.org/drawingml/2006/main" xmlns:r="http://schemas.openxmlformats.org/officeDocument/2006/relationships" xmlns:p="http://schemas.openxmlformats.org/presentationml/2006/main" preserve="1" userDrawn="1">
   <p:cSld name="Title Content and 2 Objects">
     <p:spTree>
@@ -4603,7 +5395,7 @@
 </p:sldLayout>
 </file>
 
-<file path=ppt/slideLayouts/slideLayout13.xml><?xml version="1.0" encoding="utf-8"?>
+<file path=ppt/slideLayouts/slideLayout14.xml><?xml version="1.0" encoding="utf-8"?>
 <p:sldLayout xmlns:a="http://schemas.openxmlformats.org/drawingml/2006/main" xmlns:r="http://schemas.openxmlformats.org/officeDocument/2006/relationships" xmlns:p="http://schemas.openxmlformats.org/presentationml/2006/main" preserve="1" userDrawn="1">
   <p:cSld name="1_Title Content and 2 Objects">
     <p:spTree>
@@ -5818,7 +6610,7 @@
 </p:sldLayout>
 </file>
 
-<file path=ppt/slideLayouts/slideLayout14.xml><?xml version="1.0" encoding="utf-8"?>
+<file path=ppt/slideLayouts/slideLayout15.xml><?xml version="1.0" encoding="utf-8"?>
 <p:sldLayout xmlns:a="http://schemas.openxmlformats.org/drawingml/2006/main" xmlns:r="http://schemas.openxmlformats.org/officeDocument/2006/relationships" xmlns:p="http://schemas.openxmlformats.org/presentationml/2006/main" preserve="1" userDrawn="1">
   <p:cSld name="2_Title Content and 2 Objects">
     <p:spTree>
@@ -7033,7 +7825,7 @@
 </p:sldLayout>
 </file>
 
-<file path=ppt/slideLayouts/slideLayout15.xml><?xml version="1.0" encoding="utf-8"?>
+<file path=ppt/slideLayouts/slideLayout16.xml><?xml version="1.0" encoding="utf-8"?>
 <p:sldLayout xmlns:a="http://schemas.openxmlformats.org/drawingml/2006/main" xmlns:r="http://schemas.openxmlformats.org/officeDocument/2006/relationships" xmlns:p="http://schemas.openxmlformats.org/presentationml/2006/main" type="secHead">
   <p:cSld name="Section Header">
     <p:spTree>
@@ -7321,7 +8113,7 @@
 </p:sldLayout>
 </file>
 
-<file path=ppt/slideLayouts/slideLayout16.xml><?xml version="1.0" encoding="utf-8"?>
+<file path=ppt/slideLayouts/slideLayout17.xml><?xml version="1.0" encoding="utf-8"?>
 <p:sldLayout xmlns:a="http://schemas.openxmlformats.org/drawingml/2006/main" xmlns:r="http://schemas.openxmlformats.org/officeDocument/2006/relationships" xmlns:p="http://schemas.openxmlformats.org/presentationml/2006/main" type="dgm">
   <p:cSld name="Title and Diagram or Organization Chart">
     <p:spTree>
@@ -11636,13 +12428,14 @@
     <p:sldLayoutId id="2147483668" r:id="rId7"/>
     <p:sldLayoutId id="2147483656" r:id="rId8"/>
     <p:sldLayoutId id="2147483666" r:id="rId9"/>
-    <p:sldLayoutId id="2147483657" r:id="rId10"/>
-    <p:sldLayoutId id="2147483667" r:id="rId11"/>
-    <p:sldLayoutId id="2147483652" r:id="rId12"/>
-    <p:sldLayoutId id="2147483662" r:id="rId13"/>
-    <p:sldLayoutId id="2147483663" r:id="rId14"/>
-    <p:sldLayoutId id="2147483664" r:id="rId15"/>
-    <p:sldLayoutId id="2147483665" r:id="rId16"/>
+    <p:sldLayoutId id="2147483669" r:id="rId10"/>
+    <p:sldLayoutId id="2147483657" r:id="rId11"/>
+    <p:sldLayoutId id="2147483667" r:id="rId12"/>
+    <p:sldLayoutId id="2147483652" r:id="rId13"/>
+    <p:sldLayoutId id="2147483662" r:id="rId14"/>
+    <p:sldLayoutId id="2147483663" r:id="rId15"/>
+    <p:sldLayoutId id="2147483664" r:id="rId16"/>
+    <p:sldLayoutId id="2147483665" r:id="rId17"/>
   </p:sldLayoutIdLst>
   <p:hf hdr="0" ftr="0" dt="0"/>
   <p:txStyles>
@@ -13360,7 +14153,23 @@
             </a:pPr>
             <a:r>
               <a:rPr lang="en-US" dirty="0"/>
-              <a:t>Visual Studio 2017 is available in </a:t>
+              <a:t>Visual Studio </a:t>
+            </a:r>
+            <a:r>
+              <a:rPr lang="en-US" b="1" dirty="0"/>
+              <a:t>2019</a:t>
+            </a:r>
+            <a:r>
+              <a:rPr lang="en-US" dirty="0"/>
+              <a:t> / </a:t>
+            </a:r>
+            <a:r>
+              <a:rPr lang="en-US" b="1" dirty="0"/>
+              <a:t>2017</a:t>
+            </a:r>
+            <a:r>
+              <a:rPr lang="en-US" dirty="0"/>
+              <a:t> are available in </a:t>
             </a:r>
             <a:r>
               <a:rPr lang="en-US" b="1" dirty="0"/>
@@ -13439,7 +14248,19 @@
               <a:rPr lang="en-US" dirty="0">
                 <a:hlinkClick r:id="rId3"/>
               </a:rPr>
-              <a:t>microsoft.ase.ro </a:t>
+              <a:t>azure.microsoft.com/</a:t>
+            </a:r>
+            <a:r>
+              <a:rPr lang="en-US" dirty="0" err="1">
+                <a:hlinkClick r:id="rId3"/>
+              </a:rPr>
+              <a:t>en</a:t>
+            </a:r>
+            <a:r>
+              <a:rPr lang="en-US" dirty="0">
+                <a:hlinkClick r:id="rId3"/>
+              </a:rPr>
+              <a:t>-us/free/students/</a:t>
             </a:r>
             <a:endParaRPr lang="en-US" dirty="0"/>
           </a:p>
@@ -13952,38 +14773,6 @@
           </a:p>
         </p:txBody>
       </p:sp>
-      <p:pic>
-        <p:nvPicPr>
-          <p:cNvPr id="4" name="Content Placeholder 3">
-            <a:extLst>
-              <a:ext uri="{FF2B5EF4-FFF2-40B4-BE49-F238E27FC236}">
-                <a16:creationId xmlns:a16="http://schemas.microsoft.com/office/drawing/2014/main" id="{04FFA0AA-1975-4859-9275-0CAE3AB393B0}"/>
-              </a:ext>
-            </a:extLst>
-          </p:cNvPr>
-          <p:cNvPicPr>
-            <a:picLocks noGrp="1" noChangeAspect="1"/>
-          </p:cNvPicPr>
-          <p:nvPr>
-            <p:ph idx="1"/>
-          </p:nvPr>
-        </p:nvPicPr>
-        <p:blipFill>
-          <a:blip r:embed="rId2"/>
-          <a:stretch>
-            <a:fillRect/>
-          </a:stretch>
-        </p:blipFill>
-        <p:spPr>
-          <a:xfrm>
-            <a:off x="2761062" y="1341438"/>
-            <a:ext cx="6841326" cy="4813300"/>
-          </a:xfrm>
-          <a:prstGeom prst="rect">
-            <a:avLst/>
-          </a:prstGeom>
-        </p:spPr>
-      </p:pic>
       <p:sp>
         <p:nvSpPr>
           <p:cNvPr id="7" name="Text Placeholder 6">
@@ -14012,6 +14801,38 @@
           </a:p>
         </p:txBody>
       </p:sp>
+      <p:pic>
+        <p:nvPicPr>
+          <p:cNvPr id="10" name="Content Placeholder 9">
+            <a:extLst>
+              <a:ext uri="{FF2B5EF4-FFF2-40B4-BE49-F238E27FC236}">
+                <a16:creationId xmlns:a16="http://schemas.microsoft.com/office/drawing/2014/main" id="{18A45D3B-DC7A-4057-B2D2-E5CF7268D4CB}"/>
+              </a:ext>
+            </a:extLst>
+          </p:cNvPr>
+          <p:cNvPicPr>
+            <a:picLocks noGrp="1" noChangeAspect="1"/>
+          </p:cNvPicPr>
+          <p:nvPr>
+            <p:ph idx="1"/>
+          </p:nvPr>
+        </p:nvPicPr>
+        <p:blipFill>
+          <a:blip r:embed="rId2"/>
+          <a:stretch>
+            <a:fillRect/>
+          </a:stretch>
+        </p:blipFill>
+        <p:spPr>
+          <a:xfrm>
+            <a:off x="2762893" y="1341438"/>
+            <a:ext cx="6837665" cy="4813300"/>
+          </a:xfrm>
+          <a:prstGeom prst="rect">
+            <a:avLst/>
+          </a:prstGeom>
+        </p:spPr>
+      </p:pic>
     </p:spTree>
     <p:extLst>
       <p:ext uri="{BB962C8B-B14F-4D97-AF65-F5344CB8AC3E}">
@@ -21728,15 +22549,15 @@
             </a:r>
             <a:r>
               <a:rPr lang="en-US" b="1" dirty="0"/>
-              <a:t>Microsoft Virtual Academy - </a:t>
+              <a:t>Microsoft Learn - </a:t>
             </a:r>
             <a:r>
               <a:rPr lang="en-US" dirty="0">
                 <a:hlinkClick r:id="rId2"/>
               </a:rPr>
-              <a:t>mva.microsoft.com</a:t>
-            </a:r>
-            <a:endParaRPr lang="en-US" b="1" dirty="0"/>
+              <a:t>https://docs.microsoft.com/en-us/learn/</a:t>
+            </a:r>
+            <a:endParaRPr lang="en-US" dirty="0"/>
           </a:p>
           <a:p>
             <a:pPr marL="597150" lvl="1" indent="-342900" algn="just">
@@ -21797,52 +22618,23 @@
             </a:pPr>
             <a:r>
               <a:rPr lang="en-US" dirty="0"/>
-              <a:t>Free access (limited period) through </a:t>
+              <a:t>Free </a:t>
+            </a:r>
+            <a:r>
+              <a:rPr lang="en-US" b="1" dirty="0"/>
+              <a:t>limited</a:t>
+            </a:r>
+            <a:r>
+              <a:rPr lang="en-US" dirty="0"/>
+              <a:t> access through </a:t>
             </a:r>
             <a:r>
               <a:rPr lang="en-US" dirty="0">
                 <a:hlinkClick r:id="rId4"/>
               </a:rPr>
-              <a:t>Microsoft DreamSpark</a:t>
+              <a:t>https://azure.microsoft.com/en-us/free/students/</a:t>
             </a:r>
             <a:endParaRPr lang="en-US" dirty="0"/>
-          </a:p>
-          <a:p>
-            <a:pPr marL="597150" lvl="1" indent="-342900" algn="just">
-              <a:buFont typeface="Wingdings" panose="05000000000000000000" pitchFamily="2" charset="2"/>
-              <a:buChar char="§"/>
-            </a:pPr>
-            <a:endParaRPr lang="en-US" dirty="0"/>
-          </a:p>
-          <a:p>
-            <a:pPr marL="342900" indent="-342900" algn="just">
-              <a:buFont typeface="Wingdings" panose="05000000000000000000" pitchFamily="2" charset="2"/>
-              <a:buChar char="§"/>
-            </a:pPr>
-            <a:r>
-              <a:rPr lang="en-US" dirty="0"/>
-              <a:t>Courses on </a:t>
-            </a:r>
-            <a:r>
-              <a:rPr lang="en-US" b="1" dirty="0"/>
-              <a:t>ASP.NET</a:t>
-            </a:r>
-          </a:p>
-          <a:p>
-            <a:pPr marL="597150" lvl="1" indent="-342900" algn="just">
-              <a:buFont typeface="Wingdings" panose="05000000000000000000" pitchFamily="2" charset="2"/>
-              <a:buChar char="§"/>
-            </a:pPr>
-            <a:r>
-              <a:rPr lang="en-US" dirty="0">
-                <a:hlinkClick r:id="rId5"/>
-              </a:rPr>
-              <a:t>https://www.asp.net/freecourses</a:t>
-            </a:r>
-            <a:r>
-              <a:rPr lang="en-US" dirty="0"/>
-              <a:t> </a:t>
-            </a:r>
           </a:p>
         </p:txBody>
       </p:sp>
@@ -22718,84 +23510,72 @@
           <a:bodyPr/>
           <a:lstStyle/>
           <a:p>
-            <a:r>
-              <a:rPr lang="en-US" dirty="0"/>
-              <a:t>Demo</a:t>
-            </a:r>
+            <a:endParaRPr lang="en-US" dirty="0"/>
           </a:p>
         </p:txBody>
       </p:sp>
       <p:sp>
         <p:nvSpPr>
-          <p:cNvPr id="7" name="Rectangle 6"/>
-          <p:cNvSpPr/>
-          <p:nvPr/>
+          <p:cNvPr id="2" name="Content Placeholder 1">
+            <a:extLst>
+              <a:ext uri="{FF2B5EF4-FFF2-40B4-BE49-F238E27FC236}">
+                <a16:creationId xmlns:a16="http://schemas.microsoft.com/office/drawing/2014/main" id="{2D36982F-D34D-46EB-9902-077661A0033C}"/>
+              </a:ext>
+            </a:extLst>
+          </p:cNvPr>
+          <p:cNvSpPr>
+            <a:spLocks noGrp="1"/>
+          </p:cNvSpPr>
+          <p:nvPr>
+            <p:ph idx="1"/>
+          </p:nvPr>
         </p:nvSpPr>
-        <p:spPr>
-          <a:xfrm>
-            <a:off x="623391" y="1412776"/>
-            <a:ext cx="10968143" cy="461665"/>
-          </a:xfrm>
-          <a:prstGeom prst="rect">
-            <a:avLst/>
-          </a:prstGeom>
-        </p:spPr>
+        <p:spPr/>
         <p:txBody>
-          <a:bodyPr wrap="square">
-            <a:spAutoFit/>
-          </a:bodyPr>
+          <a:bodyPr/>
           <a:lstStyle/>
           <a:p>
-            <a:pPr marL="342900" indent="-342900">
-              <a:buFont typeface="Wingdings" panose="05000000000000000000" pitchFamily="2" charset="2"/>
-              <a:buChar char="§"/>
-            </a:pPr>
-            <a:r>
-              <a:rPr lang="en-US" sz="2400" dirty="0">
+            <a:r>
+              <a:rPr lang="en-US" dirty="0">
                 <a:hlinkClick r:id="rId2"/>
               </a:rPr>
               <a:t>https://github.com/liviucotfas/ase-web-and-cloud-applications-security/</a:t>
             </a:r>
-            <a:endParaRPr lang="en-US" sz="2400" dirty="0"/>
+            <a:endParaRPr lang="en-US" dirty="0"/>
+          </a:p>
+          <a:p>
+            <a:endParaRPr lang="en-US" dirty="0"/>
           </a:p>
         </p:txBody>
       </p:sp>
-      <p:pic>
-        <p:nvPicPr>
-          <p:cNvPr id="8" name="Content Placeholder 8">
+      <p:sp>
+        <p:nvSpPr>
+          <p:cNvPr id="4" name="Text Placeholder 3">
             <a:extLst>
               <a:ext uri="{FF2B5EF4-FFF2-40B4-BE49-F238E27FC236}">
-                <a16:creationId xmlns:a16="http://schemas.microsoft.com/office/drawing/2014/main" id="{B43980B9-E4F4-4520-8DC3-9608D533F3F8}"/>
+                <a16:creationId xmlns:a16="http://schemas.microsoft.com/office/drawing/2014/main" id="{748B2038-01EE-4AC4-985D-9389ED27FE49}"/>
               </a:ext>
             </a:extLst>
           </p:cNvPr>
-          <p:cNvPicPr>
-            <a:picLocks noChangeAspect="1"/>
-          </p:cNvPicPr>
-          <p:nvPr/>
-        </p:nvPicPr>
-        <p:blipFill>
-          <a:blip r:embed="rId3" cstate="print">
-            <a:extLst>
-              <a:ext uri="{28A0092B-C50C-407E-A947-70E740481C1C}">
-                <a14:useLocalDpi xmlns:a14="http://schemas.microsoft.com/office/drawing/2010/main" val="0"/>
-              </a:ext>
-            </a:extLst>
-          </a:blip>
-          <a:stretch>
-            <a:fillRect/>
-          </a:stretch>
-        </p:blipFill>
-        <p:spPr>
-          <a:xfrm rot="2700000">
-            <a:off x="4302247" y="2736585"/>
-            <a:ext cx="3610427" cy="3610427"/>
-          </a:xfrm>
-          <a:prstGeom prst="rect">
-            <a:avLst/>
-          </a:prstGeom>
-        </p:spPr>
-      </p:pic>
+          <p:cNvSpPr>
+            <a:spLocks noGrp="1"/>
+          </p:cNvSpPr>
+          <p:nvPr>
+            <p:ph type="body" sz="quarter" idx="10"/>
+          </p:nvPr>
+        </p:nvSpPr>
+        <p:spPr/>
+        <p:txBody>
+          <a:bodyPr/>
+          <a:lstStyle/>
+          <a:p>
+            <a:r>
+              <a:rPr lang="en-US" dirty="0"/>
+              <a:t>Demo</a:t>
+            </a:r>
+          </a:p>
+        </p:txBody>
+      </p:sp>
     </p:spTree>
     <p:extLst>
       <p:ext uri="{BB962C8B-B14F-4D97-AF65-F5344CB8AC3E}">
@@ -22987,12 +23767,15 @@
               <a:rPr lang="en-US" u="sng" dirty="0">
                 <a:hlinkClick r:id="rId3"/>
               </a:rPr>
-              <a:t>https://docs.microsoft.com/en-us/dotnet/api/?view=aspnetcore-2.0/</a:t>
+              <a:t>https://docs.microsoft.com/en-us/dotnet/api/?view=aspnetcore-2.2</a:t>
             </a:r>
             <a:endParaRPr lang="en-US" u="sng" dirty="0"/>
           </a:p>
           <a:p>
-            <a:pPr lvl="1"/>
+            <a:pPr marL="597150" lvl="1" indent="-342900">
+              <a:buFont typeface="Wingdings" panose="05000000000000000000" pitchFamily="2" charset="2"/>
+              <a:buChar char="§"/>
+            </a:pPr>
             <a:endParaRPr lang="en-US" dirty="0"/>
           </a:p>
           <a:p>

--- a/Presentation ASPNET MVC Core - Part I.pptx
+++ b/Presentation ASPNET MVC Core - Part I.pptx
@@ -381,7 +381,7 @@
           <a:p>
             <a:fld id="{CD54E0B9-A397-428E-BA01-CD7A34B572EB}" type="datetimeFigureOut">
               <a:rPr lang="en-US" smtClean="0"/>
-              <a:t>5/16/2019</a:t>
+              <a:t>5/17/2020</a:t>
             </a:fld>
             <a:endParaRPr lang="en-US"/>
           </a:p>
@@ -546,7 +546,7 @@
           <a:p>
             <a:fld id="{AA161301-18C9-4CA0-A0BF-791B6E0DDD4D}" type="datetimeFigureOut">
               <a:rPr lang="en-GB" smtClean="0"/>
-              <a:t>16/05/2019</a:t>
+              <a:t>17/05/2020</a:t>
             </a:fld>
             <a:endParaRPr lang="en-GB"/>
           </a:p>
@@ -14041,7 +14041,7 @@
           <a:p>
             <a:r>
               <a:rPr lang="en-US" dirty="0"/>
-              <a:t>HelloWorld (ASP .NET Core 2)</a:t>
+              <a:t>HelloWorld (ASP .NET Core 3)</a:t>
             </a:r>
           </a:p>
         </p:txBody>
@@ -14158,14 +14158,6 @@
             <a:r>
               <a:rPr lang="en-US" b="1" dirty="0"/>
               <a:t>2019</a:t>
-            </a:r>
-            <a:r>
-              <a:rPr lang="en-US" dirty="0"/>
-              <a:t> / </a:t>
-            </a:r>
-            <a:r>
-              <a:rPr lang="en-US" b="1" dirty="0"/>
-              <a:t>2017</a:t>
             </a:r>
             <a:r>
               <a:rPr lang="en-US" dirty="0"/>
@@ -15819,11 +15811,7 @@
             </a:pPr>
             <a:r>
               <a:rPr lang="en-US" b="1" dirty="0"/>
-              <a:t>view models </a:t>
-            </a:r>
-            <a:r>
-              <a:rPr lang="en-US" b="1"/>
-              <a:t>(presentation models) </a:t>
+              <a:t>view models (presentation models) </a:t>
             </a:r>
             <a:r>
               <a:rPr lang="en-US" dirty="0"/>
@@ -18700,7 +18688,7 @@
             </a:r>
             <a:r>
               <a:rPr lang="en-US" b="1" dirty="0"/>
-              <a:t>await</a:t>
+              <a:t>async/await</a:t>
             </a:r>
             <a:r>
               <a:rPr lang="en-US" dirty="0"/>
@@ -19914,7 +19902,7 @@
           <p:nvPr>
             <p:extLst>
               <p:ext uri="{D42A27DB-BD31-4B8C-83A1-F6EECF244321}">
-                <p14:modId xmlns:p14="http://schemas.microsoft.com/office/powerpoint/2010/main" val="2997397013"/>
+                <p14:modId xmlns:p14="http://schemas.microsoft.com/office/powerpoint/2010/main" val="477031977"/>
               </p:ext>
             </p:extLst>
           </p:nvPr>
@@ -20204,19 +20192,7 @@
                         <a:rPr lang="en-US" sz="2400" dirty="0">
                           <a:effectLst/>
                         </a:rPr>
-                        <a:t>This is where view component classes, which are used to display </a:t>
-                      </a:r>
-                      <a:r>
-                        <a:rPr lang="en-US" sz="2400" dirty="0" err="1">
-                          <a:effectLst/>
-                        </a:rPr>
-                        <a:t>selfcontained</a:t>
-                      </a:r>
-                      <a:r>
-                        <a:rPr lang="en-US" sz="2400" dirty="0">
-                          <a:effectLst/>
-                        </a:rPr>
-                        <a:t> features such as shopping carts, are defined.</a:t>
+                        <a:t>This is where view component classes, which are used to display self contained features such as shopping carts, are defined.</a:t>
                       </a:r>
                       <a:endParaRPr lang="ro-RO" sz="2400" dirty="0">
                         <a:effectLst/>
@@ -20376,14 +20352,14 @@
           <p:nvPr>
             <p:extLst>
               <p:ext uri="{D42A27DB-BD31-4B8C-83A1-F6EECF244321}">
-                <p14:modId xmlns:p14="http://schemas.microsoft.com/office/powerpoint/2010/main" val="921413878"/>
+                <p14:modId xmlns:p14="http://schemas.microsoft.com/office/powerpoint/2010/main" val="44083046"/>
               </p:ext>
             </p:extLst>
           </p:nvPr>
         </p:nvGraphicFramePr>
         <p:xfrm>
-          <a:off x="551384" y="1804865"/>
-          <a:ext cx="11161240" cy="3926296"/>
+          <a:off x="551384" y="2011560"/>
+          <a:ext cx="11161240" cy="3505672"/>
         </p:xfrm>
         <a:graphic>
           <a:graphicData uri="http://schemas.openxmlformats.org/drawingml/2006/table">
@@ -20589,23 +20565,7 @@
                         <a:rPr lang="en-US" sz="2400" dirty="0">
                           <a:effectLst/>
                         </a:rPr>
-                        <a:t>This is where details of database schemas are stored so that deployment</a:t>
-                      </a:r>
-                    </a:p>
-                    <a:p>
-                      <a:pPr>
-                        <a:lnSpc>
-                          <a:spcPct val="115000"/>
-                        </a:lnSpc>
-                        <a:spcAft>
-                          <a:spcPts val="0"/>
-                        </a:spcAft>
-                      </a:pPr>
-                      <a:r>
-                        <a:rPr lang="en-US" sz="2400" dirty="0">
-                          <a:effectLst/>
-                        </a:rPr>
-                        <a:t>databases can be updated.</a:t>
+                        <a:t>This is where details of database schemas are stored so that deployment databases can be updated.</a:t>
                       </a:r>
                       <a:endParaRPr lang="ro-RO" sz="2400" dirty="0">
                         <a:effectLst/>
@@ -21146,14 +21106,14 @@
           <p:nvPr>
             <p:extLst>
               <p:ext uri="{D42A27DB-BD31-4B8C-83A1-F6EECF244321}">
-                <p14:modId xmlns:p14="http://schemas.microsoft.com/office/powerpoint/2010/main" val="1422501522"/>
+                <p14:modId xmlns:p14="http://schemas.microsoft.com/office/powerpoint/2010/main" val="3663380446"/>
               </p:ext>
             </p:extLst>
           </p:nvPr>
         </p:nvGraphicFramePr>
         <p:xfrm>
           <a:off x="551384" y="1804865"/>
-          <a:ext cx="11161240" cy="4718142"/>
+          <a:ext cx="11161240" cy="3085048"/>
         </p:xfrm>
         <a:graphic>
           <a:graphicData uri="http://schemas.openxmlformats.org/drawingml/2006/table">
@@ -21500,166 +21460,6 @@
                           <a:ea typeface="Calibri"/>
                           <a:cs typeface="Times New Roman"/>
                         </a:rPr>
-                        <a:t>bower.json</a:t>
-                      </a:r>
-                      <a:endParaRPr lang="ro-RO" sz="2400" dirty="0">
-                        <a:effectLst/>
-                        <a:latin typeface="Calibri"/>
-                        <a:ea typeface="Calibri"/>
-                        <a:cs typeface="Times New Roman"/>
-                      </a:endParaRPr>
-                    </a:p>
-                  </a:txBody>
-                  <a:tcPr marL="68580" marR="68580" marT="0" marB="0"/>
-                </a:tc>
-                <a:tc>
-                  <a:txBody>
-                    <a:bodyPr/>
-                    <a:lstStyle/>
-                    <a:p>
-                      <a:pPr>
-                        <a:lnSpc>
-                          <a:spcPct val="115000"/>
-                        </a:lnSpc>
-                        <a:spcAft>
-                          <a:spcPts val="0"/>
-                        </a:spcAft>
-                      </a:pPr>
-                      <a:r>
-                        <a:rPr lang="en-US" sz="2400" dirty="0">
-                          <a:effectLst/>
-                          <a:latin typeface="+mn-lt"/>
-                          <a:ea typeface="Calibri"/>
-                          <a:cs typeface="Times New Roman"/>
-                        </a:rPr>
-                        <a:t>This file is hidden by default. It contains the list of packages managed by the Bower package manager.</a:t>
-                      </a:r>
-                      <a:endParaRPr lang="ro-RO" sz="2400" dirty="0">
-                        <a:effectLst/>
-                        <a:latin typeface="Calibri"/>
-                        <a:ea typeface="Calibri"/>
-                        <a:cs typeface="Times New Roman"/>
-                      </a:endParaRPr>
-                    </a:p>
-                  </a:txBody>
-                  <a:tcPr marL="68580" marR="68580" marT="0" marB="0"/>
-                </a:tc>
-                <a:extLst>
-                  <a:ext uri="{0D108BD9-81ED-4DB2-BD59-A6C34878D82A}">
-                    <a16:rowId xmlns:a16="http://schemas.microsoft.com/office/drawing/2014/main" val="3224437343"/>
-                  </a:ext>
-                </a:extLst>
-              </a:tr>
-              <a:tr h="202535">
-                <a:tc>
-                  <a:txBody>
-                    <a:bodyPr/>
-                    <a:lstStyle/>
-                    <a:p>
-                      <a:pPr>
-                        <a:lnSpc>
-                          <a:spcPct val="115000"/>
-                        </a:lnSpc>
-                        <a:spcAft>
-                          <a:spcPts val="0"/>
-                        </a:spcAft>
-                      </a:pPr>
-                      <a:r>
-                        <a:rPr lang="ro-RO" sz="2400" dirty="0">
-                          <a:effectLst/>
-                          <a:latin typeface="+mn-lt"/>
-                          <a:ea typeface="Calibri"/>
-                          <a:cs typeface="Times New Roman"/>
-                        </a:rPr>
-                        <a:t>/</a:t>
-                      </a:r>
-                      <a:r>
-                        <a:rPr lang="ro-RO" sz="2400" dirty="0" err="1">
-                          <a:effectLst/>
-                          <a:latin typeface="+mn-lt"/>
-                          <a:ea typeface="Calibri"/>
-                          <a:cs typeface="Times New Roman"/>
-                        </a:rPr>
-                        <a:t>project.json</a:t>
-                      </a:r>
-                      <a:endParaRPr lang="ro-RO" sz="2400" dirty="0">
-                        <a:effectLst/>
-                        <a:latin typeface="Calibri"/>
-                        <a:ea typeface="Calibri"/>
-                        <a:cs typeface="Times New Roman"/>
-                      </a:endParaRPr>
-                    </a:p>
-                  </a:txBody>
-                  <a:tcPr marL="68580" marR="68580" marT="0" marB="0"/>
-                </a:tc>
-                <a:tc>
-                  <a:txBody>
-                    <a:bodyPr/>
-                    <a:lstStyle/>
-                    <a:p>
-                      <a:pPr>
-                        <a:lnSpc>
-                          <a:spcPct val="115000"/>
-                        </a:lnSpc>
-                        <a:spcAft>
-                          <a:spcPts val="0"/>
-                        </a:spcAft>
-                      </a:pPr>
-                      <a:r>
-                        <a:rPr lang="en-US" sz="2400" dirty="0">
-                          <a:effectLst/>
-                          <a:latin typeface="+mn-lt"/>
-                          <a:ea typeface="Calibri"/>
-                          <a:cs typeface="Times New Roman"/>
-                        </a:rPr>
-                        <a:t>This file specifies some basic configuration options for the project, including the NuGet packages it uses.</a:t>
-                      </a:r>
-                      <a:endParaRPr lang="ro-RO" sz="2400" dirty="0">
-                        <a:effectLst/>
-                        <a:latin typeface="Calibri"/>
-                        <a:ea typeface="Calibri"/>
-                        <a:cs typeface="Times New Roman"/>
-                      </a:endParaRPr>
-                    </a:p>
-                  </a:txBody>
-                  <a:tcPr marL="68580" marR="68580" marT="0" marB="0"/>
-                </a:tc>
-                <a:extLst>
-                  <a:ext uri="{0D108BD9-81ED-4DB2-BD59-A6C34878D82A}">
-                    <a16:rowId xmlns:a16="http://schemas.microsoft.com/office/drawing/2014/main" val="3001444412"/>
-                  </a:ext>
-                </a:extLst>
-              </a:tr>
-              <a:tr h="202535">
-                <a:tc>
-                  <a:txBody>
-                    <a:bodyPr/>
-                    <a:lstStyle/>
-                    <a:p>
-                      <a:pPr>
-                        <a:lnSpc>
-                          <a:spcPct val="115000"/>
-                        </a:lnSpc>
-                        <a:spcAft>
-                          <a:spcPts val="0"/>
-                        </a:spcAft>
-                      </a:pPr>
-                      <a:r>
-                        <a:rPr lang="ro-RO" sz="2400" dirty="0">
-                          <a:effectLst/>
-                          <a:latin typeface="+mn-lt"/>
-                          <a:ea typeface="Calibri"/>
-                          <a:cs typeface="Times New Roman"/>
-                        </a:rPr>
-                        <a:t>/</a:t>
-                      </a:r>
-                      <a:r>
-                        <a:rPr lang="ro-RO" sz="2400" dirty="0" err="1">
-                          <a:effectLst/>
-                          <a:latin typeface="+mn-lt"/>
-                          <a:ea typeface="Calibri"/>
-                          <a:cs typeface="Times New Roman"/>
-                        </a:rPr>
                         <a:t>Program.cs</a:t>
                       </a:r>
                       <a:endParaRPr lang="ro-RO" sz="2400" dirty="0">
@@ -21787,7 +21587,7 @@
           <p:nvPr>
             <p:extLst>
               <p:ext uri="{D42A27DB-BD31-4B8C-83A1-F6EECF244321}">
-                <p14:modId xmlns:p14="http://schemas.microsoft.com/office/powerpoint/2010/main" val="277870776"/>
+                <p14:modId xmlns:p14="http://schemas.microsoft.com/office/powerpoint/2010/main" val="1182308336"/>
               </p:ext>
             </p:extLst>
           </p:nvPr>
@@ -22030,7 +21830,25 @@
                           <a:ea typeface="Calibri"/>
                           <a:cs typeface="Times New Roman"/>
                         </a:rPr>
-                        <a:t>This is where you put static content such as CSS files and images. It is also where the Bower package manager installs JavaScript and CSS packages</a:t>
+                        <a:t>This is where you put static content such as CSS files and images. It is also where </a:t>
+                      </a:r>
+                      <a:r>
+                        <a:rPr lang="en-US" sz="2400">
+                          <a:effectLst/>
+                          <a:latin typeface="+mn-lt"/>
+                          <a:ea typeface="Calibri"/>
+                          <a:cs typeface="Times New Roman"/>
+                        </a:rPr>
+                        <a:t>the package </a:t>
+                      </a:r>
+                      <a:r>
+                        <a:rPr lang="en-US" sz="2400" dirty="0">
+                          <a:effectLst/>
+                          <a:latin typeface="+mn-lt"/>
+                          <a:ea typeface="Calibri"/>
+                          <a:cs typeface="Times New Roman"/>
+                        </a:rPr>
+                        <a:t>manager installs JavaScript and CSS packages</a:t>
                       </a:r>
                       <a:endParaRPr lang="ro-RO" sz="2400" dirty="0">
                         <a:effectLst/>
@@ -23767,7 +23585,7 @@
               <a:rPr lang="en-US" u="sng" dirty="0">
                 <a:hlinkClick r:id="rId3"/>
               </a:rPr>
-              <a:t>https://docs.microsoft.com/en-us/dotnet/api/?view=aspnetcore-2.2</a:t>
+              <a:t>https://docs.microsoft.com/en-us/dotnet/api/?view=aspnetcore-3.1</a:t>
             </a:r>
             <a:endParaRPr lang="en-US" u="sng" dirty="0"/>
           </a:p>

--- a/Presentation ASPNET MVC Core - Part I.pptx
+++ b/Presentation ASPNET MVC Core - Part I.pptx
@@ -29,8 +29,8 @@
     <p:sldId id="727" r:id="rId17"/>
     <p:sldId id="747" r:id="rId18"/>
     <p:sldId id="748" r:id="rId19"/>
-    <p:sldId id="774" r:id="rId20"/>
-    <p:sldId id="775" r:id="rId21"/>
+    <p:sldId id="777" r:id="rId20"/>
+    <p:sldId id="774" r:id="rId21"/>
     <p:sldId id="680" r:id="rId22"/>
     <p:sldId id="711" r:id="rId23"/>
     <p:sldId id="712" r:id="rId24"/>
@@ -210,8 +210,8 @@
             <p14:sldId id="727"/>
             <p14:sldId id="747"/>
             <p14:sldId id="748"/>
+            <p14:sldId id="777"/>
             <p14:sldId id="774"/>
-            <p14:sldId id="775"/>
             <p14:sldId id="680"/>
           </p14:sldIdLst>
         </p14:section>
@@ -381,7 +381,7 @@
           <a:p>
             <a:fld id="{CD54E0B9-A397-428E-BA01-CD7A34B572EB}" type="datetimeFigureOut">
               <a:rPr lang="en-US" smtClean="0"/>
-              <a:t>5/17/2020</a:t>
+              <a:t>5/13/2021</a:t>
             </a:fld>
             <a:endParaRPr lang="en-US"/>
           </a:p>
@@ -546,7 +546,7 @@
           <a:p>
             <a:fld id="{AA161301-18C9-4CA0-A0BF-791B6E0DDD4D}" type="datetimeFigureOut">
               <a:rPr lang="en-GB" smtClean="0"/>
-              <a:t>17/05/2020</a:t>
+              <a:t>13/05/2021</a:t>
             </a:fld>
             <a:endParaRPr lang="en-GB"/>
           </a:p>
@@ -858,7 +858,97 @@
           <a:bodyPr/>
           <a:lstStyle/>
           <a:p>
-            <a:endParaRPr lang="en-US" dirty="0"/>
+            <a:r>
+              <a:rPr lang="ro-RO" dirty="0"/>
+              <a:t>https://www.apress.com/gp/book/9781484252833</a:t>
+            </a:r>
+          </a:p>
+        </p:txBody>
+      </p:sp>
+      <p:sp>
+        <p:nvSpPr>
+          <p:cNvPr id="4" name="Slide Number Placeholder 3"/>
+          <p:cNvSpPr>
+            <a:spLocks noGrp="1"/>
+          </p:cNvSpPr>
+          <p:nvPr>
+            <p:ph type="sldNum" sz="quarter" idx="5"/>
+          </p:nvPr>
+        </p:nvSpPr>
+        <p:spPr/>
+        <p:txBody>
+          <a:bodyPr/>
+          <a:lstStyle/>
+          <a:p>
+            <a:fld id="{0BF20BA8-12AF-476D-99B2-894C09A4EE62}" type="slidenum">
+              <a:rPr lang="en-GB" smtClean="0"/>
+              <a:t>4</a:t>
+            </a:fld>
+            <a:endParaRPr lang="en-GB"/>
+          </a:p>
+        </p:txBody>
+      </p:sp>
+    </p:spTree>
+    <p:extLst>
+      <p:ext uri="{BB962C8B-B14F-4D97-AF65-F5344CB8AC3E}">
+        <p14:creationId xmlns:p14="http://schemas.microsoft.com/office/powerpoint/2010/main" val="84239186"/>
+      </p:ext>
+    </p:extLst>
+  </p:cSld>
+  <p:clrMapOvr>
+    <a:masterClrMapping/>
+  </p:clrMapOvr>
+</p:notes>
+</file>
+
+<file path=ppt/notesSlides/notesSlide10.xml><?xml version="1.0" encoding="utf-8"?>
+<p:notes xmlns:a="http://schemas.openxmlformats.org/drawingml/2006/main" xmlns:r="http://schemas.openxmlformats.org/officeDocument/2006/relationships" xmlns:p="http://schemas.openxmlformats.org/presentationml/2006/main">
+  <p:cSld>
+    <p:spTree>
+      <p:nvGrpSpPr>
+        <p:cNvPr id="1" name=""/>
+        <p:cNvGrpSpPr/>
+        <p:nvPr/>
+      </p:nvGrpSpPr>
+      <p:grpSpPr>
+        <a:xfrm>
+          <a:off x="0" y="0"/>
+          <a:ext cx="0" cy="0"/>
+          <a:chOff x="0" y="0"/>
+          <a:chExt cx="0" cy="0"/>
+        </a:xfrm>
+      </p:grpSpPr>
+      <p:sp>
+        <p:nvSpPr>
+          <p:cNvPr id="2" name="Slide Image Placeholder 1"/>
+          <p:cNvSpPr>
+            <a:spLocks noGrp="1" noRot="1" noChangeAspect="1"/>
+          </p:cNvSpPr>
+          <p:nvPr>
+            <p:ph type="sldImg"/>
+          </p:nvPr>
+        </p:nvSpPr>
+        <p:spPr/>
+      </p:sp>
+      <p:sp>
+        <p:nvSpPr>
+          <p:cNvPr id="3" name="Notes Placeholder 2"/>
+          <p:cNvSpPr>
+            <a:spLocks noGrp="1"/>
+          </p:cNvSpPr>
+          <p:nvPr>
+            <p:ph type="body" idx="1"/>
+          </p:nvPr>
+        </p:nvSpPr>
+        <p:spPr/>
+        <p:txBody>
+          <a:bodyPr/>
+          <a:lstStyle/>
+          <a:p>
+            <a:r>
+              <a:rPr lang="en-US" dirty="0"/>
+              <a:t>Filters?</a:t>
+            </a:r>
           </a:p>
         </p:txBody>
       </p:sp>
@@ -879,7 +969,7 @@
           <a:p>
             <a:fld id="{0BF20BA8-12AF-476D-99B2-894C09A4EE62}" type="slidenum">
               <a:rPr lang="en-GB" smtClean="0"/>
-              <a:t>21</a:t>
+              <a:t>56</a:t>
             </a:fld>
             <a:endParaRPr lang="en-GB"/>
           </a:p>
@@ -888,7 +978,7 @@
     </p:spTree>
     <p:extLst>
       <p:ext uri="{BB962C8B-B14F-4D97-AF65-F5344CB8AC3E}">
-        <p14:creationId xmlns:p14="http://schemas.microsoft.com/office/powerpoint/2010/main" val="167561999"/>
+        <p14:creationId xmlns:p14="http://schemas.microsoft.com/office/powerpoint/2010/main" val="3381300901"/>
       </p:ext>
     </p:extLst>
   </p:cSld>
@@ -925,12 +1015,7 @@
             <p:ph type="sldImg"/>
           </p:nvPr>
         </p:nvSpPr>
-        <p:spPr>
-          <a:xfrm>
-            <a:off x="26988" y="744538"/>
-            <a:ext cx="6615112" cy="3722687"/>
-          </a:xfrm>
-        </p:spPr>
+        <p:spPr/>
       </p:sp>
       <p:sp>
         <p:nvSpPr>
@@ -947,7 +1032,74 @@
           <a:bodyPr/>
           <a:lstStyle/>
           <a:p>
-            <a:endParaRPr lang="en-GB" dirty="0"/>
+            <a:pPr algn="l"/>
+            <a:r>
+              <a:rPr lang="en-US" sz="1800" b="0" i="0" u="none" strike="noStrike" baseline="0" dirty="0" err="1">
+                <a:latin typeface="XwcmnxLyfnmbQqhcxbUtopiaStd-Regular"/>
+              </a:rPr>
+              <a:t>gRPC</a:t>
+            </a:r>
+            <a:r>
+              <a:rPr lang="en-US" sz="1800" b="0" i="0" u="none" strike="noStrike" baseline="0" dirty="0">
+                <a:latin typeface="XwcmnxLyfnmbQqhcxbUtopiaStd-Regular"/>
+              </a:rPr>
+              <a:t> is an emerging standard for cross-platform remote procedure calls (RPCs) over HTTP that was originally created by</a:t>
+            </a:r>
+          </a:p>
+          <a:p>
+            <a:pPr algn="l"/>
+            <a:r>
+              <a:rPr lang="en-US" sz="1800" b="0" i="0" u="none" strike="noStrike" baseline="0" dirty="0">
+                <a:latin typeface="XwcmnxLyfnmbQqhcxbUtopiaStd-Regular"/>
+              </a:rPr>
+              <a:t>Google (the </a:t>
+            </a:r>
+            <a:r>
+              <a:rPr lang="en-US" sz="1800" b="0" i="1" u="none" strike="noStrike" baseline="0" dirty="0">
+                <a:latin typeface="DyklvcKtcsfmDgrwbrUtopiaStd-Italic"/>
+              </a:rPr>
+              <a:t>g </a:t>
+            </a:r>
+            <a:r>
+              <a:rPr lang="en-US" sz="1800" b="0" i="0" u="none" strike="noStrike" baseline="0" dirty="0">
+                <a:latin typeface="XwcmnxLyfnmbQqhcxbUtopiaStd-Regular"/>
+              </a:rPr>
+              <a:t>in </a:t>
+            </a:r>
+            <a:r>
+              <a:rPr lang="en-US" sz="1800" b="0" i="0" u="none" strike="noStrike" baseline="0" dirty="0" err="1">
+                <a:latin typeface="XwcmnxLyfnmbQqhcxbUtopiaStd-Regular"/>
+              </a:rPr>
+              <a:t>gRPC</a:t>
+            </a:r>
+            <a:r>
+              <a:rPr lang="en-US" sz="1800" b="0" i="0" u="none" strike="noStrike" baseline="0" dirty="0">
+                <a:latin typeface="XwcmnxLyfnmbQqhcxbUtopiaStd-Regular"/>
+              </a:rPr>
+              <a:t>) and offers efficiency and scalability benefits. </a:t>
+            </a:r>
+            <a:r>
+              <a:rPr lang="en-US" sz="1800" b="0" i="0" u="none" strike="noStrike" baseline="0" dirty="0" err="1">
+                <a:latin typeface="XwcmnxLyfnmbQqhcxbUtopiaStd-Regular"/>
+              </a:rPr>
+              <a:t>gRPC</a:t>
+            </a:r>
+            <a:r>
+              <a:rPr lang="en-US" sz="1800" b="0" i="0" u="none" strike="noStrike" baseline="0" dirty="0">
+                <a:latin typeface="XwcmnxLyfnmbQqhcxbUtopiaStd-Regular"/>
+              </a:rPr>
+              <a:t> may be the future standard for web services, but it cannot</a:t>
+            </a:r>
+          </a:p>
+          <a:p>
+            <a:pPr algn="l"/>
+            <a:r>
+              <a:rPr lang="en-US" sz="1800" b="0" i="0" u="none" strike="noStrike" baseline="0" dirty="0">
+                <a:latin typeface="XwcmnxLyfnmbQqhcxbUtopiaStd-Regular"/>
+              </a:rPr>
+              <a:t>be used in web applications because it requires low-level control of the HTTP messages that it sends, which browsers do not allow.</a:t>
+            </a:r>
+            <a:endParaRPr lang="ro-RO" dirty="0"/>
           </a:p>
         </p:txBody>
       </p:sp>
@@ -958,7 +1110,7 @@
             <a:spLocks noGrp="1"/>
           </p:cNvSpPr>
           <p:nvPr>
-            <p:ph type="sldNum" sz="quarter" idx="10"/>
+            <p:ph type="sldNum" sz="quarter" idx="5"/>
           </p:nvPr>
         </p:nvSpPr>
         <p:spPr/>
@@ -968,7 +1120,7 @@
           <a:p>
             <a:fld id="{0BF20BA8-12AF-476D-99B2-894C09A4EE62}" type="slidenum">
               <a:rPr lang="en-GB" smtClean="0"/>
-              <a:t>33</a:t>
+              <a:t>15</a:t>
             </a:fld>
             <a:endParaRPr lang="en-GB"/>
           </a:p>
@@ -977,7 +1129,7 @@
     </p:spTree>
     <p:extLst>
       <p:ext uri="{BB962C8B-B14F-4D97-AF65-F5344CB8AC3E}">
-        <p14:creationId xmlns:p14="http://schemas.microsoft.com/office/powerpoint/2010/main" val="3224078169"/>
+        <p14:creationId xmlns:p14="http://schemas.microsoft.com/office/powerpoint/2010/main" val="328412113"/>
       </p:ext>
     </p:extLst>
   </p:cSld>
@@ -1031,45 +1183,6 @@
           <a:bodyPr/>
           <a:lstStyle/>
           <a:p>
-            <a:pPr marL="0" marR="0" indent="0" algn="l" defTabSz="914400" rtl="0" eaLnBrk="1" fontAlgn="auto" latinLnBrk="0" hangingPunct="1">
-              <a:lnSpc>
-                <a:spcPct val="100000"/>
-              </a:lnSpc>
-              <a:spcBef>
-                <a:spcPts val="0"/>
-              </a:spcBef>
-              <a:spcAft>
-                <a:spcPts val="0"/>
-              </a:spcAft>
-              <a:buClrTx/>
-              <a:buSzTx/>
-              <a:buFontTx/>
-              <a:buNone/>
-              <a:tabLst/>
-              <a:defRPr/>
-            </a:pPr>
-            <a:r>
-              <a:rPr lang="en-US" sz="1200" dirty="0"/>
-              <a:t>The </a:t>
-            </a:r>
-            <a:r>
-              <a:rPr lang="en-US" sz="1200" b="1" dirty="0"/>
-              <a:t>Internet</a:t>
-            </a:r>
-            <a:r>
-              <a:rPr lang="en-US" sz="1200" dirty="0"/>
-              <a:t> and </a:t>
-            </a:r>
-            <a:r>
-              <a:rPr lang="en-US" sz="1200" b="1" dirty="0"/>
-              <a:t>Intranet Application </a:t>
-            </a:r>
-            <a:r>
-              <a:rPr lang="en-US" sz="1200" dirty="0"/>
-              <a:t>templates offer a more complete starting point that already implements authentication mechanisms.</a:t>
-            </a:r>
-          </a:p>
-          <a:p>
             <a:endParaRPr lang="en-US" dirty="0"/>
           </a:p>
         </p:txBody>
@@ -1091,7 +1204,7 @@
           <a:p>
             <a:fld id="{0BF20BA8-12AF-476D-99B2-894C09A4EE62}" type="slidenum">
               <a:rPr lang="en-GB" smtClean="0"/>
-              <a:t>48</a:t>
+              <a:t>21</a:t>
             </a:fld>
             <a:endParaRPr lang="en-GB"/>
           </a:p>
@@ -1100,7 +1213,7 @@
     </p:spTree>
     <p:extLst>
       <p:ext uri="{BB962C8B-B14F-4D97-AF65-F5344CB8AC3E}">
-        <p14:creationId xmlns:p14="http://schemas.microsoft.com/office/powerpoint/2010/main" val="137298512"/>
+        <p14:creationId xmlns:p14="http://schemas.microsoft.com/office/powerpoint/2010/main" val="167561999"/>
       </p:ext>
     </p:extLst>
   </p:cSld>
@@ -1137,7 +1250,12 @@
             <p:ph type="sldImg"/>
           </p:nvPr>
         </p:nvSpPr>
-        <p:spPr/>
+        <p:spPr>
+          <a:xfrm>
+            <a:off x="26988" y="744538"/>
+            <a:ext cx="6615112" cy="3722687"/>
+          </a:xfrm>
+        </p:spPr>
       </p:sp>
       <p:sp>
         <p:nvSpPr>
@@ -1154,10 +1272,7 @@
           <a:bodyPr/>
           <a:lstStyle/>
           <a:p>
-            <a:r>
-              <a:rPr lang="en-US" dirty="0"/>
-              <a:t>Filters?</a:t>
-            </a:r>
+            <a:endParaRPr lang="en-GB" dirty="0"/>
           </a:p>
         </p:txBody>
       </p:sp>
@@ -1178,7 +1293,7 @@
           <a:p>
             <a:fld id="{0BF20BA8-12AF-476D-99B2-894C09A4EE62}" type="slidenum">
               <a:rPr lang="en-GB" smtClean="0"/>
-              <a:t>52</a:t>
+              <a:t>33</a:t>
             </a:fld>
             <a:endParaRPr lang="en-GB"/>
           </a:p>
@@ -1187,7 +1302,7 @@
     </p:spTree>
     <p:extLst>
       <p:ext uri="{BB962C8B-B14F-4D97-AF65-F5344CB8AC3E}">
-        <p14:creationId xmlns:p14="http://schemas.microsoft.com/office/powerpoint/2010/main" val="4079675751"/>
+        <p14:creationId xmlns:p14="http://schemas.microsoft.com/office/powerpoint/2010/main" val="3224078169"/>
       </p:ext>
     </p:extLst>
   </p:cSld>
@@ -1241,10 +1356,46 @@
           <a:bodyPr/>
           <a:lstStyle/>
           <a:p>
-            <a:r>
-              <a:rPr lang="en-US" dirty="0"/>
-              <a:t>Filters?</a:t>
-            </a:r>
+            <a:pPr marL="0" marR="0" indent="0" algn="l" defTabSz="914400" rtl="0" eaLnBrk="1" fontAlgn="auto" latinLnBrk="0" hangingPunct="1">
+              <a:lnSpc>
+                <a:spcPct val="100000"/>
+              </a:lnSpc>
+              <a:spcBef>
+                <a:spcPts val="0"/>
+              </a:spcBef>
+              <a:spcAft>
+                <a:spcPts val="0"/>
+              </a:spcAft>
+              <a:buClrTx/>
+              <a:buSzTx/>
+              <a:buFontTx/>
+              <a:buNone/>
+              <a:tabLst/>
+              <a:defRPr/>
+            </a:pPr>
+            <a:r>
+              <a:rPr lang="en-US" sz="1200" dirty="0"/>
+              <a:t>The </a:t>
+            </a:r>
+            <a:r>
+              <a:rPr lang="en-US" sz="1200" b="1" dirty="0"/>
+              <a:t>Internet</a:t>
+            </a:r>
+            <a:r>
+              <a:rPr lang="en-US" sz="1200" dirty="0"/>
+              <a:t> and </a:t>
+            </a:r>
+            <a:r>
+              <a:rPr lang="en-US" sz="1200" b="1" dirty="0"/>
+              <a:t>Intranet Application </a:t>
+            </a:r>
+            <a:r>
+              <a:rPr lang="en-US" sz="1200" dirty="0"/>
+              <a:t>templates offer a more complete starting point that already implements authentication mechanisms.</a:t>
+            </a:r>
+          </a:p>
+          <a:p>
+            <a:endParaRPr lang="en-US" dirty="0"/>
           </a:p>
         </p:txBody>
       </p:sp>
@@ -1265,7 +1416,7 @@
           <a:p>
             <a:fld id="{0BF20BA8-12AF-476D-99B2-894C09A4EE62}" type="slidenum">
               <a:rPr lang="en-GB" smtClean="0"/>
-              <a:t>53</a:t>
+              <a:t>48</a:t>
             </a:fld>
             <a:endParaRPr lang="en-GB"/>
           </a:p>
@@ -1274,7 +1425,7 @@
     </p:spTree>
     <p:extLst>
       <p:ext uri="{BB962C8B-B14F-4D97-AF65-F5344CB8AC3E}">
-        <p14:creationId xmlns:p14="http://schemas.microsoft.com/office/powerpoint/2010/main" val="3012448636"/>
+        <p14:creationId xmlns:p14="http://schemas.microsoft.com/office/powerpoint/2010/main" val="137298512"/>
       </p:ext>
     </p:extLst>
   </p:cSld>
@@ -1352,7 +1503,7 @@
           <a:p>
             <a:fld id="{0BF20BA8-12AF-476D-99B2-894C09A4EE62}" type="slidenum">
               <a:rPr lang="en-GB" smtClean="0"/>
-              <a:t>54</a:t>
+              <a:t>52</a:t>
             </a:fld>
             <a:endParaRPr lang="en-GB"/>
           </a:p>
@@ -1361,7 +1512,7 @@
     </p:spTree>
     <p:extLst>
       <p:ext uri="{BB962C8B-B14F-4D97-AF65-F5344CB8AC3E}">
-        <p14:creationId xmlns:p14="http://schemas.microsoft.com/office/powerpoint/2010/main" val="1334876400"/>
+        <p14:creationId xmlns:p14="http://schemas.microsoft.com/office/powerpoint/2010/main" val="4079675751"/>
       </p:ext>
     </p:extLst>
   </p:cSld>
@@ -1439,7 +1590,7 @@
           <a:p>
             <a:fld id="{0BF20BA8-12AF-476D-99B2-894C09A4EE62}" type="slidenum">
               <a:rPr lang="en-GB" smtClean="0"/>
-              <a:t>55</a:t>
+              <a:t>53</a:t>
             </a:fld>
             <a:endParaRPr lang="en-GB"/>
           </a:p>
@@ -1448,7 +1599,7 @@
     </p:spTree>
     <p:extLst>
       <p:ext uri="{BB962C8B-B14F-4D97-AF65-F5344CB8AC3E}">
-        <p14:creationId xmlns:p14="http://schemas.microsoft.com/office/powerpoint/2010/main" val="2382630234"/>
+        <p14:creationId xmlns:p14="http://schemas.microsoft.com/office/powerpoint/2010/main" val="3012448636"/>
       </p:ext>
     </p:extLst>
   </p:cSld>
@@ -1526,7 +1677,7 @@
           <a:p>
             <a:fld id="{0BF20BA8-12AF-476D-99B2-894C09A4EE62}" type="slidenum">
               <a:rPr lang="en-GB" smtClean="0"/>
-              <a:t>56</a:t>
+              <a:t>54</a:t>
             </a:fld>
             <a:endParaRPr lang="en-GB"/>
           </a:p>
@@ -1535,7 +1686,94 @@
     </p:spTree>
     <p:extLst>
       <p:ext uri="{BB962C8B-B14F-4D97-AF65-F5344CB8AC3E}">
-        <p14:creationId xmlns:p14="http://schemas.microsoft.com/office/powerpoint/2010/main" val="3381300901"/>
+        <p14:creationId xmlns:p14="http://schemas.microsoft.com/office/powerpoint/2010/main" val="1334876400"/>
+      </p:ext>
+    </p:extLst>
+  </p:cSld>
+  <p:clrMapOvr>
+    <a:masterClrMapping/>
+  </p:clrMapOvr>
+</p:notes>
+</file>
+
+<file path=ppt/notesSlides/notesSlide9.xml><?xml version="1.0" encoding="utf-8"?>
+<p:notes xmlns:a="http://schemas.openxmlformats.org/drawingml/2006/main" xmlns:r="http://schemas.openxmlformats.org/officeDocument/2006/relationships" xmlns:p="http://schemas.openxmlformats.org/presentationml/2006/main">
+  <p:cSld>
+    <p:spTree>
+      <p:nvGrpSpPr>
+        <p:cNvPr id="1" name=""/>
+        <p:cNvGrpSpPr/>
+        <p:nvPr/>
+      </p:nvGrpSpPr>
+      <p:grpSpPr>
+        <a:xfrm>
+          <a:off x="0" y="0"/>
+          <a:ext cx="0" cy="0"/>
+          <a:chOff x="0" y="0"/>
+          <a:chExt cx="0" cy="0"/>
+        </a:xfrm>
+      </p:grpSpPr>
+      <p:sp>
+        <p:nvSpPr>
+          <p:cNvPr id="2" name="Slide Image Placeholder 1"/>
+          <p:cNvSpPr>
+            <a:spLocks noGrp="1" noRot="1" noChangeAspect="1"/>
+          </p:cNvSpPr>
+          <p:nvPr>
+            <p:ph type="sldImg"/>
+          </p:nvPr>
+        </p:nvSpPr>
+        <p:spPr/>
+      </p:sp>
+      <p:sp>
+        <p:nvSpPr>
+          <p:cNvPr id="3" name="Notes Placeholder 2"/>
+          <p:cNvSpPr>
+            <a:spLocks noGrp="1"/>
+          </p:cNvSpPr>
+          <p:nvPr>
+            <p:ph type="body" idx="1"/>
+          </p:nvPr>
+        </p:nvSpPr>
+        <p:spPr/>
+        <p:txBody>
+          <a:bodyPr/>
+          <a:lstStyle/>
+          <a:p>
+            <a:r>
+              <a:rPr lang="en-US" dirty="0"/>
+              <a:t>Filters?</a:t>
+            </a:r>
+          </a:p>
+        </p:txBody>
+      </p:sp>
+      <p:sp>
+        <p:nvSpPr>
+          <p:cNvPr id="4" name="Slide Number Placeholder 3"/>
+          <p:cNvSpPr>
+            <a:spLocks noGrp="1"/>
+          </p:cNvSpPr>
+          <p:nvPr>
+            <p:ph type="sldNum" sz="quarter" idx="10"/>
+          </p:nvPr>
+        </p:nvSpPr>
+        <p:spPr/>
+        <p:txBody>
+          <a:bodyPr/>
+          <a:lstStyle/>
+          <a:p>
+            <a:fld id="{0BF20BA8-12AF-476D-99B2-894C09A4EE62}" type="slidenum">
+              <a:rPr lang="en-GB" smtClean="0"/>
+              <a:t>55</a:t>
+            </a:fld>
+            <a:endParaRPr lang="en-GB"/>
+          </a:p>
+        </p:txBody>
+      </p:sp>
+    </p:spTree>
+    <p:extLst>
+      <p:ext uri="{BB962C8B-B14F-4D97-AF65-F5344CB8AC3E}">
+        <p14:creationId xmlns:p14="http://schemas.microsoft.com/office/powerpoint/2010/main" val="2382630234"/>
       </p:ext>
     </p:extLst>
   </p:cSld>
@@ -12769,7 +13007,7 @@
             </a:r>
             <a:r>
               <a:rPr lang="en-US" b="1" dirty="0"/>
-              <a:t> MVC Core 2 – Part I</a:t>
+              <a:t> MVC – Part I</a:t>
             </a:r>
             <a:endParaRPr lang="hr-HR" b="1" dirty="0">
               <a:effectLst>
@@ -13598,7 +13836,7 @@
             </a:pPr>
             <a:r>
               <a:rPr lang="en-US" dirty="0"/>
-              <a:t>Although solving the problem of the slow release cycle and removing the HTML markup abstraction, ASP.NET MVC still suffered from:</a:t>
+              <a:t>Although solving the problem of the slow-release cycle and removing the HTML markup abstraction, ASP.NET MVC still suffered from:</a:t>
             </a:r>
           </a:p>
           <a:p>
@@ -13960,22 +14198,28 @@
       </p:sp>
       <p:pic>
         <p:nvPicPr>
-          <p:cNvPr id="5" name="Picture 4"/>
+          <p:cNvPr id="7" name="Picture 6">
+            <a:extLst>
+              <a:ext uri="{FF2B5EF4-FFF2-40B4-BE49-F238E27FC236}">
+                <a16:creationId xmlns:a16="http://schemas.microsoft.com/office/drawing/2014/main" id="{920B4426-F9DD-4A0D-A5CC-C7F2771BC123}"/>
+              </a:ext>
+            </a:extLst>
+          </p:cNvPr>
           <p:cNvPicPr>
             <a:picLocks noChangeAspect="1"/>
           </p:cNvPicPr>
           <p:nvPr/>
         </p:nvPicPr>
         <p:blipFill>
-          <a:blip r:embed="rId2"/>
+          <a:blip r:embed="rId3"/>
           <a:stretch>
             <a:fillRect/>
           </a:stretch>
         </p:blipFill>
         <p:spPr>
           <a:xfrm>
-            <a:off x="431370" y="3356992"/>
-            <a:ext cx="11212662" cy="1922171"/>
+            <a:off x="1979451" y="2826818"/>
+            <a:ext cx="8404698" cy="3482502"/>
           </a:xfrm>
           <a:prstGeom prst="rect">
             <a:avLst/>
@@ -14041,7 +14285,7 @@
           <a:p>
             <a:r>
               <a:rPr lang="en-US" dirty="0"/>
-              <a:t>HelloWorld (ASP .NET Core 3)</a:t>
+              <a:t>HelloWorld (ASP .NET)</a:t>
             </a:r>
           </a:p>
         </p:txBody>
@@ -14127,7 +14371,7 @@
           <a:p>
             <a:r>
               <a:rPr lang="en-US" dirty="0"/>
-              <a:t>Installing Visual Studio 2017</a:t>
+              <a:t>Installing Visual Studio 2019</a:t>
             </a:r>
           </a:p>
         </p:txBody>
@@ -14161,7 +14405,7 @@
             </a:r>
             <a:r>
               <a:rPr lang="en-US" dirty="0"/>
-              <a:t> are available in </a:t>
+              <a:t> is available in </a:t>
             </a:r>
             <a:r>
               <a:rPr lang="en-US" b="1" dirty="0"/>
@@ -14339,9 +14583,37 @@
           </a:p>
         </p:txBody>
       </p:sp>
+      <p:sp>
+        <p:nvSpPr>
+          <p:cNvPr id="6" name="Text Placeholder 5"/>
+          <p:cNvSpPr>
+            <a:spLocks noGrp="1"/>
+          </p:cNvSpPr>
+          <p:nvPr>
+            <p:ph type="body" sz="quarter" idx="10"/>
+          </p:nvPr>
+        </p:nvSpPr>
+        <p:spPr/>
+        <p:txBody>
+          <a:bodyPr/>
+          <a:lstStyle/>
+          <a:p>
+            <a:r>
+              <a:rPr lang="en-US" dirty="0"/>
+              <a:t>Installing Visual Studio 2019</a:t>
+            </a:r>
+          </a:p>
+        </p:txBody>
+      </p:sp>
       <p:pic>
         <p:nvPicPr>
-          <p:cNvPr id="5" name="Content Placeholder 4"/>
+          <p:cNvPr id="13" name="Content Placeholder 12">
+            <a:extLst>
+              <a:ext uri="{FF2B5EF4-FFF2-40B4-BE49-F238E27FC236}">
+                <a16:creationId xmlns:a16="http://schemas.microsoft.com/office/drawing/2014/main" id="{C8123684-A203-4C2B-8269-BE2F7AE6607C}"/>
+              </a:ext>
+            </a:extLst>
+          </p:cNvPr>
           <p:cNvPicPr>
             <a:picLocks noGrp="1" noChangeAspect="1"/>
           </p:cNvPicPr>
@@ -14357,36 +14629,14 @@
         </p:blipFill>
         <p:spPr>
           <a:xfrm>
-            <a:off x="2975334" y="1341438"/>
-            <a:ext cx="6412782" cy="4813300"/>
+            <a:off x="1604324" y="1376032"/>
+            <a:ext cx="9154803" cy="4744112"/>
           </a:xfrm>
           <a:prstGeom prst="rect">
             <a:avLst/>
           </a:prstGeom>
         </p:spPr>
       </p:pic>
-      <p:sp>
-        <p:nvSpPr>
-          <p:cNvPr id="6" name="Text Placeholder 5"/>
-          <p:cNvSpPr>
-            <a:spLocks noGrp="1"/>
-          </p:cNvSpPr>
-          <p:nvPr>
-            <p:ph type="body" sz="quarter" idx="10"/>
-          </p:nvPr>
-        </p:nvSpPr>
-        <p:spPr/>
-        <p:txBody>
-          <a:bodyPr/>
-          <a:lstStyle/>
-          <a:p>
-            <a:r>
-              <a:rPr lang="en-US" dirty="0"/>
-              <a:t>Installing Visual Studio 2017</a:t>
-            </a:r>
-          </a:p>
-        </p:txBody>
-      </p:sp>
     </p:spTree>
     <p:extLst>
       <p:ext uri="{BB962C8B-B14F-4D97-AF65-F5344CB8AC3E}">
@@ -14431,7 +14681,7 @@
       </p:grpSpPr>
       <p:sp>
         <p:nvSpPr>
-          <p:cNvPr id="7" name="Title 6"/>
+          <p:cNvPr id="3" name="Title 2"/>
           <p:cNvSpPr>
             <a:spLocks noGrp="1"/>
           </p:cNvSpPr>
@@ -14451,12 +14701,34 @@
           </a:p>
         </p:txBody>
       </p:sp>
+      <p:sp>
+        <p:nvSpPr>
+          <p:cNvPr id="6" name="Text Placeholder 5"/>
+          <p:cNvSpPr>
+            <a:spLocks noGrp="1"/>
+          </p:cNvSpPr>
+          <p:nvPr>
+            <p:ph type="body" sz="quarter" idx="10"/>
+          </p:nvPr>
+        </p:nvSpPr>
+        <p:spPr/>
+        <p:txBody>
+          <a:bodyPr/>
+          <a:lstStyle/>
+          <a:p>
+            <a:r>
+              <a:rPr lang="en-US" dirty="0"/>
+              <a:t>Installing Visual Studio 2019</a:t>
+            </a:r>
+          </a:p>
+        </p:txBody>
+      </p:sp>
       <p:pic>
         <p:nvPicPr>
-          <p:cNvPr id="5" name="Content Placeholder 4">
+          <p:cNvPr id="11" name="Content Placeholder 10">
             <a:extLst>
               <a:ext uri="{FF2B5EF4-FFF2-40B4-BE49-F238E27FC236}">
-                <a16:creationId xmlns:a16="http://schemas.microsoft.com/office/drawing/2014/main" id="{A5722852-C2D1-4CE2-B5EF-339259275B01}"/>
+                <a16:creationId xmlns:a16="http://schemas.microsoft.com/office/drawing/2014/main" id="{B5D122C2-32B2-4A91-9FB4-540E5CEB96ED}"/>
               </a:ext>
             </a:extLst>
           </p:cNvPr>
@@ -14475,46 +14747,15 @@
         </p:blipFill>
         <p:spPr>
           <a:xfrm>
-            <a:off x="1851596" y="1341438"/>
-            <a:ext cx="8660258" cy="4813300"/>
+            <a:off x="1814513" y="1500188"/>
+            <a:ext cx="8734425" cy="4495800"/>
           </a:xfrm>
-          <a:prstGeom prst="rect">
-            <a:avLst/>
-          </a:prstGeom>
         </p:spPr>
       </p:pic>
-      <p:sp>
-        <p:nvSpPr>
-          <p:cNvPr id="8" name="Text Placeholder 7">
-            <a:extLst>
-              <a:ext uri="{FF2B5EF4-FFF2-40B4-BE49-F238E27FC236}">
-                <a16:creationId xmlns:a16="http://schemas.microsoft.com/office/drawing/2014/main" id="{8F91BDAB-721A-4443-9A64-4BF1FFBFF5D2}"/>
-              </a:ext>
-            </a:extLst>
-          </p:cNvPr>
-          <p:cNvSpPr>
-            <a:spLocks noGrp="1"/>
-          </p:cNvSpPr>
-          <p:nvPr>
-            <p:ph type="body" sz="quarter" idx="10"/>
-          </p:nvPr>
-        </p:nvSpPr>
-        <p:spPr/>
-        <p:txBody>
-          <a:bodyPr/>
-          <a:lstStyle/>
-          <a:p>
-            <a:r>
-              <a:rPr lang="en-US" dirty="0"/>
-              <a:t>New Project</a:t>
-            </a:r>
-          </a:p>
-        </p:txBody>
-      </p:sp>
     </p:spTree>
     <p:extLst>
       <p:ext uri="{BB962C8B-B14F-4D97-AF65-F5344CB8AC3E}">
-        <p14:creationId xmlns:p14="http://schemas.microsoft.com/office/powerpoint/2010/main" val="3930858162"/>
+        <p14:creationId xmlns:p14="http://schemas.microsoft.com/office/powerpoint/2010/main" val="3354035371"/>
       </p:ext>
     </p:extLst>
   </p:cSld>
@@ -14745,7 +14986,7 @@
       </p:grpSpPr>
       <p:sp>
         <p:nvSpPr>
-          <p:cNvPr id="6" name="Title 5"/>
+          <p:cNvPr id="7" name="Title 6"/>
           <p:cNvSpPr>
             <a:spLocks noGrp="1"/>
           </p:cNvSpPr>
@@ -14767,10 +15008,10 @@
       </p:sp>
       <p:sp>
         <p:nvSpPr>
-          <p:cNvPr id="7" name="Text Placeholder 6">
+          <p:cNvPr id="8" name="Text Placeholder 7">
             <a:extLst>
               <a:ext uri="{FF2B5EF4-FFF2-40B4-BE49-F238E27FC236}">
-                <a16:creationId xmlns:a16="http://schemas.microsoft.com/office/drawing/2014/main" id="{C1844C5D-75FD-46A8-8ECC-44E6666C22B1}"/>
+                <a16:creationId xmlns:a16="http://schemas.microsoft.com/office/drawing/2014/main" id="{8F91BDAB-721A-4443-9A64-4BF1FFBFF5D2}"/>
               </a:ext>
             </a:extLst>
           </p:cNvPr>
@@ -14788,17 +15029,17 @@
           <a:p>
             <a:r>
               <a:rPr lang="en-US" dirty="0"/>
-              <a:t>Selecting the project template</a:t>
+              <a:t>New Project</a:t>
             </a:r>
           </a:p>
         </p:txBody>
       </p:sp>
       <p:pic>
         <p:nvPicPr>
-          <p:cNvPr id="10" name="Content Placeholder 9">
+          <p:cNvPr id="19" name="Content Placeholder 18">
             <a:extLst>
               <a:ext uri="{FF2B5EF4-FFF2-40B4-BE49-F238E27FC236}">
-                <a16:creationId xmlns:a16="http://schemas.microsoft.com/office/drawing/2014/main" id="{18A45D3B-DC7A-4057-B2D2-E5CF7268D4CB}"/>
+                <a16:creationId xmlns:a16="http://schemas.microsoft.com/office/drawing/2014/main" id="{A3777784-6124-42C8-9E64-23B39B3E6CC9}"/>
               </a:ext>
             </a:extLst>
           </p:cNvPr>
@@ -14817,8 +15058,8 @@
         </p:blipFill>
         <p:spPr>
           <a:xfrm>
-            <a:off x="2762893" y="1341438"/>
-            <a:ext cx="6837665" cy="4813300"/>
+            <a:off x="2557594" y="1341438"/>
+            <a:ext cx="7248263" cy="4813300"/>
           </a:xfrm>
           <a:prstGeom prst="rect">
             <a:avLst/>
@@ -14828,7 +15069,7 @@
     </p:spTree>
     <p:extLst>
       <p:ext uri="{BB962C8B-B14F-4D97-AF65-F5344CB8AC3E}">
-        <p14:creationId xmlns:p14="http://schemas.microsoft.com/office/powerpoint/2010/main" val="890533521"/>
+        <p14:creationId xmlns:p14="http://schemas.microsoft.com/office/powerpoint/2010/main" val="3930858162"/>
       </p:ext>
     </p:extLst>
   </p:cSld>
@@ -17837,7 +18078,7 @@
             </a:pPr>
             <a:r>
               <a:rPr lang="en-US" b="1" dirty="0"/>
-              <a:t>Pro ASP.NET Core MVC 2</a:t>
+              <a:t>Pro ASP.NET Core 3</a:t>
             </a:r>
           </a:p>
           <a:p>
@@ -17857,7 +18098,7 @@
             </a:pPr>
             <a:r>
               <a:rPr lang="en-US" dirty="0"/>
-              <a:t>Now in its 7th edition, the best selling book on MVC is now updated for ASP.NET Core MVC.</a:t>
+              <a:t>Now in its 8th edition, the best-selling book on MVC is now updated for ASP.NET Core.</a:t>
             </a:r>
           </a:p>
           <a:p>
@@ -17867,9 +18108,9 @@
             </a:pPr>
             <a:r>
               <a:rPr lang="en-US" dirty="0">
-                <a:hlinkClick r:id="rId2"/>
+                <a:hlinkClick r:id="rId3"/>
               </a:rPr>
-              <a:t>https://www.apress.com/gp/book/9781484231494</a:t>
+              <a:t>https://www.apress.com/gp/book/9781484254394</a:t>
             </a:r>
             <a:endParaRPr lang="en-US" dirty="0"/>
           </a:p>
@@ -17880,14 +18121,10 @@
             </a:pPr>
             <a:r>
               <a:rPr lang="en-US" dirty="0">
-                <a:hlinkClick r:id="rId3"/>
+                <a:hlinkClick r:id="rId4"/>
               </a:rPr>
-              <a:t>https://github.com/apress/pro-asp.net-core-mvc-2</a:t>
-            </a:r>
-            <a:endParaRPr lang="en-US" dirty="0"/>
-          </a:p>
-          <a:p>
-            <a:pPr lvl="1"/>
+              <a:t>https://github.com/Apress/pro-asp.net-core-3</a:t>
+            </a:r>
             <a:endParaRPr lang="en-US" dirty="0"/>
           </a:p>
         </p:txBody>
@@ -17916,49 +18153,38 @@
       </p:sp>
       <p:pic>
         <p:nvPicPr>
-          <p:cNvPr id="1028" name="Picture 4" descr="https://images-na.ssl-images-amazon.com/images/I/51U5-MDFiqL._SX348_BO1,204,203,200_.jpg">
+          <p:cNvPr id="6" name="Picture 5" descr="Logo&#10;&#10;Description automatically generated with low confidence">
             <a:extLst>
               <a:ext uri="{FF2B5EF4-FFF2-40B4-BE49-F238E27FC236}">
-                <a16:creationId xmlns:a16="http://schemas.microsoft.com/office/drawing/2014/main" id="{B365DAE5-A9DC-49FD-BF99-291F47833E9B}"/>
+                <a16:creationId xmlns:a16="http://schemas.microsoft.com/office/drawing/2014/main" id="{0F3DD0FD-3F60-4B52-98E7-47546BC390D4}"/>
               </a:ext>
             </a:extLst>
           </p:cNvPr>
           <p:cNvPicPr>
-            <a:picLocks noChangeAspect="1" noChangeArrowheads="1"/>
+            <a:picLocks noChangeAspect="1"/>
           </p:cNvPicPr>
           <p:nvPr/>
         </p:nvPicPr>
         <p:blipFill>
-          <a:blip r:embed="rId4">
+          <a:blip r:embed="rId5" cstate="print">
             <a:extLst>
               <a:ext uri="{28A0092B-C50C-407E-A947-70E740481C1C}">
                 <a14:useLocalDpi xmlns:a14="http://schemas.microsoft.com/office/drawing/2010/main" val="0"/>
               </a:ext>
             </a:extLst>
           </a:blip>
-          <a:srcRect/>
           <a:stretch>
             <a:fillRect/>
           </a:stretch>
         </p:blipFill>
-        <p:spPr bwMode="auto">
+        <p:spPr>
           <a:xfrm>
-            <a:off x="8062106" y="1401382"/>
-            <a:ext cx="3333750" cy="4752975"/>
+            <a:off x="8040216" y="1556792"/>
+            <a:ext cx="3240360" cy="4306113"/>
           </a:xfrm>
           <a:prstGeom prst="rect">
             <a:avLst/>
           </a:prstGeom>
-          <a:noFill/>
-          <a:extLst>
-            <a:ext uri="{909E8E84-426E-40DD-AFC4-6F175D3DCCD1}">
-              <a14:hiddenFill xmlns:a14="http://schemas.microsoft.com/office/drawing/2010/main">
-                <a:solidFill>
-                  <a:srgbClr val="FFFFFF"/>
-                </a:solidFill>
-              </a14:hiddenFill>
-            </a:ext>
-          </a:extLst>
         </p:spPr>
       </p:pic>
     </p:spTree>
@@ -23585,7 +23811,7 @@
               <a:rPr lang="en-US" u="sng" dirty="0">
                 <a:hlinkClick r:id="rId3"/>
               </a:rPr>
-              <a:t>https://docs.microsoft.com/en-us/dotnet/api/?view=aspnetcore-3.1</a:t>
+              <a:t>https://docs.microsoft.com/en-us/dotnet/api/?view=net-5.0</a:t>
             </a:r>
             <a:endParaRPr lang="en-US" u="sng" dirty="0"/>
           </a:p>

--- a/Presentation ASPNET MVC Core - Part I.pptx
+++ b/Presentation ASPNET MVC Core - Part I.pptx
@@ -32,50 +32,50 @@
     <p:sldId id="777" r:id="rId20"/>
     <p:sldId id="774" r:id="rId21"/>
     <p:sldId id="680" r:id="rId22"/>
-    <p:sldId id="711" r:id="rId23"/>
-    <p:sldId id="712" r:id="rId24"/>
-    <p:sldId id="713" r:id="rId25"/>
-    <p:sldId id="735" r:id="rId26"/>
-    <p:sldId id="736" r:id="rId27"/>
-    <p:sldId id="737" r:id="rId28"/>
-    <p:sldId id="738" r:id="rId29"/>
-    <p:sldId id="739" r:id="rId30"/>
-    <p:sldId id="740" r:id="rId31"/>
-    <p:sldId id="741" r:id="rId32"/>
-    <p:sldId id="742" r:id="rId33"/>
-    <p:sldId id="714" r:id="rId34"/>
-    <p:sldId id="743" r:id="rId35"/>
-    <p:sldId id="744" r:id="rId36"/>
-    <p:sldId id="722" r:id="rId37"/>
-    <p:sldId id="723" r:id="rId38"/>
-    <p:sldId id="724" r:id="rId39"/>
-    <p:sldId id="725" r:id="rId40"/>
-    <p:sldId id="726" r:id="rId41"/>
-    <p:sldId id="751" r:id="rId42"/>
-    <p:sldId id="752" r:id="rId43"/>
-    <p:sldId id="753" r:id="rId44"/>
-    <p:sldId id="754" r:id="rId45"/>
-    <p:sldId id="755" r:id="rId46"/>
-    <p:sldId id="756" r:id="rId47"/>
-    <p:sldId id="757" r:id="rId48"/>
-    <p:sldId id="732" r:id="rId49"/>
-    <p:sldId id="758" r:id="rId50"/>
-    <p:sldId id="759" r:id="rId51"/>
-    <p:sldId id="760" r:id="rId52"/>
-    <p:sldId id="733" r:id="rId53"/>
-    <p:sldId id="761" r:id="rId54"/>
-    <p:sldId id="762" r:id="rId55"/>
-    <p:sldId id="763" r:id="rId56"/>
-    <p:sldId id="764" r:id="rId57"/>
-    <p:sldId id="734" r:id="rId58"/>
-    <p:sldId id="772" r:id="rId59"/>
-    <p:sldId id="771" r:id="rId60"/>
-    <p:sldId id="766" r:id="rId61"/>
-    <p:sldId id="767" r:id="rId62"/>
-    <p:sldId id="768" r:id="rId63"/>
-    <p:sldId id="769" r:id="rId64"/>
-    <p:sldId id="730" r:id="rId65"/>
-    <p:sldId id="773" r:id="rId66"/>
+    <p:sldId id="778" r:id="rId23"/>
+    <p:sldId id="711" r:id="rId24"/>
+    <p:sldId id="712" r:id="rId25"/>
+    <p:sldId id="713" r:id="rId26"/>
+    <p:sldId id="735" r:id="rId27"/>
+    <p:sldId id="736" r:id="rId28"/>
+    <p:sldId id="737" r:id="rId29"/>
+    <p:sldId id="738" r:id="rId30"/>
+    <p:sldId id="739" r:id="rId31"/>
+    <p:sldId id="740" r:id="rId32"/>
+    <p:sldId id="741" r:id="rId33"/>
+    <p:sldId id="742" r:id="rId34"/>
+    <p:sldId id="714" r:id="rId35"/>
+    <p:sldId id="743" r:id="rId36"/>
+    <p:sldId id="744" r:id="rId37"/>
+    <p:sldId id="779" r:id="rId38"/>
+    <p:sldId id="722" r:id="rId39"/>
+    <p:sldId id="723" r:id="rId40"/>
+    <p:sldId id="724" r:id="rId41"/>
+    <p:sldId id="725" r:id="rId42"/>
+    <p:sldId id="726" r:id="rId43"/>
+    <p:sldId id="751" r:id="rId44"/>
+    <p:sldId id="752" r:id="rId45"/>
+    <p:sldId id="753" r:id="rId46"/>
+    <p:sldId id="754" r:id="rId47"/>
+    <p:sldId id="755" r:id="rId48"/>
+    <p:sldId id="756" r:id="rId49"/>
+    <p:sldId id="757" r:id="rId50"/>
+    <p:sldId id="732" r:id="rId51"/>
+    <p:sldId id="758" r:id="rId52"/>
+    <p:sldId id="759" r:id="rId53"/>
+    <p:sldId id="760" r:id="rId54"/>
+    <p:sldId id="733" r:id="rId55"/>
+    <p:sldId id="761" r:id="rId56"/>
+    <p:sldId id="762" r:id="rId57"/>
+    <p:sldId id="763" r:id="rId58"/>
+    <p:sldId id="764" r:id="rId59"/>
+    <p:sldId id="734" r:id="rId60"/>
+    <p:sldId id="772" r:id="rId61"/>
+    <p:sldId id="771" r:id="rId62"/>
+    <p:sldId id="766" r:id="rId63"/>
+    <p:sldId id="767" r:id="rId64"/>
+    <p:sldId id="768" r:id="rId65"/>
+    <p:sldId id="769" r:id="rId66"/>
     <p:sldId id="729" r:id="rId67"/>
   </p:sldIdLst>
   <p:sldSz cx="12192000" cy="6858000"/>
@@ -213,6 +213,7 @@
             <p14:sldId id="777"/>
             <p14:sldId id="774"/>
             <p14:sldId id="680"/>
+            <p14:sldId id="778"/>
           </p14:sldIdLst>
         </p14:section>
         <p14:section name="The pattern" id="{95C455DC-2000-49BF-A1DC-5D916E6F4076}">
@@ -231,6 +232,7 @@
             <p14:sldId id="714"/>
             <p14:sldId id="743"/>
             <p14:sldId id="744"/>
+            <p14:sldId id="779"/>
           </p14:sldIdLst>
         </p14:section>
         <p14:section name="Key Benefits of ASP.NET Core MVC" id="{9A186F36-F36C-4A63-9F21-C48C30C9FBC0}">
@@ -269,10 +271,8 @@
             <p14:sldId id="769"/>
           </p14:sldIdLst>
         </p14:section>
-        <p14:section name="Demo - Complete project" id="{AF42073B-720D-4667-A14C-9E43237F621A}">
+        <p14:section name="Thank you" id="{AF42073B-720D-4667-A14C-9E43237F621A}">
           <p14:sldIdLst>
-            <p14:sldId id="730"/>
-            <p14:sldId id="773"/>
             <p14:sldId id="729"/>
           </p14:sldIdLst>
         </p14:section>
@@ -381,7 +381,7 @@
           <a:p>
             <a:fld id="{CD54E0B9-A397-428E-BA01-CD7A34B572EB}" type="datetimeFigureOut">
               <a:rPr lang="en-US" smtClean="0"/>
-              <a:t>5/13/2021</a:t>
+              <a:t>5/17/2021</a:t>
             </a:fld>
             <a:endParaRPr lang="en-US"/>
           </a:p>
@@ -546,7 +546,7 @@
           <a:p>
             <a:fld id="{AA161301-18C9-4CA0-A0BF-791B6E0DDD4D}" type="datetimeFigureOut">
               <a:rPr lang="en-GB" smtClean="0"/>
-              <a:t>13/05/2021</a:t>
+              <a:t>17/05/2021</a:t>
             </a:fld>
             <a:endParaRPr lang="en-GB"/>
           </a:p>
@@ -969,7 +969,7 @@
           <a:p>
             <a:fld id="{0BF20BA8-12AF-476D-99B2-894C09A4EE62}" type="slidenum">
               <a:rPr lang="en-GB" smtClean="0"/>
-              <a:t>56</a:t>
+              <a:t>58</a:t>
             </a:fld>
             <a:endParaRPr lang="en-GB"/>
           </a:p>
@@ -1293,7 +1293,7 @@
           <a:p>
             <a:fld id="{0BF20BA8-12AF-476D-99B2-894C09A4EE62}" type="slidenum">
               <a:rPr lang="en-GB" smtClean="0"/>
-              <a:t>33</a:t>
+              <a:t>34</a:t>
             </a:fld>
             <a:endParaRPr lang="en-GB"/>
           </a:p>
@@ -1416,7 +1416,7 @@
           <a:p>
             <a:fld id="{0BF20BA8-12AF-476D-99B2-894C09A4EE62}" type="slidenum">
               <a:rPr lang="en-GB" smtClean="0"/>
-              <a:t>48</a:t>
+              <a:t>50</a:t>
             </a:fld>
             <a:endParaRPr lang="en-GB"/>
           </a:p>
@@ -1503,7 +1503,7 @@
           <a:p>
             <a:fld id="{0BF20BA8-12AF-476D-99B2-894C09A4EE62}" type="slidenum">
               <a:rPr lang="en-GB" smtClean="0"/>
-              <a:t>52</a:t>
+              <a:t>54</a:t>
             </a:fld>
             <a:endParaRPr lang="en-GB"/>
           </a:p>
@@ -1590,7 +1590,7 @@
           <a:p>
             <a:fld id="{0BF20BA8-12AF-476D-99B2-894C09A4EE62}" type="slidenum">
               <a:rPr lang="en-GB" smtClean="0"/>
-              <a:t>53</a:t>
+              <a:t>55</a:t>
             </a:fld>
             <a:endParaRPr lang="en-GB"/>
           </a:p>
@@ -1677,7 +1677,7 @@
           <a:p>
             <a:fld id="{0BF20BA8-12AF-476D-99B2-894C09A4EE62}" type="slidenum">
               <a:rPr lang="en-GB" smtClean="0"/>
-              <a:t>54</a:t>
+              <a:t>56</a:t>
             </a:fld>
             <a:endParaRPr lang="en-GB"/>
           </a:p>
@@ -1764,7 +1764,7 @@
           <a:p>
             <a:fld id="{0BF20BA8-12AF-476D-99B2-894C09A4EE62}" type="slidenum">
               <a:rPr lang="en-GB" smtClean="0"/>
-              <a:t>55</a:t>
+              <a:t>57</a:t>
             </a:fld>
             <a:endParaRPr lang="en-GB"/>
           </a:p>
@@ -15326,6 +15326,126 @@
       </p:grpSpPr>
       <p:sp>
         <p:nvSpPr>
+          <p:cNvPr id="3" name="Title 2"/>
+          <p:cNvSpPr>
+            <a:spLocks noGrp="1"/>
+          </p:cNvSpPr>
+          <p:nvPr>
+            <p:ph type="title"/>
+          </p:nvPr>
+        </p:nvSpPr>
+        <p:spPr/>
+        <p:txBody>
+          <a:bodyPr/>
+          <a:lstStyle/>
+          <a:p>
+            <a:endParaRPr lang="en-US" dirty="0"/>
+          </a:p>
+        </p:txBody>
+      </p:sp>
+      <p:sp>
+        <p:nvSpPr>
+          <p:cNvPr id="2" name="Content Placeholder 1">
+            <a:extLst>
+              <a:ext uri="{FF2B5EF4-FFF2-40B4-BE49-F238E27FC236}">
+                <a16:creationId xmlns:a16="http://schemas.microsoft.com/office/drawing/2014/main" id="{2D36982F-D34D-46EB-9902-077661A0033C}"/>
+              </a:ext>
+            </a:extLst>
+          </p:cNvPr>
+          <p:cNvSpPr>
+            <a:spLocks noGrp="1"/>
+          </p:cNvSpPr>
+          <p:nvPr>
+            <p:ph idx="1"/>
+          </p:nvPr>
+        </p:nvSpPr>
+        <p:spPr/>
+        <p:txBody>
+          <a:bodyPr/>
+          <a:lstStyle/>
+          <a:p>
+            <a:r>
+              <a:rPr lang="en-US" dirty="0"/>
+              <a:t>HelloWorld</a:t>
+            </a:r>
+          </a:p>
+          <a:p>
+            <a:endParaRPr lang="en-US" dirty="0"/>
+          </a:p>
+        </p:txBody>
+      </p:sp>
+      <p:sp>
+        <p:nvSpPr>
+          <p:cNvPr id="4" name="Text Placeholder 3">
+            <a:extLst>
+              <a:ext uri="{FF2B5EF4-FFF2-40B4-BE49-F238E27FC236}">
+                <a16:creationId xmlns:a16="http://schemas.microsoft.com/office/drawing/2014/main" id="{748B2038-01EE-4AC4-985D-9389ED27FE49}"/>
+              </a:ext>
+            </a:extLst>
+          </p:cNvPr>
+          <p:cNvSpPr>
+            <a:spLocks noGrp="1"/>
+          </p:cNvSpPr>
+          <p:nvPr>
+            <p:ph type="body" sz="quarter" idx="10"/>
+          </p:nvPr>
+        </p:nvSpPr>
+        <p:spPr/>
+        <p:txBody>
+          <a:bodyPr/>
+          <a:lstStyle/>
+          <a:p>
+            <a:r>
+              <a:rPr lang="en-US" dirty="0"/>
+              <a:t>Demo</a:t>
+            </a:r>
+          </a:p>
+        </p:txBody>
+      </p:sp>
+    </p:spTree>
+    <p:extLst>
+      <p:ext uri="{BB962C8B-B14F-4D97-AF65-F5344CB8AC3E}">
+        <p14:creationId xmlns:p14="http://schemas.microsoft.com/office/powerpoint/2010/main" val="2664984629"/>
+      </p:ext>
+    </p:extLst>
+  </p:cSld>
+  <p:clrMapOvr>
+    <a:masterClrMapping/>
+  </p:clrMapOvr>
+  <mc:AlternateContent xmlns:mc="http://schemas.openxmlformats.org/markup-compatibility/2006" xmlns:p14="http://schemas.microsoft.com/office/powerpoint/2010/main">
+    <mc:Choice Requires="p14">
+      <p:transition spd="med" p14:dur="700">
+        <p:fade/>
+      </p:transition>
+    </mc:Choice>
+    <mc:Fallback xmlns="">
+      <p:transition spd="med">
+        <p:fade/>
+      </p:transition>
+    </mc:Fallback>
+  </mc:AlternateContent>
+</p:sld>
+</file>
+
+<file path=ppt/slides/slide23.xml><?xml version="1.0" encoding="utf-8"?>
+<p:sld xmlns:a="http://schemas.openxmlformats.org/drawingml/2006/main" xmlns:r="http://schemas.openxmlformats.org/officeDocument/2006/relationships" xmlns:p="http://schemas.openxmlformats.org/presentationml/2006/main">
+  <p:cSld>
+    <p:spTree>
+      <p:nvGrpSpPr>
+        <p:cNvPr id="1" name=""/>
+        <p:cNvGrpSpPr/>
+        <p:nvPr/>
+      </p:nvGrpSpPr>
+      <p:grpSpPr>
+        <a:xfrm>
+          <a:off x="0" y="0"/>
+          <a:ext cx="0" cy="0"/>
+          <a:chOff x="0" y="0"/>
+          <a:chExt cx="0" cy="0"/>
+        </a:xfrm>
+      </p:grpSpPr>
+      <p:sp>
+        <p:nvSpPr>
           <p:cNvPr id="2" name="Title 1"/>
           <p:cNvSpPr>
             <a:spLocks noGrp="1"/>
@@ -15372,7 +15492,7 @@
 </p:sld>
 </file>
 
-<file path=ppt/slides/slide23.xml><?xml version="1.0" encoding="utf-8"?>
+<file path=ppt/slides/slide24.xml><?xml version="1.0" encoding="utf-8"?>
 <p:sld xmlns:a="http://schemas.openxmlformats.org/drawingml/2006/main" xmlns:r="http://schemas.openxmlformats.org/officeDocument/2006/relationships" xmlns:p="http://schemas.openxmlformats.org/presentationml/2006/main">
   <p:cSld>
     <p:spTree>
@@ -15655,152 +15775,6 @@
 </p:sld>
 </file>
 
-<file path=ppt/slides/slide24.xml><?xml version="1.0" encoding="utf-8"?>
-<p:sld xmlns:a="http://schemas.openxmlformats.org/drawingml/2006/main" xmlns:r="http://schemas.openxmlformats.org/officeDocument/2006/relationships" xmlns:p="http://schemas.openxmlformats.org/presentationml/2006/main">
-  <p:cSld>
-    <p:spTree>
-      <p:nvGrpSpPr>
-        <p:cNvPr id="1" name=""/>
-        <p:cNvGrpSpPr/>
-        <p:nvPr/>
-      </p:nvGrpSpPr>
-      <p:grpSpPr>
-        <a:xfrm>
-          <a:off x="0" y="0"/>
-          <a:ext cx="0" cy="0"/>
-          <a:chOff x="0" y="0"/>
-          <a:chExt cx="0" cy="0"/>
-        </a:xfrm>
-      </p:grpSpPr>
-      <p:sp>
-        <p:nvSpPr>
-          <p:cNvPr id="2" name="Content Placeholder 1"/>
-          <p:cNvSpPr>
-            <a:spLocks noGrp="1"/>
-          </p:cNvSpPr>
-          <p:nvPr>
-            <p:ph idx="1"/>
-          </p:nvPr>
-        </p:nvSpPr>
-        <p:spPr/>
-        <p:txBody>
-          <a:bodyPr/>
-          <a:lstStyle/>
-          <a:p>
-            <a:pPr marL="355600" indent="-355600" algn="just">
-              <a:buFont typeface="Wingdings" pitchFamily="2" charset="2"/>
-              <a:buChar char="§"/>
-            </a:pPr>
-            <a:r>
-              <a:rPr lang="en-US" dirty="0"/>
-              <a:t>The </a:t>
-            </a:r>
-            <a:r>
-              <a:rPr lang="en-US" b="1" dirty="0"/>
-              <a:t>model</a:t>
-            </a:r>
-            <a:r>
-              <a:rPr lang="en-US" dirty="0"/>
-              <a:t> which contain or represent the data that users work with.</a:t>
-            </a:r>
-          </a:p>
-          <a:p>
-            <a:pPr marL="355600" indent="-355600" algn="just">
-              <a:buFont typeface="Wingdings" pitchFamily="2" charset="2"/>
-              <a:buChar char="§"/>
-            </a:pPr>
-            <a:endParaRPr lang="en-US" dirty="0"/>
-          </a:p>
-          <a:p>
-            <a:pPr marL="355600" indent="-355600" algn="just">
-              <a:buFont typeface="Wingdings" pitchFamily="2" charset="2"/>
-              <a:buChar char="§"/>
-            </a:pPr>
-            <a:r>
-              <a:rPr lang="en-US" b="1" dirty="0"/>
-              <a:t>Views </a:t>
-            </a:r>
-            <a:r>
-              <a:rPr lang="en-US" dirty="0"/>
-              <a:t>define how the application UI will be displayed.</a:t>
-            </a:r>
-            <a:endParaRPr lang="ro-RO" dirty="0"/>
-          </a:p>
-          <a:p>
-            <a:pPr marL="355600" indent="-355600" algn="just">
-              <a:buFont typeface="Wingdings" pitchFamily="2" charset="2"/>
-              <a:buChar char="§"/>
-            </a:pPr>
-            <a:endParaRPr lang="en-US" dirty="0"/>
-          </a:p>
-          <a:p>
-            <a:pPr marL="355600" indent="-355600" algn="just">
-              <a:buFont typeface="Wingdings" pitchFamily="2" charset="2"/>
-              <a:buChar char="§"/>
-            </a:pPr>
-            <a:r>
-              <a:rPr lang="en-US" b="1" dirty="0"/>
-              <a:t>Controllers</a:t>
-            </a:r>
-            <a:r>
-              <a:rPr lang="en-US" dirty="0"/>
-              <a:t> process incoming requests, perform operations on the model and select views to render to the user.</a:t>
-            </a:r>
-            <a:endParaRPr lang="ro-RO" dirty="0"/>
-          </a:p>
-          <a:p>
-            <a:pPr algn="just"/>
-            <a:endParaRPr lang="en-US" dirty="0"/>
-          </a:p>
-        </p:txBody>
-      </p:sp>
-      <p:sp>
-        <p:nvSpPr>
-          <p:cNvPr id="3" name="Title 2"/>
-          <p:cNvSpPr>
-            <a:spLocks noGrp="1"/>
-          </p:cNvSpPr>
-          <p:nvPr>
-            <p:ph type="title"/>
-          </p:nvPr>
-        </p:nvSpPr>
-        <p:spPr/>
-        <p:txBody>
-          <a:bodyPr/>
-          <a:lstStyle/>
-          <a:p>
-            <a:r>
-              <a:rPr lang="en-US" dirty="0"/>
-              <a:t>MVC Pattern - Components</a:t>
-            </a:r>
-          </a:p>
-        </p:txBody>
-      </p:sp>
-    </p:spTree>
-    <p:extLst>
-      <p:ext uri="{BB962C8B-B14F-4D97-AF65-F5344CB8AC3E}">
-        <p14:creationId xmlns:p14="http://schemas.microsoft.com/office/powerpoint/2010/main" val="558262452"/>
-      </p:ext>
-    </p:extLst>
-  </p:cSld>
-  <p:clrMapOvr>
-    <a:masterClrMapping/>
-  </p:clrMapOvr>
-  <mc:AlternateContent xmlns:mc="http://schemas.openxmlformats.org/markup-compatibility/2006" xmlns:p14="http://schemas.microsoft.com/office/powerpoint/2010/main">
-    <mc:Choice Requires="p14">
-      <p:transition spd="med" p14:dur="700">
-        <p:fade/>
-      </p:transition>
-    </mc:Choice>
-    <mc:Fallback xmlns="">
-      <p:transition spd="med">
-        <p:fade/>
-      </p:transition>
-    </mc:Fallback>
-  </mc:AlternateContent>
-</p:sld>
-</file>
-
 <file path=ppt/slides/slide25.xml><?xml version="1.0" encoding="utf-8"?>
 <p:sld xmlns:a="http://schemas.openxmlformats.org/drawingml/2006/main" xmlns:r="http://schemas.openxmlformats.org/officeDocument/2006/relationships" xmlns:p="http://schemas.openxmlformats.org/presentationml/2006/main">
   <p:cSld>
@@ -15833,110 +15807,70 @@
           <a:bodyPr/>
           <a:lstStyle/>
           <a:p>
-            <a:pPr marL="342900" indent="-342900">
-              <a:buFont typeface="Wingdings" panose="05000000000000000000" pitchFamily="2" charset="2"/>
+            <a:pPr marL="355600" indent="-355600" algn="just">
+              <a:buFont typeface="Wingdings" pitchFamily="2" charset="2"/>
               <a:buChar char="§"/>
             </a:pPr>
             <a:r>
               <a:rPr lang="en-US" dirty="0"/>
-              <a:t>Each piece of the MVC architecture is well-defined and self-contained, which is referred to as the </a:t>
-            </a:r>
-            <a:r>
-              <a:rPr lang="en-US" i="1" dirty="0"/>
-              <a:t>separation of concerns </a:t>
-            </a:r>
-            <a:r>
-              <a:rPr lang="en-US" dirty="0"/>
-              <a:t>. </a:t>
-            </a:r>
-          </a:p>
-          <a:p>
-            <a:endParaRPr lang="en-US" dirty="0"/>
-          </a:p>
-          <a:p>
-            <a:pPr marL="342900" indent="-342900">
-              <a:buFont typeface="Wingdings" panose="05000000000000000000" pitchFamily="2" charset="2"/>
-              <a:buChar char="§"/>
-            </a:pPr>
-            <a:r>
-              <a:rPr lang="en-US" dirty="0"/>
-              <a:t>The logic that manipulates the data in the model is contained </a:t>
-            </a:r>
-            <a:r>
-              <a:rPr lang="en-US" i="1" dirty="0"/>
-              <a:t>only </a:t>
-            </a:r>
-            <a:r>
-              <a:rPr lang="en-US" dirty="0"/>
-              <a:t>in the model; </a:t>
-            </a:r>
-          </a:p>
-          <a:p>
-            <a:pPr marL="342900" indent="-342900">
-              <a:buFont typeface="Wingdings" panose="05000000000000000000" pitchFamily="2" charset="2"/>
+              <a:t>The </a:t>
+            </a:r>
+            <a:r>
+              <a:rPr lang="en-US" b="1" dirty="0"/>
+              <a:t>model</a:t>
+            </a:r>
+            <a:r>
+              <a:rPr lang="en-US" dirty="0"/>
+              <a:t> which contain or represent the data that users work with.</a:t>
+            </a:r>
+          </a:p>
+          <a:p>
+            <a:pPr marL="355600" indent="-355600" algn="just">
+              <a:buFont typeface="Wingdings" pitchFamily="2" charset="2"/>
               <a:buChar char="§"/>
             </a:pPr>
             <a:endParaRPr lang="en-US" dirty="0"/>
           </a:p>
           <a:p>
-            <a:pPr marL="342900" indent="-342900">
-              <a:buFont typeface="Wingdings" panose="05000000000000000000" pitchFamily="2" charset="2"/>
+            <a:pPr marL="355600" indent="-355600" algn="just">
+              <a:buFont typeface="Wingdings" pitchFamily="2" charset="2"/>
               <a:buChar char="§"/>
             </a:pPr>
             <a:r>
-              <a:rPr lang="en-US" dirty="0"/>
-              <a:t>The logic that displays data is </a:t>
-            </a:r>
-            <a:r>
-              <a:rPr lang="en-US" i="1" dirty="0"/>
-              <a:t>only </a:t>
-            </a:r>
-            <a:r>
-              <a:rPr lang="en-US" dirty="0"/>
-              <a:t>in the view</a:t>
-            </a:r>
-          </a:p>
-          <a:p>
-            <a:pPr marL="342900" indent="-342900">
-              <a:buFont typeface="Wingdings" panose="05000000000000000000" pitchFamily="2" charset="2"/>
+              <a:rPr lang="en-US" b="1" dirty="0"/>
+              <a:t>Views </a:t>
+            </a:r>
+            <a:r>
+              <a:rPr lang="en-US" dirty="0"/>
+              <a:t>define how the application UI will be displayed.</a:t>
+            </a:r>
+            <a:endParaRPr lang="ro-RO" dirty="0"/>
+          </a:p>
+          <a:p>
+            <a:pPr marL="355600" indent="-355600" algn="just">
+              <a:buFont typeface="Wingdings" pitchFamily="2" charset="2"/>
               <a:buChar char="§"/>
             </a:pPr>
             <a:endParaRPr lang="en-US" dirty="0"/>
           </a:p>
           <a:p>
-            <a:pPr marL="342900" indent="-342900">
-              <a:buFont typeface="Wingdings" panose="05000000000000000000" pitchFamily="2" charset="2"/>
+            <a:pPr marL="355600" indent="-355600" algn="just">
+              <a:buFont typeface="Wingdings" pitchFamily="2" charset="2"/>
               <a:buChar char="§"/>
             </a:pPr>
             <a:r>
-              <a:rPr lang="en-US" dirty="0"/>
-              <a:t>The code that handles user requests and input is contained </a:t>
-            </a:r>
-            <a:r>
-              <a:rPr lang="en-US" i="1" dirty="0"/>
-              <a:t>only </a:t>
-            </a:r>
-            <a:r>
-              <a:rPr lang="en-US" dirty="0"/>
-              <a:t>in the controller.</a:t>
-            </a:r>
-          </a:p>
-          <a:p>
-            <a:pPr marL="342900" indent="-342900">
-              <a:buFont typeface="Wingdings" panose="05000000000000000000" pitchFamily="2" charset="2"/>
-              <a:buChar char="§"/>
-            </a:pPr>
+              <a:rPr lang="en-US" b="1" dirty="0"/>
+              <a:t>Controllers</a:t>
+            </a:r>
+            <a:r>
+              <a:rPr lang="en-US" dirty="0"/>
+              <a:t> process incoming requests, perform operations on the model and select views to render to the user.</a:t>
+            </a:r>
+            <a:endParaRPr lang="ro-RO" dirty="0"/>
+          </a:p>
+          <a:p>
+            <a:pPr algn="just"/>
             <a:endParaRPr lang="en-US" dirty="0"/>
-          </a:p>
-          <a:p>
-            <a:pPr marL="342900" indent="-342900">
-              <a:buFont typeface="Wingdings" panose="05000000000000000000" pitchFamily="2" charset="2"/>
-              <a:buChar char="§"/>
-            </a:pPr>
-            <a:r>
-              <a:rPr lang="en-US" dirty="0"/>
-              <a:t>With a clear division between each of the pieces, your application will be easier to maintain and extend over its lifetime, no matter how large it becomes.</a:t>
-            </a:r>
           </a:p>
         </p:txBody>
       </p:sp>
@@ -15957,7 +15891,7 @@
           <a:p>
             <a:r>
               <a:rPr lang="en-US" dirty="0"/>
-              <a:t>MVC Pattern</a:t>
+              <a:t>MVC Pattern - Components</a:t>
             </a:r>
           </a:p>
         </p:txBody>
@@ -15965,7 +15899,7 @@
     </p:spTree>
     <p:extLst>
       <p:ext uri="{BB962C8B-B14F-4D97-AF65-F5344CB8AC3E}">
-        <p14:creationId xmlns:p14="http://schemas.microsoft.com/office/powerpoint/2010/main" val="984665219"/>
+        <p14:creationId xmlns:p14="http://schemas.microsoft.com/office/powerpoint/2010/main" val="558262452"/>
       </p:ext>
     </p:extLst>
   </p:cSld>
@@ -16025,7 +15959,36 @@
             </a:pPr>
             <a:r>
               <a:rPr lang="en-US" dirty="0"/>
-              <a:t>Models—the M in MVC - contain the data that users work with. </a:t>
+              <a:t>Each piece of the MVC architecture is well-defined and self-contained, which is referred to as the </a:t>
+            </a:r>
+            <a:r>
+              <a:rPr lang="en-US" i="1" dirty="0"/>
+              <a:t>separation of concerns </a:t>
+            </a:r>
+            <a:r>
+              <a:rPr lang="en-US" dirty="0"/>
+              <a:t>. </a:t>
+            </a:r>
+          </a:p>
+          <a:p>
+            <a:endParaRPr lang="en-US" dirty="0"/>
+          </a:p>
+          <a:p>
+            <a:pPr marL="342900" indent="-342900">
+              <a:buFont typeface="Wingdings" panose="05000000000000000000" pitchFamily="2" charset="2"/>
+              <a:buChar char="§"/>
+            </a:pPr>
+            <a:r>
+              <a:rPr lang="en-US" dirty="0"/>
+              <a:t>The logic that manipulates the data in the model is contained </a:t>
+            </a:r>
+            <a:r>
+              <a:rPr lang="en-US" i="1" dirty="0"/>
+              <a:t>only </a:t>
+            </a:r>
+            <a:r>
+              <a:rPr lang="en-US" dirty="0"/>
+              <a:t>in the model; </a:t>
             </a:r>
           </a:p>
           <a:p>
@@ -16042,48 +16005,57 @@
             </a:pPr>
             <a:r>
               <a:rPr lang="en-US" dirty="0"/>
-              <a:t>There are two broad types of model: </a:t>
-            </a:r>
-          </a:p>
-          <a:p>
-            <a:pPr marL="597150" lvl="1" indent="-342900">
-              <a:buFont typeface="Wingdings" panose="05000000000000000000" pitchFamily="2" charset="2"/>
-              <a:buChar char="§"/>
-            </a:pPr>
-            <a:r>
-              <a:rPr lang="en-US" b="1" dirty="0"/>
-              <a:t>view models (presentation models) </a:t>
-            </a:r>
-            <a:r>
-              <a:rPr lang="en-US" dirty="0"/>
-              <a:t>- represent just data passed from the controller to the view, </a:t>
-            </a:r>
-          </a:p>
-          <a:p>
-            <a:pPr marL="597150" lvl="1" indent="-342900">
-              <a:buFont typeface="Wingdings" panose="05000000000000000000" pitchFamily="2" charset="2"/>
-              <a:buChar char="§"/>
-            </a:pPr>
-            <a:r>
-              <a:rPr lang="en-US" b="1" dirty="0"/>
-              <a:t>domain models</a:t>
-            </a:r>
-            <a:r>
-              <a:rPr lang="en-US" dirty="0"/>
-              <a:t> - which contain the data in a business domain, along with the operations, transformations, and rules for creating, storing, and manipulating that data, collectively referred to as the model logic .</a:t>
-            </a:r>
-          </a:p>
-          <a:p>
-            <a:pPr marL="597150" lvl="1" indent="-342900">
+              <a:t>The logic that displays data is </a:t>
+            </a:r>
+            <a:r>
+              <a:rPr lang="en-US" i="1" dirty="0"/>
+              <a:t>only </a:t>
+            </a:r>
+            <a:r>
+              <a:rPr lang="en-US" dirty="0"/>
+              <a:t>in the view</a:t>
+            </a:r>
+          </a:p>
+          <a:p>
+            <a:pPr marL="342900" indent="-342900">
               <a:buFont typeface="Wingdings" panose="05000000000000000000" pitchFamily="2" charset="2"/>
               <a:buChar char="§"/>
             </a:pPr>
             <a:endParaRPr lang="en-US" dirty="0"/>
           </a:p>
           <a:p>
-            <a:r>
-              <a:rPr lang="en-US" dirty="0"/>
-              <a:t>Models are the definition of the universe your application works in. </a:t>
+            <a:pPr marL="342900" indent="-342900">
+              <a:buFont typeface="Wingdings" panose="05000000000000000000" pitchFamily="2" charset="2"/>
+              <a:buChar char="§"/>
+            </a:pPr>
+            <a:r>
+              <a:rPr lang="en-US" dirty="0"/>
+              <a:t>The code that handles user requests and input is contained </a:t>
+            </a:r>
+            <a:r>
+              <a:rPr lang="en-US" i="1" dirty="0"/>
+              <a:t>only </a:t>
+            </a:r>
+            <a:r>
+              <a:rPr lang="en-US" dirty="0"/>
+              <a:t>in the controller.</a:t>
+            </a:r>
+          </a:p>
+          <a:p>
+            <a:pPr marL="342900" indent="-342900">
+              <a:buFont typeface="Wingdings" panose="05000000000000000000" pitchFamily="2" charset="2"/>
+              <a:buChar char="§"/>
+            </a:pPr>
+            <a:endParaRPr lang="en-US" dirty="0"/>
+          </a:p>
+          <a:p>
+            <a:pPr marL="342900" indent="-342900">
+              <a:buFont typeface="Wingdings" panose="05000000000000000000" pitchFamily="2" charset="2"/>
+              <a:buChar char="§"/>
+            </a:pPr>
+            <a:r>
+              <a:rPr lang="en-US" dirty="0"/>
+              <a:t>With a clear division between each of the pieces, your application will be easier to maintain and extend over its lifetime, no matter how large it becomes.</a:t>
             </a:r>
           </a:p>
         </p:txBody>
@@ -16105,7 +16077,7 @@
           <a:p>
             <a:r>
               <a:rPr lang="en-US" dirty="0"/>
-              <a:t>Models</a:t>
+              <a:t>MVC Pattern</a:t>
             </a:r>
           </a:p>
         </p:txBody>
@@ -16113,7 +16085,7 @@
     </p:spTree>
     <p:extLst>
       <p:ext uri="{BB962C8B-B14F-4D97-AF65-F5344CB8AC3E}">
-        <p14:creationId xmlns:p14="http://schemas.microsoft.com/office/powerpoint/2010/main" val="4073580658"/>
+        <p14:creationId xmlns:p14="http://schemas.microsoft.com/office/powerpoint/2010/main" val="984665219"/>
       </p:ext>
     </p:extLst>
   </p:cSld>
@@ -16167,13 +16139,13 @@
           <a:bodyPr/>
           <a:lstStyle/>
           <a:p>
-            <a:pPr marL="342900" indent="-342900" algn="just">
+            <a:pPr marL="342900" indent="-342900">
               <a:buFont typeface="Wingdings" panose="05000000000000000000" pitchFamily="2" charset="2"/>
               <a:buChar char="§"/>
             </a:pPr>
             <a:r>
               <a:rPr lang="en-US" dirty="0"/>
-              <a:t>In a banking application, for example, the model represents everything in the bank that the application supports, such as accounts, the general ledger, and credit limits for customers, as well as the operations that can be used to manipulate the data in the model, such as depositing funds and making withdrawals from the accounts. </a:t>
+              <a:t>Models—the M in MVC - contain the data that users work with. </a:t>
             </a:r>
           </a:p>
           <a:p>
@@ -16184,13 +16156,54 @@
             <a:endParaRPr lang="en-US" dirty="0"/>
           </a:p>
           <a:p>
-            <a:pPr marL="342900" indent="-342900" algn="just">
+            <a:pPr marL="342900" indent="-342900">
               <a:buFont typeface="Wingdings" panose="05000000000000000000" pitchFamily="2" charset="2"/>
               <a:buChar char="§"/>
             </a:pPr>
             <a:r>
               <a:rPr lang="en-US" dirty="0"/>
-              <a:t>The model is also responsible for preserving the overall state and consistency of the data—for example, making sure that all transactions are added to the ledger and that a client doesn’t withdraw more money than he is entitled to or more money than the bank has.</a:t>
+              <a:t>There are two broad types of model: </a:t>
+            </a:r>
+          </a:p>
+          <a:p>
+            <a:pPr marL="597150" lvl="1" indent="-342900">
+              <a:buFont typeface="Wingdings" panose="05000000000000000000" pitchFamily="2" charset="2"/>
+              <a:buChar char="§"/>
+            </a:pPr>
+            <a:r>
+              <a:rPr lang="en-US" b="1" dirty="0"/>
+              <a:t>view models (presentation models) </a:t>
+            </a:r>
+            <a:r>
+              <a:rPr lang="en-US" dirty="0"/>
+              <a:t>- represent just data passed from the controller to the view, </a:t>
+            </a:r>
+          </a:p>
+          <a:p>
+            <a:pPr marL="597150" lvl="1" indent="-342900">
+              <a:buFont typeface="Wingdings" panose="05000000000000000000" pitchFamily="2" charset="2"/>
+              <a:buChar char="§"/>
+            </a:pPr>
+            <a:r>
+              <a:rPr lang="en-US" b="1" dirty="0"/>
+              <a:t>domain models</a:t>
+            </a:r>
+            <a:r>
+              <a:rPr lang="en-US" dirty="0"/>
+              <a:t> - which contain the data in a business domain, along with the operations, transformations, and rules for creating, storing, and manipulating that data, collectively referred to as the model logic .</a:t>
+            </a:r>
+          </a:p>
+          <a:p>
+            <a:pPr marL="597150" lvl="1" indent="-342900">
+              <a:buFont typeface="Wingdings" panose="05000000000000000000" pitchFamily="2" charset="2"/>
+              <a:buChar char="§"/>
+            </a:pPr>
+            <a:endParaRPr lang="en-US" dirty="0"/>
+          </a:p>
+          <a:p>
+            <a:r>
+              <a:rPr lang="en-US" dirty="0"/>
+              <a:t>Models are the definition of the universe your application works in. </a:t>
             </a:r>
           </a:p>
         </p:txBody>
@@ -16220,7 +16233,7 @@
     </p:spTree>
     <p:extLst>
       <p:ext uri="{BB962C8B-B14F-4D97-AF65-F5344CB8AC3E}">
-        <p14:creationId xmlns:p14="http://schemas.microsoft.com/office/powerpoint/2010/main" val="3651584493"/>
+        <p14:creationId xmlns:p14="http://schemas.microsoft.com/office/powerpoint/2010/main" val="4073580658"/>
       </p:ext>
     </p:extLst>
   </p:cSld>
@@ -16274,94 +16287,30 @@
           <a:bodyPr/>
           <a:lstStyle/>
           <a:p>
-            <a:r>
-              <a:rPr lang="en-US" dirty="0"/>
-              <a:t>The model in an application built using the MVC pattern </a:t>
-            </a:r>
-            <a:r>
-              <a:rPr lang="en-US" b="1" i="1" dirty="0"/>
-              <a:t>should</a:t>
-            </a:r>
-          </a:p>
-          <a:p>
-            <a:pPr marL="597150" lvl="1" indent="-342900">
+            <a:pPr marL="342900" indent="-342900" algn="just">
               <a:buFont typeface="Wingdings" panose="05000000000000000000" pitchFamily="2" charset="2"/>
               <a:buChar char="§"/>
             </a:pPr>
             <a:r>
               <a:rPr lang="en-US" dirty="0"/>
-              <a:t>Contain the domain data</a:t>
-            </a:r>
-          </a:p>
-          <a:p>
-            <a:pPr marL="597150" lvl="1" indent="-342900">
-              <a:buFont typeface="Wingdings" panose="05000000000000000000" pitchFamily="2" charset="2"/>
-              <a:buChar char="§"/>
-            </a:pPr>
-            <a:r>
-              <a:rPr lang="en-US" dirty="0"/>
-              <a:t>Contain the logic for creating, managing, and modifying the domain data</a:t>
-            </a:r>
-          </a:p>
-          <a:p>
-            <a:pPr marL="597150" lvl="1" indent="-342900">
-              <a:buFont typeface="Wingdings" panose="05000000000000000000" pitchFamily="2" charset="2"/>
-              <a:buChar char="§"/>
-            </a:pPr>
-            <a:r>
-              <a:rPr lang="en-US" dirty="0"/>
-              <a:t>Provide a clean API that exposes the model data and operations on it</a:t>
-            </a:r>
-          </a:p>
-          <a:p>
-            <a:pPr marL="597150" lvl="1" indent="-342900">
+              <a:t>In a banking application, for example, the model represents everything in the bank that the application supports, such as accounts, the general ledger, and credit limits for customers, as well as the operations that can be used to manipulate the data in the model, such as depositing funds and making withdrawals from the accounts. </a:t>
+            </a:r>
+          </a:p>
+          <a:p>
+            <a:pPr marL="342900" indent="-342900">
               <a:buFont typeface="Wingdings" panose="05000000000000000000" pitchFamily="2" charset="2"/>
               <a:buChar char="§"/>
             </a:pPr>
             <a:endParaRPr lang="en-US" dirty="0"/>
           </a:p>
           <a:p>
-            <a:r>
-              <a:rPr lang="en-US" dirty="0"/>
-              <a:t>The model </a:t>
-            </a:r>
-            <a:r>
-              <a:rPr lang="en-US" b="1" i="1" dirty="0"/>
-              <a:t>should not</a:t>
-            </a:r>
-            <a:r>
-              <a:rPr lang="en-US" i="1" dirty="0"/>
-              <a:t>:</a:t>
-            </a:r>
-          </a:p>
-          <a:p>
-            <a:pPr marL="597150" lvl="1" indent="-342900">
+            <a:pPr marL="342900" indent="-342900" algn="just">
               <a:buFont typeface="Wingdings" panose="05000000000000000000" pitchFamily="2" charset="2"/>
               <a:buChar char="§"/>
             </a:pPr>
             <a:r>
               <a:rPr lang="en-US" dirty="0"/>
-              <a:t>Expose details of how the model data is obtained or managed (in other words, details of the data storage mechanism should not be exposed to controllers and views)</a:t>
-            </a:r>
-          </a:p>
-          <a:p>
-            <a:pPr marL="597150" lvl="1" indent="-342900">
-              <a:buFont typeface="Wingdings" panose="05000000000000000000" pitchFamily="2" charset="2"/>
-              <a:buChar char="§"/>
-            </a:pPr>
-            <a:r>
-              <a:rPr lang="en-US" dirty="0"/>
-              <a:t>Contain logic that transforms the model based on user interaction (because that is the controller’s job)</a:t>
-            </a:r>
-          </a:p>
-          <a:p>
-            <a:pPr marL="597150" lvl="1" indent="-342900">
-              <a:buFont typeface="Wingdings" panose="05000000000000000000" pitchFamily="2" charset="2"/>
-              <a:buChar char="§"/>
-            </a:pPr>
-            <a:r>
-              <a:rPr lang="en-US" dirty="0"/>
-              <a:t>Contain logic for displaying data to the user (that is the view’s job)</a:t>
+              <a:t>The model is also responsible for preserving the overall state and consistency of the data—for example, making sure that all transactions are added to the ledger and that a client doesn’t withdraw more money than he is entitled to or more money than the bank has.</a:t>
             </a:r>
           </a:p>
         </p:txBody>
@@ -16391,7 +16340,7 @@
     </p:spTree>
     <p:extLst>
       <p:ext uri="{BB962C8B-B14F-4D97-AF65-F5344CB8AC3E}">
-        <p14:creationId xmlns:p14="http://schemas.microsoft.com/office/powerpoint/2010/main" val="357257008"/>
+        <p14:creationId xmlns:p14="http://schemas.microsoft.com/office/powerpoint/2010/main" val="3651584493"/>
       </p:ext>
     </p:extLst>
   </p:cSld>
@@ -16445,46 +16394,94 @@
           <a:bodyPr/>
           <a:lstStyle/>
           <a:p>
-            <a:pPr marL="342900" indent="-342900">
+            <a:r>
+              <a:rPr lang="en-US" dirty="0"/>
+              <a:t>The model in an application built using the MVC pattern </a:t>
+            </a:r>
+            <a:r>
+              <a:rPr lang="en-US" b="1" i="1" dirty="0"/>
+              <a:t>should</a:t>
+            </a:r>
+          </a:p>
+          <a:p>
+            <a:pPr marL="597150" lvl="1" indent="-342900">
               <a:buFont typeface="Wingdings" panose="05000000000000000000" pitchFamily="2" charset="2"/>
               <a:buChar char="§"/>
             </a:pPr>
             <a:r>
               <a:rPr lang="en-US" dirty="0"/>
-              <a:t>The benefits of ensuring that the model is isolated from the controller and views are that you can test your logic more easily and that enhancing and maintaining the overall application is simpler and easier.</a:t>
-            </a:r>
-          </a:p>
-          <a:p>
-            <a:pPr marL="342900" indent="-342900">
+              <a:t>Contain the domain data</a:t>
+            </a:r>
+          </a:p>
+          <a:p>
+            <a:pPr marL="597150" lvl="1" indent="-342900">
+              <a:buFont typeface="Wingdings" panose="05000000000000000000" pitchFamily="2" charset="2"/>
+              <a:buChar char="§"/>
+            </a:pPr>
+            <a:r>
+              <a:rPr lang="en-US" dirty="0"/>
+              <a:t>Contain the logic for creating, managing, and modifying the domain data</a:t>
+            </a:r>
+          </a:p>
+          <a:p>
+            <a:pPr marL="597150" lvl="1" indent="-342900">
+              <a:buFont typeface="Wingdings" panose="05000000000000000000" pitchFamily="2" charset="2"/>
+              <a:buChar char="§"/>
+            </a:pPr>
+            <a:r>
+              <a:rPr lang="en-US" dirty="0"/>
+              <a:t>Provide a clean API that exposes the model data and operations on it</a:t>
+            </a:r>
+          </a:p>
+          <a:p>
+            <a:pPr marL="597150" lvl="1" indent="-342900">
               <a:buFont typeface="Wingdings" panose="05000000000000000000" pitchFamily="2" charset="2"/>
               <a:buChar char="§"/>
             </a:pPr>
             <a:endParaRPr lang="en-US" dirty="0"/>
           </a:p>
           <a:p>
-            <a:pPr marL="342900" indent="-342900" algn="just">
+            <a:r>
+              <a:rPr lang="en-US" dirty="0"/>
+              <a:t>The model </a:t>
+            </a:r>
+            <a:r>
+              <a:rPr lang="en-US" b="1" i="1" dirty="0"/>
+              <a:t>should not</a:t>
+            </a:r>
+            <a:r>
+              <a:rPr lang="en-US" i="1" dirty="0"/>
+              <a:t>:</a:t>
+            </a:r>
+          </a:p>
+          <a:p>
+            <a:pPr marL="597150" lvl="1" indent="-342900">
               <a:buFont typeface="Wingdings" panose="05000000000000000000" pitchFamily="2" charset="2"/>
               <a:buChar char="§"/>
             </a:pPr>
             <a:r>
-              <a:rPr lang="en-US" b="1" dirty="0"/>
-              <a:t>Tip </a:t>
-            </a:r>
-            <a:r>
-              <a:rPr lang="en-US" dirty="0"/>
-              <a:t>Many developers new to the MVC pattern get confused with the idea of including logic in the data model, believing that the goal of the MVC pattern is to separate data from logic. This is a misapprehension: the goal of the MVC pattern is to divide an application into three functional areas, each of which may contain both logic </a:t>
-            </a:r>
-            <a:r>
-              <a:rPr lang="en-US" i="1" dirty="0"/>
-              <a:t>and </a:t>
-            </a:r>
-            <a:r>
-              <a:rPr lang="en-US" dirty="0"/>
-              <a:t>data. </a:t>
-            </a:r>
-            <a:r>
-              <a:rPr lang="en-US" b="1" dirty="0"/>
-              <a:t>The goal isn’t to eliminate logic from the model. Rather, it is to ensure that the model only contains logic for creating and managing the model data.</a:t>
+              <a:rPr lang="en-US" dirty="0"/>
+              <a:t>Expose details of how the model data is obtained or managed (in other words, details of the data storage mechanism should not be exposed to controllers and views)</a:t>
+            </a:r>
+          </a:p>
+          <a:p>
+            <a:pPr marL="597150" lvl="1" indent="-342900">
+              <a:buFont typeface="Wingdings" panose="05000000000000000000" pitchFamily="2" charset="2"/>
+              <a:buChar char="§"/>
+            </a:pPr>
+            <a:r>
+              <a:rPr lang="en-US" dirty="0"/>
+              <a:t>Contain logic that transforms the model based on user interaction (because that is the controller’s job)</a:t>
+            </a:r>
+          </a:p>
+          <a:p>
+            <a:pPr marL="597150" lvl="1" indent="-342900">
+              <a:buFont typeface="Wingdings" panose="05000000000000000000" pitchFamily="2" charset="2"/>
+              <a:buChar char="§"/>
+            </a:pPr>
+            <a:r>
+              <a:rPr lang="en-US" dirty="0"/>
+              <a:t>Contain logic for displaying data to the user (that is the view’s job)</a:t>
             </a:r>
           </a:p>
         </p:txBody>
@@ -16514,7 +16511,7 @@
     </p:spTree>
     <p:extLst>
       <p:ext uri="{BB962C8B-B14F-4D97-AF65-F5344CB8AC3E}">
-        <p14:creationId xmlns:p14="http://schemas.microsoft.com/office/powerpoint/2010/main" val="887121261"/>
+        <p14:creationId xmlns:p14="http://schemas.microsoft.com/office/powerpoint/2010/main" val="357257008"/>
       </p:ext>
     </p:extLst>
   </p:cSld>
@@ -16731,101 +16728,46 @@
           <a:bodyPr/>
           <a:lstStyle/>
           <a:p>
+            <a:pPr marL="342900" indent="-342900">
+              <a:buFont typeface="Wingdings" panose="05000000000000000000" pitchFamily="2" charset="2"/>
+              <a:buChar char="§"/>
+            </a:pPr>
+            <a:r>
+              <a:rPr lang="en-US" dirty="0"/>
+              <a:t>The benefits of ensuring that the model is isolated from the controller and views are that you can test your logic more easily and that enhancing and maintaining the overall application is simpler and easier.</a:t>
+            </a:r>
+          </a:p>
+          <a:p>
+            <a:pPr marL="342900" indent="-342900">
+              <a:buFont typeface="Wingdings" panose="05000000000000000000" pitchFamily="2" charset="2"/>
+              <a:buChar char="§"/>
+            </a:pPr>
+            <a:endParaRPr lang="en-US" dirty="0"/>
+          </a:p>
+          <a:p>
             <a:pPr marL="342900" indent="-342900" algn="just">
               <a:buFont typeface="Wingdings" panose="05000000000000000000" pitchFamily="2" charset="2"/>
               <a:buChar char="§"/>
             </a:pPr>
             <a:r>
-              <a:rPr lang="en-US" dirty="0"/>
-              <a:t>Controllers are the connective tissue in the MVC pattern, acting as conduits between the data model and views. </a:t>
-            </a:r>
-            <a:r>
               <a:rPr lang="en-US" b="1" dirty="0"/>
-              <a:t>Controllers</a:t>
-            </a:r>
-            <a:r>
-              <a:rPr lang="en-US" dirty="0"/>
-              <a:t> define </a:t>
+              <a:t>Tip </a:t>
+            </a:r>
+            <a:r>
+              <a:rPr lang="en-US" dirty="0"/>
+              <a:t>Many developers new to the MVC pattern get confused with the idea of including logic in the data model, believing that the goal of the MVC pattern is to separate data from logic. This is a misapprehension: the goal of the MVC pattern is to divide an application into three functional areas, each of which may contain both logic </a:t>
+            </a:r>
+            <a:r>
+              <a:rPr lang="en-US" i="1" dirty="0"/>
+              <a:t>and </a:t>
+            </a:r>
+            <a:r>
+              <a:rPr lang="en-US" dirty="0"/>
+              <a:t>data. </a:t>
             </a:r>
             <a:r>
               <a:rPr lang="en-US" b="1" dirty="0"/>
-              <a:t>actions</a:t>
-            </a:r>
-            <a:r>
-              <a:rPr lang="en-US" dirty="0"/>
-              <a:t> that provide the business logic that operates on the data model and that provide the data that views display to the user.</a:t>
-            </a:r>
-          </a:p>
-          <a:p>
-            <a:pPr marL="342900" indent="-342900" algn="just">
-              <a:buFont typeface="Wingdings" panose="05000000000000000000" pitchFamily="2" charset="2"/>
-              <a:buChar char="§"/>
-            </a:pPr>
-            <a:endParaRPr lang="en-US" dirty="0"/>
-          </a:p>
-          <a:p>
-            <a:pPr marL="342900" indent="-342900">
-              <a:buFont typeface="Wingdings" panose="05000000000000000000" pitchFamily="2" charset="2"/>
-              <a:buChar char="§"/>
-            </a:pPr>
-            <a:r>
-              <a:rPr lang="en-US" dirty="0"/>
-              <a:t>A controller built using the MVC pattern </a:t>
-            </a:r>
-            <a:r>
-              <a:rPr lang="en-US" i="1" dirty="0"/>
-              <a:t>should</a:t>
-            </a:r>
-          </a:p>
-          <a:p>
-            <a:pPr marL="597150" lvl="1" indent="-342900">
-              <a:buFont typeface="Wingdings" panose="05000000000000000000" pitchFamily="2" charset="2"/>
-              <a:buChar char="§"/>
-            </a:pPr>
-            <a:r>
-              <a:rPr lang="en-US" dirty="0"/>
-              <a:t> Contain the actions required to update the model based on user interaction</a:t>
-            </a:r>
-          </a:p>
-          <a:p>
-            <a:pPr marL="597150" lvl="1" indent="-342900">
-              <a:buFont typeface="Wingdings" panose="05000000000000000000" pitchFamily="2" charset="2"/>
-              <a:buChar char="§"/>
-            </a:pPr>
-            <a:endParaRPr lang="en-US" dirty="0"/>
-          </a:p>
-          <a:p>
-            <a:pPr marL="342900" indent="-342900">
-              <a:buFont typeface="Wingdings" panose="05000000000000000000" pitchFamily="2" charset="2"/>
-              <a:buChar char="§"/>
-            </a:pPr>
-            <a:r>
-              <a:rPr lang="en-US" dirty="0"/>
-              <a:t>The controller </a:t>
-            </a:r>
-            <a:r>
-              <a:rPr lang="en-US" i="1" dirty="0"/>
-              <a:t>should not</a:t>
-            </a:r>
-          </a:p>
-          <a:p>
-            <a:pPr marL="597150" lvl="1" indent="-342900">
-              <a:buFont typeface="Wingdings" panose="05000000000000000000" pitchFamily="2" charset="2"/>
-              <a:buChar char="§"/>
-            </a:pPr>
-            <a:r>
-              <a:rPr lang="en-US" dirty="0"/>
-              <a:t>Contain logic that manages the appearance of data (that is the job of the view)</a:t>
-            </a:r>
-          </a:p>
-          <a:p>
-            <a:pPr marL="597150" lvl="1" indent="-342900">
-              <a:buFont typeface="Wingdings" panose="05000000000000000000" pitchFamily="2" charset="2"/>
-              <a:buChar char="§"/>
-            </a:pPr>
-            <a:r>
-              <a:rPr lang="en-US" dirty="0"/>
-              <a:t>Contain logic that manages the persistence of data (that is the job of the model)</a:t>
+              <a:t>The goal isn’t to eliminate logic from the model. Rather, it is to ensure that the model only contains logic for creating and managing the model data.</a:t>
             </a:r>
           </a:p>
         </p:txBody>
@@ -16847,7 +16789,7 @@
           <a:p>
             <a:r>
               <a:rPr lang="en-US" dirty="0"/>
-              <a:t>Controllers</a:t>
+              <a:t>Models</a:t>
             </a:r>
           </a:p>
         </p:txBody>
@@ -16855,7 +16797,7 @@
     </p:spTree>
     <p:extLst>
       <p:ext uri="{BB962C8B-B14F-4D97-AF65-F5344CB8AC3E}">
-        <p14:creationId xmlns:p14="http://schemas.microsoft.com/office/powerpoint/2010/main" val="4096881920"/>
+        <p14:creationId xmlns:p14="http://schemas.microsoft.com/office/powerpoint/2010/main" val="887121261"/>
       </p:ext>
     </p:extLst>
   </p:cSld>
@@ -16909,34 +16851,50 @@
           <a:bodyPr/>
           <a:lstStyle/>
           <a:p>
+            <a:pPr marL="342900" indent="-342900" algn="just">
+              <a:buFont typeface="Wingdings" panose="05000000000000000000" pitchFamily="2" charset="2"/>
+              <a:buChar char="§"/>
+            </a:pPr>
+            <a:r>
+              <a:rPr lang="en-US" dirty="0"/>
+              <a:t>Controllers are the connective tissue in the MVC pattern, acting as conduits between the data model and views. </a:t>
+            </a:r>
+            <a:r>
+              <a:rPr lang="en-US" b="1" dirty="0"/>
+              <a:t>Controllers</a:t>
+            </a:r>
+            <a:r>
+              <a:rPr lang="en-US" dirty="0"/>
+              <a:t> define </a:t>
+            </a:r>
+            <a:r>
+              <a:rPr lang="en-US" b="1" dirty="0"/>
+              <a:t>actions</a:t>
+            </a:r>
+            <a:r>
+              <a:rPr lang="en-US" dirty="0"/>
+              <a:t> that provide the business logic that operates on the data model and that provide the data that views display to the user.</a:t>
+            </a:r>
+          </a:p>
+          <a:p>
+            <a:pPr marL="342900" indent="-342900" algn="just">
+              <a:buFont typeface="Wingdings" panose="05000000000000000000" pitchFamily="2" charset="2"/>
+              <a:buChar char="§"/>
+            </a:pPr>
+            <a:endParaRPr lang="en-US" dirty="0"/>
+          </a:p>
+          <a:p>
             <a:pPr marL="342900" indent="-342900">
               <a:buFont typeface="Wingdings" panose="05000000000000000000" pitchFamily="2" charset="2"/>
               <a:buChar char="§"/>
             </a:pPr>
             <a:r>
               <a:rPr lang="en-US" dirty="0"/>
-              <a:t>Views contain the logic required to display data to the user or to capture data from the user so that it can be processed by a controller action.</a:t>
-            </a:r>
-          </a:p>
-          <a:p>
-            <a:pPr marL="342900" indent="-342900">
-              <a:buFont typeface="Wingdings" panose="05000000000000000000" pitchFamily="2" charset="2"/>
-              <a:buChar char="§"/>
-            </a:pPr>
-            <a:endParaRPr lang="en-US" dirty="0"/>
-          </a:p>
-          <a:p>
-            <a:pPr marL="342900" indent="-342900">
-              <a:buFont typeface="Wingdings" panose="05000000000000000000" pitchFamily="2" charset="2"/>
-              <a:buChar char="§"/>
-            </a:pPr>
-            <a:r>
-              <a:rPr lang="en-US" dirty="0"/>
-              <a:t>Views </a:t>
+              <a:t>A controller built using the MVC pattern </a:t>
             </a:r>
             <a:r>
               <a:rPr lang="en-US" i="1" dirty="0"/>
-              <a:t>should:</a:t>
+              <a:t>should</a:t>
             </a:r>
           </a:p>
           <a:p>
@@ -16946,7 +16904,7 @@
             </a:pPr>
             <a:r>
               <a:rPr lang="en-US" dirty="0"/>
-              <a:t> Contain the logic and markup required to present data to the user</a:t>
+              <a:t> Contain the actions required to update the model based on user interaction</a:t>
             </a:r>
           </a:p>
           <a:p>
@@ -16963,7 +16921,7 @@
             </a:pPr>
             <a:r>
               <a:rPr lang="en-US" dirty="0"/>
-              <a:t>Views </a:t>
+              <a:t>The controller </a:t>
             </a:r>
             <a:r>
               <a:rPr lang="en-US" i="1" dirty="0"/>
@@ -16977,7 +16935,7 @@
             </a:pPr>
             <a:r>
               <a:rPr lang="en-US" dirty="0"/>
-              <a:t>Contain complex logic (this is better placed in a controller)</a:t>
+              <a:t>Contain logic that manages the appearance of data (that is the job of the view)</a:t>
             </a:r>
           </a:p>
           <a:p>
@@ -16987,7 +16945,7 @@
             </a:pPr>
             <a:r>
               <a:rPr lang="en-US" dirty="0"/>
-              <a:t>Contain logic that creates, stores, or manipulates the domain model</a:t>
+              <a:t>Contain logic that manages the persistence of data (that is the job of the model)</a:t>
             </a:r>
           </a:p>
         </p:txBody>
@@ -17009,7 +16967,7 @@
           <a:p>
             <a:r>
               <a:rPr lang="en-US" dirty="0"/>
-              <a:t>Views</a:t>
+              <a:t>Controllers</a:t>
             </a:r>
           </a:p>
         </p:txBody>
@@ -17017,7 +16975,7 @@
     </p:spTree>
     <p:extLst>
       <p:ext uri="{BB962C8B-B14F-4D97-AF65-F5344CB8AC3E}">
-        <p14:creationId xmlns:p14="http://schemas.microsoft.com/office/powerpoint/2010/main" val="2194480018"/>
+        <p14:creationId xmlns:p14="http://schemas.microsoft.com/office/powerpoint/2010/main" val="4096881920"/>
       </p:ext>
     </p:extLst>
   </p:cSld>
@@ -17071,21 +17029,85 @@
           <a:bodyPr/>
           <a:lstStyle/>
           <a:p>
-            <a:pPr marL="342900" indent="-342900" algn="just">
+            <a:pPr marL="342900" indent="-342900">
               <a:buFont typeface="Wingdings" panose="05000000000000000000" pitchFamily="2" charset="2"/>
               <a:buChar char="§"/>
             </a:pPr>
             <a:r>
               <a:rPr lang="en-US" dirty="0"/>
+              <a:t>Views contain the logic required to display data to the user or to capture data from the user so that it can be processed by a controller action.</a:t>
+            </a:r>
+          </a:p>
+          <a:p>
+            <a:pPr marL="342900" indent="-342900">
+              <a:buFont typeface="Wingdings" panose="05000000000000000000" pitchFamily="2" charset="2"/>
+              <a:buChar char="§"/>
+            </a:pPr>
+            <a:endParaRPr lang="en-US" dirty="0"/>
+          </a:p>
+          <a:p>
+            <a:pPr marL="342900" indent="-342900">
+              <a:buFont typeface="Wingdings" panose="05000000000000000000" pitchFamily="2" charset="2"/>
+              <a:buChar char="§"/>
+            </a:pPr>
+            <a:r>
+              <a:rPr lang="en-US" dirty="0"/>
               <a:t>Views </a:t>
             </a:r>
             <a:r>
               <a:rPr lang="en-US" i="1" dirty="0"/>
-              <a:t>can </a:t>
-            </a:r>
-            <a:r>
-              <a:rPr lang="en-US" dirty="0"/>
-              <a:t>contain logic, but it should be simple and used sparingly. Putting anything but the simplest method calls or expressions in a view makes the overall application harder to test and maintain</a:t>
+              <a:t>should:</a:t>
+            </a:r>
+          </a:p>
+          <a:p>
+            <a:pPr marL="597150" lvl="1" indent="-342900">
+              <a:buFont typeface="Wingdings" panose="05000000000000000000" pitchFamily="2" charset="2"/>
+              <a:buChar char="§"/>
+            </a:pPr>
+            <a:r>
+              <a:rPr lang="en-US" dirty="0"/>
+              <a:t> Contain the logic and markup required to present data to the user</a:t>
+            </a:r>
+          </a:p>
+          <a:p>
+            <a:pPr marL="597150" lvl="1" indent="-342900">
+              <a:buFont typeface="Wingdings" panose="05000000000000000000" pitchFamily="2" charset="2"/>
+              <a:buChar char="§"/>
+            </a:pPr>
+            <a:endParaRPr lang="en-US" dirty="0"/>
+          </a:p>
+          <a:p>
+            <a:pPr marL="342900" indent="-342900">
+              <a:buFont typeface="Wingdings" panose="05000000000000000000" pitchFamily="2" charset="2"/>
+              <a:buChar char="§"/>
+            </a:pPr>
+            <a:r>
+              <a:rPr lang="en-US" dirty="0"/>
+              <a:t>Views </a:t>
+            </a:r>
+            <a:r>
+              <a:rPr lang="en-US" i="1" dirty="0"/>
+              <a:t>should not</a:t>
+            </a:r>
+          </a:p>
+          <a:p>
+            <a:pPr marL="597150" lvl="1" indent="-342900">
+              <a:buFont typeface="Wingdings" panose="05000000000000000000" pitchFamily="2" charset="2"/>
+              <a:buChar char="§"/>
+            </a:pPr>
+            <a:r>
+              <a:rPr lang="en-US" dirty="0"/>
+              <a:t>Contain complex logic (this is better placed in a controller)</a:t>
+            </a:r>
+          </a:p>
+          <a:p>
+            <a:pPr marL="597150" lvl="1" indent="-342900">
+              <a:buFont typeface="Wingdings" panose="05000000000000000000" pitchFamily="2" charset="2"/>
+              <a:buChar char="§"/>
+            </a:pPr>
+            <a:r>
+              <a:rPr lang="en-US" dirty="0"/>
+              <a:t>Contain logic that creates, stores, or manipulates the domain model</a:t>
             </a:r>
           </a:p>
         </p:txBody>
@@ -17115,7 +17137,7 @@
     </p:spTree>
     <p:extLst>
       <p:ext uri="{BB962C8B-B14F-4D97-AF65-F5344CB8AC3E}">
-        <p14:creationId xmlns:p14="http://schemas.microsoft.com/office/powerpoint/2010/main" val="3017161515"/>
+        <p14:creationId xmlns:p14="http://schemas.microsoft.com/office/powerpoint/2010/main" val="2194480018"/>
       </p:ext>
     </p:extLst>
   </p:cSld>
@@ -17156,6 +17178,104 @@
       </p:grpSpPr>
       <p:sp>
         <p:nvSpPr>
+          <p:cNvPr id="2" name="Content Placeholder 1"/>
+          <p:cNvSpPr>
+            <a:spLocks noGrp="1"/>
+          </p:cNvSpPr>
+          <p:nvPr>
+            <p:ph idx="1"/>
+          </p:nvPr>
+        </p:nvSpPr>
+        <p:spPr/>
+        <p:txBody>
+          <a:bodyPr/>
+          <a:lstStyle/>
+          <a:p>
+            <a:pPr marL="342900" indent="-342900" algn="just">
+              <a:buFont typeface="Wingdings" panose="05000000000000000000" pitchFamily="2" charset="2"/>
+              <a:buChar char="§"/>
+            </a:pPr>
+            <a:r>
+              <a:rPr lang="en-US" dirty="0"/>
+              <a:t>Views </a:t>
+            </a:r>
+            <a:r>
+              <a:rPr lang="en-US" i="1" dirty="0"/>
+              <a:t>can </a:t>
+            </a:r>
+            <a:r>
+              <a:rPr lang="en-US" dirty="0"/>
+              <a:t>contain logic, but it should be simple and used sparingly. Putting anything but the simplest method calls or expressions in a view makes the overall application harder to test and maintain</a:t>
+            </a:r>
+          </a:p>
+        </p:txBody>
+      </p:sp>
+      <p:sp>
+        <p:nvSpPr>
+          <p:cNvPr id="3" name="Title 2"/>
+          <p:cNvSpPr>
+            <a:spLocks noGrp="1"/>
+          </p:cNvSpPr>
+          <p:nvPr>
+            <p:ph type="title"/>
+          </p:nvPr>
+        </p:nvSpPr>
+        <p:spPr/>
+        <p:txBody>
+          <a:bodyPr/>
+          <a:lstStyle/>
+          <a:p>
+            <a:r>
+              <a:rPr lang="en-US" dirty="0"/>
+              <a:t>Views</a:t>
+            </a:r>
+          </a:p>
+        </p:txBody>
+      </p:sp>
+    </p:spTree>
+    <p:extLst>
+      <p:ext uri="{BB962C8B-B14F-4D97-AF65-F5344CB8AC3E}">
+        <p14:creationId xmlns:p14="http://schemas.microsoft.com/office/powerpoint/2010/main" val="3017161515"/>
+      </p:ext>
+    </p:extLst>
+  </p:cSld>
+  <p:clrMapOvr>
+    <a:masterClrMapping/>
+  </p:clrMapOvr>
+  <mc:AlternateContent xmlns:mc="http://schemas.openxmlformats.org/markup-compatibility/2006" xmlns:p14="http://schemas.microsoft.com/office/powerpoint/2010/main">
+    <mc:Choice Requires="p14">
+      <p:transition spd="med" p14:dur="700">
+        <p:fade/>
+      </p:transition>
+    </mc:Choice>
+    <mc:Fallback xmlns="">
+      <p:transition spd="med">
+        <p:fade/>
+      </p:transition>
+    </mc:Fallback>
+  </mc:AlternateContent>
+</p:sld>
+</file>
+
+<file path=ppt/slides/slide34.xml><?xml version="1.0" encoding="utf-8"?>
+<p:sld xmlns:a="http://schemas.openxmlformats.org/drawingml/2006/main" xmlns:r="http://schemas.openxmlformats.org/officeDocument/2006/relationships" xmlns:p="http://schemas.openxmlformats.org/presentationml/2006/main">
+  <p:cSld>
+    <p:spTree>
+      <p:nvGrpSpPr>
+        <p:cNvPr id="1" name=""/>
+        <p:cNvGrpSpPr/>
+        <p:nvPr/>
+      </p:nvGrpSpPr>
+      <p:grpSpPr>
+        <a:xfrm>
+          <a:off x="0" y="0"/>
+          <a:ext cx="0" cy="0"/>
+          <a:chOff x="0" y="0"/>
+          <a:chExt cx="0" cy="0"/>
+        </a:xfrm>
+      </p:grpSpPr>
+      <p:sp>
+        <p:nvSpPr>
           <p:cNvPr id="4" name="Content Placeholder 2"/>
           <p:cNvSpPr>
             <a:spLocks noGrp="1"/>
@@ -17297,7 +17417,7 @@
 </p:sld>
 </file>
 
-<file path=ppt/slides/slide34.xml><?xml version="1.0" encoding="utf-8"?>
+<file path=ppt/slides/slide35.xml><?xml version="1.0" encoding="utf-8"?>
 <p:sld xmlns:a="http://schemas.openxmlformats.org/drawingml/2006/main" xmlns:r="http://schemas.openxmlformats.org/officeDocument/2006/relationships" xmlns:p="http://schemas.openxmlformats.org/presentationml/2006/main">
   <p:cSld>
     <p:spTree>
@@ -17387,7 +17507,7 @@
 </p:sld>
 </file>
 
-<file path=ppt/slides/slide35.xml><?xml version="1.0" encoding="utf-8"?>
+<file path=ppt/slides/slide36.xml><?xml version="1.0" encoding="utf-8"?>
 <p:sld xmlns:a="http://schemas.openxmlformats.org/drawingml/2006/main" xmlns:r="http://schemas.openxmlformats.org/officeDocument/2006/relationships" xmlns:p="http://schemas.openxmlformats.org/presentationml/2006/main">
   <p:cSld>
     <p:spTree>
@@ -17495,70 +17615,6 @@
     </mc:Choice>
     <mc:Fallback xmlns="">
       <p:transition spd="med">
-        <p:fade/>
-      </p:transition>
-    </mc:Fallback>
-  </mc:AlternateContent>
-</p:sld>
-</file>
-
-<file path=ppt/slides/slide36.xml><?xml version="1.0" encoding="utf-8"?>
-<p:sld xmlns:a="http://schemas.openxmlformats.org/drawingml/2006/main" xmlns:r="http://schemas.openxmlformats.org/officeDocument/2006/relationships" xmlns:p="http://schemas.openxmlformats.org/presentationml/2006/main">
-  <p:cSld>
-    <p:spTree>
-      <p:nvGrpSpPr>
-        <p:cNvPr id="1" name=""/>
-        <p:cNvGrpSpPr/>
-        <p:nvPr/>
-      </p:nvGrpSpPr>
-      <p:grpSpPr>
-        <a:xfrm>
-          <a:off x="0" y="0"/>
-          <a:ext cx="0" cy="0"/>
-          <a:chOff x="0" y="0"/>
-          <a:chExt cx="0" cy="0"/>
-        </a:xfrm>
-      </p:grpSpPr>
-      <p:sp>
-        <p:nvSpPr>
-          <p:cNvPr id="5" name="Title 4"/>
-          <p:cNvSpPr>
-            <a:spLocks noGrp="1"/>
-          </p:cNvSpPr>
-          <p:nvPr>
-            <p:ph type="title"/>
-          </p:nvPr>
-        </p:nvSpPr>
-        <p:spPr/>
-        <p:txBody>
-          <a:bodyPr/>
-          <a:lstStyle/>
-          <a:p>
-            <a:r>
-              <a:rPr lang="en-US" dirty="0"/>
-              <a:t>Key Benefits of ASP.NET Core</a:t>
-            </a:r>
-          </a:p>
-        </p:txBody>
-      </p:sp>
-    </p:spTree>
-    <p:extLst>
-      <p:ext uri="{BB962C8B-B14F-4D97-AF65-F5344CB8AC3E}">
-        <p14:creationId xmlns:p14="http://schemas.microsoft.com/office/powerpoint/2010/main" val="1630956523"/>
-      </p:ext>
-    </p:extLst>
-  </p:cSld>
-  <p:clrMapOvr>
-    <a:masterClrMapping/>
-  </p:clrMapOvr>
-  <mc:AlternateContent xmlns:mc="http://schemas.openxmlformats.org/markup-compatibility/2006" xmlns:p14="http://schemas.microsoft.com/office/powerpoint/2010/main">
-    <mc:Choice Requires="p14">
-      <p:transition spd="med" p14:dur="700" advClick="0" advTm="1500">
-        <p:fade/>
-      </p:transition>
-    </mc:Choice>
-    <mc:Fallback xmlns="">
-      <p:transition spd="med" advClick="0" advTm="1500">
         <p:fade/>
       </p:transition>
     </mc:Fallback>
@@ -17598,16 +17654,19 @@
           <a:bodyPr/>
           <a:lstStyle/>
           <a:p>
-            <a:r>
-              <a:rPr lang="en-US" dirty="0"/>
-              <a:t>Key Benefits of ASP.NET Core</a:t>
-            </a:r>
+            <a:endParaRPr lang="en-US" dirty="0"/>
           </a:p>
         </p:txBody>
       </p:sp>
       <p:sp>
         <p:nvSpPr>
-          <p:cNvPr id="4" name="Content Placeholder 3"/>
+          <p:cNvPr id="2" name="Content Placeholder 1">
+            <a:extLst>
+              <a:ext uri="{FF2B5EF4-FFF2-40B4-BE49-F238E27FC236}">
+                <a16:creationId xmlns:a16="http://schemas.microsoft.com/office/drawing/2014/main" id="{2D36982F-D34D-46EB-9902-077661A0033C}"/>
+              </a:ext>
+            </a:extLst>
+          </p:cNvPr>
           <p:cNvSpPr>
             <a:spLocks noGrp="1"/>
           </p:cNvSpPr>
@@ -17620,21 +17679,11 @@
           <a:bodyPr/>
           <a:lstStyle/>
           <a:p>
-            <a:pPr marL="342900" indent="-342900" algn="just">
-              <a:buFont typeface="Wingdings" panose="05000000000000000000" pitchFamily="2" charset="2"/>
-              <a:buChar char="§"/>
-            </a:pPr>
+            <a:r>
+              <a:rPr lang="en-US" dirty="0" err="1"/>
+              <a:t>CourseInvites</a:t>
+            </a:r>
             <a:endParaRPr lang="en-US" dirty="0"/>
-          </a:p>
-          <a:p>
-            <a:pPr marL="342900" indent="-342900" algn="just">
-              <a:buFont typeface="Wingdings" panose="05000000000000000000" pitchFamily="2" charset="2"/>
-              <a:buChar char="§"/>
-            </a:pPr>
-            <a:r>
-              <a:rPr lang="en-US" dirty="0"/>
-              <a:t>implements the MVC pattern and, in doing so, provides a greatly improved separation of concerns when compared to Web Forms.</a:t>
-            </a:r>
           </a:p>
           <a:p>
             <a:endParaRPr lang="en-US" dirty="0"/>
@@ -17643,7 +17692,13 @@
       </p:sp>
       <p:sp>
         <p:nvSpPr>
-          <p:cNvPr id="5" name="Text Placeholder 4"/>
+          <p:cNvPr id="4" name="Text Placeholder 3">
+            <a:extLst>
+              <a:ext uri="{FF2B5EF4-FFF2-40B4-BE49-F238E27FC236}">
+                <a16:creationId xmlns:a16="http://schemas.microsoft.com/office/drawing/2014/main" id="{748B2038-01EE-4AC4-985D-9389ED27FE49}"/>
+              </a:ext>
+            </a:extLst>
+          </p:cNvPr>
           <p:cNvSpPr>
             <a:spLocks noGrp="1"/>
           </p:cNvSpPr>
@@ -17658,7 +17713,7 @@
           <a:p>
             <a:r>
               <a:rPr lang="en-US" dirty="0"/>
-              <a:t>MVC Architecture</a:t>
+              <a:t>Demo</a:t>
             </a:r>
           </a:p>
         </p:txBody>
@@ -17666,7 +17721,7 @@
     </p:spTree>
     <p:extLst>
       <p:ext uri="{BB962C8B-B14F-4D97-AF65-F5344CB8AC3E}">
-        <p14:creationId xmlns:p14="http://schemas.microsoft.com/office/powerpoint/2010/main" val="3083672756"/>
+        <p14:creationId xmlns:p14="http://schemas.microsoft.com/office/powerpoint/2010/main" val="1294327237"/>
       </p:ext>
     </p:extLst>
   </p:cSld>
@@ -17707,7 +17762,7 @@
       </p:grpSpPr>
       <p:sp>
         <p:nvSpPr>
-          <p:cNvPr id="2" name="Title 1"/>
+          <p:cNvPr id="5" name="Title 4"/>
           <p:cNvSpPr>
             <a:spLocks noGrp="1"/>
           </p:cNvSpPr>
@@ -17727,121 +17782,10 @@
           </a:p>
         </p:txBody>
       </p:sp>
-      <p:sp>
-        <p:nvSpPr>
-          <p:cNvPr id="3" name="Content Placeholder 2"/>
-          <p:cNvSpPr>
-            <a:spLocks noGrp="1"/>
-          </p:cNvSpPr>
-          <p:nvPr>
-            <p:ph idx="1"/>
-          </p:nvPr>
-        </p:nvSpPr>
-        <p:spPr/>
-        <p:txBody>
-          <a:bodyPr/>
-          <a:lstStyle/>
-          <a:p>
-            <a:pPr marL="342900" indent="-342900">
-              <a:buFont typeface="Wingdings" panose="05000000000000000000" pitchFamily="2" charset="2"/>
-              <a:buChar char="§"/>
-            </a:pPr>
-            <a:r>
-              <a:rPr lang="en-US" dirty="0"/>
-              <a:t>ASP.NET Core is built as a series of independent components that have well-defined characteristics, satisfy a .NET </a:t>
-            </a:r>
-            <a:r>
-              <a:rPr lang="en-US" b="1" dirty="0"/>
-              <a:t>interface</a:t>
-            </a:r>
-            <a:r>
-              <a:rPr lang="en-US" dirty="0"/>
-              <a:t> or that are built on an </a:t>
-            </a:r>
-            <a:r>
-              <a:rPr lang="en-US" b="1" dirty="0"/>
-              <a:t>abstract base class</a:t>
-            </a:r>
-            <a:r>
-              <a:rPr lang="en-US" dirty="0"/>
-              <a:t>. Thus, it is possible to replace key components with ones of your own implementation. </a:t>
-            </a:r>
-          </a:p>
-          <a:p>
-            <a:pPr marL="342900" indent="-342900">
-              <a:buFont typeface="Wingdings" panose="05000000000000000000" pitchFamily="2" charset="2"/>
-              <a:buChar char="§"/>
-            </a:pPr>
-            <a:endParaRPr lang="en-US" dirty="0"/>
-          </a:p>
-          <a:p>
-            <a:pPr marL="342900" indent="-342900">
-              <a:buFont typeface="Wingdings" panose="05000000000000000000" pitchFamily="2" charset="2"/>
-              <a:buChar char="§"/>
-            </a:pPr>
-            <a:r>
-              <a:rPr lang="en-US" dirty="0"/>
-              <a:t>In general, the ASP.NET Core MVC gives you these three options for each component:</a:t>
-            </a:r>
-          </a:p>
-          <a:p>
-            <a:pPr marL="597150" lvl="1" indent="-342900">
-              <a:buFont typeface="Wingdings" panose="05000000000000000000" pitchFamily="2" charset="2"/>
-              <a:buChar char="§"/>
-            </a:pPr>
-            <a:r>
-              <a:rPr lang="en-US" dirty="0"/>
-              <a:t>Use the default implementation of the component as it stands (which should be enough for most applications).</a:t>
-            </a:r>
-          </a:p>
-          <a:p>
-            <a:pPr marL="597150" lvl="1" indent="-342900">
-              <a:buFont typeface="Wingdings" panose="05000000000000000000" pitchFamily="2" charset="2"/>
-              <a:buChar char="§"/>
-            </a:pPr>
-            <a:r>
-              <a:rPr lang="en-US" dirty="0"/>
-              <a:t>Derive a subclass of the default implementation to tweak its behavior.</a:t>
-            </a:r>
-          </a:p>
-          <a:p>
-            <a:pPr marL="597150" lvl="1" indent="-342900">
-              <a:buFont typeface="Wingdings" panose="05000000000000000000" pitchFamily="2" charset="2"/>
-              <a:buChar char="§"/>
-            </a:pPr>
-            <a:r>
-              <a:rPr lang="en-US" dirty="0"/>
-              <a:t>Replace the component entirely with a new implementation of the interface or abstract base class.</a:t>
-            </a:r>
-          </a:p>
-        </p:txBody>
-      </p:sp>
-      <p:sp>
-        <p:nvSpPr>
-          <p:cNvPr id="4" name="Text Placeholder 3"/>
-          <p:cNvSpPr>
-            <a:spLocks noGrp="1"/>
-          </p:cNvSpPr>
-          <p:nvPr>
-            <p:ph type="body" sz="quarter" idx="10"/>
-          </p:nvPr>
-        </p:nvSpPr>
-        <p:spPr/>
-        <p:txBody>
-          <a:bodyPr/>
-          <a:lstStyle/>
-          <a:p>
-            <a:r>
-              <a:rPr lang="en-US" dirty="0"/>
-              <a:t>Extensibility</a:t>
-            </a:r>
-          </a:p>
-        </p:txBody>
-      </p:sp>
     </p:spTree>
     <p:extLst>
       <p:ext uri="{BB962C8B-B14F-4D97-AF65-F5344CB8AC3E}">
-        <p14:creationId xmlns:p14="http://schemas.microsoft.com/office/powerpoint/2010/main" val="2609334429"/>
+        <p14:creationId xmlns:p14="http://schemas.microsoft.com/office/powerpoint/2010/main" val="1630956523"/>
       </p:ext>
     </p:extLst>
   </p:cSld>
@@ -17850,12 +17794,12 @@
   </p:clrMapOvr>
   <mc:AlternateContent xmlns:mc="http://schemas.openxmlformats.org/markup-compatibility/2006" xmlns:p14="http://schemas.microsoft.com/office/powerpoint/2010/main">
     <mc:Choice Requires="p14">
-      <p:transition spd="med" p14:dur="700">
+      <p:transition spd="med" p14:dur="700" advClick="0" advTm="1500">
         <p:fade/>
       </p:transition>
     </mc:Choice>
     <mc:Fallback xmlns="">
-      <p:transition spd="med">
+      <p:transition spd="med" advClick="0" advTm="1500">
         <p:fade/>
       </p:transition>
     </mc:Fallback>
@@ -17882,7 +17826,7 @@
       </p:grpSpPr>
       <p:sp>
         <p:nvSpPr>
-          <p:cNvPr id="2" name="Title 1"/>
+          <p:cNvPr id="3" name="Title 2"/>
           <p:cNvSpPr>
             <a:spLocks noGrp="1"/>
           </p:cNvSpPr>
@@ -17904,7 +17848,7 @@
       </p:sp>
       <p:sp>
         <p:nvSpPr>
-          <p:cNvPr id="3" name="Content Placeholder 2"/>
+          <p:cNvPr id="4" name="Content Placeholder 3"/>
           <p:cNvSpPr>
             <a:spLocks noGrp="1"/>
           </p:cNvSpPr>
@@ -17917,58 +17861,30 @@
           <a:bodyPr/>
           <a:lstStyle/>
           <a:p>
-            <a:pPr marL="342900" indent="-342900">
+            <a:pPr marL="342900" indent="-342900" algn="just">
               <a:buFont typeface="Wingdings" panose="05000000000000000000" pitchFamily="2" charset="2"/>
               <a:buChar char="§"/>
             </a:pPr>
-            <a:r>
-              <a:rPr lang="en-US" dirty="0"/>
-              <a:t>ASP.NET Core MVC produces clean, standards-compliant markup. Its built-in </a:t>
-            </a:r>
-            <a:r>
-              <a:rPr lang="en-US" b="1" dirty="0"/>
-              <a:t>tag helpers</a:t>
-            </a:r>
-            <a:r>
-              <a:rPr lang="en-US" dirty="0"/>
-              <a:t> produce standards-compliant output</a:t>
-            </a:r>
-          </a:p>
-          <a:p>
-            <a:pPr marL="342900" indent="-342900">
+            <a:endParaRPr lang="en-US" dirty="0"/>
+          </a:p>
+          <a:p>
+            <a:pPr marL="342900" indent="-342900" algn="just">
               <a:buFont typeface="Wingdings" panose="05000000000000000000" pitchFamily="2" charset="2"/>
               <a:buChar char="§"/>
             </a:pPr>
             <a:r>
               <a:rPr lang="en-US" dirty="0"/>
-              <a:t>ASP.NET Core MVC encourages you to craft simple, elegant markup styled with CSS. </a:t>
-            </a:r>
-          </a:p>
-          <a:p>
-            <a:pPr marL="342900" indent="-342900">
-              <a:buFont typeface="Wingdings" panose="05000000000000000000" pitchFamily="2" charset="2"/>
-              <a:buChar char="§"/>
-            </a:pPr>
-            <a:r>
-              <a:rPr lang="en-US" dirty="0"/>
-              <a:t>ASP.NET Core MVC makes it easy to use best-of-breed client-side libraries such as jQuery, Angular, or the Bootstrap CSS library. ASP.NET.  Core MVC meshes so well with these libraries that Microsoft includes support for them as built-in parts of the standard Visual Studio project template for web applications. </a:t>
-            </a:r>
-          </a:p>
-          <a:p>
-            <a:pPr marL="342900" indent="-342900">
-              <a:buFont typeface="Wingdings" panose="05000000000000000000" pitchFamily="2" charset="2"/>
-              <a:buChar char="§"/>
-            </a:pPr>
-            <a:r>
-              <a:rPr lang="en-US" dirty="0"/>
-              <a:t>ASP.NET Core MVC works in tune with HTTP. You have control over the requests passing between the browser and server, so you can fine-tune your user experience as much as you like. Ajax is made easy, and creating web services to receive browser HTTP requests is a simple process.</a:t>
-            </a:r>
+              <a:t>implements the MVC pattern and, in doing so, provides a greatly improved separation of concerns when compared to Web Forms.</a:t>
+            </a:r>
+          </a:p>
+          <a:p>
+            <a:endParaRPr lang="en-US" dirty="0"/>
           </a:p>
         </p:txBody>
       </p:sp>
       <p:sp>
         <p:nvSpPr>
-          <p:cNvPr id="4" name="Text Placeholder 3"/>
+          <p:cNvPr id="5" name="Text Placeholder 4"/>
           <p:cNvSpPr>
             <a:spLocks noGrp="1"/>
           </p:cNvSpPr>
@@ -17983,7 +17899,7 @@
           <a:p>
             <a:r>
               <a:rPr lang="en-US" dirty="0"/>
-              <a:t>Tight Control over HTML and HTTP</a:t>
+              <a:t>MVC Architecture</a:t>
             </a:r>
           </a:p>
         </p:txBody>
@@ -17991,7 +17907,7 @@
     </p:spTree>
     <p:extLst>
       <p:ext uri="{BB962C8B-B14F-4D97-AF65-F5344CB8AC3E}">
-        <p14:creationId xmlns:p14="http://schemas.microsoft.com/office/powerpoint/2010/main" val="3948782380"/>
+        <p14:creationId xmlns:p14="http://schemas.microsoft.com/office/powerpoint/2010/main" val="3083672756"/>
       </p:ext>
     </p:extLst>
   </p:cSld>
@@ -18266,25 +18182,33 @@
           <a:bodyPr/>
           <a:lstStyle/>
           <a:p>
-            <a:pPr marL="342900" indent="-342900" algn="just">
+            <a:pPr marL="342900" indent="-342900">
               <a:buFont typeface="Wingdings" panose="05000000000000000000" pitchFamily="2" charset="2"/>
               <a:buChar char="§"/>
             </a:pPr>
             <a:r>
               <a:rPr lang="en-US" dirty="0"/>
-              <a:t>The ASP.NET Core MVC architecture gives you a great start in making your application maintainable and testable because you naturally separate different application concerns into independent pieces. In addition, each piece of the ASP.NET Core platform and the ASP.NET Core MVC framework can be isolated and replaced for unit testing, which can be performed using any popular open source testing framework, such as </a:t>
-            </a:r>
-            <a:r>
-              <a:rPr lang="en-US" dirty="0" err="1"/>
-              <a:t>xUnit</a:t>
-            </a:r>
-            <a:r>
-              <a:rPr lang="en-US" dirty="0"/>
-              <a:t>.</a:t>
-            </a:r>
-          </a:p>
-          <a:p>
-            <a:pPr marL="342900" indent="-342900" algn="just">
+              <a:t>ASP.NET Core is built as a series of independent components that have well-defined characteristics, satisfy a .NET </a:t>
+            </a:r>
+            <a:r>
+              <a:rPr lang="en-US" b="1" dirty="0"/>
+              <a:t>interface</a:t>
+            </a:r>
+            <a:r>
+              <a:rPr lang="en-US" dirty="0"/>
+              <a:t> or that are built on an </a:t>
+            </a:r>
+            <a:r>
+              <a:rPr lang="en-US" b="1" dirty="0"/>
+              <a:t>abstract base class</a:t>
+            </a:r>
+            <a:r>
+              <a:rPr lang="en-US" dirty="0"/>
+              <a:t>. Thus, it is possible to replace key components with ones of your own implementation. </a:t>
+            </a:r>
+          </a:p>
+          <a:p>
+            <a:pPr marL="342900" indent="-342900">
               <a:buFont typeface="Wingdings" panose="05000000000000000000" pitchFamily="2" charset="2"/>
               <a:buChar char="§"/>
             </a:pPr>
@@ -18297,7 +18221,37 @@
             </a:pPr>
             <a:r>
               <a:rPr lang="en-US" dirty="0"/>
-              <a:t>ASP.NET Core MVC applications also work well with UI automation testing tools, too. You can write test scripts that simulate user interactions without needing to guess which HTML element structures, CSS classes, or IDs the framework will generate, and you do not have to worry about the structure changing unexpectedly.</a:t>
+              <a:t>In general, the ASP.NET Core MVC gives you these three options for each component:</a:t>
+            </a:r>
+          </a:p>
+          <a:p>
+            <a:pPr marL="597150" lvl="1" indent="-342900">
+              <a:buFont typeface="Wingdings" panose="05000000000000000000" pitchFamily="2" charset="2"/>
+              <a:buChar char="§"/>
+            </a:pPr>
+            <a:r>
+              <a:rPr lang="en-US" dirty="0"/>
+              <a:t>Use the default implementation of the component as it stands (which should be enough for most applications).</a:t>
+            </a:r>
+          </a:p>
+          <a:p>
+            <a:pPr marL="597150" lvl="1" indent="-342900">
+              <a:buFont typeface="Wingdings" panose="05000000000000000000" pitchFamily="2" charset="2"/>
+              <a:buChar char="§"/>
+            </a:pPr>
+            <a:r>
+              <a:rPr lang="en-US" dirty="0"/>
+              <a:t>Derive a subclass of the default implementation to tweak its behavior.</a:t>
+            </a:r>
+          </a:p>
+          <a:p>
+            <a:pPr marL="597150" lvl="1" indent="-342900">
+              <a:buFont typeface="Wingdings" panose="05000000000000000000" pitchFamily="2" charset="2"/>
+              <a:buChar char="§"/>
+            </a:pPr>
+            <a:r>
+              <a:rPr lang="en-US" dirty="0"/>
+              <a:t>Replace the component entirely with a new implementation of the interface or abstract base class.</a:t>
             </a:r>
           </a:p>
         </p:txBody>
@@ -18319,7 +18273,7 @@
           <a:p>
             <a:r>
               <a:rPr lang="en-US" dirty="0"/>
-              <a:t>Testability</a:t>
+              <a:t>Extensibility</a:t>
             </a:r>
           </a:p>
         </p:txBody>
@@ -18327,7 +18281,7 @@
     </p:spTree>
     <p:extLst>
       <p:ext uri="{BB962C8B-B14F-4D97-AF65-F5344CB8AC3E}">
-        <p14:creationId xmlns:p14="http://schemas.microsoft.com/office/powerpoint/2010/main" val="2799406001"/>
+        <p14:creationId xmlns:p14="http://schemas.microsoft.com/office/powerpoint/2010/main" val="2609334429"/>
       </p:ext>
     </p:extLst>
   </p:cSld>
@@ -18409,11 +18363,16 @@
             </a:pPr>
             <a:r>
               <a:rPr lang="en-US" dirty="0"/>
-              <a:t>The style of uniform resource locators (URLs) has evolved as web application technology has improved.</a:t>
-            </a:r>
-          </a:p>
-          <a:p>
-            <a:endParaRPr lang="en-US" dirty="0"/>
+              <a:t>ASP.NET Core MVC produces clean, standards-compliant markup. Its built-in </a:t>
+            </a:r>
+            <a:r>
+              <a:rPr lang="en-US" b="1" dirty="0"/>
+              <a:t>tag helpers</a:t>
+            </a:r>
+            <a:r>
+              <a:rPr lang="en-US" dirty="0"/>
+              <a:t> produce standards-compliant output</a:t>
+            </a:r>
           </a:p>
           <a:p>
             <a:pPr marL="342900" indent="-342900">
@@ -18422,59 +18381,27 @@
             </a:pPr>
             <a:r>
               <a:rPr lang="en-US" dirty="0"/>
-              <a:t>URLs like this one:</a:t>
-            </a:r>
-          </a:p>
-          <a:p>
-            <a:r>
-              <a:rPr lang="en-US" dirty="0"/>
-              <a:t>	</a:t>
-            </a:r>
-          </a:p>
-          <a:p>
-            <a:r>
-              <a:rPr lang="en-US" dirty="0"/>
-              <a:t>	/App_v2/User/</a:t>
-            </a:r>
-            <a:r>
-              <a:rPr lang="en-US" dirty="0" err="1"/>
-              <a:t>Page.aspx?action</a:t>
-            </a:r>
-            <a:r>
-              <a:rPr lang="en-US" dirty="0"/>
-              <a:t>=show%20prop&amp;prop_id=82742</a:t>
-            </a:r>
-          </a:p>
-          <a:p>
-            <a:r>
-              <a:rPr lang="en-US" dirty="0"/>
-              <a:t>	</a:t>
-            </a:r>
-          </a:p>
-          <a:p>
-            <a:r>
-              <a:rPr lang="en-US" dirty="0"/>
-              <a:t>	are increasingly rare, replaced with a simpler, cleaner format like this:</a:t>
-            </a:r>
-          </a:p>
-          <a:p>
-            <a:r>
-              <a:rPr lang="en-US" dirty="0"/>
-              <a:t>	</a:t>
-            </a:r>
-          </a:p>
-          <a:p>
-            <a:r>
-              <a:rPr lang="en-US" dirty="0"/>
-              <a:t>	/to-rent/</a:t>
-            </a:r>
-            <a:r>
-              <a:rPr lang="en-US" dirty="0" err="1"/>
-              <a:t>chicago</a:t>
-            </a:r>
-            <a:r>
-              <a:rPr lang="en-US" dirty="0"/>
-              <a:t>/2303-silver-street</a:t>
+              <a:t>ASP.NET Core MVC encourages you to craft simple, elegant markup styled with CSS. </a:t>
+            </a:r>
+          </a:p>
+          <a:p>
+            <a:pPr marL="342900" indent="-342900">
+              <a:buFont typeface="Wingdings" panose="05000000000000000000" pitchFamily="2" charset="2"/>
+              <a:buChar char="§"/>
+            </a:pPr>
+            <a:r>
+              <a:rPr lang="en-US" dirty="0"/>
+              <a:t>ASP.NET Core MVC makes it easy to use best-of-breed client-side libraries such as jQuery, Angular, or the Bootstrap CSS library. ASP.NET.  Core MVC meshes so well with these libraries that Microsoft includes support for them as built-in parts of the standard Visual Studio project template for web applications. </a:t>
+            </a:r>
+          </a:p>
+          <a:p>
+            <a:pPr marL="342900" indent="-342900">
+              <a:buFont typeface="Wingdings" panose="05000000000000000000" pitchFamily="2" charset="2"/>
+              <a:buChar char="§"/>
+            </a:pPr>
+            <a:r>
+              <a:rPr lang="en-US" dirty="0"/>
+              <a:t>ASP.NET Core MVC works in tune with HTTP. You have control over the requests passing between the browser and server, so you can fine-tune your user experience as much as you like. Ajax is made easy, and creating web services to receive browser HTTP requests is a simple process.</a:t>
             </a:r>
           </a:p>
         </p:txBody>
@@ -18495,17 +18422,16 @@
           <a:lstStyle/>
           <a:p>
             <a:r>
-              <a:rPr lang="en-US" b="0" dirty="0"/>
-              <a:t>Powerful Routing System</a:t>
-            </a:r>
-            <a:endParaRPr lang="en-US" dirty="0"/>
+              <a:rPr lang="en-US" dirty="0"/>
+              <a:t>Tight Control over HTML and HTTP</a:t>
+            </a:r>
           </a:p>
         </p:txBody>
       </p:sp>
     </p:spTree>
     <p:extLst>
       <p:ext uri="{BB962C8B-B14F-4D97-AF65-F5344CB8AC3E}">
-        <p14:creationId xmlns:p14="http://schemas.microsoft.com/office/powerpoint/2010/main" val="1168394487"/>
+        <p14:creationId xmlns:p14="http://schemas.microsoft.com/office/powerpoint/2010/main" val="3948782380"/>
       </p:ext>
     </p:extLst>
   </p:cSld>
@@ -18587,7 +18513,15 @@
             </a:pPr>
             <a:r>
               <a:rPr lang="en-US" dirty="0"/>
-              <a:t>First, search engines give weight to keywords found in a URL. A search for “rent in Chicago” is much more likely to turn up the simpler URL.</a:t>
+              <a:t>The ASP.NET Core MVC architecture gives you a great start in making your application maintainable and testable because you naturally separate different application concerns into independent pieces. In addition, each piece of the ASP.NET Core platform and the ASP.NET Core MVC framework can be isolated and replaced for unit testing, which can be performed using any popular open source testing framework, such as </a:t>
+            </a:r>
+            <a:r>
+              <a:rPr lang="en-US" dirty="0" err="1"/>
+              <a:t>xUnit</a:t>
+            </a:r>
+            <a:r>
+              <a:rPr lang="en-US" dirty="0"/>
+              <a:t>.</a:t>
             </a:r>
           </a:p>
           <a:p>
@@ -18598,47 +18532,13 @@
             <a:endParaRPr lang="en-US" dirty="0"/>
           </a:p>
           <a:p>
-            <a:pPr marL="342900" indent="-342900" algn="just">
+            <a:pPr marL="342900" indent="-342900">
               <a:buFont typeface="Wingdings" panose="05000000000000000000" pitchFamily="2" charset="2"/>
               <a:buChar char="§"/>
             </a:pPr>
             <a:r>
               <a:rPr lang="en-US" dirty="0"/>
-              <a:t>Second, many web users are now savvy enough to understand a URL and appreciate the option of navigating by typing it into their browser’s address bar. </a:t>
-            </a:r>
-          </a:p>
-          <a:p>
-            <a:pPr marL="342900" indent="-342900" algn="just">
-              <a:buFont typeface="Wingdings" panose="05000000000000000000" pitchFamily="2" charset="2"/>
-              <a:buChar char="§"/>
-            </a:pPr>
-            <a:endParaRPr lang="en-US" dirty="0"/>
-          </a:p>
-          <a:p>
-            <a:pPr marL="342900" indent="-342900" algn="just">
-              <a:buFont typeface="Wingdings" panose="05000000000000000000" pitchFamily="2" charset="2"/>
-              <a:buChar char="§"/>
-            </a:pPr>
-            <a:r>
-              <a:rPr lang="en-US" dirty="0"/>
-              <a:t>Third, when someone understands the structure of a URL, they are more likely to link to it, share it with a friend, or even read it aloud over the phone. </a:t>
-            </a:r>
-          </a:p>
-          <a:p>
-            <a:pPr marL="342900" indent="-342900" algn="just">
-              <a:buFont typeface="Wingdings" panose="05000000000000000000" pitchFamily="2" charset="2"/>
-              <a:buChar char="§"/>
-            </a:pPr>
-            <a:endParaRPr lang="en-US" dirty="0"/>
-          </a:p>
-          <a:p>
-            <a:pPr marL="342900" indent="-342900" algn="just">
-              <a:buFont typeface="Wingdings" panose="05000000000000000000" pitchFamily="2" charset="2"/>
-              <a:buChar char="§"/>
-            </a:pPr>
-            <a:r>
-              <a:rPr lang="en-US" dirty="0"/>
-              <a:t>Fourth, it doesn’t expose the technical details, folder, and file name structure of your application to the public Internet, so you are free to change the underlying implementation without breaking all your incoming links.</a:t>
+              <a:t>ASP.NET Core MVC applications also work well with UI automation testing tools, too. You can write test scripts that simulate user interactions without needing to guess which HTML element structures, CSS classes, or IDs the framework will generate, and you do not have to worry about the structure changing unexpectedly.</a:t>
             </a:r>
           </a:p>
         </p:txBody>
@@ -18659,17 +18559,16 @@
           <a:lstStyle/>
           <a:p>
             <a:r>
-              <a:rPr lang="en-US" b="0" dirty="0"/>
-              <a:t>Reasons for caring about the structure of URLs</a:t>
-            </a:r>
-            <a:endParaRPr lang="en-US" dirty="0"/>
+              <a:rPr lang="en-US" dirty="0"/>
+              <a:t>Testability</a:t>
+            </a:r>
           </a:p>
         </p:txBody>
       </p:sp>
     </p:spTree>
     <p:extLst>
       <p:ext uri="{BB962C8B-B14F-4D97-AF65-F5344CB8AC3E}">
-        <p14:creationId xmlns:p14="http://schemas.microsoft.com/office/powerpoint/2010/main" val="3207727278"/>
+        <p14:creationId xmlns:p14="http://schemas.microsoft.com/office/powerpoint/2010/main" val="2799406001"/>
       </p:ext>
     </p:extLst>
   </p:cSld>
@@ -18745,38 +18644,78 @@
           <a:bodyPr/>
           <a:lstStyle/>
           <a:p>
-            <a:pPr marL="342900" indent="-342900" algn="just">
+            <a:pPr marL="342900" indent="-342900">
               <a:buFont typeface="Wingdings" panose="05000000000000000000" pitchFamily="2" charset="2"/>
               <a:buChar char="§"/>
             </a:pPr>
             <a:r>
               <a:rPr lang="en-US" dirty="0"/>
-              <a:t>Clean URLs were hard to implement in earlier frameworks, but ASP.NET Core MVC uses a feature known as </a:t>
-            </a:r>
-            <a:r>
-              <a:rPr lang="en-US" i="1" dirty="0"/>
-              <a:t>URL routing </a:t>
-            </a:r>
-            <a:r>
-              <a:rPr lang="en-US" dirty="0"/>
-              <a:t>to provide clean URLs by default. </a:t>
-            </a:r>
-          </a:p>
-          <a:p>
-            <a:pPr marL="342900" indent="-342900" algn="just">
+              <a:t>The style of uniform resource locators (URLs) has evolved as web application technology has improved.</a:t>
+            </a:r>
+          </a:p>
+          <a:p>
+            <a:endParaRPr lang="en-US" dirty="0"/>
+          </a:p>
+          <a:p>
+            <a:pPr marL="342900" indent="-342900">
               <a:buFont typeface="Wingdings" panose="05000000000000000000" pitchFamily="2" charset="2"/>
               <a:buChar char="§"/>
             </a:pPr>
-            <a:endParaRPr lang="en-US" dirty="0"/>
-          </a:p>
-          <a:p>
-            <a:pPr marL="342900" indent="-342900" algn="just">
-              <a:buFont typeface="Wingdings" panose="05000000000000000000" pitchFamily="2" charset="2"/>
-              <a:buChar char="§"/>
-            </a:pPr>
-            <a:r>
-              <a:rPr lang="en-US" dirty="0"/>
-              <a:t>This gives you control over your URL schema and its relationship to your application, offering you the freedom to create a pattern of URLs that is meaningful and useful to your users, without the need to conform to a predefined pattern. </a:t>
+            <a:r>
+              <a:rPr lang="en-US" dirty="0"/>
+              <a:t>URLs like this one:</a:t>
+            </a:r>
+          </a:p>
+          <a:p>
+            <a:r>
+              <a:rPr lang="en-US" dirty="0"/>
+              <a:t>	</a:t>
+            </a:r>
+          </a:p>
+          <a:p>
+            <a:r>
+              <a:rPr lang="en-US" dirty="0"/>
+              <a:t>	/App_v2/User/</a:t>
+            </a:r>
+            <a:r>
+              <a:rPr lang="en-US" dirty="0" err="1"/>
+              <a:t>Page.aspx?action</a:t>
+            </a:r>
+            <a:r>
+              <a:rPr lang="en-US" dirty="0"/>
+              <a:t>=show%20prop&amp;prop_id=82742</a:t>
+            </a:r>
+          </a:p>
+          <a:p>
+            <a:r>
+              <a:rPr lang="en-US" dirty="0"/>
+              <a:t>	</a:t>
+            </a:r>
+          </a:p>
+          <a:p>
+            <a:r>
+              <a:rPr lang="en-US" dirty="0"/>
+              <a:t>	are increasingly rare, replaced with a simpler, cleaner format like this:</a:t>
+            </a:r>
+          </a:p>
+          <a:p>
+            <a:r>
+              <a:rPr lang="en-US" dirty="0"/>
+              <a:t>	</a:t>
+            </a:r>
+          </a:p>
+          <a:p>
+            <a:r>
+              <a:rPr lang="en-US" dirty="0"/>
+              <a:t>	/to-rent/</a:t>
+            </a:r>
+            <a:r>
+              <a:rPr lang="en-US" dirty="0" err="1"/>
+              <a:t>chicago</a:t>
+            </a:r>
+            <a:r>
+              <a:rPr lang="en-US" dirty="0"/>
+              <a:t>/2303-silver-street</a:t>
             </a:r>
           </a:p>
         </p:txBody>
@@ -18807,7 +18746,7 @@
     </p:spTree>
     <p:extLst>
       <p:ext uri="{BB962C8B-B14F-4D97-AF65-F5344CB8AC3E}">
-        <p14:creationId xmlns:p14="http://schemas.microsoft.com/office/powerpoint/2010/main" val="2241502038"/>
+        <p14:creationId xmlns:p14="http://schemas.microsoft.com/office/powerpoint/2010/main" val="1168394487"/>
       </p:ext>
     </p:extLst>
   </p:cSld>
@@ -18889,36 +18828,7 @@
             </a:pPr>
             <a:r>
               <a:rPr lang="en-US" dirty="0"/>
-              <a:t>Microsoft’s .NET platform has evolved with each major release, supporting—and even defining—the state-of-</a:t>
-            </a:r>
-            <a:r>
-              <a:rPr lang="en-US" dirty="0" err="1"/>
-              <a:t>theart</a:t>
-            </a:r>
-            <a:r>
-              <a:rPr lang="en-US" dirty="0"/>
-              <a:t> aspects of modern programming. </a:t>
-            </a:r>
-          </a:p>
-          <a:p>
-            <a:endParaRPr lang="en-US" dirty="0"/>
-          </a:p>
-          <a:p>
-            <a:pPr marL="342900" indent="-342900" algn="just">
-              <a:buFont typeface="Wingdings" panose="05000000000000000000" pitchFamily="2" charset="2"/>
-              <a:buChar char="§"/>
-            </a:pPr>
-            <a:r>
-              <a:rPr lang="en-US" dirty="0"/>
-              <a:t>ASP.NET Core MVC is built for .NET Core, so its API can take full advantage of language and runtime innovations familiar to C# programmers, including the </a:t>
-            </a:r>
-            <a:r>
-              <a:rPr lang="en-US" b="1" dirty="0"/>
-              <a:t>async/await</a:t>
-            </a:r>
-            <a:r>
-              <a:rPr lang="en-US" dirty="0"/>
-              <a:t> keyword, extension methods, lambda expressions, anonymous and dynamic types, and Language Integrated Query (LINQ).</a:t>
+              <a:t>First, search engines give weight to keywords found in a URL. A search for “rent in Chicago” is much more likely to turn up the simpler URL.</a:t>
             </a:r>
           </a:p>
           <a:p>
@@ -18935,7 +18845,41 @@
             </a:pPr>
             <a:r>
               <a:rPr lang="en-US" dirty="0"/>
-              <a:t>Many of the ASP.NET Core MVC API methods and coding patterns follow a cleaner, more expressive composition than was possible with earlier platforms.</a:t>
+              <a:t>Second, many web users are now savvy enough to understand a URL and appreciate the option of navigating by typing it into their browser’s address bar. </a:t>
+            </a:r>
+          </a:p>
+          <a:p>
+            <a:pPr marL="342900" indent="-342900" algn="just">
+              <a:buFont typeface="Wingdings" panose="05000000000000000000" pitchFamily="2" charset="2"/>
+              <a:buChar char="§"/>
+            </a:pPr>
+            <a:endParaRPr lang="en-US" dirty="0"/>
+          </a:p>
+          <a:p>
+            <a:pPr marL="342900" indent="-342900" algn="just">
+              <a:buFont typeface="Wingdings" panose="05000000000000000000" pitchFamily="2" charset="2"/>
+              <a:buChar char="§"/>
+            </a:pPr>
+            <a:r>
+              <a:rPr lang="en-US" dirty="0"/>
+              <a:t>Third, when someone understands the structure of a URL, they are more likely to link to it, share it with a friend, or even read it aloud over the phone. </a:t>
+            </a:r>
+          </a:p>
+          <a:p>
+            <a:pPr marL="342900" indent="-342900" algn="just">
+              <a:buFont typeface="Wingdings" panose="05000000000000000000" pitchFamily="2" charset="2"/>
+              <a:buChar char="§"/>
+            </a:pPr>
+            <a:endParaRPr lang="en-US" dirty="0"/>
+          </a:p>
+          <a:p>
+            <a:pPr marL="342900" indent="-342900" algn="just">
+              <a:buFont typeface="Wingdings" panose="05000000000000000000" pitchFamily="2" charset="2"/>
+              <a:buChar char="§"/>
+            </a:pPr>
+            <a:r>
+              <a:rPr lang="en-US" dirty="0"/>
+              <a:t>Fourth, it doesn’t expose the technical details, folder, and file name structure of your application to the public Internet, so you are free to change the underlying implementation without breaking all your incoming links.</a:t>
             </a:r>
           </a:p>
         </p:txBody>
@@ -18956,16 +18900,17 @@
           <a:lstStyle/>
           <a:p>
             <a:r>
-              <a:rPr lang="en-US" dirty="0"/>
-              <a:t>Modern API</a:t>
-            </a:r>
+              <a:rPr lang="en-US" b="0" dirty="0"/>
+              <a:t>Reasons for caring about the structure of URLs</a:t>
+            </a:r>
+            <a:endParaRPr lang="en-US" dirty="0"/>
           </a:p>
         </p:txBody>
       </p:sp>
     </p:spTree>
     <p:extLst>
       <p:ext uri="{BB962C8B-B14F-4D97-AF65-F5344CB8AC3E}">
-        <p14:creationId xmlns:p14="http://schemas.microsoft.com/office/powerpoint/2010/main" val="3294541577"/>
+        <p14:creationId xmlns:p14="http://schemas.microsoft.com/office/powerpoint/2010/main" val="3207727278"/>
       </p:ext>
     </p:extLst>
   </p:cSld>
@@ -19047,19 +18992,19 @@
             </a:pPr>
             <a:r>
               <a:rPr lang="en-US" dirty="0"/>
-              <a:t>Previous versions of ASP.NET were specific to Windows, requiring a Windows desktop to write web applications and a Windows server to deploy and run them. Microsoft made ASP.NET Core cross-platform, both for development and for deployment. .NET Core is available for different platforms—including Linux and OS X/</a:t>
-            </a:r>
-            <a:r>
-              <a:rPr lang="en-US" dirty="0" err="1"/>
-              <a:t>macOS</a:t>
-            </a:r>
-            <a:r>
-              <a:rPr lang="en-US" dirty="0"/>
-              <a:t>—and is likely to be ported to others.</a:t>
-            </a:r>
-          </a:p>
-          <a:p>
-            <a:pPr marL="342900" indent="-342900">
+              <a:t>Clean URLs were hard to implement in earlier frameworks, but ASP.NET Core MVC uses a feature known as </a:t>
+            </a:r>
+            <a:r>
+              <a:rPr lang="en-US" i="1" dirty="0"/>
+              <a:t>URL routing </a:t>
+            </a:r>
+            <a:r>
+              <a:rPr lang="en-US" dirty="0"/>
+              <a:t>to provide clean URLs by default. </a:t>
+            </a:r>
+          </a:p>
+          <a:p>
+            <a:pPr marL="342900" indent="-342900" algn="just">
               <a:buFont typeface="Wingdings" panose="05000000000000000000" pitchFamily="2" charset="2"/>
               <a:buChar char="§"/>
             </a:pPr>
@@ -19072,7 +19017,7 @@
             </a:pPr>
             <a:r>
               <a:rPr lang="en-US" dirty="0"/>
-              <a:t>Most ASP.NET Core MVC development is likely to be done using Visual Studio for the immediate future, but Microsoft has also created a cross-platform development tool called Visual Studio Code, which means that ASP.NET Core MVC development is no longer restricted to Windows.</a:t>
+              <a:t>This gives you control over your URL schema and its relationship to your application, offering you the freedom to create a pattern of URLs that is meaningful and useful to your users, without the need to conform to a predefined pattern. </a:t>
             </a:r>
           </a:p>
         </p:txBody>
@@ -19093,16 +19038,17 @@
           <a:lstStyle/>
           <a:p>
             <a:r>
-              <a:rPr lang="en-US" dirty="0"/>
-              <a:t>Cross-Platform</a:t>
-            </a:r>
+              <a:rPr lang="en-US" b="0" dirty="0"/>
+              <a:t>Powerful Routing System</a:t>
+            </a:r>
+            <a:endParaRPr lang="en-US" dirty="0"/>
           </a:p>
         </p:txBody>
       </p:sp>
     </p:spTree>
     <p:extLst>
       <p:ext uri="{BB962C8B-B14F-4D97-AF65-F5344CB8AC3E}">
-        <p14:creationId xmlns:p14="http://schemas.microsoft.com/office/powerpoint/2010/main" val="3393981062"/>
+        <p14:creationId xmlns:p14="http://schemas.microsoft.com/office/powerpoint/2010/main" val="2241502038"/>
       </p:ext>
     </p:extLst>
   </p:cSld>
@@ -19184,7 +19130,36 @@
             </a:pPr>
             <a:r>
               <a:rPr lang="en-US" dirty="0"/>
-              <a:t>Unlike previous Microsoft web development platforms, you are free to download the source code for ASP. NET Core and ASP.NET Core MVC and even modify and compile your own version of it. </a:t>
+              <a:t>Microsoft’s .NET platform has evolved with each major release, supporting—and even defining—the state-of-</a:t>
+            </a:r>
+            <a:r>
+              <a:rPr lang="en-US" dirty="0" err="1"/>
+              <a:t>theart</a:t>
+            </a:r>
+            <a:r>
+              <a:rPr lang="en-US" dirty="0"/>
+              <a:t> aspects of modern programming. </a:t>
+            </a:r>
+          </a:p>
+          <a:p>
+            <a:endParaRPr lang="en-US" dirty="0"/>
+          </a:p>
+          <a:p>
+            <a:pPr marL="342900" indent="-342900" algn="just">
+              <a:buFont typeface="Wingdings" panose="05000000000000000000" pitchFamily="2" charset="2"/>
+              <a:buChar char="§"/>
+            </a:pPr>
+            <a:r>
+              <a:rPr lang="en-US" dirty="0"/>
+              <a:t>ASP.NET Core MVC is built for .NET Core, so its API can take full advantage of language and runtime innovations familiar to C# programmers, including the </a:t>
+            </a:r>
+            <a:r>
+              <a:rPr lang="en-US" b="1" dirty="0"/>
+              <a:t>async/await</a:t>
+            </a:r>
+            <a:r>
+              <a:rPr lang="en-US" dirty="0"/>
+              <a:t> keyword, extension methods, lambda expressions, anonymous and dynamic types, and Language Integrated Query (LINQ).</a:t>
             </a:r>
           </a:p>
           <a:p>
@@ -19201,34 +19176,7 @@
             </a:pPr>
             <a:r>
               <a:rPr lang="en-US" dirty="0"/>
-              <a:t>This is invaluable when your debugging trail leads into a system component and you want to step into its code (and even read the original programmers’ comments). It is also useful if you are building an advanced component and want to see what development possibilities exist or how the built-in components actually work.</a:t>
-            </a:r>
-          </a:p>
-          <a:p>
-            <a:pPr marL="342900" indent="-342900" algn="just">
-              <a:buFont typeface="Wingdings" panose="05000000000000000000" pitchFamily="2" charset="2"/>
-              <a:buChar char="§"/>
-            </a:pPr>
-            <a:endParaRPr lang="en-US" dirty="0"/>
-          </a:p>
-          <a:p>
-            <a:pPr marL="342900" indent="-342900" algn="just">
-              <a:buFont typeface="Wingdings" panose="05000000000000000000" pitchFamily="2" charset="2"/>
-              <a:buChar char="§"/>
-            </a:pPr>
-            <a:r>
-              <a:rPr lang="en-US" dirty="0"/>
-              <a:t>You can download the ASP.NET Core and ASP.NET Core MVC source code from </a:t>
-            </a:r>
-            <a:r>
-              <a:rPr lang="en-US" dirty="0">
-                <a:hlinkClick r:id="rId2"/>
-              </a:rPr>
-              <a:t>https://github.com/aspnet</a:t>
-            </a:r>
-            <a:r>
-              <a:rPr lang="en-US" dirty="0"/>
-              <a:t> .</a:t>
+              <a:t>Many of the ASP.NET Core MVC API methods and coding patterns follow a cleaner, more expressive composition than was possible with earlier platforms.</a:t>
             </a:r>
           </a:p>
         </p:txBody>
@@ -19250,7 +19198,7 @@
           <a:p>
             <a:r>
               <a:rPr lang="en-US" dirty="0"/>
-              <a:t>Open Source</a:t>
+              <a:t>Modern API</a:t>
             </a:r>
           </a:p>
         </p:txBody>
@@ -19258,7 +19206,7 @@
     </p:spTree>
     <p:extLst>
       <p:ext uri="{BB962C8B-B14F-4D97-AF65-F5344CB8AC3E}">
-        <p14:creationId xmlns:p14="http://schemas.microsoft.com/office/powerpoint/2010/main" val="893622681"/>
+        <p14:creationId xmlns:p14="http://schemas.microsoft.com/office/powerpoint/2010/main" val="3294541577"/>
       </p:ext>
     </p:extLst>
   </p:cSld>
@@ -19299,7 +19247,7 @@
       </p:grpSpPr>
       <p:sp>
         <p:nvSpPr>
-          <p:cNvPr id="4" name="Title 3"/>
+          <p:cNvPr id="2" name="Title 1"/>
           <p:cNvSpPr>
             <a:spLocks noGrp="1"/>
           </p:cNvSpPr>
@@ -19314,7 +19262,80 @@
           <a:p>
             <a:r>
               <a:rPr lang="en-US" dirty="0"/>
-              <a:t>Project Structure</a:t>
+              <a:t>Key Benefits of ASP.NET Core</a:t>
+            </a:r>
+          </a:p>
+        </p:txBody>
+      </p:sp>
+      <p:sp>
+        <p:nvSpPr>
+          <p:cNvPr id="3" name="Content Placeholder 2"/>
+          <p:cNvSpPr>
+            <a:spLocks noGrp="1"/>
+          </p:cNvSpPr>
+          <p:nvPr>
+            <p:ph idx="1"/>
+          </p:nvPr>
+        </p:nvSpPr>
+        <p:spPr/>
+        <p:txBody>
+          <a:bodyPr/>
+          <a:lstStyle/>
+          <a:p>
+            <a:pPr marL="342900" indent="-342900" algn="just">
+              <a:buFont typeface="Wingdings" panose="05000000000000000000" pitchFamily="2" charset="2"/>
+              <a:buChar char="§"/>
+            </a:pPr>
+            <a:r>
+              <a:rPr lang="en-US" dirty="0"/>
+              <a:t>Previous versions of ASP.NET were specific to Windows, requiring a Windows desktop to write web applications and a Windows server to deploy and run them. Microsoft made ASP.NET Core cross-platform, both for development and for deployment. .NET Core is available for different platforms—including Linux and OS X/</a:t>
+            </a:r>
+            <a:r>
+              <a:rPr lang="en-US" dirty="0" err="1"/>
+              <a:t>macOS</a:t>
+            </a:r>
+            <a:r>
+              <a:rPr lang="en-US" dirty="0"/>
+              <a:t>—and is likely to be ported to others.</a:t>
+            </a:r>
+          </a:p>
+          <a:p>
+            <a:pPr marL="342900" indent="-342900">
+              <a:buFont typeface="Wingdings" panose="05000000000000000000" pitchFamily="2" charset="2"/>
+              <a:buChar char="§"/>
+            </a:pPr>
+            <a:endParaRPr lang="en-US" dirty="0"/>
+          </a:p>
+          <a:p>
+            <a:pPr marL="342900" indent="-342900" algn="just">
+              <a:buFont typeface="Wingdings" panose="05000000000000000000" pitchFamily="2" charset="2"/>
+              <a:buChar char="§"/>
+            </a:pPr>
+            <a:r>
+              <a:rPr lang="en-US" dirty="0"/>
+              <a:t>Most ASP.NET Core MVC development is likely to be done using Visual Studio for the immediate future, but Microsoft has also created a cross-platform development tool called Visual Studio Code, which means that ASP.NET Core MVC development is no longer restricted to Windows.</a:t>
+            </a:r>
+          </a:p>
+        </p:txBody>
+      </p:sp>
+      <p:sp>
+        <p:nvSpPr>
+          <p:cNvPr id="4" name="Text Placeholder 3"/>
+          <p:cNvSpPr>
+            <a:spLocks noGrp="1"/>
+          </p:cNvSpPr>
+          <p:nvPr>
+            <p:ph type="body" sz="quarter" idx="10"/>
+          </p:nvPr>
+        </p:nvSpPr>
+        <p:spPr/>
+        <p:txBody>
+          <a:bodyPr/>
+          <a:lstStyle/>
+          <a:p>
+            <a:r>
+              <a:rPr lang="en-US" dirty="0"/>
+              <a:t>Cross-Platform</a:t>
             </a:r>
           </a:p>
         </p:txBody>
@@ -19322,7 +19343,7 @@
     </p:spTree>
     <p:extLst>
       <p:ext uri="{BB962C8B-B14F-4D97-AF65-F5344CB8AC3E}">
-        <p14:creationId xmlns:p14="http://schemas.microsoft.com/office/powerpoint/2010/main" val="2644692875"/>
+        <p14:creationId xmlns:p14="http://schemas.microsoft.com/office/powerpoint/2010/main" val="3393981062"/>
       </p:ext>
     </p:extLst>
   </p:cSld>
@@ -19331,12 +19352,12 @@
   </p:clrMapOvr>
   <mc:AlternateContent xmlns:mc="http://schemas.openxmlformats.org/markup-compatibility/2006" xmlns:p14="http://schemas.microsoft.com/office/powerpoint/2010/main">
     <mc:Choice Requires="p14">
-      <p:transition spd="med" p14:dur="700" advClick="0" advTm="1500">
+      <p:transition spd="med" p14:dur="700">
         <p:fade/>
       </p:transition>
     </mc:Choice>
     <mc:Fallback xmlns="">
-      <p:transition spd="med" advClick="0" advTm="1500">
+      <p:transition spd="med">
         <p:fade/>
       </p:transition>
     </mc:Fallback>
@@ -19363,7 +19384,7 @@
       </p:grpSpPr>
       <p:sp>
         <p:nvSpPr>
-          <p:cNvPr id="3" name="Title 2"/>
+          <p:cNvPr id="2" name="Title 1"/>
           <p:cNvSpPr>
             <a:spLocks noGrp="1"/>
           </p:cNvSpPr>
@@ -19378,14 +19399,14 @@
           <a:p>
             <a:r>
               <a:rPr lang="en-US" dirty="0"/>
-              <a:t>Visual Studio Project Templates</a:t>
+              <a:t>Key Benefits of ASP.NET Core</a:t>
             </a:r>
           </a:p>
         </p:txBody>
       </p:sp>
       <p:sp>
         <p:nvSpPr>
-          <p:cNvPr id="2" name="Content Placeholder 1"/>
+          <p:cNvPr id="3" name="Content Placeholder 2"/>
           <p:cNvSpPr>
             <a:spLocks noGrp="1"/>
           </p:cNvSpPr>
@@ -19398,56 +19419,79 @@
           <a:bodyPr/>
           <a:lstStyle/>
           <a:p>
-            <a:pPr marL="355600" indent="-355600">
-              <a:buFont typeface="Wingdings" pitchFamily="2" charset="2"/>
+            <a:pPr marL="342900" indent="-342900" algn="just">
+              <a:buFont typeface="Wingdings" panose="05000000000000000000" pitchFamily="2" charset="2"/>
               <a:buChar char="§"/>
             </a:pPr>
             <a:r>
-              <a:rPr lang="en-US" sz="2400" dirty="0"/>
-              <a:t>Visual Studio offers several ASP.NET Core templates:</a:t>
-            </a:r>
-          </a:p>
-          <a:p>
-            <a:pPr marL="609850" lvl="1" indent="-355600">
-              <a:buFont typeface="Wingdings" pitchFamily="2" charset="2"/>
+              <a:rPr lang="en-US" dirty="0"/>
+              <a:t>Unlike previous Microsoft web development platforms, you are free to download the source code for ASP. NET Core and ASP.NET Core MVC and even modify and compile your own version of it. </a:t>
+            </a:r>
+          </a:p>
+          <a:p>
+            <a:pPr marL="342900" indent="-342900" algn="just">
+              <a:buFont typeface="Wingdings" panose="05000000000000000000" pitchFamily="2" charset="2"/>
               <a:buChar char="§"/>
             </a:pPr>
-            <a:r>
-              <a:rPr lang="en-US" sz="2000" dirty="0"/>
-              <a:t>Empty</a:t>
-            </a:r>
-          </a:p>
-          <a:p>
-            <a:pPr marL="609850" lvl="1" indent="-355600">
-              <a:buFont typeface="Wingdings" pitchFamily="2" charset="2"/>
+            <a:endParaRPr lang="en-US" dirty="0"/>
+          </a:p>
+          <a:p>
+            <a:pPr marL="342900" indent="-342900" algn="just">
+              <a:buFont typeface="Wingdings" panose="05000000000000000000" pitchFamily="2" charset="2"/>
               <a:buChar char="§"/>
             </a:pPr>
             <a:r>
-              <a:rPr lang="en-US" sz="2400" dirty="0"/>
-              <a:t>Web API</a:t>
-            </a:r>
-          </a:p>
-          <a:p>
-            <a:pPr marL="609850" lvl="1" indent="-355600">
-              <a:buFont typeface="Wingdings" pitchFamily="2" charset="2"/>
+              <a:rPr lang="en-US" dirty="0"/>
+              <a:t>This is invaluable when your debugging trail leads into a system component and you want to step into its code (and even read the original programmers’ comments). It is also useful if you are building an advanced component and want to see what development possibilities exist or how the built-in components actually work.</a:t>
+            </a:r>
+          </a:p>
+          <a:p>
+            <a:pPr marL="342900" indent="-342900" algn="just">
+              <a:buFont typeface="Wingdings" panose="05000000000000000000" pitchFamily="2" charset="2"/>
               <a:buChar char="§"/>
             </a:pPr>
-            <a:r>
-              <a:rPr lang="en-US" sz="2400" dirty="0"/>
-              <a:t>Web Application</a:t>
-            </a:r>
-          </a:p>
-          <a:p>
-            <a:endParaRPr lang="en-US" sz="2400" dirty="0"/>
-          </a:p>
-          <a:p>
-            <a:pPr marL="355600" indent="-355600">
-              <a:buFont typeface="Wingdings" pitchFamily="2" charset="2"/>
+            <a:endParaRPr lang="en-US" dirty="0"/>
+          </a:p>
+          <a:p>
+            <a:pPr marL="342900" indent="-342900" algn="just">
+              <a:buFont typeface="Wingdings" panose="05000000000000000000" pitchFamily="2" charset="2"/>
               <a:buChar char="§"/>
             </a:pPr>
             <a:r>
-              <a:rPr lang="en-US" sz="2400" dirty="0"/>
-              <a:t>Different authentication methods can be chosen.</a:t>
+              <a:rPr lang="en-US" dirty="0"/>
+              <a:t>You can download the ASP.NET Core and ASP.NET Core MVC source code from </a:t>
+            </a:r>
+            <a:r>
+              <a:rPr lang="en-US" dirty="0">
+                <a:hlinkClick r:id="rId2"/>
+              </a:rPr>
+              <a:t>https://github.com/aspnet</a:t>
+            </a:r>
+            <a:r>
+              <a:rPr lang="en-US" dirty="0"/>
+              <a:t> .</a:t>
+            </a:r>
+          </a:p>
+        </p:txBody>
+      </p:sp>
+      <p:sp>
+        <p:nvSpPr>
+          <p:cNvPr id="4" name="Text Placeholder 3"/>
+          <p:cNvSpPr>
+            <a:spLocks noGrp="1"/>
+          </p:cNvSpPr>
+          <p:nvPr>
+            <p:ph type="body" sz="quarter" idx="10"/>
+          </p:nvPr>
+        </p:nvSpPr>
+        <p:spPr/>
+        <p:txBody>
+          <a:bodyPr/>
+          <a:lstStyle/>
+          <a:p>
+            <a:r>
+              <a:rPr lang="en-US" dirty="0"/>
+              <a:t>Open Source</a:t>
             </a:r>
           </a:p>
         </p:txBody>
@@ -19455,7 +19499,7 @@
     </p:spTree>
     <p:extLst>
       <p:ext uri="{BB962C8B-B14F-4D97-AF65-F5344CB8AC3E}">
-        <p14:creationId xmlns:p14="http://schemas.microsoft.com/office/powerpoint/2010/main" val="1875665365"/>
+        <p14:creationId xmlns:p14="http://schemas.microsoft.com/office/powerpoint/2010/main" val="893622681"/>
       </p:ext>
     </p:extLst>
   </p:cSld>
@@ -19496,7 +19540,7 @@
       </p:grpSpPr>
       <p:sp>
         <p:nvSpPr>
-          <p:cNvPr id="2" name="Title 1"/>
+          <p:cNvPr id="4" name="Title 3"/>
           <p:cNvSpPr>
             <a:spLocks noGrp="1"/>
           </p:cNvSpPr>
@@ -19511,41 +19555,15 @@
           <a:p>
             <a:r>
               <a:rPr lang="en-US" dirty="0"/>
-              <a:t>Visual Studio Project Templates</a:t>
+              <a:t>Project Structure</a:t>
             </a:r>
           </a:p>
         </p:txBody>
       </p:sp>
-      <p:pic>
-        <p:nvPicPr>
-          <p:cNvPr id="4" name="Content Placeholder 3"/>
-          <p:cNvPicPr>
-            <a:picLocks noGrp="1" noChangeAspect="1"/>
-          </p:cNvPicPr>
-          <p:nvPr>
-            <p:ph idx="1"/>
-          </p:nvPr>
-        </p:nvPicPr>
-        <p:blipFill>
-          <a:blip r:embed="rId2"/>
-          <a:stretch>
-            <a:fillRect/>
-          </a:stretch>
-        </p:blipFill>
-        <p:spPr>
-          <a:xfrm>
-            <a:off x="2009554" y="1341438"/>
-            <a:ext cx="8344343" cy="4813300"/>
-          </a:xfrm>
-          <a:prstGeom prst="rect">
-            <a:avLst/>
-          </a:prstGeom>
-        </p:spPr>
-      </p:pic>
     </p:spTree>
     <p:extLst>
       <p:ext uri="{BB962C8B-B14F-4D97-AF65-F5344CB8AC3E}">
-        <p14:creationId xmlns:p14="http://schemas.microsoft.com/office/powerpoint/2010/main" val="2835578448"/>
+        <p14:creationId xmlns:p14="http://schemas.microsoft.com/office/powerpoint/2010/main" val="2644692875"/>
       </p:ext>
     </p:extLst>
   </p:cSld>
@@ -19554,12 +19572,12 @@
   </p:clrMapOvr>
   <mc:AlternateContent xmlns:mc="http://schemas.openxmlformats.org/markup-compatibility/2006" xmlns:p14="http://schemas.microsoft.com/office/powerpoint/2010/main">
     <mc:Choice Requires="p14">
-      <p:transition spd="med" p14:dur="700">
+      <p:transition spd="med" p14:dur="700" advClick="0" advTm="1500">
         <p:fade/>
       </p:transition>
     </mc:Choice>
     <mc:Fallback xmlns="">
-      <p:transition spd="med">
+      <p:transition spd="med" advClick="0" advTm="1500">
         <p:fade/>
       </p:transition>
     </mc:Fallback>
@@ -19820,7 +19838,7 @@
       </p:grpSpPr>
       <p:sp>
         <p:nvSpPr>
-          <p:cNvPr id="2" name="Title 1"/>
+          <p:cNvPr id="3" name="Title 2"/>
           <p:cNvSpPr>
             <a:spLocks noGrp="1"/>
           </p:cNvSpPr>
@@ -19842,7 +19860,7 @@
       </p:sp>
       <p:sp>
         <p:nvSpPr>
-          <p:cNvPr id="3" name="Content Placeholder 2"/>
+          <p:cNvPr id="2" name="Content Placeholder 1"/>
           <p:cNvSpPr>
             <a:spLocks noGrp="1"/>
           </p:cNvSpPr>
@@ -19855,78 +19873,56 @@
           <a:bodyPr/>
           <a:lstStyle/>
           <a:p>
-            <a:pPr marL="342900" indent="-342900">
-              <a:buFont typeface="Wingdings" panose="05000000000000000000" pitchFamily="2" charset="2"/>
+            <a:pPr marL="355600" indent="-355600">
+              <a:buFont typeface="Wingdings" pitchFamily="2" charset="2"/>
               <a:buChar char="§"/>
             </a:pPr>
             <a:r>
-              <a:rPr lang="en-US" dirty="0"/>
-              <a:t>The </a:t>
-            </a:r>
-            <a:r>
-              <a:rPr lang="en-US" b="1" dirty="0"/>
-              <a:t>Empty</a:t>
-            </a:r>
-            <a:r>
-              <a:rPr lang="en-US" dirty="0"/>
-              <a:t> project template contains the plumbing for ASP.NET Core but doesn’t include the libraries or configuration required for an MVC application. </a:t>
-            </a:r>
-          </a:p>
-          <a:p>
-            <a:pPr marL="342900" indent="-342900">
-              <a:buFont typeface="Wingdings" panose="05000000000000000000" pitchFamily="2" charset="2"/>
+              <a:rPr lang="en-US" sz="2400" dirty="0"/>
+              <a:t>Visual Studio offers several ASP.NET Core templates:</a:t>
+            </a:r>
+          </a:p>
+          <a:p>
+            <a:pPr marL="609850" lvl="1" indent="-355600">
+              <a:buFont typeface="Wingdings" pitchFamily="2" charset="2"/>
               <a:buChar char="§"/>
             </a:pPr>
             <a:r>
-              <a:rPr lang="en-US" dirty="0"/>
-              <a:t>The </a:t>
-            </a:r>
-            <a:r>
-              <a:rPr lang="en-US" b="1" dirty="0"/>
-              <a:t>Web API </a:t>
-            </a:r>
-            <a:r>
-              <a:rPr lang="en-US" dirty="0"/>
-              <a:t>project template includes ASP.NET Core and MVC, with a sample application that demonstrates how to receive and process Ajax requests from clients. </a:t>
-            </a:r>
-          </a:p>
-          <a:p>
-            <a:pPr marL="342900" indent="-342900">
-              <a:buFont typeface="Wingdings" panose="05000000000000000000" pitchFamily="2" charset="2"/>
+              <a:rPr lang="en-US" sz="2000" dirty="0"/>
+              <a:t>Empty</a:t>
+            </a:r>
+          </a:p>
+          <a:p>
+            <a:pPr marL="609850" lvl="1" indent="-355600">
+              <a:buFont typeface="Wingdings" pitchFamily="2" charset="2"/>
               <a:buChar char="§"/>
             </a:pPr>
             <a:r>
-              <a:rPr lang="en-US" dirty="0"/>
-              <a:t>The </a:t>
-            </a:r>
-            <a:r>
-              <a:rPr lang="en-US" b="1" dirty="0"/>
-              <a:t>Web Application </a:t>
-            </a:r>
-            <a:r>
-              <a:rPr lang="en-US" dirty="0"/>
-              <a:t>project template includes ASP.NET Core and MVC, with a sample application that demonstrates how to generate HTML content. </a:t>
-            </a:r>
-          </a:p>
-          <a:p>
-            <a:pPr marL="342900" indent="-342900">
-              <a:buFont typeface="Wingdings" panose="05000000000000000000" pitchFamily="2" charset="2"/>
+              <a:rPr lang="en-US" sz="2400" dirty="0"/>
+              <a:t>Web API</a:t>
+            </a:r>
+          </a:p>
+          <a:p>
+            <a:pPr marL="609850" lvl="1" indent="-355600">
+              <a:buFont typeface="Wingdings" pitchFamily="2" charset="2"/>
               <a:buChar char="§"/>
             </a:pPr>
-            <a:endParaRPr lang="en-US" dirty="0"/>
-          </a:p>
-          <a:p>
-            <a:pPr marL="342900" indent="-342900">
-              <a:buFont typeface="Wingdings" panose="05000000000000000000" pitchFamily="2" charset="2"/>
+            <a:r>
+              <a:rPr lang="en-US" sz="2400" dirty="0"/>
+              <a:t>Web Application</a:t>
+            </a:r>
+          </a:p>
+          <a:p>
+            <a:endParaRPr lang="en-US" sz="2400" dirty="0"/>
+          </a:p>
+          <a:p>
+            <a:pPr marL="355600" indent="-355600">
+              <a:buFont typeface="Wingdings" pitchFamily="2" charset="2"/>
               <a:buChar char="§"/>
             </a:pPr>
             <a:r>
-              <a:rPr lang="en-US" b="1" dirty="0"/>
-              <a:t>Note:</a:t>
-            </a:r>
-            <a:r>
-              <a:rPr lang="en-US" dirty="0"/>
-              <a:t> The Web API and Web Application templates can be configured with different schemes for authenticating users and authorizing their access to the application.</a:t>
+              <a:rPr lang="en-US" sz="2400" dirty="0"/>
+              <a:t>Different authentication methods can be chosen.</a:t>
             </a:r>
           </a:p>
         </p:txBody>
@@ -19934,7 +19930,7 @@
     </p:spTree>
     <p:extLst>
       <p:ext uri="{BB962C8B-B14F-4D97-AF65-F5344CB8AC3E}">
-        <p14:creationId xmlns:p14="http://schemas.microsoft.com/office/powerpoint/2010/main" val="1626849442"/>
+        <p14:creationId xmlns:p14="http://schemas.microsoft.com/office/powerpoint/2010/main" val="1875665365"/>
       </p:ext>
     </p:extLst>
   </p:cSld>
@@ -19995,6 +19991,251 @@
           </a:p>
         </p:txBody>
       </p:sp>
+      <p:pic>
+        <p:nvPicPr>
+          <p:cNvPr id="4" name="Content Placeholder 3"/>
+          <p:cNvPicPr>
+            <a:picLocks noGrp="1" noChangeAspect="1"/>
+          </p:cNvPicPr>
+          <p:nvPr>
+            <p:ph idx="1"/>
+          </p:nvPr>
+        </p:nvPicPr>
+        <p:blipFill>
+          <a:blip r:embed="rId2"/>
+          <a:stretch>
+            <a:fillRect/>
+          </a:stretch>
+        </p:blipFill>
+        <p:spPr>
+          <a:xfrm>
+            <a:off x="2009554" y="1341438"/>
+            <a:ext cx="8344343" cy="4813300"/>
+          </a:xfrm>
+          <a:prstGeom prst="rect">
+            <a:avLst/>
+          </a:prstGeom>
+        </p:spPr>
+      </p:pic>
+    </p:spTree>
+    <p:extLst>
+      <p:ext uri="{BB962C8B-B14F-4D97-AF65-F5344CB8AC3E}">
+        <p14:creationId xmlns:p14="http://schemas.microsoft.com/office/powerpoint/2010/main" val="2835578448"/>
+      </p:ext>
+    </p:extLst>
+  </p:cSld>
+  <p:clrMapOvr>
+    <a:masterClrMapping/>
+  </p:clrMapOvr>
+  <mc:AlternateContent xmlns:mc="http://schemas.openxmlformats.org/markup-compatibility/2006" xmlns:p14="http://schemas.microsoft.com/office/powerpoint/2010/main">
+    <mc:Choice Requires="p14">
+      <p:transition spd="med" p14:dur="700">
+        <p:fade/>
+      </p:transition>
+    </mc:Choice>
+    <mc:Fallback xmlns="">
+      <p:transition spd="med">
+        <p:fade/>
+      </p:transition>
+    </mc:Fallback>
+  </mc:AlternateContent>
+</p:sld>
+</file>
+
+<file path=ppt/slides/slide52.xml><?xml version="1.0" encoding="utf-8"?>
+<p:sld xmlns:a="http://schemas.openxmlformats.org/drawingml/2006/main" xmlns:r="http://schemas.openxmlformats.org/officeDocument/2006/relationships" xmlns:p="http://schemas.openxmlformats.org/presentationml/2006/main">
+  <p:cSld>
+    <p:spTree>
+      <p:nvGrpSpPr>
+        <p:cNvPr id="1" name=""/>
+        <p:cNvGrpSpPr/>
+        <p:nvPr/>
+      </p:nvGrpSpPr>
+      <p:grpSpPr>
+        <a:xfrm>
+          <a:off x="0" y="0"/>
+          <a:ext cx="0" cy="0"/>
+          <a:chOff x="0" y="0"/>
+          <a:chExt cx="0" cy="0"/>
+        </a:xfrm>
+      </p:grpSpPr>
+      <p:sp>
+        <p:nvSpPr>
+          <p:cNvPr id="2" name="Title 1"/>
+          <p:cNvSpPr>
+            <a:spLocks noGrp="1"/>
+          </p:cNvSpPr>
+          <p:nvPr>
+            <p:ph type="title"/>
+          </p:nvPr>
+        </p:nvSpPr>
+        <p:spPr/>
+        <p:txBody>
+          <a:bodyPr/>
+          <a:lstStyle/>
+          <a:p>
+            <a:r>
+              <a:rPr lang="en-US" dirty="0"/>
+              <a:t>Visual Studio Project Templates</a:t>
+            </a:r>
+          </a:p>
+        </p:txBody>
+      </p:sp>
+      <p:sp>
+        <p:nvSpPr>
+          <p:cNvPr id="3" name="Content Placeholder 2"/>
+          <p:cNvSpPr>
+            <a:spLocks noGrp="1"/>
+          </p:cNvSpPr>
+          <p:nvPr>
+            <p:ph idx="1"/>
+          </p:nvPr>
+        </p:nvSpPr>
+        <p:spPr/>
+        <p:txBody>
+          <a:bodyPr/>
+          <a:lstStyle/>
+          <a:p>
+            <a:pPr marL="342900" indent="-342900">
+              <a:buFont typeface="Wingdings" panose="05000000000000000000" pitchFamily="2" charset="2"/>
+              <a:buChar char="§"/>
+            </a:pPr>
+            <a:r>
+              <a:rPr lang="en-US" dirty="0"/>
+              <a:t>The </a:t>
+            </a:r>
+            <a:r>
+              <a:rPr lang="en-US" b="1" dirty="0"/>
+              <a:t>Empty</a:t>
+            </a:r>
+            <a:r>
+              <a:rPr lang="en-US" dirty="0"/>
+              <a:t> project template contains the plumbing for ASP.NET Core but doesn’t include the libraries or configuration required for an MVC application. </a:t>
+            </a:r>
+          </a:p>
+          <a:p>
+            <a:pPr marL="342900" indent="-342900">
+              <a:buFont typeface="Wingdings" panose="05000000000000000000" pitchFamily="2" charset="2"/>
+              <a:buChar char="§"/>
+            </a:pPr>
+            <a:r>
+              <a:rPr lang="en-US" dirty="0"/>
+              <a:t>The </a:t>
+            </a:r>
+            <a:r>
+              <a:rPr lang="en-US" b="1" dirty="0"/>
+              <a:t>Web API </a:t>
+            </a:r>
+            <a:r>
+              <a:rPr lang="en-US" dirty="0"/>
+              <a:t>project template includes ASP.NET Core and MVC, with a sample application that demonstrates how to receive and process Ajax requests from clients. </a:t>
+            </a:r>
+          </a:p>
+          <a:p>
+            <a:pPr marL="342900" indent="-342900">
+              <a:buFont typeface="Wingdings" panose="05000000000000000000" pitchFamily="2" charset="2"/>
+              <a:buChar char="§"/>
+            </a:pPr>
+            <a:r>
+              <a:rPr lang="en-US" dirty="0"/>
+              <a:t>The </a:t>
+            </a:r>
+            <a:r>
+              <a:rPr lang="en-US" b="1" dirty="0"/>
+              <a:t>Web Application </a:t>
+            </a:r>
+            <a:r>
+              <a:rPr lang="en-US" dirty="0"/>
+              <a:t>project template includes ASP.NET Core and MVC, with a sample application that demonstrates how to generate HTML content. </a:t>
+            </a:r>
+          </a:p>
+          <a:p>
+            <a:pPr marL="342900" indent="-342900">
+              <a:buFont typeface="Wingdings" panose="05000000000000000000" pitchFamily="2" charset="2"/>
+              <a:buChar char="§"/>
+            </a:pPr>
+            <a:endParaRPr lang="en-US" dirty="0"/>
+          </a:p>
+          <a:p>
+            <a:pPr marL="342900" indent="-342900">
+              <a:buFont typeface="Wingdings" panose="05000000000000000000" pitchFamily="2" charset="2"/>
+              <a:buChar char="§"/>
+            </a:pPr>
+            <a:r>
+              <a:rPr lang="en-US" b="1" dirty="0"/>
+              <a:t>Note:</a:t>
+            </a:r>
+            <a:r>
+              <a:rPr lang="en-US" dirty="0"/>
+              <a:t> The Web API and Web Application templates can be configured with different schemes for authenticating users and authorizing their access to the application.</a:t>
+            </a:r>
+          </a:p>
+        </p:txBody>
+      </p:sp>
+    </p:spTree>
+    <p:extLst>
+      <p:ext uri="{BB962C8B-B14F-4D97-AF65-F5344CB8AC3E}">
+        <p14:creationId xmlns:p14="http://schemas.microsoft.com/office/powerpoint/2010/main" val="1626849442"/>
+      </p:ext>
+    </p:extLst>
+  </p:cSld>
+  <p:clrMapOvr>
+    <a:masterClrMapping/>
+  </p:clrMapOvr>
+  <mc:AlternateContent xmlns:mc="http://schemas.openxmlformats.org/markup-compatibility/2006" xmlns:p14="http://schemas.microsoft.com/office/powerpoint/2010/main">
+    <mc:Choice Requires="p14">
+      <p:transition spd="med" p14:dur="700">
+        <p:fade/>
+      </p:transition>
+    </mc:Choice>
+    <mc:Fallback xmlns="">
+      <p:transition spd="med">
+        <p:fade/>
+      </p:transition>
+    </mc:Fallback>
+  </mc:AlternateContent>
+</p:sld>
+</file>
+
+<file path=ppt/slides/slide53.xml><?xml version="1.0" encoding="utf-8"?>
+<p:sld xmlns:a="http://schemas.openxmlformats.org/drawingml/2006/main" xmlns:r="http://schemas.openxmlformats.org/officeDocument/2006/relationships" xmlns:p="http://schemas.openxmlformats.org/presentationml/2006/main">
+  <p:cSld>
+    <p:spTree>
+      <p:nvGrpSpPr>
+        <p:cNvPr id="1" name=""/>
+        <p:cNvGrpSpPr/>
+        <p:nvPr/>
+      </p:nvGrpSpPr>
+      <p:grpSpPr>
+        <a:xfrm>
+          <a:off x="0" y="0"/>
+          <a:ext cx="0" cy="0"/>
+          <a:chOff x="0" y="0"/>
+          <a:chExt cx="0" cy="0"/>
+        </a:xfrm>
+      </p:grpSpPr>
+      <p:sp>
+        <p:nvSpPr>
+          <p:cNvPr id="2" name="Title 1"/>
+          <p:cNvSpPr>
+            <a:spLocks noGrp="1"/>
+          </p:cNvSpPr>
+          <p:nvPr>
+            <p:ph type="title"/>
+          </p:nvPr>
+        </p:nvSpPr>
+        <p:spPr/>
+        <p:txBody>
+          <a:bodyPr/>
+          <a:lstStyle/>
+          <a:p>
+            <a:r>
+              <a:rPr lang="en-US" dirty="0"/>
+              <a:t>Visual Studio Project Templates</a:t>
+            </a:r>
+          </a:p>
+        </p:txBody>
+      </p:sp>
       <p:sp>
         <p:nvSpPr>
           <p:cNvPr id="3" name="Content Placeholder 2"/>
@@ -20080,7 +20321,7 @@
 </p:sld>
 </file>
 
-<file path=ppt/slides/slide52.xml><?xml version="1.0" encoding="utf-8"?>
+<file path=ppt/slides/slide54.xml><?xml version="1.0" encoding="utf-8"?>
 <p:sld xmlns:a="http://schemas.openxmlformats.org/drawingml/2006/main" xmlns:r="http://schemas.openxmlformats.org/officeDocument/2006/relationships" xmlns:p="http://schemas.openxmlformats.org/presentationml/2006/main">
   <p:cSld>
     <p:spTree>
@@ -20530,7 +20771,7 @@
 </p:sld>
 </file>
 
-<file path=ppt/slides/slide53.xml><?xml version="1.0" encoding="utf-8"?>
+<file path=ppt/slides/slide55.xml><?xml version="1.0" encoding="utf-8"?>
 <p:sld xmlns:a="http://schemas.openxmlformats.org/drawingml/2006/main" xmlns:r="http://schemas.openxmlformats.org/officeDocument/2006/relationships" xmlns:p="http://schemas.openxmlformats.org/presentationml/2006/main">
   <p:cSld>
     <p:spTree>
@@ -20909,7 +21150,7 @@
 </p:sld>
 </file>
 
-<file path=ppt/slides/slide54.xml><?xml version="1.0" encoding="utf-8"?>
+<file path=ppt/slides/slide56.xml><?xml version="1.0" encoding="utf-8"?>
 <p:sld xmlns:a="http://schemas.openxmlformats.org/drawingml/2006/main" xmlns:r="http://schemas.openxmlformats.org/officeDocument/2006/relationships" xmlns:p="http://schemas.openxmlformats.org/presentationml/2006/main">
   <p:cSld>
     <p:spTree>
@@ -21284,7 +21525,7 @@
 </p:sld>
 </file>
 
-<file path=ppt/slides/slide55.xml><?xml version="1.0" encoding="utf-8"?>
+<file path=ppt/slides/slide57.xml><?xml version="1.0" encoding="utf-8"?>
 <p:sld xmlns:a="http://schemas.openxmlformats.org/drawingml/2006/main" xmlns:r="http://schemas.openxmlformats.org/officeDocument/2006/relationships" xmlns:p="http://schemas.openxmlformats.org/presentationml/2006/main">
   <p:cSld>
     <p:spTree>
@@ -21765,7 +22006,7 @@
 </p:sld>
 </file>
 
-<file path=ppt/slides/slide56.xml><?xml version="1.0" encoding="utf-8"?>
+<file path=ppt/slides/slide58.xml><?xml version="1.0" encoding="utf-8"?>
 <p:sld xmlns:a="http://schemas.openxmlformats.org/drawingml/2006/main" xmlns:r="http://schemas.openxmlformats.org/officeDocument/2006/relationships" xmlns:p="http://schemas.openxmlformats.org/presentationml/2006/main">
   <p:cSld>
     <p:spTree>
@@ -22121,230 +22362,6 @@
 </p:sld>
 </file>
 
-<file path=ppt/slides/slide57.xml><?xml version="1.0" encoding="utf-8"?>
-<p:sld xmlns:a="http://schemas.openxmlformats.org/drawingml/2006/main" xmlns:r="http://schemas.openxmlformats.org/officeDocument/2006/relationships" xmlns:p="http://schemas.openxmlformats.org/presentationml/2006/main">
-  <p:cSld>
-    <p:spTree>
-      <p:nvGrpSpPr>
-        <p:cNvPr id="1" name=""/>
-        <p:cNvGrpSpPr/>
-        <p:nvPr/>
-      </p:nvGrpSpPr>
-      <p:grpSpPr>
-        <a:xfrm>
-          <a:off x="0" y="0"/>
-          <a:ext cx="0" cy="0"/>
-          <a:chOff x="0" y="0"/>
-          <a:chExt cx="0" cy="0"/>
-        </a:xfrm>
-      </p:grpSpPr>
-      <p:sp>
-        <p:nvSpPr>
-          <p:cNvPr id="2" name="Title 1"/>
-          <p:cNvSpPr>
-            <a:spLocks noGrp="1"/>
-          </p:cNvSpPr>
-          <p:nvPr>
-            <p:ph type="title"/>
-          </p:nvPr>
-        </p:nvSpPr>
-        <p:spPr/>
-        <p:txBody>
-          <a:bodyPr/>
-          <a:lstStyle/>
-          <a:p>
-            <a:r>
-              <a:rPr lang="en-US" dirty="0"/>
-              <a:t>Convention Over Configuration</a:t>
-            </a:r>
-          </a:p>
-        </p:txBody>
-      </p:sp>
-      <p:sp>
-        <p:nvSpPr>
-          <p:cNvPr id="3" name="Content Placeholder 2"/>
-          <p:cNvSpPr>
-            <a:spLocks noGrp="1"/>
-          </p:cNvSpPr>
-          <p:nvPr>
-            <p:ph idx="1"/>
-          </p:nvPr>
-        </p:nvSpPr>
-        <p:spPr/>
-        <p:txBody>
-          <a:bodyPr/>
-          <a:lstStyle/>
-          <a:p>
-            <a:pPr marL="342900" indent="-342900">
-              <a:buFont typeface="Wingdings" panose="05000000000000000000" pitchFamily="2" charset="2"/>
-              <a:buChar char="§"/>
-            </a:pPr>
-            <a:r>
-              <a:rPr lang="en-US" dirty="0"/>
-              <a:t>There are two kinds of conventions in an MVC project:</a:t>
-            </a:r>
-          </a:p>
-          <a:p>
-            <a:pPr marL="597150" lvl="1" indent="-342900" algn="just">
-              <a:buFont typeface="Wingdings" panose="05000000000000000000" pitchFamily="2" charset="2"/>
-              <a:buChar char="§"/>
-            </a:pPr>
-            <a:r>
-              <a:rPr lang="en-US" dirty="0"/>
-              <a:t>The first kind is just suggestions as to how you might like to structure your project. For example, it is conventional to put the third-party JavaScript and CSS packages you rely on in the </a:t>
-            </a:r>
-            <a:r>
-              <a:rPr lang="en-US" dirty="0" err="1"/>
-              <a:t>wwwroot</a:t>
-            </a:r>
-            <a:r>
-              <a:rPr lang="en-US" dirty="0"/>
-              <a:t>/lib folder. This is where other MVC developers would expect to find them and where the package manager will install them. But you are free to rename the lib folder, or remove it entirely and put your packages somewhere else. That would not prevent MVC from running your application as long as the script and link elements in your views refer to the location you settle on.</a:t>
-            </a:r>
-          </a:p>
-        </p:txBody>
-      </p:sp>
-    </p:spTree>
-    <p:extLst>
-      <p:ext uri="{BB962C8B-B14F-4D97-AF65-F5344CB8AC3E}">
-        <p14:creationId xmlns:p14="http://schemas.microsoft.com/office/powerpoint/2010/main" val="1083522951"/>
-      </p:ext>
-    </p:extLst>
-  </p:cSld>
-  <p:clrMapOvr>
-    <a:masterClrMapping/>
-  </p:clrMapOvr>
-  <mc:AlternateContent xmlns:mc="http://schemas.openxmlformats.org/markup-compatibility/2006" xmlns:p14="http://schemas.microsoft.com/office/powerpoint/2010/main">
-    <mc:Choice Requires="p14">
-      <p:transition spd="med" p14:dur="700">
-        <p:fade/>
-      </p:transition>
-    </mc:Choice>
-    <mc:Fallback xmlns="">
-      <p:transition spd="med">
-        <p:fade/>
-      </p:transition>
-    </mc:Fallback>
-  </mc:AlternateContent>
-</p:sld>
-</file>
-
-<file path=ppt/slides/slide58.xml><?xml version="1.0" encoding="utf-8"?>
-<p:sld xmlns:a="http://schemas.openxmlformats.org/drawingml/2006/main" xmlns:r="http://schemas.openxmlformats.org/officeDocument/2006/relationships" xmlns:p="http://schemas.openxmlformats.org/presentationml/2006/main">
-  <p:cSld>
-    <p:spTree>
-      <p:nvGrpSpPr>
-        <p:cNvPr id="1" name=""/>
-        <p:cNvGrpSpPr/>
-        <p:nvPr/>
-      </p:nvGrpSpPr>
-      <p:grpSpPr>
-        <a:xfrm>
-          <a:off x="0" y="0"/>
-          <a:ext cx="0" cy="0"/>
-          <a:chOff x="0" y="0"/>
-          <a:chExt cx="0" cy="0"/>
-        </a:xfrm>
-      </p:grpSpPr>
-      <p:sp>
-        <p:nvSpPr>
-          <p:cNvPr id="2" name="Title 1"/>
-          <p:cNvSpPr>
-            <a:spLocks noGrp="1"/>
-          </p:cNvSpPr>
-          <p:nvPr>
-            <p:ph type="title"/>
-          </p:nvPr>
-        </p:nvSpPr>
-        <p:spPr/>
-        <p:txBody>
-          <a:bodyPr/>
-          <a:lstStyle/>
-          <a:p>
-            <a:r>
-              <a:rPr lang="en-US" dirty="0"/>
-              <a:t>Convention Over Configuration</a:t>
-            </a:r>
-          </a:p>
-        </p:txBody>
-      </p:sp>
-      <p:sp>
-        <p:nvSpPr>
-          <p:cNvPr id="3" name="Content Placeholder 2"/>
-          <p:cNvSpPr>
-            <a:spLocks noGrp="1"/>
-          </p:cNvSpPr>
-          <p:nvPr>
-            <p:ph idx="1"/>
-          </p:nvPr>
-        </p:nvSpPr>
-        <p:spPr/>
-        <p:txBody>
-          <a:bodyPr/>
-          <a:lstStyle/>
-          <a:p>
-            <a:pPr marL="597150" lvl="1" indent="-342900" algn="just">
-              <a:buFont typeface="Wingdings" panose="05000000000000000000" pitchFamily="2" charset="2"/>
-              <a:buChar char="§"/>
-            </a:pPr>
-            <a:r>
-              <a:rPr lang="en-US" dirty="0"/>
-              <a:t>The other kind of convention arises from the principle of </a:t>
-            </a:r>
-            <a:r>
-              <a:rPr lang="en-US" i="1" dirty="0"/>
-              <a:t>convention over configuration </a:t>
-            </a:r>
-            <a:r>
-              <a:rPr lang="en-US" dirty="0"/>
-              <a:t>, which was one of the main selling points that made Ruby on Rails so popular. Convention over configuration means that you don’t need to explicitly configure associations between controllers and their views, for example. </a:t>
-            </a:r>
-          </a:p>
-          <a:p>
-            <a:pPr marL="597150" lvl="1" indent="-342900" algn="just">
-              <a:buFont typeface="Wingdings" panose="05000000000000000000" pitchFamily="2" charset="2"/>
-              <a:buChar char="§"/>
-            </a:pPr>
-            <a:endParaRPr lang="en-US" dirty="0"/>
-          </a:p>
-          <a:p>
-            <a:pPr marL="597150" lvl="1" indent="-342900" algn="just">
-              <a:buFont typeface="Wingdings" panose="05000000000000000000" pitchFamily="2" charset="2"/>
-              <a:buChar char="§"/>
-            </a:pPr>
-            <a:r>
-              <a:rPr lang="en-US" dirty="0"/>
-              <a:t>You just follow a certain naming convention for your files, and everything just works. There is less flexibility in changing your project structure when dealing with this kind of convention.</a:t>
-            </a:r>
-            <a:endParaRPr lang="en-US" sz="2400" dirty="0"/>
-          </a:p>
-        </p:txBody>
-      </p:sp>
-    </p:spTree>
-    <p:extLst>
-      <p:ext uri="{BB962C8B-B14F-4D97-AF65-F5344CB8AC3E}">
-        <p14:creationId xmlns:p14="http://schemas.microsoft.com/office/powerpoint/2010/main" val="4152506549"/>
-      </p:ext>
-    </p:extLst>
-  </p:cSld>
-  <p:clrMapOvr>
-    <a:masterClrMapping/>
-  </p:clrMapOvr>
-  <mc:AlternateContent xmlns:mc="http://schemas.openxmlformats.org/markup-compatibility/2006" xmlns:p14="http://schemas.microsoft.com/office/powerpoint/2010/main">
-    <mc:Choice Requires="p14">
-      <p:transition spd="med" p14:dur="700">
-        <p:fade/>
-      </p:transition>
-    </mc:Choice>
-    <mc:Fallback xmlns="">
-      <p:transition spd="med">
-        <p:fade/>
-      </p:transition>
-    </mc:Fallback>
-  </mc:AlternateContent>
-</p:sld>
-</file>
-
 <file path=ppt/slides/slide59.xml><?xml version="1.0" encoding="utf-8"?>
 <p:sld xmlns:a="http://schemas.openxmlformats.org/drawingml/2006/main" xmlns:r="http://schemas.openxmlformats.org/officeDocument/2006/relationships" xmlns:p="http://schemas.openxmlformats.org/presentationml/2006/main">
   <p:cSld>
@@ -22400,114 +22417,38 @@
           <a:lstStyle/>
           <a:p>
             <a:pPr marL="342900" indent="-342900">
-              <a:buFont typeface="Wingdings" pitchFamily="2" charset="2"/>
+              <a:buFont typeface="Wingdings" panose="05000000000000000000" pitchFamily="2" charset="2"/>
               <a:buChar char="§"/>
             </a:pPr>
             <a:r>
-              <a:rPr lang="en-US" sz="2400" dirty="0"/>
-              <a:t>By following a certain naming convention, everything “works”.</a:t>
-            </a:r>
-          </a:p>
-          <a:p>
-            <a:pPr marL="342900" indent="-342900">
-              <a:buFont typeface="Wingdings" pitchFamily="2" charset="2"/>
+              <a:rPr lang="en-US" dirty="0"/>
+              <a:t>There are two kinds of conventions in an MVC project:</a:t>
+            </a:r>
+          </a:p>
+          <a:p>
+            <a:pPr marL="597150" lvl="1" indent="-342900" algn="just">
+              <a:buFont typeface="Wingdings" panose="05000000000000000000" pitchFamily="2" charset="2"/>
               <a:buChar char="§"/>
             </a:pPr>
-            <a:endParaRPr lang="en-US" sz="2400" dirty="0"/>
-          </a:p>
-          <a:p>
-            <a:pPr marL="342900" indent="-342900">
-              <a:buFont typeface="Wingdings" pitchFamily="2" charset="2"/>
-              <a:buChar char="§"/>
-            </a:pPr>
-            <a:r>
-              <a:rPr lang="en-US" sz="2400" dirty="0"/>
-              <a:t>Principles</a:t>
-            </a:r>
-          </a:p>
-          <a:p>
-            <a:pPr marL="597150" lvl="1" indent="-342900">
-              <a:buFont typeface="Wingdings" pitchFamily="2" charset="2"/>
-              <a:buChar char="§"/>
-            </a:pPr>
-            <a:r>
-              <a:rPr lang="en-US" sz="2000" dirty="0"/>
-              <a:t>avoid configuring things that can be inferred;</a:t>
-            </a:r>
-          </a:p>
-          <a:p>
-            <a:pPr marL="597150" lvl="1" indent="-342900">
-              <a:buFont typeface="Wingdings" pitchFamily="2" charset="2"/>
-              <a:buChar char="§"/>
-            </a:pPr>
-            <a:r>
-              <a:rPr lang="en-US" sz="2000" dirty="0"/>
-              <a:t>all convention-based defaults can be overridden.</a:t>
-            </a:r>
-          </a:p>
-          <a:p>
-            <a:pPr marL="597150" lvl="1" indent="-342900">
-              <a:buFont typeface="Wingdings" pitchFamily="2" charset="2"/>
-              <a:buChar char="§"/>
-            </a:pPr>
-            <a:endParaRPr lang="en-US" sz="2000" dirty="0"/>
-          </a:p>
-          <a:p>
-            <a:pPr marL="342900" indent="-342900">
-              <a:buFont typeface="Wingdings" pitchFamily="2" charset="2"/>
-              <a:buChar char="§"/>
-            </a:pPr>
-            <a:r>
-              <a:rPr lang="en-US" sz="2400" dirty="0"/>
-              <a:t>Example:</a:t>
-            </a:r>
-          </a:p>
-          <a:p>
-            <a:pPr marL="597150" lvl="1" indent="-342900">
-              <a:buFont typeface="Wingdings" pitchFamily="2" charset="2"/>
-              <a:buChar char="§"/>
-            </a:pPr>
-            <a:r>
-              <a:rPr lang="en-US" sz="2000" dirty="0"/>
-              <a:t>No need to explicitly configure associations between </a:t>
-            </a:r>
-            <a:r>
-              <a:rPr lang="en-US" sz="2000" b="1" dirty="0"/>
-              <a:t>controllers</a:t>
-            </a:r>
-            <a:r>
-              <a:rPr lang="en-US" sz="2000" dirty="0"/>
-              <a:t> and their </a:t>
-            </a:r>
-            <a:r>
-              <a:rPr lang="en-US" sz="2000" b="1" dirty="0"/>
-              <a:t>views</a:t>
-            </a:r>
-            <a:r>
-              <a:rPr lang="en-US" sz="2000" dirty="0"/>
-              <a:t>;</a:t>
-            </a:r>
-          </a:p>
-          <a:p>
-            <a:pPr marL="342900" indent="-342900">
-              <a:buFont typeface="Wingdings" pitchFamily="2" charset="2"/>
-              <a:buChar char="§"/>
-            </a:pPr>
-            <a:endParaRPr lang="en-US" sz="2400" dirty="0"/>
-          </a:p>
-          <a:p>
-            <a:pPr marL="342900" indent="-342900">
-              <a:buFont typeface="Wingdings" pitchFamily="2" charset="2"/>
-              <a:buChar char="§"/>
-            </a:pPr>
-            <a:endParaRPr lang="en-US" sz="2400" dirty="0"/>
+            <a:r>
+              <a:rPr lang="en-US" dirty="0"/>
+              <a:t>The first kind is just suggestions as to how you might like to structure your project. For example, it is conventional to put the third-party JavaScript and CSS packages you rely on in the </a:t>
+            </a:r>
+            <a:r>
+              <a:rPr lang="en-US" dirty="0" err="1"/>
+              <a:t>wwwroot</a:t>
+            </a:r>
+            <a:r>
+              <a:rPr lang="en-US" dirty="0"/>
+              <a:t>/lib folder. This is where other MVC developers would expect to find them and where the package manager will install them. But you are free to rename the lib folder, or remove it entirely and put your packages somewhere else. That would not prevent MVC from running your application as long as the script and link elements in your views refer to the location you settle on.</a:t>
+            </a:r>
           </a:p>
         </p:txBody>
       </p:sp>
     </p:spTree>
     <p:extLst>
       <p:ext uri="{BB962C8B-B14F-4D97-AF65-F5344CB8AC3E}">
-        <p14:creationId xmlns:p14="http://schemas.microsoft.com/office/powerpoint/2010/main" val="1686078650"/>
+        <p14:creationId xmlns:p14="http://schemas.microsoft.com/office/powerpoint/2010/main" val="1083522951"/>
       </p:ext>
     </p:extLst>
   </p:cSld>
@@ -22783,69 +22724,47 @@
           <a:bodyPr/>
           <a:lstStyle/>
           <a:p>
-            <a:pPr marL="342900" indent="-342900">
-              <a:buFont typeface="Wingdings" pitchFamily="2" charset="2"/>
+            <a:pPr marL="597150" lvl="1" indent="-342900" algn="just">
+              <a:buFont typeface="Wingdings" panose="05000000000000000000" pitchFamily="2" charset="2"/>
               <a:buChar char="§"/>
             </a:pPr>
             <a:r>
-              <a:rPr lang="en-US" sz="2400" dirty="0"/>
-              <a:t>Three core directions:</a:t>
-            </a:r>
-          </a:p>
-          <a:p>
-            <a:pPr marL="597150" lvl="1" indent="-342900">
-              <a:buFont typeface="Wingdings" pitchFamily="2" charset="2"/>
+              <a:rPr lang="en-US" dirty="0"/>
+              <a:t>The other kind of convention arises from the principle of </a:t>
+            </a:r>
+            <a:r>
+              <a:rPr lang="en-US" i="1" dirty="0"/>
+              <a:t>convention over configuration </a:t>
+            </a:r>
+            <a:r>
+              <a:rPr lang="en-US" dirty="0"/>
+              <a:t>, which was one of the main selling points that made Ruby on Rails so popular. Convention over configuration means that you don’t need to explicitly configure associations between controllers and their views, for example. </a:t>
+            </a:r>
+          </a:p>
+          <a:p>
+            <a:pPr marL="597150" lvl="1" indent="-342900" algn="just">
+              <a:buFont typeface="Wingdings" panose="05000000000000000000" pitchFamily="2" charset="2"/>
               <a:buChar char="§"/>
             </a:pPr>
-            <a:r>
-              <a:rPr lang="en-US" sz="2000" dirty="0"/>
-              <a:t>Controllers;</a:t>
-            </a:r>
-          </a:p>
-          <a:p>
-            <a:pPr marL="597150" lvl="1" indent="-342900">
-              <a:buFont typeface="Wingdings" pitchFamily="2" charset="2"/>
+            <a:endParaRPr lang="en-US" dirty="0"/>
+          </a:p>
+          <a:p>
+            <a:pPr marL="597150" lvl="1" indent="-342900" algn="just">
+              <a:buFont typeface="Wingdings" panose="05000000000000000000" pitchFamily="2" charset="2"/>
               <a:buChar char="§"/>
             </a:pPr>
             <a:r>
-              <a:rPr lang="en-US" sz="2000" dirty="0"/>
-              <a:t>Models;</a:t>
-            </a:r>
-          </a:p>
-          <a:p>
-            <a:pPr marL="597150" lvl="1" indent="-342900">
-              <a:buFont typeface="Wingdings" pitchFamily="2" charset="2"/>
-              <a:buChar char="§"/>
-            </a:pPr>
-            <a:r>
-              <a:rPr lang="en-US" sz="2000" dirty="0"/>
-              <a:t>Views.</a:t>
-            </a:r>
-          </a:p>
-          <a:p>
-            <a:pPr marL="597150" lvl="1" indent="-342900">
-              <a:buFont typeface="Wingdings" pitchFamily="2" charset="2"/>
-              <a:buChar char="§"/>
-            </a:pPr>
-            <a:endParaRPr lang="en-US" sz="2000" dirty="0"/>
-          </a:p>
-          <a:p>
-            <a:pPr marL="342900" indent="-342900">
-              <a:buFont typeface="Wingdings" pitchFamily="2" charset="2"/>
-              <a:buChar char="§"/>
-            </a:pPr>
-            <a:r>
-              <a:rPr lang="en-US" sz="2400" dirty="0"/>
-              <a:t>Following common conventions and using a software design pattern facilitates code understanding even in large applications.</a:t>
-            </a:r>
-            <a:endParaRPr lang="en-US" dirty="0"/>
+              <a:rPr lang="en-US" dirty="0"/>
+              <a:t>You just follow a certain naming convention for your files, and everything just works. There is less flexibility in changing your project structure when dealing with this kind of convention.</a:t>
+            </a:r>
+            <a:endParaRPr lang="en-US" sz="2400" dirty="0"/>
           </a:p>
         </p:txBody>
       </p:sp>
     </p:spTree>
     <p:extLst>
       <p:ext uri="{BB962C8B-B14F-4D97-AF65-F5344CB8AC3E}">
-        <p14:creationId xmlns:p14="http://schemas.microsoft.com/office/powerpoint/2010/main" val="938784215"/>
+        <p14:creationId xmlns:p14="http://schemas.microsoft.com/office/powerpoint/2010/main" val="4152506549"/>
       </p:ext>
     </p:extLst>
   </p:cSld>
@@ -22901,7 +22820,7 @@
           <a:p>
             <a:r>
               <a:rPr lang="en-US" dirty="0"/>
-              <a:t>Controller Conventions</a:t>
+              <a:t>Convention Over Configuration</a:t>
             </a:r>
           </a:p>
         </p:txBody>
@@ -22927,15 +22846,7 @@
             </a:pPr>
             <a:r>
               <a:rPr lang="en-US" sz="2400" dirty="0"/>
-              <a:t>All controller classes end in “Controller” (ex: </a:t>
-            </a:r>
-            <a:r>
-              <a:rPr lang="en-US" sz="2400" dirty="0" err="1"/>
-              <a:t>HomeController</a:t>
-            </a:r>
-            <a:r>
-              <a:rPr lang="en-US" sz="2400" dirty="0"/>
-              <a:t>”);</a:t>
+              <a:t>By following a certain naming convention, everything “works”.</a:t>
             </a:r>
           </a:p>
           <a:p>
@@ -22952,7 +22863,70 @@
             </a:pPr>
             <a:r>
               <a:rPr lang="en-US" sz="2400" dirty="0"/>
-              <a:t>Controllers are referenced only by the first part in their names;</a:t>
+              <a:t>Principles</a:t>
+            </a:r>
+          </a:p>
+          <a:p>
+            <a:pPr marL="597150" lvl="1" indent="-342900">
+              <a:buFont typeface="Wingdings" pitchFamily="2" charset="2"/>
+              <a:buChar char="§"/>
+            </a:pPr>
+            <a:r>
+              <a:rPr lang="en-US" sz="2000" dirty="0"/>
+              <a:t>avoid configuring things that can be inferred;</a:t>
+            </a:r>
+          </a:p>
+          <a:p>
+            <a:pPr marL="597150" lvl="1" indent="-342900">
+              <a:buFont typeface="Wingdings" pitchFamily="2" charset="2"/>
+              <a:buChar char="§"/>
+            </a:pPr>
+            <a:r>
+              <a:rPr lang="en-US" sz="2000" dirty="0"/>
+              <a:t>all convention-based defaults can be overridden.</a:t>
+            </a:r>
+          </a:p>
+          <a:p>
+            <a:pPr marL="597150" lvl="1" indent="-342900">
+              <a:buFont typeface="Wingdings" pitchFamily="2" charset="2"/>
+              <a:buChar char="§"/>
+            </a:pPr>
+            <a:endParaRPr lang="en-US" sz="2000" dirty="0"/>
+          </a:p>
+          <a:p>
+            <a:pPr marL="342900" indent="-342900">
+              <a:buFont typeface="Wingdings" pitchFamily="2" charset="2"/>
+              <a:buChar char="§"/>
+            </a:pPr>
+            <a:r>
+              <a:rPr lang="en-US" sz="2400" dirty="0"/>
+              <a:t>Example:</a:t>
+            </a:r>
+          </a:p>
+          <a:p>
+            <a:pPr marL="597150" lvl="1" indent="-342900">
+              <a:buFont typeface="Wingdings" pitchFamily="2" charset="2"/>
+              <a:buChar char="§"/>
+            </a:pPr>
+            <a:r>
+              <a:rPr lang="en-US" sz="2000" dirty="0"/>
+              <a:t>No need to explicitly configure associations between </a:t>
+            </a:r>
+            <a:r>
+              <a:rPr lang="en-US" sz="2000" b="1" dirty="0"/>
+              <a:t>controllers</a:t>
+            </a:r>
+            <a:r>
+              <a:rPr lang="en-US" sz="2000" dirty="0"/>
+              <a:t> and their </a:t>
+            </a:r>
+            <a:r>
+              <a:rPr lang="en-US" sz="2000" b="1" dirty="0"/>
+              <a:t>views</a:t>
+            </a:r>
+            <a:r>
+              <a:rPr lang="en-US" sz="2000" dirty="0"/>
+              <a:t>;</a:t>
             </a:r>
           </a:p>
           <a:p>
@@ -22967,47 +22941,6 @@
               <a:buFont typeface="Wingdings" pitchFamily="2" charset="2"/>
               <a:buChar char="§"/>
             </a:pPr>
-            <a:r>
-              <a:rPr lang="en-US" sz="2400" dirty="0"/>
-              <a:t>New controller conventions can be created by implementing </a:t>
-            </a:r>
-            <a:r>
-              <a:rPr lang="en-US" sz="2400" dirty="0" err="1"/>
-              <a:t>IControllerFactory</a:t>
-            </a:r>
-            <a:r>
-              <a:rPr lang="en-US" sz="2400" dirty="0"/>
-              <a:t>.</a:t>
-            </a:r>
-          </a:p>
-          <a:p>
-            <a:pPr marL="342900" indent="-342900">
-              <a:buFont typeface="Wingdings" pitchFamily="2" charset="2"/>
-              <a:buChar char="§"/>
-            </a:pPr>
-            <a:endParaRPr lang="en-US" sz="2400" dirty="0"/>
-          </a:p>
-          <a:p>
-            <a:endParaRPr lang="en-US" sz="2400" dirty="0"/>
-          </a:p>
-          <a:p>
-            <a:pPr marL="342900" indent="-342900">
-              <a:buFont typeface="Wingdings" pitchFamily="2" charset="2"/>
-              <a:buChar char="§"/>
-            </a:pPr>
-            <a:endParaRPr lang="en-US" sz="2400" dirty="0"/>
-          </a:p>
-          <a:p>
-            <a:pPr marL="342900" indent="-342900">
-              <a:buFont typeface="Wingdings" pitchFamily="2" charset="2"/>
-              <a:buChar char="§"/>
-            </a:pPr>
-            <a:endParaRPr lang="en-US" sz="2400" dirty="0"/>
-          </a:p>
-          <a:p>
-            <a:endParaRPr lang="en-US" sz="2400" dirty="0"/>
-          </a:p>
-          <a:p>
             <a:endParaRPr lang="en-US" sz="2400" dirty="0"/>
           </a:p>
         </p:txBody>
@@ -23015,7 +22948,7 @@
     </p:spTree>
     <p:extLst>
       <p:ext uri="{BB962C8B-B14F-4D97-AF65-F5344CB8AC3E}">
-        <p14:creationId xmlns:p14="http://schemas.microsoft.com/office/powerpoint/2010/main" val="904107891"/>
+        <p14:creationId xmlns:p14="http://schemas.microsoft.com/office/powerpoint/2010/main" val="1686078650"/>
       </p:ext>
     </p:extLst>
   </p:cSld>
@@ -23071,7 +23004,7 @@
           <a:p>
             <a:r>
               <a:rPr lang="en-US" dirty="0"/>
-              <a:t>View Conventions</a:t>
+              <a:t>Convention Over Configuration</a:t>
             </a:r>
           </a:p>
         </p:txBody>
@@ -23097,19 +23030,7 @@
             </a:pPr>
             <a:r>
               <a:rPr lang="en-US" sz="2400" dirty="0"/>
-              <a:t>Views and partial views should be located in the folder </a:t>
-            </a:r>
-            <a:r>
-              <a:rPr lang="en-US" sz="2400" b="1" dirty="0"/>
-              <a:t>/Views/</a:t>
-            </a:r>
-            <a:r>
-              <a:rPr lang="en-US" sz="2400" b="1" dirty="0" err="1"/>
-              <a:t>ControllerName</a:t>
-            </a:r>
-            <a:r>
-              <a:rPr lang="en-US" sz="2400" b="1" dirty="0"/>
-              <a:t>.</a:t>
+              <a:t>Three core directions:</a:t>
             </a:r>
           </a:p>
           <a:p>
@@ -23118,17 +23039,35 @@
               <a:buChar char="§"/>
             </a:pPr>
             <a:r>
-              <a:rPr lang="en-US" sz="2000" b="1" dirty="0"/>
-              <a:t>ex: </a:t>
-            </a:r>
-            <a:r>
               <a:rPr lang="en-US" sz="2000" dirty="0"/>
-              <a:t>/Views/Home for the </a:t>
-            </a:r>
-            <a:r>
-              <a:rPr lang="en-US" sz="2000" dirty="0" err="1"/>
-              <a:t>HomeController</a:t>
-            </a:r>
+              <a:t>Controllers;</a:t>
+            </a:r>
+          </a:p>
+          <a:p>
+            <a:pPr marL="597150" lvl="1" indent="-342900">
+              <a:buFont typeface="Wingdings" pitchFamily="2" charset="2"/>
+              <a:buChar char="§"/>
+            </a:pPr>
+            <a:r>
+              <a:rPr lang="en-US" sz="2000" dirty="0"/>
+              <a:t>Models;</a:t>
+            </a:r>
+          </a:p>
+          <a:p>
+            <a:pPr marL="597150" lvl="1" indent="-342900">
+              <a:buFont typeface="Wingdings" pitchFamily="2" charset="2"/>
+              <a:buChar char="§"/>
+            </a:pPr>
+            <a:r>
+              <a:rPr lang="en-US" sz="2000" dirty="0"/>
+              <a:t>Views.</a:t>
+            </a:r>
+          </a:p>
+          <a:p>
+            <a:pPr marL="597150" lvl="1" indent="-342900">
+              <a:buFont typeface="Wingdings" pitchFamily="2" charset="2"/>
+              <a:buChar char="§"/>
+            </a:pPr>
             <a:endParaRPr lang="en-US" sz="2000" dirty="0"/>
           </a:p>
           <a:p>
@@ -23136,98 +23075,18 @@
               <a:buFont typeface="Wingdings" pitchFamily="2" charset="2"/>
               <a:buChar char="§"/>
             </a:pPr>
-            <a:endParaRPr lang="en-US" sz="2400" dirty="0"/>
-          </a:p>
-          <a:p>
-            <a:pPr marL="342900" indent="-342900">
-              <a:buFont typeface="Wingdings" pitchFamily="2" charset="2"/>
-              <a:buChar char="§"/>
-            </a:pPr>
             <a:r>
               <a:rPr lang="en-US" sz="2400" dirty="0"/>
-              <a:t>The default view for an action should be named after that method.</a:t>
-            </a:r>
-          </a:p>
-          <a:p>
-            <a:pPr marL="597150" lvl="1" indent="-342900">
-              <a:buFont typeface="Wingdings" pitchFamily="2" charset="2"/>
-              <a:buChar char="§"/>
-            </a:pPr>
-            <a:r>
-              <a:rPr lang="en-US" sz="2000" b="1" dirty="0"/>
-              <a:t>ex: </a:t>
-            </a:r>
-            <a:r>
-              <a:rPr lang="en-US" sz="2000" dirty="0"/>
-              <a:t>for an action </a:t>
-            </a:r>
-            <a:r>
-              <a:rPr lang="en-US" sz="2000" b="1" dirty="0"/>
-              <a:t>Index</a:t>
-            </a:r>
-            <a:r>
-              <a:rPr lang="en-US" sz="2000" dirty="0"/>
-              <a:t>, the view should be named </a:t>
-            </a:r>
-            <a:r>
-              <a:rPr lang="en-US" sz="2000" b="1" dirty="0" err="1"/>
-              <a:t>Index.cshtml</a:t>
-            </a:r>
-            <a:endParaRPr lang="en-US" sz="2000" b="1" dirty="0"/>
-          </a:p>
-          <a:p>
-            <a:pPr marL="597150" lvl="1" indent="-342900">
-              <a:buFont typeface="Wingdings" pitchFamily="2" charset="2"/>
-              <a:buChar char="§"/>
-            </a:pPr>
-            <a:endParaRPr lang="en-US" sz="2000" b="1" dirty="0"/>
-          </a:p>
-          <a:p>
-            <a:pPr marL="342900" indent="-342900">
-              <a:buFont typeface="Wingdings" pitchFamily="2" charset="2"/>
-              <a:buChar char="§"/>
-            </a:pPr>
-            <a:r>
-              <a:rPr lang="en-US" sz="2400" dirty="0"/>
-              <a:t>Choosing the right view:</a:t>
+              <a:t>Following common conventions and using a software design pattern facilitates code understanding even in large applications.</a:t>
             </a:r>
             <a:endParaRPr lang="en-US" dirty="0"/>
-          </a:p>
-          <a:p>
-            <a:pPr marL="597150" lvl="1" indent="-342900">
-              <a:buFont typeface="Wingdings" pitchFamily="2" charset="2"/>
-              <a:buChar char="§"/>
-            </a:pPr>
-            <a:r>
-              <a:rPr lang="en-US" sz="2000" dirty="0"/>
-              <a:t>The default view will be used for: </a:t>
-            </a:r>
-            <a:r>
-              <a:rPr lang="en-US" sz="2000" b="1" dirty="0"/>
-              <a:t>return View();</a:t>
-            </a:r>
-          </a:p>
-          <a:p>
-            <a:pPr marL="597150" lvl="1" indent="-342900">
-              <a:buFont typeface="Wingdings" pitchFamily="2" charset="2"/>
-              <a:buChar char="§"/>
-            </a:pPr>
-            <a:r>
-              <a:rPr lang="en-US" sz="2000" dirty="0"/>
-              <a:t>A different view can be specified by name: </a:t>
-            </a:r>
-            <a:r>
-              <a:rPr lang="en-US" sz="2000" b="1" dirty="0"/>
-              <a:t>return View(“Other”);</a:t>
-            </a:r>
-            <a:endParaRPr lang="en-US" sz="2000" dirty="0"/>
           </a:p>
         </p:txBody>
       </p:sp>
     </p:spTree>
     <p:extLst>
       <p:ext uri="{BB962C8B-B14F-4D97-AF65-F5344CB8AC3E}">
-        <p14:creationId xmlns:p14="http://schemas.microsoft.com/office/powerpoint/2010/main" val="2222646946"/>
+        <p14:creationId xmlns:p14="http://schemas.microsoft.com/office/powerpoint/2010/main" val="938784215"/>
       </p:ext>
     </p:extLst>
   </p:cSld>
@@ -23283,7 +23142,7 @@
           <a:p>
             <a:r>
               <a:rPr lang="en-US" dirty="0"/>
-              <a:t>Layout Conventions</a:t>
+              <a:t>Controller Conventions</a:t>
             </a:r>
           </a:p>
         </p:txBody>
@@ -23309,65 +23168,15 @@
             </a:pPr>
             <a:r>
               <a:rPr lang="en-US" sz="2400" dirty="0"/>
-              <a:t>Layout file names are prefixed with </a:t>
-            </a:r>
-            <a:r>
-              <a:rPr lang="en-US" sz="2400" b="1" dirty="0"/>
-              <a:t>“_”</a:t>
+              <a:t>All controller classes end in “Controller” (ex: </a:t>
+            </a:r>
+            <a:r>
+              <a:rPr lang="en-US" sz="2400" dirty="0" err="1"/>
+              <a:t>HomeController</a:t>
             </a:r>
             <a:r>
               <a:rPr lang="en-US" sz="2400" dirty="0"/>
-              <a:t> (underscore);</a:t>
-            </a:r>
-          </a:p>
-          <a:p>
-            <a:pPr marL="342900" indent="-342900">
-              <a:buFont typeface="Wingdings" pitchFamily="2" charset="2"/>
-              <a:buChar char="§"/>
-            </a:pPr>
-            <a:r>
-              <a:rPr lang="en-US" sz="2400" dirty="0"/>
-              <a:t>Layouts are placed in the folder </a:t>
-            </a:r>
-            <a:r>
-              <a:rPr lang="en-US" sz="2400" b="1" dirty="0"/>
-              <a:t>/Views/Shared/</a:t>
-            </a:r>
-            <a:r>
-              <a:rPr lang="en-US" sz="2400" dirty="0"/>
-              <a:t>;</a:t>
-            </a:r>
-          </a:p>
-          <a:p>
-            <a:pPr marL="342900" indent="-342900">
-              <a:buFont typeface="Wingdings" pitchFamily="2" charset="2"/>
-              <a:buChar char="§"/>
-            </a:pPr>
-            <a:r>
-              <a:rPr lang="en-US" sz="2400" dirty="0"/>
-              <a:t>The default layout can be changed in </a:t>
-            </a:r>
-            <a:r>
-              <a:rPr lang="en-US" sz="2400" b="1" dirty="0"/>
-              <a:t>_</a:t>
-            </a:r>
-            <a:r>
-              <a:rPr lang="en-US" sz="2400" b="1" dirty="0" err="1"/>
-              <a:t>ViewStart.cshtml</a:t>
-            </a:r>
-            <a:r>
-              <a:rPr lang="en-US" sz="2400" dirty="0"/>
-              <a:t>;</a:t>
-            </a:r>
-          </a:p>
-          <a:p>
-            <a:pPr marL="342900" indent="-342900">
-              <a:buFont typeface="Wingdings" pitchFamily="2" charset="2"/>
-              <a:buChar char="§"/>
-            </a:pPr>
-            <a:r>
-              <a:rPr lang="en-US" sz="2400" dirty="0"/>
-              <a:t>Specific layouts can be defined for every view:</a:t>
+              <a:t>”);</a:t>
             </a:r>
           </a:p>
           <a:p>
@@ -23378,36 +23187,13 @@
             <a:endParaRPr lang="en-US" sz="2400" dirty="0"/>
           </a:p>
           <a:p>
-            <a:pPr algn="ctr"/>
-            <a:r>
-              <a:rPr lang="en-US" sz="2400" b="1" dirty="0"/>
-              <a:t>ex: </a:t>
-            </a:r>
-            <a:r>
-              <a:rPr lang="en-US" sz="2400" dirty="0"/>
-              <a:t>@{Layout = “~Views/Shared/_</a:t>
-            </a:r>
-            <a:r>
-              <a:rPr lang="en-US" sz="2400" dirty="0" err="1"/>
-              <a:t>OtherLayout.cshtml</a:t>
-            </a:r>
-            <a:r>
-              <a:rPr lang="en-US" sz="2400" dirty="0"/>
-              <a:t>”; }</a:t>
-            </a:r>
-          </a:p>
-          <a:p>
-            <a:pPr algn="ctr"/>
-            <a:endParaRPr lang="en-US" sz="2400" dirty="0"/>
-          </a:p>
-          <a:p>
             <a:pPr marL="342900" indent="-342900">
               <a:buFont typeface="Wingdings" pitchFamily="2" charset="2"/>
               <a:buChar char="§"/>
             </a:pPr>
             <a:r>
               <a:rPr lang="en-US" sz="2400" dirty="0"/>
-              <a:t>Layouts can be disabled for a given view:</a:t>
+              <a:t>Controllers are referenced only by the first part in their names;</a:t>
             </a:r>
           </a:p>
           <a:p>
@@ -23418,15 +23204,49 @@
             <a:endParaRPr lang="en-US" sz="2400" dirty="0"/>
           </a:p>
           <a:p>
-            <a:pPr algn="ctr"/>
-            <a:r>
-              <a:rPr lang="en-US" sz="2400" b="1" dirty="0"/>
-              <a:t>ex:</a:t>
-            </a:r>
+            <a:pPr marL="342900" indent="-342900">
+              <a:buFont typeface="Wingdings" pitchFamily="2" charset="2"/>
+              <a:buChar char="§"/>
+            </a:pPr>
             <a:r>
               <a:rPr lang="en-US" sz="2400" dirty="0"/>
-              <a:t> @{Layout = null;}</a:t>
-            </a:r>
+              <a:t>New controller conventions can be created by implementing </a:t>
+            </a:r>
+            <a:r>
+              <a:rPr lang="en-US" sz="2400" dirty="0" err="1"/>
+              <a:t>IControllerFactory</a:t>
+            </a:r>
+            <a:r>
+              <a:rPr lang="en-US" sz="2400" dirty="0"/>
+              <a:t>.</a:t>
+            </a:r>
+          </a:p>
+          <a:p>
+            <a:pPr marL="342900" indent="-342900">
+              <a:buFont typeface="Wingdings" pitchFamily="2" charset="2"/>
+              <a:buChar char="§"/>
+            </a:pPr>
+            <a:endParaRPr lang="en-US" sz="2400" dirty="0"/>
+          </a:p>
+          <a:p>
+            <a:endParaRPr lang="en-US" sz="2400" dirty="0"/>
+          </a:p>
+          <a:p>
+            <a:pPr marL="342900" indent="-342900">
+              <a:buFont typeface="Wingdings" pitchFamily="2" charset="2"/>
+              <a:buChar char="§"/>
+            </a:pPr>
+            <a:endParaRPr lang="en-US" sz="2400" dirty="0"/>
+          </a:p>
+          <a:p>
+            <a:pPr marL="342900" indent="-342900">
+              <a:buFont typeface="Wingdings" pitchFamily="2" charset="2"/>
+              <a:buChar char="§"/>
+            </a:pPr>
+            <a:endParaRPr lang="en-US" sz="2400" dirty="0"/>
+          </a:p>
+          <a:p>
+            <a:endParaRPr lang="en-US" sz="2400" dirty="0"/>
           </a:p>
           <a:p>
             <a:endParaRPr lang="en-US" sz="2400" dirty="0"/>
@@ -23436,7 +23256,7 @@
     </p:spTree>
     <p:extLst>
       <p:ext uri="{BB962C8B-B14F-4D97-AF65-F5344CB8AC3E}">
-        <p14:creationId xmlns:p14="http://schemas.microsoft.com/office/powerpoint/2010/main" val="2011649495"/>
+        <p14:creationId xmlns:p14="http://schemas.microsoft.com/office/powerpoint/2010/main" val="904107891"/>
       </p:ext>
     </p:extLst>
   </p:cSld>
@@ -23477,7 +23297,7 @@
       </p:grpSpPr>
       <p:sp>
         <p:nvSpPr>
-          <p:cNvPr id="4" name="Title 3"/>
+          <p:cNvPr id="2" name="Title 1"/>
           <p:cNvSpPr>
             <a:spLocks noGrp="1"/>
           </p:cNvSpPr>
@@ -23492,15 +23312,163 @@
           <a:p>
             <a:r>
               <a:rPr lang="en-US" dirty="0"/>
-              <a:t>A More Complex Project</a:t>
-            </a:r>
+              <a:t>View Conventions</a:t>
+            </a:r>
+          </a:p>
+        </p:txBody>
+      </p:sp>
+      <p:sp>
+        <p:nvSpPr>
+          <p:cNvPr id="3" name="Content Placeholder 2"/>
+          <p:cNvSpPr>
+            <a:spLocks noGrp="1"/>
+          </p:cNvSpPr>
+          <p:nvPr>
+            <p:ph idx="1"/>
+          </p:nvPr>
+        </p:nvSpPr>
+        <p:spPr/>
+        <p:txBody>
+          <a:bodyPr/>
+          <a:lstStyle/>
+          <a:p>
+            <a:pPr marL="342900" indent="-342900">
+              <a:buFont typeface="Wingdings" pitchFamily="2" charset="2"/>
+              <a:buChar char="§"/>
+            </a:pPr>
+            <a:r>
+              <a:rPr lang="en-US" sz="2400" dirty="0"/>
+              <a:t>Views and partial views should be located in the folder </a:t>
+            </a:r>
+            <a:r>
+              <a:rPr lang="en-US" sz="2400" b="1" dirty="0"/>
+              <a:t>/Views/</a:t>
+            </a:r>
+            <a:r>
+              <a:rPr lang="en-US" sz="2400" b="1" dirty="0" err="1"/>
+              <a:t>ControllerName</a:t>
+            </a:r>
+            <a:r>
+              <a:rPr lang="en-US" sz="2400" b="1" dirty="0"/>
+              <a:t>.</a:t>
+            </a:r>
+          </a:p>
+          <a:p>
+            <a:pPr marL="597150" lvl="1" indent="-342900">
+              <a:buFont typeface="Wingdings" pitchFamily="2" charset="2"/>
+              <a:buChar char="§"/>
+            </a:pPr>
+            <a:r>
+              <a:rPr lang="en-US" sz="2000" b="1" dirty="0"/>
+              <a:t>ex: </a:t>
+            </a:r>
+            <a:r>
+              <a:rPr lang="en-US" sz="2000" dirty="0"/>
+              <a:t>/Views/Home for the </a:t>
+            </a:r>
+            <a:r>
+              <a:rPr lang="en-US" sz="2000" dirty="0" err="1"/>
+              <a:t>HomeController</a:t>
+            </a:r>
+            <a:endParaRPr lang="en-US" sz="2000" dirty="0"/>
+          </a:p>
+          <a:p>
+            <a:pPr marL="342900" indent="-342900">
+              <a:buFont typeface="Wingdings" pitchFamily="2" charset="2"/>
+              <a:buChar char="§"/>
+            </a:pPr>
+            <a:endParaRPr lang="en-US" sz="2400" dirty="0"/>
+          </a:p>
+          <a:p>
+            <a:pPr marL="342900" indent="-342900">
+              <a:buFont typeface="Wingdings" pitchFamily="2" charset="2"/>
+              <a:buChar char="§"/>
+            </a:pPr>
+            <a:r>
+              <a:rPr lang="en-US" sz="2400" dirty="0"/>
+              <a:t>The default view for an action should be named after that method.</a:t>
+            </a:r>
+          </a:p>
+          <a:p>
+            <a:pPr marL="597150" lvl="1" indent="-342900">
+              <a:buFont typeface="Wingdings" pitchFamily="2" charset="2"/>
+              <a:buChar char="§"/>
+            </a:pPr>
+            <a:r>
+              <a:rPr lang="en-US" sz="2000" b="1" dirty="0"/>
+              <a:t>ex: </a:t>
+            </a:r>
+            <a:r>
+              <a:rPr lang="en-US" sz="2000" dirty="0"/>
+              <a:t>for an action </a:t>
+            </a:r>
+            <a:r>
+              <a:rPr lang="en-US" sz="2000" b="1" dirty="0"/>
+              <a:t>Index</a:t>
+            </a:r>
+            <a:r>
+              <a:rPr lang="en-US" sz="2000" dirty="0"/>
+              <a:t>, the view should be named </a:t>
+            </a:r>
+            <a:r>
+              <a:rPr lang="en-US" sz="2000" b="1" dirty="0" err="1"/>
+              <a:t>Index.cshtml</a:t>
+            </a:r>
+            <a:endParaRPr lang="en-US" sz="2000" b="1" dirty="0"/>
+          </a:p>
+          <a:p>
+            <a:pPr marL="597150" lvl="1" indent="-342900">
+              <a:buFont typeface="Wingdings" pitchFamily="2" charset="2"/>
+              <a:buChar char="§"/>
+            </a:pPr>
+            <a:endParaRPr lang="en-US" sz="2000" b="1" dirty="0"/>
+          </a:p>
+          <a:p>
+            <a:pPr marL="342900" indent="-342900">
+              <a:buFont typeface="Wingdings" pitchFamily="2" charset="2"/>
+              <a:buChar char="§"/>
+            </a:pPr>
+            <a:r>
+              <a:rPr lang="en-US" sz="2400" dirty="0"/>
+              <a:t>Choosing the right view:</a:t>
+            </a:r>
+            <a:endParaRPr lang="en-US" dirty="0"/>
+          </a:p>
+          <a:p>
+            <a:pPr marL="597150" lvl="1" indent="-342900">
+              <a:buFont typeface="Wingdings" pitchFamily="2" charset="2"/>
+              <a:buChar char="§"/>
+            </a:pPr>
+            <a:r>
+              <a:rPr lang="en-US" sz="2000" dirty="0"/>
+              <a:t>The default view will be used for: </a:t>
+            </a:r>
+            <a:r>
+              <a:rPr lang="en-US" sz="2000" b="1" dirty="0"/>
+              <a:t>return View();</a:t>
+            </a:r>
+          </a:p>
+          <a:p>
+            <a:pPr marL="597150" lvl="1" indent="-342900">
+              <a:buFont typeface="Wingdings" pitchFamily="2" charset="2"/>
+              <a:buChar char="§"/>
+            </a:pPr>
+            <a:r>
+              <a:rPr lang="en-US" sz="2000" dirty="0"/>
+              <a:t>A different view can be specified by name: </a:t>
+            </a:r>
+            <a:r>
+              <a:rPr lang="en-US" sz="2000" b="1" dirty="0"/>
+              <a:t>return View(“Other”);</a:t>
+            </a:r>
+            <a:endParaRPr lang="en-US" sz="2000" dirty="0"/>
           </a:p>
         </p:txBody>
       </p:sp>
     </p:spTree>
     <p:extLst>
       <p:ext uri="{BB962C8B-B14F-4D97-AF65-F5344CB8AC3E}">
-        <p14:creationId xmlns:p14="http://schemas.microsoft.com/office/powerpoint/2010/main" val="340639697"/>
+        <p14:creationId xmlns:p14="http://schemas.microsoft.com/office/powerpoint/2010/main" val="2222646946"/>
       </p:ext>
     </p:extLst>
   </p:cSld>
@@ -23509,12 +23477,12 @@
   </p:clrMapOvr>
   <mc:AlternateContent xmlns:mc="http://schemas.openxmlformats.org/markup-compatibility/2006" xmlns:p14="http://schemas.microsoft.com/office/powerpoint/2010/main">
     <mc:Choice Requires="p14">
-      <p:transition spd="med" p14:dur="700" advClick="0" advTm="1500">
+      <p:transition spd="med" p14:dur="700">
         <p:fade/>
       </p:transition>
     </mc:Choice>
     <mc:Fallback xmlns="">
-      <p:transition spd="med" advClick="0" advTm="1500">
+      <p:transition spd="med">
         <p:fade/>
       </p:transition>
     </mc:Fallback>
@@ -23541,7 +23509,7 @@
       </p:grpSpPr>
       <p:sp>
         <p:nvSpPr>
-          <p:cNvPr id="3" name="Title 2"/>
+          <p:cNvPr id="2" name="Title 1"/>
           <p:cNvSpPr>
             <a:spLocks noGrp="1"/>
           </p:cNvSpPr>
@@ -23554,19 +23522,16 @@
           <a:bodyPr/>
           <a:lstStyle/>
           <a:p>
-            <a:endParaRPr lang="en-US" dirty="0"/>
+            <a:r>
+              <a:rPr lang="en-US" dirty="0"/>
+              <a:t>Layout Conventions</a:t>
+            </a:r>
           </a:p>
         </p:txBody>
       </p:sp>
       <p:sp>
         <p:nvSpPr>
-          <p:cNvPr id="2" name="Content Placeholder 1">
-            <a:extLst>
-              <a:ext uri="{FF2B5EF4-FFF2-40B4-BE49-F238E27FC236}">
-                <a16:creationId xmlns:a16="http://schemas.microsoft.com/office/drawing/2014/main" id="{2D36982F-D34D-46EB-9902-077661A0033C}"/>
-              </a:ext>
-            </a:extLst>
-          </p:cNvPr>
+          <p:cNvPr id="3" name="Content Placeholder 2"/>
           <p:cNvSpPr>
             <a:spLocks noGrp="1"/>
           </p:cNvSpPr>
@@ -23579,51 +23544,140 @@
           <a:bodyPr/>
           <a:lstStyle/>
           <a:p>
-            <a:r>
-              <a:rPr lang="en-US" dirty="0">
-                <a:hlinkClick r:id="rId2"/>
-              </a:rPr>
-              <a:t>https://github.com/liviucotfas/ase-web-and-cloud-applications-security/</a:t>
-            </a:r>
-            <a:endParaRPr lang="en-US" dirty="0"/>
-          </a:p>
-          <a:p>
-            <a:endParaRPr lang="en-US" dirty="0"/>
-          </a:p>
-        </p:txBody>
-      </p:sp>
-      <p:sp>
-        <p:nvSpPr>
-          <p:cNvPr id="4" name="Text Placeholder 3">
-            <a:extLst>
-              <a:ext uri="{FF2B5EF4-FFF2-40B4-BE49-F238E27FC236}">
-                <a16:creationId xmlns:a16="http://schemas.microsoft.com/office/drawing/2014/main" id="{748B2038-01EE-4AC4-985D-9389ED27FE49}"/>
-              </a:ext>
-            </a:extLst>
-          </p:cNvPr>
-          <p:cNvSpPr>
-            <a:spLocks noGrp="1"/>
-          </p:cNvSpPr>
-          <p:nvPr>
-            <p:ph type="body" sz="quarter" idx="10"/>
-          </p:nvPr>
-        </p:nvSpPr>
-        <p:spPr/>
-        <p:txBody>
-          <a:bodyPr/>
-          <a:lstStyle/>
-          <a:p>
-            <a:r>
-              <a:rPr lang="en-US" dirty="0"/>
-              <a:t>Demo</a:t>
-            </a:r>
+            <a:pPr marL="342900" indent="-342900">
+              <a:buFont typeface="Wingdings" pitchFamily="2" charset="2"/>
+              <a:buChar char="§"/>
+            </a:pPr>
+            <a:r>
+              <a:rPr lang="en-US" sz="2400" dirty="0"/>
+              <a:t>Layout file names are prefixed with </a:t>
+            </a:r>
+            <a:r>
+              <a:rPr lang="en-US" sz="2400" b="1" dirty="0"/>
+              <a:t>“_”</a:t>
+            </a:r>
+            <a:r>
+              <a:rPr lang="en-US" sz="2400" dirty="0"/>
+              <a:t> (underscore);</a:t>
+            </a:r>
+          </a:p>
+          <a:p>
+            <a:pPr marL="342900" indent="-342900">
+              <a:buFont typeface="Wingdings" pitchFamily="2" charset="2"/>
+              <a:buChar char="§"/>
+            </a:pPr>
+            <a:r>
+              <a:rPr lang="en-US" sz="2400" dirty="0"/>
+              <a:t>Layouts are placed in the folder </a:t>
+            </a:r>
+            <a:r>
+              <a:rPr lang="en-US" sz="2400" b="1" dirty="0"/>
+              <a:t>/Views/Shared/</a:t>
+            </a:r>
+            <a:r>
+              <a:rPr lang="en-US" sz="2400" dirty="0"/>
+              <a:t>;</a:t>
+            </a:r>
+          </a:p>
+          <a:p>
+            <a:pPr marL="342900" indent="-342900">
+              <a:buFont typeface="Wingdings" pitchFamily="2" charset="2"/>
+              <a:buChar char="§"/>
+            </a:pPr>
+            <a:r>
+              <a:rPr lang="en-US" sz="2400" dirty="0"/>
+              <a:t>The default layout can be changed in </a:t>
+            </a:r>
+            <a:r>
+              <a:rPr lang="en-US" sz="2400" b="1" dirty="0"/>
+              <a:t>_</a:t>
+            </a:r>
+            <a:r>
+              <a:rPr lang="en-US" sz="2400" b="1" dirty="0" err="1"/>
+              <a:t>ViewStart.cshtml</a:t>
+            </a:r>
+            <a:r>
+              <a:rPr lang="en-US" sz="2400" dirty="0"/>
+              <a:t>;</a:t>
+            </a:r>
+          </a:p>
+          <a:p>
+            <a:pPr marL="342900" indent="-342900">
+              <a:buFont typeface="Wingdings" pitchFamily="2" charset="2"/>
+              <a:buChar char="§"/>
+            </a:pPr>
+            <a:r>
+              <a:rPr lang="en-US" sz="2400" dirty="0"/>
+              <a:t>Specific layouts can be defined for every view:</a:t>
+            </a:r>
+          </a:p>
+          <a:p>
+            <a:pPr marL="342900" indent="-342900">
+              <a:buFont typeface="Wingdings" pitchFamily="2" charset="2"/>
+              <a:buChar char="§"/>
+            </a:pPr>
+            <a:endParaRPr lang="en-US" sz="2400" dirty="0"/>
+          </a:p>
+          <a:p>
+            <a:pPr algn="ctr"/>
+            <a:r>
+              <a:rPr lang="en-US" sz="2400" b="1" dirty="0"/>
+              <a:t>ex: </a:t>
+            </a:r>
+            <a:r>
+              <a:rPr lang="en-US" sz="2400" dirty="0"/>
+              <a:t>@{Layout = “~Views/Shared/_</a:t>
+            </a:r>
+            <a:r>
+              <a:rPr lang="en-US" sz="2400" dirty="0" err="1"/>
+              <a:t>OtherLayout.cshtml</a:t>
+            </a:r>
+            <a:r>
+              <a:rPr lang="en-US" sz="2400" dirty="0"/>
+              <a:t>”; }</a:t>
+            </a:r>
+          </a:p>
+          <a:p>
+            <a:pPr algn="ctr"/>
+            <a:endParaRPr lang="en-US" sz="2400" dirty="0"/>
+          </a:p>
+          <a:p>
+            <a:pPr marL="342900" indent="-342900">
+              <a:buFont typeface="Wingdings" pitchFamily="2" charset="2"/>
+              <a:buChar char="§"/>
+            </a:pPr>
+            <a:r>
+              <a:rPr lang="en-US" sz="2400" dirty="0"/>
+              <a:t>Layouts can be disabled for a given view:</a:t>
+            </a:r>
+          </a:p>
+          <a:p>
+            <a:pPr marL="342900" indent="-342900">
+              <a:buFont typeface="Wingdings" pitchFamily="2" charset="2"/>
+              <a:buChar char="§"/>
+            </a:pPr>
+            <a:endParaRPr lang="en-US" sz="2400" dirty="0"/>
+          </a:p>
+          <a:p>
+            <a:pPr algn="ctr"/>
+            <a:r>
+              <a:rPr lang="en-US" sz="2400" b="1" dirty="0"/>
+              <a:t>ex:</a:t>
+            </a:r>
+            <a:r>
+              <a:rPr lang="en-US" sz="2400" dirty="0"/>
+              <a:t> @{Layout = null;}</a:t>
+            </a:r>
+          </a:p>
+          <a:p>
+            <a:endParaRPr lang="en-US" sz="2400" dirty="0"/>
           </a:p>
         </p:txBody>
       </p:sp>
     </p:spTree>
     <p:extLst>
       <p:ext uri="{BB962C8B-B14F-4D97-AF65-F5344CB8AC3E}">
-        <p14:creationId xmlns:p14="http://schemas.microsoft.com/office/powerpoint/2010/main" val="307389231"/>
+        <p14:creationId xmlns:p14="http://schemas.microsoft.com/office/powerpoint/2010/main" val="2011649495"/>
       </p:ext>
     </p:extLst>
   </p:cSld>

--- a/Presentation ASPNET MVC Core - Part I.pptx
+++ b/Presentation ASPNET MVC Core - Part I.pptx
@@ -189,7 +189,7 @@
             <p14:sldId id="687"/>
           </p14:sldIdLst>
         </p14:section>
-        <p14:section name="Summary Section" id="{27B4E447-1066-4B01-B811-45DF516D46D3}">
+        <p14:section name="Table of Contents" id="{27B4E447-1066-4B01-B811-45DF516D46D3}">
           <p14:sldIdLst>
             <p14:sldId id="776"/>
           </p14:sldIdLst>
@@ -381,7 +381,7 @@
           <a:p>
             <a:fld id="{CD54E0B9-A397-428E-BA01-CD7A34B572EB}" type="datetimeFigureOut">
               <a:rPr lang="en-US" smtClean="0"/>
-              <a:t>5/17/2021</a:t>
+              <a:t>5/21/2021</a:t>
             </a:fld>
             <a:endParaRPr lang="en-US"/>
           </a:p>
@@ -546,7 +546,7 @@
           <a:p>
             <a:fld id="{AA161301-18C9-4CA0-A0BF-791B6E0DDD4D}" type="datetimeFigureOut">
               <a:rPr lang="en-GB" smtClean="0"/>
-              <a:t>17/05/2021</a:t>
+              <a:t>21/05/2021</a:t>
             </a:fld>
             <a:endParaRPr lang="en-GB"/>
           </a:p>

--- a/Presentation ASPNET MVC Core - Part I.pptx
+++ b/Presentation ASPNET MVC Core - Part I.pptx
@@ -381,7 +381,7 @@
           <a:p>
             <a:fld id="{CD54E0B9-A397-428E-BA01-CD7A34B572EB}" type="datetimeFigureOut">
               <a:rPr lang="en-US" smtClean="0"/>
-              <a:t>5/21/2021</a:t>
+              <a:t>5/22/2021</a:t>
             </a:fld>
             <a:endParaRPr lang="en-US"/>
           </a:p>
@@ -546,7 +546,7 @@
           <a:p>
             <a:fld id="{AA161301-18C9-4CA0-A0BF-791B6E0DDD4D}" type="datetimeFigureOut">
               <a:rPr lang="en-GB" smtClean="0"/>
-              <a:t>21/05/2021</a:t>
+              <a:t>22/05/2021</a:t>
             </a:fld>
             <a:endParaRPr lang="en-GB"/>
           </a:p>
@@ -15538,7 +15538,31 @@
             </a:r>
             <a:r>
               <a:rPr lang="en-US" dirty="0"/>
-              <a:t>Model-View-Controller Pattern separates an application into three main components: the model, the view, and the controller. The controller interacts with the model based on the requirements of the request. It renders the appropriate view and supplies it with the necessary data to display.</a:t>
+              <a:t>Model-View-Controller Pattern separates an application into three main components: the </a:t>
+            </a:r>
+            <a:r>
+              <a:rPr lang="en-US" b="1" dirty="0"/>
+              <a:t>model</a:t>
+            </a:r>
+            <a:r>
+              <a:rPr lang="en-US" dirty="0"/>
+              <a:t>, the </a:t>
+            </a:r>
+            <a:r>
+              <a:rPr lang="en-US" b="1" dirty="0"/>
+              <a:t>view</a:t>
+            </a:r>
+            <a:r>
+              <a:rPr lang="en-US" dirty="0"/>
+              <a:t>, and the </a:t>
+            </a:r>
+            <a:r>
+              <a:rPr lang="en-US" b="1" dirty="0"/>
+              <a:t>controller</a:t>
+            </a:r>
+            <a:r>
+              <a:rPr lang="en-US" dirty="0"/>
+              <a:t>. The controller interacts with the model based on the requirements of the request. It renders the appropriate view and supplies it with the necessary data to display.</a:t>
             </a:r>
             <a:endParaRPr lang="ro-RO" dirty="0"/>
           </a:p>
@@ -23865,7 +23889,7 @@
               <a:rPr lang="en-US" u="sng" dirty="0">
                 <a:hlinkClick r:id="rId3"/>
               </a:rPr>
-              <a:t>https://docs.microsoft.com/en-us/dotnet/api/?view=net-5.0</a:t>
+              <a:t>https://docs.microsoft.com/en-us/dotnet/api</a:t>
             </a:r>
             <a:endParaRPr lang="en-US" u="sng" dirty="0"/>
           </a:p>

--- a/Presentation ASPNET MVC Core - Part I.pptx
+++ b/Presentation ASPNET MVC Core - Part I.pptx
@@ -5,10 +5,10 @@
     <p:sldMasterId id="2147483648" r:id="rId1"/>
   </p:sldMasterIdLst>
   <p:notesMasterIdLst>
-    <p:notesMasterId r:id="rId68"/>
+    <p:notesMasterId r:id="rId67"/>
   </p:notesMasterIdLst>
   <p:handoutMasterIdLst>
-    <p:handoutMasterId r:id="rId69"/>
+    <p:handoutMasterId r:id="rId68"/>
   </p:handoutMasterIdLst>
   <p:sldIdLst>
     <p:sldId id="493" r:id="rId2"/>
@@ -61,22 +61,21 @@
     <p:sldId id="756" r:id="rId49"/>
     <p:sldId id="757" r:id="rId50"/>
     <p:sldId id="732" r:id="rId51"/>
-    <p:sldId id="758" r:id="rId52"/>
-    <p:sldId id="759" r:id="rId53"/>
-    <p:sldId id="760" r:id="rId54"/>
-    <p:sldId id="733" r:id="rId55"/>
-    <p:sldId id="761" r:id="rId56"/>
-    <p:sldId id="762" r:id="rId57"/>
-    <p:sldId id="763" r:id="rId58"/>
-    <p:sldId id="764" r:id="rId59"/>
-    <p:sldId id="734" r:id="rId60"/>
-    <p:sldId id="772" r:id="rId61"/>
-    <p:sldId id="771" r:id="rId62"/>
-    <p:sldId id="766" r:id="rId63"/>
-    <p:sldId id="767" r:id="rId64"/>
-    <p:sldId id="768" r:id="rId65"/>
-    <p:sldId id="769" r:id="rId66"/>
-    <p:sldId id="729" r:id="rId67"/>
+    <p:sldId id="759" r:id="rId52"/>
+    <p:sldId id="760" r:id="rId53"/>
+    <p:sldId id="733" r:id="rId54"/>
+    <p:sldId id="761" r:id="rId55"/>
+    <p:sldId id="762" r:id="rId56"/>
+    <p:sldId id="763" r:id="rId57"/>
+    <p:sldId id="764" r:id="rId58"/>
+    <p:sldId id="734" r:id="rId59"/>
+    <p:sldId id="772" r:id="rId60"/>
+    <p:sldId id="771" r:id="rId61"/>
+    <p:sldId id="766" r:id="rId62"/>
+    <p:sldId id="767" r:id="rId63"/>
+    <p:sldId id="768" r:id="rId64"/>
+    <p:sldId id="769" r:id="rId65"/>
+    <p:sldId id="729" r:id="rId66"/>
   </p:sldIdLst>
   <p:sldSz cx="12192000" cy="6858000"/>
   <p:notesSz cx="9928225" cy="6797675"/>
@@ -254,7 +253,6 @@
           <p14:sldIdLst>
             <p14:sldId id="757"/>
             <p14:sldId id="732"/>
-            <p14:sldId id="758"/>
             <p14:sldId id="759"/>
             <p14:sldId id="760"/>
             <p14:sldId id="733"/>
@@ -381,7 +379,7 @@
           <a:p>
             <a:fld id="{CD54E0B9-A397-428E-BA01-CD7A34B572EB}" type="datetimeFigureOut">
               <a:rPr lang="en-US" smtClean="0"/>
-              <a:t>5/22/2021</a:t>
+              <a:t>5/23/2021</a:t>
             </a:fld>
             <a:endParaRPr lang="en-US"/>
           </a:p>
@@ -546,7 +544,7 @@
           <a:p>
             <a:fld id="{AA161301-18C9-4CA0-A0BF-791B6E0DDD4D}" type="datetimeFigureOut">
               <a:rPr lang="en-GB" smtClean="0"/>
-              <a:t>22/05/2021</a:t>
+              <a:t>23/05/2021</a:t>
             </a:fld>
             <a:endParaRPr lang="en-GB"/>
           </a:p>
@@ -969,7 +967,7 @@
           <a:p>
             <a:fld id="{0BF20BA8-12AF-476D-99B2-894C09A4EE62}" type="slidenum">
               <a:rPr lang="en-GB" smtClean="0"/>
-              <a:t>58</a:t>
+              <a:t>57</a:t>
             </a:fld>
             <a:endParaRPr lang="en-GB"/>
           </a:p>
@@ -1356,45 +1354,6 @@
           <a:bodyPr/>
           <a:lstStyle/>
           <a:p>
-            <a:pPr marL="0" marR="0" indent="0" algn="l" defTabSz="914400" rtl="0" eaLnBrk="1" fontAlgn="auto" latinLnBrk="0" hangingPunct="1">
-              <a:lnSpc>
-                <a:spcPct val="100000"/>
-              </a:lnSpc>
-              <a:spcBef>
-                <a:spcPts val="0"/>
-              </a:spcBef>
-              <a:spcAft>
-                <a:spcPts val="0"/>
-              </a:spcAft>
-              <a:buClrTx/>
-              <a:buSzTx/>
-              <a:buFontTx/>
-              <a:buNone/>
-              <a:tabLst/>
-              <a:defRPr/>
-            </a:pPr>
-            <a:r>
-              <a:rPr lang="en-US" sz="1200" dirty="0"/>
-              <a:t>The </a:t>
-            </a:r>
-            <a:r>
-              <a:rPr lang="en-US" sz="1200" b="1" dirty="0"/>
-              <a:t>Internet</a:t>
-            </a:r>
-            <a:r>
-              <a:rPr lang="en-US" sz="1200" dirty="0"/>
-              <a:t> and </a:t>
-            </a:r>
-            <a:r>
-              <a:rPr lang="en-US" sz="1200" b="1" dirty="0"/>
-              <a:t>Intranet Application </a:t>
-            </a:r>
-            <a:r>
-              <a:rPr lang="en-US" sz="1200" dirty="0"/>
-              <a:t>templates offer a more complete starting point that already implements authentication mechanisms.</a:t>
-            </a:r>
-          </a:p>
-          <a:p>
             <a:endParaRPr lang="en-US" dirty="0"/>
           </a:p>
         </p:txBody>
@@ -1503,7 +1462,7 @@
           <a:p>
             <a:fld id="{0BF20BA8-12AF-476D-99B2-894C09A4EE62}" type="slidenum">
               <a:rPr lang="en-GB" smtClean="0"/>
-              <a:t>54</a:t>
+              <a:t>53</a:t>
             </a:fld>
             <a:endParaRPr lang="en-GB"/>
           </a:p>
@@ -1590,7 +1549,7 @@
           <a:p>
             <a:fld id="{0BF20BA8-12AF-476D-99B2-894C09A4EE62}" type="slidenum">
               <a:rPr lang="en-GB" smtClean="0"/>
-              <a:t>55</a:t>
+              <a:t>54</a:t>
             </a:fld>
             <a:endParaRPr lang="en-GB"/>
           </a:p>
@@ -1677,7 +1636,7 @@
           <a:p>
             <a:fld id="{0BF20BA8-12AF-476D-99B2-894C09A4EE62}" type="slidenum">
               <a:rPr lang="en-GB" smtClean="0"/>
-              <a:t>56</a:t>
+              <a:t>55</a:t>
             </a:fld>
             <a:endParaRPr lang="en-GB"/>
           </a:p>
@@ -1764,7 +1723,7 @@
           <a:p>
             <a:fld id="{0BF20BA8-12AF-476D-99B2-894C09A4EE62}" type="slidenum">
               <a:rPr lang="en-GB" smtClean="0"/>
-              <a:t>57</a:t>
+              <a:t>56</a:t>
             </a:fld>
             <a:endParaRPr lang="en-GB"/>
           </a:p>
@@ -17889,16 +17848,9 @@
               <a:buFont typeface="Wingdings" panose="05000000000000000000" pitchFamily="2" charset="2"/>
               <a:buChar char="§"/>
             </a:pPr>
-            <a:endParaRPr lang="en-US" dirty="0"/>
-          </a:p>
-          <a:p>
-            <a:pPr marL="342900" indent="-342900" algn="just">
-              <a:buFont typeface="Wingdings" panose="05000000000000000000" pitchFamily="2" charset="2"/>
-              <a:buChar char="§"/>
-            </a:pPr>
-            <a:r>
-              <a:rPr lang="en-US" dirty="0"/>
-              <a:t>implements the MVC pattern and, in doing so, provides a greatly improved separation of concerns when compared to Web Forms.</a:t>
+            <a:r>
+              <a:rPr lang="en-US" dirty="0"/>
+              <a:t>The ASP.NET MVC architecture gives you a great start in making your application maintainable and testable because you naturally separate different application concerns into independent pieces. </a:t>
             </a:r>
           </a:p>
           <a:p>
@@ -18387,7 +18339,7 @@
             </a:pPr>
             <a:r>
               <a:rPr lang="en-US" dirty="0"/>
-              <a:t>ASP.NET Core MVC produces clean, standards-compliant markup. Its built-in </a:t>
+              <a:t>ASP.NET produces clean, standards-compliant markup. Its built-in </a:t>
             </a:r>
             <a:r>
               <a:rPr lang="en-US" b="1" dirty="0"/>
@@ -18403,10 +18355,7 @@
               <a:buFont typeface="Wingdings" panose="05000000000000000000" pitchFamily="2" charset="2"/>
               <a:buChar char="§"/>
             </a:pPr>
-            <a:r>
-              <a:rPr lang="en-US" dirty="0"/>
-              <a:t>ASP.NET Core MVC encourages you to craft simple, elegant markup styled with CSS. </a:t>
-            </a:r>
+            <a:endParaRPr lang="en-US" dirty="0"/>
           </a:p>
           <a:p>
             <a:pPr marL="342900" indent="-342900">
@@ -18415,7 +18364,7 @@
             </a:pPr>
             <a:r>
               <a:rPr lang="en-US" dirty="0"/>
-              <a:t>ASP.NET Core MVC makes it easy to use best-of-breed client-side libraries such as jQuery, Angular, or the Bootstrap CSS library. ASP.NET.  Core MVC meshes so well with these libraries that Microsoft includes support for them as built-in parts of the standard Visual Studio project template for web applications. </a:t>
+              <a:t>ASP.NET encourages you to craft simple, elegant markup styled with CSS. </a:t>
             </a:r>
           </a:p>
           <a:p>
@@ -18423,9 +18372,33 @@
               <a:buFont typeface="Wingdings" panose="05000000000000000000" pitchFamily="2" charset="2"/>
               <a:buChar char="§"/>
             </a:pPr>
-            <a:r>
-              <a:rPr lang="en-US" dirty="0"/>
-              <a:t>ASP.NET Core MVC works in tune with HTTP. You have control over the requests passing between the browser and server, so you can fine-tune your user experience as much as you like. Ajax is made easy, and creating web services to receive browser HTTP requests is a simple process.</a:t>
+            <a:endParaRPr lang="en-US" dirty="0"/>
+          </a:p>
+          <a:p>
+            <a:pPr marL="342900" indent="-342900">
+              <a:buFont typeface="Wingdings" panose="05000000000000000000" pitchFamily="2" charset="2"/>
+              <a:buChar char="§"/>
+            </a:pPr>
+            <a:r>
+              <a:rPr lang="en-US" dirty="0"/>
+              <a:t>ASP.NET makes it easy to use client-side libraries such as jQuery, Angular, or the Bootstrap CSS library. </a:t>
+            </a:r>
+          </a:p>
+          <a:p>
+            <a:pPr marL="342900" indent="-342900">
+              <a:buFont typeface="Wingdings" panose="05000000000000000000" pitchFamily="2" charset="2"/>
+              <a:buChar char="§"/>
+            </a:pPr>
+            <a:endParaRPr lang="en-US" dirty="0"/>
+          </a:p>
+          <a:p>
+            <a:pPr marL="342900" indent="-342900">
+              <a:buFont typeface="Wingdings" panose="05000000000000000000" pitchFamily="2" charset="2"/>
+              <a:buChar char="§"/>
+            </a:pPr>
+            <a:r>
+              <a:rPr lang="en-US" dirty="0"/>
+              <a:t>ASP.NET works in tune with HTTP. You have control over the requests passing between the browser and server, so you can fine-tune your user experience. Ajax is made easy and creating web services to receive browser HTTP requests is a simple process.</a:t>
             </a:r>
           </a:p>
         </p:txBody>
@@ -18535,9 +18508,16 @@
               <a:buFont typeface="Wingdings" panose="05000000000000000000" pitchFamily="2" charset="2"/>
               <a:buChar char="§"/>
             </a:pPr>
-            <a:r>
-              <a:rPr lang="en-US" dirty="0"/>
-              <a:t>The ASP.NET Core MVC architecture gives you a great start in making your application maintainable and testable because you naturally separate different application concerns into independent pieces. In addition, each piece of the ASP.NET Core platform and the ASP.NET Core MVC framework can be isolated and replaced for unit testing, which can be performed using any popular open source testing framework, such as </a:t>
+            <a:endParaRPr lang="en-US" dirty="0"/>
+          </a:p>
+          <a:p>
+            <a:pPr marL="342900" indent="-342900" algn="just">
+              <a:buFont typeface="Wingdings" panose="05000000000000000000" pitchFamily="2" charset="2"/>
+              <a:buChar char="§"/>
+            </a:pPr>
+            <a:r>
+              <a:rPr lang="en-US" dirty="0"/>
+              <a:t>Each piece of the ASP.NET platform and the ASP.NET MVC framework can be isolated and replaced for unit testing, which can be performed using any popular open source testing framework, such as </a:t>
             </a:r>
             <a:r>
               <a:rPr lang="en-US" dirty="0" err="1"/>
@@ -18562,7 +18542,15 @@
             </a:pPr>
             <a:r>
               <a:rPr lang="en-US" dirty="0"/>
-              <a:t>ASP.NET Core MVC applications also work well with UI automation testing tools, too. You can write test scripts that simulate user interactions without needing to guess which HTML element structures, CSS classes, or IDs the framework will generate, and you do not have to worry about the structure changing unexpectedly.</a:t>
+              <a:t>ASP.NET applications also work well with </a:t>
+            </a:r>
+            <a:r>
+              <a:rPr lang="en-US" b="1" dirty="0"/>
+              <a:t>UI automation </a:t>
+            </a:r>
+            <a:r>
+              <a:rPr lang="en-US" dirty="0"/>
+              <a:t>testing tools, too. You can write test scripts that simulate user interactions without needing to guess which HTML element structures, CSS classes, or IDs the framework will generate, and you do not have to worry about the structure changing unexpectedly.</a:t>
             </a:r>
           </a:p>
         </p:txBody>
@@ -18886,7 +18874,7 @@
             </a:pPr>
             <a:r>
               <a:rPr lang="en-US" dirty="0"/>
-              <a:t>Third, when someone understands the structure of a URL, they are more likely to link to it, share it with a friend, or even read it aloud over the phone. </a:t>
+              <a:t>Third, when someone understands the structure of a URL, they are more likely to link to it, share it.</a:t>
             </a:r>
           </a:p>
           <a:p>
@@ -19154,15 +19142,7 @@
             </a:pPr>
             <a:r>
               <a:rPr lang="en-US" dirty="0"/>
-              <a:t>Microsoft’s .NET platform has evolved with each major release, supporting—and even defining—the state-of-</a:t>
-            </a:r>
-            <a:r>
-              <a:rPr lang="en-US" dirty="0" err="1"/>
-              <a:t>theart</a:t>
-            </a:r>
-            <a:r>
-              <a:rPr lang="en-US" dirty="0"/>
-              <a:t> aspects of modern programming. </a:t>
+              <a:t>Microsoft’s .NET platform has evolved with each major release, supporting—and even defining—the state-of-the art aspects of modern programming. </a:t>
             </a:r>
           </a:p>
           <a:p>
@@ -19337,7 +19317,7 @@
             </a:pPr>
             <a:r>
               <a:rPr lang="en-US" dirty="0"/>
-              <a:t>Most ASP.NET Core MVC development is likely to be done using Visual Studio for the immediate future, but Microsoft has also created a cross-platform development tool called Visual Studio Code, which means that ASP.NET Core MVC development is no longer restricted to Windows.</a:t>
+              <a:t>ASP.NET applications can be developed in Visual Studio Code, which is cross-platform, which means that ASP.NET development is no longer restricted to Windows.</a:t>
             </a:r>
           </a:p>
         </p:txBody>
@@ -19933,7 +19913,17 @@
             </a:pPr>
             <a:r>
               <a:rPr lang="en-US" sz="2400" dirty="0"/>
-              <a:t>Web Application</a:t>
+              <a:t>Web App</a:t>
+            </a:r>
+          </a:p>
+          <a:p>
+            <a:pPr marL="609850" lvl="1" indent="-355600">
+              <a:buFont typeface="Wingdings" pitchFamily="2" charset="2"/>
+              <a:buChar char="§"/>
+            </a:pPr>
+            <a:r>
+              <a:rPr lang="en-US" sz="2400" dirty="0"/>
+              <a:t>Web App (Model-View-Controller)</a:t>
             </a:r>
           </a:p>
           <a:p>
@@ -20015,36 +20005,131 @@
           </a:p>
         </p:txBody>
       </p:sp>
-      <p:pic>
-        <p:nvPicPr>
-          <p:cNvPr id="4" name="Content Placeholder 3"/>
-          <p:cNvPicPr>
-            <a:picLocks noGrp="1" noChangeAspect="1"/>
-          </p:cNvPicPr>
+      <p:sp>
+        <p:nvSpPr>
+          <p:cNvPr id="3" name="Content Placeholder 2"/>
+          <p:cNvSpPr>
+            <a:spLocks noGrp="1"/>
+          </p:cNvSpPr>
           <p:nvPr>
             <p:ph idx="1"/>
           </p:nvPr>
-        </p:nvPicPr>
-        <p:blipFill>
-          <a:blip r:embed="rId2"/>
-          <a:stretch>
-            <a:fillRect/>
-          </a:stretch>
-        </p:blipFill>
-        <p:spPr>
-          <a:xfrm>
-            <a:off x="2009554" y="1341438"/>
-            <a:ext cx="8344343" cy="4813300"/>
-          </a:xfrm>
-          <a:prstGeom prst="rect">
-            <a:avLst/>
-          </a:prstGeom>
-        </p:spPr>
-      </p:pic>
+        </p:nvSpPr>
+        <p:spPr/>
+        <p:txBody>
+          <a:bodyPr/>
+          <a:lstStyle/>
+          <a:p>
+            <a:pPr marL="342900" indent="-342900">
+              <a:buFont typeface="Wingdings" panose="05000000000000000000" pitchFamily="2" charset="2"/>
+              <a:buChar char="§"/>
+            </a:pPr>
+            <a:r>
+              <a:rPr lang="en-US" dirty="0"/>
+              <a:t>The </a:t>
+            </a:r>
+            <a:r>
+              <a:rPr lang="en-US" b="1" dirty="0"/>
+              <a:t>Empty</a:t>
+            </a:r>
+            <a:r>
+              <a:rPr lang="en-US" dirty="0"/>
+              <a:t> project template contains the plumbing for ASP.NET Core but doesn’t include the libraries or configuration required for an MVC application. </a:t>
+            </a:r>
+          </a:p>
+          <a:p>
+            <a:pPr marL="342900" indent="-342900">
+              <a:buFont typeface="Wingdings" panose="05000000000000000000" pitchFamily="2" charset="2"/>
+              <a:buChar char="§"/>
+            </a:pPr>
+            <a:endParaRPr lang="en-US" dirty="0"/>
+          </a:p>
+          <a:p>
+            <a:pPr marL="342900" indent="-342900">
+              <a:buFont typeface="Wingdings" panose="05000000000000000000" pitchFamily="2" charset="2"/>
+              <a:buChar char="§"/>
+            </a:pPr>
+            <a:r>
+              <a:rPr lang="en-US" dirty="0"/>
+              <a:t>The </a:t>
+            </a:r>
+            <a:r>
+              <a:rPr lang="en-US" b="1" dirty="0"/>
+              <a:t>Web API </a:t>
+            </a:r>
+            <a:r>
+              <a:rPr lang="en-US" dirty="0"/>
+              <a:t>project template includes ASP.NET Core and MVC, with a sample application that demonstrates how to receive and process Ajax requests from clients. </a:t>
+            </a:r>
+          </a:p>
+          <a:p>
+            <a:pPr marL="342900" indent="-342900">
+              <a:buFont typeface="Wingdings" panose="05000000000000000000" pitchFamily="2" charset="2"/>
+              <a:buChar char="§"/>
+            </a:pPr>
+            <a:endParaRPr lang="en-US" dirty="0"/>
+          </a:p>
+          <a:p>
+            <a:pPr marL="342900" indent="-342900">
+              <a:buFont typeface="Wingdings" panose="05000000000000000000" pitchFamily="2" charset="2"/>
+              <a:buChar char="§"/>
+            </a:pPr>
+            <a:r>
+              <a:rPr lang="en-US" dirty="0"/>
+              <a:t>The </a:t>
+            </a:r>
+            <a:r>
+              <a:rPr lang="en-US" b="1" dirty="0"/>
+              <a:t>Web App </a:t>
+            </a:r>
+            <a:r>
+              <a:rPr lang="en-US" dirty="0"/>
+              <a:t>project template is preconfigured for using Razor Pages.</a:t>
+            </a:r>
+          </a:p>
+          <a:p>
+            <a:pPr marL="342900" indent="-342900">
+              <a:buFont typeface="Wingdings" panose="05000000000000000000" pitchFamily="2" charset="2"/>
+              <a:buChar char="§"/>
+            </a:pPr>
+            <a:endParaRPr lang="en-US" dirty="0"/>
+          </a:p>
+          <a:p>
+            <a:pPr marL="342900" indent="-342900">
+              <a:buFont typeface="Wingdings" panose="05000000000000000000" pitchFamily="2" charset="2"/>
+              <a:buChar char="§"/>
+            </a:pPr>
+            <a:r>
+              <a:rPr lang="en-US" dirty="0"/>
+              <a:t>The </a:t>
+            </a:r>
+            <a:r>
+              <a:rPr lang="en-US" b="1" dirty="0"/>
+              <a:t>Web App </a:t>
+            </a:r>
+            <a:r>
+              <a:rPr lang="en-US" sz="2400" dirty="0"/>
+              <a:t>(Model-View-Controller) </a:t>
+            </a:r>
+            <a:r>
+              <a:rPr lang="en-US" dirty="0"/>
+              <a:t>project template is preconfigured for developing applications using the </a:t>
+            </a:r>
+            <a:r>
+              <a:rPr lang="en-US" sz="2400" dirty="0"/>
+              <a:t>Model-View-Controller pattern</a:t>
+            </a:r>
+            <a:r>
+              <a:rPr lang="en-US" dirty="0"/>
+              <a:t>. </a:t>
+            </a:r>
+          </a:p>
+        </p:txBody>
+      </p:sp>
     </p:spTree>
     <p:extLst>
       <p:ext uri="{BB962C8B-B14F-4D97-AF65-F5344CB8AC3E}">
-        <p14:creationId xmlns:p14="http://schemas.microsoft.com/office/powerpoint/2010/main" val="2835578448"/>
+        <p14:creationId xmlns:p14="http://schemas.microsoft.com/office/powerpoint/2010/main" val="1626849442"/>
       </p:ext>
     </p:extLst>
   </p:cSld>
@@ -20126,161 +20211,6 @@
             </a:pPr>
             <a:r>
               <a:rPr lang="en-US" dirty="0"/>
-              <a:t>The </a:t>
-            </a:r>
-            <a:r>
-              <a:rPr lang="en-US" b="1" dirty="0"/>
-              <a:t>Empty</a:t>
-            </a:r>
-            <a:r>
-              <a:rPr lang="en-US" dirty="0"/>
-              <a:t> project template contains the plumbing for ASP.NET Core but doesn’t include the libraries or configuration required for an MVC application. </a:t>
-            </a:r>
-          </a:p>
-          <a:p>
-            <a:pPr marL="342900" indent="-342900">
-              <a:buFont typeface="Wingdings" panose="05000000000000000000" pitchFamily="2" charset="2"/>
-              <a:buChar char="§"/>
-            </a:pPr>
-            <a:r>
-              <a:rPr lang="en-US" dirty="0"/>
-              <a:t>The </a:t>
-            </a:r>
-            <a:r>
-              <a:rPr lang="en-US" b="1" dirty="0"/>
-              <a:t>Web API </a:t>
-            </a:r>
-            <a:r>
-              <a:rPr lang="en-US" dirty="0"/>
-              <a:t>project template includes ASP.NET Core and MVC, with a sample application that demonstrates how to receive and process Ajax requests from clients. </a:t>
-            </a:r>
-          </a:p>
-          <a:p>
-            <a:pPr marL="342900" indent="-342900">
-              <a:buFont typeface="Wingdings" panose="05000000000000000000" pitchFamily="2" charset="2"/>
-              <a:buChar char="§"/>
-            </a:pPr>
-            <a:r>
-              <a:rPr lang="en-US" dirty="0"/>
-              <a:t>The </a:t>
-            </a:r>
-            <a:r>
-              <a:rPr lang="en-US" b="1" dirty="0"/>
-              <a:t>Web Application </a:t>
-            </a:r>
-            <a:r>
-              <a:rPr lang="en-US" dirty="0"/>
-              <a:t>project template includes ASP.NET Core and MVC, with a sample application that demonstrates how to generate HTML content. </a:t>
-            </a:r>
-          </a:p>
-          <a:p>
-            <a:pPr marL="342900" indent="-342900">
-              <a:buFont typeface="Wingdings" panose="05000000000000000000" pitchFamily="2" charset="2"/>
-              <a:buChar char="§"/>
-            </a:pPr>
-            <a:endParaRPr lang="en-US" dirty="0"/>
-          </a:p>
-          <a:p>
-            <a:pPr marL="342900" indent="-342900">
-              <a:buFont typeface="Wingdings" panose="05000000000000000000" pitchFamily="2" charset="2"/>
-              <a:buChar char="§"/>
-            </a:pPr>
-            <a:r>
-              <a:rPr lang="en-US" b="1" dirty="0"/>
-              <a:t>Note:</a:t>
-            </a:r>
-            <a:r>
-              <a:rPr lang="en-US" dirty="0"/>
-              <a:t> The Web API and Web Application templates can be configured with different schemes for authenticating users and authorizing their access to the application.</a:t>
-            </a:r>
-          </a:p>
-        </p:txBody>
-      </p:sp>
-    </p:spTree>
-    <p:extLst>
-      <p:ext uri="{BB962C8B-B14F-4D97-AF65-F5344CB8AC3E}">
-        <p14:creationId xmlns:p14="http://schemas.microsoft.com/office/powerpoint/2010/main" val="1626849442"/>
-      </p:ext>
-    </p:extLst>
-  </p:cSld>
-  <p:clrMapOvr>
-    <a:masterClrMapping/>
-  </p:clrMapOvr>
-  <mc:AlternateContent xmlns:mc="http://schemas.openxmlformats.org/markup-compatibility/2006" xmlns:p14="http://schemas.microsoft.com/office/powerpoint/2010/main">
-    <mc:Choice Requires="p14">
-      <p:transition spd="med" p14:dur="700">
-        <p:fade/>
-      </p:transition>
-    </mc:Choice>
-    <mc:Fallback xmlns="">
-      <p:transition spd="med">
-        <p:fade/>
-      </p:transition>
-    </mc:Fallback>
-  </mc:AlternateContent>
-</p:sld>
-</file>
-
-<file path=ppt/slides/slide53.xml><?xml version="1.0" encoding="utf-8"?>
-<p:sld xmlns:a="http://schemas.openxmlformats.org/drawingml/2006/main" xmlns:r="http://schemas.openxmlformats.org/officeDocument/2006/relationships" xmlns:p="http://schemas.openxmlformats.org/presentationml/2006/main">
-  <p:cSld>
-    <p:spTree>
-      <p:nvGrpSpPr>
-        <p:cNvPr id="1" name=""/>
-        <p:cNvGrpSpPr/>
-        <p:nvPr/>
-      </p:nvGrpSpPr>
-      <p:grpSpPr>
-        <a:xfrm>
-          <a:off x="0" y="0"/>
-          <a:ext cx="0" cy="0"/>
-          <a:chOff x="0" y="0"/>
-          <a:chExt cx="0" cy="0"/>
-        </a:xfrm>
-      </p:grpSpPr>
-      <p:sp>
-        <p:nvSpPr>
-          <p:cNvPr id="2" name="Title 1"/>
-          <p:cNvSpPr>
-            <a:spLocks noGrp="1"/>
-          </p:cNvSpPr>
-          <p:nvPr>
-            <p:ph type="title"/>
-          </p:nvPr>
-        </p:nvSpPr>
-        <p:spPr/>
-        <p:txBody>
-          <a:bodyPr/>
-          <a:lstStyle/>
-          <a:p>
-            <a:r>
-              <a:rPr lang="en-US" dirty="0"/>
-              <a:t>Visual Studio Project Templates</a:t>
-            </a:r>
-          </a:p>
-        </p:txBody>
-      </p:sp>
-      <p:sp>
-        <p:nvSpPr>
-          <p:cNvPr id="3" name="Content Placeholder 2"/>
-          <p:cNvSpPr>
-            <a:spLocks noGrp="1"/>
-          </p:cNvSpPr>
-          <p:nvPr>
-            <p:ph idx="1"/>
-          </p:nvPr>
-        </p:nvSpPr>
-        <p:spPr/>
-        <p:txBody>
-          <a:bodyPr/>
-          <a:lstStyle/>
-          <a:p>
-            <a:pPr marL="342900" indent="-342900">
-              <a:buFont typeface="Wingdings" panose="05000000000000000000" pitchFamily="2" charset="2"/>
-              <a:buChar char="§"/>
-            </a:pPr>
-            <a:r>
-              <a:rPr lang="en-US" dirty="0"/>
               <a:t>The templates are just different starting points into the same functionality, and you can add whatever functionality you need to projects created with any of the templates.</a:t>
             </a:r>
           </a:p>
@@ -20345,7 +20275,7 @@
 </p:sld>
 </file>
 
-<file path=ppt/slides/slide54.xml><?xml version="1.0" encoding="utf-8"?>
+<file path=ppt/slides/slide53.xml><?xml version="1.0" encoding="utf-8"?>
 <p:sld xmlns:a="http://schemas.openxmlformats.org/drawingml/2006/main" xmlns:r="http://schemas.openxmlformats.org/officeDocument/2006/relationships" xmlns:p="http://schemas.openxmlformats.org/presentationml/2006/main">
   <p:cSld>
     <p:spTree>
@@ -20795,7 +20725,7 @@
 </p:sld>
 </file>
 
-<file path=ppt/slides/slide55.xml><?xml version="1.0" encoding="utf-8"?>
+<file path=ppt/slides/slide54.xml><?xml version="1.0" encoding="utf-8"?>
 <p:sld xmlns:a="http://schemas.openxmlformats.org/drawingml/2006/main" xmlns:r="http://schemas.openxmlformats.org/officeDocument/2006/relationships" xmlns:p="http://schemas.openxmlformats.org/presentationml/2006/main">
   <p:cSld>
     <p:spTree>
@@ -21174,7 +21104,7 @@
 </p:sld>
 </file>
 
-<file path=ppt/slides/slide56.xml><?xml version="1.0" encoding="utf-8"?>
+<file path=ppt/slides/slide55.xml><?xml version="1.0" encoding="utf-8"?>
 <p:sld xmlns:a="http://schemas.openxmlformats.org/drawingml/2006/main" xmlns:r="http://schemas.openxmlformats.org/officeDocument/2006/relationships" xmlns:p="http://schemas.openxmlformats.org/presentationml/2006/main">
   <p:cSld>
     <p:spTree>
@@ -21549,7 +21479,7 @@
 </p:sld>
 </file>
 
-<file path=ppt/slides/slide57.xml><?xml version="1.0" encoding="utf-8"?>
+<file path=ppt/slides/slide56.xml><?xml version="1.0" encoding="utf-8"?>
 <p:sld xmlns:a="http://schemas.openxmlformats.org/drawingml/2006/main" xmlns:r="http://schemas.openxmlformats.org/officeDocument/2006/relationships" xmlns:p="http://schemas.openxmlformats.org/presentationml/2006/main">
   <p:cSld>
     <p:spTree>
@@ -22030,7 +21960,7 @@
 </p:sld>
 </file>
 
-<file path=ppt/slides/slide58.xml><?xml version="1.0" encoding="utf-8"?>
+<file path=ppt/slides/slide57.xml><?xml version="1.0" encoding="utf-8"?>
 <p:sld xmlns:a="http://schemas.openxmlformats.org/drawingml/2006/main" xmlns:r="http://schemas.openxmlformats.org/officeDocument/2006/relationships" xmlns:p="http://schemas.openxmlformats.org/presentationml/2006/main">
   <p:cSld>
     <p:spTree>
@@ -22386,6 +22316,114 @@
 </p:sld>
 </file>
 
+<file path=ppt/slides/slide58.xml><?xml version="1.0" encoding="utf-8"?>
+<p:sld xmlns:a="http://schemas.openxmlformats.org/drawingml/2006/main" xmlns:r="http://schemas.openxmlformats.org/officeDocument/2006/relationships" xmlns:p="http://schemas.openxmlformats.org/presentationml/2006/main">
+  <p:cSld>
+    <p:spTree>
+      <p:nvGrpSpPr>
+        <p:cNvPr id="1" name=""/>
+        <p:cNvGrpSpPr/>
+        <p:nvPr/>
+      </p:nvGrpSpPr>
+      <p:grpSpPr>
+        <a:xfrm>
+          <a:off x="0" y="0"/>
+          <a:ext cx="0" cy="0"/>
+          <a:chOff x="0" y="0"/>
+          <a:chExt cx="0" cy="0"/>
+        </a:xfrm>
+      </p:grpSpPr>
+      <p:sp>
+        <p:nvSpPr>
+          <p:cNvPr id="2" name="Title 1"/>
+          <p:cNvSpPr>
+            <a:spLocks noGrp="1"/>
+          </p:cNvSpPr>
+          <p:nvPr>
+            <p:ph type="title"/>
+          </p:nvPr>
+        </p:nvSpPr>
+        <p:spPr/>
+        <p:txBody>
+          <a:bodyPr/>
+          <a:lstStyle/>
+          <a:p>
+            <a:r>
+              <a:rPr lang="en-US" dirty="0"/>
+              <a:t>Convention Over Configuration</a:t>
+            </a:r>
+          </a:p>
+        </p:txBody>
+      </p:sp>
+      <p:sp>
+        <p:nvSpPr>
+          <p:cNvPr id="3" name="Content Placeholder 2"/>
+          <p:cNvSpPr>
+            <a:spLocks noGrp="1"/>
+          </p:cNvSpPr>
+          <p:nvPr>
+            <p:ph idx="1"/>
+          </p:nvPr>
+        </p:nvSpPr>
+        <p:spPr/>
+        <p:txBody>
+          <a:bodyPr/>
+          <a:lstStyle/>
+          <a:p>
+            <a:pPr marL="342900" indent="-342900">
+              <a:buFont typeface="Wingdings" panose="05000000000000000000" pitchFamily="2" charset="2"/>
+              <a:buChar char="§"/>
+            </a:pPr>
+            <a:r>
+              <a:rPr lang="en-US" dirty="0"/>
+              <a:t>There are two kinds of conventions in an MVC project:</a:t>
+            </a:r>
+          </a:p>
+          <a:p>
+            <a:pPr marL="597150" lvl="1" indent="-342900" algn="just">
+              <a:buFont typeface="Wingdings" panose="05000000000000000000" pitchFamily="2" charset="2"/>
+              <a:buChar char="§"/>
+            </a:pPr>
+            <a:r>
+              <a:rPr lang="en-US" dirty="0"/>
+              <a:t>The first kind is just suggestions as to how you might like to structure your project. For example, it is conventional to put the third-party JavaScript and CSS packages you rely on in the </a:t>
+            </a:r>
+            <a:r>
+              <a:rPr lang="en-US" dirty="0" err="1"/>
+              <a:t>wwwroot</a:t>
+            </a:r>
+            <a:r>
+              <a:rPr lang="en-US" dirty="0"/>
+              <a:t>/lib folder. This is where other MVC developers would expect to find them and where the package manager will install them. But you are free to rename the lib folder, or remove it entirely and put your packages somewhere else. That would not prevent MVC from running your application as long as the script and link elements in your views refer to the location you settle on.</a:t>
+            </a:r>
+          </a:p>
+        </p:txBody>
+      </p:sp>
+    </p:spTree>
+    <p:extLst>
+      <p:ext uri="{BB962C8B-B14F-4D97-AF65-F5344CB8AC3E}">
+        <p14:creationId xmlns:p14="http://schemas.microsoft.com/office/powerpoint/2010/main" val="1083522951"/>
+      </p:ext>
+    </p:extLst>
+  </p:cSld>
+  <p:clrMapOvr>
+    <a:masterClrMapping/>
+  </p:clrMapOvr>
+  <mc:AlternateContent xmlns:mc="http://schemas.openxmlformats.org/markup-compatibility/2006" xmlns:p14="http://schemas.microsoft.com/office/powerpoint/2010/main">
+    <mc:Choice Requires="p14">
+      <p:transition spd="med" p14:dur="700">
+        <p:fade/>
+      </p:transition>
+    </mc:Choice>
+    <mc:Fallback xmlns="">
+      <p:transition spd="med">
+        <p:fade/>
+      </p:transition>
+    </mc:Fallback>
+  </mc:AlternateContent>
+</p:sld>
+</file>
+
 <file path=ppt/slides/slide59.xml><?xml version="1.0" encoding="utf-8"?>
 <p:sld xmlns:a="http://schemas.openxmlformats.org/drawingml/2006/main" xmlns:r="http://schemas.openxmlformats.org/officeDocument/2006/relationships" xmlns:p="http://schemas.openxmlformats.org/presentationml/2006/main">
   <p:cSld>
@@ -22440,39 +22478,47 @@
           <a:bodyPr/>
           <a:lstStyle/>
           <a:p>
-            <a:pPr marL="342900" indent="-342900">
-              <a:buFont typeface="Wingdings" panose="05000000000000000000" pitchFamily="2" charset="2"/>
-              <a:buChar char="§"/>
-            </a:pPr>
-            <a:r>
-              <a:rPr lang="en-US" dirty="0"/>
-              <a:t>There are two kinds of conventions in an MVC project:</a:t>
-            </a:r>
-          </a:p>
-          <a:p>
             <a:pPr marL="597150" lvl="1" indent="-342900" algn="just">
               <a:buFont typeface="Wingdings" panose="05000000000000000000" pitchFamily="2" charset="2"/>
               <a:buChar char="§"/>
             </a:pPr>
             <a:r>
               <a:rPr lang="en-US" dirty="0"/>
-              <a:t>The first kind is just suggestions as to how you might like to structure your project. For example, it is conventional to put the third-party JavaScript and CSS packages you rely on in the </a:t>
-            </a:r>
-            <a:r>
-              <a:rPr lang="en-US" dirty="0" err="1"/>
-              <a:t>wwwroot</a:t>
-            </a:r>
-            <a:r>
-              <a:rPr lang="en-US" dirty="0"/>
-              <a:t>/lib folder. This is where other MVC developers would expect to find them and where the package manager will install them. But you are free to rename the lib folder, or remove it entirely and put your packages somewhere else. That would not prevent MVC from running your application as long as the script and link elements in your views refer to the location you settle on.</a:t>
-            </a:r>
+              <a:t>The other kind of convention arises from the principle of </a:t>
+            </a:r>
+            <a:r>
+              <a:rPr lang="en-US" i="1" dirty="0"/>
+              <a:t>convention over configuration </a:t>
+            </a:r>
+            <a:r>
+              <a:rPr lang="en-US" dirty="0"/>
+              <a:t>, which was one of the main selling points that made Ruby on Rails so popular. Convention over configuration means that you don’t need to explicitly configure associations between controllers and their views, for example. </a:t>
+            </a:r>
+          </a:p>
+          <a:p>
+            <a:pPr marL="597150" lvl="1" indent="-342900" algn="just">
+              <a:buFont typeface="Wingdings" panose="05000000000000000000" pitchFamily="2" charset="2"/>
+              <a:buChar char="§"/>
+            </a:pPr>
+            <a:endParaRPr lang="en-US" dirty="0"/>
+          </a:p>
+          <a:p>
+            <a:pPr marL="597150" lvl="1" indent="-342900" algn="just">
+              <a:buFont typeface="Wingdings" panose="05000000000000000000" pitchFamily="2" charset="2"/>
+              <a:buChar char="§"/>
+            </a:pPr>
+            <a:r>
+              <a:rPr lang="en-US" dirty="0"/>
+              <a:t>You just follow a certain naming convention for your files, and everything just works. There is less flexibility in changing your project structure when dealing with this kind of convention.</a:t>
+            </a:r>
+            <a:endParaRPr lang="en-US" sz="2400" dirty="0"/>
           </a:p>
         </p:txBody>
       </p:sp>
     </p:spTree>
     <p:extLst>
       <p:ext uri="{BB962C8B-B14F-4D97-AF65-F5344CB8AC3E}">
-        <p14:creationId xmlns:p14="http://schemas.microsoft.com/office/powerpoint/2010/main" val="1083522951"/>
+        <p14:creationId xmlns:p14="http://schemas.microsoft.com/office/powerpoint/2010/main" val="4152506549"/>
       </p:ext>
     </p:extLst>
   </p:cSld>
@@ -22748,39 +22794,107 @@
           <a:bodyPr/>
           <a:lstStyle/>
           <a:p>
-            <a:pPr marL="597150" lvl="1" indent="-342900" algn="just">
-              <a:buFont typeface="Wingdings" panose="05000000000000000000" pitchFamily="2" charset="2"/>
+            <a:pPr marL="342900" indent="-342900">
+              <a:buFont typeface="Wingdings" pitchFamily="2" charset="2"/>
               <a:buChar char="§"/>
             </a:pPr>
             <a:r>
-              <a:rPr lang="en-US" dirty="0"/>
-              <a:t>The other kind of convention arises from the principle of </a:t>
-            </a:r>
-            <a:r>
-              <a:rPr lang="en-US" i="1" dirty="0"/>
-              <a:t>convention over configuration </a:t>
-            </a:r>
-            <a:r>
-              <a:rPr lang="en-US" dirty="0"/>
-              <a:t>, which was one of the main selling points that made Ruby on Rails so popular. Convention over configuration means that you don’t need to explicitly configure associations between controllers and their views, for example. </a:t>
-            </a:r>
-          </a:p>
-          <a:p>
-            <a:pPr marL="597150" lvl="1" indent="-342900" algn="just">
-              <a:buFont typeface="Wingdings" panose="05000000000000000000" pitchFamily="2" charset="2"/>
+              <a:rPr lang="en-US" sz="2400" dirty="0"/>
+              <a:t>By following a certain naming convention, everything “works”.</a:t>
+            </a:r>
+          </a:p>
+          <a:p>
+            <a:pPr marL="342900" indent="-342900">
+              <a:buFont typeface="Wingdings" pitchFamily="2" charset="2"/>
               <a:buChar char="§"/>
             </a:pPr>
-            <a:endParaRPr lang="en-US" dirty="0"/>
-          </a:p>
-          <a:p>
-            <a:pPr marL="597150" lvl="1" indent="-342900" algn="just">
-              <a:buFont typeface="Wingdings" panose="05000000000000000000" pitchFamily="2" charset="2"/>
+            <a:endParaRPr lang="en-US" sz="2400" dirty="0"/>
+          </a:p>
+          <a:p>
+            <a:pPr marL="342900" indent="-342900">
+              <a:buFont typeface="Wingdings" pitchFamily="2" charset="2"/>
               <a:buChar char="§"/>
             </a:pPr>
             <a:r>
-              <a:rPr lang="en-US" dirty="0"/>
-              <a:t>You just follow a certain naming convention for your files, and everything just works. There is less flexibility in changing your project structure when dealing with this kind of convention.</a:t>
-            </a:r>
+              <a:rPr lang="en-US" sz="2400" dirty="0"/>
+              <a:t>Principles</a:t>
+            </a:r>
+          </a:p>
+          <a:p>
+            <a:pPr marL="597150" lvl="1" indent="-342900">
+              <a:buFont typeface="Wingdings" pitchFamily="2" charset="2"/>
+              <a:buChar char="§"/>
+            </a:pPr>
+            <a:r>
+              <a:rPr lang="en-US" sz="2000" dirty="0"/>
+              <a:t>avoid configuring things that can be inferred;</a:t>
+            </a:r>
+          </a:p>
+          <a:p>
+            <a:pPr marL="597150" lvl="1" indent="-342900">
+              <a:buFont typeface="Wingdings" pitchFamily="2" charset="2"/>
+              <a:buChar char="§"/>
+            </a:pPr>
+            <a:r>
+              <a:rPr lang="en-US" sz="2000" dirty="0"/>
+              <a:t>all convention-based defaults can be overridden.</a:t>
+            </a:r>
+          </a:p>
+          <a:p>
+            <a:pPr marL="597150" lvl="1" indent="-342900">
+              <a:buFont typeface="Wingdings" pitchFamily="2" charset="2"/>
+              <a:buChar char="§"/>
+            </a:pPr>
+            <a:endParaRPr lang="en-US" sz="2000" dirty="0"/>
+          </a:p>
+          <a:p>
+            <a:pPr marL="342900" indent="-342900">
+              <a:buFont typeface="Wingdings" pitchFamily="2" charset="2"/>
+              <a:buChar char="§"/>
+            </a:pPr>
+            <a:r>
+              <a:rPr lang="en-US" sz="2400" dirty="0"/>
+              <a:t>Example:</a:t>
+            </a:r>
+          </a:p>
+          <a:p>
+            <a:pPr marL="597150" lvl="1" indent="-342900">
+              <a:buFont typeface="Wingdings" pitchFamily="2" charset="2"/>
+              <a:buChar char="§"/>
+            </a:pPr>
+            <a:r>
+              <a:rPr lang="en-US" sz="2000" dirty="0"/>
+              <a:t>No need to explicitly configure associations between </a:t>
+            </a:r>
+            <a:r>
+              <a:rPr lang="en-US" sz="2000" b="1" dirty="0"/>
+              <a:t>controllers</a:t>
+            </a:r>
+            <a:r>
+              <a:rPr lang="en-US" sz="2000" dirty="0"/>
+              <a:t> and their </a:t>
+            </a:r>
+            <a:r>
+              <a:rPr lang="en-US" sz="2000" b="1" dirty="0"/>
+              <a:t>views</a:t>
+            </a:r>
+            <a:r>
+              <a:rPr lang="en-US" sz="2000" dirty="0"/>
+              <a:t>;</a:t>
+            </a:r>
+          </a:p>
+          <a:p>
+            <a:pPr marL="342900" indent="-342900">
+              <a:buFont typeface="Wingdings" pitchFamily="2" charset="2"/>
+              <a:buChar char="§"/>
+            </a:pPr>
+            <a:endParaRPr lang="en-US" sz="2400" dirty="0"/>
+          </a:p>
+          <a:p>
+            <a:pPr marL="342900" indent="-342900">
+              <a:buFont typeface="Wingdings" pitchFamily="2" charset="2"/>
+              <a:buChar char="§"/>
+            </a:pPr>
             <a:endParaRPr lang="en-US" sz="2400" dirty="0"/>
           </a:p>
         </p:txBody>
@@ -22788,7 +22902,7 @@
     </p:spTree>
     <p:extLst>
       <p:ext uri="{BB962C8B-B14F-4D97-AF65-F5344CB8AC3E}">
-        <p14:creationId xmlns:p14="http://schemas.microsoft.com/office/powerpoint/2010/main" val="4152506549"/>
+        <p14:creationId xmlns:p14="http://schemas.microsoft.com/office/powerpoint/2010/main" val="1686078650"/>
       </p:ext>
     </p:extLst>
   </p:cSld>
@@ -22870,24 +22984,7 @@
             </a:pPr>
             <a:r>
               <a:rPr lang="en-US" sz="2400" dirty="0"/>
-              <a:t>By following a certain naming convention, everything “works”.</a:t>
-            </a:r>
-          </a:p>
-          <a:p>
-            <a:pPr marL="342900" indent="-342900">
-              <a:buFont typeface="Wingdings" pitchFamily="2" charset="2"/>
-              <a:buChar char="§"/>
-            </a:pPr>
-            <a:endParaRPr lang="en-US" sz="2400" dirty="0"/>
-          </a:p>
-          <a:p>
-            <a:pPr marL="342900" indent="-342900">
-              <a:buFont typeface="Wingdings" pitchFamily="2" charset="2"/>
-              <a:buChar char="§"/>
-            </a:pPr>
-            <a:r>
-              <a:rPr lang="en-US" sz="2400" dirty="0"/>
-              <a:t>Principles</a:t>
+              <a:t>Three core directions:</a:t>
             </a:r>
           </a:p>
           <a:p>
@@ -22897,7 +22994,7 @@
             </a:pPr>
             <a:r>
               <a:rPr lang="en-US" sz="2000" dirty="0"/>
-              <a:t>avoid configuring things that can be inferred;</a:t>
+              <a:t>Controllers;</a:t>
             </a:r>
           </a:p>
           <a:p>
@@ -22907,7 +23004,17 @@
             </a:pPr>
             <a:r>
               <a:rPr lang="en-US" sz="2000" dirty="0"/>
-              <a:t>all convention-based defaults can be overridden.</a:t>
+              <a:t>Models;</a:t>
+            </a:r>
+          </a:p>
+          <a:p>
+            <a:pPr marL="597150" lvl="1" indent="-342900">
+              <a:buFont typeface="Wingdings" pitchFamily="2" charset="2"/>
+              <a:buChar char="§"/>
+            </a:pPr>
+            <a:r>
+              <a:rPr lang="en-US" sz="2000" dirty="0"/>
+              <a:t>Views.</a:t>
             </a:r>
           </a:p>
           <a:p>
@@ -22924,55 +23031,16 @@
             </a:pPr>
             <a:r>
               <a:rPr lang="en-US" sz="2400" dirty="0"/>
-              <a:t>Example:</a:t>
-            </a:r>
-          </a:p>
-          <a:p>
-            <a:pPr marL="597150" lvl="1" indent="-342900">
-              <a:buFont typeface="Wingdings" pitchFamily="2" charset="2"/>
-              <a:buChar char="§"/>
-            </a:pPr>
-            <a:r>
-              <a:rPr lang="en-US" sz="2000" dirty="0"/>
-              <a:t>No need to explicitly configure associations between </a:t>
-            </a:r>
-            <a:r>
-              <a:rPr lang="en-US" sz="2000" b="1" dirty="0"/>
-              <a:t>controllers</a:t>
-            </a:r>
-            <a:r>
-              <a:rPr lang="en-US" sz="2000" dirty="0"/>
-              <a:t> and their </a:t>
-            </a:r>
-            <a:r>
-              <a:rPr lang="en-US" sz="2000" b="1" dirty="0"/>
-              <a:t>views</a:t>
-            </a:r>
-            <a:r>
-              <a:rPr lang="en-US" sz="2000" dirty="0"/>
-              <a:t>;</a:t>
-            </a:r>
-          </a:p>
-          <a:p>
-            <a:pPr marL="342900" indent="-342900">
-              <a:buFont typeface="Wingdings" pitchFamily="2" charset="2"/>
-              <a:buChar char="§"/>
-            </a:pPr>
-            <a:endParaRPr lang="en-US" sz="2400" dirty="0"/>
-          </a:p>
-          <a:p>
-            <a:pPr marL="342900" indent="-342900">
-              <a:buFont typeface="Wingdings" pitchFamily="2" charset="2"/>
-              <a:buChar char="§"/>
-            </a:pPr>
-            <a:endParaRPr lang="en-US" sz="2400" dirty="0"/>
+              <a:t>Following common conventions and using a software design pattern facilitates code understanding even in large applications.</a:t>
+            </a:r>
+            <a:endParaRPr lang="en-US" dirty="0"/>
           </a:p>
         </p:txBody>
       </p:sp>
     </p:spTree>
     <p:extLst>
       <p:ext uri="{BB962C8B-B14F-4D97-AF65-F5344CB8AC3E}">
-        <p14:creationId xmlns:p14="http://schemas.microsoft.com/office/powerpoint/2010/main" val="1686078650"/>
+        <p14:creationId xmlns:p14="http://schemas.microsoft.com/office/powerpoint/2010/main" val="938784215"/>
       </p:ext>
     </p:extLst>
   </p:cSld>
@@ -23028,7 +23096,7 @@
           <a:p>
             <a:r>
               <a:rPr lang="en-US" dirty="0"/>
-              <a:t>Convention Over Configuration</a:t>
+              <a:t>Controller Conventions</a:t>
             </a:r>
           </a:p>
         </p:txBody>
@@ -23054,63 +23122,95 @@
             </a:pPr>
             <a:r>
               <a:rPr lang="en-US" sz="2400" dirty="0"/>
-              <a:t>Three core directions:</a:t>
-            </a:r>
-          </a:p>
-          <a:p>
-            <a:pPr marL="597150" lvl="1" indent="-342900">
-              <a:buFont typeface="Wingdings" pitchFamily="2" charset="2"/>
-              <a:buChar char="§"/>
-            </a:pPr>
-            <a:r>
-              <a:rPr lang="en-US" sz="2000" dirty="0"/>
-              <a:t>Controllers;</a:t>
-            </a:r>
-          </a:p>
-          <a:p>
-            <a:pPr marL="597150" lvl="1" indent="-342900">
-              <a:buFont typeface="Wingdings" pitchFamily="2" charset="2"/>
-              <a:buChar char="§"/>
-            </a:pPr>
-            <a:r>
-              <a:rPr lang="en-US" sz="2000" dirty="0"/>
-              <a:t>Models;</a:t>
-            </a:r>
-          </a:p>
-          <a:p>
-            <a:pPr marL="597150" lvl="1" indent="-342900">
-              <a:buFont typeface="Wingdings" pitchFamily="2" charset="2"/>
-              <a:buChar char="§"/>
-            </a:pPr>
-            <a:r>
-              <a:rPr lang="en-US" sz="2000" dirty="0"/>
-              <a:t>Views.</a:t>
-            </a:r>
-          </a:p>
-          <a:p>
-            <a:pPr marL="597150" lvl="1" indent="-342900">
-              <a:buFont typeface="Wingdings" pitchFamily="2" charset="2"/>
-              <a:buChar char="§"/>
-            </a:pPr>
-            <a:endParaRPr lang="en-US" sz="2000" dirty="0"/>
+              <a:t>All controller classes end in “Controller” (ex: </a:t>
+            </a:r>
+            <a:r>
+              <a:rPr lang="en-US" sz="2400" dirty="0" err="1"/>
+              <a:t>HomeController</a:t>
+            </a:r>
+            <a:r>
+              <a:rPr lang="en-US" sz="2400" dirty="0"/>
+              <a:t>”);</a:t>
+            </a:r>
           </a:p>
           <a:p>
             <a:pPr marL="342900" indent="-342900">
               <a:buFont typeface="Wingdings" pitchFamily="2" charset="2"/>
               <a:buChar char="§"/>
             </a:pPr>
+            <a:endParaRPr lang="en-US" sz="2400" dirty="0"/>
+          </a:p>
+          <a:p>
+            <a:pPr marL="342900" indent="-342900">
+              <a:buFont typeface="Wingdings" pitchFamily="2" charset="2"/>
+              <a:buChar char="§"/>
+            </a:pPr>
             <a:r>
               <a:rPr lang="en-US" sz="2400" dirty="0"/>
-              <a:t>Following common conventions and using a software design pattern facilitates code understanding even in large applications.</a:t>
-            </a:r>
-            <a:endParaRPr lang="en-US" dirty="0"/>
+              <a:t>Controllers are referenced only by the first part in their names;</a:t>
+            </a:r>
+          </a:p>
+          <a:p>
+            <a:pPr marL="342900" indent="-342900">
+              <a:buFont typeface="Wingdings" pitchFamily="2" charset="2"/>
+              <a:buChar char="§"/>
+            </a:pPr>
+            <a:endParaRPr lang="en-US" sz="2400" dirty="0"/>
+          </a:p>
+          <a:p>
+            <a:pPr marL="342900" indent="-342900">
+              <a:buFont typeface="Wingdings" pitchFamily="2" charset="2"/>
+              <a:buChar char="§"/>
+            </a:pPr>
+            <a:r>
+              <a:rPr lang="en-US" sz="2400" dirty="0"/>
+              <a:t>New controller conventions can be created by implementing </a:t>
+            </a:r>
+            <a:r>
+              <a:rPr lang="en-US" sz="2400" dirty="0" err="1"/>
+              <a:t>IControllerFactory</a:t>
+            </a:r>
+            <a:r>
+              <a:rPr lang="en-US" sz="2400" dirty="0"/>
+              <a:t>.</a:t>
+            </a:r>
+          </a:p>
+          <a:p>
+            <a:pPr marL="342900" indent="-342900">
+              <a:buFont typeface="Wingdings" pitchFamily="2" charset="2"/>
+              <a:buChar char="§"/>
+            </a:pPr>
+            <a:endParaRPr lang="en-US" sz="2400" dirty="0"/>
+          </a:p>
+          <a:p>
+            <a:endParaRPr lang="en-US" sz="2400" dirty="0"/>
+          </a:p>
+          <a:p>
+            <a:pPr marL="342900" indent="-342900">
+              <a:buFont typeface="Wingdings" pitchFamily="2" charset="2"/>
+              <a:buChar char="§"/>
+            </a:pPr>
+            <a:endParaRPr lang="en-US" sz="2400" dirty="0"/>
+          </a:p>
+          <a:p>
+            <a:pPr marL="342900" indent="-342900">
+              <a:buFont typeface="Wingdings" pitchFamily="2" charset="2"/>
+              <a:buChar char="§"/>
+            </a:pPr>
+            <a:endParaRPr lang="en-US" sz="2400" dirty="0"/>
+          </a:p>
+          <a:p>
+            <a:endParaRPr lang="en-US" sz="2400" dirty="0"/>
+          </a:p>
+          <a:p>
+            <a:endParaRPr lang="en-US" sz="2400" dirty="0"/>
           </a:p>
         </p:txBody>
       </p:sp>
     </p:spTree>
     <p:extLst>
       <p:ext uri="{BB962C8B-B14F-4D97-AF65-F5344CB8AC3E}">
-        <p14:creationId xmlns:p14="http://schemas.microsoft.com/office/powerpoint/2010/main" val="938784215"/>
+        <p14:creationId xmlns:p14="http://schemas.microsoft.com/office/powerpoint/2010/main" val="904107891"/>
       </p:ext>
     </p:extLst>
   </p:cSld>
@@ -23166,7 +23266,7 @@
           <a:p>
             <a:r>
               <a:rPr lang="en-US" dirty="0"/>
-              <a:t>Controller Conventions</a:t>
+              <a:t>View Conventions</a:t>
             </a:r>
           </a:p>
         </p:txBody>
@@ -23192,16 +23292,39 @@
             </a:pPr>
             <a:r>
               <a:rPr lang="en-US" sz="2400" dirty="0"/>
-              <a:t>All controller classes end in “Controller” (ex: </a:t>
-            </a:r>
-            <a:r>
-              <a:rPr lang="en-US" sz="2400" dirty="0" err="1"/>
+              <a:t>Views and partial views should be located in the folder </a:t>
+            </a:r>
+            <a:r>
+              <a:rPr lang="en-US" sz="2400" b="1" dirty="0"/>
+              <a:t>/Views/</a:t>
+            </a:r>
+            <a:r>
+              <a:rPr lang="en-US" sz="2400" b="1" dirty="0" err="1"/>
+              <a:t>ControllerName</a:t>
+            </a:r>
+            <a:r>
+              <a:rPr lang="en-US" sz="2400" b="1" dirty="0"/>
+              <a:t>.</a:t>
+            </a:r>
+          </a:p>
+          <a:p>
+            <a:pPr marL="597150" lvl="1" indent="-342900">
+              <a:buFont typeface="Wingdings" pitchFamily="2" charset="2"/>
+              <a:buChar char="§"/>
+            </a:pPr>
+            <a:r>
+              <a:rPr lang="en-US" sz="2000" b="1" dirty="0"/>
+              <a:t>ex: </a:t>
+            </a:r>
+            <a:r>
+              <a:rPr lang="en-US" sz="2000" dirty="0"/>
+              <a:t>/Views/Home for the </a:t>
+            </a:r>
+            <a:r>
+              <a:rPr lang="en-US" sz="2000" dirty="0" err="1"/>
               <a:t>HomeController</a:t>
             </a:r>
-            <a:r>
-              <a:rPr lang="en-US" sz="2400" dirty="0"/>
-              <a:t>”);</a:t>
-            </a:r>
+            <a:endParaRPr lang="en-US" sz="2000" dirty="0"/>
           </a:p>
           <a:p>
             <a:pPr marL="342900" indent="-342900">
@@ -23217,70 +23340,89 @@
             </a:pPr>
             <a:r>
               <a:rPr lang="en-US" sz="2400" dirty="0"/>
-              <a:t>Controllers are referenced only by the first part in their names;</a:t>
-            </a:r>
+              <a:t>The default view for an action should be named after that method.</a:t>
+            </a:r>
+          </a:p>
+          <a:p>
+            <a:pPr marL="597150" lvl="1" indent="-342900">
+              <a:buFont typeface="Wingdings" pitchFamily="2" charset="2"/>
+              <a:buChar char="§"/>
+            </a:pPr>
+            <a:r>
+              <a:rPr lang="en-US" sz="2000" b="1" dirty="0"/>
+              <a:t>ex: </a:t>
+            </a:r>
+            <a:r>
+              <a:rPr lang="en-US" sz="2000" dirty="0"/>
+              <a:t>for an action </a:t>
+            </a:r>
+            <a:r>
+              <a:rPr lang="en-US" sz="2000" b="1" dirty="0"/>
+              <a:t>Index</a:t>
+            </a:r>
+            <a:r>
+              <a:rPr lang="en-US" sz="2000" dirty="0"/>
+              <a:t>, the view should be named </a:t>
+            </a:r>
+            <a:r>
+              <a:rPr lang="en-US" sz="2000" b="1" dirty="0" err="1"/>
+              <a:t>Index.cshtml</a:t>
+            </a:r>
+            <a:endParaRPr lang="en-US" sz="2000" b="1" dirty="0"/>
+          </a:p>
+          <a:p>
+            <a:pPr marL="597150" lvl="1" indent="-342900">
+              <a:buFont typeface="Wingdings" pitchFamily="2" charset="2"/>
+              <a:buChar char="§"/>
+            </a:pPr>
+            <a:endParaRPr lang="en-US" sz="2000" b="1" dirty="0"/>
           </a:p>
           <a:p>
             <a:pPr marL="342900" indent="-342900">
               <a:buFont typeface="Wingdings" pitchFamily="2" charset="2"/>
               <a:buChar char="§"/>
             </a:pPr>
-            <a:endParaRPr lang="en-US" sz="2400" dirty="0"/>
-          </a:p>
-          <a:p>
-            <a:pPr marL="342900" indent="-342900">
+            <a:r>
+              <a:rPr lang="en-US" sz="2400" dirty="0"/>
+              <a:t>Choosing the right view:</a:t>
+            </a:r>
+            <a:endParaRPr lang="en-US" dirty="0"/>
+          </a:p>
+          <a:p>
+            <a:pPr marL="597150" lvl="1" indent="-342900">
               <a:buFont typeface="Wingdings" pitchFamily="2" charset="2"/>
               <a:buChar char="§"/>
             </a:pPr>
             <a:r>
-              <a:rPr lang="en-US" sz="2400" dirty="0"/>
-              <a:t>New controller conventions can be created by implementing </a:t>
-            </a:r>
-            <a:r>
-              <a:rPr lang="en-US" sz="2400" dirty="0" err="1"/>
-              <a:t>IControllerFactory</a:t>
-            </a:r>
-            <a:r>
-              <a:rPr lang="en-US" sz="2400" dirty="0"/>
-              <a:t>.</a:t>
-            </a:r>
-          </a:p>
-          <a:p>
-            <a:pPr marL="342900" indent="-342900">
+              <a:rPr lang="en-US" sz="2000" dirty="0"/>
+              <a:t>The default view will be used for: </a:t>
+            </a:r>
+            <a:r>
+              <a:rPr lang="en-US" sz="2000" b="1" dirty="0"/>
+              <a:t>return View();</a:t>
+            </a:r>
+          </a:p>
+          <a:p>
+            <a:pPr marL="597150" lvl="1" indent="-342900">
               <a:buFont typeface="Wingdings" pitchFamily="2" charset="2"/>
               <a:buChar char="§"/>
             </a:pPr>
-            <a:endParaRPr lang="en-US" sz="2400" dirty="0"/>
-          </a:p>
-          <a:p>
-            <a:endParaRPr lang="en-US" sz="2400" dirty="0"/>
-          </a:p>
-          <a:p>
-            <a:pPr marL="342900" indent="-342900">
-              <a:buFont typeface="Wingdings" pitchFamily="2" charset="2"/>
-              <a:buChar char="§"/>
-            </a:pPr>
-            <a:endParaRPr lang="en-US" sz="2400" dirty="0"/>
-          </a:p>
-          <a:p>
-            <a:pPr marL="342900" indent="-342900">
-              <a:buFont typeface="Wingdings" pitchFamily="2" charset="2"/>
-              <a:buChar char="§"/>
-            </a:pPr>
-            <a:endParaRPr lang="en-US" sz="2400" dirty="0"/>
-          </a:p>
-          <a:p>
-            <a:endParaRPr lang="en-US" sz="2400" dirty="0"/>
-          </a:p>
-          <a:p>
-            <a:endParaRPr lang="en-US" sz="2400" dirty="0"/>
+            <a:r>
+              <a:rPr lang="en-US" sz="2000" dirty="0"/>
+              <a:t>A different view can be specified by name: </a:t>
+            </a:r>
+            <a:r>
+              <a:rPr lang="en-US" sz="2000" b="1" dirty="0"/>
+              <a:t>return View(“Other”);</a:t>
+            </a:r>
+            <a:endParaRPr lang="en-US" sz="2000" dirty="0"/>
           </a:p>
         </p:txBody>
       </p:sp>
     </p:spTree>
     <p:extLst>
       <p:ext uri="{BB962C8B-B14F-4D97-AF65-F5344CB8AC3E}">
-        <p14:creationId xmlns:p14="http://schemas.microsoft.com/office/powerpoint/2010/main" val="904107891"/>
+        <p14:creationId xmlns:p14="http://schemas.microsoft.com/office/powerpoint/2010/main" val="2222646946"/>
       </p:ext>
     </p:extLst>
   </p:cSld>
@@ -23336,218 +23478,6 @@
           <a:p>
             <a:r>
               <a:rPr lang="en-US" dirty="0"/>
-              <a:t>View Conventions</a:t>
-            </a:r>
-          </a:p>
-        </p:txBody>
-      </p:sp>
-      <p:sp>
-        <p:nvSpPr>
-          <p:cNvPr id="3" name="Content Placeholder 2"/>
-          <p:cNvSpPr>
-            <a:spLocks noGrp="1"/>
-          </p:cNvSpPr>
-          <p:nvPr>
-            <p:ph idx="1"/>
-          </p:nvPr>
-        </p:nvSpPr>
-        <p:spPr/>
-        <p:txBody>
-          <a:bodyPr/>
-          <a:lstStyle/>
-          <a:p>
-            <a:pPr marL="342900" indent="-342900">
-              <a:buFont typeface="Wingdings" pitchFamily="2" charset="2"/>
-              <a:buChar char="§"/>
-            </a:pPr>
-            <a:r>
-              <a:rPr lang="en-US" sz="2400" dirty="0"/>
-              <a:t>Views and partial views should be located in the folder </a:t>
-            </a:r>
-            <a:r>
-              <a:rPr lang="en-US" sz="2400" b="1" dirty="0"/>
-              <a:t>/Views/</a:t>
-            </a:r>
-            <a:r>
-              <a:rPr lang="en-US" sz="2400" b="1" dirty="0" err="1"/>
-              <a:t>ControllerName</a:t>
-            </a:r>
-            <a:r>
-              <a:rPr lang="en-US" sz="2400" b="1" dirty="0"/>
-              <a:t>.</a:t>
-            </a:r>
-          </a:p>
-          <a:p>
-            <a:pPr marL="597150" lvl="1" indent="-342900">
-              <a:buFont typeface="Wingdings" pitchFamily="2" charset="2"/>
-              <a:buChar char="§"/>
-            </a:pPr>
-            <a:r>
-              <a:rPr lang="en-US" sz="2000" b="1" dirty="0"/>
-              <a:t>ex: </a:t>
-            </a:r>
-            <a:r>
-              <a:rPr lang="en-US" sz="2000" dirty="0"/>
-              <a:t>/Views/Home for the </a:t>
-            </a:r>
-            <a:r>
-              <a:rPr lang="en-US" sz="2000" dirty="0" err="1"/>
-              <a:t>HomeController</a:t>
-            </a:r>
-            <a:endParaRPr lang="en-US" sz="2000" dirty="0"/>
-          </a:p>
-          <a:p>
-            <a:pPr marL="342900" indent="-342900">
-              <a:buFont typeface="Wingdings" pitchFamily="2" charset="2"/>
-              <a:buChar char="§"/>
-            </a:pPr>
-            <a:endParaRPr lang="en-US" sz="2400" dirty="0"/>
-          </a:p>
-          <a:p>
-            <a:pPr marL="342900" indent="-342900">
-              <a:buFont typeface="Wingdings" pitchFamily="2" charset="2"/>
-              <a:buChar char="§"/>
-            </a:pPr>
-            <a:r>
-              <a:rPr lang="en-US" sz="2400" dirty="0"/>
-              <a:t>The default view for an action should be named after that method.</a:t>
-            </a:r>
-          </a:p>
-          <a:p>
-            <a:pPr marL="597150" lvl="1" indent="-342900">
-              <a:buFont typeface="Wingdings" pitchFamily="2" charset="2"/>
-              <a:buChar char="§"/>
-            </a:pPr>
-            <a:r>
-              <a:rPr lang="en-US" sz="2000" b="1" dirty="0"/>
-              <a:t>ex: </a:t>
-            </a:r>
-            <a:r>
-              <a:rPr lang="en-US" sz="2000" dirty="0"/>
-              <a:t>for an action </a:t>
-            </a:r>
-            <a:r>
-              <a:rPr lang="en-US" sz="2000" b="1" dirty="0"/>
-              <a:t>Index</a:t>
-            </a:r>
-            <a:r>
-              <a:rPr lang="en-US" sz="2000" dirty="0"/>
-              <a:t>, the view should be named </a:t>
-            </a:r>
-            <a:r>
-              <a:rPr lang="en-US" sz="2000" b="1" dirty="0" err="1"/>
-              <a:t>Index.cshtml</a:t>
-            </a:r>
-            <a:endParaRPr lang="en-US" sz="2000" b="1" dirty="0"/>
-          </a:p>
-          <a:p>
-            <a:pPr marL="597150" lvl="1" indent="-342900">
-              <a:buFont typeface="Wingdings" pitchFamily="2" charset="2"/>
-              <a:buChar char="§"/>
-            </a:pPr>
-            <a:endParaRPr lang="en-US" sz="2000" b="1" dirty="0"/>
-          </a:p>
-          <a:p>
-            <a:pPr marL="342900" indent="-342900">
-              <a:buFont typeface="Wingdings" pitchFamily="2" charset="2"/>
-              <a:buChar char="§"/>
-            </a:pPr>
-            <a:r>
-              <a:rPr lang="en-US" sz="2400" dirty="0"/>
-              <a:t>Choosing the right view:</a:t>
-            </a:r>
-            <a:endParaRPr lang="en-US" dirty="0"/>
-          </a:p>
-          <a:p>
-            <a:pPr marL="597150" lvl="1" indent="-342900">
-              <a:buFont typeface="Wingdings" pitchFamily="2" charset="2"/>
-              <a:buChar char="§"/>
-            </a:pPr>
-            <a:r>
-              <a:rPr lang="en-US" sz="2000" dirty="0"/>
-              <a:t>The default view will be used for: </a:t>
-            </a:r>
-            <a:r>
-              <a:rPr lang="en-US" sz="2000" b="1" dirty="0"/>
-              <a:t>return View();</a:t>
-            </a:r>
-          </a:p>
-          <a:p>
-            <a:pPr marL="597150" lvl="1" indent="-342900">
-              <a:buFont typeface="Wingdings" pitchFamily="2" charset="2"/>
-              <a:buChar char="§"/>
-            </a:pPr>
-            <a:r>
-              <a:rPr lang="en-US" sz="2000" dirty="0"/>
-              <a:t>A different view can be specified by name: </a:t>
-            </a:r>
-            <a:r>
-              <a:rPr lang="en-US" sz="2000" b="1" dirty="0"/>
-              <a:t>return View(“Other”);</a:t>
-            </a:r>
-            <a:endParaRPr lang="en-US" sz="2000" dirty="0"/>
-          </a:p>
-        </p:txBody>
-      </p:sp>
-    </p:spTree>
-    <p:extLst>
-      <p:ext uri="{BB962C8B-B14F-4D97-AF65-F5344CB8AC3E}">
-        <p14:creationId xmlns:p14="http://schemas.microsoft.com/office/powerpoint/2010/main" val="2222646946"/>
-      </p:ext>
-    </p:extLst>
-  </p:cSld>
-  <p:clrMapOvr>
-    <a:masterClrMapping/>
-  </p:clrMapOvr>
-  <mc:AlternateContent xmlns:mc="http://schemas.openxmlformats.org/markup-compatibility/2006" xmlns:p14="http://schemas.microsoft.com/office/powerpoint/2010/main">
-    <mc:Choice Requires="p14">
-      <p:transition spd="med" p14:dur="700">
-        <p:fade/>
-      </p:transition>
-    </mc:Choice>
-    <mc:Fallback xmlns="">
-      <p:transition spd="med">
-        <p:fade/>
-      </p:transition>
-    </mc:Fallback>
-  </mc:AlternateContent>
-</p:sld>
-</file>
-
-<file path=ppt/slides/slide65.xml><?xml version="1.0" encoding="utf-8"?>
-<p:sld xmlns:a="http://schemas.openxmlformats.org/drawingml/2006/main" xmlns:r="http://schemas.openxmlformats.org/officeDocument/2006/relationships" xmlns:p="http://schemas.openxmlformats.org/presentationml/2006/main">
-  <p:cSld>
-    <p:spTree>
-      <p:nvGrpSpPr>
-        <p:cNvPr id="1" name=""/>
-        <p:cNvGrpSpPr/>
-        <p:nvPr/>
-      </p:nvGrpSpPr>
-      <p:grpSpPr>
-        <a:xfrm>
-          <a:off x="0" y="0"/>
-          <a:ext cx="0" cy="0"/>
-          <a:chOff x="0" y="0"/>
-          <a:chExt cx="0" cy="0"/>
-        </a:xfrm>
-      </p:grpSpPr>
-      <p:sp>
-        <p:nvSpPr>
-          <p:cNvPr id="2" name="Title 1"/>
-          <p:cNvSpPr>
-            <a:spLocks noGrp="1"/>
-          </p:cNvSpPr>
-          <p:nvPr>
-            <p:ph type="title"/>
-          </p:nvPr>
-        </p:nvSpPr>
-        <p:spPr/>
-        <p:txBody>
-          <a:bodyPr/>
-          <a:lstStyle/>
-          <a:p>
-            <a:r>
-              <a:rPr lang="en-US" dirty="0"/>
               <a:t>Layout Conventions</a:t>
             </a:r>
           </a:p>
@@ -23723,7 +23653,7 @@
 </p:sld>
 </file>
 
-<file path=ppt/slides/slide66.xml><?xml version="1.0" encoding="utf-8"?>
+<file path=ppt/slides/slide65.xml><?xml version="1.0" encoding="utf-8"?>
 <p:sld xmlns:a="http://schemas.openxmlformats.org/drawingml/2006/main" xmlns:r="http://schemas.openxmlformats.org/officeDocument/2006/relationships" xmlns:p="http://schemas.openxmlformats.org/presentationml/2006/main">
   <p:cSld>
     <p:spTree>
